--- a/보고서/클래스설계서_Final_Project.pptx
+++ b/보고서/클래스설계서_Final_Project.pptx
@@ -9,31 +9,40 @@
     <p:sldId id="257" r:id="rId3"/>
     <p:sldId id="258" r:id="rId4"/>
     <p:sldId id="301" r:id="rId5"/>
-    <p:sldId id="311" r:id="rId6"/>
-    <p:sldId id="312" r:id="rId7"/>
-    <p:sldId id="313" r:id="rId8"/>
-    <p:sldId id="314" r:id="rId9"/>
-    <p:sldId id="315" r:id="rId10"/>
-    <p:sldId id="302" r:id="rId11"/>
-    <p:sldId id="304" r:id="rId12"/>
-    <p:sldId id="306" r:id="rId13"/>
-    <p:sldId id="307" r:id="rId14"/>
-    <p:sldId id="308" r:id="rId15"/>
-    <p:sldId id="309" r:id="rId16"/>
-    <p:sldId id="310" r:id="rId17"/>
-    <p:sldId id="303" r:id="rId18"/>
-    <p:sldId id="305" r:id="rId19"/>
+    <p:sldId id="302" r:id="rId6"/>
+    <p:sldId id="304" r:id="rId7"/>
+    <p:sldId id="306" r:id="rId8"/>
+    <p:sldId id="307" r:id="rId9"/>
+    <p:sldId id="308" r:id="rId10"/>
+    <p:sldId id="309" r:id="rId11"/>
+    <p:sldId id="310" r:id="rId12"/>
+    <p:sldId id="303" r:id="rId13"/>
+    <p:sldId id="305" r:id="rId14"/>
+    <p:sldId id="318" r:id="rId15"/>
+    <p:sldId id="319" r:id="rId16"/>
+    <p:sldId id="320" r:id="rId17"/>
+    <p:sldId id="321" r:id="rId18"/>
+    <p:sldId id="322" r:id="rId19"/>
+    <p:sldId id="323" r:id="rId20"/>
+    <p:sldId id="324" r:id="rId21"/>
+    <p:sldId id="311" r:id="rId22"/>
+    <p:sldId id="312" r:id="rId23"/>
+    <p:sldId id="315" r:id="rId24"/>
+    <p:sldId id="316" r:id="rId25"/>
+    <p:sldId id="317" r:id="rId26"/>
+    <p:sldId id="313" r:id="rId27"/>
+    <p:sldId id="314" r:id="rId28"/>
   </p:sldIdLst>
   <p:sldSz cx="12192000" cy="6858000"/>
   <p:notesSz cx="6858000" cy="9144000"/>
   <p:embeddedFontLst>
     <p:embeddedFont>
       <p:font typeface="THE정고딕150" pitchFamily="18" charset="-127"/>
-      <p:regular r:id="rId20"/>
+      <p:regular r:id="rId29"/>
     </p:embeddedFont>
     <p:embeddedFont>
       <p:font typeface="THE정고딕130" pitchFamily="18" charset="-127"/>
-      <p:regular r:id="rId21"/>
+      <p:regular r:id="rId30"/>
     </p:embeddedFont>
   </p:embeddedFontLst>
   <p:defaultTextStyle>
@@ -133,7 +142,7 @@
   </p:defaultTextStyle>
   <p:extLst>
     <p:ext uri="{EFAFB233-063F-42B5-8137-9DF3F51BA10A}">
-      <p15:sldGuideLst xmlns="" xmlns:p14="http://schemas.microsoft.com/office/powerpoint/2010/main" xmlns:p15="http://schemas.microsoft.com/office/powerpoint/2012/main">
+      <p15:sldGuideLst xmlns:p15="http://schemas.microsoft.com/office/powerpoint/2012/main" xmlns:p14="http://schemas.microsoft.com/office/powerpoint/2010/main" xmlns="">
         <p15:guide id="0" orient="horz" pos="2157" userDrawn="1">
           <p15:clr>
             <a:srgbClr val="A4A3A4"/>
@@ -295,7 +304,7 @@
           <a:p>
             <a:fld id="{2AFE6DCD-4700-455A-AD6D-3C42515F5C57}" type="datetimeFigureOut">
               <a:rPr lang="ko-KR" altLang="en-US" smtClean="0"/>
-              <a:t>2017-12-02</a:t>
+              <a:t>2017-12-03</a:t>
             </a:fld>
             <a:endParaRPr lang="ko-KR" altLang="en-US"/>
           </a:p>
@@ -473,7 +482,7 @@
           <a:p>
             <a:fld id="{2AFE6DCD-4700-455A-AD6D-3C42515F5C57}" type="datetimeFigureOut">
               <a:rPr lang="ko-KR" altLang="en-US" smtClean="0"/>
-              <a:t>2017-12-02</a:t>
+              <a:t>2017-12-03</a:t>
             </a:fld>
             <a:endParaRPr lang="ko-KR" altLang="en-US"/>
           </a:p>
@@ -663,7 +672,7 @@
           <a:p>
             <a:fld id="{2AFE6DCD-4700-455A-AD6D-3C42515F5C57}" type="datetimeFigureOut">
               <a:rPr lang="ko-KR" altLang="en-US" smtClean="0"/>
-              <a:t>2017-12-02</a:t>
+              <a:t>2017-12-03</a:t>
             </a:fld>
             <a:endParaRPr lang="ko-KR" altLang="en-US"/>
           </a:p>
@@ -831,7 +840,7 @@
           <a:p>
             <a:fld id="{2AFE6DCD-4700-455A-AD6D-3C42515F5C57}" type="datetimeFigureOut">
               <a:rPr lang="ko-KR" altLang="en-US" smtClean="0"/>
-              <a:t>2017-12-02</a:t>
+              <a:t>2017-12-03</a:t>
             </a:fld>
             <a:endParaRPr lang="ko-KR" altLang="en-US"/>
           </a:p>
@@ -1076,7 +1085,7 @@
           <a:p>
             <a:fld id="{2AFE6DCD-4700-455A-AD6D-3C42515F5C57}" type="datetimeFigureOut">
               <a:rPr lang="ko-KR" altLang="en-US" smtClean="0"/>
-              <a:t>2017-12-02</a:t>
+              <a:t>2017-12-03</a:t>
             </a:fld>
             <a:endParaRPr lang="ko-KR" altLang="en-US"/>
           </a:p>
@@ -1305,7 +1314,7 @@
           <a:p>
             <a:fld id="{2AFE6DCD-4700-455A-AD6D-3C42515F5C57}" type="datetimeFigureOut">
               <a:rPr lang="ko-KR" altLang="en-US" smtClean="0"/>
-              <a:t>2017-12-02</a:t>
+              <a:t>2017-12-03</a:t>
             </a:fld>
             <a:endParaRPr lang="ko-KR" altLang="en-US"/>
           </a:p>
@@ -1669,7 +1678,7 @@
           <a:p>
             <a:fld id="{2AFE6DCD-4700-455A-AD6D-3C42515F5C57}" type="datetimeFigureOut">
               <a:rPr lang="ko-KR" altLang="en-US" smtClean="0"/>
-              <a:t>2017-12-02</a:t>
+              <a:t>2017-12-03</a:t>
             </a:fld>
             <a:endParaRPr lang="ko-KR" altLang="en-US"/>
           </a:p>
@@ -1790,7 +1799,7 @@
           <p:cNvPr id="8" name="직사각형 7">
             <a:extLst>
               <a:ext uri="{FF2B5EF4-FFF2-40B4-BE49-F238E27FC236}">
-                <a16:creationId xmlns:a16="http://schemas.microsoft.com/office/drawing/2014/main" xmlns="" id="{EC9D3B80-2639-45EA-95B5-D9EAD7F532D5}"/>
+                <a16:creationId xmlns="" xmlns:a16="http://schemas.microsoft.com/office/drawing/2014/main" id="{EC9D3B80-2639-45EA-95B5-D9EAD7F532D5}"/>
               </a:ext>
             </a:extLst>
           </p:cNvPr>
@@ -2160,7 +2169,7 @@
           <a:p>
             <a:fld id="{2AFE6DCD-4700-455A-AD6D-3C42515F5C57}" type="datetimeFigureOut">
               <a:rPr lang="ko-KR" altLang="en-US" smtClean="0"/>
-              <a:t>2017-12-02</a:t>
+              <a:t>2017-12-03</a:t>
             </a:fld>
             <a:endParaRPr lang="ko-KR" altLang="en-US"/>
           </a:p>
@@ -2374,7 +2383,7 @@
             <a:fld id="{2AFE6DCD-4700-455A-AD6D-3C42515F5C57}" type="datetimeFigureOut">
               <a:rPr lang="ko-KR" altLang="en-US" smtClean="0"/>
               <a:pPr/>
-              <a:t>2017-12-02</a:t>
+              <a:t>2017-12-03</a:t>
             </a:fld>
             <a:endParaRPr lang="ko-KR" altLang="en-US"/>
           </a:p>
@@ -3036,14 +3045,6 @@
 <file path=ppt/slides/slide10.xml><?xml version="1.0" encoding="utf-8"?>
 <p:sld xmlns:a="http://schemas.openxmlformats.org/drawingml/2006/main" xmlns:r="http://schemas.openxmlformats.org/officeDocument/2006/relationships" xmlns:p="http://schemas.openxmlformats.org/presentationml/2006/main">
   <p:cSld>
-    <p:bg>
-      <p:bgPr>
-        <a:solidFill>
-          <a:srgbClr val="212121"/>
-        </a:solidFill>
-        <a:effectLst/>
-      </p:bgPr>
-    </p:bg>
     <p:spTree>
       <p:nvGrpSpPr>
         <p:cNvPr id="1" name=""/>
@@ -3058,155 +3059,124 @@
           <a:chExt cx="0" cy="0"/>
         </a:xfrm>
       </p:grpSpPr>
-      <p:grpSp>
-        <p:nvGrpSpPr>
-          <p:cNvPr id="2" name="그룹 1">
+      <p:sp>
+        <p:nvSpPr>
+          <p:cNvPr id="4" name="제목 3"/>
+          <p:cNvSpPr>
+            <a:spLocks noGrp="1"/>
+          </p:cNvSpPr>
+          <p:nvPr>
+            <p:ph type="title"/>
+          </p:nvPr>
+        </p:nvSpPr>
+        <p:spPr>
+          <a:xfrm>
+            <a:off x="250190" y="0"/>
+            <a:ext cx="3373755" cy="650875"/>
+          </a:xfrm>
+        </p:spPr>
+        <p:txBody>
+          <a:bodyPr anchor="ctr">
+            <a:normAutofit/>
+          </a:bodyPr>
+          <a:lstStyle/>
+          <a:p>
+            <a:pPr lvl="0">
+              <a:defRPr/>
+            </a:pPr>
+            <a:r>
+              <a:rPr lang="ko-KR" altLang="en-US" sz="2800" smtClean="0"/>
+              <a:t>클래스 다이어그램</a:t>
+            </a:r>
+            <a:endParaRPr lang="ko-KR" altLang="en-US" sz="2800"/>
+          </a:p>
+        </p:txBody>
+      </p:sp>
+      <p:sp>
+        <p:nvSpPr>
+          <p:cNvPr id="5" name="텍스트 개체 틀 4"/>
+          <p:cNvSpPr>
+            <a:spLocks noGrp="1"/>
+          </p:cNvSpPr>
+          <p:nvPr>
+            <p:ph type="body" sz="half" idx="2"/>
+          </p:nvPr>
+        </p:nvSpPr>
+        <p:spPr>
+          <a:xfrm>
+            <a:off x="3424555" y="0"/>
+            <a:ext cx="3931920" cy="650875"/>
+          </a:xfrm>
+        </p:spPr>
+        <p:txBody>
+          <a:bodyPr anchor="ctr">
+            <a:normAutofit/>
+          </a:bodyPr>
+          <a:lstStyle/>
+          <a:p>
+            <a:pPr lvl="0">
+              <a:defRPr/>
+            </a:pPr>
+            <a:r>
+              <a:rPr lang="en-US" altLang="ko-KR" smtClean="0"/>
+              <a:t>Yoga</a:t>
+            </a:r>
+            <a:endParaRPr lang="ko-KR" altLang="en-US"/>
+          </a:p>
+        </p:txBody>
+      </p:sp>
+      <p:pic>
+        <p:nvPicPr>
+          <p:cNvPr id="5122" name="Picture 2" descr="C:\Users\DongKyun\Documents\GitHub\KHFinalProject\보고서\클래스\yoga클래스.jpg"/>
+          <p:cNvPicPr>
+            <a:picLocks noChangeAspect="1" noChangeArrowheads="1"/>
+          </p:cNvPicPr>
+          <p:nvPr/>
+        </p:nvPicPr>
+        <p:blipFill>
+          <a:blip r:embed="rId2">
             <a:extLst>
-              <a:ext uri="{FF2B5EF4-FFF2-40B4-BE49-F238E27FC236}">
-                <a16:creationId xmlns:p14="http://schemas.microsoft.com/office/powerpoint/2010/main" xmlns:a16="http://schemas.microsoft.com/office/drawing/2014/main" xmlns="" id="{C71E5FE6-3E6D-4092-81AA-962DB5284ABF}"/>
+              <a:ext uri="{28A0092B-C50C-407E-A947-70E740481C1C}">
+                <a14:useLocalDpi xmlns:a14="http://schemas.microsoft.com/office/drawing/2010/main" val="0"/>
               </a:ext>
             </a:extLst>
-          </p:cNvPr>
-          <p:cNvGrpSpPr/>
-          <p:nvPr/>
-        </p:nvGrpSpPr>
-        <p:grpSpPr>
-          <a:xfrm>
-            <a:off x="4598353" y="2980372"/>
-            <a:ext cx="3757365" cy="564515"/>
-            <a:chOff x="4598353" y="2980372"/>
-            <a:chExt cx="3757365" cy="564515"/>
-          </a:xfrm>
-        </p:grpSpPr>
-        <p:sp>
-          <p:nvSpPr>
-            <p:cNvPr id="30" name="타원 29"/>
-            <p:cNvSpPr/>
-            <p:nvPr/>
-          </p:nvSpPr>
-          <p:spPr>
-            <a:xfrm>
-              <a:off x="4598353" y="2980372"/>
-              <a:ext cx="564832" cy="564515"/>
-            </a:xfrm>
-            <a:prstGeom prst="ellipse">
-              <a:avLst/>
-            </a:prstGeom>
-            <a:solidFill>
-              <a:schemeClr val="bg1"/>
-            </a:solidFill>
-            <a:ln>
-              <a:noFill/>
-            </a:ln>
-          </p:spPr>
-          <p:style>
-            <a:lnRef idx="2">
-              <a:schemeClr val="accent1">
-                <a:shade val="50000"/>
-              </a:schemeClr>
-            </a:lnRef>
-            <a:fillRef idx="1">
-              <a:schemeClr val="accent1"/>
-            </a:fillRef>
-            <a:effectRef idx="0">
-              <a:schemeClr val="accent1"/>
-            </a:effectRef>
-            <a:fontRef idx="minor">
-              <a:schemeClr val="lt1"/>
-            </a:fontRef>
-          </p:style>
-          <p:txBody>
-            <a:bodyPr rtlCol="0" anchor="ctr"/>
-            <a:lstStyle/>
-            <a:p>
-              <a:pPr algn="ctr"/>
-              <a:r>
-                <a:rPr lang="en-US" altLang="ko-KR" sz="2800" b="1">
-                  <a:solidFill>
-                    <a:schemeClr val="tx1"/>
-                  </a:solidFill>
-                  <a:latin typeface="THE정고딕130" panose="02020603020101020101" pitchFamily="18" charset="-127"/>
-                  <a:ea typeface="THE정고딕130" panose="02020603020101020101" pitchFamily="18" charset="-127"/>
-                </a:rPr>
-                <a:t>2</a:t>
-              </a:r>
-              <a:endParaRPr lang="ko-KR" altLang="en-US" sz="2800" b="1">
+          </a:blip>
+          <a:srcRect/>
+          <a:stretch>
+            <a:fillRect/>
+          </a:stretch>
+        </p:blipFill>
+        <p:spPr bwMode="auto">
+          <a:xfrm>
+            <a:off x="250190" y="1076325"/>
+            <a:ext cx="11791950" cy="5143500"/>
+          </a:xfrm>
+          <a:prstGeom prst="rect">
+            <a:avLst/>
+          </a:prstGeom>
+          <a:noFill/>
+          <a:extLst>
+            <a:ext uri="{909E8E84-426E-40DD-AFC4-6F175D3DCCD1}">
+              <a14:hiddenFill xmlns:a14="http://schemas.microsoft.com/office/drawing/2010/main">
                 <a:solidFill>
-                  <a:schemeClr val="tx1"/>
+                  <a:srgbClr val="FFFFFF"/>
                 </a:solidFill>
-                <a:latin typeface="THE정고딕130" panose="02020603020101020101" pitchFamily="18" charset="-127"/>
-                <a:ea typeface="THE정고딕130" panose="02020603020101020101" pitchFamily="18" charset="-127"/>
-              </a:endParaRPr>
-            </a:p>
-          </p:txBody>
-        </p:sp>
-        <p:sp>
-          <p:nvSpPr>
-            <p:cNvPr id="6" name="TextBox 5">
-              <a:extLst>
-                <a:ext uri="{FF2B5EF4-FFF2-40B4-BE49-F238E27FC236}">
-                  <a16:creationId xmlns:p14="http://schemas.microsoft.com/office/powerpoint/2010/main" xmlns:a16="http://schemas.microsoft.com/office/drawing/2014/main" xmlns="" id="{BCB0E9E3-FAB5-4E31-83EE-08A0FE55BB4A}"/>
-                </a:ext>
-              </a:extLst>
-            </p:cNvPr>
-            <p:cNvSpPr txBox="1"/>
-            <p:nvPr/>
-          </p:nvSpPr>
-          <p:spPr>
-            <a:xfrm>
-              <a:off x="5295265" y="3001010"/>
-              <a:ext cx="3060453" cy="523220"/>
-            </a:xfrm>
-            <a:prstGeom prst="rect">
-              <a:avLst/>
-            </a:prstGeom>
-            <a:noFill/>
-          </p:spPr>
-          <p:txBody>
-            <a:bodyPr wrap="none" rtlCol="0">
-              <a:spAutoFit/>
-            </a:bodyPr>
-            <a:lstStyle/>
-            <a:p>
-              <a:r>
-                <a:rPr lang="ko-KR" altLang="en-US" sz="2800" smtClean="0">
-                  <a:solidFill>
-                    <a:schemeClr val="bg1"/>
-                  </a:solidFill>
-                  <a:latin typeface="+mj-ea"/>
-                  <a:ea typeface="+mj-ea"/>
-                </a:rPr>
-                <a:t>클래스 다이어그램</a:t>
-              </a:r>
-              <a:endParaRPr lang="en-US" altLang="ko-KR" sz="2800">
-                <a:solidFill>
-                  <a:schemeClr val="bg1"/>
-                </a:solidFill>
-                <a:latin typeface="+mj-ea"/>
-                <a:ea typeface="+mj-ea"/>
-              </a:endParaRPr>
-            </a:p>
-          </p:txBody>
-        </p:sp>
-      </p:grpSp>
+              </a14:hiddenFill>
+            </a:ext>
+          </a:extLst>
+        </p:spPr>
+      </p:pic>
     </p:spTree>
     <p:extLst>
       <p:ext uri="{BB962C8B-B14F-4D97-AF65-F5344CB8AC3E}">
-        <p14:creationId xmlns:p14="http://schemas.microsoft.com/office/powerpoint/2010/main" val="693951829"/>
+        <p14:creationId xmlns:p14="http://schemas.microsoft.com/office/powerpoint/2010/main" val="2541774278"/>
       </p:ext>
     </p:extLst>
   </p:cSld>
   <p:clrMapOvr>
     <a:masterClrMapping/>
   </p:clrMapOvr>
-  <mc:AlternateContent xmlns:mc="http://schemas.openxmlformats.org/markup-compatibility/2006" xmlns:p14="http://schemas.microsoft.com/office/powerpoint/2010/main">
-    <mc:Choice Requires="p14">
-      <p:transition spd="slow" p14:dur="2000"/>
-    </mc:Choice>
-    <mc:Fallback xmlns="">
-      <p:transition spd="slow"/>
-    </mc:Fallback>
-  </mc:AlternateContent>
+  <p:transition/>
   <p:timing>
     <p:tnLst>
       <p:par>
@@ -3294,7 +3264,7 @@
             </a:pPr>
             <a:r>
               <a:rPr lang="en-US" altLang="ko-KR" smtClean="0"/>
-              <a:t>User</a:t>
+              <a:t>Community</a:t>
             </a:r>
             <a:endParaRPr lang="ko-KR" altLang="en-US"/>
           </a:p>
@@ -3302,7 +3272,7 @@
       </p:sp>
       <p:pic>
         <p:nvPicPr>
-          <p:cNvPr id="1026" name="Picture 2" descr="C:\Users\DongKyun\Documents\GitHub\KHFinalProject\보고서\클래스\user클래스.jpg"/>
+          <p:cNvPr id="1026" name="Picture 2" descr="C:\Users\DongKyun\Documents\GitHub\KHFinalProject\보고서\클래스\community클래스.jpg"/>
           <p:cNvPicPr>
             <a:picLocks noChangeAspect="1" noChangeArrowheads="1"/>
           </p:cNvPicPr>
@@ -3323,8 +3293,8 @@
         </p:blipFill>
         <p:spPr bwMode="auto">
           <a:xfrm>
-            <a:off x="733425" y="787400"/>
-            <a:ext cx="10839450" cy="5969000"/>
+            <a:off x="222249" y="809625"/>
+            <a:ext cx="11598276" cy="5679292"/>
           </a:xfrm>
           <a:prstGeom prst="rect">
             <a:avLst/>
@@ -3341,690 +3311,6 @@
           </a:extLst>
         </p:spPr>
       </p:pic>
-    </p:spTree>
-    <p:extLst>
-      <p:ext uri="{BB962C8B-B14F-4D97-AF65-F5344CB8AC3E}">
-        <p14:creationId xmlns:p14="http://schemas.microsoft.com/office/powerpoint/2010/main" val="1953278713"/>
-      </p:ext>
-    </p:extLst>
-  </p:cSld>
-  <p:clrMapOvr>
-    <a:masterClrMapping/>
-  </p:clrMapOvr>
-  <p:transition/>
-  <p:timing>
-    <p:tnLst>
-      <p:par>
-        <p:cTn id="1" dur="indefinite" restart="never" nodeType="tmRoot"/>
-      </p:par>
-    </p:tnLst>
-  </p:timing>
-</p:sld>
-</file>
-
-<file path=ppt/slides/slide12.xml><?xml version="1.0" encoding="utf-8"?>
-<p:sld xmlns:a="http://schemas.openxmlformats.org/drawingml/2006/main" xmlns:r="http://schemas.openxmlformats.org/officeDocument/2006/relationships" xmlns:p="http://schemas.openxmlformats.org/presentationml/2006/main">
-  <p:cSld>
-    <p:spTree>
-      <p:nvGrpSpPr>
-        <p:cNvPr id="1" name=""/>
-        <p:cNvGrpSpPr/>
-        <p:nvPr/>
-      </p:nvGrpSpPr>
-      <p:grpSpPr>
-        <a:xfrm>
-          <a:off x="0" y="0"/>
-          <a:ext cx="0" cy="0"/>
-          <a:chOff x="0" y="0"/>
-          <a:chExt cx="0" cy="0"/>
-        </a:xfrm>
-      </p:grpSpPr>
-      <p:sp>
-        <p:nvSpPr>
-          <p:cNvPr id="4" name="제목 3"/>
-          <p:cNvSpPr>
-            <a:spLocks noGrp="1"/>
-          </p:cNvSpPr>
-          <p:nvPr>
-            <p:ph type="title"/>
-          </p:nvPr>
-        </p:nvSpPr>
-        <p:spPr>
-          <a:xfrm>
-            <a:off x="250190" y="0"/>
-            <a:ext cx="3373755" cy="650875"/>
-          </a:xfrm>
-        </p:spPr>
-        <p:txBody>
-          <a:bodyPr anchor="ctr">
-            <a:normAutofit/>
-          </a:bodyPr>
-          <a:lstStyle/>
-          <a:p>
-            <a:pPr lvl="0">
-              <a:defRPr/>
-            </a:pPr>
-            <a:r>
-              <a:rPr lang="ko-KR" altLang="en-US" sz="2800" smtClean="0"/>
-              <a:t>클래스 다이어그램</a:t>
-            </a:r>
-            <a:endParaRPr lang="ko-KR" altLang="en-US" sz="2800"/>
-          </a:p>
-        </p:txBody>
-      </p:sp>
-      <p:sp>
-        <p:nvSpPr>
-          <p:cNvPr id="5" name="텍스트 개체 틀 4"/>
-          <p:cNvSpPr>
-            <a:spLocks noGrp="1"/>
-          </p:cNvSpPr>
-          <p:nvPr>
-            <p:ph type="body" sz="half" idx="2"/>
-          </p:nvPr>
-        </p:nvSpPr>
-        <p:spPr>
-          <a:xfrm>
-            <a:off x="3424555" y="0"/>
-            <a:ext cx="3931920" cy="650875"/>
-          </a:xfrm>
-        </p:spPr>
-        <p:txBody>
-          <a:bodyPr anchor="ctr">
-            <a:normAutofit/>
-          </a:bodyPr>
-          <a:lstStyle/>
-          <a:p>
-            <a:pPr lvl="0">
-              <a:defRPr/>
-            </a:pPr>
-            <a:r>
-              <a:rPr lang="en-US" altLang="ko-KR" smtClean="0"/>
-              <a:t>Admin</a:t>
-            </a:r>
-            <a:endParaRPr lang="ko-KR" altLang="en-US"/>
-          </a:p>
-        </p:txBody>
-      </p:sp>
-      <p:pic>
-        <p:nvPicPr>
-          <p:cNvPr id="2050" name="Picture 2" descr="C:\Users\DongKyun\Documents\GitHub\KHFinalProject\보고서\클래스\admin클래스.jpg"/>
-          <p:cNvPicPr>
-            <a:picLocks noChangeAspect="1" noChangeArrowheads="1"/>
-          </p:cNvPicPr>
-          <p:nvPr/>
-        </p:nvPicPr>
-        <p:blipFill>
-          <a:blip r:embed="rId2">
-            <a:extLst>
-              <a:ext uri="{28A0092B-C50C-407E-A947-70E740481C1C}">
-                <a14:useLocalDpi xmlns:a14="http://schemas.microsoft.com/office/drawing/2010/main" val="0"/>
-              </a:ext>
-            </a:extLst>
-          </a:blip>
-          <a:srcRect/>
-          <a:stretch>
-            <a:fillRect/>
-          </a:stretch>
-        </p:blipFill>
-        <p:spPr bwMode="auto">
-          <a:xfrm>
-            <a:off x="2057400" y="746124"/>
-            <a:ext cx="7620000" cy="5991225"/>
-          </a:xfrm>
-          <a:prstGeom prst="rect">
-            <a:avLst/>
-          </a:prstGeom>
-          <a:noFill/>
-          <a:extLst>
-            <a:ext uri="{909E8E84-426E-40DD-AFC4-6F175D3DCCD1}">
-              <a14:hiddenFill xmlns:a14="http://schemas.microsoft.com/office/drawing/2010/main">
-                <a:solidFill>
-                  <a:srgbClr val="FFFFFF"/>
-                </a:solidFill>
-              </a14:hiddenFill>
-            </a:ext>
-          </a:extLst>
-        </p:spPr>
-      </p:pic>
-    </p:spTree>
-    <p:extLst>
-      <p:ext uri="{BB962C8B-B14F-4D97-AF65-F5344CB8AC3E}">
-        <p14:creationId xmlns:p14="http://schemas.microsoft.com/office/powerpoint/2010/main" val="4112727436"/>
-      </p:ext>
-    </p:extLst>
-  </p:cSld>
-  <p:clrMapOvr>
-    <a:masterClrMapping/>
-  </p:clrMapOvr>
-  <p:transition/>
-  <p:timing>
-    <p:tnLst>
-      <p:par>
-        <p:cTn id="1" dur="indefinite" restart="never" nodeType="tmRoot"/>
-      </p:par>
-    </p:tnLst>
-  </p:timing>
-</p:sld>
-</file>
-
-<file path=ppt/slides/slide13.xml><?xml version="1.0" encoding="utf-8"?>
-<p:sld xmlns:a="http://schemas.openxmlformats.org/drawingml/2006/main" xmlns:r="http://schemas.openxmlformats.org/officeDocument/2006/relationships" xmlns:p="http://schemas.openxmlformats.org/presentationml/2006/main">
-  <p:cSld>
-    <p:spTree>
-      <p:nvGrpSpPr>
-        <p:cNvPr id="1" name=""/>
-        <p:cNvGrpSpPr/>
-        <p:nvPr/>
-      </p:nvGrpSpPr>
-      <p:grpSpPr>
-        <a:xfrm>
-          <a:off x="0" y="0"/>
-          <a:ext cx="0" cy="0"/>
-          <a:chOff x="0" y="0"/>
-          <a:chExt cx="0" cy="0"/>
-        </a:xfrm>
-      </p:grpSpPr>
-      <p:sp>
-        <p:nvSpPr>
-          <p:cNvPr id="4" name="제목 3"/>
-          <p:cNvSpPr>
-            <a:spLocks noGrp="1"/>
-          </p:cNvSpPr>
-          <p:nvPr>
-            <p:ph type="title"/>
-          </p:nvPr>
-        </p:nvSpPr>
-        <p:spPr>
-          <a:xfrm>
-            <a:off x="250190" y="0"/>
-            <a:ext cx="3373755" cy="650875"/>
-          </a:xfrm>
-        </p:spPr>
-        <p:txBody>
-          <a:bodyPr anchor="ctr">
-            <a:normAutofit/>
-          </a:bodyPr>
-          <a:lstStyle/>
-          <a:p>
-            <a:pPr lvl="0">
-              <a:defRPr/>
-            </a:pPr>
-            <a:r>
-              <a:rPr lang="ko-KR" altLang="en-US" sz="2800" smtClean="0"/>
-              <a:t>클래스 다이어그램</a:t>
-            </a:r>
-            <a:endParaRPr lang="ko-KR" altLang="en-US" sz="2800"/>
-          </a:p>
-        </p:txBody>
-      </p:sp>
-      <p:sp>
-        <p:nvSpPr>
-          <p:cNvPr id="5" name="텍스트 개체 틀 4"/>
-          <p:cNvSpPr>
-            <a:spLocks noGrp="1"/>
-          </p:cNvSpPr>
-          <p:nvPr>
-            <p:ph type="body" sz="half" idx="2"/>
-          </p:nvPr>
-        </p:nvSpPr>
-        <p:spPr>
-          <a:xfrm>
-            <a:off x="3424555" y="0"/>
-            <a:ext cx="3931920" cy="650875"/>
-          </a:xfrm>
-        </p:spPr>
-        <p:txBody>
-          <a:bodyPr anchor="ctr">
-            <a:normAutofit/>
-          </a:bodyPr>
-          <a:lstStyle/>
-          <a:p>
-            <a:pPr lvl="0">
-              <a:defRPr/>
-            </a:pPr>
-            <a:r>
-              <a:rPr lang="en-US" altLang="ko-KR" smtClean="0"/>
-              <a:t>Gym</a:t>
-            </a:r>
-            <a:endParaRPr lang="ko-KR" altLang="en-US"/>
-          </a:p>
-        </p:txBody>
-      </p:sp>
-      <p:pic>
-        <p:nvPicPr>
-          <p:cNvPr id="3074" name="Picture 2" descr="C:\Users\DongKyun\Documents\GitHub\KHFinalProject\보고서\클래스\gym클래스.jpg"/>
-          <p:cNvPicPr>
-            <a:picLocks noChangeAspect="1" noChangeArrowheads="1"/>
-          </p:cNvPicPr>
-          <p:nvPr/>
-        </p:nvPicPr>
-        <p:blipFill>
-          <a:blip r:embed="rId2">
-            <a:extLst>
-              <a:ext uri="{28A0092B-C50C-407E-A947-70E740481C1C}">
-                <a14:useLocalDpi xmlns:a14="http://schemas.microsoft.com/office/drawing/2010/main" val="0"/>
-              </a:ext>
-            </a:extLst>
-          </a:blip>
-          <a:srcRect/>
-          <a:stretch>
-            <a:fillRect/>
-          </a:stretch>
-        </p:blipFill>
-        <p:spPr bwMode="auto">
-          <a:xfrm>
-            <a:off x="698500" y="1044575"/>
-            <a:ext cx="10909300" cy="5283200"/>
-          </a:xfrm>
-          <a:prstGeom prst="rect">
-            <a:avLst/>
-          </a:prstGeom>
-          <a:noFill/>
-          <a:extLst>
-            <a:ext uri="{909E8E84-426E-40DD-AFC4-6F175D3DCCD1}">
-              <a14:hiddenFill xmlns:a14="http://schemas.microsoft.com/office/drawing/2010/main">
-                <a:solidFill>
-                  <a:srgbClr val="FFFFFF"/>
-                </a:solidFill>
-              </a14:hiddenFill>
-            </a:ext>
-          </a:extLst>
-        </p:spPr>
-      </p:pic>
-    </p:spTree>
-    <p:extLst>
-      <p:ext uri="{BB962C8B-B14F-4D97-AF65-F5344CB8AC3E}">
-        <p14:creationId xmlns:p14="http://schemas.microsoft.com/office/powerpoint/2010/main" val="2869662868"/>
-      </p:ext>
-    </p:extLst>
-  </p:cSld>
-  <p:clrMapOvr>
-    <a:masterClrMapping/>
-  </p:clrMapOvr>
-  <p:transition/>
-  <p:timing>
-    <p:tnLst>
-      <p:par>
-        <p:cTn id="1" dur="indefinite" restart="never" nodeType="tmRoot"/>
-      </p:par>
-    </p:tnLst>
-  </p:timing>
-</p:sld>
-</file>
-
-<file path=ppt/slides/slide14.xml><?xml version="1.0" encoding="utf-8"?>
-<p:sld xmlns:a="http://schemas.openxmlformats.org/drawingml/2006/main" xmlns:r="http://schemas.openxmlformats.org/officeDocument/2006/relationships" xmlns:p="http://schemas.openxmlformats.org/presentationml/2006/main">
-  <p:cSld>
-    <p:spTree>
-      <p:nvGrpSpPr>
-        <p:cNvPr id="1" name=""/>
-        <p:cNvGrpSpPr/>
-        <p:nvPr/>
-      </p:nvGrpSpPr>
-      <p:grpSpPr>
-        <a:xfrm>
-          <a:off x="0" y="0"/>
-          <a:ext cx="0" cy="0"/>
-          <a:chOff x="0" y="0"/>
-          <a:chExt cx="0" cy="0"/>
-        </a:xfrm>
-      </p:grpSpPr>
-      <p:sp>
-        <p:nvSpPr>
-          <p:cNvPr id="4" name="제목 3"/>
-          <p:cNvSpPr>
-            <a:spLocks noGrp="1"/>
-          </p:cNvSpPr>
-          <p:nvPr>
-            <p:ph type="title"/>
-          </p:nvPr>
-        </p:nvSpPr>
-        <p:spPr>
-          <a:xfrm>
-            <a:off x="250190" y="0"/>
-            <a:ext cx="3373755" cy="650875"/>
-          </a:xfrm>
-        </p:spPr>
-        <p:txBody>
-          <a:bodyPr anchor="ctr">
-            <a:normAutofit/>
-          </a:bodyPr>
-          <a:lstStyle/>
-          <a:p>
-            <a:pPr lvl="0">
-              <a:defRPr/>
-            </a:pPr>
-            <a:r>
-              <a:rPr lang="ko-KR" altLang="en-US" sz="2800" smtClean="0"/>
-              <a:t>클래스 다이어그램</a:t>
-            </a:r>
-            <a:endParaRPr lang="ko-KR" altLang="en-US" sz="2800"/>
-          </a:p>
-        </p:txBody>
-      </p:sp>
-      <p:sp>
-        <p:nvSpPr>
-          <p:cNvPr id="5" name="텍스트 개체 틀 4"/>
-          <p:cNvSpPr>
-            <a:spLocks noGrp="1"/>
-          </p:cNvSpPr>
-          <p:nvPr>
-            <p:ph type="body" sz="half" idx="2"/>
-          </p:nvPr>
-        </p:nvSpPr>
-        <p:spPr>
-          <a:xfrm>
-            <a:off x="3424555" y="0"/>
-            <a:ext cx="3931920" cy="650875"/>
-          </a:xfrm>
-        </p:spPr>
-        <p:txBody>
-          <a:bodyPr anchor="ctr">
-            <a:normAutofit/>
-          </a:bodyPr>
-          <a:lstStyle/>
-          <a:p>
-            <a:pPr lvl="0">
-              <a:defRPr/>
-            </a:pPr>
-            <a:r>
-              <a:rPr lang="en-US" altLang="ko-KR" smtClean="0"/>
-              <a:t>Health</a:t>
-            </a:r>
-            <a:endParaRPr lang="ko-KR" altLang="en-US"/>
-          </a:p>
-        </p:txBody>
-      </p:sp>
-      <p:pic>
-        <p:nvPicPr>
-          <p:cNvPr id="4098" name="Picture 2" descr="C:\Users\DongKyun\Documents\GitHub\KHFinalProject\보고서\클래스\health클래스.jpg"/>
-          <p:cNvPicPr>
-            <a:picLocks noChangeAspect="1" noChangeArrowheads="1"/>
-          </p:cNvPicPr>
-          <p:nvPr/>
-        </p:nvPicPr>
-        <p:blipFill>
-          <a:blip r:embed="rId2">
-            <a:extLst>
-              <a:ext uri="{28A0092B-C50C-407E-A947-70E740481C1C}">
-                <a14:useLocalDpi xmlns:a14="http://schemas.microsoft.com/office/drawing/2010/main" val="0"/>
-              </a:ext>
-            </a:extLst>
-          </a:blip>
-          <a:srcRect/>
-          <a:stretch>
-            <a:fillRect/>
-          </a:stretch>
-        </p:blipFill>
-        <p:spPr bwMode="auto">
-          <a:xfrm>
-            <a:off x="1908175" y="1949450"/>
-            <a:ext cx="8166100" cy="3225800"/>
-          </a:xfrm>
-          <a:prstGeom prst="rect">
-            <a:avLst/>
-          </a:prstGeom>
-          <a:noFill/>
-          <a:extLst>
-            <a:ext uri="{909E8E84-426E-40DD-AFC4-6F175D3DCCD1}">
-              <a14:hiddenFill xmlns:a14="http://schemas.microsoft.com/office/drawing/2010/main">
-                <a:solidFill>
-                  <a:srgbClr val="FFFFFF"/>
-                </a:solidFill>
-              </a14:hiddenFill>
-            </a:ext>
-          </a:extLst>
-        </p:spPr>
-      </p:pic>
-    </p:spTree>
-    <p:extLst>
-      <p:ext uri="{BB962C8B-B14F-4D97-AF65-F5344CB8AC3E}">
-        <p14:creationId xmlns:p14="http://schemas.microsoft.com/office/powerpoint/2010/main" val="28708698"/>
-      </p:ext>
-    </p:extLst>
-  </p:cSld>
-  <p:clrMapOvr>
-    <a:masterClrMapping/>
-  </p:clrMapOvr>
-  <p:transition/>
-  <p:timing>
-    <p:tnLst>
-      <p:par>
-        <p:cTn id="1" dur="indefinite" restart="never" nodeType="tmRoot"/>
-      </p:par>
-    </p:tnLst>
-  </p:timing>
-</p:sld>
-</file>
-
-<file path=ppt/slides/slide15.xml><?xml version="1.0" encoding="utf-8"?>
-<p:sld xmlns:a="http://schemas.openxmlformats.org/drawingml/2006/main" xmlns:r="http://schemas.openxmlformats.org/officeDocument/2006/relationships" xmlns:p="http://schemas.openxmlformats.org/presentationml/2006/main">
-  <p:cSld>
-    <p:spTree>
-      <p:nvGrpSpPr>
-        <p:cNvPr id="1" name=""/>
-        <p:cNvGrpSpPr/>
-        <p:nvPr/>
-      </p:nvGrpSpPr>
-      <p:grpSpPr>
-        <a:xfrm>
-          <a:off x="0" y="0"/>
-          <a:ext cx="0" cy="0"/>
-          <a:chOff x="0" y="0"/>
-          <a:chExt cx="0" cy="0"/>
-        </a:xfrm>
-      </p:grpSpPr>
-      <p:sp>
-        <p:nvSpPr>
-          <p:cNvPr id="4" name="제목 3"/>
-          <p:cNvSpPr>
-            <a:spLocks noGrp="1"/>
-          </p:cNvSpPr>
-          <p:nvPr>
-            <p:ph type="title"/>
-          </p:nvPr>
-        </p:nvSpPr>
-        <p:spPr>
-          <a:xfrm>
-            <a:off x="250190" y="0"/>
-            <a:ext cx="3373755" cy="650875"/>
-          </a:xfrm>
-        </p:spPr>
-        <p:txBody>
-          <a:bodyPr anchor="ctr">
-            <a:normAutofit/>
-          </a:bodyPr>
-          <a:lstStyle/>
-          <a:p>
-            <a:pPr lvl="0">
-              <a:defRPr/>
-            </a:pPr>
-            <a:r>
-              <a:rPr lang="ko-KR" altLang="en-US" sz="2800" smtClean="0"/>
-              <a:t>클래스 다이어그램</a:t>
-            </a:r>
-            <a:endParaRPr lang="ko-KR" altLang="en-US" sz="2800"/>
-          </a:p>
-        </p:txBody>
-      </p:sp>
-      <p:sp>
-        <p:nvSpPr>
-          <p:cNvPr id="5" name="텍스트 개체 틀 4"/>
-          <p:cNvSpPr>
-            <a:spLocks noGrp="1"/>
-          </p:cNvSpPr>
-          <p:nvPr>
-            <p:ph type="body" sz="half" idx="2"/>
-          </p:nvPr>
-        </p:nvSpPr>
-        <p:spPr>
-          <a:xfrm>
-            <a:off x="3424555" y="0"/>
-            <a:ext cx="3931920" cy="650875"/>
-          </a:xfrm>
-        </p:spPr>
-        <p:txBody>
-          <a:bodyPr anchor="ctr">
-            <a:normAutofit/>
-          </a:bodyPr>
-          <a:lstStyle/>
-          <a:p>
-            <a:pPr lvl="0">
-              <a:defRPr/>
-            </a:pPr>
-            <a:r>
-              <a:rPr lang="en-US" altLang="ko-KR" smtClean="0"/>
-              <a:t>Yoga</a:t>
-            </a:r>
-            <a:endParaRPr lang="ko-KR" altLang="en-US"/>
-          </a:p>
-        </p:txBody>
-      </p:sp>
-      <p:pic>
-        <p:nvPicPr>
-          <p:cNvPr id="5122" name="Picture 2" descr="C:\Users\DongKyun\Documents\GitHub\KHFinalProject\보고서\클래스\yoga클래스.jpg"/>
-          <p:cNvPicPr>
-            <a:picLocks noChangeAspect="1" noChangeArrowheads="1"/>
-          </p:cNvPicPr>
-          <p:nvPr/>
-        </p:nvPicPr>
-        <p:blipFill>
-          <a:blip r:embed="rId2">
-            <a:extLst>
-              <a:ext uri="{28A0092B-C50C-407E-A947-70E740481C1C}">
-                <a14:useLocalDpi xmlns:a14="http://schemas.microsoft.com/office/drawing/2010/main" val="0"/>
-              </a:ext>
-            </a:extLst>
-          </a:blip>
-          <a:srcRect/>
-          <a:stretch>
-            <a:fillRect/>
-          </a:stretch>
-        </p:blipFill>
-        <p:spPr bwMode="auto">
-          <a:xfrm>
-            <a:off x="250190" y="1076325"/>
-            <a:ext cx="11791950" cy="5143500"/>
-          </a:xfrm>
-          <a:prstGeom prst="rect">
-            <a:avLst/>
-          </a:prstGeom>
-          <a:noFill/>
-          <a:extLst>
-            <a:ext uri="{909E8E84-426E-40DD-AFC4-6F175D3DCCD1}">
-              <a14:hiddenFill xmlns:a14="http://schemas.microsoft.com/office/drawing/2010/main">
-                <a:solidFill>
-                  <a:srgbClr val="FFFFFF"/>
-                </a:solidFill>
-              </a14:hiddenFill>
-            </a:ext>
-          </a:extLst>
-        </p:spPr>
-      </p:pic>
-    </p:spTree>
-    <p:extLst>
-      <p:ext uri="{BB962C8B-B14F-4D97-AF65-F5344CB8AC3E}">
-        <p14:creationId xmlns:p14="http://schemas.microsoft.com/office/powerpoint/2010/main" val="2541774278"/>
-      </p:ext>
-    </p:extLst>
-  </p:cSld>
-  <p:clrMapOvr>
-    <a:masterClrMapping/>
-  </p:clrMapOvr>
-  <p:transition/>
-  <p:timing>
-    <p:tnLst>
-      <p:par>
-        <p:cTn id="1" dur="indefinite" restart="never" nodeType="tmRoot"/>
-      </p:par>
-    </p:tnLst>
-  </p:timing>
-</p:sld>
-</file>
-
-<file path=ppt/slides/slide16.xml><?xml version="1.0" encoding="utf-8"?>
-<p:sld xmlns:a="http://schemas.openxmlformats.org/drawingml/2006/main" xmlns:r="http://schemas.openxmlformats.org/officeDocument/2006/relationships" xmlns:p="http://schemas.openxmlformats.org/presentationml/2006/main">
-  <p:cSld>
-    <p:spTree>
-      <p:nvGrpSpPr>
-        <p:cNvPr id="1" name=""/>
-        <p:cNvGrpSpPr/>
-        <p:nvPr/>
-      </p:nvGrpSpPr>
-      <p:grpSpPr>
-        <a:xfrm>
-          <a:off x="0" y="0"/>
-          <a:ext cx="0" cy="0"/>
-          <a:chOff x="0" y="0"/>
-          <a:chExt cx="0" cy="0"/>
-        </a:xfrm>
-      </p:grpSpPr>
-      <p:sp>
-        <p:nvSpPr>
-          <p:cNvPr id="4" name="제목 3"/>
-          <p:cNvSpPr>
-            <a:spLocks noGrp="1"/>
-          </p:cNvSpPr>
-          <p:nvPr>
-            <p:ph type="title"/>
-          </p:nvPr>
-        </p:nvSpPr>
-        <p:spPr>
-          <a:xfrm>
-            <a:off x="250190" y="0"/>
-            <a:ext cx="3373755" cy="650875"/>
-          </a:xfrm>
-        </p:spPr>
-        <p:txBody>
-          <a:bodyPr anchor="ctr">
-            <a:normAutofit/>
-          </a:bodyPr>
-          <a:lstStyle/>
-          <a:p>
-            <a:pPr lvl="0">
-              <a:defRPr/>
-            </a:pPr>
-            <a:r>
-              <a:rPr lang="ko-KR" altLang="en-US" sz="2800" smtClean="0"/>
-              <a:t>클래스 다이어그램</a:t>
-            </a:r>
-            <a:endParaRPr lang="ko-KR" altLang="en-US" sz="2800"/>
-          </a:p>
-        </p:txBody>
-      </p:sp>
-      <p:sp>
-        <p:nvSpPr>
-          <p:cNvPr id="5" name="텍스트 개체 틀 4"/>
-          <p:cNvSpPr>
-            <a:spLocks noGrp="1"/>
-          </p:cNvSpPr>
-          <p:nvPr>
-            <p:ph type="body" sz="half" idx="2"/>
-          </p:nvPr>
-        </p:nvSpPr>
-        <p:spPr>
-          <a:xfrm>
-            <a:off x="3424555" y="0"/>
-            <a:ext cx="3931920" cy="650875"/>
-          </a:xfrm>
-        </p:spPr>
-        <p:txBody>
-          <a:bodyPr anchor="ctr">
-            <a:normAutofit/>
-          </a:bodyPr>
-          <a:lstStyle/>
-          <a:p>
-            <a:pPr lvl="0">
-              <a:defRPr/>
-            </a:pPr>
-            <a:r>
-              <a:rPr lang="en-US" altLang="ko-KR" smtClean="0"/>
-              <a:t>Community</a:t>
-            </a:r>
-            <a:endParaRPr lang="ko-KR" altLang="en-US"/>
-          </a:p>
-        </p:txBody>
-      </p:sp>
     </p:spTree>
     <p:extLst>
       <p:ext uri="{BB962C8B-B14F-4D97-AF65-F5344CB8AC3E}">
@@ -4046,7 +3332,7 @@
 </p:sld>
 </file>
 
-<file path=ppt/slides/slide17.xml><?xml version="1.0" encoding="utf-8"?>
+<file path=ppt/slides/slide12.xml><?xml version="1.0" encoding="utf-8"?>
 <p:sld xmlns:a="http://schemas.openxmlformats.org/drawingml/2006/main" xmlns:r="http://schemas.openxmlformats.org/officeDocument/2006/relationships" xmlns:p="http://schemas.openxmlformats.org/presentationml/2006/main">
   <p:cSld>
     <p:bg>
@@ -4076,7 +3362,7 @@
           <p:cNvPr id="2" name="그룹 1">
             <a:extLst>
               <a:ext uri="{FF2B5EF4-FFF2-40B4-BE49-F238E27FC236}">
-                <a16:creationId xmlns:p14="http://schemas.microsoft.com/office/powerpoint/2010/main" xmlns:a16="http://schemas.microsoft.com/office/drawing/2014/main" xmlns="" id="{C71E5FE6-3E6D-4092-81AA-962DB5284ABF}"/>
+                <a16:creationId xmlns="" xmlns:a16="http://schemas.microsoft.com/office/drawing/2014/main" xmlns:p14="http://schemas.microsoft.com/office/powerpoint/2010/main" id="{C71E5FE6-3E6D-4092-81AA-962DB5284ABF}"/>
               </a:ext>
             </a:extLst>
           </p:cNvPr>
@@ -4158,7 +3444,7 @@
             <p:cNvPr id="6" name="TextBox 5">
               <a:extLst>
                 <a:ext uri="{FF2B5EF4-FFF2-40B4-BE49-F238E27FC236}">
-                  <a16:creationId xmlns:p14="http://schemas.microsoft.com/office/powerpoint/2010/main" xmlns:a16="http://schemas.microsoft.com/office/drawing/2014/main" xmlns="" id="{BCB0E9E3-FAB5-4E31-83EE-08A0FE55BB4A}"/>
+                  <a16:creationId xmlns="" xmlns:a16="http://schemas.microsoft.com/office/drawing/2014/main" xmlns:p14="http://schemas.microsoft.com/office/powerpoint/2010/main" id="{BCB0E9E3-FAB5-4E31-83EE-08A0FE55BB4A}"/>
                 </a:ext>
               </a:extLst>
             </p:cNvPr>
@@ -4250,6 +3536,690 @@
 </p:sld>
 </file>
 
+<file path=ppt/slides/slide13.xml><?xml version="1.0" encoding="utf-8"?>
+<p:sld xmlns:a="http://schemas.openxmlformats.org/drawingml/2006/main" xmlns:r="http://schemas.openxmlformats.org/officeDocument/2006/relationships" xmlns:p="http://schemas.openxmlformats.org/presentationml/2006/main">
+  <p:cSld>
+    <p:spTree>
+      <p:nvGrpSpPr>
+        <p:cNvPr id="1" name=""/>
+        <p:cNvGrpSpPr/>
+        <p:nvPr/>
+      </p:nvGrpSpPr>
+      <p:grpSpPr>
+        <a:xfrm>
+          <a:off x="0" y="0"/>
+          <a:ext cx="0" cy="0"/>
+          <a:chOff x="0" y="0"/>
+          <a:chExt cx="0" cy="0"/>
+        </a:xfrm>
+      </p:grpSpPr>
+      <p:sp>
+        <p:nvSpPr>
+          <p:cNvPr id="4" name="제목 3"/>
+          <p:cNvSpPr>
+            <a:spLocks noGrp="1"/>
+          </p:cNvSpPr>
+          <p:nvPr>
+            <p:ph type="title"/>
+          </p:nvPr>
+        </p:nvSpPr>
+        <p:spPr>
+          <a:xfrm>
+            <a:off x="250190" y="0"/>
+            <a:ext cx="3373755" cy="650875"/>
+          </a:xfrm>
+        </p:spPr>
+        <p:txBody>
+          <a:bodyPr anchor="ctr">
+            <a:normAutofit/>
+          </a:bodyPr>
+          <a:lstStyle/>
+          <a:p>
+            <a:pPr lvl="0">
+              <a:defRPr/>
+            </a:pPr>
+            <a:r>
+              <a:rPr lang="ko-KR" altLang="en-US" sz="2800" smtClean="0"/>
+              <a:t>시퀀스 다이어그램</a:t>
+            </a:r>
+            <a:endParaRPr lang="ko-KR" altLang="en-US" sz="2800"/>
+          </a:p>
+        </p:txBody>
+      </p:sp>
+      <p:sp>
+        <p:nvSpPr>
+          <p:cNvPr id="6" name="텍스트 개체 틀 4"/>
+          <p:cNvSpPr>
+            <a:spLocks noGrp="1"/>
+          </p:cNvSpPr>
+          <p:nvPr>
+            <p:ph type="body" sz="half" idx="2"/>
+          </p:nvPr>
+        </p:nvSpPr>
+        <p:spPr>
+          <a:xfrm>
+            <a:off x="3424555" y="0"/>
+            <a:ext cx="3931920" cy="650875"/>
+          </a:xfrm>
+        </p:spPr>
+        <p:txBody>
+          <a:bodyPr anchor="ctr">
+            <a:normAutofit/>
+          </a:bodyPr>
+          <a:lstStyle/>
+          <a:p>
+            <a:pPr lvl="0">
+              <a:defRPr/>
+            </a:pPr>
+            <a:r>
+              <a:rPr lang="en-US" altLang="ko-KR" smtClean="0"/>
+              <a:t>User</a:t>
+            </a:r>
+            <a:endParaRPr lang="ko-KR" altLang="en-US"/>
+          </a:p>
+        </p:txBody>
+      </p:sp>
+    </p:spTree>
+    <p:extLst>
+      <p:ext uri="{BB962C8B-B14F-4D97-AF65-F5344CB8AC3E}">
+        <p14:creationId xmlns:p14="http://schemas.microsoft.com/office/powerpoint/2010/main" val="3649887602"/>
+      </p:ext>
+    </p:extLst>
+  </p:cSld>
+  <p:clrMapOvr>
+    <a:masterClrMapping/>
+  </p:clrMapOvr>
+  <p:transition/>
+  <p:timing>
+    <p:tnLst>
+      <p:par>
+        <p:cTn id="1" dur="indefinite" restart="never" nodeType="tmRoot"/>
+      </p:par>
+    </p:tnLst>
+  </p:timing>
+</p:sld>
+</file>
+
+<file path=ppt/slides/slide14.xml><?xml version="1.0" encoding="utf-8"?>
+<p:sld xmlns:a="http://schemas.openxmlformats.org/drawingml/2006/main" xmlns:r="http://schemas.openxmlformats.org/officeDocument/2006/relationships" xmlns:p="http://schemas.openxmlformats.org/presentationml/2006/main">
+  <p:cSld>
+    <p:spTree>
+      <p:nvGrpSpPr>
+        <p:cNvPr id="1" name=""/>
+        <p:cNvGrpSpPr/>
+        <p:nvPr/>
+      </p:nvGrpSpPr>
+      <p:grpSpPr>
+        <a:xfrm>
+          <a:off x="0" y="0"/>
+          <a:ext cx="0" cy="0"/>
+          <a:chOff x="0" y="0"/>
+          <a:chExt cx="0" cy="0"/>
+        </a:xfrm>
+      </p:grpSpPr>
+      <p:sp>
+        <p:nvSpPr>
+          <p:cNvPr id="4" name="제목 3"/>
+          <p:cNvSpPr>
+            <a:spLocks noGrp="1"/>
+          </p:cNvSpPr>
+          <p:nvPr>
+            <p:ph type="title"/>
+          </p:nvPr>
+        </p:nvSpPr>
+        <p:spPr>
+          <a:xfrm>
+            <a:off x="250190" y="0"/>
+            <a:ext cx="3373755" cy="650875"/>
+          </a:xfrm>
+        </p:spPr>
+        <p:txBody>
+          <a:bodyPr anchor="ctr">
+            <a:normAutofit/>
+          </a:bodyPr>
+          <a:lstStyle/>
+          <a:p>
+            <a:pPr lvl="0">
+              <a:defRPr/>
+            </a:pPr>
+            <a:r>
+              <a:rPr lang="ko-KR" altLang="en-US" sz="2800" smtClean="0"/>
+              <a:t>시퀀스 다이어그램</a:t>
+            </a:r>
+            <a:endParaRPr lang="ko-KR" altLang="en-US" sz="2800"/>
+          </a:p>
+        </p:txBody>
+      </p:sp>
+      <p:sp>
+        <p:nvSpPr>
+          <p:cNvPr id="6" name="텍스트 개체 틀 4"/>
+          <p:cNvSpPr>
+            <a:spLocks noGrp="1"/>
+          </p:cNvSpPr>
+          <p:nvPr>
+            <p:ph type="body" sz="half" idx="2"/>
+          </p:nvPr>
+        </p:nvSpPr>
+        <p:spPr>
+          <a:xfrm>
+            <a:off x="3424555" y="0"/>
+            <a:ext cx="3931920" cy="650875"/>
+          </a:xfrm>
+        </p:spPr>
+        <p:txBody>
+          <a:bodyPr anchor="ctr">
+            <a:normAutofit/>
+          </a:bodyPr>
+          <a:lstStyle/>
+          <a:p>
+            <a:pPr lvl="0">
+              <a:defRPr/>
+            </a:pPr>
+            <a:r>
+              <a:rPr lang="en-US" altLang="ko-KR" smtClean="0"/>
+              <a:t>User – MyPage Main View</a:t>
+            </a:r>
+            <a:endParaRPr lang="ko-KR" altLang="en-US"/>
+          </a:p>
+        </p:txBody>
+      </p:sp>
+      <p:pic>
+        <p:nvPicPr>
+          <p:cNvPr id="7170" name="Picture 2" descr="C:\Users\DongKyun\Documents\GitHub\KHFinalProject\보고서\클래스\시퀀스_지선\MyPage Main View.png"/>
+          <p:cNvPicPr>
+            <a:picLocks noChangeAspect="1" noChangeArrowheads="1"/>
+          </p:cNvPicPr>
+          <p:nvPr/>
+        </p:nvPicPr>
+        <p:blipFill>
+          <a:blip r:embed="rId2">
+            <a:extLst>
+              <a:ext uri="{28A0092B-C50C-407E-A947-70E740481C1C}">
+                <a14:useLocalDpi xmlns:a14="http://schemas.microsoft.com/office/drawing/2010/main" val="0"/>
+              </a:ext>
+            </a:extLst>
+          </a:blip>
+          <a:srcRect/>
+          <a:stretch>
+            <a:fillRect/>
+          </a:stretch>
+        </p:blipFill>
+        <p:spPr bwMode="auto">
+          <a:xfrm>
+            <a:off x="0" y="641350"/>
+            <a:ext cx="12194988" cy="6216650"/>
+          </a:xfrm>
+          <a:prstGeom prst="rect">
+            <a:avLst/>
+          </a:prstGeom>
+          <a:noFill/>
+          <a:extLst>
+            <a:ext uri="{909E8E84-426E-40DD-AFC4-6F175D3DCCD1}">
+              <a14:hiddenFill xmlns:a14="http://schemas.microsoft.com/office/drawing/2010/main">
+                <a:solidFill>
+                  <a:srgbClr val="FFFFFF"/>
+                </a:solidFill>
+              </a14:hiddenFill>
+            </a:ext>
+          </a:extLst>
+        </p:spPr>
+      </p:pic>
+    </p:spTree>
+    <p:extLst>
+      <p:ext uri="{BB962C8B-B14F-4D97-AF65-F5344CB8AC3E}">
+        <p14:creationId xmlns:p14="http://schemas.microsoft.com/office/powerpoint/2010/main" val="2436643994"/>
+      </p:ext>
+    </p:extLst>
+  </p:cSld>
+  <p:clrMapOvr>
+    <a:masterClrMapping/>
+  </p:clrMapOvr>
+  <p:transition/>
+  <p:timing>
+    <p:tnLst>
+      <p:par>
+        <p:cTn id="1" dur="indefinite" restart="never" nodeType="tmRoot"/>
+      </p:par>
+    </p:tnLst>
+  </p:timing>
+</p:sld>
+</file>
+
+<file path=ppt/slides/slide15.xml><?xml version="1.0" encoding="utf-8"?>
+<p:sld xmlns:a="http://schemas.openxmlformats.org/drawingml/2006/main" xmlns:r="http://schemas.openxmlformats.org/officeDocument/2006/relationships" xmlns:p="http://schemas.openxmlformats.org/presentationml/2006/main">
+  <p:cSld>
+    <p:spTree>
+      <p:nvGrpSpPr>
+        <p:cNvPr id="1" name=""/>
+        <p:cNvGrpSpPr/>
+        <p:nvPr/>
+      </p:nvGrpSpPr>
+      <p:grpSpPr>
+        <a:xfrm>
+          <a:off x="0" y="0"/>
+          <a:ext cx="0" cy="0"/>
+          <a:chOff x="0" y="0"/>
+          <a:chExt cx="0" cy="0"/>
+        </a:xfrm>
+      </p:grpSpPr>
+      <p:sp>
+        <p:nvSpPr>
+          <p:cNvPr id="4" name="제목 3"/>
+          <p:cNvSpPr>
+            <a:spLocks noGrp="1"/>
+          </p:cNvSpPr>
+          <p:nvPr>
+            <p:ph type="title"/>
+          </p:nvPr>
+        </p:nvSpPr>
+        <p:spPr>
+          <a:xfrm>
+            <a:off x="250190" y="0"/>
+            <a:ext cx="3373755" cy="650875"/>
+          </a:xfrm>
+        </p:spPr>
+        <p:txBody>
+          <a:bodyPr anchor="ctr">
+            <a:normAutofit/>
+          </a:bodyPr>
+          <a:lstStyle/>
+          <a:p>
+            <a:pPr lvl="0">
+              <a:defRPr/>
+            </a:pPr>
+            <a:r>
+              <a:rPr lang="ko-KR" altLang="en-US" sz="2800" smtClean="0"/>
+              <a:t>시퀀스 다이어그램</a:t>
+            </a:r>
+            <a:endParaRPr lang="ko-KR" altLang="en-US" sz="2800"/>
+          </a:p>
+        </p:txBody>
+      </p:sp>
+      <p:sp>
+        <p:nvSpPr>
+          <p:cNvPr id="6" name="텍스트 개체 틀 4"/>
+          <p:cNvSpPr>
+            <a:spLocks noGrp="1"/>
+          </p:cNvSpPr>
+          <p:nvPr>
+            <p:ph type="body" sz="half" idx="2"/>
+          </p:nvPr>
+        </p:nvSpPr>
+        <p:spPr>
+          <a:xfrm>
+            <a:off x="3424555" y="0"/>
+            <a:ext cx="3931920" cy="650875"/>
+          </a:xfrm>
+        </p:spPr>
+        <p:txBody>
+          <a:bodyPr anchor="ctr">
+            <a:normAutofit/>
+          </a:bodyPr>
+          <a:lstStyle/>
+          <a:p>
+            <a:pPr lvl="0">
+              <a:defRPr/>
+            </a:pPr>
+            <a:r>
+              <a:rPr lang="en-US" altLang="ko-KR" smtClean="0"/>
+              <a:t>User – MyPage Board List</a:t>
+            </a:r>
+            <a:endParaRPr lang="ko-KR" altLang="en-US"/>
+          </a:p>
+        </p:txBody>
+      </p:sp>
+      <p:pic>
+        <p:nvPicPr>
+          <p:cNvPr id="8194" name="Picture 2" descr="C:\Users\DongKyun\Documents\GitHub\KHFinalProject\보고서\클래스\시퀀스_지선\MyPage Board List.png"/>
+          <p:cNvPicPr>
+            <a:picLocks noChangeAspect="1" noChangeArrowheads="1"/>
+          </p:cNvPicPr>
+          <p:nvPr/>
+        </p:nvPicPr>
+        <p:blipFill>
+          <a:blip r:embed="rId2">
+            <a:extLst>
+              <a:ext uri="{28A0092B-C50C-407E-A947-70E740481C1C}">
+                <a14:useLocalDpi xmlns:a14="http://schemas.microsoft.com/office/drawing/2010/main" val="0"/>
+              </a:ext>
+            </a:extLst>
+          </a:blip>
+          <a:srcRect/>
+          <a:stretch>
+            <a:fillRect/>
+          </a:stretch>
+        </p:blipFill>
+        <p:spPr bwMode="auto">
+          <a:xfrm>
+            <a:off x="0" y="650874"/>
+            <a:ext cx="12192000" cy="6207125"/>
+          </a:xfrm>
+          <a:prstGeom prst="rect">
+            <a:avLst/>
+          </a:prstGeom>
+          <a:noFill/>
+          <a:extLst>
+            <a:ext uri="{909E8E84-426E-40DD-AFC4-6F175D3DCCD1}">
+              <a14:hiddenFill xmlns:a14="http://schemas.microsoft.com/office/drawing/2010/main">
+                <a:solidFill>
+                  <a:srgbClr val="FFFFFF"/>
+                </a:solidFill>
+              </a14:hiddenFill>
+            </a:ext>
+          </a:extLst>
+        </p:spPr>
+      </p:pic>
+    </p:spTree>
+    <p:extLst>
+      <p:ext uri="{BB962C8B-B14F-4D97-AF65-F5344CB8AC3E}">
+        <p14:creationId xmlns:p14="http://schemas.microsoft.com/office/powerpoint/2010/main" val="2649322468"/>
+      </p:ext>
+    </p:extLst>
+  </p:cSld>
+  <p:clrMapOvr>
+    <a:masterClrMapping/>
+  </p:clrMapOvr>
+  <p:transition/>
+  <p:timing>
+    <p:tnLst>
+      <p:par>
+        <p:cTn id="1" dur="indefinite" restart="never" nodeType="tmRoot"/>
+      </p:par>
+    </p:tnLst>
+  </p:timing>
+</p:sld>
+</file>
+
+<file path=ppt/slides/slide16.xml><?xml version="1.0" encoding="utf-8"?>
+<p:sld xmlns:a="http://schemas.openxmlformats.org/drawingml/2006/main" xmlns:r="http://schemas.openxmlformats.org/officeDocument/2006/relationships" xmlns:p="http://schemas.openxmlformats.org/presentationml/2006/main">
+  <p:cSld>
+    <p:spTree>
+      <p:nvGrpSpPr>
+        <p:cNvPr id="1" name=""/>
+        <p:cNvGrpSpPr/>
+        <p:nvPr/>
+      </p:nvGrpSpPr>
+      <p:grpSpPr>
+        <a:xfrm>
+          <a:off x="0" y="0"/>
+          <a:ext cx="0" cy="0"/>
+          <a:chOff x="0" y="0"/>
+          <a:chExt cx="0" cy="0"/>
+        </a:xfrm>
+      </p:grpSpPr>
+      <p:sp>
+        <p:nvSpPr>
+          <p:cNvPr id="4" name="제목 3"/>
+          <p:cNvSpPr>
+            <a:spLocks noGrp="1"/>
+          </p:cNvSpPr>
+          <p:nvPr>
+            <p:ph type="title"/>
+          </p:nvPr>
+        </p:nvSpPr>
+        <p:spPr>
+          <a:xfrm>
+            <a:off x="250190" y="0"/>
+            <a:ext cx="3373755" cy="650875"/>
+          </a:xfrm>
+        </p:spPr>
+        <p:txBody>
+          <a:bodyPr anchor="ctr">
+            <a:normAutofit/>
+          </a:bodyPr>
+          <a:lstStyle/>
+          <a:p>
+            <a:pPr lvl="0">
+              <a:defRPr/>
+            </a:pPr>
+            <a:r>
+              <a:rPr lang="ko-KR" altLang="en-US" sz="2800" smtClean="0"/>
+              <a:t>시퀀스 다이어그램</a:t>
+            </a:r>
+            <a:endParaRPr lang="ko-KR" altLang="en-US" sz="2800"/>
+          </a:p>
+        </p:txBody>
+      </p:sp>
+      <p:sp>
+        <p:nvSpPr>
+          <p:cNvPr id="6" name="텍스트 개체 틀 4"/>
+          <p:cNvSpPr>
+            <a:spLocks noGrp="1"/>
+          </p:cNvSpPr>
+          <p:nvPr>
+            <p:ph type="body" sz="half" idx="2"/>
+          </p:nvPr>
+        </p:nvSpPr>
+        <p:spPr>
+          <a:xfrm>
+            <a:off x="3424555" y="0"/>
+            <a:ext cx="3931920" cy="650875"/>
+          </a:xfrm>
+        </p:spPr>
+        <p:txBody>
+          <a:bodyPr anchor="ctr">
+            <a:normAutofit/>
+          </a:bodyPr>
+          <a:lstStyle/>
+          <a:p>
+            <a:pPr lvl="0">
+              <a:defRPr/>
+            </a:pPr>
+            <a:r>
+              <a:rPr lang="en-US" altLang="ko-KR" smtClean="0"/>
+              <a:t>User – QnA Insert</a:t>
+            </a:r>
+            <a:endParaRPr lang="ko-KR" altLang="en-US"/>
+          </a:p>
+        </p:txBody>
+      </p:sp>
+      <p:pic>
+        <p:nvPicPr>
+          <p:cNvPr id="9218" name="Picture 2" descr="C:\Users\DongKyun\Documents\GitHub\KHFinalProject\보고서\클래스\시퀀스_지선\QnA Insert.png"/>
+          <p:cNvPicPr>
+            <a:picLocks noChangeAspect="1" noChangeArrowheads="1"/>
+          </p:cNvPicPr>
+          <p:nvPr/>
+        </p:nvPicPr>
+        <p:blipFill>
+          <a:blip r:embed="rId2">
+            <a:extLst>
+              <a:ext uri="{28A0092B-C50C-407E-A947-70E740481C1C}">
+                <a14:useLocalDpi xmlns:a14="http://schemas.microsoft.com/office/drawing/2010/main" val="0"/>
+              </a:ext>
+            </a:extLst>
+          </a:blip>
+          <a:srcRect/>
+          <a:stretch>
+            <a:fillRect/>
+          </a:stretch>
+        </p:blipFill>
+        <p:spPr bwMode="auto">
+          <a:xfrm>
+            <a:off x="28892" y="650874"/>
+            <a:ext cx="12163108" cy="6207126"/>
+          </a:xfrm>
+          <a:prstGeom prst="rect">
+            <a:avLst/>
+          </a:prstGeom>
+          <a:noFill/>
+          <a:extLst>
+            <a:ext uri="{909E8E84-426E-40DD-AFC4-6F175D3DCCD1}">
+              <a14:hiddenFill xmlns:a14="http://schemas.microsoft.com/office/drawing/2010/main">
+                <a:solidFill>
+                  <a:srgbClr val="FFFFFF"/>
+                </a:solidFill>
+              </a14:hiddenFill>
+            </a:ext>
+          </a:extLst>
+        </p:spPr>
+      </p:pic>
+    </p:spTree>
+    <p:extLst>
+      <p:ext uri="{BB962C8B-B14F-4D97-AF65-F5344CB8AC3E}">
+        <p14:creationId xmlns:p14="http://schemas.microsoft.com/office/powerpoint/2010/main" val="993955059"/>
+      </p:ext>
+    </p:extLst>
+  </p:cSld>
+  <p:clrMapOvr>
+    <a:masterClrMapping/>
+  </p:clrMapOvr>
+  <p:transition/>
+  <p:timing>
+    <p:tnLst>
+      <p:par>
+        <p:cTn id="1" dur="indefinite" restart="never" nodeType="tmRoot"/>
+      </p:par>
+    </p:tnLst>
+  </p:timing>
+</p:sld>
+</file>
+
+<file path=ppt/slides/slide17.xml><?xml version="1.0" encoding="utf-8"?>
+<p:sld xmlns:a="http://schemas.openxmlformats.org/drawingml/2006/main" xmlns:r="http://schemas.openxmlformats.org/officeDocument/2006/relationships" xmlns:p="http://schemas.openxmlformats.org/presentationml/2006/main">
+  <p:cSld>
+    <p:spTree>
+      <p:nvGrpSpPr>
+        <p:cNvPr id="1" name=""/>
+        <p:cNvGrpSpPr/>
+        <p:nvPr/>
+      </p:nvGrpSpPr>
+      <p:grpSpPr>
+        <a:xfrm>
+          <a:off x="0" y="0"/>
+          <a:ext cx="0" cy="0"/>
+          <a:chOff x="0" y="0"/>
+          <a:chExt cx="0" cy="0"/>
+        </a:xfrm>
+      </p:grpSpPr>
+      <p:sp>
+        <p:nvSpPr>
+          <p:cNvPr id="4" name="제목 3"/>
+          <p:cNvSpPr>
+            <a:spLocks noGrp="1"/>
+          </p:cNvSpPr>
+          <p:nvPr>
+            <p:ph type="title"/>
+          </p:nvPr>
+        </p:nvSpPr>
+        <p:spPr>
+          <a:xfrm>
+            <a:off x="250190" y="0"/>
+            <a:ext cx="3373755" cy="650875"/>
+          </a:xfrm>
+        </p:spPr>
+        <p:txBody>
+          <a:bodyPr anchor="ctr">
+            <a:normAutofit/>
+          </a:bodyPr>
+          <a:lstStyle/>
+          <a:p>
+            <a:pPr lvl="0">
+              <a:defRPr/>
+            </a:pPr>
+            <a:r>
+              <a:rPr lang="ko-KR" altLang="en-US" sz="2800" smtClean="0"/>
+              <a:t>시퀀스 다이어그램</a:t>
+            </a:r>
+            <a:endParaRPr lang="ko-KR" altLang="en-US" sz="2800"/>
+          </a:p>
+        </p:txBody>
+      </p:sp>
+      <p:sp>
+        <p:nvSpPr>
+          <p:cNvPr id="6" name="텍스트 개체 틀 4"/>
+          <p:cNvSpPr>
+            <a:spLocks noGrp="1"/>
+          </p:cNvSpPr>
+          <p:nvPr>
+            <p:ph type="body" sz="half" idx="2"/>
+          </p:nvPr>
+        </p:nvSpPr>
+        <p:spPr>
+          <a:xfrm>
+            <a:off x="3424555" y="0"/>
+            <a:ext cx="3931920" cy="650875"/>
+          </a:xfrm>
+        </p:spPr>
+        <p:txBody>
+          <a:bodyPr anchor="ctr">
+            <a:normAutofit/>
+          </a:bodyPr>
+          <a:lstStyle/>
+          <a:p>
+            <a:pPr lvl="0">
+              <a:defRPr/>
+            </a:pPr>
+            <a:r>
+              <a:rPr lang="en-US" altLang="ko-KR" smtClean="0"/>
+              <a:t>User – UserPassword Update</a:t>
+            </a:r>
+            <a:endParaRPr lang="ko-KR" altLang="en-US"/>
+          </a:p>
+        </p:txBody>
+      </p:sp>
+      <p:pic>
+        <p:nvPicPr>
+          <p:cNvPr id="10242" name="Picture 2" descr="C:\Users\DongKyun\Documents\GitHub\KHFinalProject\보고서\클래스\시퀀스_지선\User Password Update.png"/>
+          <p:cNvPicPr>
+            <a:picLocks noChangeAspect="1" noChangeArrowheads="1"/>
+          </p:cNvPicPr>
+          <p:nvPr/>
+        </p:nvPicPr>
+        <p:blipFill>
+          <a:blip r:embed="rId2">
+            <a:extLst>
+              <a:ext uri="{28A0092B-C50C-407E-A947-70E740481C1C}">
+                <a14:useLocalDpi xmlns:a14="http://schemas.microsoft.com/office/drawing/2010/main" val="0"/>
+              </a:ext>
+            </a:extLst>
+          </a:blip>
+          <a:srcRect/>
+          <a:stretch>
+            <a:fillRect/>
+          </a:stretch>
+        </p:blipFill>
+        <p:spPr bwMode="auto">
+          <a:xfrm>
+            <a:off x="0" y="650875"/>
+            <a:ext cx="12192000" cy="6207125"/>
+          </a:xfrm>
+          <a:prstGeom prst="rect">
+            <a:avLst/>
+          </a:prstGeom>
+          <a:noFill/>
+          <a:extLst>
+            <a:ext uri="{909E8E84-426E-40DD-AFC4-6F175D3DCCD1}">
+              <a14:hiddenFill xmlns:a14="http://schemas.microsoft.com/office/drawing/2010/main">
+                <a:solidFill>
+                  <a:srgbClr val="FFFFFF"/>
+                </a:solidFill>
+              </a14:hiddenFill>
+            </a:ext>
+          </a:extLst>
+        </p:spPr>
+      </p:pic>
+    </p:spTree>
+    <p:extLst>
+      <p:ext uri="{BB962C8B-B14F-4D97-AF65-F5344CB8AC3E}">
+        <p14:creationId xmlns:p14="http://schemas.microsoft.com/office/powerpoint/2010/main" val="3539437713"/>
+      </p:ext>
+    </p:extLst>
+  </p:cSld>
+  <p:clrMapOvr>
+    <a:masterClrMapping/>
+  </p:clrMapOvr>
+  <p:transition/>
+  <p:timing>
+    <p:tnLst>
+      <p:par>
+        <p:cTn id="1" dur="indefinite" restart="never" nodeType="tmRoot"/>
+      </p:par>
+    </p:tnLst>
+  </p:timing>
+</p:sld>
+</file>
+
 <file path=ppt/slides/slide18.xml><?xml version="1.0" encoding="utf-8"?>
 <p:sld xmlns:a="http://schemas.openxmlformats.org/drawingml/2006/main" xmlns:r="http://schemas.openxmlformats.org/officeDocument/2006/relationships" xmlns:p="http://schemas.openxmlformats.org/presentationml/2006/main">
   <p:cSld>
@@ -4327,16 +4297,202 @@
             </a:pPr>
             <a:r>
               <a:rPr lang="en-US" altLang="ko-KR" smtClean="0"/>
-              <a:t>User</a:t>
+              <a:t>User - UserDelete</a:t>
             </a:r>
             <a:endParaRPr lang="ko-KR" altLang="en-US"/>
           </a:p>
         </p:txBody>
       </p:sp>
+      <p:pic>
+        <p:nvPicPr>
+          <p:cNvPr id="11266" name="Picture 2" descr="C:\Users\DongKyun\Documents\GitHub\KHFinalProject\보고서\클래스\시퀀스_지선\User Delete.png"/>
+          <p:cNvPicPr>
+            <a:picLocks noChangeAspect="1" noChangeArrowheads="1"/>
+          </p:cNvPicPr>
+          <p:nvPr/>
+        </p:nvPicPr>
+        <p:blipFill>
+          <a:blip r:embed="rId2">
+            <a:extLst>
+              <a:ext uri="{28A0092B-C50C-407E-A947-70E740481C1C}">
+                <a14:useLocalDpi xmlns:a14="http://schemas.microsoft.com/office/drawing/2010/main" val="0"/>
+              </a:ext>
+            </a:extLst>
+          </a:blip>
+          <a:srcRect/>
+          <a:stretch>
+            <a:fillRect/>
+          </a:stretch>
+        </p:blipFill>
+        <p:spPr bwMode="auto">
+          <a:xfrm>
+            <a:off x="0" y="650874"/>
+            <a:ext cx="12192000" cy="6207125"/>
+          </a:xfrm>
+          <a:prstGeom prst="rect">
+            <a:avLst/>
+          </a:prstGeom>
+          <a:noFill/>
+          <a:extLst>
+            <a:ext uri="{909E8E84-426E-40DD-AFC4-6F175D3DCCD1}">
+              <a14:hiddenFill xmlns:a14="http://schemas.microsoft.com/office/drawing/2010/main">
+                <a:solidFill>
+                  <a:srgbClr val="FFFFFF"/>
+                </a:solidFill>
+              </a14:hiddenFill>
+            </a:ext>
+          </a:extLst>
+        </p:spPr>
+      </p:pic>
     </p:spTree>
     <p:extLst>
       <p:ext uri="{BB962C8B-B14F-4D97-AF65-F5344CB8AC3E}">
-        <p14:creationId xmlns:p14="http://schemas.microsoft.com/office/powerpoint/2010/main" val="3649887602"/>
+        <p14:creationId xmlns:p14="http://schemas.microsoft.com/office/powerpoint/2010/main" val="3595958162"/>
+      </p:ext>
+    </p:extLst>
+  </p:cSld>
+  <p:clrMapOvr>
+    <a:masterClrMapping/>
+  </p:clrMapOvr>
+  <p:transition/>
+  <p:timing>
+    <p:tnLst>
+      <p:par>
+        <p:cTn id="1" dur="indefinite" restart="never" nodeType="tmRoot"/>
+      </p:par>
+    </p:tnLst>
+  </p:timing>
+</p:sld>
+</file>
+
+<file path=ppt/slides/slide19.xml><?xml version="1.0" encoding="utf-8"?>
+<p:sld xmlns:a="http://schemas.openxmlformats.org/drawingml/2006/main" xmlns:r="http://schemas.openxmlformats.org/officeDocument/2006/relationships" xmlns:p="http://schemas.openxmlformats.org/presentationml/2006/main">
+  <p:cSld>
+    <p:spTree>
+      <p:nvGrpSpPr>
+        <p:cNvPr id="1" name=""/>
+        <p:cNvGrpSpPr/>
+        <p:nvPr/>
+      </p:nvGrpSpPr>
+      <p:grpSpPr>
+        <a:xfrm>
+          <a:off x="0" y="0"/>
+          <a:ext cx="0" cy="0"/>
+          <a:chOff x="0" y="0"/>
+          <a:chExt cx="0" cy="0"/>
+        </a:xfrm>
+      </p:grpSpPr>
+      <p:sp>
+        <p:nvSpPr>
+          <p:cNvPr id="4" name="제목 3"/>
+          <p:cNvSpPr>
+            <a:spLocks noGrp="1"/>
+          </p:cNvSpPr>
+          <p:nvPr>
+            <p:ph type="title"/>
+          </p:nvPr>
+        </p:nvSpPr>
+        <p:spPr>
+          <a:xfrm>
+            <a:off x="250190" y="0"/>
+            <a:ext cx="3373755" cy="650875"/>
+          </a:xfrm>
+        </p:spPr>
+        <p:txBody>
+          <a:bodyPr anchor="ctr">
+            <a:normAutofit/>
+          </a:bodyPr>
+          <a:lstStyle/>
+          <a:p>
+            <a:pPr lvl="0">
+              <a:defRPr/>
+            </a:pPr>
+            <a:r>
+              <a:rPr lang="ko-KR" altLang="en-US" sz="2800" smtClean="0"/>
+              <a:t>시퀀스 다이어그램</a:t>
+            </a:r>
+            <a:endParaRPr lang="ko-KR" altLang="en-US" sz="2800"/>
+          </a:p>
+        </p:txBody>
+      </p:sp>
+      <p:sp>
+        <p:nvSpPr>
+          <p:cNvPr id="6" name="텍스트 개체 틀 4"/>
+          <p:cNvSpPr>
+            <a:spLocks noGrp="1"/>
+          </p:cNvSpPr>
+          <p:nvPr>
+            <p:ph type="body" sz="half" idx="2"/>
+          </p:nvPr>
+        </p:nvSpPr>
+        <p:spPr>
+          <a:xfrm>
+            <a:off x="3424555" y="0"/>
+            <a:ext cx="3931920" cy="650875"/>
+          </a:xfrm>
+        </p:spPr>
+        <p:txBody>
+          <a:bodyPr anchor="ctr">
+            <a:normAutofit/>
+          </a:bodyPr>
+          <a:lstStyle/>
+          <a:p>
+            <a:pPr lvl="0">
+              <a:defRPr/>
+            </a:pPr>
+            <a:r>
+              <a:rPr lang="en-US" altLang="ko-KR" smtClean="0"/>
+              <a:t>User – User Schedule View</a:t>
+            </a:r>
+            <a:endParaRPr lang="ko-KR" altLang="en-US"/>
+          </a:p>
+        </p:txBody>
+      </p:sp>
+      <p:pic>
+        <p:nvPicPr>
+          <p:cNvPr id="12290" name="Picture 2" descr="C:\Users\DongKyun\Documents\GitHub\KHFinalProject\보고서\클래스\시퀀스_지선\User Schedule View.png"/>
+          <p:cNvPicPr>
+            <a:picLocks noChangeAspect="1" noChangeArrowheads="1"/>
+          </p:cNvPicPr>
+          <p:nvPr/>
+        </p:nvPicPr>
+        <p:blipFill>
+          <a:blip r:embed="rId2">
+            <a:extLst>
+              <a:ext uri="{28A0092B-C50C-407E-A947-70E740481C1C}">
+                <a14:useLocalDpi xmlns:a14="http://schemas.microsoft.com/office/drawing/2010/main" val="0"/>
+              </a:ext>
+            </a:extLst>
+          </a:blip>
+          <a:srcRect/>
+          <a:stretch>
+            <a:fillRect/>
+          </a:stretch>
+        </p:blipFill>
+        <p:spPr bwMode="auto">
+          <a:xfrm>
+            <a:off x="0" y="650874"/>
+            <a:ext cx="12215746" cy="6207126"/>
+          </a:xfrm>
+          <a:prstGeom prst="rect">
+            <a:avLst/>
+          </a:prstGeom>
+          <a:noFill/>
+          <a:extLst>
+            <a:ext uri="{909E8E84-426E-40DD-AFC4-6F175D3DCCD1}">
+              <a14:hiddenFill xmlns:a14="http://schemas.microsoft.com/office/drawing/2010/main">
+                <a:solidFill>
+                  <a:srgbClr val="FFFFFF"/>
+                </a:solidFill>
+              </a14:hiddenFill>
+            </a:ext>
+          </a:extLst>
+        </p:spPr>
+      </p:pic>
+    </p:spTree>
+    <p:extLst>
+      <p:ext uri="{BB962C8B-B14F-4D97-AF65-F5344CB8AC3E}">
+        <p14:creationId xmlns:p14="http://schemas.microsoft.com/office/powerpoint/2010/main" val="991108436"/>
       </p:ext>
     </p:extLst>
   </p:cSld>
@@ -4424,7 +4580,7 @@
           <p:cNvPr id="21" name="직사각형 20">
             <a:extLst>
               <a:ext uri="{FF2B5EF4-FFF2-40B4-BE49-F238E27FC236}">
-                <a16:creationId xmlns:p14="http://schemas.microsoft.com/office/powerpoint/2010/main" xmlns:a16="http://schemas.microsoft.com/office/drawing/2014/main" xmlns="" id="{63D8309B-220E-4F90-B697-6E756550EC24}"/>
+                <a16:creationId xmlns="" xmlns:a16="http://schemas.microsoft.com/office/drawing/2014/main" xmlns:p14="http://schemas.microsoft.com/office/powerpoint/2010/main" id="{63D8309B-220E-4F90-B697-6E756550EC24}"/>
               </a:ext>
             </a:extLst>
           </p:cNvPr>
@@ -4580,7 +4736,7 @@
             <p:cNvPr id="6" name="TextBox 5">
               <a:extLst>
                 <a:ext uri="{FF2B5EF4-FFF2-40B4-BE49-F238E27FC236}">
-                  <a16:creationId xmlns:p14="http://schemas.microsoft.com/office/powerpoint/2010/main" xmlns:a16="http://schemas.microsoft.com/office/drawing/2014/main" xmlns="" id="{BCB0E9E3-FAB5-4E31-83EE-08A0FE55BB4A}"/>
+                  <a16:creationId xmlns="" xmlns:a16="http://schemas.microsoft.com/office/drawing/2014/main" xmlns:p14="http://schemas.microsoft.com/office/powerpoint/2010/main" id="{BCB0E9E3-FAB5-4E31-83EE-08A0FE55BB4A}"/>
                 </a:ext>
               </a:extLst>
             </p:cNvPr>
@@ -4705,7 +4861,7 @@
             <p:cNvPr id="20" name="TextBox 19">
               <a:extLst>
                 <a:ext uri="{FF2B5EF4-FFF2-40B4-BE49-F238E27FC236}">
-                  <a16:creationId xmlns:p14="http://schemas.microsoft.com/office/powerpoint/2010/main" xmlns:a16="http://schemas.microsoft.com/office/drawing/2014/main" xmlns="" id="{BCB0E9E3-FAB5-4E31-83EE-08A0FE55BB4A}"/>
+                  <a16:creationId xmlns="" xmlns:a16="http://schemas.microsoft.com/office/drawing/2014/main" xmlns:p14="http://schemas.microsoft.com/office/powerpoint/2010/main" id="{BCB0E9E3-FAB5-4E31-83EE-08A0FE55BB4A}"/>
                 </a:ext>
               </a:extLst>
             </p:cNvPr>
@@ -4850,7 +5006,7 @@
             <p:cNvPr id="24" name="TextBox 23">
               <a:extLst>
                 <a:ext uri="{FF2B5EF4-FFF2-40B4-BE49-F238E27FC236}">
-                  <a16:creationId xmlns:p14="http://schemas.microsoft.com/office/powerpoint/2010/main" xmlns:a16="http://schemas.microsoft.com/office/drawing/2014/main" xmlns="" id="{BCB0E9E3-FAB5-4E31-83EE-08A0FE55BB4A}"/>
+                  <a16:creationId xmlns="" xmlns:a16="http://schemas.microsoft.com/office/drawing/2014/main" xmlns:p14="http://schemas.microsoft.com/office/powerpoint/2010/main" id="{BCB0E9E3-FAB5-4E31-83EE-08A0FE55BB4A}"/>
                 </a:ext>
               </a:extLst>
             </p:cNvPr>
@@ -4922,6 +5078,1043 @@
 </p:sld>
 </file>
 
+<file path=ppt/slides/slide20.xml><?xml version="1.0" encoding="utf-8"?>
+<p:sld xmlns:a="http://schemas.openxmlformats.org/drawingml/2006/main" xmlns:r="http://schemas.openxmlformats.org/officeDocument/2006/relationships" xmlns:p="http://schemas.openxmlformats.org/presentationml/2006/main">
+  <p:cSld>
+    <p:spTree>
+      <p:nvGrpSpPr>
+        <p:cNvPr id="1" name=""/>
+        <p:cNvGrpSpPr/>
+        <p:nvPr/>
+      </p:nvGrpSpPr>
+      <p:grpSpPr>
+        <a:xfrm>
+          <a:off x="0" y="0"/>
+          <a:ext cx="0" cy="0"/>
+          <a:chOff x="0" y="0"/>
+          <a:chExt cx="0" cy="0"/>
+        </a:xfrm>
+      </p:grpSpPr>
+      <p:sp>
+        <p:nvSpPr>
+          <p:cNvPr id="4" name="제목 3"/>
+          <p:cNvSpPr>
+            <a:spLocks noGrp="1"/>
+          </p:cNvSpPr>
+          <p:nvPr>
+            <p:ph type="title"/>
+          </p:nvPr>
+        </p:nvSpPr>
+        <p:spPr>
+          <a:xfrm>
+            <a:off x="250190" y="0"/>
+            <a:ext cx="3373755" cy="650875"/>
+          </a:xfrm>
+        </p:spPr>
+        <p:txBody>
+          <a:bodyPr anchor="ctr">
+            <a:normAutofit/>
+          </a:bodyPr>
+          <a:lstStyle/>
+          <a:p>
+            <a:pPr lvl="0">
+              <a:defRPr/>
+            </a:pPr>
+            <a:r>
+              <a:rPr lang="ko-KR" altLang="en-US" sz="2800" smtClean="0"/>
+              <a:t>시퀀스 다이어그램</a:t>
+            </a:r>
+            <a:endParaRPr lang="ko-KR" altLang="en-US" sz="2800"/>
+          </a:p>
+        </p:txBody>
+      </p:sp>
+      <p:sp>
+        <p:nvSpPr>
+          <p:cNvPr id="6" name="텍스트 개체 틀 4"/>
+          <p:cNvSpPr>
+            <a:spLocks noGrp="1"/>
+          </p:cNvSpPr>
+          <p:nvPr>
+            <p:ph type="body" sz="half" idx="2"/>
+          </p:nvPr>
+        </p:nvSpPr>
+        <p:spPr>
+          <a:xfrm>
+            <a:off x="3424555" y="0"/>
+            <a:ext cx="3931920" cy="650875"/>
+          </a:xfrm>
+        </p:spPr>
+        <p:txBody>
+          <a:bodyPr anchor="ctr">
+            <a:normAutofit/>
+          </a:bodyPr>
+          <a:lstStyle/>
+          <a:p>
+            <a:pPr lvl="0">
+              <a:defRPr/>
+            </a:pPr>
+            <a:r>
+              <a:rPr lang="en-US" altLang="ko-KR" smtClean="0"/>
+              <a:t>User – User Update</a:t>
+            </a:r>
+            <a:endParaRPr lang="ko-KR" altLang="en-US"/>
+          </a:p>
+        </p:txBody>
+      </p:sp>
+      <p:pic>
+        <p:nvPicPr>
+          <p:cNvPr id="13314" name="Picture 2" descr="C:\Users\DongKyun\Documents\GitHub\KHFinalProject\보고서\클래스\시퀀스_지선\User Update.png"/>
+          <p:cNvPicPr>
+            <a:picLocks noChangeAspect="1" noChangeArrowheads="1"/>
+          </p:cNvPicPr>
+          <p:nvPr/>
+        </p:nvPicPr>
+        <p:blipFill>
+          <a:blip r:embed="rId2">
+            <a:extLst>
+              <a:ext uri="{28A0092B-C50C-407E-A947-70E740481C1C}">
+                <a14:useLocalDpi xmlns:a14="http://schemas.microsoft.com/office/drawing/2010/main" val="0"/>
+              </a:ext>
+            </a:extLst>
+          </a:blip>
+          <a:srcRect/>
+          <a:stretch>
+            <a:fillRect/>
+          </a:stretch>
+        </p:blipFill>
+        <p:spPr bwMode="auto">
+          <a:xfrm>
+            <a:off x="0" y="650874"/>
+            <a:ext cx="12192000" cy="6207125"/>
+          </a:xfrm>
+          <a:prstGeom prst="rect">
+            <a:avLst/>
+          </a:prstGeom>
+          <a:noFill/>
+          <a:extLst>
+            <a:ext uri="{909E8E84-426E-40DD-AFC4-6F175D3DCCD1}">
+              <a14:hiddenFill xmlns:a14="http://schemas.microsoft.com/office/drawing/2010/main">
+                <a:solidFill>
+                  <a:srgbClr val="FFFFFF"/>
+                </a:solidFill>
+              </a14:hiddenFill>
+            </a:ext>
+          </a:extLst>
+        </p:spPr>
+      </p:pic>
+    </p:spTree>
+    <p:extLst>
+      <p:ext uri="{BB962C8B-B14F-4D97-AF65-F5344CB8AC3E}">
+        <p14:creationId xmlns:p14="http://schemas.microsoft.com/office/powerpoint/2010/main" val="3089605658"/>
+      </p:ext>
+    </p:extLst>
+  </p:cSld>
+  <p:clrMapOvr>
+    <a:masterClrMapping/>
+  </p:clrMapOvr>
+  <p:transition/>
+  <p:timing>
+    <p:tnLst>
+      <p:par>
+        <p:cTn id="1" dur="indefinite" restart="never" nodeType="tmRoot"/>
+      </p:par>
+    </p:tnLst>
+  </p:timing>
+</p:sld>
+</file>
+
+<file path=ppt/slides/slide21.xml><?xml version="1.0" encoding="utf-8"?>
+<p:sld xmlns:a="http://schemas.openxmlformats.org/drawingml/2006/main" xmlns:r="http://schemas.openxmlformats.org/officeDocument/2006/relationships" xmlns:p="http://schemas.openxmlformats.org/presentationml/2006/main">
+  <p:cSld>
+    <p:spTree>
+      <p:nvGrpSpPr>
+        <p:cNvPr id="1" name=""/>
+        <p:cNvGrpSpPr/>
+        <p:nvPr/>
+      </p:nvGrpSpPr>
+      <p:grpSpPr>
+        <a:xfrm>
+          <a:off x="0" y="0"/>
+          <a:ext cx="0" cy="0"/>
+          <a:chOff x="0" y="0"/>
+          <a:chExt cx="0" cy="0"/>
+        </a:xfrm>
+      </p:grpSpPr>
+      <p:sp>
+        <p:nvSpPr>
+          <p:cNvPr id="4" name="제목 3"/>
+          <p:cNvSpPr>
+            <a:spLocks noGrp="1"/>
+          </p:cNvSpPr>
+          <p:nvPr>
+            <p:ph type="title"/>
+          </p:nvPr>
+        </p:nvSpPr>
+        <p:spPr>
+          <a:xfrm>
+            <a:off x="250190" y="0"/>
+            <a:ext cx="3373755" cy="650875"/>
+          </a:xfrm>
+        </p:spPr>
+        <p:txBody>
+          <a:bodyPr anchor="ctr">
+            <a:normAutofit/>
+          </a:bodyPr>
+          <a:lstStyle/>
+          <a:p>
+            <a:pPr lvl="0">
+              <a:defRPr/>
+            </a:pPr>
+            <a:r>
+              <a:rPr lang="ko-KR" altLang="en-US" sz="2800" smtClean="0"/>
+              <a:t>시퀀스 다이어그램</a:t>
+            </a:r>
+            <a:endParaRPr lang="ko-KR" altLang="en-US" sz="2800"/>
+          </a:p>
+        </p:txBody>
+      </p:sp>
+      <p:sp>
+        <p:nvSpPr>
+          <p:cNvPr id="6" name="텍스트 개체 틀 4"/>
+          <p:cNvSpPr>
+            <a:spLocks noGrp="1"/>
+          </p:cNvSpPr>
+          <p:nvPr>
+            <p:ph type="body" sz="half" idx="2"/>
+          </p:nvPr>
+        </p:nvSpPr>
+        <p:spPr>
+          <a:xfrm>
+            <a:off x="3424555" y="0"/>
+            <a:ext cx="3931920" cy="650875"/>
+          </a:xfrm>
+        </p:spPr>
+        <p:txBody>
+          <a:bodyPr anchor="ctr">
+            <a:normAutofit/>
+          </a:bodyPr>
+          <a:lstStyle/>
+          <a:p>
+            <a:pPr lvl="0">
+              <a:defRPr/>
+            </a:pPr>
+            <a:r>
+              <a:rPr lang="en-US" altLang="ko-KR" smtClean="0"/>
+              <a:t>Gym</a:t>
+            </a:r>
+            <a:endParaRPr lang="ko-KR" altLang="en-US"/>
+          </a:p>
+        </p:txBody>
+      </p:sp>
+    </p:spTree>
+    <p:extLst>
+      <p:ext uri="{BB962C8B-B14F-4D97-AF65-F5344CB8AC3E}">
+        <p14:creationId xmlns:p14="http://schemas.microsoft.com/office/powerpoint/2010/main" val="931727686"/>
+      </p:ext>
+    </p:extLst>
+  </p:cSld>
+  <p:clrMapOvr>
+    <a:masterClrMapping/>
+  </p:clrMapOvr>
+  <p:transition/>
+  <p:timing>
+    <p:tnLst>
+      <p:par>
+        <p:cTn id="1" dur="indefinite" restart="never" nodeType="tmRoot"/>
+      </p:par>
+    </p:tnLst>
+  </p:timing>
+</p:sld>
+</file>
+
+<file path=ppt/slides/slide22.xml><?xml version="1.0" encoding="utf-8"?>
+<p:sld xmlns:a="http://schemas.openxmlformats.org/drawingml/2006/main" xmlns:r="http://schemas.openxmlformats.org/officeDocument/2006/relationships" xmlns:p="http://schemas.openxmlformats.org/presentationml/2006/main">
+  <p:cSld>
+    <p:spTree>
+      <p:nvGrpSpPr>
+        <p:cNvPr id="1" name=""/>
+        <p:cNvGrpSpPr/>
+        <p:nvPr/>
+      </p:nvGrpSpPr>
+      <p:grpSpPr>
+        <a:xfrm>
+          <a:off x="0" y="0"/>
+          <a:ext cx="0" cy="0"/>
+          <a:chOff x="0" y="0"/>
+          <a:chExt cx="0" cy="0"/>
+        </a:xfrm>
+      </p:grpSpPr>
+      <p:sp>
+        <p:nvSpPr>
+          <p:cNvPr id="4" name="제목 3"/>
+          <p:cNvSpPr>
+            <a:spLocks noGrp="1"/>
+          </p:cNvSpPr>
+          <p:nvPr>
+            <p:ph type="title"/>
+          </p:nvPr>
+        </p:nvSpPr>
+        <p:spPr>
+          <a:xfrm>
+            <a:off x="250190" y="0"/>
+            <a:ext cx="3373755" cy="650875"/>
+          </a:xfrm>
+        </p:spPr>
+        <p:txBody>
+          <a:bodyPr anchor="ctr">
+            <a:normAutofit/>
+          </a:bodyPr>
+          <a:lstStyle/>
+          <a:p>
+            <a:pPr lvl="0">
+              <a:defRPr/>
+            </a:pPr>
+            <a:r>
+              <a:rPr lang="ko-KR" altLang="en-US" sz="2800" smtClean="0"/>
+              <a:t>시퀀스 다이어그램</a:t>
+            </a:r>
+            <a:endParaRPr lang="ko-KR" altLang="en-US" sz="2800"/>
+          </a:p>
+        </p:txBody>
+      </p:sp>
+      <p:sp>
+        <p:nvSpPr>
+          <p:cNvPr id="6" name="텍스트 개체 틀 4"/>
+          <p:cNvSpPr>
+            <a:spLocks noGrp="1"/>
+          </p:cNvSpPr>
+          <p:nvPr>
+            <p:ph type="body" sz="half" idx="2"/>
+          </p:nvPr>
+        </p:nvSpPr>
+        <p:spPr>
+          <a:xfrm>
+            <a:off x="3424555" y="0"/>
+            <a:ext cx="3931920" cy="650875"/>
+          </a:xfrm>
+        </p:spPr>
+        <p:txBody>
+          <a:bodyPr anchor="ctr">
+            <a:normAutofit/>
+          </a:bodyPr>
+          <a:lstStyle/>
+          <a:p>
+            <a:pPr lvl="0">
+              <a:defRPr/>
+            </a:pPr>
+            <a:r>
+              <a:rPr lang="en-US" altLang="ko-KR" smtClean="0"/>
+              <a:t>Community - CommunityBoardList</a:t>
+            </a:r>
+            <a:endParaRPr lang="ko-KR" altLang="en-US"/>
+          </a:p>
+        </p:txBody>
+      </p:sp>
+      <p:pic>
+        <p:nvPicPr>
+          <p:cNvPr id="3074" name="Picture 2" descr="C:\Users\DongKyun\Documents\GitHub\KHFinalProject\보고서\클래스\리스트.png"/>
+          <p:cNvPicPr>
+            <a:picLocks noChangeAspect="1" noChangeArrowheads="1"/>
+          </p:cNvPicPr>
+          <p:nvPr/>
+        </p:nvPicPr>
+        <p:blipFill>
+          <a:blip r:embed="rId2">
+            <a:extLst>
+              <a:ext uri="{28A0092B-C50C-407E-A947-70E740481C1C}">
+                <a14:useLocalDpi xmlns:a14="http://schemas.microsoft.com/office/drawing/2010/main" val="0"/>
+              </a:ext>
+            </a:extLst>
+          </a:blip>
+          <a:srcRect/>
+          <a:stretch>
+            <a:fillRect/>
+          </a:stretch>
+        </p:blipFill>
+        <p:spPr bwMode="auto">
+          <a:xfrm>
+            <a:off x="0" y="650874"/>
+            <a:ext cx="12192000" cy="6207125"/>
+          </a:xfrm>
+          <a:prstGeom prst="rect">
+            <a:avLst/>
+          </a:prstGeom>
+          <a:noFill/>
+          <a:extLst>
+            <a:ext uri="{909E8E84-426E-40DD-AFC4-6F175D3DCCD1}">
+              <a14:hiddenFill xmlns:a14="http://schemas.microsoft.com/office/drawing/2010/main">
+                <a:solidFill>
+                  <a:srgbClr val="FFFFFF"/>
+                </a:solidFill>
+              </a14:hiddenFill>
+            </a:ext>
+          </a:extLst>
+        </p:spPr>
+      </p:pic>
+    </p:spTree>
+    <p:extLst>
+      <p:ext uri="{BB962C8B-B14F-4D97-AF65-F5344CB8AC3E}">
+        <p14:creationId xmlns:p14="http://schemas.microsoft.com/office/powerpoint/2010/main" val="3788117990"/>
+      </p:ext>
+    </p:extLst>
+  </p:cSld>
+  <p:clrMapOvr>
+    <a:masterClrMapping/>
+  </p:clrMapOvr>
+  <p:transition/>
+  <p:timing>
+    <p:tnLst>
+      <p:par>
+        <p:cTn id="1" dur="indefinite" restart="never" nodeType="tmRoot"/>
+      </p:par>
+    </p:tnLst>
+  </p:timing>
+</p:sld>
+</file>
+
+<file path=ppt/slides/slide23.xml><?xml version="1.0" encoding="utf-8"?>
+<p:sld xmlns:a="http://schemas.openxmlformats.org/drawingml/2006/main" xmlns:r="http://schemas.openxmlformats.org/officeDocument/2006/relationships" xmlns:p="http://schemas.openxmlformats.org/presentationml/2006/main">
+  <p:cSld>
+    <p:spTree>
+      <p:nvGrpSpPr>
+        <p:cNvPr id="1" name=""/>
+        <p:cNvGrpSpPr/>
+        <p:nvPr/>
+      </p:nvGrpSpPr>
+      <p:grpSpPr>
+        <a:xfrm>
+          <a:off x="0" y="0"/>
+          <a:ext cx="0" cy="0"/>
+          <a:chOff x="0" y="0"/>
+          <a:chExt cx="0" cy="0"/>
+        </a:xfrm>
+      </p:grpSpPr>
+      <p:sp>
+        <p:nvSpPr>
+          <p:cNvPr id="4" name="제목 3"/>
+          <p:cNvSpPr>
+            <a:spLocks noGrp="1"/>
+          </p:cNvSpPr>
+          <p:nvPr>
+            <p:ph type="title"/>
+          </p:nvPr>
+        </p:nvSpPr>
+        <p:spPr>
+          <a:xfrm>
+            <a:off x="250190" y="0"/>
+            <a:ext cx="3373755" cy="650875"/>
+          </a:xfrm>
+        </p:spPr>
+        <p:txBody>
+          <a:bodyPr anchor="ctr">
+            <a:normAutofit/>
+          </a:bodyPr>
+          <a:lstStyle/>
+          <a:p>
+            <a:pPr lvl="0">
+              <a:defRPr/>
+            </a:pPr>
+            <a:r>
+              <a:rPr lang="ko-KR" altLang="en-US" sz="2800" smtClean="0"/>
+              <a:t>시퀀스 다이어그램</a:t>
+            </a:r>
+            <a:endParaRPr lang="ko-KR" altLang="en-US" sz="2800"/>
+          </a:p>
+        </p:txBody>
+      </p:sp>
+      <p:sp>
+        <p:nvSpPr>
+          <p:cNvPr id="6" name="텍스트 개체 틀 4"/>
+          <p:cNvSpPr>
+            <a:spLocks noGrp="1"/>
+          </p:cNvSpPr>
+          <p:nvPr>
+            <p:ph type="body" sz="half" idx="2"/>
+          </p:nvPr>
+        </p:nvSpPr>
+        <p:spPr>
+          <a:xfrm>
+            <a:off x="3424555" y="0"/>
+            <a:ext cx="3931920" cy="650875"/>
+          </a:xfrm>
+        </p:spPr>
+        <p:txBody>
+          <a:bodyPr anchor="ctr">
+            <a:normAutofit/>
+          </a:bodyPr>
+          <a:lstStyle/>
+          <a:p>
+            <a:pPr lvl="0">
+              <a:defRPr/>
+            </a:pPr>
+            <a:r>
+              <a:rPr lang="en-US" altLang="ko-KR" smtClean="0"/>
+              <a:t>Community - CommunityBoardInsert</a:t>
+            </a:r>
+            <a:endParaRPr lang="ko-KR" altLang="en-US"/>
+          </a:p>
+        </p:txBody>
+      </p:sp>
+      <p:pic>
+        <p:nvPicPr>
+          <p:cNvPr id="4098" name="Picture 2" descr="C:\Users\DongKyun\Documents\GitHub\KHFinalProject\보고서\클래스\삽입.png"/>
+          <p:cNvPicPr>
+            <a:picLocks noChangeAspect="1" noChangeArrowheads="1"/>
+          </p:cNvPicPr>
+          <p:nvPr/>
+        </p:nvPicPr>
+        <p:blipFill>
+          <a:blip r:embed="rId2">
+            <a:extLst>
+              <a:ext uri="{28A0092B-C50C-407E-A947-70E740481C1C}">
+                <a14:useLocalDpi xmlns:a14="http://schemas.microsoft.com/office/drawing/2010/main" val="0"/>
+              </a:ext>
+            </a:extLst>
+          </a:blip>
+          <a:srcRect/>
+          <a:stretch>
+            <a:fillRect/>
+          </a:stretch>
+        </p:blipFill>
+        <p:spPr bwMode="auto">
+          <a:xfrm>
+            <a:off x="0" y="650874"/>
+            <a:ext cx="12192834" cy="6207125"/>
+          </a:xfrm>
+          <a:prstGeom prst="rect">
+            <a:avLst/>
+          </a:prstGeom>
+          <a:noFill/>
+          <a:extLst>
+            <a:ext uri="{909E8E84-426E-40DD-AFC4-6F175D3DCCD1}">
+              <a14:hiddenFill xmlns:a14="http://schemas.microsoft.com/office/drawing/2010/main">
+                <a:solidFill>
+                  <a:srgbClr val="FFFFFF"/>
+                </a:solidFill>
+              </a14:hiddenFill>
+            </a:ext>
+          </a:extLst>
+        </p:spPr>
+      </p:pic>
+    </p:spTree>
+    <p:extLst>
+      <p:ext uri="{BB962C8B-B14F-4D97-AF65-F5344CB8AC3E}">
+        <p14:creationId xmlns:p14="http://schemas.microsoft.com/office/powerpoint/2010/main" val="415682292"/>
+      </p:ext>
+    </p:extLst>
+  </p:cSld>
+  <p:clrMapOvr>
+    <a:masterClrMapping/>
+  </p:clrMapOvr>
+  <p:transition/>
+  <p:timing>
+    <p:tnLst>
+      <p:par>
+        <p:cTn id="1" dur="indefinite" restart="never" nodeType="tmRoot"/>
+      </p:par>
+    </p:tnLst>
+  </p:timing>
+</p:sld>
+</file>
+
+<file path=ppt/slides/slide24.xml><?xml version="1.0" encoding="utf-8"?>
+<p:sld xmlns:a="http://schemas.openxmlformats.org/drawingml/2006/main" xmlns:r="http://schemas.openxmlformats.org/officeDocument/2006/relationships" xmlns:p="http://schemas.openxmlformats.org/presentationml/2006/main">
+  <p:cSld>
+    <p:spTree>
+      <p:nvGrpSpPr>
+        <p:cNvPr id="1" name=""/>
+        <p:cNvGrpSpPr/>
+        <p:nvPr/>
+      </p:nvGrpSpPr>
+      <p:grpSpPr>
+        <a:xfrm>
+          <a:off x="0" y="0"/>
+          <a:ext cx="0" cy="0"/>
+          <a:chOff x="0" y="0"/>
+          <a:chExt cx="0" cy="0"/>
+        </a:xfrm>
+      </p:grpSpPr>
+      <p:sp>
+        <p:nvSpPr>
+          <p:cNvPr id="4" name="제목 3"/>
+          <p:cNvSpPr>
+            <a:spLocks noGrp="1"/>
+          </p:cNvSpPr>
+          <p:nvPr>
+            <p:ph type="title"/>
+          </p:nvPr>
+        </p:nvSpPr>
+        <p:spPr>
+          <a:xfrm>
+            <a:off x="250190" y="0"/>
+            <a:ext cx="3373755" cy="650875"/>
+          </a:xfrm>
+        </p:spPr>
+        <p:txBody>
+          <a:bodyPr anchor="ctr">
+            <a:normAutofit/>
+          </a:bodyPr>
+          <a:lstStyle/>
+          <a:p>
+            <a:pPr lvl="0">
+              <a:defRPr/>
+            </a:pPr>
+            <a:r>
+              <a:rPr lang="ko-KR" altLang="en-US" sz="2800" smtClean="0"/>
+              <a:t>시퀀스 다이어그램</a:t>
+            </a:r>
+            <a:endParaRPr lang="ko-KR" altLang="en-US" sz="2800"/>
+          </a:p>
+        </p:txBody>
+      </p:sp>
+      <p:sp>
+        <p:nvSpPr>
+          <p:cNvPr id="6" name="텍스트 개체 틀 4"/>
+          <p:cNvSpPr>
+            <a:spLocks noGrp="1"/>
+          </p:cNvSpPr>
+          <p:nvPr>
+            <p:ph type="body" sz="half" idx="2"/>
+          </p:nvPr>
+        </p:nvSpPr>
+        <p:spPr>
+          <a:xfrm>
+            <a:off x="3424555" y="0"/>
+            <a:ext cx="3931920" cy="650875"/>
+          </a:xfrm>
+        </p:spPr>
+        <p:txBody>
+          <a:bodyPr anchor="ctr">
+            <a:normAutofit fontScale="92500"/>
+          </a:bodyPr>
+          <a:lstStyle/>
+          <a:p>
+            <a:pPr lvl="0">
+              <a:defRPr/>
+            </a:pPr>
+            <a:r>
+              <a:rPr lang="en-US" altLang="ko-KR" smtClean="0"/>
+              <a:t>Community - CommunityBoardUpdate</a:t>
+            </a:r>
+            <a:endParaRPr lang="ko-KR" altLang="en-US"/>
+          </a:p>
+        </p:txBody>
+      </p:sp>
+      <p:pic>
+        <p:nvPicPr>
+          <p:cNvPr id="5122" name="Picture 2" descr="C:\Users\DongKyun\Documents\GitHub\KHFinalProject\보고서\클래스\수정.png"/>
+          <p:cNvPicPr>
+            <a:picLocks noChangeAspect="1" noChangeArrowheads="1"/>
+          </p:cNvPicPr>
+          <p:nvPr/>
+        </p:nvPicPr>
+        <p:blipFill>
+          <a:blip r:embed="rId2">
+            <a:extLst>
+              <a:ext uri="{28A0092B-C50C-407E-A947-70E740481C1C}">
+                <a14:useLocalDpi xmlns:a14="http://schemas.microsoft.com/office/drawing/2010/main" val="0"/>
+              </a:ext>
+            </a:extLst>
+          </a:blip>
+          <a:srcRect/>
+          <a:stretch>
+            <a:fillRect/>
+          </a:stretch>
+        </p:blipFill>
+        <p:spPr bwMode="auto">
+          <a:xfrm>
+            <a:off x="0" y="650875"/>
+            <a:ext cx="12192000" cy="6207125"/>
+          </a:xfrm>
+          <a:prstGeom prst="rect">
+            <a:avLst/>
+          </a:prstGeom>
+          <a:noFill/>
+          <a:extLst>
+            <a:ext uri="{909E8E84-426E-40DD-AFC4-6F175D3DCCD1}">
+              <a14:hiddenFill xmlns:a14="http://schemas.microsoft.com/office/drawing/2010/main">
+                <a:solidFill>
+                  <a:srgbClr val="FFFFFF"/>
+                </a:solidFill>
+              </a14:hiddenFill>
+            </a:ext>
+          </a:extLst>
+        </p:spPr>
+      </p:pic>
+    </p:spTree>
+    <p:extLst>
+      <p:ext uri="{BB962C8B-B14F-4D97-AF65-F5344CB8AC3E}">
+        <p14:creationId xmlns:p14="http://schemas.microsoft.com/office/powerpoint/2010/main" val="1798126384"/>
+      </p:ext>
+    </p:extLst>
+  </p:cSld>
+  <p:clrMapOvr>
+    <a:masterClrMapping/>
+  </p:clrMapOvr>
+  <p:transition/>
+  <p:timing>
+    <p:tnLst>
+      <p:par>
+        <p:cTn id="1" dur="indefinite" restart="never" nodeType="tmRoot"/>
+      </p:par>
+    </p:tnLst>
+  </p:timing>
+</p:sld>
+</file>
+
+<file path=ppt/slides/slide25.xml><?xml version="1.0" encoding="utf-8"?>
+<p:sld xmlns:a="http://schemas.openxmlformats.org/drawingml/2006/main" xmlns:r="http://schemas.openxmlformats.org/officeDocument/2006/relationships" xmlns:p="http://schemas.openxmlformats.org/presentationml/2006/main">
+  <p:cSld>
+    <p:spTree>
+      <p:nvGrpSpPr>
+        <p:cNvPr id="1" name=""/>
+        <p:cNvGrpSpPr/>
+        <p:nvPr/>
+      </p:nvGrpSpPr>
+      <p:grpSpPr>
+        <a:xfrm>
+          <a:off x="0" y="0"/>
+          <a:ext cx="0" cy="0"/>
+          <a:chOff x="0" y="0"/>
+          <a:chExt cx="0" cy="0"/>
+        </a:xfrm>
+      </p:grpSpPr>
+      <p:sp>
+        <p:nvSpPr>
+          <p:cNvPr id="4" name="제목 3"/>
+          <p:cNvSpPr>
+            <a:spLocks noGrp="1"/>
+          </p:cNvSpPr>
+          <p:nvPr>
+            <p:ph type="title"/>
+          </p:nvPr>
+        </p:nvSpPr>
+        <p:spPr>
+          <a:xfrm>
+            <a:off x="250190" y="0"/>
+            <a:ext cx="3373755" cy="650875"/>
+          </a:xfrm>
+        </p:spPr>
+        <p:txBody>
+          <a:bodyPr anchor="ctr">
+            <a:normAutofit/>
+          </a:bodyPr>
+          <a:lstStyle/>
+          <a:p>
+            <a:pPr lvl="0">
+              <a:defRPr/>
+            </a:pPr>
+            <a:r>
+              <a:rPr lang="ko-KR" altLang="en-US" sz="2800" smtClean="0"/>
+              <a:t>시퀀스 다이어그램</a:t>
+            </a:r>
+            <a:endParaRPr lang="ko-KR" altLang="en-US" sz="2800"/>
+          </a:p>
+        </p:txBody>
+      </p:sp>
+      <p:sp>
+        <p:nvSpPr>
+          <p:cNvPr id="6" name="텍스트 개체 틀 4"/>
+          <p:cNvSpPr>
+            <a:spLocks noGrp="1"/>
+          </p:cNvSpPr>
+          <p:nvPr>
+            <p:ph type="body" sz="half" idx="2"/>
+          </p:nvPr>
+        </p:nvSpPr>
+        <p:spPr>
+          <a:xfrm>
+            <a:off x="3424555" y="0"/>
+            <a:ext cx="3931920" cy="650875"/>
+          </a:xfrm>
+        </p:spPr>
+        <p:txBody>
+          <a:bodyPr anchor="ctr">
+            <a:normAutofit/>
+          </a:bodyPr>
+          <a:lstStyle/>
+          <a:p>
+            <a:pPr lvl="0">
+              <a:defRPr/>
+            </a:pPr>
+            <a:r>
+              <a:rPr lang="en-US" altLang="ko-KR" smtClean="0"/>
+              <a:t>Community - CommunityBoardDelete</a:t>
+            </a:r>
+            <a:endParaRPr lang="ko-KR" altLang="en-US"/>
+          </a:p>
+        </p:txBody>
+      </p:sp>
+      <p:pic>
+        <p:nvPicPr>
+          <p:cNvPr id="6146" name="Picture 2" descr="C:\Users\DongKyun\Documents\GitHub\KHFinalProject\보고서\클래스\삭제.png"/>
+          <p:cNvPicPr>
+            <a:picLocks noChangeAspect="1" noChangeArrowheads="1"/>
+          </p:cNvPicPr>
+          <p:nvPr/>
+        </p:nvPicPr>
+        <p:blipFill>
+          <a:blip r:embed="rId2">
+            <a:extLst>
+              <a:ext uri="{28A0092B-C50C-407E-A947-70E740481C1C}">
+                <a14:useLocalDpi xmlns:a14="http://schemas.microsoft.com/office/drawing/2010/main" val="0"/>
+              </a:ext>
+            </a:extLst>
+          </a:blip>
+          <a:srcRect/>
+          <a:stretch>
+            <a:fillRect/>
+          </a:stretch>
+        </p:blipFill>
+        <p:spPr bwMode="auto">
+          <a:xfrm>
+            <a:off x="0" y="650874"/>
+            <a:ext cx="12192000" cy="6207126"/>
+          </a:xfrm>
+          <a:prstGeom prst="rect">
+            <a:avLst/>
+          </a:prstGeom>
+          <a:noFill/>
+          <a:extLst>
+            <a:ext uri="{909E8E84-426E-40DD-AFC4-6F175D3DCCD1}">
+              <a14:hiddenFill xmlns:a14="http://schemas.microsoft.com/office/drawing/2010/main">
+                <a:solidFill>
+                  <a:srgbClr val="FFFFFF"/>
+                </a:solidFill>
+              </a14:hiddenFill>
+            </a:ext>
+          </a:extLst>
+        </p:spPr>
+      </p:pic>
+    </p:spTree>
+    <p:extLst>
+      <p:ext uri="{BB962C8B-B14F-4D97-AF65-F5344CB8AC3E}">
+        <p14:creationId xmlns:p14="http://schemas.microsoft.com/office/powerpoint/2010/main" val="2796669715"/>
+      </p:ext>
+    </p:extLst>
+  </p:cSld>
+  <p:clrMapOvr>
+    <a:masterClrMapping/>
+  </p:clrMapOvr>
+  <p:transition/>
+  <p:timing>
+    <p:tnLst>
+      <p:par>
+        <p:cTn id="1" dur="indefinite" restart="never" nodeType="tmRoot"/>
+      </p:par>
+    </p:tnLst>
+  </p:timing>
+</p:sld>
+</file>
+
+<file path=ppt/slides/slide26.xml><?xml version="1.0" encoding="utf-8"?>
+<p:sld xmlns:a="http://schemas.openxmlformats.org/drawingml/2006/main" xmlns:r="http://schemas.openxmlformats.org/officeDocument/2006/relationships" xmlns:p="http://schemas.openxmlformats.org/presentationml/2006/main">
+  <p:cSld>
+    <p:spTree>
+      <p:nvGrpSpPr>
+        <p:cNvPr id="1" name=""/>
+        <p:cNvGrpSpPr/>
+        <p:nvPr/>
+      </p:nvGrpSpPr>
+      <p:grpSpPr>
+        <a:xfrm>
+          <a:off x="0" y="0"/>
+          <a:ext cx="0" cy="0"/>
+          <a:chOff x="0" y="0"/>
+          <a:chExt cx="0" cy="0"/>
+        </a:xfrm>
+      </p:grpSpPr>
+      <p:sp>
+        <p:nvSpPr>
+          <p:cNvPr id="4" name="제목 3"/>
+          <p:cNvSpPr>
+            <a:spLocks noGrp="1"/>
+          </p:cNvSpPr>
+          <p:nvPr>
+            <p:ph type="title"/>
+          </p:nvPr>
+        </p:nvSpPr>
+        <p:spPr>
+          <a:xfrm>
+            <a:off x="250190" y="0"/>
+            <a:ext cx="3373755" cy="650875"/>
+          </a:xfrm>
+        </p:spPr>
+        <p:txBody>
+          <a:bodyPr anchor="ctr">
+            <a:normAutofit/>
+          </a:bodyPr>
+          <a:lstStyle/>
+          <a:p>
+            <a:pPr lvl="0">
+              <a:defRPr/>
+            </a:pPr>
+            <a:r>
+              <a:rPr lang="ko-KR" altLang="en-US" sz="2800" smtClean="0"/>
+              <a:t>시퀀스 다이어그램</a:t>
+            </a:r>
+            <a:endParaRPr lang="ko-KR" altLang="en-US" sz="2800"/>
+          </a:p>
+        </p:txBody>
+      </p:sp>
+      <p:sp>
+        <p:nvSpPr>
+          <p:cNvPr id="6" name="텍스트 개체 틀 4"/>
+          <p:cNvSpPr>
+            <a:spLocks noGrp="1"/>
+          </p:cNvSpPr>
+          <p:nvPr>
+            <p:ph type="body" sz="half" idx="2"/>
+          </p:nvPr>
+        </p:nvSpPr>
+        <p:spPr>
+          <a:xfrm>
+            <a:off x="3424555" y="0"/>
+            <a:ext cx="3931920" cy="650875"/>
+          </a:xfrm>
+        </p:spPr>
+        <p:txBody>
+          <a:bodyPr anchor="ctr">
+            <a:normAutofit/>
+          </a:bodyPr>
+          <a:lstStyle/>
+          <a:p>
+            <a:pPr lvl="0">
+              <a:defRPr/>
+            </a:pPr>
+            <a:r>
+              <a:rPr lang="en-US" altLang="ko-KR" smtClean="0"/>
+              <a:t>Workout</a:t>
+            </a:r>
+            <a:endParaRPr lang="ko-KR" altLang="en-US"/>
+          </a:p>
+        </p:txBody>
+      </p:sp>
+    </p:spTree>
+    <p:extLst>
+      <p:ext uri="{BB962C8B-B14F-4D97-AF65-F5344CB8AC3E}">
+        <p14:creationId xmlns:p14="http://schemas.microsoft.com/office/powerpoint/2010/main" val="2648905465"/>
+      </p:ext>
+    </p:extLst>
+  </p:cSld>
+  <p:clrMapOvr>
+    <a:masterClrMapping/>
+  </p:clrMapOvr>
+  <p:transition/>
+  <p:timing>
+    <p:tnLst>
+      <p:par>
+        <p:cTn id="1" dur="indefinite" restart="never" nodeType="tmRoot"/>
+      </p:par>
+    </p:tnLst>
+  </p:timing>
+</p:sld>
+</file>
+
+<file path=ppt/slides/slide27.xml><?xml version="1.0" encoding="utf-8"?>
+<p:sld xmlns:a="http://schemas.openxmlformats.org/drawingml/2006/main" xmlns:r="http://schemas.openxmlformats.org/officeDocument/2006/relationships" xmlns:p="http://schemas.openxmlformats.org/presentationml/2006/main">
+  <p:cSld>
+    <p:spTree>
+      <p:nvGrpSpPr>
+        <p:cNvPr id="1" name=""/>
+        <p:cNvGrpSpPr/>
+        <p:nvPr/>
+      </p:nvGrpSpPr>
+      <p:grpSpPr>
+        <a:xfrm>
+          <a:off x="0" y="0"/>
+          <a:ext cx="0" cy="0"/>
+          <a:chOff x="0" y="0"/>
+          <a:chExt cx="0" cy="0"/>
+        </a:xfrm>
+      </p:grpSpPr>
+      <p:sp>
+        <p:nvSpPr>
+          <p:cNvPr id="4" name="제목 3"/>
+          <p:cNvSpPr>
+            <a:spLocks noGrp="1"/>
+          </p:cNvSpPr>
+          <p:nvPr>
+            <p:ph type="title"/>
+          </p:nvPr>
+        </p:nvSpPr>
+        <p:spPr>
+          <a:xfrm>
+            <a:off x="250190" y="0"/>
+            <a:ext cx="3373755" cy="650875"/>
+          </a:xfrm>
+        </p:spPr>
+        <p:txBody>
+          <a:bodyPr anchor="ctr">
+            <a:normAutofit/>
+          </a:bodyPr>
+          <a:lstStyle/>
+          <a:p>
+            <a:pPr lvl="0">
+              <a:defRPr/>
+            </a:pPr>
+            <a:r>
+              <a:rPr lang="ko-KR" altLang="en-US" sz="2800" smtClean="0"/>
+              <a:t>시퀀스 다이어그램</a:t>
+            </a:r>
+            <a:endParaRPr lang="ko-KR" altLang="en-US" sz="2800"/>
+          </a:p>
+        </p:txBody>
+      </p:sp>
+      <p:sp>
+        <p:nvSpPr>
+          <p:cNvPr id="6" name="텍스트 개체 틀 4"/>
+          <p:cNvSpPr>
+            <a:spLocks noGrp="1"/>
+          </p:cNvSpPr>
+          <p:nvPr>
+            <p:ph type="body" sz="half" idx="2"/>
+          </p:nvPr>
+        </p:nvSpPr>
+        <p:spPr>
+          <a:xfrm>
+            <a:off x="3424555" y="0"/>
+            <a:ext cx="3931920" cy="650875"/>
+          </a:xfrm>
+        </p:spPr>
+        <p:txBody>
+          <a:bodyPr anchor="ctr">
+            <a:normAutofit/>
+          </a:bodyPr>
+          <a:lstStyle/>
+          <a:p>
+            <a:pPr lvl="0">
+              <a:defRPr/>
+            </a:pPr>
+            <a:r>
+              <a:rPr lang="en-US" altLang="ko-KR" smtClean="0"/>
+              <a:t>Admin</a:t>
+            </a:r>
+            <a:endParaRPr lang="ko-KR" altLang="en-US"/>
+          </a:p>
+        </p:txBody>
+      </p:sp>
+    </p:spTree>
+    <p:extLst>
+      <p:ext uri="{BB962C8B-B14F-4D97-AF65-F5344CB8AC3E}">
+        <p14:creationId xmlns:p14="http://schemas.microsoft.com/office/powerpoint/2010/main" val="1019059289"/>
+      </p:ext>
+    </p:extLst>
+  </p:cSld>
+  <p:clrMapOvr>
+    <a:masterClrMapping/>
+  </p:clrMapOvr>
+  <p:transition/>
+  <p:timing>
+    <p:tnLst>
+      <p:par>
+        <p:cTn id="1" dur="indefinite" restart="never" nodeType="tmRoot"/>
+      </p:par>
+    </p:tnLst>
+  </p:timing>
+</p:sld>
+</file>
+
 <file path=ppt/slides/slide3.xml><?xml version="1.0" encoding="utf-8"?>
 <p:sld xmlns:a="http://schemas.openxmlformats.org/drawingml/2006/main" xmlns:r="http://schemas.openxmlformats.org/officeDocument/2006/relationships" xmlns:p="http://schemas.openxmlformats.org/presentationml/2006/main">
   <p:cSld>
@@ -4952,7 +6145,7 @@
           <p:cNvPr id="2" name="그룹 1">
             <a:extLst>
               <a:ext uri="{FF2B5EF4-FFF2-40B4-BE49-F238E27FC236}">
-                <a16:creationId xmlns:p14="http://schemas.microsoft.com/office/powerpoint/2010/main" xmlns:a16="http://schemas.microsoft.com/office/drawing/2014/main" xmlns="" id="{C71E5FE6-3E6D-4092-81AA-962DB5284ABF}"/>
+                <a16:creationId xmlns="" xmlns:a16="http://schemas.microsoft.com/office/drawing/2014/main" xmlns:p14="http://schemas.microsoft.com/office/powerpoint/2010/main" id="{C71E5FE6-3E6D-4092-81AA-962DB5284ABF}"/>
               </a:ext>
             </a:extLst>
           </p:cNvPr>
@@ -5034,7 +6227,7 @@
             <p:cNvPr id="6" name="TextBox 5">
               <a:extLst>
                 <a:ext uri="{FF2B5EF4-FFF2-40B4-BE49-F238E27FC236}">
-                  <a16:creationId xmlns:p14="http://schemas.microsoft.com/office/powerpoint/2010/main" xmlns:a16="http://schemas.microsoft.com/office/drawing/2014/main" xmlns="" id="{BCB0E9E3-FAB5-4E31-83EE-08A0FE55BB4A}"/>
+                  <a16:creationId xmlns="" xmlns:a16="http://schemas.microsoft.com/office/drawing/2014/main" xmlns:p14="http://schemas.microsoft.com/office/powerpoint/2010/main" id="{BCB0E9E3-FAB5-4E31-83EE-08A0FE55BB4A}"/>
                 </a:ext>
               </a:extLst>
             </p:cNvPr>
@@ -5156,39 +6349,47 @@
           </a:p>
         </p:txBody>
       </p:sp>
-      <p:sp>
-        <p:nvSpPr>
-          <p:cNvPr id="12" name="텍스트 개체 틀 4"/>
-          <p:cNvSpPr>
-            <a:spLocks noGrp="1"/>
-          </p:cNvSpPr>
-          <p:nvPr>
-            <p:ph type="body" sz="half" idx="2"/>
-          </p:nvPr>
-        </p:nvSpPr>
-        <p:spPr>
-          <a:xfrm>
-            <a:off x="3424555" y="0"/>
-            <a:ext cx="3931920" cy="650875"/>
-          </a:xfrm>
-        </p:spPr>
-        <p:txBody>
-          <a:bodyPr anchor="ctr">
-            <a:normAutofit/>
-          </a:bodyPr>
-          <a:lstStyle/>
-          <a:p>
-            <a:pPr lvl="0">
-              <a:defRPr/>
-            </a:pPr>
-            <a:r>
-              <a:rPr lang="en-US" altLang="ko-KR" smtClean="0"/>
-              <a:t>User</a:t>
-            </a:r>
-            <a:endParaRPr lang="ko-KR" altLang="en-US"/>
-          </a:p>
-        </p:txBody>
-      </p:sp>
+      <p:pic>
+        <p:nvPicPr>
+          <p:cNvPr id="2050" name="Picture 2" descr="C:\Users\DongKyun\Documents\GitHub\KHFinalProject\보고서\클래스\패키지 다이어그램.jpg"/>
+          <p:cNvPicPr>
+            <a:picLocks noChangeAspect="1" noChangeArrowheads="1"/>
+          </p:cNvPicPr>
+          <p:nvPr/>
+        </p:nvPicPr>
+        <p:blipFill>
+          <a:blip r:embed="rId2">
+            <a:extLst>
+              <a:ext uri="{28A0092B-C50C-407E-A947-70E740481C1C}">
+                <a14:useLocalDpi xmlns:a14="http://schemas.microsoft.com/office/drawing/2010/main" val="0"/>
+              </a:ext>
+            </a:extLst>
+          </a:blip>
+          <a:srcRect/>
+          <a:stretch>
+            <a:fillRect/>
+          </a:stretch>
+        </p:blipFill>
+        <p:spPr bwMode="auto">
+          <a:xfrm>
+            <a:off x="402590" y="1009650"/>
+            <a:ext cx="11313160" cy="5600700"/>
+          </a:xfrm>
+          <a:prstGeom prst="rect">
+            <a:avLst/>
+          </a:prstGeom>
+          <a:noFill/>
+          <a:extLst>
+            <a:ext uri="{909E8E84-426E-40DD-AFC4-6F175D3DCCD1}">
+              <a14:hiddenFill xmlns:a14="http://schemas.microsoft.com/office/drawing/2010/main">
+                <a:solidFill>
+                  <a:srgbClr val="FFFFFF"/>
+                </a:solidFill>
+              </a14:hiddenFill>
+            </a:ext>
+          </a:extLst>
+        </p:spPr>
+      </p:pic>
     </p:spTree>
   </p:cSld>
   <p:clrMapOvr>
@@ -5208,6 +6409,14 @@
 <file path=ppt/slides/slide5.xml><?xml version="1.0" encoding="utf-8"?>
 <p:sld xmlns:a="http://schemas.openxmlformats.org/drawingml/2006/main" xmlns:r="http://schemas.openxmlformats.org/officeDocument/2006/relationships" xmlns:p="http://schemas.openxmlformats.org/presentationml/2006/main">
   <p:cSld>
+    <p:bg>
+      <p:bgPr>
+        <a:solidFill>
+          <a:srgbClr val="212121"/>
+        </a:solidFill>
+        <a:effectLst/>
+      </p:bgPr>
+    </p:bg>
     <p:spTree>
       <p:nvGrpSpPr>
         <p:cNvPr id="1" name=""/>
@@ -5222,83 +6431,155 @@
           <a:chExt cx="0" cy="0"/>
         </a:xfrm>
       </p:grpSpPr>
-      <p:sp>
-        <p:nvSpPr>
-          <p:cNvPr id="4" name="제목 3"/>
-          <p:cNvSpPr>
-            <a:spLocks noGrp="1"/>
-          </p:cNvSpPr>
-          <p:nvPr>
-            <p:ph type="title"/>
-          </p:nvPr>
-        </p:nvSpPr>
-        <p:spPr>
-          <a:xfrm>
-            <a:off x="250190" y="0"/>
-            <a:ext cx="3373755" cy="650875"/>
-          </a:xfrm>
-        </p:spPr>
-        <p:txBody>
-          <a:bodyPr anchor="ctr">
-            <a:normAutofit/>
-          </a:bodyPr>
-          <a:lstStyle/>
-          <a:p>
-            <a:pPr lvl="0">
-              <a:defRPr/>
-            </a:pPr>
-            <a:r>
-              <a:rPr lang="ko-KR" altLang="en-US" sz="2800" smtClean="0"/>
-              <a:t>패키지 다이어그램</a:t>
-            </a:r>
-            <a:endParaRPr lang="ko-KR" altLang="en-US" sz="2800"/>
-          </a:p>
-        </p:txBody>
-      </p:sp>
-      <p:sp>
-        <p:nvSpPr>
-          <p:cNvPr id="12" name="텍스트 개체 틀 4"/>
-          <p:cNvSpPr>
-            <a:spLocks noGrp="1"/>
-          </p:cNvSpPr>
-          <p:nvPr>
-            <p:ph type="body" sz="half" idx="2"/>
-          </p:nvPr>
-        </p:nvSpPr>
-        <p:spPr>
-          <a:xfrm>
-            <a:off x="3424555" y="0"/>
-            <a:ext cx="3931920" cy="650875"/>
-          </a:xfrm>
-        </p:spPr>
-        <p:txBody>
-          <a:bodyPr anchor="ctr">
-            <a:normAutofit/>
-          </a:bodyPr>
-          <a:lstStyle/>
-          <a:p>
-            <a:pPr lvl="0">
-              <a:defRPr/>
-            </a:pPr>
-            <a:r>
-              <a:rPr lang="en-US" altLang="ko-KR" smtClean="0"/>
-              <a:t>User</a:t>
-            </a:r>
-            <a:endParaRPr lang="ko-KR" altLang="en-US"/>
-          </a:p>
-        </p:txBody>
-      </p:sp>
+      <p:grpSp>
+        <p:nvGrpSpPr>
+          <p:cNvPr id="2" name="그룹 1">
+            <a:extLst>
+              <a:ext uri="{FF2B5EF4-FFF2-40B4-BE49-F238E27FC236}">
+                <a16:creationId xmlns="" xmlns:a16="http://schemas.microsoft.com/office/drawing/2014/main" xmlns:p14="http://schemas.microsoft.com/office/powerpoint/2010/main" id="{C71E5FE6-3E6D-4092-81AA-962DB5284ABF}"/>
+              </a:ext>
+            </a:extLst>
+          </p:cNvPr>
+          <p:cNvGrpSpPr/>
+          <p:nvPr/>
+        </p:nvGrpSpPr>
+        <p:grpSpPr>
+          <a:xfrm>
+            <a:off x="4598353" y="2980372"/>
+            <a:ext cx="3757365" cy="564515"/>
+            <a:chOff x="4598353" y="2980372"/>
+            <a:chExt cx="3757365" cy="564515"/>
+          </a:xfrm>
+        </p:grpSpPr>
+        <p:sp>
+          <p:nvSpPr>
+            <p:cNvPr id="30" name="타원 29"/>
+            <p:cNvSpPr/>
+            <p:nvPr/>
+          </p:nvSpPr>
+          <p:spPr>
+            <a:xfrm>
+              <a:off x="4598353" y="2980372"/>
+              <a:ext cx="564832" cy="564515"/>
+            </a:xfrm>
+            <a:prstGeom prst="ellipse">
+              <a:avLst/>
+            </a:prstGeom>
+            <a:solidFill>
+              <a:schemeClr val="bg1"/>
+            </a:solidFill>
+            <a:ln>
+              <a:noFill/>
+            </a:ln>
+          </p:spPr>
+          <p:style>
+            <a:lnRef idx="2">
+              <a:schemeClr val="accent1">
+                <a:shade val="50000"/>
+              </a:schemeClr>
+            </a:lnRef>
+            <a:fillRef idx="1">
+              <a:schemeClr val="accent1"/>
+            </a:fillRef>
+            <a:effectRef idx="0">
+              <a:schemeClr val="accent1"/>
+            </a:effectRef>
+            <a:fontRef idx="minor">
+              <a:schemeClr val="lt1"/>
+            </a:fontRef>
+          </p:style>
+          <p:txBody>
+            <a:bodyPr rtlCol="0" anchor="ctr"/>
+            <a:lstStyle/>
+            <a:p>
+              <a:pPr algn="ctr"/>
+              <a:r>
+                <a:rPr lang="en-US" altLang="ko-KR" sz="2800" b="1">
+                  <a:solidFill>
+                    <a:schemeClr val="tx1"/>
+                  </a:solidFill>
+                  <a:latin typeface="THE정고딕130" panose="02020603020101020101" pitchFamily="18" charset="-127"/>
+                  <a:ea typeface="THE정고딕130" panose="02020603020101020101" pitchFamily="18" charset="-127"/>
+                </a:rPr>
+                <a:t>2</a:t>
+              </a:r>
+              <a:endParaRPr lang="ko-KR" altLang="en-US" sz="2800" b="1">
+                <a:solidFill>
+                  <a:schemeClr val="tx1"/>
+                </a:solidFill>
+                <a:latin typeface="THE정고딕130" panose="02020603020101020101" pitchFamily="18" charset="-127"/>
+                <a:ea typeface="THE정고딕130" panose="02020603020101020101" pitchFamily="18" charset="-127"/>
+              </a:endParaRPr>
+            </a:p>
+          </p:txBody>
+        </p:sp>
+        <p:sp>
+          <p:nvSpPr>
+            <p:cNvPr id="6" name="TextBox 5">
+              <a:extLst>
+                <a:ext uri="{FF2B5EF4-FFF2-40B4-BE49-F238E27FC236}">
+                  <a16:creationId xmlns="" xmlns:a16="http://schemas.microsoft.com/office/drawing/2014/main" xmlns:p14="http://schemas.microsoft.com/office/powerpoint/2010/main" id="{BCB0E9E3-FAB5-4E31-83EE-08A0FE55BB4A}"/>
+                </a:ext>
+              </a:extLst>
+            </p:cNvPr>
+            <p:cNvSpPr txBox="1"/>
+            <p:nvPr/>
+          </p:nvSpPr>
+          <p:spPr>
+            <a:xfrm>
+              <a:off x="5295265" y="3001010"/>
+              <a:ext cx="3060453" cy="523220"/>
+            </a:xfrm>
+            <a:prstGeom prst="rect">
+              <a:avLst/>
+            </a:prstGeom>
+            <a:noFill/>
+          </p:spPr>
+          <p:txBody>
+            <a:bodyPr wrap="none" rtlCol="0">
+              <a:spAutoFit/>
+            </a:bodyPr>
+            <a:lstStyle/>
+            <a:p>
+              <a:r>
+                <a:rPr lang="ko-KR" altLang="en-US" sz="2800" smtClean="0">
+                  <a:solidFill>
+                    <a:schemeClr val="bg1"/>
+                  </a:solidFill>
+                  <a:latin typeface="+mj-ea"/>
+                  <a:ea typeface="+mj-ea"/>
+                </a:rPr>
+                <a:t>클래스 다이어그램</a:t>
+              </a:r>
+              <a:endParaRPr lang="en-US" altLang="ko-KR" sz="2800">
+                <a:solidFill>
+                  <a:schemeClr val="bg1"/>
+                </a:solidFill>
+                <a:latin typeface="+mj-ea"/>
+                <a:ea typeface="+mj-ea"/>
+              </a:endParaRPr>
+            </a:p>
+          </p:txBody>
+        </p:sp>
+      </p:grpSp>
     </p:spTree>
     <p:extLst>
       <p:ext uri="{BB962C8B-B14F-4D97-AF65-F5344CB8AC3E}">
-        <p14:creationId xmlns:p14="http://schemas.microsoft.com/office/powerpoint/2010/main" val="2337712526"/>
+        <p14:creationId xmlns:p14="http://schemas.microsoft.com/office/powerpoint/2010/main" val="693951829"/>
       </p:ext>
     </p:extLst>
   </p:cSld>
   <p:clrMapOvr>
     <a:masterClrMapping/>
   </p:clrMapOvr>
-  <p:transition/>
+  <mc:AlternateContent xmlns:mc="http://schemas.openxmlformats.org/markup-compatibility/2006" xmlns:p14="http://schemas.microsoft.com/office/powerpoint/2010/main">
+    <mc:Choice Requires="p14">
+      <p:transition spd="slow" p14:dur="2000"/>
+    </mc:Choice>
+    <mc:Fallback xmlns="">
+      <p:transition spd="slow"/>
+    </mc:Fallback>
+  </mc:AlternateContent>
   <p:timing>
     <p:tnLst>
       <p:par>
@@ -5353,7 +6634,7 @@
             </a:pPr>
             <a:r>
               <a:rPr lang="ko-KR" altLang="en-US" sz="2800" smtClean="0"/>
-              <a:t>패키지 다이어그램</a:t>
+              <a:t>클래스 다이어그램</a:t>
             </a:r>
             <a:endParaRPr lang="ko-KR" altLang="en-US" sz="2800"/>
           </a:p>
@@ -5361,7 +6642,7 @@
       </p:sp>
       <p:sp>
         <p:nvSpPr>
-          <p:cNvPr id="12" name="텍스트 개체 틀 4"/>
+          <p:cNvPr id="5" name="텍스트 개체 틀 4"/>
           <p:cNvSpPr>
             <a:spLocks noGrp="1"/>
           </p:cNvSpPr>
@@ -5392,10 +6673,51 @@
           </a:p>
         </p:txBody>
       </p:sp>
+      <p:pic>
+        <p:nvPicPr>
+          <p:cNvPr id="1026" name="Picture 2" descr="C:\Users\DongKyun\Documents\GitHub\KHFinalProject\보고서\클래스\user클래스.jpg"/>
+          <p:cNvPicPr>
+            <a:picLocks noChangeAspect="1" noChangeArrowheads="1"/>
+          </p:cNvPicPr>
+          <p:nvPr/>
+        </p:nvPicPr>
+        <p:blipFill>
+          <a:blip r:embed="rId2">
+            <a:extLst>
+              <a:ext uri="{28A0092B-C50C-407E-A947-70E740481C1C}">
+                <a14:useLocalDpi xmlns:a14="http://schemas.microsoft.com/office/drawing/2010/main" val="0"/>
+              </a:ext>
+            </a:extLst>
+          </a:blip>
+          <a:srcRect/>
+          <a:stretch>
+            <a:fillRect/>
+          </a:stretch>
+        </p:blipFill>
+        <p:spPr bwMode="auto">
+          <a:xfrm>
+            <a:off x="733425" y="787400"/>
+            <a:ext cx="10839450" cy="5969000"/>
+          </a:xfrm>
+          <a:prstGeom prst="rect">
+            <a:avLst/>
+          </a:prstGeom>
+          <a:noFill/>
+          <a:extLst>
+            <a:ext uri="{909E8E84-426E-40DD-AFC4-6F175D3DCCD1}">
+              <a14:hiddenFill xmlns:a14="http://schemas.microsoft.com/office/drawing/2010/main">
+                <a:solidFill>
+                  <a:srgbClr val="FFFFFF"/>
+                </a:solidFill>
+              </a14:hiddenFill>
+            </a:ext>
+          </a:extLst>
+        </p:spPr>
+      </p:pic>
     </p:spTree>
     <p:extLst>
       <p:ext uri="{BB962C8B-B14F-4D97-AF65-F5344CB8AC3E}">
-        <p14:creationId xmlns:p14="http://schemas.microsoft.com/office/powerpoint/2010/main" val="3024726558"/>
+        <p14:creationId xmlns:p14="http://schemas.microsoft.com/office/powerpoint/2010/main" val="1953278713"/>
       </p:ext>
     </p:extLst>
   </p:cSld>
@@ -5457,7 +6779,7 @@
             </a:pPr>
             <a:r>
               <a:rPr lang="ko-KR" altLang="en-US" sz="2800" smtClean="0"/>
-              <a:t>패키지 다이어그램</a:t>
+              <a:t>클래스 다이어그램</a:t>
             </a:r>
             <a:endParaRPr lang="ko-KR" altLang="en-US" sz="2800"/>
           </a:p>
@@ -5465,7 +6787,7 @@
       </p:sp>
       <p:sp>
         <p:nvSpPr>
-          <p:cNvPr id="12" name="텍스트 개체 틀 4"/>
+          <p:cNvPr id="5" name="텍스트 개체 틀 4"/>
           <p:cNvSpPr>
             <a:spLocks noGrp="1"/>
           </p:cNvSpPr>
@@ -5490,16 +6812,57 @@
             </a:pPr>
             <a:r>
               <a:rPr lang="en-US" altLang="ko-KR" smtClean="0"/>
-              <a:t>User</a:t>
+              <a:t>Admin</a:t>
             </a:r>
             <a:endParaRPr lang="ko-KR" altLang="en-US"/>
           </a:p>
         </p:txBody>
       </p:sp>
+      <p:pic>
+        <p:nvPicPr>
+          <p:cNvPr id="2050" name="Picture 2" descr="C:\Users\DongKyun\Documents\GitHub\KHFinalProject\보고서\클래스\admin클래스.jpg"/>
+          <p:cNvPicPr>
+            <a:picLocks noChangeAspect="1" noChangeArrowheads="1"/>
+          </p:cNvPicPr>
+          <p:nvPr/>
+        </p:nvPicPr>
+        <p:blipFill>
+          <a:blip r:embed="rId2">
+            <a:extLst>
+              <a:ext uri="{28A0092B-C50C-407E-A947-70E740481C1C}">
+                <a14:useLocalDpi xmlns:a14="http://schemas.microsoft.com/office/drawing/2010/main" val="0"/>
+              </a:ext>
+            </a:extLst>
+          </a:blip>
+          <a:srcRect/>
+          <a:stretch>
+            <a:fillRect/>
+          </a:stretch>
+        </p:blipFill>
+        <p:spPr bwMode="auto">
+          <a:xfrm>
+            <a:off x="2057400" y="746124"/>
+            <a:ext cx="7620000" cy="5991225"/>
+          </a:xfrm>
+          <a:prstGeom prst="rect">
+            <a:avLst/>
+          </a:prstGeom>
+          <a:noFill/>
+          <a:extLst>
+            <a:ext uri="{909E8E84-426E-40DD-AFC4-6F175D3DCCD1}">
+              <a14:hiddenFill xmlns:a14="http://schemas.microsoft.com/office/drawing/2010/main">
+                <a:solidFill>
+                  <a:srgbClr val="FFFFFF"/>
+                </a:solidFill>
+              </a14:hiddenFill>
+            </a:ext>
+          </a:extLst>
+        </p:spPr>
+      </p:pic>
     </p:spTree>
     <p:extLst>
       <p:ext uri="{BB962C8B-B14F-4D97-AF65-F5344CB8AC3E}">
-        <p14:creationId xmlns:p14="http://schemas.microsoft.com/office/powerpoint/2010/main" val="4041848743"/>
+        <p14:creationId xmlns:p14="http://schemas.microsoft.com/office/powerpoint/2010/main" val="4112727436"/>
       </p:ext>
     </p:extLst>
   </p:cSld>
@@ -5561,7 +6924,7 @@
             </a:pPr>
             <a:r>
               <a:rPr lang="ko-KR" altLang="en-US" sz="2800" smtClean="0"/>
-              <a:t>패키지 다이어그램</a:t>
+              <a:t>클래스 다이어그램</a:t>
             </a:r>
             <a:endParaRPr lang="ko-KR" altLang="en-US" sz="2800"/>
           </a:p>
@@ -5569,7 +6932,7 @@
       </p:sp>
       <p:sp>
         <p:nvSpPr>
-          <p:cNvPr id="12" name="텍스트 개체 틀 4"/>
+          <p:cNvPr id="5" name="텍스트 개체 틀 4"/>
           <p:cNvSpPr>
             <a:spLocks noGrp="1"/>
           </p:cNvSpPr>
@@ -5594,16 +6957,57 @@
             </a:pPr>
             <a:r>
               <a:rPr lang="en-US" altLang="ko-KR" smtClean="0"/>
-              <a:t>User</a:t>
+              <a:t>Gym</a:t>
             </a:r>
             <a:endParaRPr lang="ko-KR" altLang="en-US"/>
           </a:p>
         </p:txBody>
       </p:sp>
+      <p:pic>
+        <p:nvPicPr>
+          <p:cNvPr id="3074" name="Picture 2" descr="C:\Users\DongKyun\Documents\GitHub\KHFinalProject\보고서\클래스\gym클래스.jpg"/>
+          <p:cNvPicPr>
+            <a:picLocks noChangeAspect="1" noChangeArrowheads="1"/>
+          </p:cNvPicPr>
+          <p:nvPr/>
+        </p:nvPicPr>
+        <p:blipFill>
+          <a:blip r:embed="rId2">
+            <a:extLst>
+              <a:ext uri="{28A0092B-C50C-407E-A947-70E740481C1C}">
+                <a14:useLocalDpi xmlns:a14="http://schemas.microsoft.com/office/drawing/2010/main" val="0"/>
+              </a:ext>
+            </a:extLst>
+          </a:blip>
+          <a:srcRect/>
+          <a:stretch>
+            <a:fillRect/>
+          </a:stretch>
+        </p:blipFill>
+        <p:spPr bwMode="auto">
+          <a:xfrm>
+            <a:off x="698500" y="1044575"/>
+            <a:ext cx="10909300" cy="5283200"/>
+          </a:xfrm>
+          <a:prstGeom prst="rect">
+            <a:avLst/>
+          </a:prstGeom>
+          <a:noFill/>
+          <a:extLst>
+            <a:ext uri="{909E8E84-426E-40DD-AFC4-6F175D3DCCD1}">
+              <a14:hiddenFill xmlns:a14="http://schemas.microsoft.com/office/drawing/2010/main">
+                <a:solidFill>
+                  <a:srgbClr val="FFFFFF"/>
+                </a:solidFill>
+              </a14:hiddenFill>
+            </a:ext>
+          </a:extLst>
+        </p:spPr>
+      </p:pic>
     </p:spTree>
     <p:extLst>
       <p:ext uri="{BB962C8B-B14F-4D97-AF65-F5344CB8AC3E}">
-        <p14:creationId xmlns:p14="http://schemas.microsoft.com/office/powerpoint/2010/main" val="4207126397"/>
+        <p14:creationId xmlns:p14="http://schemas.microsoft.com/office/powerpoint/2010/main" val="2869662868"/>
       </p:ext>
     </p:extLst>
   </p:cSld>
@@ -5665,7 +7069,7 @@
             </a:pPr>
             <a:r>
               <a:rPr lang="ko-KR" altLang="en-US" sz="2800" smtClean="0"/>
-              <a:t>패키지 다이어그램</a:t>
+              <a:t>클래스 다이어그램</a:t>
             </a:r>
             <a:endParaRPr lang="ko-KR" altLang="en-US" sz="2800"/>
           </a:p>
@@ -5673,7 +7077,7 @@
       </p:sp>
       <p:sp>
         <p:nvSpPr>
-          <p:cNvPr id="12" name="텍스트 개체 틀 4"/>
+          <p:cNvPr id="5" name="텍스트 개체 틀 4"/>
           <p:cNvSpPr>
             <a:spLocks noGrp="1"/>
           </p:cNvSpPr>
@@ -5698,16 +7102,57 @@
             </a:pPr>
             <a:r>
               <a:rPr lang="en-US" altLang="ko-KR" smtClean="0"/>
-              <a:t>User</a:t>
+              <a:t>Health</a:t>
             </a:r>
             <a:endParaRPr lang="ko-KR" altLang="en-US"/>
           </a:p>
         </p:txBody>
       </p:sp>
+      <p:pic>
+        <p:nvPicPr>
+          <p:cNvPr id="4098" name="Picture 2" descr="C:\Users\DongKyun\Documents\GitHub\KHFinalProject\보고서\클래스\health클래스.jpg"/>
+          <p:cNvPicPr>
+            <a:picLocks noChangeAspect="1" noChangeArrowheads="1"/>
+          </p:cNvPicPr>
+          <p:nvPr/>
+        </p:nvPicPr>
+        <p:blipFill>
+          <a:blip r:embed="rId2">
+            <a:extLst>
+              <a:ext uri="{28A0092B-C50C-407E-A947-70E740481C1C}">
+                <a14:useLocalDpi xmlns:a14="http://schemas.microsoft.com/office/drawing/2010/main" val="0"/>
+              </a:ext>
+            </a:extLst>
+          </a:blip>
+          <a:srcRect/>
+          <a:stretch>
+            <a:fillRect/>
+          </a:stretch>
+        </p:blipFill>
+        <p:spPr bwMode="auto">
+          <a:xfrm>
+            <a:off x="1908175" y="1949450"/>
+            <a:ext cx="8166100" cy="3225800"/>
+          </a:xfrm>
+          <a:prstGeom prst="rect">
+            <a:avLst/>
+          </a:prstGeom>
+          <a:noFill/>
+          <a:extLst>
+            <a:ext uri="{909E8E84-426E-40DD-AFC4-6F175D3DCCD1}">
+              <a14:hiddenFill xmlns:a14="http://schemas.microsoft.com/office/drawing/2010/main">
+                <a:solidFill>
+                  <a:srgbClr val="FFFFFF"/>
+                </a:solidFill>
+              </a14:hiddenFill>
+            </a:ext>
+          </a:extLst>
+        </p:spPr>
+      </p:pic>
     </p:spTree>
     <p:extLst>
       <p:ext uri="{BB962C8B-B14F-4D97-AF65-F5344CB8AC3E}">
-        <p14:creationId xmlns:p14="http://schemas.microsoft.com/office/powerpoint/2010/main" val="1635299214"/>
+        <p14:creationId xmlns:p14="http://schemas.microsoft.com/office/powerpoint/2010/main" val="28708698"/>
       </p:ext>
     </p:extLst>
   </p:cSld>

--- a/보고서/클래스설계서_Final_Project.pptx
+++ b/보고서/클래스설계서_Final_Project.pptx
@@ -26,23 +26,34 @@
     <p:sldId id="323" r:id="rId20"/>
     <p:sldId id="324" r:id="rId21"/>
     <p:sldId id="311" r:id="rId22"/>
-    <p:sldId id="312" r:id="rId23"/>
-    <p:sldId id="315" r:id="rId24"/>
-    <p:sldId id="316" r:id="rId25"/>
-    <p:sldId id="317" r:id="rId26"/>
-    <p:sldId id="313" r:id="rId27"/>
-    <p:sldId id="314" r:id="rId28"/>
+    <p:sldId id="325" r:id="rId23"/>
+    <p:sldId id="326" r:id="rId24"/>
+    <p:sldId id="327" r:id="rId25"/>
+    <p:sldId id="328" r:id="rId26"/>
+    <p:sldId id="329" r:id="rId27"/>
+    <p:sldId id="330" r:id="rId28"/>
+    <p:sldId id="331" r:id="rId29"/>
+    <p:sldId id="332" r:id="rId30"/>
+    <p:sldId id="333" r:id="rId31"/>
+    <p:sldId id="334" r:id="rId32"/>
+    <p:sldId id="335" r:id="rId33"/>
+    <p:sldId id="312" r:id="rId34"/>
+    <p:sldId id="315" r:id="rId35"/>
+    <p:sldId id="316" r:id="rId36"/>
+    <p:sldId id="317" r:id="rId37"/>
+    <p:sldId id="313" r:id="rId38"/>
+    <p:sldId id="314" r:id="rId39"/>
   </p:sldIdLst>
   <p:sldSz cx="12192000" cy="6858000"/>
   <p:notesSz cx="6858000" cy="9144000"/>
   <p:embeddedFontLst>
     <p:embeddedFont>
       <p:font typeface="THE정고딕150" pitchFamily="18" charset="-127"/>
-      <p:regular r:id="rId29"/>
+      <p:regular r:id="rId40"/>
     </p:embeddedFont>
     <p:embeddedFont>
       <p:font typeface="THE정고딕130" pitchFamily="18" charset="-127"/>
-      <p:regular r:id="rId30"/>
+      <p:regular r:id="rId41"/>
     </p:embeddedFont>
   </p:embeddedFontLst>
   <p:defaultTextStyle>
@@ -142,7 +153,7 @@
   </p:defaultTextStyle>
   <p:extLst>
     <p:ext uri="{EFAFB233-063F-42B5-8137-9DF3F51BA10A}">
-      <p15:sldGuideLst xmlns:p15="http://schemas.microsoft.com/office/powerpoint/2012/main" xmlns:p14="http://schemas.microsoft.com/office/powerpoint/2010/main" xmlns="">
+      <p15:sldGuideLst xmlns="" xmlns:p14="http://schemas.microsoft.com/office/powerpoint/2010/main" xmlns:p15="http://schemas.microsoft.com/office/powerpoint/2012/main">
         <p15:guide id="0" orient="horz" pos="2157" userDrawn="1">
           <p15:clr>
             <a:srgbClr val="A4A3A4"/>
@@ -1799,7 +1810,7 @@
           <p:cNvPr id="8" name="직사각형 7">
             <a:extLst>
               <a:ext uri="{FF2B5EF4-FFF2-40B4-BE49-F238E27FC236}">
-                <a16:creationId xmlns="" xmlns:a16="http://schemas.microsoft.com/office/drawing/2014/main" id="{EC9D3B80-2639-45EA-95B5-D9EAD7F532D5}"/>
+                <a16:creationId xmlns:a16="http://schemas.microsoft.com/office/drawing/2014/main" xmlns="" id="{EC9D3B80-2639-45EA-95B5-D9EAD7F532D5}"/>
               </a:ext>
             </a:extLst>
           </p:cNvPr>
@@ -3362,7 +3373,7 @@
           <p:cNvPr id="2" name="그룹 1">
             <a:extLst>
               <a:ext uri="{FF2B5EF4-FFF2-40B4-BE49-F238E27FC236}">
-                <a16:creationId xmlns="" xmlns:a16="http://schemas.microsoft.com/office/drawing/2014/main" xmlns:p14="http://schemas.microsoft.com/office/powerpoint/2010/main" id="{C71E5FE6-3E6D-4092-81AA-962DB5284ABF}"/>
+                <a16:creationId xmlns:p14="http://schemas.microsoft.com/office/powerpoint/2010/main" xmlns:a16="http://schemas.microsoft.com/office/drawing/2014/main" xmlns="" id="{C71E5FE6-3E6D-4092-81AA-962DB5284ABF}"/>
               </a:ext>
             </a:extLst>
           </p:cNvPr>
@@ -3444,7 +3455,7 @@
             <p:cNvPr id="6" name="TextBox 5">
               <a:extLst>
                 <a:ext uri="{FF2B5EF4-FFF2-40B4-BE49-F238E27FC236}">
-                  <a16:creationId xmlns="" xmlns:a16="http://schemas.microsoft.com/office/drawing/2014/main" xmlns:p14="http://schemas.microsoft.com/office/powerpoint/2010/main" id="{BCB0E9E3-FAB5-4E31-83EE-08A0FE55BB4A}"/>
+                  <a16:creationId xmlns:p14="http://schemas.microsoft.com/office/powerpoint/2010/main" xmlns:a16="http://schemas.microsoft.com/office/drawing/2014/main" xmlns="" id="{BCB0E9E3-FAB5-4E31-83EE-08A0FE55BB4A}"/>
                 </a:ext>
               </a:extLst>
             </p:cNvPr>
@@ -4580,7 +4591,7 @@
           <p:cNvPr id="21" name="직사각형 20">
             <a:extLst>
               <a:ext uri="{FF2B5EF4-FFF2-40B4-BE49-F238E27FC236}">
-                <a16:creationId xmlns="" xmlns:a16="http://schemas.microsoft.com/office/drawing/2014/main" xmlns:p14="http://schemas.microsoft.com/office/powerpoint/2010/main" id="{63D8309B-220E-4F90-B697-6E756550EC24}"/>
+                <a16:creationId xmlns:p14="http://schemas.microsoft.com/office/powerpoint/2010/main" xmlns:a16="http://schemas.microsoft.com/office/drawing/2014/main" xmlns="" id="{63D8309B-220E-4F90-B697-6E756550EC24}"/>
               </a:ext>
             </a:extLst>
           </p:cNvPr>
@@ -4736,7 +4747,7 @@
             <p:cNvPr id="6" name="TextBox 5">
               <a:extLst>
                 <a:ext uri="{FF2B5EF4-FFF2-40B4-BE49-F238E27FC236}">
-                  <a16:creationId xmlns="" xmlns:a16="http://schemas.microsoft.com/office/drawing/2014/main" xmlns:p14="http://schemas.microsoft.com/office/powerpoint/2010/main" id="{BCB0E9E3-FAB5-4E31-83EE-08A0FE55BB4A}"/>
+                  <a16:creationId xmlns:p14="http://schemas.microsoft.com/office/powerpoint/2010/main" xmlns:a16="http://schemas.microsoft.com/office/drawing/2014/main" xmlns="" id="{BCB0E9E3-FAB5-4E31-83EE-08A0FE55BB4A}"/>
                 </a:ext>
               </a:extLst>
             </p:cNvPr>
@@ -4861,7 +4872,7 @@
             <p:cNvPr id="20" name="TextBox 19">
               <a:extLst>
                 <a:ext uri="{FF2B5EF4-FFF2-40B4-BE49-F238E27FC236}">
-                  <a16:creationId xmlns="" xmlns:a16="http://schemas.microsoft.com/office/drawing/2014/main" xmlns:p14="http://schemas.microsoft.com/office/powerpoint/2010/main" id="{BCB0E9E3-FAB5-4E31-83EE-08A0FE55BB4A}"/>
+                  <a16:creationId xmlns:p14="http://schemas.microsoft.com/office/powerpoint/2010/main" xmlns:a16="http://schemas.microsoft.com/office/drawing/2014/main" xmlns="" id="{BCB0E9E3-FAB5-4E31-83EE-08A0FE55BB4A}"/>
                 </a:ext>
               </a:extLst>
             </p:cNvPr>
@@ -5006,7 +5017,7 @@
             <p:cNvPr id="24" name="TextBox 23">
               <a:extLst>
                 <a:ext uri="{FF2B5EF4-FFF2-40B4-BE49-F238E27FC236}">
-                  <a16:creationId xmlns="" xmlns:a16="http://schemas.microsoft.com/office/drawing/2014/main" xmlns:p14="http://schemas.microsoft.com/office/powerpoint/2010/main" id="{BCB0E9E3-FAB5-4E31-83EE-08A0FE55BB4A}"/>
+                  <a16:creationId xmlns:p14="http://schemas.microsoft.com/office/powerpoint/2010/main" xmlns:a16="http://schemas.microsoft.com/office/drawing/2014/main" xmlns="" id="{BCB0E9E3-FAB5-4E31-83EE-08A0FE55BB4A}"/>
                 </a:ext>
               </a:extLst>
             </p:cNvPr>
@@ -5404,57 +5415,16 @@
             </a:pPr>
             <a:r>
               <a:rPr lang="en-US" altLang="ko-KR" smtClean="0"/>
-              <a:t>Community - CommunityBoardList</a:t>
+              <a:t>Gym</a:t>
             </a:r>
             <a:endParaRPr lang="ko-KR" altLang="en-US"/>
           </a:p>
         </p:txBody>
       </p:sp>
-      <p:pic>
-        <p:nvPicPr>
-          <p:cNvPr id="3074" name="Picture 2" descr="C:\Users\DongKyun\Documents\GitHub\KHFinalProject\보고서\클래스\리스트.png"/>
-          <p:cNvPicPr>
-            <a:picLocks noChangeAspect="1" noChangeArrowheads="1"/>
-          </p:cNvPicPr>
-          <p:nvPr/>
-        </p:nvPicPr>
-        <p:blipFill>
-          <a:blip r:embed="rId2">
-            <a:extLst>
-              <a:ext uri="{28A0092B-C50C-407E-A947-70E740481C1C}">
-                <a14:useLocalDpi xmlns:a14="http://schemas.microsoft.com/office/drawing/2010/main" val="0"/>
-              </a:ext>
-            </a:extLst>
-          </a:blip>
-          <a:srcRect/>
-          <a:stretch>
-            <a:fillRect/>
-          </a:stretch>
-        </p:blipFill>
-        <p:spPr bwMode="auto">
-          <a:xfrm>
-            <a:off x="0" y="650874"/>
-            <a:ext cx="12192000" cy="6207125"/>
-          </a:xfrm>
-          <a:prstGeom prst="rect">
-            <a:avLst/>
-          </a:prstGeom>
-          <a:noFill/>
-          <a:extLst>
-            <a:ext uri="{909E8E84-426E-40DD-AFC4-6F175D3DCCD1}">
-              <a14:hiddenFill xmlns:a14="http://schemas.microsoft.com/office/drawing/2010/main">
-                <a:solidFill>
-                  <a:srgbClr val="FFFFFF"/>
-                </a:solidFill>
-              </a14:hiddenFill>
-            </a:ext>
-          </a:extLst>
-        </p:spPr>
-      </p:pic>
     </p:spTree>
     <p:extLst>
       <p:ext uri="{BB962C8B-B14F-4D97-AF65-F5344CB8AC3E}">
-        <p14:creationId xmlns:p14="http://schemas.microsoft.com/office/powerpoint/2010/main" val="3788117990"/>
+        <p14:creationId xmlns:p14="http://schemas.microsoft.com/office/powerpoint/2010/main" val="513504131"/>
       </p:ext>
     </p:extLst>
   </p:cSld>
@@ -5549,57 +5519,16 @@
             </a:pPr>
             <a:r>
               <a:rPr lang="en-US" altLang="ko-KR" smtClean="0"/>
-              <a:t>Community - CommunityBoardInsert</a:t>
+              <a:t>Gym</a:t>
             </a:r>
             <a:endParaRPr lang="ko-KR" altLang="en-US"/>
           </a:p>
         </p:txBody>
       </p:sp>
-      <p:pic>
-        <p:nvPicPr>
-          <p:cNvPr id="4098" name="Picture 2" descr="C:\Users\DongKyun\Documents\GitHub\KHFinalProject\보고서\클래스\삽입.png"/>
-          <p:cNvPicPr>
-            <a:picLocks noChangeAspect="1" noChangeArrowheads="1"/>
-          </p:cNvPicPr>
-          <p:nvPr/>
-        </p:nvPicPr>
-        <p:blipFill>
-          <a:blip r:embed="rId2">
-            <a:extLst>
-              <a:ext uri="{28A0092B-C50C-407E-A947-70E740481C1C}">
-                <a14:useLocalDpi xmlns:a14="http://schemas.microsoft.com/office/drawing/2010/main" val="0"/>
-              </a:ext>
-            </a:extLst>
-          </a:blip>
-          <a:srcRect/>
-          <a:stretch>
-            <a:fillRect/>
-          </a:stretch>
-        </p:blipFill>
-        <p:spPr bwMode="auto">
-          <a:xfrm>
-            <a:off x="0" y="650874"/>
-            <a:ext cx="12192834" cy="6207125"/>
-          </a:xfrm>
-          <a:prstGeom prst="rect">
-            <a:avLst/>
-          </a:prstGeom>
-          <a:noFill/>
-          <a:extLst>
-            <a:ext uri="{909E8E84-426E-40DD-AFC4-6F175D3DCCD1}">
-              <a14:hiddenFill xmlns:a14="http://schemas.microsoft.com/office/drawing/2010/main">
-                <a:solidFill>
-                  <a:srgbClr val="FFFFFF"/>
-                </a:solidFill>
-              </a14:hiddenFill>
-            </a:ext>
-          </a:extLst>
-        </p:spPr>
-      </p:pic>
     </p:spTree>
     <p:extLst>
       <p:ext uri="{BB962C8B-B14F-4D97-AF65-F5344CB8AC3E}">
-        <p14:creationId xmlns:p14="http://schemas.microsoft.com/office/powerpoint/2010/main" val="415682292"/>
+        <p14:creationId xmlns:p14="http://schemas.microsoft.com/office/powerpoint/2010/main" val="2631757491"/>
       </p:ext>
     </p:extLst>
   </p:cSld>
@@ -5685,7 +5614,7 @@
         </p:spPr>
         <p:txBody>
           <a:bodyPr anchor="ctr">
-            <a:normAutofit fontScale="92500"/>
+            <a:normAutofit/>
           </a:bodyPr>
           <a:lstStyle/>
           <a:p>
@@ -5694,57 +5623,16 @@
             </a:pPr>
             <a:r>
               <a:rPr lang="en-US" altLang="ko-KR" smtClean="0"/>
-              <a:t>Community - CommunityBoardUpdate</a:t>
+              <a:t>Gym</a:t>
             </a:r>
             <a:endParaRPr lang="ko-KR" altLang="en-US"/>
           </a:p>
         </p:txBody>
       </p:sp>
-      <p:pic>
-        <p:nvPicPr>
-          <p:cNvPr id="5122" name="Picture 2" descr="C:\Users\DongKyun\Documents\GitHub\KHFinalProject\보고서\클래스\수정.png"/>
-          <p:cNvPicPr>
-            <a:picLocks noChangeAspect="1" noChangeArrowheads="1"/>
-          </p:cNvPicPr>
-          <p:nvPr/>
-        </p:nvPicPr>
-        <p:blipFill>
-          <a:blip r:embed="rId2">
-            <a:extLst>
-              <a:ext uri="{28A0092B-C50C-407E-A947-70E740481C1C}">
-                <a14:useLocalDpi xmlns:a14="http://schemas.microsoft.com/office/drawing/2010/main" val="0"/>
-              </a:ext>
-            </a:extLst>
-          </a:blip>
-          <a:srcRect/>
-          <a:stretch>
-            <a:fillRect/>
-          </a:stretch>
-        </p:blipFill>
-        <p:spPr bwMode="auto">
-          <a:xfrm>
-            <a:off x="0" y="650875"/>
-            <a:ext cx="12192000" cy="6207125"/>
-          </a:xfrm>
-          <a:prstGeom prst="rect">
-            <a:avLst/>
-          </a:prstGeom>
-          <a:noFill/>
-          <a:extLst>
-            <a:ext uri="{909E8E84-426E-40DD-AFC4-6F175D3DCCD1}">
-              <a14:hiddenFill xmlns:a14="http://schemas.microsoft.com/office/drawing/2010/main">
-                <a:solidFill>
-                  <a:srgbClr val="FFFFFF"/>
-                </a:solidFill>
-              </a14:hiddenFill>
-            </a:ext>
-          </a:extLst>
-        </p:spPr>
-      </p:pic>
     </p:spTree>
     <p:extLst>
       <p:ext uri="{BB962C8B-B14F-4D97-AF65-F5344CB8AC3E}">
-        <p14:creationId xmlns:p14="http://schemas.microsoft.com/office/powerpoint/2010/main" val="1798126384"/>
+        <p14:creationId xmlns:p14="http://schemas.microsoft.com/office/powerpoint/2010/main" val="3581090570"/>
       </p:ext>
     </p:extLst>
   </p:cSld>
@@ -5839,57 +5727,16 @@
             </a:pPr>
             <a:r>
               <a:rPr lang="en-US" altLang="ko-KR" smtClean="0"/>
-              <a:t>Community - CommunityBoardDelete</a:t>
+              <a:t>Gym</a:t>
             </a:r>
             <a:endParaRPr lang="ko-KR" altLang="en-US"/>
           </a:p>
         </p:txBody>
       </p:sp>
-      <p:pic>
-        <p:nvPicPr>
-          <p:cNvPr id="6146" name="Picture 2" descr="C:\Users\DongKyun\Documents\GitHub\KHFinalProject\보고서\클래스\삭제.png"/>
-          <p:cNvPicPr>
-            <a:picLocks noChangeAspect="1" noChangeArrowheads="1"/>
-          </p:cNvPicPr>
-          <p:nvPr/>
-        </p:nvPicPr>
-        <p:blipFill>
-          <a:blip r:embed="rId2">
-            <a:extLst>
-              <a:ext uri="{28A0092B-C50C-407E-A947-70E740481C1C}">
-                <a14:useLocalDpi xmlns:a14="http://schemas.microsoft.com/office/drawing/2010/main" val="0"/>
-              </a:ext>
-            </a:extLst>
-          </a:blip>
-          <a:srcRect/>
-          <a:stretch>
-            <a:fillRect/>
-          </a:stretch>
-        </p:blipFill>
-        <p:spPr bwMode="auto">
-          <a:xfrm>
-            <a:off x="0" y="650874"/>
-            <a:ext cx="12192000" cy="6207126"/>
-          </a:xfrm>
-          <a:prstGeom prst="rect">
-            <a:avLst/>
-          </a:prstGeom>
-          <a:noFill/>
-          <a:extLst>
-            <a:ext uri="{909E8E84-426E-40DD-AFC4-6F175D3DCCD1}">
-              <a14:hiddenFill xmlns:a14="http://schemas.microsoft.com/office/drawing/2010/main">
-                <a:solidFill>
-                  <a:srgbClr val="FFFFFF"/>
-                </a:solidFill>
-              </a14:hiddenFill>
-            </a:ext>
-          </a:extLst>
-        </p:spPr>
-      </p:pic>
     </p:spTree>
     <p:extLst>
       <p:ext uri="{BB962C8B-B14F-4D97-AF65-F5344CB8AC3E}">
-        <p14:creationId xmlns:p14="http://schemas.microsoft.com/office/powerpoint/2010/main" val="2796669715"/>
+        <p14:creationId xmlns:p14="http://schemas.microsoft.com/office/powerpoint/2010/main" val="172455590"/>
       </p:ext>
     </p:extLst>
   </p:cSld>
@@ -5984,7 +5831,7 @@
             </a:pPr>
             <a:r>
               <a:rPr lang="en-US" altLang="ko-KR" smtClean="0"/>
-              <a:t>Workout</a:t>
+              <a:t>Gym</a:t>
             </a:r>
             <a:endParaRPr lang="ko-KR" altLang="en-US"/>
           </a:p>
@@ -5993,7 +5840,7 @@
     </p:spTree>
     <p:extLst>
       <p:ext uri="{BB962C8B-B14F-4D97-AF65-F5344CB8AC3E}">
-        <p14:creationId xmlns:p14="http://schemas.microsoft.com/office/powerpoint/2010/main" val="2648905465"/>
+        <p14:creationId xmlns:p14="http://schemas.microsoft.com/office/powerpoint/2010/main" val="1098577197"/>
       </p:ext>
     </p:extLst>
   </p:cSld>
@@ -6088,7 +5935,7 @@
             </a:pPr>
             <a:r>
               <a:rPr lang="en-US" altLang="ko-KR" smtClean="0"/>
-              <a:t>Admin</a:t>
+              <a:t>Gym</a:t>
             </a:r>
             <a:endParaRPr lang="ko-KR" altLang="en-US"/>
           </a:p>
@@ -6097,7 +5944,215 @@
     </p:spTree>
     <p:extLst>
       <p:ext uri="{BB962C8B-B14F-4D97-AF65-F5344CB8AC3E}">
-        <p14:creationId xmlns:p14="http://schemas.microsoft.com/office/powerpoint/2010/main" val="1019059289"/>
+        <p14:creationId xmlns:p14="http://schemas.microsoft.com/office/powerpoint/2010/main" val="3926212707"/>
+      </p:ext>
+    </p:extLst>
+  </p:cSld>
+  <p:clrMapOvr>
+    <a:masterClrMapping/>
+  </p:clrMapOvr>
+  <p:transition/>
+  <p:timing>
+    <p:tnLst>
+      <p:par>
+        <p:cTn id="1" dur="indefinite" restart="never" nodeType="tmRoot"/>
+      </p:par>
+    </p:tnLst>
+  </p:timing>
+</p:sld>
+</file>
+
+<file path=ppt/slides/slide28.xml><?xml version="1.0" encoding="utf-8"?>
+<p:sld xmlns:a="http://schemas.openxmlformats.org/drawingml/2006/main" xmlns:r="http://schemas.openxmlformats.org/officeDocument/2006/relationships" xmlns:p="http://schemas.openxmlformats.org/presentationml/2006/main">
+  <p:cSld>
+    <p:spTree>
+      <p:nvGrpSpPr>
+        <p:cNvPr id="1" name=""/>
+        <p:cNvGrpSpPr/>
+        <p:nvPr/>
+      </p:nvGrpSpPr>
+      <p:grpSpPr>
+        <a:xfrm>
+          <a:off x="0" y="0"/>
+          <a:ext cx="0" cy="0"/>
+          <a:chOff x="0" y="0"/>
+          <a:chExt cx="0" cy="0"/>
+        </a:xfrm>
+      </p:grpSpPr>
+      <p:sp>
+        <p:nvSpPr>
+          <p:cNvPr id="4" name="제목 3"/>
+          <p:cNvSpPr>
+            <a:spLocks noGrp="1"/>
+          </p:cNvSpPr>
+          <p:nvPr>
+            <p:ph type="title"/>
+          </p:nvPr>
+        </p:nvSpPr>
+        <p:spPr>
+          <a:xfrm>
+            <a:off x="250190" y="0"/>
+            <a:ext cx="3373755" cy="650875"/>
+          </a:xfrm>
+        </p:spPr>
+        <p:txBody>
+          <a:bodyPr anchor="ctr">
+            <a:normAutofit/>
+          </a:bodyPr>
+          <a:lstStyle/>
+          <a:p>
+            <a:pPr lvl="0">
+              <a:defRPr/>
+            </a:pPr>
+            <a:r>
+              <a:rPr lang="ko-KR" altLang="en-US" sz="2800" smtClean="0"/>
+              <a:t>시퀀스 다이어그램</a:t>
+            </a:r>
+            <a:endParaRPr lang="ko-KR" altLang="en-US" sz="2800"/>
+          </a:p>
+        </p:txBody>
+      </p:sp>
+      <p:sp>
+        <p:nvSpPr>
+          <p:cNvPr id="6" name="텍스트 개체 틀 4"/>
+          <p:cNvSpPr>
+            <a:spLocks noGrp="1"/>
+          </p:cNvSpPr>
+          <p:nvPr>
+            <p:ph type="body" sz="half" idx="2"/>
+          </p:nvPr>
+        </p:nvSpPr>
+        <p:spPr>
+          <a:xfrm>
+            <a:off x="3424555" y="0"/>
+            <a:ext cx="3931920" cy="650875"/>
+          </a:xfrm>
+        </p:spPr>
+        <p:txBody>
+          <a:bodyPr anchor="ctr">
+            <a:normAutofit/>
+          </a:bodyPr>
+          <a:lstStyle/>
+          <a:p>
+            <a:pPr lvl="0">
+              <a:defRPr/>
+            </a:pPr>
+            <a:r>
+              <a:rPr lang="en-US" altLang="ko-KR" smtClean="0"/>
+              <a:t>Gym</a:t>
+            </a:r>
+            <a:endParaRPr lang="ko-KR" altLang="en-US"/>
+          </a:p>
+        </p:txBody>
+      </p:sp>
+    </p:spTree>
+    <p:extLst>
+      <p:ext uri="{BB962C8B-B14F-4D97-AF65-F5344CB8AC3E}">
+        <p14:creationId xmlns:p14="http://schemas.microsoft.com/office/powerpoint/2010/main" val="1843592339"/>
+      </p:ext>
+    </p:extLst>
+  </p:cSld>
+  <p:clrMapOvr>
+    <a:masterClrMapping/>
+  </p:clrMapOvr>
+  <p:transition/>
+  <p:timing>
+    <p:tnLst>
+      <p:par>
+        <p:cTn id="1" dur="indefinite" restart="never" nodeType="tmRoot"/>
+      </p:par>
+    </p:tnLst>
+  </p:timing>
+</p:sld>
+</file>
+
+<file path=ppt/slides/slide29.xml><?xml version="1.0" encoding="utf-8"?>
+<p:sld xmlns:a="http://schemas.openxmlformats.org/drawingml/2006/main" xmlns:r="http://schemas.openxmlformats.org/officeDocument/2006/relationships" xmlns:p="http://schemas.openxmlformats.org/presentationml/2006/main">
+  <p:cSld>
+    <p:spTree>
+      <p:nvGrpSpPr>
+        <p:cNvPr id="1" name=""/>
+        <p:cNvGrpSpPr/>
+        <p:nvPr/>
+      </p:nvGrpSpPr>
+      <p:grpSpPr>
+        <a:xfrm>
+          <a:off x="0" y="0"/>
+          <a:ext cx="0" cy="0"/>
+          <a:chOff x="0" y="0"/>
+          <a:chExt cx="0" cy="0"/>
+        </a:xfrm>
+      </p:grpSpPr>
+      <p:sp>
+        <p:nvSpPr>
+          <p:cNvPr id="4" name="제목 3"/>
+          <p:cNvSpPr>
+            <a:spLocks noGrp="1"/>
+          </p:cNvSpPr>
+          <p:nvPr>
+            <p:ph type="title"/>
+          </p:nvPr>
+        </p:nvSpPr>
+        <p:spPr>
+          <a:xfrm>
+            <a:off x="250190" y="0"/>
+            <a:ext cx="3373755" cy="650875"/>
+          </a:xfrm>
+        </p:spPr>
+        <p:txBody>
+          <a:bodyPr anchor="ctr">
+            <a:normAutofit/>
+          </a:bodyPr>
+          <a:lstStyle/>
+          <a:p>
+            <a:pPr lvl="0">
+              <a:defRPr/>
+            </a:pPr>
+            <a:r>
+              <a:rPr lang="ko-KR" altLang="en-US" sz="2800" smtClean="0"/>
+              <a:t>시퀀스 다이어그램</a:t>
+            </a:r>
+            <a:endParaRPr lang="ko-KR" altLang="en-US" sz="2800"/>
+          </a:p>
+        </p:txBody>
+      </p:sp>
+      <p:sp>
+        <p:nvSpPr>
+          <p:cNvPr id="6" name="텍스트 개체 틀 4"/>
+          <p:cNvSpPr>
+            <a:spLocks noGrp="1"/>
+          </p:cNvSpPr>
+          <p:nvPr>
+            <p:ph type="body" sz="half" idx="2"/>
+          </p:nvPr>
+        </p:nvSpPr>
+        <p:spPr>
+          <a:xfrm>
+            <a:off x="3424555" y="0"/>
+            <a:ext cx="3931920" cy="650875"/>
+          </a:xfrm>
+        </p:spPr>
+        <p:txBody>
+          <a:bodyPr anchor="ctr">
+            <a:normAutofit/>
+          </a:bodyPr>
+          <a:lstStyle/>
+          <a:p>
+            <a:pPr lvl="0">
+              <a:defRPr/>
+            </a:pPr>
+            <a:r>
+              <a:rPr lang="en-US" altLang="ko-KR" smtClean="0"/>
+              <a:t>Gym</a:t>
+            </a:r>
+            <a:endParaRPr lang="ko-KR" altLang="en-US"/>
+          </a:p>
+        </p:txBody>
+      </p:sp>
+    </p:spTree>
+    <p:extLst>
+      <p:ext uri="{BB962C8B-B14F-4D97-AF65-F5344CB8AC3E}">
+        <p14:creationId xmlns:p14="http://schemas.microsoft.com/office/powerpoint/2010/main" val="910571107"/>
       </p:ext>
     </p:extLst>
   </p:cSld>
@@ -6145,7 +6200,7 @@
           <p:cNvPr id="2" name="그룹 1">
             <a:extLst>
               <a:ext uri="{FF2B5EF4-FFF2-40B4-BE49-F238E27FC236}">
-                <a16:creationId xmlns="" xmlns:a16="http://schemas.microsoft.com/office/drawing/2014/main" xmlns:p14="http://schemas.microsoft.com/office/powerpoint/2010/main" id="{C71E5FE6-3E6D-4092-81AA-962DB5284ABF}"/>
+                <a16:creationId xmlns:p14="http://schemas.microsoft.com/office/powerpoint/2010/main" xmlns:a16="http://schemas.microsoft.com/office/drawing/2014/main" xmlns="" id="{C71E5FE6-3E6D-4092-81AA-962DB5284ABF}"/>
               </a:ext>
             </a:extLst>
           </p:cNvPr>
@@ -6227,7 +6282,7 @@
             <p:cNvPr id="6" name="TextBox 5">
               <a:extLst>
                 <a:ext uri="{FF2B5EF4-FFF2-40B4-BE49-F238E27FC236}">
-                  <a16:creationId xmlns="" xmlns:a16="http://schemas.microsoft.com/office/drawing/2014/main" xmlns:p14="http://schemas.microsoft.com/office/powerpoint/2010/main" id="{BCB0E9E3-FAB5-4E31-83EE-08A0FE55BB4A}"/>
+                  <a16:creationId xmlns:p14="http://schemas.microsoft.com/office/powerpoint/2010/main" xmlns:a16="http://schemas.microsoft.com/office/drawing/2014/main" xmlns="" id="{BCB0E9E3-FAB5-4E31-83EE-08A0FE55BB4A}"/>
                 </a:ext>
               </a:extLst>
             </p:cNvPr>
@@ -6299,6 +6354,1106 @@
 </p:sld>
 </file>
 
+<file path=ppt/slides/slide30.xml><?xml version="1.0" encoding="utf-8"?>
+<p:sld xmlns:a="http://schemas.openxmlformats.org/drawingml/2006/main" xmlns:r="http://schemas.openxmlformats.org/officeDocument/2006/relationships" xmlns:p="http://schemas.openxmlformats.org/presentationml/2006/main">
+  <p:cSld>
+    <p:spTree>
+      <p:nvGrpSpPr>
+        <p:cNvPr id="1" name=""/>
+        <p:cNvGrpSpPr/>
+        <p:nvPr/>
+      </p:nvGrpSpPr>
+      <p:grpSpPr>
+        <a:xfrm>
+          <a:off x="0" y="0"/>
+          <a:ext cx="0" cy="0"/>
+          <a:chOff x="0" y="0"/>
+          <a:chExt cx="0" cy="0"/>
+        </a:xfrm>
+      </p:grpSpPr>
+      <p:sp>
+        <p:nvSpPr>
+          <p:cNvPr id="4" name="제목 3"/>
+          <p:cNvSpPr>
+            <a:spLocks noGrp="1"/>
+          </p:cNvSpPr>
+          <p:nvPr>
+            <p:ph type="title"/>
+          </p:nvPr>
+        </p:nvSpPr>
+        <p:spPr>
+          <a:xfrm>
+            <a:off x="250190" y="0"/>
+            <a:ext cx="3373755" cy="650875"/>
+          </a:xfrm>
+        </p:spPr>
+        <p:txBody>
+          <a:bodyPr anchor="ctr">
+            <a:normAutofit/>
+          </a:bodyPr>
+          <a:lstStyle/>
+          <a:p>
+            <a:pPr lvl="0">
+              <a:defRPr/>
+            </a:pPr>
+            <a:r>
+              <a:rPr lang="ko-KR" altLang="en-US" sz="2800" smtClean="0"/>
+              <a:t>시퀀스 다이어그램</a:t>
+            </a:r>
+            <a:endParaRPr lang="ko-KR" altLang="en-US" sz="2800"/>
+          </a:p>
+        </p:txBody>
+      </p:sp>
+      <p:sp>
+        <p:nvSpPr>
+          <p:cNvPr id="6" name="텍스트 개체 틀 4"/>
+          <p:cNvSpPr>
+            <a:spLocks noGrp="1"/>
+          </p:cNvSpPr>
+          <p:nvPr>
+            <p:ph type="body" sz="half" idx="2"/>
+          </p:nvPr>
+        </p:nvSpPr>
+        <p:spPr>
+          <a:xfrm>
+            <a:off x="3424555" y="0"/>
+            <a:ext cx="3931920" cy="650875"/>
+          </a:xfrm>
+        </p:spPr>
+        <p:txBody>
+          <a:bodyPr anchor="ctr">
+            <a:normAutofit/>
+          </a:bodyPr>
+          <a:lstStyle/>
+          <a:p>
+            <a:pPr lvl="0">
+              <a:defRPr/>
+            </a:pPr>
+            <a:r>
+              <a:rPr lang="en-US" altLang="ko-KR" smtClean="0"/>
+              <a:t>Gym</a:t>
+            </a:r>
+            <a:endParaRPr lang="ko-KR" altLang="en-US"/>
+          </a:p>
+        </p:txBody>
+      </p:sp>
+    </p:spTree>
+    <p:extLst>
+      <p:ext uri="{BB962C8B-B14F-4D97-AF65-F5344CB8AC3E}">
+        <p14:creationId xmlns:p14="http://schemas.microsoft.com/office/powerpoint/2010/main" val="2926770114"/>
+      </p:ext>
+    </p:extLst>
+  </p:cSld>
+  <p:clrMapOvr>
+    <a:masterClrMapping/>
+  </p:clrMapOvr>
+  <p:transition/>
+  <p:timing>
+    <p:tnLst>
+      <p:par>
+        <p:cTn id="1" dur="indefinite" restart="never" nodeType="tmRoot"/>
+      </p:par>
+    </p:tnLst>
+  </p:timing>
+</p:sld>
+</file>
+
+<file path=ppt/slides/slide31.xml><?xml version="1.0" encoding="utf-8"?>
+<p:sld xmlns:a="http://schemas.openxmlformats.org/drawingml/2006/main" xmlns:r="http://schemas.openxmlformats.org/officeDocument/2006/relationships" xmlns:p="http://schemas.openxmlformats.org/presentationml/2006/main">
+  <p:cSld>
+    <p:spTree>
+      <p:nvGrpSpPr>
+        <p:cNvPr id="1" name=""/>
+        <p:cNvGrpSpPr/>
+        <p:nvPr/>
+      </p:nvGrpSpPr>
+      <p:grpSpPr>
+        <a:xfrm>
+          <a:off x="0" y="0"/>
+          <a:ext cx="0" cy="0"/>
+          <a:chOff x="0" y="0"/>
+          <a:chExt cx="0" cy="0"/>
+        </a:xfrm>
+      </p:grpSpPr>
+      <p:sp>
+        <p:nvSpPr>
+          <p:cNvPr id="4" name="제목 3"/>
+          <p:cNvSpPr>
+            <a:spLocks noGrp="1"/>
+          </p:cNvSpPr>
+          <p:nvPr>
+            <p:ph type="title"/>
+          </p:nvPr>
+        </p:nvSpPr>
+        <p:spPr>
+          <a:xfrm>
+            <a:off x="250190" y="0"/>
+            <a:ext cx="3373755" cy="650875"/>
+          </a:xfrm>
+        </p:spPr>
+        <p:txBody>
+          <a:bodyPr anchor="ctr">
+            <a:normAutofit/>
+          </a:bodyPr>
+          <a:lstStyle/>
+          <a:p>
+            <a:pPr lvl="0">
+              <a:defRPr/>
+            </a:pPr>
+            <a:r>
+              <a:rPr lang="ko-KR" altLang="en-US" sz="2800" smtClean="0"/>
+              <a:t>시퀀스 다이어그램</a:t>
+            </a:r>
+            <a:endParaRPr lang="ko-KR" altLang="en-US" sz="2800"/>
+          </a:p>
+        </p:txBody>
+      </p:sp>
+      <p:sp>
+        <p:nvSpPr>
+          <p:cNvPr id="6" name="텍스트 개체 틀 4"/>
+          <p:cNvSpPr>
+            <a:spLocks noGrp="1"/>
+          </p:cNvSpPr>
+          <p:nvPr>
+            <p:ph type="body" sz="half" idx="2"/>
+          </p:nvPr>
+        </p:nvSpPr>
+        <p:spPr>
+          <a:xfrm>
+            <a:off x="3424555" y="0"/>
+            <a:ext cx="3931920" cy="650875"/>
+          </a:xfrm>
+        </p:spPr>
+        <p:txBody>
+          <a:bodyPr anchor="ctr">
+            <a:normAutofit/>
+          </a:bodyPr>
+          <a:lstStyle/>
+          <a:p>
+            <a:pPr lvl="0">
+              <a:defRPr/>
+            </a:pPr>
+            <a:r>
+              <a:rPr lang="en-US" altLang="ko-KR" smtClean="0"/>
+              <a:t>Gym</a:t>
+            </a:r>
+            <a:endParaRPr lang="ko-KR" altLang="en-US"/>
+          </a:p>
+        </p:txBody>
+      </p:sp>
+    </p:spTree>
+    <p:extLst>
+      <p:ext uri="{BB962C8B-B14F-4D97-AF65-F5344CB8AC3E}">
+        <p14:creationId xmlns:p14="http://schemas.microsoft.com/office/powerpoint/2010/main" val="847404570"/>
+      </p:ext>
+    </p:extLst>
+  </p:cSld>
+  <p:clrMapOvr>
+    <a:masterClrMapping/>
+  </p:clrMapOvr>
+  <p:transition/>
+  <p:timing>
+    <p:tnLst>
+      <p:par>
+        <p:cTn id="1" dur="indefinite" restart="never" nodeType="tmRoot"/>
+      </p:par>
+    </p:tnLst>
+  </p:timing>
+</p:sld>
+</file>
+
+<file path=ppt/slides/slide32.xml><?xml version="1.0" encoding="utf-8"?>
+<p:sld xmlns:a="http://schemas.openxmlformats.org/drawingml/2006/main" xmlns:r="http://schemas.openxmlformats.org/officeDocument/2006/relationships" xmlns:p="http://schemas.openxmlformats.org/presentationml/2006/main">
+  <p:cSld>
+    <p:spTree>
+      <p:nvGrpSpPr>
+        <p:cNvPr id="1" name=""/>
+        <p:cNvGrpSpPr/>
+        <p:nvPr/>
+      </p:nvGrpSpPr>
+      <p:grpSpPr>
+        <a:xfrm>
+          <a:off x="0" y="0"/>
+          <a:ext cx="0" cy="0"/>
+          <a:chOff x="0" y="0"/>
+          <a:chExt cx="0" cy="0"/>
+        </a:xfrm>
+      </p:grpSpPr>
+      <p:sp>
+        <p:nvSpPr>
+          <p:cNvPr id="4" name="제목 3"/>
+          <p:cNvSpPr>
+            <a:spLocks noGrp="1"/>
+          </p:cNvSpPr>
+          <p:nvPr>
+            <p:ph type="title"/>
+          </p:nvPr>
+        </p:nvSpPr>
+        <p:spPr>
+          <a:xfrm>
+            <a:off x="250190" y="0"/>
+            <a:ext cx="3373755" cy="650875"/>
+          </a:xfrm>
+        </p:spPr>
+        <p:txBody>
+          <a:bodyPr anchor="ctr">
+            <a:normAutofit/>
+          </a:bodyPr>
+          <a:lstStyle/>
+          <a:p>
+            <a:pPr lvl="0">
+              <a:defRPr/>
+            </a:pPr>
+            <a:r>
+              <a:rPr lang="ko-KR" altLang="en-US" sz="2800" smtClean="0"/>
+              <a:t>시퀀스 다이어그램</a:t>
+            </a:r>
+            <a:endParaRPr lang="ko-KR" altLang="en-US" sz="2800"/>
+          </a:p>
+        </p:txBody>
+      </p:sp>
+      <p:sp>
+        <p:nvSpPr>
+          <p:cNvPr id="6" name="텍스트 개체 틀 4"/>
+          <p:cNvSpPr>
+            <a:spLocks noGrp="1"/>
+          </p:cNvSpPr>
+          <p:nvPr>
+            <p:ph type="body" sz="half" idx="2"/>
+          </p:nvPr>
+        </p:nvSpPr>
+        <p:spPr>
+          <a:xfrm>
+            <a:off x="3424555" y="0"/>
+            <a:ext cx="3931920" cy="650875"/>
+          </a:xfrm>
+        </p:spPr>
+        <p:txBody>
+          <a:bodyPr anchor="ctr">
+            <a:normAutofit/>
+          </a:bodyPr>
+          <a:lstStyle/>
+          <a:p>
+            <a:pPr lvl="0">
+              <a:defRPr/>
+            </a:pPr>
+            <a:r>
+              <a:rPr lang="en-US" altLang="ko-KR" smtClean="0"/>
+              <a:t>Gym</a:t>
+            </a:r>
+            <a:endParaRPr lang="ko-KR" altLang="en-US"/>
+          </a:p>
+        </p:txBody>
+      </p:sp>
+    </p:spTree>
+    <p:extLst>
+      <p:ext uri="{BB962C8B-B14F-4D97-AF65-F5344CB8AC3E}">
+        <p14:creationId xmlns:p14="http://schemas.microsoft.com/office/powerpoint/2010/main" val="1397812507"/>
+      </p:ext>
+    </p:extLst>
+  </p:cSld>
+  <p:clrMapOvr>
+    <a:masterClrMapping/>
+  </p:clrMapOvr>
+  <p:transition/>
+  <p:timing>
+    <p:tnLst>
+      <p:par>
+        <p:cTn id="1" dur="indefinite" restart="never" nodeType="tmRoot"/>
+      </p:par>
+    </p:tnLst>
+  </p:timing>
+</p:sld>
+</file>
+
+<file path=ppt/slides/slide33.xml><?xml version="1.0" encoding="utf-8"?>
+<p:sld xmlns:a="http://schemas.openxmlformats.org/drawingml/2006/main" xmlns:r="http://schemas.openxmlformats.org/officeDocument/2006/relationships" xmlns:p="http://schemas.openxmlformats.org/presentationml/2006/main">
+  <p:cSld>
+    <p:spTree>
+      <p:nvGrpSpPr>
+        <p:cNvPr id="1" name=""/>
+        <p:cNvGrpSpPr/>
+        <p:nvPr/>
+      </p:nvGrpSpPr>
+      <p:grpSpPr>
+        <a:xfrm>
+          <a:off x="0" y="0"/>
+          <a:ext cx="0" cy="0"/>
+          <a:chOff x="0" y="0"/>
+          <a:chExt cx="0" cy="0"/>
+        </a:xfrm>
+      </p:grpSpPr>
+      <p:sp>
+        <p:nvSpPr>
+          <p:cNvPr id="4" name="제목 3"/>
+          <p:cNvSpPr>
+            <a:spLocks noGrp="1"/>
+          </p:cNvSpPr>
+          <p:nvPr>
+            <p:ph type="title"/>
+          </p:nvPr>
+        </p:nvSpPr>
+        <p:spPr>
+          <a:xfrm>
+            <a:off x="250190" y="0"/>
+            <a:ext cx="3373755" cy="650875"/>
+          </a:xfrm>
+        </p:spPr>
+        <p:txBody>
+          <a:bodyPr anchor="ctr">
+            <a:normAutofit/>
+          </a:bodyPr>
+          <a:lstStyle/>
+          <a:p>
+            <a:pPr lvl="0">
+              <a:defRPr/>
+            </a:pPr>
+            <a:r>
+              <a:rPr lang="ko-KR" altLang="en-US" sz="2800" smtClean="0"/>
+              <a:t>시퀀스 다이어그램</a:t>
+            </a:r>
+            <a:endParaRPr lang="ko-KR" altLang="en-US" sz="2800"/>
+          </a:p>
+        </p:txBody>
+      </p:sp>
+      <p:sp>
+        <p:nvSpPr>
+          <p:cNvPr id="6" name="텍스트 개체 틀 4"/>
+          <p:cNvSpPr>
+            <a:spLocks noGrp="1"/>
+          </p:cNvSpPr>
+          <p:nvPr>
+            <p:ph type="body" sz="half" idx="2"/>
+          </p:nvPr>
+        </p:nvSpPr>
+        <p:spPr>
+          <a:xfrm>
+            <a:off x="3424555" y="0"/>
+            <a:ext cx="3931920" cy="650875"/>
+          </a:xfrm>
+        </p:spPr>
+        <p:txBody>
+          <a:bodyPr anchor="ctr">
+            <a:normAutofit/>
+          </a:bodyPr>
+          <a:lstStyle/>
+          <a:p>
+            <a:pPr lvl="0">
+              <a:defRPr/>
+            </a:pPr>
+            <a:r>
+              <a:rPr lang="en-US" altLang="ko-KR" smtClean="0"/>
+              <a:t>Community - CommunityBoardList</a:t>
+            </a:r>
+            <a:endParaRPr lang="ko-KR" altLang="en-US"/>
+          </a:p>
+        </p:txBody>
+      </p:sp>
+      <p:pic>
+        <p:nvPicPr>
+          <p:cNvPr id="3074" name="Picture 2" descr="C:\Users\DongKyun\Documents\GitHub\KHFinalProject\보고서\클래스\리스트.png"/>
+          <p:cNvPicPr>
+            <a:picLocks noChangeAspect="1" noChangeArrowheads="1"/>
+          </p:cNvPicPr>
+          <p:nvPr/>
+        </p:nvPicPr>
+        <p:blipFill>
+          <a:blip r:embed="rId2">
+            <a:extLst>
+              <a:ext uri="{28A0092B-C50C-407E-A947-70E740481C1C}">
+                <a14:useLocalDpi xmlns:a14="http://schemas.microsoft.com/office/drawing/2010/main" val="0"/>
+              </a:ext>
+            </a:extLst>
+          </a:blip>
+          <a:srcRect/>
+          <a:stretch>
+            <a:fillRect/>
+          </a:stretch>
+        </p:blipFill>
+        <p:spPr bwMode="auto">
+          <a:xfrm>
+            <a:off x="0" y="650874"/>
+            <a:ext cx="12192000" cy="6207125"/>
+          </a:xfrm>
+          <a:prstGeom prst="rect">
+            <a:avLst/>
+          </a:prstGeom>
+          <a:noFill/>
+          <a:extLst>
+            <a:ext uri="{909E8E84-426E-40DD-AFC4-6F175D3DCCD1}">
+              <a14:hiddenFill xmlns:a14="http://schemas.microsoft.com/office/drawing/2010/main">
+                <a:solidFill>
+                  <a:srgbClr val="FFFFFF"/>
+                </a:solidFill>
+              </a14:hiddenFill>
+            </a:ext>
+          </a:extLst>
+        </p:spPr>
+      </p:pic>
+    </p:spTree>
+    <p:extLst>
+      <p:ext uri="{BB962C8B-B14F-4D97-AF65-F5344CB8AC3E}">
+        <p14:creationId xmlns:p14="http://schemas.microsoft.com/office/powerpoint/2010/main" val="3788117990"/>
+      </p:ext>
+    </p:extLst>
+  </p:cSld>
+  <p:clrMapOvr>
+    <a:masterClrMapping/>
+  </p:clrMapOvr>
+  <p:transition/>
+  <p:timing>
+    <p:tnLst>
+      <p:par>
+        <p:cTn id="1" dur="indefinite" restart="never" nodeType="tmRoot"/>
+      </p:par>
+    </p:tnLst>
+  </p:timing>
+</p:sld>
+</file>
+
+<file path=ppt/slides/slide34.xml><?xml version="1.0" encoding="utf-8"?>
+<p:sld xmlns:a="http://schemas.openxmlformats.org/drawingml/2006/main" xmlns:r="http://schemas.openxmlformats.org/officeDocument/2006/relationships" xmlns:p="http://schemas.openxmlformats.org/presentationml/2006/main">
+  <p:cSld>
+    <p:spTree>
+      <p:nvGrpSpPr>
+        <p:cNvPr id="1" name=""/>
+        <p:cNvGrpSpPr/>
+        <p:nvPr/>
+      </p:nvGrpSpPr>
+      <p:grpSpPr>
+        <a:xfrm>
+          <a:off x="0" y="0"/>
+          <a:ext cx="0" cy="0"/>
+          <a:chOff x="0" y="0"/>
+          <a:chExt cx="0" cy="0"/>
+        </a:xfrm>
+      </p:grpSpPr>
+      <p:sp>
+        <p:nvSpPr>
+          <p:cNvPr id="4" name="제목 3"/>
+          <p:cNvSpPr>
+            <a:spLocks noGrp="1"/>
+          </p:cNvSpPr>
+          <p:nvPr>
+            <p:ph type="title"/>
+          </p:nvPr>
+        </p:nvSpPr>
+        <p:spPr>
+          <a:xfrm>
+            <a:off x="250190" y="0"/>
+            <a:ext cx="3373755" cy="650875"/>
+          </a:xfrm>
+        </p:spPr>
+        <p:txBody>
+          <a:bodyPr anchor="ctr">
+            <a:normAutofit/>
+          </a:bodyPr>
+          <a:lstStyle/>
+          <a:p>
+            <a:pPr lvl="0">
+              <a:defRPr/>
+            </a:pPr>
+            <a:r>
+              <a:rPr lang="ko-KR" altLang="en-US" sz="2800" smtClean="0"/>
+              <a:t>시퀀스 다이어그램</a:t>
+            </a:r>
+            <a:endParaRPr lang="ko-KR" altLang="en-US" sz="2800"/>
+          </a:p>
+        </p:txBody>
+      </p:sp>
+      <p:sp>
+        <p:nvSpPr>
+          <p:cNvPr id="6" name="텍스트 개체 틀 4"/>
+          <p:cNvSpPr>
+            <a:spLocks noGrp="1"/>
+          </p:cNvSpPr>
+          <p:nvPr>
+            <p:ph type="body" sz="half" idx="2"/>
+          </p:nvPr>
+        </p:nvSpPr>
+        <p:spPr>
+          <a:xfrm>
+            <a:off x="3424555" y="0"/>
+            <a:ext cx="3931920" cy="650875"/>
+          </a:xfrm>
+        </p:spPr>
+        <p:txBody>
+          <a:bodyPr anchor="ctr">
+            <a:normAutofit/>
+          </a:bodyPr>
+          <a:lstStyle/>
+          <a:p>
+            <a:pPr lvl="0">
+              <a:defRPr/>
+            </a:pPr>
+            <a:r>
+              <a:rPr lang="en-US" altLang="ko-KR" smtClean="0"/>
+              <a:t>Community - CommunityBoardInsert</a:t>
+            </a:r>
+            <a:endParaRPr lang="ko-KR" altLang="en-US"/>
+          </a:p>
+        </p:txBody>
+      </p:sp>
+      <p:pic>
+        <p:nvPicPr>
+          <p:cNvPr id="4098" name="Picture 2" descr="C:\Users\DongKyun\Documents\GitHub\KHFinalProject\보고서\클래스\삽입.png"/>
+          <p:cNvPicPr>
+            <a:picLocks noChangeAspect="1" noChangeArrowheads="1"/>
+          </p:cNvPicPr>
+          <p:nvPr/>
+        </p:nvPicPr>
+        <p:blipFill>
+          <a:blip r:embed="rId2">
+            <a:extLst>
+              <a:ext uri="{28A0092B-C50C-407E-A947-70E740481C1C}">
+                <a14:useLocalDpi xmlns:a14="http://schemas.microsoft.com/office/drawing/2010/main" val="0"/>
+              </a:ext>
+            </a:extLst>
+          </a:blip>
+          <a:srcRect/>
+          <a:stretch>
+            <a:fillRect/>
+          </a:stretch>
+        </p:blipFill>
+        <p:spPr bwMode="auto">
+          <a:xfrm>
+            <a:off x="0" y="650874"/>
+            <a:ext cx="12192834" cy="6207125"/>
+          </a:xfrm>
+          <a:prstGeom prst="rect">
+            <a:avLst/>
+          </a:prstGeom>
+          <a:noFill/>
+          <a:extLst>
+            <a:ext uri="{909E8E84-426E-40DD-AFC4-6F175D3DCCD1}">
+              <a14:hiddenFill xmlns:a14="http://schemas.microsoft.com/office/drawing/2010/main">
+                <a:solidFill>
+                  <a:srgbClr val="FFFFFF"/>
+                </a:solidFill>
+              </a14:hiddenFill>
+            </a:ext>
+          </a:extLst>
+        </p:spPr>
+      </p:pic>
+    </p:spTree>
+    <p:extLst>
+      <p:ext uri="{BB962C8B-B14F-4D97-AF65-F5344CB8AC3E}">
+        <p14:creationId xmlns:p14="http://schemas.microsoft.com/office/powerpoint/2010/main" val="415682292"/>
+      </p:ext>
+    </p:extLst>
+  </p:cSld>
+  <p:clrMapOvr>
+    <a:masterClrMapping/>
+  </p:clrMapOvr>
+  <p:transition/>
+  <p:timing>
+    <p:tnLst>
+      <p:par>
+        <p:cTn id="1" dur="indefinite" restart="never" nodeType="tmRoot"/>
+      </p:par>
+    </p:tnLst>
+  </p:timing>
+</p:sld>
+</file>
+
+<file path=ppt/slides/slide35.xml><?xml version="1.0" encoding="utf-8"?>
+<p:sld xmlns:a="http://schemas.openxmlformats.org/drawingml/2006/main" xmlns:r="http://schemas.openxmlformats.org/officeDocument/2006/relationships" xmlns:p="http://schemas.openxmlformats.org/presentationml/2006/main">
+  <p:cSld>
+    <p:spTree>
+      <p:nvGrpSpPr>
+        <p:cNvPr id="1" name=""/>
+        <p:cNvGrpSpPr/>
+        <p:nvPr/>
+      </p:nvGrpSpPr>
+      <p:grpSpPr>
+        <a:xfrm>
+          <a:off x="0" y="0"/>
+          <a:ext cx="0" cy="0"/>
+          <a:chOff x="0" y="0"/>
+          <a:chExt cx="0" cy="0"/>
+        </a:xfrm>
+      </p:grpSpPr>
+      <p:sp>
+        <p:nvSpPr>
+          <p:cNvPr id="4" name="제목 3"/>
+          <p:cNvSpPr>
+            <a:spLocks noGrp="1"/>
+          </p:cNvSpPr>
+          <p:nvPr>
+            <p:ph type="title"/>
+          </p:nvPr>
+        </p:nvSpPr>
+        <p:spPr>
+          <a:xfrm>
+            <a:off x="250190" y="0"/>
+            <a:ext cx="3373755" cy="650875"/>
+          </a:xfrm>
+        </p:spPr>
+        <p:txBody>
+          <a:bodyPr anchor="ctr">
+            <a:normAutofit/>
+          </a:bodyPr>
+          <a:lstStyle/>
+          <a:p>
+            <a:pPr lvl="0">
+              <a:defRPr/>
+            </a:pPr>
+            <a:r>
+              <a:rPr lang="ko-KR" altLang="en-US" sz="2800" smtClean="0"/>
+              <a:t>시퀀스 다이어그램</a:t>
+            </a:r>
+            <a:endParaRPr lang="ko-KR" altLang="en-US" sz="2800"/>
+          </a:p>
+        </p:txBody>
+      </p:sp>
+      <p:sp>
+        <p:nvSpPr>
+          <p:cNvPr id="6" name="텍스트 개체 틀 4"/>
+          <p:cNvSpPr>
+            <a:spLocks noGrp="1"/>
+          </p:cNvSpPr>
+          <p:nvPr>
+            <p:ph type="body" sz="half" idx="2"/>
+          </p:nvPr>
+        </p:nvSpPr>
+        <p:spPr>
+          <a:xfrm>
+            <a:off x="3424555" y="0"/>
+            <a:ext cx="3931920" cy="650875"/>
+          </a:xfrm>
+        </p:spPr>
+        <p:txBody>
+          <a:bodyPr anchor="ctr">
+            <a:normAutofit fontScale="92500"/>
+          </a:bodyPr>
+          <a:lstStyle/>
+          <a:p>
+            <a:pPr lvl="0">
+              <a:defRPr/>
+            </a:pPr>
+            <a:r>
+              <a:rPr lang="en-US" altLang="ko-KR" smtClean="0"/>
+              <a:t>Community - CommunityBoardUpdate</a:t>
+            </a:r>
+            <a:endParaRPr lang="ko-KR" altLang="en-US"/>
+          </a:p>
+        </p:txBody>
+      </p:sp>
+      <p:pic>
+        <p:nvPicPr>
+          <p:cNvPr id="5122" name="Picture 2" descr="C:\Users\DongKyun\Documents\GitHub\KHFinalProject\보고서\클래스\수정.png"/>
+          <p:cNvPicPr>
+            <a:picLocks noChangeAspect="1" noChangeArrowheads="1"/>
+          </p:cNvPicPr>
+          <p:nvPr/>
+        </p:nvPicPr>
+        <p:blipFill>
+          <a:blip r:embed="rId2">
+            <a:extLst>
+              <a:ext uri="{28A0092B-C50C-407E-A947-70E740481C1C}">
+                <a14:useLocalDpi xmlns:a14="http://schemas.microsoft.com/office/drawing/2010/main" val="0"/>
+              </a:ext>
+            </a:extLst>
+          </a:blip>
+          <a:srcRect/>
+          <a:stretch>
+            <a:fillRect/>
+          </a:stretch>
+        </p:blipFill>
+        <p:spPr bwMode="auto">
+          <a:xfrm>
+            <a:off x="0" y="650875"/>
+            <a:ext cx="12192000" cy="6207125"/>
+          </a:xfrm>
+          <a:prstGeom prst="rect">
+            <a:avLst/>
+          </a:prstGeom>
+          <a:noFill/>
+          <a:extLst>
+            <a:ext uri="{909E8E84-426E-40DD-AFC4-6F175D3DCCD1}">
+              <a14:hiddenFill xmlns:a14="http://schemas.microsoft.com/office/drawing/2010/main">
+                <a:solidFill>
+                  <a:srgbClr val="FFFFFF"/>
+                </a:solidFill>
+              </a14:hiddenFill>
+            </a:ext>
+          </a:extLst>
+        </p:spPr>
+      </p:pic>
+    </p:spTree>
+    <p:extLst>
+      <p:ext uri="{BB962C8B-B14F-4D97-AF65-F5344CB8AC3E}">
+        <p14:creationId xmlns:p14="http://schemas.microsoft.com/office/powerpoint/2010/main" val="1798126384"/>
+      </p:ext>
+    </p:extLst>
+  </p:cSld>
+  <p:clrMapOvr>
+    <a:masterClrMapping/>
+  </p:clrMapOvr>
+  <p:transition/>
+  <p:timing>
+    <p:tnLst>
+      <p:par>
+        <p:cTn id="1" dur="indefinite" restart="never" nodeType="tmRoot"/>
+      </p:par>
+    </p:tnLst>
+  </p:timing>
+</p:sld>
+</file>
+
+<file path=ppt/slides/slide36.xml><?xml version="1.0" encoding="utf-8"?>
+<p:sld xmlns:a="http://schemas.openxmlformats.org/drawingml/2006/main" xmlns:r="http://schemas.openxmlformats.org/officeDocument/2006/relationships" xmlns:p="http://schemas.openxmlformats.org/presentationml/2006/main">
+  <p:cSld>
+    <p:spTree>
+      <p:nvGrpSpPr>
+        <p:cNvPr id="1" name=""/>
+        <p:cNvGrpSpPr/>
+        <p:nvPr/>
+      </p:nvGrpSpPr>
+      <p:grpSpPr>
+        <a:xfrm>
+          <a:off x="0" y="0"/>
+          <a:ext cx="0" cy="0"/>
+          <a:chOff x="0" y="0"/>
+          <a:chExt cx="0" cy="0"/>
+        </a:xfrm>
+      </p:grpSpPr>
+      <p:sp>
+        <p:nvSpPr>
+          <p:cNvPr id="4" name="제목 3"/>
+          <p:cNvSpPr>
+            <a:spLocks noGrp="1"/>
+          </p:cNvSpPr>
+          <p:nvPr>
+            <p:ph type="title"/>
+          </p:nvPr>
+        </p:nvSpPr>
+        <p:spPr>
+          <a:xfrm>
+            <a:off x="250190" y="0"/>
+            <a:ext cx="3373755" cy="650875"/>
+          </a:xfrm>
+        </p:spPr>
+        <p:txBody>
+          <a:bodyPr anchor="ctr">
+            <a:normAutofit/>
+          </a:bodyPr>
+          <a:lstStyle/>
+          <a:p>
+            <a:pPr lvl="0">
+              <a:defRPr/>
+            </a:pPr>
+            <a:r>
+              <a:rPr lang="ko-KR" altLang="en-US" sz="2800" smtClean="0"/>
+              <a:t>시퀀스 다이어그램</a:t>
+            </a:r>
+            <a:endParaRPr lang="ko-KR" altLang="en-US" sz="2800"/>
+          </a:p>
+        </p:txBody>
+      </p:sp>
+      <p:sp>
+        <p:nvSpPr>
+          <p:cNvPr id="6" name="텍스트 개체 틀 4"/>
+          <p:cNvSpPr>
+            <a:spLocks noGrp="1"/>
+          </p:cNvSpPr>
+          <p:nvPr>
+            <p:ph type="body" sz="half" idx="2"/>
+          </p:nvPr>
+        </p:nvSpPr>
+        <p:spPr>
+          <a:xfrm>
+            <a:off x="3424555" y="0"/>
+            <a:ext cx="3931920" cy="650875"/>
+          </a:xfrm>
+        </p:spPr>
+        <p:txBody>
+          <a:bodyPr anchor="ctr">
+            <a:normAutofit/>
+          </a:bodyPr>
+          <a:lstStyle/>
+          <a:p>
+            <a:pPr lvl="0">
+              <a:defRPr/>
+            </a:pPr>
+            <a:r>
+              <a:rPr lang="en-US" altLang="ko-KR" smtClean="0"/>
+              <a:t>Community - CommunityBoardDelete</a:t>
+            </a:r>
+            <a:endParaRPr lang="ko-KR" altLang="en-US"/>
+          </a:p>
+        </p:txBody>
+      </p:sp>
+      <p:pic>
+        <p:nvPicPr>
+          <p:cNvPr id="6146" name="Picture 2" descr="C:\Users\DongKyun\Documents\GitHub\KHFinalProject\보고서\클래스\삭제.png"/>
+          <p:cNvPicPr>
+            <a:picLocks noChangeAspect="1" noChangeArrowheads="1"/>
+          </p:cNvPicPr>
+          <p:nvPr/>
+        </p:nvPicPr>
+        <p:blipFill>
+          <a:blip r:embed="rId2">
+            <a:extLst>
+              <a:ext uri="{28A0092B-C50C-407E-A947-70E740481C1C}">
+                <a14:useLocalDpi xmlns:a14="http://schemas.microsoft.com/office/drawing/2010/main" val="0"/>
+              </a:ext>
+            </a:extLst>
+          </a:blip>
+          <a:srcRect/>
+          <a:stretch>
+            <a:fillRect/>
+          </a:stretch>
+        </p:blipFill>
+        <p:spPr bwMode="auto">
+          <a:xfrm>
+            <a:off x="0" y="650874"/>
+            <a:ext cx="12192000" cy="6207126"/>
+          </a:xfrm>
+          <a:prstGeom prst="rect">
+            <a:avLst/>
+          </a:prstGeom>
+          <a:noFill/>
+          <a:extLst>
+            <a:ext uri="{909E8E84-426E-40DD-AFC4-6F175D3DCCD1}">
+              <a14:hiddenFill xmlns:a14="http://schemas.microsoft.com/office/drawing/2010/main">
+                <a:solidFill>
+                  <a:srgbClr val="FFFFFF"/>
+                </a:solidFill>
+              </a14:hiddenFill>
+            </a:ext>
+          </a:extLst>
+        </p:spPr>
+      </p:pic>
+    </p:spTree>
+    <p:extLst>
+      <p:ext uri="{BB962C8B-B14F-4D97-AF65-F5344CB8AC3E}">
+        <p14:creationId xmlns:p14="http://schemas.microsoft.com/office/powerpoint/2010/main" val="2796669715"/>
+      </p:ext>
+    </p:extLst>
+  </p:cSld>
+  <p:clrMapOvr>
+    <a:masterClrMapping/>
+  </p:clrMapOvr>
+  <p:transition/>
+  <p:timing>
+    <p:tnLst>
+      <p:par>
+        <p:cTn id="1" dur="indefinite" restart="never" nodeType="tmRoot"/>
+      </p:par>
+    </p:tnLst>
+  </p:timing>
+</p:sld>
+</file>
+
+<file path=ppt/slides/slide37.xml><?xml version="1.0" encoding="utf-8"?>
+<p:sld xmlns:a="http://schemas.openxmlformats.org/drawingml/2006/main" xmlns:r="http://schemas.openxmlformats.org/officeDocument/2006/relationships" xmlns:p="http://schemas.openxmlformats.org/presentationml/2006/main">
+  <p:cSld>
+    <p:spTree>
+      <p:nvGrpSpPr>
+        <p:cNvPr id="1" name=""/>
+        <p:cNvGrpSpPr/>
+        <p:nvPr/>
+      </p:nvGrpSpPr>
+      <p:grpSpPr>
+        <a:xfrm>
+          <a:off x="0" y="0"/>
+          <a:ext cx="0" cy="0"/>
+          <a:chOff x="0" y="0"/>
+          <a:chExt cx="0" cy="0"/>
+        </a:xfrm>
+      </p:grpSpPr>
+      <p:sp>
+        <p:nvSpPr>
+          <p:cNvPr id="4" name="제목 3"/>
+          <p:cNvSpPr>
+            <a:spLocks noGrp="1"/>
+          </p:cNvSpPr>
+          <p:nvPr>
+            <p:ph type="title"/>
+          </p:nvPr>
+        </p:nvSpPr>
+        <p:spPr>
+          <a:xfrm>
+            <a:off x="250190" y="0"/>
+            <a:ext cx="3373755" cy="650875"/>
+          </a:xfrm>
+        </p:spPr>
+        <p:txBody>
+          <a:bodyPr anchor="ctr">
+            <a:normAutofit/>
+          </a:bodyPr>
+          <a:lstStyle/>
+          <a:p>
+            <a:pPr lvl="0">
+              <a:defRPr/>
+            </a:pPr>
+            <a:r>
+              <a:rPr lang="ko-KR" altLang="en-US" sz="2800" smtClean="0"/>
+              <a:t>시퀀스 다이어그램</a:t>
+            </a:r>
+            <a:endParaRPr lang="ko-KR" altLang="en-US" sz="2800"/>
+          </a:p>
+        </p:txBody>
+      </p:sp>
+      <p:sp>
+        <p:nvSpPr>
+          <p:cNvPr id="6" name="텍스트 개체 틀 4"/>
+          <p:cNvSpPr>
+            <a:spLocks noGrp="1"/>
+          </p:cNvSpPr>
+          <p:nvPr>
+            <p:ph type="body" sz="half" idx="2"/>
+          </p:nvPr>
+        </p:nvSpPr>
+        <p:spPr>
+          <a:xfrm>
+            <a:off x="3424555" y="0"/>
+            <a:ext cx="3931920" cy="650875"/>
+          </a:xfrm>
+        </p:spPr>
+        <p:txBody>
+          <a:bodyPr anchor="ctr">
+            <a:normAutofit/>
+          </a:bodyPr>
+          <a:lstStyle/>
+          <a:p>
+            <a:pPr lvl="0">
+              <a:defRPr/>
+            </a:pPr>
+            <a:r>
+              <a:rPr lang="en-US" altLang="ko-KR" smtClean="0"/>
+              <a:t>Workout</a:t>
+            </a:r>
+            <a:endParaRPr lang="ko-KR" altLang="en-US"/>
+          </a:p>
+        </p:txBody>
+      </p:sp>
+    </p:spTree>
+    <p:extLst>
+      <p:ext uri="{BB962C8B-B14F-4D97-AF65-F5344CB8AC3E}">
+        <p14:creationId xmlns:p14="http://schemas.microsoft.com/office/powerpoint/2010/main" val="2648905465"/>
+      </p:ext>
+    </p:extLst>
+  </p:cSld>
+  <p:clrMapOvr>
+    <a:masterClrMapping/>
+  </p:clrMapOvr>
+  <p:transition/>
+  <p:timing>
+    <p:tnLst>
+      <p:par>
+        <p:cTn id="1" dur="indefinite" restart="never" nodeType="tmRoot"/>
+      </p:par>
+    </p:tnLst>
+  </p:timing>
+</p:sld>
+</file>
+
+<file path=ppt/slides/slide38.xml><?xml version="1.0" encoding="utf-8"?>
+<p:sld xmlns:a="http://schemas.openxmlformats.org/drawingml/2006/main" xmlns:r="http://schemas.openxmlformats.org/officeDocument/2006/relationships" xmlns:p="http://schemas.openxmlformats.org/presentationml/2006/main">
+  <p:cSld>
+    <p:spTree>
+      <p:nvGrpSpPr>
+        <p:cNvPr id="1" name=""/>
+        <p:cNvGrpSpPr/>
+        <p:nvPr/>
+      </p:nvGrpSpPr>
+      <p:grpSpPr>
+        <a:xfrm>
+          <a:off x="0" y="0"/>
+          <a:ext cx="0" cy="0"/>
+          <a:chOff x="0" y="0"/>
+          <a:chExt cx="0" cy="0"/>
+        </a:xfrm>
+      </p:grpSpPr>
+      <p:sp>
+        <p:nvSpPr>
+          <p:cNvPr id="4" name="제목 3"/>
+          <p:cNvSpPr>
+            <a:spLocks noGrp="1"/>
+          </p:cNvSpPr>
+          <p:nvPr>
+            <p:ph type="title"/>
+          </p:nvPr>
+        </p:nvSpPr>
+        <p:spPr>
+          <a:xfrm>
+            <a:off x="250190" y="0"/>
+            <a:ext cx="3373755" cy="650875"/>
+          </a:xfrm>
+        </p:spPr>
+        <p:txBody>
+          <a:bodyPr anchor="ctr">
+            <a:normAutofit/>
+          </a:bodyPr>
+          <a:lstStyle/>
+          <a:p>
+            <a:pPr lvl="0">
+              <a:defRPr/>
+            </a:pPr>
+            <a:r>
+              <a:rPr lang="ko-KR" altLang="en-US" sz="2800" smtClean="0"/>
+              <a:t>시퀀스 다이어그램</a:t>
+            </a:r>
+            <a:endParaRPr lang="ko-KR" altLang="en-US" sz="2800"/>
+          </a:p>
+        </p:txBody>
+      </p:sp>
+      <p:sp>
+        <p:nvSpPr>
+          <p:cNvPr id="6" name="텍스트 개체 틀 4"/>
+          <p:cNvSpPr>
+            <a:spLocks noGrp="1"/>
+          </p:cNvSpPr>
+          <p:nvPr>
+            <p:ph type="body" sz="half" idx="2"/>
+          </p:nvPr>
+        </p:nvSpPr>
+        <p:spPr>
+          <a:xfrm>
+            <a:off x="3424555" y="0"/>
+            <a:ext cx="3931920" cy="650875"/>
+          </a:xfrm>
+        </p:spPr>
+        <p:txBody>
+          <a:bodyPr anchor="ctr">
+            <a:normAutofit/>
+          </a:bodyPr>
+          <a:lstStyle/>
+          <a:p>
+            <a:pPr lvl="0">
+              <a:defRPr/>
+            </a:pPr>
+            <a:r>
+              <a:rPr lang="en-US" altLang="ko-KR" smtClean="0"/>
+              <a:t>Admin</a:t>
+            </a:r>
+            <a:endParaRPr lang="ko-KR" altLang="en-US"/>
+          </a:p>
+        </p:txBody>
+      </p:sp>
+    </p:spTree>
+    <p:extLst>
+      <p:ext uri="{BB962C8B-B14F-4D97-AF65-F5344CB8AC3E}">
+        <p14:creationId xmlns:p14="http://schemas.microsoft.com/office/powerpoint/2010/main" val="1019059289"/>
+      </p:ext>
+    </p:extLst>
+  </p:cSld>
+  <p:clrMapOvr>
+    <a:masterClrMapping/>
+  </p:clrMapOvr>
+  <p:transition/>
+  <p:timing>
+    <p:tnLst>
+      <p:par>
+        <p:cTn id="1" dur="indefinite" restart="never" nodeType="tmRoot"/>
+      </p:par>
+    </p:tnLst>
+  </p:timing>
+</p:sld>
+</file>
+
 <file path=ppt/slides/slide4.xml><?xml version="1.0" encoding="utf-8"?>
 <p:sld xmlns:a="http://schemas.openxmlformats.org/drawingml/2006/main" xmlns:r="http://schemas.openxmlformats.org/officeDocument/2006/relationships" xmlns:p="http://schemas.openxmlformats.org/presentationml/2006/main">
   <p:cSld>
@@ -6436,7 +7591,7 @@
           <p:cNvPr id="2" name="그룹 1">
             <a:extLst>
               <a:ext uri="{FF2B5EF4-FFF2-40B4-BE49-F238E27FC236}">
-                <a16:creationId xmlns="" xmlns:a16="http://schemas.microsoft.com/office/drawing/2014/main" xmlns:p14="http://schemas.microsoft.com/office/powerpoint/2010/main" id="{C71E5FE6-3E6D-4092-81AA-962DB5284ABF}"/>
+                <a16:creationId xmlns:p14="http://schemas.microsoft.com/office/powerpoint/2010/main" xmlns:a16="http://schemas.microsoft.com/office/drawing/2014/main" xmlns="" id="{C71E5FE6-3E6D-4092-81AA-962DB5284ABF}"/>
               </a:ext>
             </a:extLst>
           </p:cNvPr>
@@ -6518,7 +7673,7 @@
             <p:cNvPr id="6" name="TextBox 5">
               <a:extLst>
                 <a:ext uri="{FF2B5EF4-FFF2-40B4-BE49-F238E27FC236}">
-                  <a16:creationId xmlns="" xmlns:a16="http://schemas.microsoft.com/office/drawing/2014/main" xmlns:p14="http://schemas.microsoft.com/office/powerpoint/2010/main" id="{BCB0E9E3-FAB5-4E31-83EE-08A0FE55BB4A}"/>
+                  <a16:creationId xmlns:p14="http://schemas.microsoft.com/office/powerpoint/2010/main" xmlns:a16="http://schemas.microsoft.com/office/drawing/2014/main" xmlns="" id="{BCB0E9E3-FAB5-4E31-83EE-08A0FE55BB4A}"/>
                 </a:ext>
               </a:extLst>
             </p:cNvPr>

--- a/보고서/클래스설계서_Final_Project.pptx
+++ b/보고서/클래스설계서_Final_Project.pptx
@@ -18,42 +18,48 @@
     <p:sldId id="310" r:id="rId12"/>
     <p:sldId id="303" r:id="rId13"/>
     <p:sldId id="305" r:id="rId14"/>
-    <p:sldId id="318" r:id="rId15"/>
-    <p:sldId id="319" r:id="rId16"/>
-    <p:sldId id="320" r:id="rId17"/>
-    <p:sldId id="321" r:id="rId18"/>
-    <p:sldId id="322" r:id="rId19"/>
-    <p:sldId id="323" r:id="rId20"/>
-    <p:sldId id="324" r:id="rId21"/>
-    <p:sldId id="311" r:id="rId22"/>
-    <p:sldId id="325" r:id="rId23"/>
-    <p:sldId id="326" r:id="rId24"/>
-    <p:sldId id="327" r:id="rId25"/>
-    <p:sldId id="328" r:id="rId26"/>
-    <p:sldId id="329" r:id="rId27"/>
-    <p:sldId id="330" r:id="rId28"/>
-    <p:sldId id="331" r:id="rId29"/>
-    <p:sldId id="332" r:id="rId30"/>
-    <p:sldId id="333" r:id="rId31"/>
-    <p:sldId id="334" r:id="rId32"/>
-    <p:sldId id="335" r:id="rId33"/>
-    <p:sldId id="312" r:id="rId34"/>
-    <p:sldId id="315" r:id="rId35"/>
-    <p:sldId id="316" r:id="rId36"/>
-    <p:sldId id="317" r:id="rId37"/>
-    <p:sldId id="313" r:id="rId38"/>
-    <p:sldId id="314" r:id="rId39"/>
+    <p:sldId id="336" r:id="rId15"/>
+    <p:sldId id="337" r:id="rId16"/>
+    <p:sldId id="318" r:id="rId17"/>
+    <p:sldId id="319" r:id="rId18"/>
+    <p:sldId id="320" r:id="rId19"/>
+    <p:sldId id="321" r:id="rId20"/>
+    <p:sldId id="322" r:id="rId21"/>
+    <p:sldId id="323" r:id="rId22"/>
+    <p:sldId id="324" r:id="rId23"/>
+    <p:sldId id="311" r:id="rId24"/>
+    <p:sldId id="340" r:id="rId25"/>
+    <p:sldId id="341" r:id="rId26"/>
+    <p:sldId id="342" r:id="rId27"/>
+    <p:sldId id="325" r:id="rId28"/>
+    <p:sldId id="326" r:id="rId29"/>
+    <p:sldId id="327" r:id="rId30"/>
+    <p:sldId id="328" r:id="rId31"/>
+    <p:sldId id="312" r:id="rId32"/>
+    <p:sldId id="315" r:id="rId33"/>
+    <p:sldId id="316" r:id="rId34"/>
+    <p:sldId id="317" r:id="rId35"/>
+    <p:sldId id="329" r:id="rId36"/>
+    <p:sldId id="330" r:id="rId37"/>
+    <p:sldId id="331" r:id="rId38"/>
+    <p:sldId id="338" r:id="rId39"/>
+    <p:sldId id="339" r:id="rId40"/>
+    <p:sldId id="314" r:id="rId41"/>
+    <p:sldId id="332" r:id="rId42"/>
+    <p:sldId id="333" r:id="rId43"/>
+    <p:sldId id="334" r:id="rId44"/>
+    <p:sldId id="335" r:id="rId45"/>
   </p:sldIdLst>
   <p:sldSz cx="12192000" cy="6858000"/>
   <p:notesSz cx="6858000" cy="9144000"/>
   <p:embeddedFontLst>
     <p:embeddedFont>
       <p:font typeface="THE정고딕150" pitchFamily="18" charset="-127"/>
-      <p:regular r:id="rId40"/>
+      <p:regular r:id="rId46"/>
     </p:embeddedFont>
     <p:embeddedFont>
       <p:font typeface="THE정고딕130" pitchFamily="18" charset="-127"/>
-      <p:regular r:id="rId41"/>
+      <p:regular r:id="rId47"/>
     </p:embeddedFont>
   </p:embeddedFontLst>
   <p:defaultTextStyle>
@@ -3624,12 +3630,76 @@
             </a:pPr>
             <a:r>
               <a:rPr lang="en-US" altLang="ko-KR" smtClean="0"/>
-              <a:t>User</a:t>
+              <a:t>User – User Login</a:t>
             </a:r>
             <a:endParaRPr lang="ko-KR" altLang="en-US"/>
           </a:p>
         </p:txBody>
       </p:sp>
+      <p:pic>
+        <p:nvPicPr>
+          <p:cNvPr id="6146" name="Picture 2"/>
+          <p:cNvPicPr>
+            <a:picLocks noChangeAspect="1" noChangeArrowheads="1"/>
+          </p:cNvPicPr>
+          <p:nvPr/>
+        </p:nvPicPr>
+        <p:blipFill>
+          <a:blip r:embed="rId2">
+            <a:extLst>
+              <a:ext uri="{28A0092B-C50C-407E-A947-70E740481C1C}">
+                <a14:useLocalDpi xmlns:a14="http://schemas.microsoft.com/office/drawing/2010/main" val="0"/>
+              </a:ext>
+            </a:extLst>
+          </a:blip>
+          <a:srcRect/>
+          <a:stretch>
+            <a:fillRect/>
+          </a:stretch>
+        </p:blipFill>
+        <p:spPr bwMode="auto">
+          <a:xfrm>
+            <a:off x="700087" y="1257298"/>
+            <a:ext cx="10815638" cy="5045117"/>
+          </a:xfrm>
+          <a:prstGeom prst="rect">
+            <a:avLst/>
+          </a:prstGeom>
+          <a:noFill/>
+          <a:ln>
+            <a:noFill/>
+          </a:ln>
+          <a:effectLst/>
+          <a:extLst>
+            <a:ext uri="{909E8E84-426E-40DD-AFC4-6F175D3DCCD1}">
+              <a14:hiddenFill xmlns:a14="http://schemas.microsoft.com/office/drawing/2010/main">
+                <a:solidFill>
+                  <a:schemeClr val="accent1"/>
+                </a:solidFill>
+              </a14:hiddenFill>
+            </a:ext>
+            <a:ext uri="{91240B29-F687-4F45-9708-019B960494DF}">
+              <a14:hiddenLine xmlns:a14="http://schemas.microsoft.com/office/drawing/2010/main" w="9525">
+                <a:solidFill>
+                  <a:schemeClr val="tx1"/>
+                </a:solidFill>
+                <a:miter lim="800000"/>
+                <a:headEnd/>
+                <a:tailEnd/>
+              </a14:hiddenLine>
+            </a:ext>
+            <a:ext uri="{AF507438-7753-43E0-B8FC-AC1667EBCBE1}">
+              <a14:hiddenEffects xmlns:a14="http://schemas.microsoft.com/office/drawing/2010/main">
+                <a:effectLst>
+                  <a:outerShdw dist="35921" dir="2700000" algn="ctr" rotWithShape="0">
+                    <a:schemeClr val="bg2"/>
+                  </a:outerShdw>
+                </a:effectLst>
+              </a14:hiddenEffects>
+            </a:ext>
+          </a:extLst>
+        </p:spPr>
+      </p:pic>
     </p:spTree>
     <p:extLst>
       <p:ext uri="{BB962C8B-B14F-4D97-AF65-F5344CB8AC3E}">
@@ -3728,7 +3798,7 @@
             </a:pPr>
             <a:r>
               <a:rPr lang="en-US" altLang="ko-KR" smtClean="0"/>
-              <a:t>User – MyPage Main View</a:t>
+              <a:t>User – User Register</a:t>
             </a:r>
             <a:endParaRPr lang="ko-KR" altLang="en-US"/>
           </a:p>
@@ -3736,7 +3806,7 @@
       </p:sp>
       <p:pic>
         <p:nvPicPr>
-          <p:cNvPr id="7170" name="Picture 2" descr="C:\Users\DongKyun\Documents\GitHub\KHFinalProject\보고서\클래스\시퀀스_지선\MyPage Main View.png"/>
+          <p:cNvPr id="8194" name="Picture 2"/>
           <p:cNvPicPr>
             <a:picLocks noChangeAspect="1" noChangeArrowheads="1"/>
           </p:cNvPicPr>
@@ -3757,20 +3827,43 @@
         </p:blipFill>
         <p:spPr bwMode="auto">
           <a:xfrm>
-            <a:off x="0" y="641350"/>
-            <a:ext cx="12194988" cy="6216650"/>
+            <a:off x="566738" y="1090612"/>
+            <a:ext cx="11034712" cy="5148263"/>
           </a:xfrm>
           <a:prstGeom prst="rect">
             <a:avLst/>
           </a:prstGeom>
           <a:noFill/>
+          <a:ln>
+            <a:noFill/>
+          </a:ln>
+          <a:effectLst/>
           <a:extLst>
             <a:ext uri="{909E8E84-426E-40DD-AFC4-6F175D3DCCD1}">
               <a14:hiddenFill xmlns:a14="http://schemas.microsoft.com/office/drawing/2010/main">
                 <a:solidFill>
-                  <a:srgbClr val="FFFFFF"/>
+                  <a:schemeClr val="accent1"/>
                 </a:solidFill>
               </a14:hiddenFill>
+            </a:ext>
+            <a:ext uri="{91240B29-F687-4F45-9708-019B960494DF}">
+              <a14:hiddenLine xmlns:a14="http://schemas.microsoft.com/office/drawing/2010/main" w="9525">
+                <a:solidFill>
+                  <a:schemeClr val="tx1"/>
+                </a:solidFill>
+                <a:miter lim="800000"/>
+                <a:headEnd/>
+                <a:tailEnd/>
+              </a14:hiddenLine>
+            </a:ext>
+            <a:ext uri="{AF507438-7753-43E0-B8FC-AC1667EBCBE1}">
+              <a14:hiddenEffects xmlns:a14="http://schemas.microsoft.com/office/drawing/2010/main">
+                <a:effectLst>
+                  <a:outerShdw dist="35921" dir="2700000" algn="ctr" rotWithShape="0">
+                    <a:schemeClr val="bg2"/>
+                  </a:outerShdw>
+                </a:effectLst>
+              </a14:hiddenEffects>
             </a:ext>
           </a:extLst>
         </p:spPr>
@@ -3778,7 +3871,7 @@
     </p:spTree>
     <p:extLst>
       <p:ext uri="{BB962C8B-B14F-4D97-AF65-F5344CB8AC3E}">
-        <p14:creationId xmlns:p14="http://schemas.microsoft.com/office/powerpoint/2010/main" val="2436643994"/>
+        <p14:creationId xmlns:p14="http://schemas.microsoft.com/office/powerpoint/2010/main" val="12100701"/>
       </p:ext>
     </p:extLst>
   </p:cSld>
@@ -3873,7 +3966,7 @@
             </a:pPr>
             <a:r>
               <a:rPr lang="en-US" altLang="ko-KR" smtClean="0"/>
-              <a:t>User – MyPage Board List</a:t>
+              <a:t>User – find ID or PWD</a:t>
             </a:r>
             <a:endParaRPr lang="ko-KR" altLang="en-US"/>
           </a:p>
@@ -3881,7 +3974,7 @@
       </p:sp>
       <p:pic>
         <p:nvPicPr>
-          <p:cNvPr id="8194" name="Picture 2" descr="C:\Users\DongKyun\Documents\GitHub\KHFinalProject\보고서\클래스\시퀀스_지선\MyPage Board List.png"/>
+          <p:cNvPr id="9218" name="Picture 2"/>
           <p:cNvPicPr>
             <a:picLocks noChangeAspect="1" noChangeArrowheads="1"/>
           </p:cNvPicPr>
@@ -3902,20 +3995,43 @@
         </p:blipFill>
         <p:spPr bwMode="auto">
           <a:xfrm>
-            <a:off x="0" y="650874"/>
-            <a:ext cx="12192000" cy="6207125"/>
+            <a:off x="595312" y="1066800"/>
+            <a:ext cx="11001375" cy="5353050"/>
           </a:xfrm>
           <a:prstGeom prst="rect">
             <a:avLst/>
           </a:prstGeom>
           <a:noFill/>
+          <a:ln>
+            <a:noFill/>
+          </a:ln>
+          <a:effectLst/>
           <a:extLst>
             <a:ext uri="{909E8E84-426E-40DD-AFC4-6F175D3DCCD1}">
               <a14:hiddenFill xmlns:a14="http://schemas.microsoft.com/office/drawing/2010/main">
                 <a:solidFill>
-                  <a:srgbClr val="FFFFFF"/>
+                  <a:schemeClr val="accent1"/>
                 </a:solidFill>
               </a14:hiddenFill>
+            </a:ext>
+            <a:ext uri="{91240B29-F687-4F45-9708-019B960494DF}">
+              <a14:hiddenLine xmlns:a14="http://schemas.microsoft.com/office/drawing/2010/main" w="9525">
+                <a:solidFill>
+                  <a:schemeClr val="tx1"/>
+                </a:solidFill>
+                <a:miter lim="800000"/>
+                <a:headEnd/>
+                <a:tailEnd/>
+              </a14:hiddenLine>
+            </a:ext>
+            <a:ext uri="{AF507438-7753-43E0-B8FC-AC1667EBCBE1}">
+              <a14:hiddenEffects xmlns:a14="http://schemas.microsoft.com/office/drawing/2010/main">
+                <a:effectLst>
+                  <a:outerShdw dist="35921" dir="2700000" algn="ctr" rotWithShape="0">
+                    <a:schemeClr val="bg2"/>
+                  </a:outerShdw>
+                </a:effectLst>
+              </a14:hiddenEffects>
             </a:ext>
           </a:extLst>
         </p:spPr>
@@ -3923,7 +4039,7 @@
     </p:spTree>
     <p:extLst>
       <p:ext uri="{BB962C8B-B14F-4D97-AF65-F5344CB8AC3E}">
-        <p14:creationId xmlns:p14="http://schemas.microsoft.com/office/powerpoint/2010/main" val="2649322468"/>
+        <p14:creationId xmlns:p14="http://schemas.microsoft.com/office/powerpoint/2010/main" val="248867750"/>
       </p:ext>
     </p:extLst>
   </p:cSld>
@@ -4018,7 +4134,7 @@
             </a:pPr>
             <a:r>
               <a:rPr lang="en-US" altLang="ko-KR" smtClean="0"/>
-              <a:t>User – QnA Insert</a:t>
+              <a:t>User – MyPage Main View</a:t>
             </a:r>
             <a:endParaRPr lang="ko-KR" altLang="en-US"/>
           </a:p>
@@ -4026,7 +4142,7 @@
       </p:sp>
       <p:pic>
         <p:nvPicPr>
-          <p:cNvPr id="9218" name="Picture 2" descr="C:\Users\DongKyun\Documents\GitHub\KHFinalProject\보고서\클래스\시퀀스_지선\QnA Insert.png"/>
+          <p:cNvPr id="7170" name="Picture 2" descr="C:\Users\DongKyun\Documents\GitHub\KHFinalProject\보고서\클래스\시퀀스_지선\MyPage Main View.png"/>
           <p:cNvPicPr>
             <a:picLocks noChangeAspect="1" noChangeArrowheads="1"/>
           </p:cNvPicPr>
@@ -4047,8 +4163,8 @@
         </p:blipFill>
         <p:spPr bwMode="auto">
           <a:xfrm>
-            <a:off x="28892" y="650874"/>
-            <a:ext cx="12163108" cy="6207126"/>
+            <a:off x="0" y="641350"/>
+            <a:ext cx="12194988" cy="6216650"/>
           </a:xfrm>
           <a:prstGeom prst="rect">
             <a:avLst/>
@@ -4068,7 +4184,7 @@
     </p:spTree>
     <p:extLst>
       <p:ext uri="{BB962C8B-B14F-4D97-AF65-F5344CB8AC3E}">
-        <p14:creationId xmlns:p14="http://schemas.microsoft.com/office/powerpoint/2010/main" val="993955059"/>
+        <p14:creationId xmlns:p14="http://schemas.microsoft.com/office/powerpoint/2010/main" val="2436643994"/>
       </p:ext>
     </p:extLst>
   </p:cSld>
@@ -4163,7 +4279,7 @@
             </a:pPr>
             <a:r>
               <a:rPr lang="en-US" altLang="ko-KR" smtClean="0"/>
-              <a:t>User – UserPassword Update</a:t>
+              <a:t>User – MyPage Board List</a:t>
             </a:r>
             <a:endParaRPr lang="ko-KR" altLang="en-US"/>
           </a:p>
@@ -4171,7 +4287,7 @@
       </p:sp>
       <p:pic>
         <p:nvPicPr>
-          <p:cNvPr id="10242" name="Picture 2" descr="C:\Users\DongKyun\Documents\GitHub\KHFinalProject\보고서\클래스\시퀀스_지선\User Password Update.png"/>
+          <p:cNvPr id="8194" name="Picture 2" descr="C:\Users\DongKyun\Documents\GitHub\KHFinalProject\보고서\클래스\시퀀스_지선\MyPage Board List.png"/>
           <p:cNvPicPr>
             <a:picLocks noChangeAspect="1" noChangeArrowheads="1"/>
           </p:cNvPicPr>
@@ -4192,7 +4308,7 @@
         </p:blipFill>
         <p:spPr bwMode="auto">
           <a:xfrm>
-            <a:off x="0" y="650875"/>
+            <a:off x="0" y="650874"/>
             <a:ext cx="12192000" cy="6207125"/>
           </a:xfrm>
           <a:prstGeom prst="rect">
@@ -4213,7 +4329,7 @@
     </p:spTree>
     <p:extLst>
       <p:ext uri="{BB962C8B-B14F-4D97-AF65-F5344CB8AC3E}">
-        <p14:creationId xmlns:p14="http://schemas.microsoft.com/office/powerpoint/2010/main" val="3539437713"/>
+        <p14:creationId xmlns:p14="http://schemas.microsoft.com/office/powerpoint/2010/main" val="2649322468"/>
       </p:ext>
     </p:extLst>
   </p:cSld>
@@ -4308,7 +4424,7 @@
             </a:pPr>
             <a:r>
               <a:rPr lang="en-US" altLang="ko-KR" smtClean="0"/>
-              <a:t>User - UserDelete</a:t>
+              <a:t>User – QnA Insert</a:t>
             </a:r>
             <a:endParaRPr lang="ko-KR" altLang="en-US"/>
           </a:p>
@@ -4316,7 +4432,7 @@
       </p:sp>
       <p:pic>
         <p:nvPicPr>
-          <p:cNvPr id="11266" name="Picture 2" descr="C:\Users\DongKyun\Documents\GitHub\KHFinalProject\보고서\클래스\시퀀스_지선\User Delete.png"/>
+          <p:cNvPr id="9218" name="Picture 2" descr="C:\Users\DongKyun\Documents\GitHub\KHFinalProject\보고서\클래스\시퀀스_지선\QnA Insert.png"/>
           <p:cNvPicPr>
             <a:picLocks noChangeAspect="1" noChangeArrowheads="1"/>
           </p:cNvPicPr>
@@ -4337,8 +4453,8 @@
         </p:blipFill>
         <p:spPr bwMode="auto">
           <a:xfrm>
-            <a:off x="0" y="650874"/>
-            <a:ext cx="12192000" cy="6207125"/>
+            <a:off x="28892" y="650874"/>
+            <a:ext cx="12163108" cy="6207126"/>
           </a:xfrm>
           <a:prstGeom prst="rect">
             <a:avLst/>
@@ -4358,7 +4474,7 @@
     </p:spTree>
     <p:extLst>
       <p:ext uri="{BB962C8B-B14F-4D97-AF65-F5344CB8AC3E}">
-        <p14:creationId xmlns:p14="http://schemas.microsoft.com/office/powerpoint/2010/main" val="3595958162"/>
+        <p14:creationId xmlns:p14="http://schemas.microsoft.com/office/powerpoint/2010/main" val="993955059"/>
       </p:ext>
     </p:extLst>
   </p:cSld>
@@ -4453,7 +4569,7 @@
             </a:pPr>
             <a:r>
               <a:rPr lang="en-US" altLang="ko-KR" smtClean="0"/>
-              <a:t>User – User Schedule View</a:t>
+              <a:t>User – UserPassword Update</a:t>
             </a:r>
             <a:endParaRPr lang="ko-KR" altLang="en-US"/>
           </a:p>
@@ -4461,7 +4577,7 @@
       </p:sp>
       <p:pic>
         <p:nvPicPr>
-          <p:cNvPr id="12290" name="Picture 2" descr="C:\Users\DongKyun\Documents\GitHub\KHFinalProject\보고서\클래스\시퀀스_지선\User Schedule View.png"/>
+          <p:cNvPr id="10242" name="Picture 2" descr="C:\Users\DongKyun\Documents\GitHub\KHFinalProject\보고서\클래스\시퀀스_지선\User Password Update.png"/>
           <p:cNvPicPr>
             <a:picLocks noChangeAspect="1" noChangeArrowheads="1"/>
           </p:cNvPicPr>
@@ -4482,8 +4598,8 @@
         </p:blipFill>
         <p:spPr bwMode="auto">
           <a:xfrm>
-            <a:off x="0" y="650874"/>
-            <a:ext cx="12215746" cy="6207126"/>
+            <a:off x="0" y="650875"/>
+            <a:ext cx="12192000" cy="6207125"/>
           </a:xfrm>
           <a:prstGeom prst="rect">
             <a:avLst/>
@@ -4503,7 +4619,7 @@
     </p:spTree>
     <p:extLst>
       <p:ext uri="{BB962C8B-B14F-4D97-AF65-F5344CB8AC3E}">
-        <p14:creationId xmlns:p14="http://schemas.microsoft.com/office/powerpoint/2010/main" val="991108436"/>
+        <p14:creationId xmlns:p14="http://schemas.microsoft.com/office/powerpoint/2010/main" val="3539437713"/>
       </p:ext>
     </p:extLst>
   </p:cSld>
@@ -5166,7 +5282,7 @@
             </a:pPr>
             <a:r>
               <a:rPr lang="en-US" altLang="ko-KR" smtClean="0"/>
-              <a:t>User – User Update</a:t>
+              <a:t>User - UserDelete</a:t>
             </a:r>
             <a:endParaRPr lang="ko-KR" altLang="en-US"/>
           </a:p>
@@ -5174,7 +5290,7 @@
       </p:sp>
       <p:pic>
         <p:nvPicPr>
-          <p:cNvPr id="13314" name="Picture 2" descr="C:\Users\DongKyun\Documents\GitHub\KHFinalProject\보고서\클래스\시퀀스_지선\User Update.png"/>
+          <p:cNvPr id="11266" name="Picture 2" descr="C:\Users\DongKyun\Documents\GitHub\KHFinalProject\보고서\클래스\시퀀스_지선\User Delete.png"/>
           <p:cNvPicPr>
             <a:picLocks noChangeAspect="1" noChangeArrowheads="1"/>
           </p:cNvPicPr>
@@ -5216,7 +5332,7 @@
     </p:spTree>
     <p:extLst>
       <p:ext uri="{BB962C8B-B14F-4D97-AF65-F5344CB8AC3E}">
-        <p14:creationId xmlns:p14="http://schemas.microsoft.com/office/powerpoint/2010/main" val="3089605658"/>
+        <p14:creationId xmlns:p14="http://schemas.microsoft.com/office/powerpoint/2010/main" val="3595958162"/>
       </p:ext>
     </p:extLst>
   </p:cSld>
@@ -5311,16 +5427,57 @@
             </a:pPr>
             <a:r>
               <a:rPr lang="en-US" altLang="ko-KR" smtClean="0"/>
-              <a:t>Gym</a:t>
+              <a:t>User – User Schedule View</a:t>
             </a:r>
             <a:endParaRPr lang="ko-KR" altLang="en-US"/>
           </a:p>
         </p:txBody>
       </p:sp>
+      <p:pic>
+        <p:nvPicPr>
+          <p:cNvPr id="12290" name="Picture 2" descr="C:\Users\DongKyun\Documents\GitHub\KHFinalProject\보고서\클래스\시퀀스_지선\User Schedule View.png"/>
+          <p:cNvPicPr>
+            <a:picLocks noChangeAspect="1" noChangeArrowheads="1"/>
+          </p:cNvPicPr>
+          <p:nvPr/>
+        </p:nvPicPr>
+        <p:blipFill>
+          <a:blip r:embed="rId2">
+            <a:extLst>
+              <a:ext uri="{28A0092B-C50C-407E-A947-70E740481C1C}">
+                <a14:useLocalDpi xmlns:a14="http://schemas.microsoft.com/office/drawing/2010/main" val="0"/>
+              </a:ext>
+            </a:extLst>
+          </a:blip>
+          <a:srcRect/>
+          <a:stretch>
+            <a:fillRect/>
+          </a:stretch>
+        </p:blipFill>
+        <p:spPr bwMode="auto">
+          <a:xfrm>
+            <a:off x="0" y="650874"/>
+            <a:ext cx="12215746" cy="6207126"/>
+          </a:xfrm>
+          <a:prstGeom prst="rect">
+            <a:avLst/>
+          </a:prstGeom>
+          <a:noFill/>
+          <a:extLst>
+            <a:ext uri="{909E8E84-426E-40DD-AFC4-6F175D3DCCD1}">
+              <a14:hiddenFill xmlns:a14="http://schemas.microsoft.com/office/drawing/2010/main">
+                <a:solidFill>
+                  <a:srgbClr val="FFFFFF"/>
+                </a:solidFill>
+              </a14:hiddenFill>
+            </a:ext>
+          </a:extLst>
+        </p:spPr>
+      </p:pic>
     </p:spTree>
     <p:extLst>
       <p:ext uri="{BB962C8B-B14F-4D97-AF65-F5344CB8AC3E}">
-        <p14:creationId xmlns:p14="http://schemas.microsoft.com/office/powerpoint/2010/main" val="931727686"/>
+        <p14:creationId xmlns:p14="http://schemas.microsoft.com/office/powerpoint/2010/main" val="991108436"/>
       </p:ext>
     </p:extLst>
   </p:cSld>
@@ -5415,16 +5572,57 @@
             </a:pPr>
             <a:r>
               <a:rPr lang="en-US" altLang="ko-KR" smtClean="0"/>
-              <a:t>Gym</a:t>
+              <a:t>User – User Update</a:t>
             </a:r>
             <a:endParaRPr lang="ko-KR" altLang="en-US"/>
           </a:p>
         </p:txBody>
       </p:sp>
+      <p:pic>
+        <p:nvPicPr>
+          <p:cNvPr id="13314" name="Picture 2" descr="C:\Users\DongKyun\Documents\GitHub\KHFinalProject\보고서\클래스\시퀀스_지선\User Update.png"/>
+          <p:cNvPicPr>
+            <a:picLocks noChangeAspect="1" noChangeArrowheads="1"/>
+          </p:cNvPicPr>
+          <p:nvPr/>
+        </p:nvPicPr>
+        <p:blipFill>
+          <a:blip r:embed="rId2">
+            <a:extLst>
+              <a:ext uri="{28A0092B-C50C-407E-A947-70E740481C1C}">
+                <a14:useLocalDpi xmlns:a14="http://schemas.microsoft.com/office/drawing/2010/main" val="0"/>
+              </a:ext>
+            </a:extLst>
+          </a:blip>
+          <a:srcRect/>
+          <a:stretch>
+            <a:fillRect/>
+          </a:stretch>
+        </p:blipFill>
+        <p:spPr bwMode="auto">
+          <a:xfrm>
+            <a:off x="0" y="650874"/>
+            <a:ext cx="12192000" cy="6207125"/>
+          </a:xfrm>
+          <a:prstGeom prst="rect">
+            <a:avLst/>
+          </a:prstGeom>
+          <a:noFill/>
+          <a:extLst>
+            <a:ext uri="{909E8E84-426E-40DD-AFC4-6F175D3DCCD1}">
+              <a14:hiddenFill xmlns:a14="http://schemas.microsoft.com/office/drawing/2010/main">
+                <a:solidFill>
+                  <a:srgbClr val="FFFFFF"/>
+                </a:solidFill>
+              </a14:hiddenFill>
+            </a:ext>
+          </a:extLst>
+        </p:spPr>
+      </p:pic>
     </p:spTree>
     <p:extLst>
       <p:ext uri="{BB962C8B-B14F-4D97-AF65-F5344CB8AC3E}">
-        <p14:creationId xmlns:p14="http://schemas.microsoft.com/office/powerpoint/2010/main" val="513504131"/>
+        <p14:creationId xmlns:p14="http://schemas.microsoft.com/office/powerpoint/2010/main" val="3089605658"/>
       </p:ext>
     </p:extLst>
   </p:cSld>
@@ -5519,16 +5717,80 @@
             </a:pPr>
             <a:r>
               <a:rPr lang="en-US" altLang="ko-KR" smtClean="0"/>
-              <a:t>Gym</a:t>
+              <a:t>Gym – RegisterGym</a:t>
             </a:r>
             <a:endParaRPr lang="ko-KR" altLang="en-US"/>
           </a:p>
         </p:txBody>
       </p:sp>
+      <p:pic>
+        <p:nvPicPr>
+          <p:cNvPr id="12291" name="Picture 3"/>
+          <p:cNvPicPr>
+            <a:picLocks noChangeAspect="1" noChangeArrowheads="1"/>
+          </p:cNvPicPr>
+          <p:nvPr/>
+        </p:nvPicPr>
+        <p:blipFill>
+          <a:blip r:embed="rId2">
+            <a:extLst>
+              <a:ext uri="{28A0092B-C50C-407E-A947-70E740481C1C}">
+                <a14:useLocalDpi xmlns:a14="http://schemas.microsoft.com/office/drawing/2010/main" val="0"/>
+              </a:ext>
+            </a:extLst>
+          </a:blip>
+          <a:srcRect/>
+          <a:stretch>
+            <a:fillRect/>
+          </a:stretch>
+        </p:blipFill>
+        <p:spPr bwMode="auto">
+          <a:xfrm>
+            <a:off x="561975" y="1042988"/>
+            <a:ext cx="10915650" cy="5495925"/>
+          </a:xfrm>
+          <a:prstGeom prst="rect">
+            <a:avLst/>
+          </a:prstGeom>
+          <a:noFill/>
+          <a:ln>
+            <a:noFill/>
+          </a:ln>
+          <a:effectLst/>
+          <a:extLst>
+            <a:ext uri="{909E8E84-426E-40DD-AFC4-6F175D3DCCD1}">
+              <a14:hiddenFill xmlns:a14="http://schemas.microsoft.com/office/drawing/2010/main">
+                <a:solidFill>
+                  <a:schemeClr val="accent1"/>
+                </a:solidFill>
+              </a14:hiddenFill>
+            </a:ext>
+            <a:ext uri="{91240B29-F687-4F45-9708-019B960494DF}">
+              <a14:hiddenLine xmlns:a14="http://schemas.microsoft.com/office/drawing/2010/main" w="9525">
+                <a:solidFill>
+                  <a:schemeClr val="tx1"/>
+                </a:solidFill>
+                <a:miter lim="800000"/>
+                <a:headEnd/>
+                <a:tailEnd/>
+              </a14:hiddenLine>
+            </a:ext>
+            <a:ext uri="{AF507438-7753-43E0-B8FC-AC1667EBCBE1}">
+              <a14:hiddenEffects xmlns:a14="http://schemas.microsoft.com/office/drawing/2010/main">
+                <a:effectLst>
+                  <a:outerShdw dist="35921" dir="2700000" algn="ctr" rotWithShape="0">
+                    <a:schemeClr val="bg2"/>
+                  </a:outerShdw>
+                </a:effectLst>
+              </a14:hiddenEffects>
+            </a:ext>
+          </a:extLst>
+        </p:spPr>
+      </p:pic>
     </p:spTree>
     <p:extLst>
       <p:ext uri="{BB962C8B-B14F-4D97-AF65-F5344CB8AC3E}">
-        <p14:creationId xmlns:p14="http://schemas.microsoft.com/office/powerpoint/2010/main" val="2631757491"/>
+        <p14:creationId xmlns:p14="http://schemas.microsoft.com/office/powerpoint/2010/main" val="931727686"/>
       </p:ext>
     </p:extLst>
   </p:cSld>
@@ -5623,16 +5885,80 @@
             </a:pPr>
             <a:r>
               <a:rPr lang="en-US" altLang="ko-KR" smtClean="0"/>
-              <a:t>Gym</a:t>
+              <a:t>Gym – Update GYM</a:t>
             </a:r>
             <a:endParaRPr lang="ko-KR" altLang="en-US"/>
           </a:p>
         </p:txBody>
       </p:sp>
+      <p:pic>
+        <p:nvPicPr>
+          <p:cNvPr id="13315" name="Picture 3"/>
+          <p:cNvPicPr>
+            <a:picLocks noChangeAspect="1" noChangeArrowheads="1"/>
+          </p:cNvPicPr>
+          <p:nvPr/>
+        </p:nvPicPr>
+        <p:blipFill>
+          <a:blip r:embed="rId2">
+            <a:extLst>
+              <a:ext uri="{28A0092B-C50C-407E-A947-70E740481C1C}">
+                <a14:useLocalDpi xmlns:a14="http://schemas.microsoft.com/office/drawing/2010/main" val="0"/>
+              </a:ext>
+            </a:extLst>
+          </a:blip>
+          <a:srcRect/>
+          <a:stretch>
+            <a:fillRect/>
+          </a:stretch>
+        </p:blipFill>
+        <p:spPr bwMode="auto">
+          <a:xfrm>
+            <a:off x="504824" y="1081087"/>
+            <a:ext cx="11153775" cy="5572125"/>
+          </a:xfrm>
+          <a:prstGeom prst="rect">
+            <a:avLst/>
+          </a:prstGeom>
+          <a:noFill/>
+          <a:ln>
+            <a:noFill/>
+          </a:ln>
+          <a:effectLst/>
+          <a:extLst>
+            <a:ext uri="{909E8E84-426E-40DD-AFC4-6F175D3DCCD1}">
+              <a14:hiddenFill xmlns:a14="http://schemas.microsoft.com/office/drawing/2010/main">
+                <a:solidFill>
+                  <a:schemeClr val="accent1"/>
+                </a:solidFill>
+              </a14:hiddenFill>
+            </a:ext>
+            <a:ext uri="{91240B29-F687-4F45-9708-019B960494DF}">
+              <a14:hiddenLine xmlns:a14="http://schemas.microsoft.com/office/drawing/2010/main" w="9525">
+                <a:solidFill>
+                  <a:schemeClr val="tx1"/>
+                </a:solidFill>
+                <a:miter lim="800000"/>
+                <a:headEnd/>
+                <a:tailEnd/>
+              </a14:hiddenLine>
+            </a:ext>
+            <a:ext uri="{AF507438-7753-43E0-B8FC-AC1667EBCBE1}">
+              <a14:hiddenEffects xmlns:a14="http://schemas.microsoft.com/office/drawing/2010/main">
+                <a:effectLst>
+                  <a:outerShdw dist="35921" dir="2700000" algn="ctr" rotWithShape="0">
+                    <a:schemeClr val="bg2"/>
+                  </a:outerShdw>
+                </a:effectLst>
+              </a14:hiddenEffects>
+            </a:ext>
+          </a:extLst>
+        </p:spPr>
+      </p:pic>
     </p:spTree>
     <p:extLst>
       <p:ext uri="{BB962C8B-B14F-4D97-AF65-F5344CB8AC3E}">
-        <p14:creationId xmlns:p14="http://schemas.microsoft.com/office/powerpoint/2010/main" val="3581090570"/>
+        <p14:creationId xmlns:p14="http://schemas.microsoft.com/office/powerpoint/2010/main" val="4170592864"/>
       </p:ext>
     </p:extLst>
   </p:cSld>
@@ -5727,16 +6053,80 @@
             </a:pPr>
             <a:r>
               <a:rPr lang="en-US" altLang="ko-KR" smtClean="0"/>
-              <a:t>Gym</a:t>
+              <a:t>Gym – Delete GYM</a:t>
             </a:r>
             <a:endParaRPr lang="ko-KR" altLang="en-US"/>
           </a:p>
         </p:txBody>
       </p:sp>
+      <p:pic>
+        <p:nvPicPr>
+          <p:cNvPr id="14339" name="Picture 3"/>
+          <p:cNvPicPr>
+            <a:picLocks noChangeAspect="1" noChangeArrowheads="1"/>
+          </p:cNvPicPr>
+          <p:nvPr/>
+        </p:nvPicPr>
+        <p:blipFill>
+          <a:blip r:embed="rId2">
+            <a:extLst>
+              <a:ext uri="{28A0092B-C50C-407E-A947-70E740481C1C}">
+                <a14:useLocalDpi xmlns:a14="http://schemas.microsoft.com/office/drawing/2010/main" val="0"/>
+              </a:ext>
+            </a:extLst>
+          </a:blip>
+          <a:srcRect/>
+          <a:stretch>
+            <a:fillRect/>
+          </a:stretch>
+        </p:blipFill>
+        <p:spPr bwMode="auto">
+          <a:xfrm>
+            <a:off x="481013" y="985838"/>
+            <a:ext cx="11177587" cy="5648325"/>
+          </a:xfrm>
+          <a:prstGeom prst="rect">
+            <a:avLst/>
+          </a:prstGeom>
+          <a:noFill/>
+          <a:ln>
+            <a:noFill/>
+          </a:ln>
+          <a:effectLst/>
+          <a:extLst>
+            <a:ext uri="{909E8E84-426E-40DD-AFC4-6F175D3DCCD1}">
+              <a14:hiddenFill xmlns:a14="http://schemas.microsoft.com/office/drawing/2010/main">
+                <a:solidFill>
+                  <a:schemeClr val="accent1"/>
+                </a:solidFill>
+              </a14:hiddenFill>
+            </a:ext>
+            <a:ext uri="{91240B29-F687-4F45-9708-019B960494DF}">
+              <a14:hiddenLine xmlns:a14="http://schemas.microsoft.com/office/drawing/2010/main" w="9525">
+                <a:solidFill>
+                  <a:schemeClr val="tx1"/>
+                </a:solidFill>
+                <a:miter lim="800000"/>
+                <a:headEnd/>
+                <a:tailEnd/>
+              </a14:hiddenLine>
+            </a:ext>
+            <a:ext uri="{AF507438-7753-43E0-B8FC-AC1667EBCBE1}">
+              <a14:hiddenEffects xmlns:a14="http://schemas.microsoft.com/office/drawing/2010/main">
+                <a:effectLst>
+                  <a:outerShdw dist="35921" dir="2700000" algn="ctr" rotWithShape="0">
+                    <a:schemeClr val="bg2"/>
+                  </a:outerShdw>
+                </a:effectLst>
+              </a14:hiddenEffects>
+            </a:ext>
+          </a:extLst>
+        </p:spPr>
+      </p:pic>
     </p:spTree>
     <p:extLst>
       <p:ext uri="{BB962C8B-B14F-4D97-AF65-F5344CB8AC3E}">
-        <p14:creationId xmlns:p14="http://schemas.microsoft.com/office/powerpoint/2010/main" val="172455590"/>
+        <p14:creationId xmlns:p14="http://schemas.microsoft.com/office/powerpoint/2010/main" val="2635208000"/>
       </p:ext>
     </p:extLst>
   </p:cSld>
@@ -5831,16 +6221,80 @@
             </a:pPr>
             <a:r>
               <a:rPr lang="en-US" altLang="ko-KR" smtClean="0"/>
-              <a:t>Gym</a:t>
+              <a:t>Gym – DetailView GYM</a:t>
             </a:r>
             <a:endParaRPr lang="ko-KR" altLang="en-US"/>
           </a:p>
         </p:txBody>
       </p:sp>
+      <p:pic>
+        <p:nvPicPr>
+          <p:cNvPr id="15362" name="Picture 2"/>
+          <p:cNvPicPr>
+            <a:picLocks noChangeAspect="1" noChangeArrowheads="1"/>
+          </p:cNvPicPr>
+          <p:nvPr/>
+        </p:nvPicPr>
+        <p:blipFill>
+          <a:blip r:embed="rId2">
+            <a:extLst>
+              <a:ext uri="{28A0092B-C50C-407E-A947-70E740481C1C}">
+                <a14:useLocalDpi xmlns:a14="http://schemas.microsoft.com/office/drawing/2010/main" val="0"/>
+              </a:ext>
+            </a:extLst>
+          </a:blip>
+          <a:srcRect/>
+          <a:stretch>
+            <a:fillRect/>
+          </a:stretch>
+        </p:blipFill>
+        <p:spPr bwMode="auto">
+          <a:xfrm>
+            <a:off x="500062" y="895350"/>
+            <a:ext cx="11191875" cy="5791200"/>
+          </a:xfrm>
+          <a:prstGeom prst="rect">
+            <a:avLst/>
+          </a:prstGeom>
+          <a:noFill/>
+          <a:ln>
+            <a:noFill/>
+          </a:ln>
+          <a:effectLst/>
+          <a:extLst>
+            <a:ext uri="{909E8E84-426E-40DD-AFC4-6F175D3DCCD1}">
+              <a14:hiddenFill xmlns:a14="http://schemas.microsoft.com/office/drawing/2010/main">
+                <a:solidFill>
+                  <a:schemeClr val="accent1"/>
+                </a:solidFill>
+              </a14:hiddenFill>
+            </a:ext>
+            <a:ext uri="{91240B29-F687-4F45-9708-019B960494DF}">
+              <a14:hiddenLine xmlns:a14="http://schemas.microsoft.com/office/drawing/2010/main" w="9525">
+                <a:solidFill>
+                  <a:schemeClr val="tx1"/>
+                </a:solidFill>
+                <a:miter lim="800000"/>
+                <a:headEnd/>
+                <a:tailEnd/>
+              </a14:hiddenLine>
+            </a:ext>
+            <a:ext uri="{AF507438-7753-43E0-B8FC-AC1667EBCBE1}">
+              <a14:hiddenEffects xmlns:a14="http://schemas.microsoft.com/office/drawing/2010/main">
+                <a:effectLst>
+                  <a:outerShdw dist="35921" dir="2700000" algn="ctr" rotWithShape="0">
+                    <a:schemeClr val="bg2"/>
+                  </a:outerShdw>
+                </a:effectLst>
+              </a14:hiddenEffects>
+            </a:ext>
+          </a:extLst>
+        </p:spPr>
+      </p:pic>
     </p:spTree>
     <p:extLst>
       <p:ext uri="{BB962C8B-B14F-4D97-AF65-F5344CB8AC3E}">
-        <p14:creationId xmlns:p14="http://schemas.microsoft.com/office/powerpoint/2010/main" val="1098577197"/>
+        <p14:creationId xmlns:p14="http://schemas.microsoft.com/office/powerpoint/2010/main" val="1262811407"/>
       </p:ext>
     </p:extLst>
   </p:cSld>
@@ -5935,16 +6389,57 @@
             </a:pPr>
             <a:r>
               <a:rPr lang="en-US" altLang="ko-KR" smtClean="0"/>
-              <a:t>Gym</a:t>
+              <a:t>Gym – GymRiviewList</a:t>
             </a:r>
             <a:endParaRPr lang="ko-KR" altLang="en-US"/>
           </a:p>
         </p:txBody>
       </p:sp>
+      <p:pic>
+        <p:nvPicPr>
+          <p:cNvPr id="1026" name="Picture 2" descr="C:\Users\DongKyun\Documents\GitHub\KHFinalProject\보고서\클래스\정세화_시퀀스\GymReivewList.png"/>
+          <p:cNvPicPr>
+            <a:picLocks noChangeAspect="1" noChangeArrowheads="1"/>
+          </p:cNvPicPr>
+          <p:nvPr/>
+        </p:nvPicPr>
+        <p:blipFill>
+          <a:blip r:embed="rId2">
+            <a:extLst>
+              <a:ext uri="{28A0092B-C50C-407E-A947-70E740481C1C}">
+                <a14:useLocalDpi xmlns:a14="http://schemas.microsoft.com/office/drawing/2010/main" val="0"/>
+              </a:ext>
+            </a:extLst>
+          </a:blip>
+          <a:srcRect/>
+          <a:stretch>
+            <a:fillRect/>
+          </a:stretch>
+        </p:blipFill>
+        <p:spPr bwMode="auto">
+          <a:xfrm>
+            <a:off x="250190" y="1547813"/>
+            <a:ext cx="11688344" cy="4110037"/>
+          </a:xfrm>
+          <a:prstGeom prst="rect">
+            <a:avLst/>
+          </a:prstGeom>
+          <a:noFill/>
+          <a:extLst>
+            <a:ext uri="{909E8E84-426E-40DD-AFC4-6F175D3DCCD1}">
+              <a14:hiddenFill xmlns:a14="http://schemas.microsoft.com/office/drawing/2010/main">
+                <a:solidFill>
+                  <a:srgbClr val="FFFFFF"/>
+                </a:solidFill>
+              </a14:hiddenFill>
+            </a:ext>
+          </a:extLst>
+        </p:spPr>
+      </p:pic>
     </p:spTree>
     <p:extLst>
       <p:ext uri="{BB962C8B-B14F-4D97-AF65-F5344CB8AC3E}">
-        <p14:creationId xmlns:p14="http://schemas.microsoft.com/office/powerpoint/2010/main" val="3926212707"/>
+        <p14:creationId xmlns:p14="http://schemas.microsoft.com/office/powerpoint/2010/main" val="513504131"/>
       </p:ext>
     </p:extLst>
   </p:cSld>
@@ -6039,16 +6534,57 @@
             </a:pPr>
             <a:r>
               <a:rPr lang="en-US" altLang="ko-KR" smtClean="0"/>
-              <a:t>Gym</a:t>
+              <a:t>Gym – GymReivew EnrollReview</a:t>
             </a:r>
             <a:endParaRPr lang="ko-KR" altLang="en-US"/>
           </a:p>
         </p:txBody>
       </p:sp>
+      <p:pic>
+        <p:nvPicPr>
+          <p:cNvPr id="2050" name="Picture 2" descr="C:\Users\DongKyun\Documents\GitHub\KHFinalProject\보고서\클래스\정세화_시퀀스\GymReview EnrollReview.png"/>
+          <p:cNvPicPr>
+            <a:picLocks noChangeAspect="1" noChangeArrowheads="1"/>
+          </p:cNvPicPr>
+          <p:nvPr/>
+        </p:nvPicPr>
+        <p:blipFill>
+          <a:blip r:embed="rId2">
+            <a:extLst>
+              <a:ext uri="{28A0092B-C50C-407E-A947-70E740481C1C}">
+                <a14:useLocalDpi xmlns:a14="http://schemas.microsoft.com/office/drawing/2010/main" val="0"/>
+              </a:ext>
+            </a:extLst>
+          </a:blip>
+          <a:srcRect/>
+          <a:stretch>
+            <a:fillRect/>
+          </a:stretch>
+        </p:blipFill>
+        <p:spPr bwMode="auto">
+          <a:xfrm>
+            <a:off x="438149" y="1700212"/>
+            <a:ext cx="11344275" cy="3989050"/>
+          </a:xfrm>
+          <a:prstGeom prst="rect">
+            <a:avLst/>
+          </a:prstGeom>
+          <a:noFill/>
+          <a:extLst>
+            <a:ext uri="{909E8E84-426E-40DD-AFC4-6F175D3DCCD1}">
+              <a14:hiddenFill xmlns:a14="http://schemas.microsoft.com/office/drawing/2010/main">
+                <a:solidFill>
+                  <a:srgbClr val="FFFFFF"/>
+                </a:solidFill>
+              </a14:hiddenFill>
+            </a:ext>
+          </a:extLst>
+        </p:spPr>
+      </p:pic>
     </p:spTree>
     <p:extLst>
       <p:ext uri="{BB962C8B-B14F-4D97-AF65-F5344CB8AC3E}">
-        <p14:creationId xmlns:p14="http://schemas.microsoft.com/office/powerpoint/2010/main" val="1843592339"/>
+        <p14:creationId xmlns:p14="http://schemas.microsoft.com/office/powerpoint/2010/main" val="2631757491"/>
       </p:ext>
     </p:extLst>
   </p:cSld>
@@ -6143,16 +6679,57 @@
             </a:pPr>
             <a:r>
               <a:rPr lang="en-US" altLang="ko-KR" smtClean="0"/>
-              <a:t>Gym</a:t>
+              <a:t>Gym – GymReview UpdateReview</a:t>
             </a:r>
             <a:endParaRPr lang="ko-KR" altLang="en-US"/>
           </a:p>
         </p:txBody>
       </p:sp>
+      <p:pic>
+        <p:nvPicPr>
+          <p:cNvPr id="3074" name="Picture 2" descr="C:\Users\DongKyun\Documents\GitHub\KHFinalProject\보고서\클래스\정세화_시퀀스\GymReview updateReview.png"/>
+          <p:cNvPicPr>
+            <a:picLocks noChangeAspect="1" noChangeArrowheads="1"/>
+          </p:cNvPicPr>
+          <p:nvPr/>
+        </p:nvPicPr>
+        <p:blipFill>
+          <a:blip r:embed="rId2">
+            <a:extLst>
+              <a:ext uri="{28A0092B-C50C-407E-A947-70E740481C1C}">
+                <a14:useLocalDpi xmlns:a14="http://schemas.microsoft.com/office/drawing/2010/main" val="0"/>
+              </a:ext>
+            </a:extLst>
+          </a:blip>
+          <a:srcRect/>
+          <a:stretch>
+            <a:fillRect/>
+          </a:stretch>
+        </p:blipFill>
+        <p:spPr bwMode="auto">
+          <a:xfrm>
+            <a:off x="404812" y="1804987"/>
+            <a:ext cx="11383718" cy="3786187"/>
+          </a:xfrm>
+          <a:prstGeom prst="rect">
+            <a:avLst/>
+          </a:prstGeom>
+          <a:noFill/>
+          <a:extLst>
+            <a:ext uri="{909E8E84-426E-40DD-AFC4-6F175D3DCCD1}">
+              <a14:hiddenFill xmlns:a14="http://schemas.microsoft.com/office/drawing/2010/main">
+                <a:solidFill>
+                  <a:srgbClr val="FFFFFF"/>
+                </a:solidFill>
+              </a14:hiddenFill>
+            </a:ext>
+          </a:extLst>
+        </p:spPr>
+      </p:pic>
     </p:spTree>
     <p:extLst>
       <p:ext uri="{BB962C8B-B14F-4D97-AF65-F5344CB8AC3E}">
-        <p14:creationId xmlns:p14="http://schemas.microsoft.com/office/powerpoint/2010/main" val="910571107"/>
+        <p14:creationId xmlns:p14="http://schemas.microsoft.com/office/powerpoint/2010/main" val="3581090570"/>
       </p:ext>
     </p:extLst>
   </p:cSld>
@@ -6431,16 +7008,57 @@
             </a:pPr>
             <a:r>
               <a:rPr lang="en-US" altLang="ko-KR" smtClean="0"/>
-              <a:t>Gym</a:t>
+              <a:t>Gym – GymReview DeleteReview</a:t>
             </a:r>
             <a:endParaRPr lang="ko-KR" altLang="en-US"/>
           </a:p>
         </p:txBody>
       </p:sp>
+      <p:pic>
+        <p:nvPicPr>
+          <p:cNvPr id="4098" name="Picture 2" descr="C:\Users\DongKyun\Documents\GitHub\KHFinalProject\보고서\클래스\정세화_시퀀스\GymReview deleteReview.png"/>
+          <p:cNvPicPr>
+            <a:picLocks noChangeAspect="1" noChangeArrowheads="1"/>
+          </p:cNvPicPr>
+          <p:nvPr/>
+        </p:nvPicPr>
+        <p:blipFill>
+          <a:blip r:embed="rId2">
+            <a:extLst>
+              <a:ext uri="{28A0092B-C50C-407E-A947-70E740481C1C}">
+                <a14:useLocalDpi xmlns:a14="http://schemas.microsoft.com/office/drawing/2010/main" val="0"/>
+              </a:ext>
+            </a:extLst>
+          </a:blip>
+          <a:srcRect/>
+          <a:stretch>
+            <a:fillRect/>
+          </a:stretch>
+        </p:blipFill>
+        <p:spPr bwMode="auto">
+          <a:xfrm>
+            <a:off x="250189" y="1804988"/>
+            <a:ext cx="11530691" cy="3890962"/>
+          </a:xfrm>
+          <a:prstGeom prst="rect">
+            <a:avLst/>
+          </a:prstGeom>
+          <a:noFill/>
+          <a:extLst>
+            <a:ext uri="{909E8E84-426E-40DD-AFC4-6F175D3DCCD1}">
+              <a14:hiddenFill xmlns:a14="http://schemas.microsoft.com/office/drawing/2010/main">
+                <a:solidFill>
+                  <a:srgbClr val="FFFFFF"/>
+                </a:solidFill>
+              </a14:hiddenFill>
+            </a:ext>
+          </a:extLst>
+        </p:spPr>
+      </p:pic>
     </p:spTree>
     <p:extLst>
       <p:ext uri="{BB962C8B-B14F-4D97-AF65-F5344CB8AC3E}">
-        <p14:creationId xmlns:p14="http://schemas.microsoft.com/office/powerpoint/2010/main" val="2926770114"/>
+        <p14:creationId xmlns:p14="http://schemas.microsoft.com/office/powerpoint/2010/main" val="172455590"/>
       </p:ext>
     </p:extLst>
   </p:cSld>
@@ -6535,16 +7153,57 @@
             </a:pPr>
             <a:r>
               <a:rPr lang="en-US" altLang="ko-KR" smtClean="0"/>
-              <a:t>Gym</a:t>
+              <a:t>Community - CommunityBoardList</a:t>
             </a:r>
             <a:endParaRPr lang="ko-KR" altLang="en-US"/>
           </a:p>
         </p:txBody>
       </p:sp>
+      <p:pic>
+        <p:nvPicPr>
+          <p:cNvPr id="3074" name="Picture 2" descr="C:\Users\DongKyun\Documents\GitHub\KHFinalProject\보고서\클래스\리스트.png"/>
+          <p:cNvPicPr>
+            <a:picLocks noChangeAspect="1" noChangeArrowheads="1"/>
+          </p:cNvPicPr>
+          <p:nvPr/>
+        </p:nvPicPr>
+        <p:blipFill>
+          <a:blip r:embed="rId2">
+            <a:extLst>
+              <a:ext uri="{28A0092B-C50C-407E-A947-70E740481C1C}">
+                <a14:useLocalDpi xmlns:a14="http://schemas.microsoft.com/office/drawing/2010/main" val="0"/>
+              </a:ext>
+            </a:extLst>
+          </a:blip>
+          <a:srcRect/>
+          <a:stretch>
+            <a:fillRect/>
+          </a:stretch>
+        </p:blipFill>
+        <p:spPr bwMode="auto">
+          <a:xfrm>
+            <a:off x="0" y="650874"/>
+            <a:ext cx="12192000" cy="6207125"/>
+          </a:xfrm>
+          <a:prstGeom prst="rect">
+            <a:avLst/>
+          </a:prstGeom>
+          <a:noFill/>
+          <a:extLst>
+            <a:ext uri="{909E8E84-426E-40DD-AFC4-6F175D3DCCD1}">
+              <a14:hiddenFill xmlns:a14="http://schemas.microsoft.com/office/drawing/2010/main">
+                <a:solidFill>
+                  <a:srgbClr val="FFFFFF"/>
+                </a:solidFill>
+              </a14:hiddenFill>
+            </a:ext>
+          </a:extLst>
+        </p:spPr>
+      </p:pic>
     </p:spTree>
     <p:extLst>
       <p:ext uri="{BB962C8B-B14F-4D97-AF65-F5344CB8AC3E}">
-        <p14:creationId xmlns:p14="http://schemas.microsoft.com/office/powerpoint/2010/main" val="847404570"/>
+        <p14:creationId xmlns:p14="http://schemas.microsoft.com/office/powerpoint/2010/main" val="3788117990"/>
       </p:ext>
     </p:extLst>
   </p:cSld>
@@ -6639,16 +7298,57 @@
             </a:pPr>
             <a:r>
               <a:rPr lang="en-US" altLang="ko-KR" smtClean="0"/>
-              <a:t>Gym</a:t>
+              <a:t>Community - CommunityBoardInsert</a:t>
             </a:r>
             <a:endParaRPr lang="ko-KR" altLang="en-US"/>
           </a:p>
         </p:txBody>
       </p:sp>
+      <p:pic>
+        <p:nvPicPr>
+          <p:cNvPr id="4098" name="Picture 2" descr="C:\Users\DongKyun\Documents\GitHub\KHFinalProject\보고서\클래스\삽입.png"/>
+          <p:cNvPicPr>
+            <a:picLocks noChangeAspect="1" noChangeArrowheads="1"/>
+          </p:cNvPicPr>
+          <p:nvPr/>
+        </p:nvPicPr>
+        <p:blipFill>
+          <a:blip r:embed="rId2">
+            <a:extLst>
+              <a:ext uri="{28A0092B-C50C-407E-A947-70E740481C1C}">
+                <a14:useLocalDpi xmlns:a14="http://schemas.microsoft.com/office/drawing/2010/main" val="0"/>
+              </a:ext>
+            </a:extLst>
+          </a:blip>
+          <a:srcRect/>
+          <a:stretch>
+            <a:fillRect/>
+          </a:stretch>
+        </p:blipFill>
+        <p:spPr bwMode="auto">
+          <a:xfrm>
+            <a:off x="0" y="650874"/>
+            <a:ext cx="12192834" cy="6207125"/>
+          </a:xfrm>
+          <a:prstGeom prst="rect">
+            <a:avLst/>
+          </a:prstGeom>
+          <a:noFill/>
+          <a:extLst>
+            <a:ext uri="{909E8E84-426E-40DD-AFC4-6F175D3DCCD1}">
+              <a14:hiddenFill xmlns:a14="http://schemas.microsoft.com/office/drawing/2010/main">
+                <a:solidFill>
+                  <a:srgbClr val="FFFFFF"/>
+                </a:solidFill>
+              </a14:hiddenFill>
+            </a:ext>
+          </a:extLst>
+        </p:spPr>
+      </p:pic>
     </p:spTree>
     <p:extLst>
       <p:ext uri="{BB962C8B-B14F-4D97-AF65-F5344CB8AC3E}">
-        <p14:creationId xmlns:p14="http://schemas.microsoft.com/office/powerpoint/2010/main" val="1397812507"/>
+        <p14:creationId xmlns:p14="http://schemas.microsoft.com/office/powerpoint/2010/main" val="415682292"/>
       </p:ext>
     </p:extLst>
   </p:cSld>
@@ -6734,7 +7434,7 @@
         </p:spPr>
         <p:txBody>
           <a:bodyPr anchor="ctr">
-            <a:normAutofit/>
+            <a:normAutofit fontScale="92500"/>
           </a:bodyPr>
           <a:lstStyle/>
           <a:p>
@@ -6743,7 +7443,7 @@
             </a:pPr>
             <a:r>
               <a:rPr lang="en-US" altLang="ko-KR" smtClean="0"/>
-              <a:t>Community - CommunityBoardList</a:t>
+              <a:t>Community - CommunityBoardUpdate</a:t>
             </a:r>
             <a:endParaRPr lang="ko-KR" altLang="en-US"/>
           </a:p>
@@ -6751,7 +7451,7 @@
       </p:sp>
       <p:pic>
         <p:nvPicPr>
-          <p:cNvPr id="3074" name="Picture 2" descr="C:\Users\DongKyun\Documents\GitHub\KHFinalProject\보고서\클래스\리스트.png"/>
+          <p:cNvPr id="5122" name="Picture 2" descr="C:\Users\DongKyun\Documents\GitHub\KHFinalProject\보고서\클래스\수정.png"/>
           <p:cNvPicPr>
             <a:picLocks noChangeAspect="1" noChangeArrowheads="1"/>
           </p:cNvPicPr>
@@ -6772,7 +7472,7 @@
         </p:blipFill>
         <p:spPr bwMode="auto">
           <a:xfrm>
-            <a:off x="0" y="650874"/>
+            <a:off x="0" y="650875"/>
             <a:ext cx="12192000" cy="6207125"/>
           </a:xfrm>
           <a:prstGeom prst="rect">
@@ -6793,7 +7493,7 @@
     </p:spTree>
     <p:extLst>
       <p:ext uri="{BB962C8B-B14F-4D97-AF65-F5344CB8AC3E}">
-        <p14:creationId xmlns:p14="http://schemas.microsoft.com/office/powerpoint/2010/main" val="3788117990"/>
+        <p14:creationId xmlns:p14="http://schemas.microsoft.com/office/powerpoint/2010/main" val="1798126384"/>
       </p:ext>
     </p:extLst>
   </p:cSld>
@@ -6888,7 +7588,7 @@
             </a:pPr>
             <a:r>
               <a:rPr lang="en-US" altLang="ko-KR" smtClean="0"/>
-              <a:t>Community - CommunityBoardInsert</a:t>
+              <a:t>Community - CommunityBoardDelete</a:t>
             </a:r>
             <a:endParaRPr lang="ko-KR" altLang="en-US"/>
           </a:p>
@@ -6896,7 +7596,7 @@
       </p:sp>
       <p:pic>
         <p:nvPicPr>
-          <p:cNvPr id="4098" name="Picture 2" descr="C:\Users\DongKyun\Documents\GitHub\KHFinalProject\보고서\클래스\삽입.png"/>
+          <p:cNvPr id="6146" name="Picture 2" descr="C:\Users\DongKyun\Documents\GitHub\KHFinalProject\보고서\클래스\삭제.png"/>
           <p:cNvPicPr>
             <a:picLocks noChangeAspect="1" noChangeArrowheads="1"/>
           </p:cNvPicPr>
@@ -6918,7 +7618,7 @@
         <p:spPr bwMode="auto">
           <a:xfrm>
             <a:off x="0" y="650874"/>
-            <a:ext cx="12192834" cy="6207125"/>
+            <a:ext cx="12192000" cy="6207126"/>
           </a:xfrm>
           <a:prstGeom prst="rect">
             <a:avLst/>
@@ -6938,7 +7638,7 @@
     </p:spTree>
     <p:extLst>
       <p:ext uri="{BB962C8B-B14F-4D97-AF65-F5344CB8AC3E}">
-        <p14:creationId xmlns:p14="http://schemas.microsoft.com/office/powerpoint/2010/main" val="415682292"/>
+        <p14:creationId xmlns:p14="http://schemas.microsoft.com/office/powerpoint/2010/main" val="2796669715"/>
       </p:ext>
     </p:extLst>
   </p:cSld>
@@ -7024,7 +7724,7 @@
         </p:spPr>
         <p:txBody>
           <a:bodyPr anchor="ctr">
-            <a:normAutofit fontScale="92500"/>
+            <a:normAutofit/>
           </a:bodyPr>
           <a:lstStyle/>
           <a:p>
@@ -7033,7 +7733,7 @@
             </a:pPr>
             <a:r>
               <a:rPr lang="en-US" altLang="ko-KR" smtClean="0"/>
-              <a:t>Community - CommunityBoardUpdate</a:t>
+              <a:t>Workout – Health Part Video List</a:t>
             </a:r>
             <a:endParaRPr lang="ko-KR" altLang="en-US"/>
           </a:p>
@@ -7041,7 +7741,7 @@
       </p:sp>
       <p:pic>
         <p:nvPicPr>
-          <p:cNvPr id="5122" name="Picture 2" descr="C:\Users\DongKyun\Documents\GitHub\KHFinalProject\보고서\클래스\수정.png"/>
+          <p:cNvPr id="5122" name="Picture 2" descr="C:\Users\DongKyun\Documents\GitHub\KHFinalProject\보고서\클래스\시퀀스 다이어그램_ 준일\헬스 부위별 영상 리스트.JPG"/>
           <p:cNvPicPr>
             <a:picLocks noChangeAspect="1" noChangeArrowheads="1"/>
           </p:cNvPicPr>
@@ -7062,8 +7762,8 @@
         </p:blipFill>
         <p:spPr bwMode="auto">
           <a:xfrm>
-            <a:off x="0" y="650875"/>
-            <a:ext cx="12192000" cy="6207125"/>
+            <a:off x="933449" y="792163"/>
+            <a:ext cx="10239375" cy="5768975"/>
           </a:xfrm>
           <a:prstGeom prst="rect">
             <a:avLst/>
@@ -7083,7 +7783,7 @@
     </p:spTree>
     <p:extLst>
       <p:ext uri="{BB962C8B-B14F-4D97-AF65-F5344CB8AC3E}">
-        <p14:creationId xmlns:p14="http://schemas.microsoft.com/office/powerpoint/2010/main" val="1798126384"/>
+        <p14:creationId xmlns:p14="http://schemas.microsoft.com/office/powerpoint/2010/main" val="4239674833"/>
       </p:ext>
     </p:extLst>
   </p:cSld>
@@ -7178,7 +7878,7 @@
             </a:pPr>
             <a:r>
               <a:rPr lang="en-US" altLang="ko-KR" smtClean="0"/>
-              <a:t>Community - CommunityBoardDelete</a:t>
+              <a:t>Workout – Youtub Video List</a:t>
             </a:r>
             <a:endParaRPr lang="ko-KR" altLang="en-US"/>
           </a:p>
@@ -7186,7 +7886,7 @@
       </p:sp>
       <p:pic>
         <p:nvPicPr>
-          <p:cNvPr id="6146" name="Picture 2" descr="C:\Users\DongKyun\Documents\GitHub\KHFinalProject\보고서\클래스\삭제.png"/>
+          <p:cNvPr id="7170" name="Picture 2" descr="C:\Users\DongKyun\Documents\GitHub\KHFinalProject\보고서\클래스\시퀀스 다이어그램_ 준일\맨몸운동 리스트.JPG"/>
           <p:cNvPicPr>
             <a:picLocks noChangeAspect="1" noChangeArrowheads="1"/>
           </p:cNvPicPr>
@@ -7207,8 +7907,8 @@
         </p:blipFill>
         <p:spPr bwMode="auto">
           <a:xfrm>
-            <a:off x="0" y="650874"/>
-            <a:ext cx="12192000" cy="6207126"/>
+            <a:off x="687388" y="1206499"/>
+            <a:ext cx="10790237" cy="5086421"/>
           </a:xfrm>
           <a:prstGeom prst="rect">
             <a:avLst/>
@@ -7228,7 +7928,7 @@
     </p:spTree>
     <p:extLst>
       <p:ext uri="{BB962C8B-B14F-4D97-AF65-F5344CB8AC3E}">
-        <p14:creationId xmlns:p14="http://schemas.microsoft.com/office/powerpoint/2010/main" val="2796669715"/>
+        <p14:creationId xmlns:p14="http://schemas.microsoft.com/office/powerpoint/2010/main" val="531942252"/>
       </p:ext>
     </p:extLst>
   </p:cSld>
@@ -7323,16 +8023,57 @@
             </a:pPr>
             <a:r>
               <a:rPr lang="en-US" altLang="ko-KR" smtClean="0"/>
-              <a:t>Workout</a:t>
+              <a:t>Workout – Video Detail</a:t>
             </a:r>
             <a:endParaRPr lang="ko-KR" altLang="en-US"/>
           </a:p>
         </p:txBody>
       </p:sp>
+      <p:pic>
+        <p:nvPicPr>
+          <p:cNvPr id="7170" name="Picture 2" descr="C:\Users\DongKyun\Documents\GitHub\KHFinalProject\보고서\클래스\시퀀스 다이어그램_ 준일\헬스 영상 보기.JPG"/>
+          <p:cNvPicPr>
+            <a:picLocks noChangeAspect="1" noChangeArrowheads="1"/>
+          </p:cNvPicPr>
+          <p:nvPr/>
+        </p:nvPicPr>
+        <p:blipFill>
+          <a:blip r:embed="rId2">
+            <a:extLst>
+              <a:ext uri="{28A0092B-C50C-407E-A947-70E740481C1C}">
+                <a14:useLocalDpi xmlns:a14="http://schemas.microsoft.com/office/drawing/2010/main" val="0"/>
+              </a:ext>
+            </a:extLst>
+          </a:blip>
+          <a:srcRect/>
+          <a:stretch>
+            <a:fillRect/>
+          </a:stretch>
+        </p:blipFill>
+        <p:spPr bwMode="auto">
+          <a:xfrm>
+            <a:off x="673099" y="1350963"/>
+            <a:ext cx="10814051" cy="4899025"/>
+          </a:xfrm>
+          <a:prstGeom prst="rect">
+            <a:avLst/>
+          </a:prstGeom>
+          <a:noFill/>
+          <a:extLst>
+            <a:ext uri="{909E8E84-426E-40DD-AFC4-6F175D3DCCD1}">
+              <a14:hiddenFill xmlns:a14="http://schemas.microsoft.com/office/drawing/2010/main">
+                <a:solidFill>
+                  <a:srgbClr val="FFFFFF"/>
+                </a:solidFill>
+              </a14:hiddenFill>
+            </a:ext>
+          </a:extLst>
+        </p:spPr>
+      </p:pic>
     </p:spTree>
     <p:extLst>
       <p:ext uri="{BB962C8B-B14F-4D97-AF65-F5344CB8AC3E}">
-        <p14:creationId xmlns:p14="http://schemas.microsoft.com/office/powerpoint/2010/main" val="2648905465"/>
+        <p14:creationId xmlns:p14="http://schemas.microsoft.com/office/powerpoint/2010/main" val="2067571811"/>
       </p:ext>
     </p:extLst>
   </p:cSld>
@@ -7427,16 +8168,210 @@
             </a:pPr>
             <a:r>
               <a:rPr lang="en-US" altLang="ko-KR" smtClean="0"/>
-              <a:t>Admin</a:t>
+              <a:t>Workout – </a:t>
+            </a:r>
+            <a:r>
+              <a:rPr lang="en-US" altLang="ko-KR" smtClean="0"/>
+              <a:t>Admin Video Insert</a:t>
             </a:r>
             <a:endParaRPr lang="ko-KR" altLang="en-US"/>
           </a:p>
         </p:txBody>
       </p:sp>
+      <p:pic>
+        <p:nvPicPr>
+          <p:cNvPr id="10242" name="Picture 2" descr="C:\Users\DongKyun\Documents\GitHub\KHFinalProject\보고서\클래스\시퀀스_미향\관리자 동영상 insert.png"/>
+          <p:cNvPicPr>
+            <a:picLocks noChangeAspect="1" noChangeArrowheads="1"/>
+          </p:cNvPicPr>
+          <p:nvPr/>
+        </p:nvPicPr>
+        <p:blipFill>
+          <a:blip r:embed="rId2">
+            <a:extLst>
+              <a:ext uri="{28A0092B-C50C-407E-A947-70E740481C1C}">
+                <a14:useLocalDpi xmlns:a14="http://schemas.microsoft.com/office/drawing/2010/main" val="0"/>
+              </a:ext>
+            </a:extLst>
+          </a:blip>
+          <a:srcRect/>
+          <a:stretch>
+            <a:fillRect/>
+          </a:stretch>
+        </p:blipFill>
+        <p:spPr bwMode="auto">
+          <a:xfrm>
+            <a:off x="714375" y="1062038"/>
+            <a:ext cx="10363200" cy="5469983"/>
+          </a:xfrm>
+          <a:prstGeom prst="rect">
+            <a:avLst/>
+          </a:prstGeom>
+          <a:noFill/>
+          <a:extLst>
+            <a:ext uri="{909E8E84-426E-40DD-AFC4-6F175D3DCCD1}">
+              <a14:hiddenFill xmlns:a14="http://schemas.microsoft.com/office/drawing/2010/main">
+                <a:solidFill>
+                  <a:srgbClr val="FFFFFF"/>
+                </a:solidFill>
+              </a14:hiddenFill>
+            </a:ext>
+          </a:extLst>
+        </p:spPr>
+      </p:pic>
     </p:spTree>
     <p:extLst>
       <p:ext uri="{BB962C8B-B14F-4D97-AF65-F5344CB8AC3E}">
-        <p14:creationId xmlns:p14="http://schemas.microsoft.com/office/powerpoint/2010/main" val="1019059289"/>
+        <p14:creationId xmlns:p14="http://schemas.microsoft.com/office/powerpoint/2010/main" val="1776465261"/>
+      </p:ext>
+    </p:extLst>
+  </p:cSld>
+  <p:clrMapOvr>
+    <a:masterClrMapping/>
+  </p:clrMapOvr>
+  <p:transition/>
+  <p:timing>
+    <p:tnLst>
+      <p:par>
+        <p:cTn id="1" dur="indefinite" restart="never" nodeType="tmRoot"/>
+      </p:par>
+    </p:tnLst>
+  </p:timing>
+</p:sld>
+</file>
+
+<file path=ppt/slides/slide39.xml><?xml version="1.0" encoding="utf-8"?>
+<p:sld xmlns:a="http://schemas.openxmlformats.org/drawingml/2006/main" xmlns:r="http://schemas.openxmlformats.org/officeDocument/2006/relationships" xmlns:p="http://schemas.openxmlformats.org/presentationml/2006/main">
+  <p:cSld>
+    <p:spTree>
+      <p:nvGrpSpPr>
+        <p:cNvPr id="1" name=""/>
+        <p:cNvGrpSpPr/>
+        <p:nvPr/>
+      </p:nvGrpSpPr>
+      <p:grpSpPr>
+        <a:xfrm>
+          <a:off x="0" y="0"/>
+          <a:ext cx="0" cy="0"/>
+          <a:chOff x="0" y="0"/>
+          <a:chExt cx="0" cy="0"/>
+        </a:xfrm>
+      </p:grpSpPr>
+      <p:sp>
+        <p:nvSpPr>
+          <p:cNvPr id="4" name="제목 3"/>
+          <p:cNvSpPr>
+            <a:spLocks noGrp="1"/>
+          </p:cNvSpPr>
+          <p:nvPr>
+            <p:ph type="title"/>
+          </p:nvPr>
+        </p:nvSpPr>
+        <p:spPr>
+          <a:xfrm>
+            <a:off x="250190" y="0"/>
+            <a:ext cx="3373755" cy="650875"/>
+          </a:xfrm>
+        </p:spPr>
+        <p:txBody>
+          <a:bodyPr anchor="ctr">
+            <a:normAutofit/>
+          </a:bodyPr>
+          <a:lstStyle/>
+          <a:p>
+            <a:pPr lvl="0">
+              <a:defRPr/>
+            </a:pPr>
+            <a:r>
+              <a:rPr lang="ko-KR" altLang="en-US" sz="2800" smtClean="0"/>
+              <a:t>시퀀스 다이어그램</a:t>
+            </a:r>
+            <a:endParaRPr lang="ko-KR" altLang="en-US" sz="2800"/>
+          </a:p>
+        </p:txBody>
+      </p:sp>
+      <p:sp>
+        <p:nvSpPr>
+          <p:cNvPr id="6" name="텍스트 개체 틀 4"/>
+          <p:cNvSpPr>
+            <a:spLocks noGrp="1"/>
+          </p:cNvSpPr>
+          <p:nvPr>
+            <p:ph type="body" sz="half" idx="2"/>
+          </p:nvPr>
+        </p:nvSpPr>
+        <p:spPr>
+          <a:xfrm>
+            <a:off x="3424555" y="0"/>
+            <a:ext cx="3931920" cy="650875"/>
+          </a:xfrm>
+        </p:spPr>
+        <p:txBody>
+          <a:bodyPr anchor="ctr">
+            <a:normAutofit/>
+          </a:bodyPr>
+          <a:lstStyle/>
+          <a:p>
+            <a:pPr lvl="0">
+              <a:defRPr/>
+            </a:pPr>
+            <a:r>
+              <a:rPr lang="en-US" altLang="ko-KR" smtClean="0"/>
+              <a:t>Workout – </a:t>
+            </a:r>
+            <a:r>
+              <a:rPr lang="en-US" altLang="ko-KR" smtClean="0"/>
+              <a:t>Admin Video Update</a:t>
+            </a:r>
+            <a:endParaRPr lang="ko-KR" altLang="en-US"/>
+          </a:p>
+        </p:txBody>
+      </p:sp>
+      <p:pic>
+        <p:nvPicPr>
+          <p:cNvPr id="11266" name="Picture 2" descr="C:\Users\DongKyun\Documents\GitHub\KHFinalProject\보고서\클래스\시퀀스_미향\관리자 동영상 update.png"/>
+          <p:cNvPicPr>
+            <a:picLocks noChangeAspect="1" noChangeArrowheads="1"/>
+          </p:cNvPicPr>
+          <p:nvPr/>
+        </p:nvPicPr>
+        <p:blipFill>
+          <a:blip r:embed="rId2">
+            <a:extLst>
+              <a:ext uri="{28A0092B-C50C-407E-A947-70E740481C1C}">
+                <a14:useLocalDpi xmlns:a14="http://schemas.microsoft.com/office/drawing/2010/main" val="0"/>
+              </a:ext>
+            </a:extLst>
+          </a:blip>
+          <a:srcRect/>
+          <a:stretch>
+            <a:fillRect/>
+          </a:stretch>
+        </p:blipFill>
+        <p:spPr bwMode="auto">
+          <a:xfrm>
+            <a:off x="566738" y="1371600"/>
+            <a:ext cx="10977562" cy="4761410"/>
+          </a:xfrm>
+          <a:prstGeom prst="rect">
+            <a:avLst/>
+          </a:prstGeom>
+          <a:noFill/>
+          <a:extLst>
+            <a:ext uri="{909E8E84-426E-40DD-AFC4-6F175D3DCCD1}">
+              <a14:hiddenFill xmlns:a14="http://schemas.microsoft.com/office/drawing/2010/main">
+                <a:solidFill>
+                  <a:srgbClr val="FFFFFF"/>
+                </a:solidFill>
+              </a14:hiddenFill>
+            </a:ext>
+          </a:extLst>
+        </p:spPr>
+      </p:pic>
+    </p:spTree>
+    <p:extLst>
+      <p:ext uri="{BB962C8B-B14F-4D97-AF65-F5344CB8AC3E}">
+        <p14:creationId xmlns:p14="http://schemas.microsoft.com/office/powerpoint/2010/main" val="1431285520"/>
       </p:ext>
     </p:extLst>
   </p:cSld>
@@ -7546,6 +8481,739 @@
         </p:spPr>
       </p:pic>
     </p:spTree>
+  </p:cSld>
+  <p:clrMapOvr>
+    <a:masterClrMapping/>
+  </p:clrMapOvr>
+  <p:transition/>
+  <p:timing>
+    <p:tnLst>
+      <p:par>
+        <p:cTn id="1" dur="indefinite" restart="never" nodeType="tmRoot"/>
+      </p:par>
+    </p:tnLst>
+  </p:timing>
+</p:sld>
+</file>
+
+<file path=ppt/slides/slide40.xml><?xml version="1.0" encoding="utf-8"?>
+<p:sld xmlns:a="http://schemas.openxmlformats.org/drawingml/2006/main" xmlns:r="http://schemas.openxmlformats.org/officeDocument/2006/relationships" xmlns:p="http://schemas.openxmlformats.org/presentationml/2006/main">
+  <p:cSld>
+    <p:spTree>
+      <p:nvGrpSpPr>
+        <p:cNvPr id="1" name=""/>
+        <p:cNvGrpSpPr/>
+        <p:nvPr/>
+      </p:nvGrpSpPr>
+      <p:grpSpPr>
+        <a:xfrm>
+          <a:off x="0" y="0"/>
+          <a:ext cx="0" cy="0"/>
+          <a:chOff x="0" y="0"/>
+          <a:chExt cx="0" cy="0"/>
+        </a:xfrm>
+      </p:grpSpPr>
+      <p:sp>
+        <p:nvSpPr>
+          <p:cNvPr id="4" name="제목 3"/>
+          <p:cNvSpPr>
+            <a:spLocks noGrp="1"/>
+          </p:cNvSpPr>
+          <p:nvPr>
+            <p:ph type="title"/>
+          </p:nvPr>
+        </p:nvSpPr>
+        <p:spPr>
+          <a:xfrm>
+            <a:off x="250190" y="0"/>
+            <a:ext cx="3373755" cy="650875"/>
+          </a:xfrm>
+        </p:spPr>
+        <p:txBody>
+          <a:bodyPr anchor="ctr">
+            <a:normAutofit/>
+          </a:bodyPr>
+          <a:lstStyle/>
+          <a:p>
+            <a:pPr lvl="0">
+              <a:defRPr/>
+            </a:pPr>
+            <a:r>
+              <a:rPr lang="ko-KR" altLang="en-US" sz="2800" smtClean="0"/>
+              <a:t>시퀀스 다이어그램</a:t>
+            </a:r>
+            <a:endParaRPr lang="ko-KR" altLang="en-US" sz="2800"/>
+          </a:p>
+        </p:txBody>
+      </p:sp>
+      <p:sp>
+        <p:nvSpPr>
+          <p:cNvPr id="6" name="텍스트 개체 틀 4"/>
+          <p:cNvSpPr>
+            <a:spLocks noGrp="1"/>
+          </p:cNvSpPr>
+          <p:nvPr>
+            <p:ph type="body" sz="half" idx="2"/>
+          </p:nvPr>
+        </p:nvSpPr>
+        <p:spPr>
+          <a:xfrm>
+            <a:off x="3424555" y="0"/>
+            <a:ext cx="3931920" cy="650875"/>
+          </a:xfrm>
+        </p:spPr>
+        <p:txBody>
+          <a:bodyPr anchor="ctr">
+            <a:normAutofit/>
+          </a:bodyPr>
+          <a:lstStyle/>
+          <a:p>
+            <a:pPr lvl="0">
+              <a:defRPr/>
+            </a:pPr>
+            <a:r>
+              <a:rPr lang="en-US" altLang="ko-KR" smtClean="0"/>
+              <a:t>Admin - </a:t>
+            </a:r>
+            <a:r>
+              <a:rPr lang="en-US" altLang="ko-KR" smtClean="0"/>
+              <a:t>UserListView</a:t>
+            </a:r>
+            <a:endParaRPr lang="ko-KR" altLang="en-US"/>
+          </a:p>
+        </p:txBody>
+      </p:sp>
+      <p:pic>
+        <p:nvPicPr>
+          <p:cNvPr id="1026" name="Picture 2" descr="C:\Users\DongKyun\Documents\GitHub\KHFinalProject\보고서\클래스\시퀀스_이규연\UserListView.png"/>
+          <p:cNvPicPr>
+            <a:picLocks noChangeAspect="1" noChangeArrowheads="1"/>
+          </p:cNvPicPr>
+          <p:nvPr/>
+        </p:nvPicPr>
+        <p:blipFill>
+          <a:blip r:embed="rId2">
+            <a:extLst>
+              <a:ext uri="{28A0092B-C50C-407E-A947-70E740481C1C}">
+                <a14:useLocalDpi xmlns:a14="http://schemas.microsoft.com/office/drawing/2010/main" val="0"/>
+              </a:ext>
+            </a:extLst>
+          </a:blip>
+          <a:srcRect/>
+          <a:stretch>
+            <a:fillRect/>
+          </a:stretch>
+        </p:blipFill>
+        <p:spPr bwMode="auto">
+          <a:xfrm>
+            <a:off x="733423" y="1343024"/>
+            <a:ext cx="10801351" cy="4988335"/>
+          </a:xfrm>
+          <a:prstGeom prst="rect">
+            <a:avLst/>
+          </a:prstGeom>
+          <a:noFill/>
+          <a:extLst>
+            <a:ext uri="{909E8E84-426E-40DD-AFC4-6F175D3DCCD1}">
+              <a14:hiddenFill xmlns:a14="http://schemas.microsoft.com/office/drawing/2010/main">
+                <a:solidFill>
+                  <a:srgbClr val="FFFFFF"/>
+                </a:solidFill>
+              </a14:hiddenFill>
+            </a:ext>
+          </a:extLst>
+        </p:spPr>
+      </p:pic>
+    </p:spTree>
+    <p:extLst>
+      <p:ext uri="{BB962C8B-B14F-4D97-AF65-F5344CB8AC3E}">
+        <p14:creationId xmlns:p14="http://schemas.microsoft.com/office/powerpoint/2010/main" val="1019059289"/>
+      </p:ext>
+    </p:extLst>
+  </p:cSld>
+  <p:clrMapOvr>
+    <a:masterClrMapping/>
+  </p:clrMapOvr>
+  <p:transition/>
+  <p:timing>
+    <p:tnLst>
+      <p:par>
+        <p:cTn id="1" dur="indefinite" restart="never" nodeType="tmRoot"/>
+      </p:par>
+    </p:tnLst>
+  </p:timing>
+</p:sld>
+</file>
+
+<file path=ppt/slides/slide41.xml><?xml version="1.0" encoding="utf-8"?>
+<p:sld xmlns:a="http://schemas.openxmlformats.org/drawingml/2006/main" xmlns:r="http://schemas.openxmlformats.org/officeDocument/2006/relationships" xmlns:p="http://schemas.openxmlformats.org/presentationml/2006/main">
+  <p:cSld>
+    <p:spTree>
+      <p:nvGrpSpPr>
+        <p:cNvPr id="1" name=""/>
+        <p:cNvGrpSpPr/>
+        <p:nvPr/>
+      </p:nvGrpSpPr>
+      <p:grpSpPr>
+        <a:xfrm>
+          <a:off x="0" y="0"/>
+          <a:ext cx="0" cy="0"/>
+          <a:chOff x="0" y="0"/>
+          <a:chExt cx="0" cy="0"/>
+        </a:xfrm>
+      </p:grpSpPr>
+      <p:sp>
+        <p:nvSpPr>
+          <p:cNvPr id="4" name="제목 3"/>
+          <p:cNvSpPr>
+            <a:spLocks noGrp="1"/>
+          </p:cNvSpPr>
+          <p:nvPr>
+            <p:ph type="title"/>
+          </p:nvPr>
+        </p:nvSpPr>
+        <p:spPr>
+          <a:xfrm>
+            <a:off x="250190" y="0"/>
+            <a:ext cx="3373755" cy="650875"/>
+          </a:xfrm>
+        </p:spPr>
+        <p:txBody>
+          <a:bodyPr anchor="ctr">
+            <a:normAutofit/>
+          </a:bodyPr>
+          <a:lstStyle/>
+          <a:p>
+            <a:pPr lvl="0">
+              <a:defRPr/>
+            </a:pPr>
+            <a:r>
+              <a:rPr lang="ko-KR" altLang="en-US" sz="2800" smtClean="0"/>
+              <a:t>시퀀스 다이어그램</a:t>
+            </a:r>
+            <a:endParaRPr lang="ko-KR" altLang="en-US" sz="2800"/>
+          </a:p>
+        </p:txBody>
+      </p:sp>
+      <p:sp>
+        <p:nvSpPr>
+          <p:cNvPr id="6" name="텍스트 개체 틀 4"/>
+          <p:cNvSpPr>
+            <a:spLocks noGrp="1"/>
+          </p:cNvSpPr>
+          <p:nvPr>
+            <p:ph type="body" sz="half" idx="2"/>
+          </p:nvPr>
+        </p:nvSpPr>
+        <p:spPr>
+          <a:xfrm>
+            <a:off x="3424555" y="0"/>
+            <a:ext cx="3931920" cy="650875"/>
+          </a:xfrm>
+        </p:spPr>
+        <p:txBody>
+          <a:bodyPr anchor="ctr">
+            <a:normAutofit/>
+          </a:bodyPr>
+          <a:lstStyle/>
+          <a:p>
+            <a:pPr lvl="0">
+              <a:defRPr/>
+            </a:pPr>
+            <a:r>
+              <a:rPr lang="en-US" altLang="ko-KR" smtClean="0"/>
+              <a:t>Admin - BuisnessListView</a:t>
+            </a:r>
+            <a:endParaRPr lang="ko-KR" altLang="en-US"/>
+          </a:p>
+        </p:txBody>
+      </p:sp>
+      <p:pic>
+        <p:nvPicPr>
+          <p:cNvPr id="2050" name="Picture 2" descr="C:\Users\DongKyun\Documents\GitHub\KHFinalProject\보고서\클래스\시퀀스_이규연\BuisnessListView.png"/>
+          <p:cNvPicPr>
+            <a:picLocks noChangeAspect="1" noChangeArrowheads="1"/>
+          </p:cNvPicPr>
+          <p:nvPr/>
+        </p:nvPicPr>
+        <p:blipFill>
+          <a:blip r:embed="rId2">
+            <a:extLst>
+              <a:ext uri="{28A0092B-C50C-407E-A947-70E740481C1C}">
+                <a14:useLocalDpi xmlns:a14="http://schemas.microsoft.com/office/drawing/2010/main" val="0"/>
+              </a:ext>
+            </a:extLst>
+          </a:blip>
+          <a:srcRect/>
+          <a:stretch>
+            <a:fillRect/>
+          </a:stretch>
+        </p:blipFill>
+        <p:spPr bwMode="auto">
+          <a:xfrm>
+            <a:off x="828675" y="1476372"/>
+            <a:ext cx="10222872" cy="4562475"/>
+          </a:xfrm>
+          <a:prstGeom prst="rect">
+            <a:avLst/>
+          </a:prstGeom>
+          <a:noFill/>
+          <a:extLst>
+            <a:ext uri="{909E8E84-426E-40DD-AFC4-6F175D3DCCD1}">
+              <a14:hiddenFill xmlns:a14="http://schemas.microsoft.com/office/drawing/2010/main">
+                <a:solidFill>
+                  <a:srgbClr val="FFFFFF"/>
+                </a:solidFill>
+              </a14:hiddenFill>
+            </a:ext>
+          </a:extLst>
+        </p:spPr>
+      </p:pic>
+    </p:spTree>
+    <p:extLst>
+      <p:ext uri="{BB962C8B-B14F-4D97-AF65-F5344CB8AC3E}">
+        <p14:creationId xmlns:p14="http://schemas.microsoft.com/office/powerpoint/2010/main" val="1299748965"/>
+      </p:ext>
+    </p:extLst>
+  </p:cSld>
+  <p:clrMapOvr>
+    <a:masterClrMapping/>
+  </p:clrMapOvr>
+  <p:transition/>
+  <p:timing>
+    <p:tnLst>
+      <p:par>
+        <p:cTn id="1" dur="indefinite" restart="never" nodeType="tmRoot"/>
+      </p:par>
+    </p:tnLst>
+  </p:timing>
+</p:sld>
+</file>
+
+<file path=ppt/slides/slide42.xml><?xml version="1.0" encoding="utf-8"?>
+<p:sld xmlns:a="http://schemas.openxmlformats.org/drawingml/2006/main" xmlns:r="http://schemas.openxmlformats.org/officeDocument/2006/relationships" xmlns:p="http://schemas.openxmlformats.org/presentationml/2006/main">
+  <p:cSld>
+    <p:spTree>
+      <p:nvGrpSpPr>
+        <p:cNvPr id="1" name=""/>
+        <p:cNvGrpSpPr/>
+        <p:nvPr/>
+      </p:nvGrpSpPr>
+      <p:grpSpPr>
+        <a:xfrm>
+          <a:off x="0" y="0"/>
+          <a:ext cx="0" cy="0"/>
+          <a:chOff x="0" y="0"/>
+          <a:chExt cx="0" cy="0"/>
+        </a:xfrm>
+      </p:grpSpPr>
+      <p:sp>
+        <p:nvSpPr>
+          <p:cNvPr id="4" name="제목 3"/>
+          <p:cNvSpPr>
+            <a:spLocks noGrp="1"/>
+          </p:cNvSpPr>
+          <p:nvPr>
+            <p:ph type="title"/>
+          </p:nvPr>
+        </p:nvSpPr>
+        <p:spPr>
+          <a:xfrm>
+            <a:off x="250190" y="0"/>
+            <a:ext cx="3373755" cy="650875"/>
+          </a:xfrm>
+        </p:spPr>
+        <p:txBody>
+          <a:bodyPr anchor="ctr">
+            <a:normAutofit/>
+          </a:bodyPr>
+          <a:lstStyle/>
+          <a:p>
+            <a:pPr lvl="0">
+              <a:defRPr/>
+            </a:pPr>
+            <a:r>
+              <a:rPr lang="ko-KR" altLang="en-US" sz="2800" smtClean="0"/>
+              <a:t>시퀀스 다이어그램</a:t>
+            </a:r>
+            <a:endParaRPr lang="ko-KR" altLang="en-US" sz="2800"/>
+          </a:p>
+        </p:txBody>
+      </p:sp>
+      <p:sp>
+        <p:nvSpPr>
+          <p:cNvPr id="6" name="텍스트 개체 틀 4"/>
+          <p:cNvSpPr>
+            <a:spLocks noGrp="1"/>
+          </p:cNvSpPr>
+          <p:nvPr>
+            <p:ph type="body" sz="half" idx="2"/>
+          </p:nvPr>
+        </p:nvSpPr>
+        <p:spPr>
+          <a:xfrm>
+            <a:off x="3424555" y="0"/>
+            <a:ext cx="3931920" cy="650875"/>
+          </a:xfrm>
+        </p:spPr>
+        <p:txBody>
+          <a:bodyPr anchor="ctr">
+            <a:normAutofit/>
+          </a:bodyPr>
+          <a:lstStyle/>
+          <a:p>
+            <a:pPr lvl="0">
+              <a:defRPr/>
+            </a:pPr>
+            <a:r>
+              <a:rPr lang="en-US" altLang="ko-KR" smtClean="0"/>
+              <a:t>Admin - </a:t>
+            </a:r>
+            <a:r>
+              <a:rPr lang="en-US" altLang="ko-KR" smtClean="0"/>
+              <a:t>HealthVideoList</a:t>
+            </a:r>
+            <a:endParaRPr lang="ko-KR" altLang="en-US"/>
+          </a:p>
+        </p:txBody>
+      </p:sp>
+      <p:pic>
+        <p:nvPicPr>
+          <p:cNvPr id="3074" name="Picture 2" descr="C:\Users\DongKyun\Documents\GitHub\KHFinalProject\보고서\클래스\시퀀스_이규연\HealthVideoList.png"/>
+          <p:cNvPicPr>
+            <a:picLocks noChangeAspect="1" noChangeArrowheads="1"/>
+          </p:cNvPicPr>
+          <p:nvPr/>
+        </p:nvPicPr>
+        <p:blipFill>
+          <a:blip r:embed="rId2">
+            <a:extLst>
+              <a:ext uri="{28A0092B-C50C-407E-A947-70E740481C1C}">
+                <a14:useLocalDpi xmlns:a14="http://schemas.microsoft.com/office/drawing/2010/main" val="0"/>
+              </a:ext>
+            </a:extLst>
+          </a:blip>
+          <a:srcRect/>
+          <a:stretch>
+            <a:fillRect/>
+          </a:stretch>
+        </p:blipFill>
+        <p:spPr bwMode="auto">
+          <a:xfrm>
+            <a:off x="1252537" y="1504949"/>
+            <a:ext cx="9444037" cy="4593069"/>
+          </a:xfrm>
+          <a:prstGeom prst="rect">
+            <a:avLst/>
+          </a:prstGeom>
+          <a:noFill/>
+          <a:extLst>
+            <a:ext uri="{909E8E84-426E-40DD-AFC4-6F175D3DCCD1}">
+              <a14:hiddenFill xmlns:a14="http://schemas.microsoft.com/office/drawing/2010/main">
+                <a:solidFill>
+                  <a:srgbClr val="FFFFFF"/>
+                </a:solidFill>
+              </a14:hiddenFill>
+            </a:ext>
+          </a:extLst>
+        </p:spPr>
+      </p:pic>
+    </p:spTree>
+    <p:extLst>
+      <p:ext uri="{BB962C8B-B14F-4D97-AF65-F5344CB8AC3E}">
+        <p14:creationId xmlns:p14="http://schemas.microsoft.com/office/powerpoint/2010/main" val="3945823549"/>
+      </p:ext>
+    </p:extLst>
+  </p:cSld>
+  <p:clrMapOvr>
+    <a:masterClrMapping/>
+  </p:clrMapOvr>
+  <p:transition/>
+  <p:timing>
+    <p:tnLst>
+      <p:par>
+        <p:cTn id="1" dur="indefinite" restart="never" nodeType="tmRoot"/>
+      </p:par>
+    </p:tnLst>
+  </p:timing>
+</p:sld>
+</file>
+
+<file path=ppt/slides/slide43.xml><?xml version="1.0" encoding="utf-8"?>
+<p:sld xmlns:a="http://schemas.openxmlformats.org/drawingml/2006/main" xmlns:r="http://schemas.openxmlformats.org/officeDocument/2006/relationships" xmlns:p="http://schemas.openxmlformats.org/presentationml/2006/main">
+  <p:cSld>
+    <p:spTree>
+      <p:nvGrpSpPr>
+        <p:cNvPr id="1" name=""/>
+        <p:cNvGrpSpPr/>
+        <p:nvPr/>
+      </p:nvGrpSpPr>
+      <p:grpSpPr>
+        <a:xfrm>
+          <a:off x="0" y="0"/>
+          <a:ext cx="0" cy="0"/>
+          <a:chOff x="0" y="0"/>
+          <a:chExt cx="0" cy="0"/>
+        </a:xfrm>
+      </p:grpSpPr>
+      <p:sp>
+        <p:nvSpPr>
+          <p:cNvPr id="4" name="제목 3"/>
+          <p:cNvSpPr>
+            <a:spLocks noGrp="1"/>
+          </p:cNvSpPr>
+          <p:nvPr>
+            <p:ph type="title"/>
+          </p:nvPr>
+        </p:nvSpPr>
+        <p:spPr>
+          <a:xfrm>
+            <a:off x="250190" y="0"/>
+            <a:ext cx="3373755" cy="650875"/>
+          </a:xfrm>
+        </p:spPr>
+        <p:txBody>
+          <a:bodyPr anchor="ctr">
+            <a:normAutofit/>
+          </a:bodyPr>
+          <a:lstStyle/>
+          <a:p>
+            <a:pPr lvl="0">
+              <a:defRPr/>
+            </a:pPr>
+            <a:r>
+              <a:rPr lang="ko-KR" altLang="en-US" sz="2800" smtClean="0"/>
+              <a:t>시퀀스 다이어그램</a:t>
+            </a:r>
+            <a:endParaRPr lang="ko-KR" altLang="en-US" sz="2800"/>
+          </a:p>
+        </p:txBody>
+      </p:sp>
+      <p:sp>
+        <p:nvSpPr>
+          <p:cNvPr id="6" name="텍스트 개체 틀 4"/>
+          <p:cNvSpPr>
+            <a:spLocks noGrp="1"/>
+          </p:cNvSpPr>
+          <p:nvPr>
+            <p:ph type="body" sz="half" idx="2"/>
+          </p:nvPr>
+        </p:nvSpPr>
+        <p:spPr>
+          <a:xfrm>
+            <a:off x="3424555" y="0"/>
+            <a:ext cx="3931920" cy="650875"/>
+          </a:xfrm>
+        </p:spPr>
+        <p:txBody>
+          <a:bodyPr anchor="ctr">
+            <a:normAutofit/>
+          </a:bodyPr>
+          <a:lstStyle/>
+          <a:p>
+            <a:pPr lvl="0">
+              <a:defRPr/>
+            </a:pPr>
+            <a:r>
+              <a:rPr lang="en-US" altLang="ko-KR" smtClean="0"/>
+              <a:t>Admin - YogaVideoList</a:t>
+            </a:r>
+            <a:endParaRPr lang="ko-KR" altLang="en-US"/>
+          </a:p>
+        </p:txBody>
+      </p:sp>
+      <p:pic>
+        <p:nvPicPr>
+          <p:cNvPr id="4098" name="Picture 2" descr="C:\Users\DongKyun\Documents\GitHub\KHFinalProject\보고서\클래스\시퀀스_이규연\YogaVideoList.png"/>
+          <p:cNvPicPr>
+            <a:picLocks noChangeAspect="1" noChangeArrowheads="1"/>
+          </p:cNvPicPr>
+          <p:nvPr/>
+        </p:nvPicPr>
+        <p:blipFill>
+          <a:blip r:embed="rId2">
+            <a:extLst>
+              <a:ext uri="{28A0092B-C50C-407E-A947-70E740481C1C}">
+                <a14:useLocalDpi xmlns:a14="http://schemas.microsoft.com/office/drawing/2010/main" val="0"/>
+              </a:ext>
+            </a:extLst>
+          </a:blip>
+          <a:srcRect/>
+          <a:stretch>
+            <a:fillRect/>
+          </a:stretch>
+        </p:blipFill>
+        <p:spPr bwMode="auto">
+          <a:xfrm>
+            <a:off x="700087" y="1295399"/>
+            <a:ext cx="10644187" cy="4938395"/>
+          </a:xfrm>
+          <a:prstGeom prst="rect">
+            <a:avLst/>
+          </a:prstGeom>
+          <a:noFill/>
+          <a:extLst>
+            <a:ext uri="{909E8E84-426E-40DD-AFC4-6F175D3DCCD1}">
+              <a14:hiddenFill xmlns:a14="http://schemas.microsoft.com/office/drawing/2010/main">
+                <a:solidFill>
+                  <a:srgbClr val="FFFFFF"/>
+                </a:solidFill>
+              </a14:hiddenFill>
+            </a:ext>
+          </a:extLst>
+        </p:spPr>
+      </p:pic>
+    </p:spTree>
+    <p:extLst>
+      <p:ext uri="{BB962C8B-B14F-4D97-AF65-F5344CB8AC3E}">
+        <p14:creationId xmlns:p14="http://schemas.microsoft.com/office/powerpoint/2010/main" val="174411336"/>
+      </p:ext>
+    </p:extLst>
+  </p:cSld>
+  <p:clrMapOvr>
+    <a:masterClrMapping/>
+  </p:clrMapOvr>
+  <p:transition/>
+  <p:timing>
+    <p:tnLst>
+      <p:par>
+        <p:cTn id="1" dur="indefinite" restart="never" nodeType="tmRoot"/>
+      </p:par>
+    </p:tnLst>
+  </p:timing>
+</p:sld>
+</file>
+
+<file path=ppt/slides/slide44.xml><?xml version="1.0" encoding="utf-8"?>
+<p:sld xmlns:a="http://schemas.openxmlformats.org/drawingml/2006/main" xmlns:r="http://schemas.openxmlformats.org/officeDocument/2006/relationships" xmlns:p="http://schemas.openxmlformats.org/presentationml/2006/main">
+  <p:cSld>
+    <p:spTree>
+      <p:nvGrpSpPr>
+        <p:cNvPr id="1" name=""/>
+        <p:cNvGrpSpPr/>
+        <p:nvPr/>
+      </p:nvGrpSpPr>
+      <p:grpSpPr>
+        <a:xfrm>
+          <a:off x="0" y="0"/>
+          <a:ext cx="0" cy="0"/>
+          <a:chOff x="0" y="0"/>
+          <a:chExt cx="0" cy="0"/>
+        </a:xfrm>
+      </p:grpSpPr>
+      <p:sp>
+        <p:nvSpPr>
+          <p:cNvPr id="4" name="제목 3"/>
+          <p:cNvSpPr>
+            <a:spLocks noGrp="1"/>
+          </p:cNvSpPr>
+          <p:nvPr>
+            <p:ph type="title"/>
+          </p:nvPr>
+        </p:nvSpPr>
+        <p:spPr>
+          <a:xfrm>
+            <a:off x="250190" y="0"/>
+            <a:ext cx="3373755" cy="650875"/>
+          </a:xfrm>
+        </p:spPr>
+        <p:txBody>
+          <a:bodyPr anchor="ctr">
+            <a:normAutofit/>
+          </a:bodyPr>
+          <a:lstStyle/>
+          <a:p>
+            <a:pPr lvl="0">
+              <a:defRPr/>
+            </a:pPr>
+            <a:r>
+              <a:rPr lang="ko-KR" altLang="en-US" sz="2800" smtClean="0"/>
+              <a:t>시퀀스 다이어그램</a:t>
+            </a:r>
+            <a:endParaRPr lang="ko-KR" altLang="en-US" sz="2800"/>
+          </a:p>
+        </p:txBody>
+      </p:sp>
+      <p:sp>
+        <p:nvSpPr>
+          <p:cNvPr id="6" name="텍스트 개체 틀 4"/>
+          <p:cNvSpPr>
+            <a:spLocks noGrp="1"/>
+          </p:cNvSpPr>
+          <p:nvPr>
+            <p:ph type="body" sz="half" idx="2"/>
+          </p:nvPr>
+        </p:nvSpPr>
+        <p:spPr>
+          <a:xfrm>
+            <a:off x="3424555" y="0"/>
+            <a:ext cx="3931920" cy="650875"/>
+          </a:xfrm>
+        </p:spPr>
+        <p:txBody>
+          <a:bodyPr anchor="ctr">
+            <a:normAutofit/>
+          </a:bodyPr>
+          <a:lstStyle/>
+          <a:p>
+            <a:pPr lvl="0">
+              <a:defRPr/>
+            </a:pPr>
+            <a:r>
+              <a:rPr lang="en-US" altLang="ko-KR" smtClean="0"/>
+              <a:t>Admin - ApprovalStateListView</a:t>
+            </a:r>
+            <a:endParaRPr lang="ko-KR" altLang="en-US"/>
+          </a:p>
+        </p:txBody>
+      </p:sp>
+      <p:pic>
+        <p:nvPicPr>
+          <p:cNvPr id="5122" name="Picture 2" descr="C:\Users\DongKyun\Documents\GitHub\KHFinalProject\보고서\클래스\시퀀스_이규연\ApprovalStateListView.png"/>
+          <p:cNvPicPr>
+            <a:picLocks noChangeAspect="1" noChangeArrowheads="1"/>
+          </p:cNvPicPr>
+          <p:nvPr/>
+        </p:nvPicPr>
+        <p:blipFill>
+          <a:blip r:embed="rId2">
+            <a:extLst>
+              <a:ext uri="{28A0092B-C50C-407E-A947-70E740481C1C}">
+                <a14:useLocalDpi xmlns:a14="http://schemas.microsoft.com/office/drawing/2010/main" val="0"/>
+              </a:ext>
+            </a:extLst>
+          </a:blip>
+          <a:srcRect/>
+          <a:stretch>
+            <a:fillRect/>
+          </a:stretch>
+        </p:blipFill>
+        <p:spPr bwMode="auto">
+          <a:xfrm>
+            <a:off x="857250" y="1552574"/>
+            <a:ext cx="10477500" cy="4535399"/>
+          </a:xfrm>
+          <a:prstGeom prst="rect">
+            <a:avLst/>
+          </a:prstGeom>
+          <a:noFill/>
+          <a:extLst>
+            <a:ext uri="{909E8E84-426E-40DD-AFC4-6F175D3DCCD1}">
+              <a14:hiddenFill xmlns:a14="http://schemas.microsoft.com/office/drawing/2010/main">
+                <a:solidFill>
+                  <a:srgbClr val="FFFFFF"/>
+                </a:solidFill>
+              </a14:hiddenFill>
+            </a:ext>
+          </a:extLst>
+        </p:spPr>
+      </p:pic>
+    </p:spTree>
+    <p:extLst>
+      <p:ext uri="{BB962C8B-B14F-4D97-AF65-F5344CB8AC3E}">
+        <p14:creationId xmlns:p14="http://schemas.microsoft.com/office/powerpoint/2010/main" val="2223051877"/>
+      </p:ext>
+    </p:extLst>
   </p:cSld>
   <p:clrMapOvr>
     <a:masterClrMapping/>

--- a/보고서/클래스설계서_Final_Project.pptx
+++ b/보고서/클래스설계서_Final_Project.pptx
@@ -18,48 +18,42 @@
     <p:sldId id="310" r:id="rId12"/>
     <p:sldId id="303" r:id="rId13"/>
     <p:sldId id="305" r:id="rId14"/>
-    <p:sldId id="336" r:id="rId15"/>
-    <p:sldId id="337" r:id="rId16"/>
-    <p:sldId id="318" r:id="rId17"/>
-    <p:sldId id="319" r:id="rId18"/>
-    <p:sldId id="320" r:id="rId19"/>
-    <p:sldId id="321" r:id="rId20"/>
-    <p:sldId id="322" r:id="rId21"/>
-    <p:sldId id="323" r:id="rId22"/>
-    <p:sldId id="324" r:id="rId23"/>
-    <p:sldId id="311" r:id="rId24"/>
-    <p:sldId id="340" r:id="rId25"/>
-    <p:sldId id="341" r:id="rId26"/>
-    <p:sldId id="342" r:id="rId27"/>
-    <p:sldId id="325" r:id="rId28"/>
-    <p:sldId id="326" r:id="rId29"/>
-    <p:sldId id="327" r:id="rId30"/>
-    <p:sldId id="328" r:id="rId31"/>
-    <p:sldId id="312" r:id="rId32"/>
-    <p:sldId id="315" r:id="rId33"/>
-    <p:sldId id="316" r:id="rId34"/>
-    <p:sldId id="317" r:id="rId35"/>
-    <p:sldId id="329" r:id="rId36"/>
-    <p:sldId id="330" r:id="rId37"/>
-    <p:sldId id="331" r:id="rId38"/>
-    <p:sldId id="338" r:id="rId39"/>
-    <p:sldId id="339" r:id="rId40"/>
-    <p:sldId id="314" r:id="rId41"/>
-    <p:sldId id="332" r:id="rId42"/>
-    <p:sldId id="333" r:id="rId43"/>
-    <p:sldId id="334" r:id="rId44"/>
-    <p:sldId id="335" r:id="rId45"/>
+    <p:sldId id="318" r:id="rId15"/>
+    <p:sldId id="319" r:id="rId16"/>
+    <p:sldId id="320" r:id="rId17"/>
+    <p:sldId id="321" r:id="rId18"/>
+    <p:sldId id="322" r:id="rId19"/>
+    <p:sldId id="323" r:id="rId20"/>
+    <p:sldId id="324" r:id="rId21"/>
+    <p:sldId id="311" r:id="rId22"/>
+    <p:sldId id="325" r:id="rId23"/>
+    <p:sldId id="326" r:id="rId24"/>
+    <p:sldId id="327" r:id="rId25"/>
+    <p:sldId id="328" r:id="rId26"/>
+    <p:sldId id="329" r:id="rId27"/>
+    <p:sldId id="330" r:id="rId28"/>
+    <p:sldId id="331" r:id="rId29"/>
+    <p:sldId id="332" r:id="rId30"/>
+    <p:sldId id="333" r:id="rId31"/>
+    <p:sldId id="334" r:id="rId32"/>
+    <p:sldId id="335" r:id="rId33"/>
+    <p:sldId id="312" r:id="rId34"/>
+    <p:sldId id="315" r:id="rId35"/>
+    <p:sldId id="316" r:id="rId36"/>
+    <p:sldId id="317" r:id="rId37"/>
+    <p:sldId id="313" r:id="rId38"/>
+    <p:sldId id="314" r:id="rId39"/>
   </p:sldIdLst>
   <p:sldSz cx="12192000" cy="6858000"/>
   <p:notesSz cx="6858000" cy="9144000"/>
   <p:embeddedFontLst>
     <p:embeddedFont>
       <p:font typeface="THE정고딕150" pitchFamily="18" charset="-127"/>
-      <p:regular r:id="rId46"/>
+      <p:regular r:id="rId40"/>
     </p:embeddedFont>
     <p:embeddedFont>
       <p:font typeface="THE정고딕130" pitchFamily="18" charset="-127"/>
-      <p:regular r:id="rId47"/>
+      <p:regular r:id="rId41"/>
     </p:embeddedFont>
   </p:embeddedFontLst>
   <p:defaultTextStyle>
@@ -3630,76 +3624,12 @@
             </a:pPr>
             <a:r>
               <a:rPr lang="en-US" altLang="ko-KR" smtClean="0"/>
-              <a:t>User – User Login</a:t>
+              <a:t>User</a:t>
             </a:r>
             <a:endParaRPr lang="ko-KR" altLang="en-US"/>
           </a:p>
         </p:txBody>
       </p:sp>
-      <p:pic>
-        <p:nvPicPr>
-          <p:cNvPr id="6146" name="Picture 2"/>
-          <p:cNvPicPr>
-            <a:picLocks noChangeAspect="1" noChangeArrowheads="1"/>
-          </p:cNvPicPr>
-          <p:nvPr/>
-        </p:nvPicPr>
-        <p:blipFill>
-          <a:blip r:embed="rId2">
-            <a:extLst>
-              <a:ext uri="{28A0092B-C50C-407E-A947-70E740481C1C}">
-                <a14:useLocalDpi xmlns:a14="http://schemas.microsoft.com/office/drawing/2010/main" val="0"/>
-              </a:ext>
-            </a:extLst>
-          </a:blip>
-          <a:srcRect/>
-          <a:stretch>
-            <a:fillRect/>
-          </a:stretch>
-        </p:blipFill>
-        <p:spPr bwMode="auto">
-          <a:xfrm>
-            <a:off x="700087" y="1257298"/>
-            <a:ext cx="10815638" cy="5045117"/>
-          </a:xfrm>
-          <a:prstGeom prst="rect">
-            <a:avLst/>
-          </a:prstGeom>
-          <a:noFill/>
-          <a:ln>
-            <a:noFill/>
-          </a:ln>
-          <a:effectLst/>
-          <a:extLst>
-            <a:ext uri="{909E8E84-426E-40DD-AFC4-6F175D3DCCD1}">
-              <a14:hiddenFill xmlns:a14="http://schemas.microsoft.com/office/drawing/2010/main">
-                <a:solidFill>
-                  <a:schemeClr val="accent1"/>
-                </a:solidFill>
-              </a14:hiddenFill>
-            </a:ext>
-            <a:ext uri="{91240B29-F687-4F45-9708-019B960494DF}">
-              <a14:hiddenLine xmlns:a14="http://schemas.microsoft.com/office/drawing/2010/main" w="9525">
-                <a:solidFill>
-                  <a:schemeClr val="tx1"/>
-                </a:solidFill>
-                <a:miter lim="800000"/>
-                <a:headEnd/>
-                <a:tailEnd/>
-              </a14:hiddenLine>
-            </a:ext>
-            <a:ext uri="{AF507438-7753-43E0-B8FC-AC1667EBCBE1}">
-              <a14:hiddenEffects xmlns:a14="http://schemas.microsoft.com/office/drawing/2010/main">
-                <a:effectLst>
-                  <a:outerShdw dist="35921" dir="2700000" algn="ctr" rotWithShape="0">
-                    <a:schemeClr val="bg2"/>
-                  </a:outerShdw>
-                </a:effectLst>
-              </a14:hiddenEffects>
-            </a:ext>
-          </a:extLst>
-        </p:spPr>
-      </p:pic>
     </p:spTree>
     <p:extLst>
       <p:ext uri="{BB962C8B-B14F-4D97-AF65-F5344CB8AC3E}">
@@ -3798,7 +3728,7 @@
             </a:pPr>
             <a:r>
               <a:rPr lang="en-US" altLang="ko-KR" smtClean="0"/>
-              <a:t>User – User Register</a:t>
+              <a:t>User – MyPage Main View</a:t>
             </a:r>
             <a:endParaRPr lang="ko-KR" altLang="en-US"/>
           </a:p>
@@ -3806,7 +3736,7 @@
       </p:sp>
       <p:pic>
         <p:nvPicPr>
-          <p:cNvPr id="8194" name="Picture 2"/>
+          <p:cNvPr id="7170" name="Picture 2" descr="C:\Users\DongKyun\Documents\GitHub\KHFinalProject\보고서\클래스\시퀀스_지선\MyPage Main View.png"/>
           <p:cNvPicPr>
             <a:picLocks noChangeAspect="1" noChangeArrowheads="1"/>
           </p:cNvPicPr>
@@ -3827,43 +3757,20 @@
         </p:blipFill>
         <p:spPr bwMode="auto">
           <a:xfrm>
-            <a:off x="566738" y="1090612"/>
-            <a:ext cx="11034712" cy="5148263"/>
+            <a:off x="0" y="641350"/>
+            <a:ext cx="12194988" cy="6216650"/>
           </a:xfrm>
           <a:prstGeom prst="rect">
             <a:avLst/>
           </a:prstGeom>
           <a:noFill/>
-          <a:ln>
-            <a:noFill/>
-          </a:ln>
-          <a:effectLst/>
           <a:extLst>
             <a:ext uri="{909E8E84-426E-40DD-AFC4-6F175D3DCCD1}">
               <a14:hiddenFill xmlns:a14="http://schemas.microsoft.com/office/drawing/2010/main">
                 <a:solidFill>
-                  <a:schemeClr val="accent1"/>
+                  <a:srgbClr val="FFFFFF"/>
                 </a:solidFill>
               </a14:hiddenFill>
-            </a:ext>
-            <a:ext uri="{91240B29-F687-4F45-9708-019B960494DF}">
-              <a14:hiddenLine xmlns:a14="http://schemas.microsoft.com/office/drawing/2010/main" w="9525">
-                <a:solidFill>
-                  <a:schemeClr val="tx1"/>
-                </a:solidFill>
-                <a:miter lim="800000"/>
-                <a:headEnd/>
-                <a:tailEnd/>
-              </a14:hiddenLine>
-            </a:ext>
-            <a:ext uri="{AF507438-7753-43E0-B8FC-AC1667EBCBE1}">
-              <a14:hiddenEffects xmlns:a14="http://schemas.microsoft.com/office/drawing/2010/main">
-                <a:effectLst>
-                  <a:outerShdw dist="35921" dir="2700000" algn="ctr" rotWithShape="0">
-                    <a:schemeClr val="bg2"/>
-                  </a:outerShdw>
-                </a:effectLst>
-              </a14:hiddenEffects>
             </a:ext>
           </a:extLst>
         </p:spPr>
@@ -3871,7 +3778,7 @@
     </p:spTree>
     <p:extLst>
       <p:ext uri="{BB962C8B-B14F-4D97-AF65-F5344CB8AC3E}">
-        <p14:creationId xmlns:p14="http://schemas.microsoft.com/office/powerpoint/2010/main" val="12100701"/>
+        <p14:creationId xmlns:p14="http://schemas.microsoft.com/office/powerpoint/2010/main" val="2436643994"/>
       </p:ext>
     </p:extLst>
   </p:cSld>
@@ -3966,7 +3873,7 @@
             </a:pPr>
             <a:r>
               <a:rPr lang="en-US" altLang="ko-KR" smtClean="0"/>
-              <a:t>User – find ID or PWD</a:t>
+              <a:t>User – MyPage Board List</a:t>
             </a:r>
             <a:endParaRPr lang="ko-KR" altLang="en-US"/>
           </a:p>
@@ -3974,7 +3881,7 @@
       </p:sp>
       <p:pic>
         <p:nvPicPr>
-          <p:cNvPr id="9218" name="Picture 2"/>
+          <p:cNvPr id="8194" name="Picture 2" descr="C:\Users\DongKyun\Documents\GitHub\KHFinalProject\보고서\클래스\시퀀스_지선\MyPage Board List.png"/>
           <p:cNvPicPr>
             <a:picLocks noChangeAspect="1" noChangeArrowheads="1"/>
           </p:cNvPicPr>
@@ -3995,43 +3902,20 @@
         </p:blipFill>
         <p:spPr bwMode="auto">
           <a:xfrm>
-            <a:off x="595312" y="1066800"/>
-            <a:ext cx="11001375" cy="5353050"/>
+            <a:off x="0" y="650874"/>
+            <a:ext cx="12192000" cy="6207125"/>
           </a:xfrm>
           <a:prstGeom prst="rect">
             <a:avLst/>
           </a:prstGeom>
           <a:noFill/>
-          <a:ln>
-            <a:noFill/>
-          </a:ln>
-          <a:effectLst/>
           <a:extLst>
             <a:ext uri="{909E8E84-426E-40DD-AFC4-6F175D3DCCD1}">
               <a14:hiddenFill xmlns:a14="http://schemas.microsoft.com/office/drawing/2010/main">
                 <a:solidFill>
-                  <a:schemeClr val="accent1"/>
+                  <a:srgbClr val="FFFFFF"/>
                 </a:solidFill>
               </a14:hiddenFill>
-            </a:ext>
-            <a:ext uri="{91240B29-F687-4F45-9708-019B960494DF}">
-              <a14:hiddenLine xmlns:a14="http://schemas.microsoft.com/office/drawing/2010/main" w="9525">
-                <a:solidFill>
-                  <a:schemeClr val="tx1"/>
-                </a:solidFill>
-                <a:miter lim="800000"/>
-                <a:headEnd/>
-                <a:tailEnd/>
-              </a14:hiddenLine>
-            </a:ext>
-            <a:ext uri="{AF507438-7753-43E0-B8FC-AC1667EBCBE1}">
-              <a14:hiddenEffects xmlns:a14="http://schemas.microsoft.com/office/drawing/2010/main">
-                <a:effectLst>
-                  <a:outerShdw dist="35921" dir="2700000" algn="ctr" rotWithShape="0">
-                    <a:schemeClr val="bg2"/>
-                  </a:outerShdw>
-                </a:effectLst>
-              </a14:hiddenEffects>
             </a:ext>
           </a:extLst>
         </p:spPr>
@@ -4039,7 +3923,7 @@
     </p:spTree>
     <p:extLst>
       <p:ext uri="{BB962C8B-B14F-4D97-AF65-F5344CB8AC3E}">
-        <p14:creationId xmlns:p14="http://schemas.microsoft.com/office/powerpoint/2010/main" val="248867750"/>
+        <p14:creationId xmlns:p14="http://schemas.microsoft.com/office/powerpoint/2010/main" val="2649322468"/>
       </p:ext>
     </p:extLst>
   </p:cSld>
@@ -4134,7 +4018,7 @@
             </a:pPr>
             <a:r>
               <a:rPr lang="en-US" altLang="ko-KR" smtClean="0"/>
-              <a:t>User – MyPage Main View</a:t>
+              <a:t>User – QnA Insert</a:t>
             </a:r>
             <a:endParaRPr lang="ko-KR" altLang="en-US"/>
           </a:p>
@@ -4142,7 +4026,7 @@
       </p:sp>
       <p:pic>
         <p:nvPicPr>
-          <p:cNvPr id="7170" name="Picture 2" descr="C:\Users\DongKyun\Documents\GitHub\KHFinalProject\보고서\클래스\시퀀스_지선\MyPage Main View.png"/>
+          <p:cNvPr id="9218" name="Picture 2" descr="C:\Users\DongKyun\Documents\GitHub\KHFinalProject\보고서\클래스\시퀀스_지선\QnA Insert.png"/>
           <p:cNvPicPr>
             <a:picLocks noChangeAspect="1" noChangeArrowheads="1"/>
           </p:cNvPicPr>
@@ -4163,8 +4047,8 @@
         </p:blipFill>
         <p:spPr bwMode="auto">
           <a:xfrm>
-            <a:off x="0" y="641350"/>
-            <a:ext cx="12194988" cy="6216650"/>
+            <a:off x="28892" y="650874"/>
+            <a:ext cx="12163108" cy="6207126"/>
           </a:xfrm>
           <a:prstGeom prst="rect">
             <a:avLst/>
@@ -4184,7 +4068,7 @@
     </p:spTree>
     <p:extLst>
       <p:ext uri="{BB962C8B-B14F-4D97-AF65-F5344CB8AC3E}">
-        <p14:creationId xmlns:p14="http://schemas.microsoft.com/office/powerpoint/2010/main" val="2436643994"/>
+        <p14:creationId xmlns:p14="http://schemas.microsoft.com/office/powerpoint/2010/main" val="993955059"/>
       </p:ext>
     </p:extLst>
   </p:cSld>
@@ -4279,7 +4163,7 @@
             </a:pPr>
             <a:r>
               <a:rPr lang="en-US" altLang="ko-KR" smtClean="0"/>
-              <a:t>User – MyPage Board List</a:t>
+              <a:t>User – UserPassword Update</a:t>
             </a:r>
             <a:endParaRPr lang="ko-KR" altLang="en-US"/>
           </a:p>
@@ -4287,7 +4171,7 @@
       </p:sp>
       <p:pic>
         <p:nvPicPr>
-          <p:cNvPr id="8194" name="Picture 2" descr="C:\Users\DongKyun\Documents\GitHub\KHFinalProject\보고서\클래스\시퀀스_지선\MyPage Board List.png"/>
+          <p:cNvPr id="10242" name="Picture 2" descr="C:\Users\DongKyun\Documents\GitHub\KHFinalProject\보고서\클래스\시퀀스_지선\User Password Update.png"/>
           <p:cNvPicPr>
             <a:picLocks noChangeAspect="1" noChangeArrowheads="1"/>
           </p:cNvPicPr>
@@ -4308,7 +4192,7 @@
         </p:blipFill>
         <p:spPr bwMode="auto">
           <a:xfrm>
-            <a:off x="0" y="650874"/>
+            <a:off x="0" y="650875"/>
             <a:ext cx="12192000" cy="6207125"/>
           </a:xfrm>
           <a:prstGeom prst="rect">
@@ -4329,7 +4213,7 @@
     </p:spTree>
     <p:extLst>
       <p:ext uri="{BB962C8B-B14F-4D97-AF65-F5344CB8AC3E}">
-        <p14:creationId xmlns:p14="http://schemas.microsoft.com/office/powerpoint/2010/main" val="2649322468"/>
+        <p14:creationId xmlns:p14="http://schemas.microsoft.com/office/powerpoint/2010/main" val="3539437713"/>
       </p:ext>
     </p:extLst>
   </p:cSld>
@@ -4424,7 +4308,7 @@
             </a:pPr>
             <a:r>
               <a:rPr lang="en-US" altLang="ko-KR" smtClean="0"/>
-              <a:t>User – QnA Insert</a:t>
+              <a:t>User - UserDelete</a:t>
             </a:r>
             <a:endParaRPr lang="ko-KR" altLang="en-US"/>
           </a:p>
@@ -4432,7 +4316,7 @@
       </p:sp>
       <p:pic>
         <p:nvPicPr>
-          <p:cNvPr id="9218" name="Picture 2" descr="C:\Users\DongKyun\Documents\GitHub\KHFinalProject\보고서\클래스\시퀀스_지선\QnA Insert.png"/>
+          <p:cNvPr id="11266" name="Picture 2" descr="C:\Users\DongKyun\Documents\GitHub\KHFinalProject\보고서\클래스\시퀀스_지선\User Delete.png"/>
           <p:cNvPicPr>
             <a:picLocks noChangeAspect="1" noChangeArrowheads="1"/>
           </p:cNvPicPr>
@@ -4453,8 +4337,8 @@
         </p:blipFill>
         <p:spPr bwMode="auto">
           <a:xfrm>
-            <a:off x="28892" y="650874"/>
-            <a:ext cx="12163108" cy="6207126"/>
+            <a:off x="0" y="650874"/>
+            <a:ext cx="12192000" cy="6207125"/>
           </a:xfrm>
           <a:prstGeom prst="rect">
             <a:avLst/>
@@ -4474,7 +4358,7 @@
     </p:spTree>
     <p:extLst>
       <p:ext uri="{BB962C8B-B14F-4D97-AF65-F5344CB8AC3E}">
-        <p14:creationId xmlns:p14="http://schemas.microsoft.com/office/powerpoint/2010/main" val="993955059"/>
+        <p14:creationId xmlns:p14="http://schemas.microsoft.com/office/powerpoint/2010/main" val="3595958162"/>
       </p:ext>
     </p:extLst>
   </p:cSld>
@@ -4569,7 +4453,7 @@
             </a:pPr>
             <a:r>
               <a:rPr lang="en-US" altLang="ko-KR" smtClean="0"/>
-              <a:t>User – UserPassword Update</a:t>
+              <a:t>User – User Schedule View</a:t>
             </a:r>
             <a:endParaRPr lang="ko-KR" altLang="en-US"/>
           </a:p>
@@ -4577,7 +4461,7 @@
       </p:sp>
       <p:pic>
         <p:nvPicPr>
-          <p:cNvPr id="10242" name="Picture 2" descr="C:\Users\DongKyun\Documents\GitHub\KHFinalProject\보고서\클래스\시퀀스_지선\User Password Update.png"/>
+          <p:cNvPr id="12290" name="Picture 2" descr="C:\Users\DongKyun\Documents\GitHub\KHFinalProject\보고서\클래스\시퀀스_지선\User Schedule View.png"/>
           <p:cNvPicPr>
             <a:picLocks noChangeAspect="1" noChangeArrowheads="1"/>
           </p:cNvPicPr>
@@ -4598,8 +4482,8 @@
         </p:blipFill>
         <p:spPr bwMode="auto">
           <a:xfrm>
-            <a:off x="0" y="650875"/>
-            <a:ext cx="12192000" cy="6207125"/>
+            <a:off x="0" y="650874"/>
+            <a:ext cx="12215746" cy="6207126"/>
           </a:xfrm>
           <a:prstGeom prst="rect">
             <a:avLst/>
@@ -4619,7 +4503,7 @@
     </p:spTree>
     <p:extLst>
       <p:ext uri="{BB962C8B-B14F-4D97-AF65-F5344CB8AC3E}">
-        <p14:creationId xmlns:p14="http://schemas.microsoft.com/office/powerpoint/2010/main" val="3539437713"/>
+        <p14:creationId xmlns:p14="http://schemas.microsoft.com/office/powerpoint/2010/main" val="991108436"/>
       </p:ext>
     </p:extLst>
   </p:cSld>
@@ -5282,7 +5166,7 @@
             </a:pPr>
             <a:r>
               <a:rPr lang="en-US" altLang="ko-KR" smtClean="0"/>
-              <a:t>User - UserDelete</a:t>
+              <a:t>User – User Update</a:t>
             </a:r>
             <a:endParaRPr lang="ko-KR" altLang="en-US"/>
           </a:p>
@@ -5290,7 +5174,7 @@
       </p:sp>
       <p:pic>
         <p:nvPicPr>
-          <p:cNvPr id="11266" name="Picture 2" descr="C:\Users\DongKyun\Documents\GitHub\KHFinalProject\보고서\클래스\시퀀스_지선\User Delete.png"/>
+          <p:cNvPr id="13314" name="Picture 2" descr="C:\Users\DongKyun\Documents\GitHub\KHFinalProject\보고서\클래스\시퀀스_지선\User Update.png"/>
           <p:cNvPicPr>
             <a:picLocks noChangeAspect="1" noChangeArrowheads="1"/>
           </p:cNvPicPr>
@@ -5332,7 +5216,7 @@
     </p:spTree>
     <p:extLst>
       <p:ext uri="{BB962C8B-B14F-4D97-AF65-F5344CB8AC3E}">
-        <p14:creationId xmlns:p14="http://schemas.microsoft.com/office/powerpoint/2010/main" val="3595958162"/>
+        <p14:creationId xmlns:p14="http://schemas.microsoft.com/office/powerpoint/2010/main" val="3089605658"/>
       </p:ext>
     </p:extLst>
   </p:cSld>
@@ -5427,57 +5311,16 @@
             </a:pPr>
             <a:r>
               <a:rPr lang="en-US" altLang="ko-KR" smtClean="0"/>
-              <a:t>User – User Schedule View</a:t>
+              <a:t>Gym</a:t>
             </a:r>
             <a:endParaRPr lang="ko-KR" altLang="en-US"/>
           </a:p>
         </p:txBody>
       </p:sp>
-      <p:pic>
-        <p:nvPicPr>
-          <p:cNvPr id="12290" name="Picture 2" descr="C:\Users\DongKyun\Documents\GitHub\KHFinalProject\보고서\클래스\시퀀스_지선\User Schedule View.png"/>
-          <p:cNvPicPr>
-            <a:picLocks noChangeAspect="1" noChangeArrowheads="1"/>
-          </p:cNvPicPr>
-          <p:nvPr/>
-        </p:nvPicPr>
-        <p:blipFill>
-          <a:blip r:embed="rId2">
-            <a:extLst>
-              <a:ext uri="{28A0092B-C50C-407E-A947-70E740481C1C}">
-                <a14:useLocalDpi xmlns:a14="http://schemas.microsoft.com/office/drawing/2010/main" val="0"/>
-              </a:ext>
-            </a:extLst>
-          </a:blip>
-          <a:srcRect/>
-          <a:stretch>
-            <a:fillRect/>
-          </a:stretch>
-        </p:blipFill>
-        <p:spPr bwMode="auto">
-          <a:xfrm>
-            <a:off x="0" y="650874"/>
-            <a:ext cx="12215746" cy="6207126"/>
-          </a:xfrm>
-          <a:prstGeom prst="rect">
-            <a:avLst/>
-          </a:prstGeom>
-          <a:noFill/>
-          <a:extLst>
-            <a:ext uri="{909E8E84-426E-40DD-AFC4-6F175D3DCCD1}">
-              <a14:hiddenFill xmlns:a14="http://schemas.microsoft.com/office/drawing/2010/main">
-                <a:solidFill>
-                  <a:srgbClr val="FFFFFF"/>
-                </a:solidFill>
-              </a14:hiddenFill>
-            </a:ext>
-          </a:extLst>
-        </p:spPr>
-      </p:pic>
     </p:spTree>
     <p:extLst>
       <p:ext uri="{BB962C8B-B14F-4D97-AF65-F5344CB8AC3E}">
-        <p14:creationId xmlns:p14="http://schemas.microsoft.com/office/powerpoint/2010/main" val="991108436"/>
+        <p14:creationId xmlns:p14="http://schemas.microsoft.com/office/powerpoint/2010/main" val="931727686"/>
       </p:ext>
     </p:extLst>
   </p:cSld>
@@ -5572,57 +5415,16 @@
             </a:pPr>
             <a:r>
               <a:rPr lang="en-US" altLang="ko-KR" smtClean="0"/>
-              <a:t>User – User Update</a:t>
+              <a:t>Gym</a:t>
             </a:r>
             <a:endParaRPr lang="ko-KR" altLang="en-US"/>
           </a:p>
         </p:txBody>
       </p:sp>
-      <p:pic>
-        <p:nvPicPr>
-          <p:cNvPr id="13314" name="Picture 2" descr="C:\Users\DongKyun\Documents\GitHub\KHFinalProject\보고서\클래스\시퀀스_지선\User Update.png"/>
-          <p:cNvPicPr>
-            <a:picLocks noChangeAspect="1" noChangeArrowheads="1"/>
-          </p:cNvPicPr>
-          <p:nvPr/>
-        </p:nvPicPr>
-        <p:blipFill>
-          <a:blip r:embed="rId2">
-            <a:extLst>
-              <a:ext uri="{28A0092B-C50C-407E-A947-70E740481C1C}">
-                <a14:useLocalDpi xmlns:a14="http://schemas.microsoft.com/office/drawing/2010/main" val="0"/>
-              </a:ext>
-            </a:extLst>
-          </a:blip>
-          <a:srcRect/>
-          <a:stretch>
-            <a:fillRect/>
-          </a:stretch>
-        </p:blipFill>
-        <p:spPr bwMode="auto">
-          <a:xfrm>
-            <a:off x="0" y="650874"/>
-            <a:ext cx="12192000" cy="6207125"/>
-          </a:xfrm>
-          <a:prstGeom prst="rect">
-            <a:avLst/>
-          </a:prstGeom>
-          <a:noFill/>
-          <a:extLst>
-            <a:ext uri="{909E8E84-426E-40DD-AFC4-6F175D3DCCD1}">
-              <a14:hiddenFill xmlns:a14="http://schemas.microsoft.com/office/drawing/2010/main">
-                <a:solidFill>
-                  <a:srgbClr val="FFFFFF"/>
-                </a:solidFill>
-              </a14:hiddenFill>
-            </a:ext>
-          </a:extLst>
-        </p:spPr>
-      </p:pic>
     </p:spTree>
     <p:extLst>
       <p:ext uri="{BB962C8B-B14F-4D97-AF65-F5344CB8AC3E}">
-        <p14:creationId xmlns:p14="http://schemas.microsoft.com/office/powerpoint/2010/main" val="3089605658"/>
+        <p14:creationId xmlns:p14="http://schemas.microsoft.com/office/powerpoint/2010/main" val="513504131"/>
       </p:ext>
     </p:extLst>
   </p:cSld>
@@ -5717,80 +5519,16 @@
             </a:pPr>
             <a:r>
               <a:rPr lang="en-US" altLang="ko-KR" smtClean="0"/>
-              <a:t>Gym – RegisterGym</a:t>
+              <a:t>Gym</a:t>
             </a:r>
             <a:endParaRPr lang="ko-KR" altLang="en-US"/>
           </a:p>
         </p:txBody>
       </p:sp>
-      <p:pic>
-        <p:nvPicPr>
-          <p:cNvPr id="12291" name="Picture 3"/>
-          <p:cNvPicPr>
-            <a:picLocks noChangeAspect="1" noChangeArrowheads="1"/>
-          </p:cNvPicPr>
-          <p:nvPr/>
-        </p:nvPicPr>
-        <p:blipFill>
-          <a:blip r:embed="rId2">
-            <a:extLst>
-              <a:ext uri="{28A0092B-C50C-407E-A947-70E740481C1C}">
-                <a14:useLocalDpi xmlns:a14="http://schemas.microsoft.com/office/drawing/2010/main" val="0"/>
-              </a:ext>
-            </a:extLst>
-          </a:blip>
-          <a:srcRect/>
-          <a:stretch>
-            <a:fillRect/>
-          </a:stretch>
-        </p:blipFill>
-        <p:spPr bwMode="auto">
-          <a:xfrm>
-            <a:off x="561975" y="1042988"/>
-            <a:ext cx="10915650" cy="5495925"/>
-          </a:xfrm>
-          <a:prstGeom prst="rect">
-            <a:avLst/>
-          </a:prstGeom>
-          <a:noFill/>
-          <a:ln>
-            <a:noFill/>
-          </a:ln>
-          <a:effectLst/>
-          <a:extLst>
-            <a:ext uri="{909E8E84-426E-40DD-AFC4-6F175D3DCCD1}">
-              <a14:hiddenFill xmlns:a14="http://schemas.microsoft.com/office/drawing/2010/main">
-                <a:solidFill>
-                  <a:schemeClr val="accent1"/>
-                </a:solidFill>
-              </a14:hiddenFill>
-            </a:ext>
-            <a:ext uri="{91240B29-F687-4F45-9708-019B960494DF}">
-              <a14:hiddenLine xmlns:a14="http://schemas.microsoft.com/office/drawing/2010/main" w="9525">
-                <a:solidFill>
-                  <a:schemeClr val="tx1"/>
-                </a:solidFill>
-                <a:miter lim="800000"/>
-                <a:headEnd/>
-                <a:tailEnd/>
-              </a14:hiddenLine>
-            </a:ext>
-            <a:ext uri="{AF507438-7753-43E0-B8FC-AC1667EBCBE1}">
-              <a14:hiddenEffects xmlns:a14="http://schemas.microsoft.com/office/drawing/2010/main">
-                <a:effectLst>
-                  <a:outerShdw dist="35921" dir="2700000" algn="ctr" rotWithShape="0">
-                    <a:schemeClr val="bg2"/>
-                  </a:outerShdw>
-                </a:effectLst>
-              </a14:hiddenEffects>
-            </a:ext>
-          </a:extLst>
-        </p:spPr>
-      </p:pic>
     </p:spTree>
     <p:extLst>
       <p:ext uri="{BB962C8B-B14F-4D97-AF65-F5344CB8AC3E}">
-        <p14:creationId xmlns:p14="http://schemas.microsoft.com/office/powerpoint/2010/main" val="931727686"/>
+        <p14:creationId xmlns:p14="http://schemas.microsoft.com/office/powerpoint/2010/main" val="2631757491"/>
       </p:ext>
     </p:extLst>
   </p:cSld>
@@ -5885,80 +5623,16 @@
             </a:pPr>
             <a:r>
               <a:rPr lang="en-US" altLang="ko-KR" smtClean="0"/>
-              <a:t>Gym – Update GYM</a:t>
+              <a:t>Gym</a:t>
             </a:r>
             <a:endParaRPr lang="ko-KR" altLang="en-US"/>
           </a:p>
         </p:txBody>
       </p:sp>
-      <p:pic>
-        <p:nvPicPr>
-          <p:cNvPr id="13315" name="Picture 3"/>
-          <p:cNvPicPr>
-            <a:picLocks noChangeAspect="1" noChangeArrowheads="1"/>
-          </p:cNvPicPr>
-          <p:nvPr/>
-        </p:nvPicPr>
-        <p:blipFill>
-          <a:blip r:embed="rId2">
-            <a:extLst>
-              <a:ext uri="{28A0092B-C50C-407E-A947-70E740481C1C}">
-                <a14:useLocalDpi xmlns:a14="http://schemas.microsoft.com/office/drawing/2010/main" val="0"/>
-              </a:ext>
-            </a:extLst>
-          </a:blip>
-          <a:srcRect/>
-          <a:stretch>
-            <a:fillRect/>
-          </a:stretch>
-        </p:blipFill>
-        <p:spPr bwMode="auto">
-          <a:xfrm>
-            <a:off x="504824" y="1081087"/>
-            <a:ext cx="11153775" cy="5572125"/>
-          </a:xfrm>
-          <a:prstGeom prst="rect">
-            <a:avLst/>
-          </a:prstGeom>
-          <a:noFill/>
-          <a:ln>
-            <a:noFill/>
-          </a:ln>
-          <a:effectLst/>
-          <a:extLst>
-            <a:ext uri="{909E8E84-426E-40DD-AFC4-6F175D3DCCD1}">
-              <a14:hiddenFill xmlns:a14="http://schemas.microsoft.com/office/drawing/2010/main">
-                <a:solidFill>
-                  <a:schemeClr val="accent1"/>
-                </a:solidFill>
-              </a14:hiddenFill>
-            </a:ext>
-            <a:ext uri="{91240B29-F687-4F45-9708-019B960494DF}">
-              <a14:hiddenLine xmlns:a14="http://schemas.microsoft.com/office/drawing/2010/main" w="9525">
-                <a:solidFill>
-                  <a:schemeClr val="tx1"/>
-                </a:solidFill>
-                <a:miter lim="800000"/>
-                <a:headEnd/>
-                <a:tailEnd/>
-              </a14:hiddenLine>
-            </a:ext>
-            <a:ext uri="{AF507438-7753-43E0-B8FC-AC1667EBCBE1}">
-              <a14:hiddenEffects xmlns:a14="http://schemas.microsoft.com/office/drawing/2010/main">
-                <a:effectLst>
-                  <a:outerShdw dist="35921" dir="2700000" algn="ctr" rotWithShape="0">
-                    <a:schemeClr val="bg2"/>
-                  </a:outerShdw>
-                </a:effectLst>
-              </a14:hiddenEffects>
-            </a:ext>
-          </a:extLst>
-        </p:spPr>
-      </p:pic>
     </p:spTree>
     <p:extLst>
       <p:ext uri="{BB962C8B-B14F-4D97-AF65-F5344CB8AC3E}">
-        <p14:creationId xmlns:p14="http://schemas.microsoft.com/office/powerpoint/2010/main" val="4170592864"/>
+        <p14:creationId xmlns:p14="http://schemas.microsoft.com/office/powerpoint/2010/main" val="3581090570"/>
       </p:ext>
     </p:extLst>
   </p:cSld>
@@ -6053,80 +5727,16 @@
             </a:pPr>
             <a:r>
               <a:rPr lang="en-US" altLang="ko-KR" smtClean="0"/>
-              <a:t>Gym – Delete GYM</a:t>
+              <a:t>Gym</a:t>
             </a:r>
             <a:endParaRPr lang="ko-KR" altLang="en-US"/>
           </a:p>
         </p:txBody>
       </p:sp>
-      <p:pic>
-        <p:nvPicPr>
-          <p:cNvPr id="14339" name="Picture 3"/>
-          <p:cNvPicPr>
-            <a:picLocks noChangeAspect="1" noChangeArrowheads="1"/>
-          </p:cNvPicPr>
-          <p:nvPr/>
-        </p:nvPicPr>
-        <p:blipFill>
-          <a:blip r:embed="rId2">
-            <a:extLst>
-              <a:ext uri="{28A0092B-C50C-407E-A947-70E740481C1C}">
-                <a14:useLocalDpi xmlns:a14="http://schemas.microsoft.com/office/drawing/2010/main" val="0"/>
-              </a:ext>
-            </a:extLst>
-          </a:blip>
-          <a:srcRect/>
-          <a:stretch>
-            <a:fillRect/>
-          </a:stretch>
-        </p:blipFill>
-        <p:spPr bwMode="auto">
-          <a:xfrm>
-            <a:off x="481013" y="985838"/>
-            <a:ext cx="11177587" cy="5648325"/>
-          </a:xfrm>
-          <a:prstGeom prst="rect">
-            <a:avLst/>
-          </a:prstGeom>
-          <a:noFill/>
-          <a:ln>
-            <a:noFill/>
-          </a:ln>
-          <a:effectLst/>
-          <a:extLst>
-            <a:ext uri="{909E8E84-426E-40DD-AFC4-6F175D3DCCD1}">
-              <a14:hiddenFill xmlns:a14="http://schemas.microsoft.com/office/drawing/2010/main">
-                <a:solidFill>
-                  <a:schemeClr val="accent1"/>
-                </a:solidFill>
-              </a14:hiddenFill>
-            </a:ext>
-            <a:ext uri="{91240B29-F687-4F45-9708-019B960494DF}">
-              <a14:hiddenLine xmlns:a14="http://schemas.microsoft.com/office/drawing/2010/main" w="9525">
-                <a:solidFill>
-                  <a:schemeClr val="tx1"/>
-                </a:solidFill>
-                <a:miter lim="800000"/>
-                <a:headEnd/>
-                <a:tailEnd/>
-              </a14:hiddenLine>
-            </a:ext>
-            <a:ext uri="{AF507438-7753-43E0-B8FC-AC1667EBCBE1}">
-              <a14:hiddenEffects xmlns:a14="http://schemas.microsoft.com/office/drawing/2010/main">
-                <a:effectLst>
-                  <a:outerShdw dist="35921" dir="2700000" algn="ctr" rotWithShape="0">
-                    <a:schemeClr val="bg2"/>
-                  </a:outerShdw>
-                </a:effectLst>
-              </a14:hiddenEffects>
-            </a:ext>
-          </a:extLst>
-        </p:spPr>
-      </p:pic>
     </p:spTree>
     <p:extLst>
       <p:ext uri="{BB962C8B-B14F-4D97-AF65-F5344CB8AC3E}">
-        <p14:creationId xmlns:p14="http://schemas.microsoft.com/office/powerpoint/2010/main" val="2635208000"/>
+        <p14:creationId xmlns:p14="http://schemas.microsoft.com/office/powerpoint/2010/main" val="172455590"/>
       </p:ext>
     </p:extLst>
   </p:cSld>
@@ -6221,80 +5831,16 @@
             </a:pPr>
             <a:r>
               <a:rPr lang="en-US" altLang="ko-KR" smtClean="0"/>
-              <a:t>Gym – DetailView GYM</a:t>
+              <a:t>Gym</a:t>
             </a:r>
             <a:endParaRPr lang="ko-KR" altLang="en-US"/>
           </a:p>
         </p:txBody>
       </p:sp>
-      <p:pic>
-        <p:nvPicPr>
-          <p:cNvPr id="15362" name="Picture 2"/>
-          <p:cNvPicPr>
-            <a:picLocks noChangeAspect="1" noChangeArrowheads="1"/>
-          </p:cNvPicPr>
-          <p:nvPr/>
-        </p:nvPicPr>
-        <p:blipFill>
-          <a:blip r:embed="rId2">
-            <a:extLst>
-              <a:ext uri="{28A0092B-C50C-407E-A947-70E740481C1C}">
-                <a14:useLocalDpi xmlns:a14="http://schemas.microsoft.com/office/drawing/2010/main" val="0"/>
-              </a:ext>
-            </a:extLst>
-          </a:blip>
-          <a:srcRect/>
-          <a:stretch>
-            <a:fillRect/>
-          </a:stretch>
-        </p:blipFill>
-        <p:spPr bwMode="auto">
-          <a:xfrm>
-            <a:off x="500062" y="895350"/>
-            <a:ext cx="11191875" cy="5791200"/>
-          </a:xfrm>
-          <a:prstGeom prst="rect">
-            <a:avLst/>
-          </a:prstGeom>
-          <a:noFill/>
-          <a:ln>
-            <a:noFill/>
-          </a:ln>
-          <a:effectLst/>
-          <a:extLst>
-            <a:ext uri="{909E8E84-426E-40DD-AFC4-6F175D3DCCD1}">
-              <a14:hiddenFill xmlns:a14="http://schemas.microsoft.com/office/drawing/2010/main">
-                <a:solidFill>
-                  <a:schemeClr val="accent1"/>
-                </a:solidFill>
-              </a14:hiddenFill>
-            </a:ext>
-            <a:ext uri="{91240B29-F687-4F45-9708-019B960494DF}">
-              <a14:hiddenLine xmlns:a14="http://schemas.microsoft.com/office/drawing/2010/main" w="9525">
-                <a:solidFill>
-                  <a:schemeClr val="tx1"/>
-                </a:solidFill>
-                <a:miter lim="800000"/>
-                <a:headEnd/>
-                <a:tailEnd/>
-              </a14:hiddenLine>
-            </a:ext>
-            <a:ext uri="{AF507438-7753-43E0-B8FC-AC1667EBCBE1}">
-              <a14:hiddenEffects xmlns:a14="http://schemas.microsoft.com/office/drawing/2010/main">
-                <a:effectLst>
-                  <a:outerShdw dist="35921" dir="2700000" algn="ctr" rotWithShape="0">
-                    <a:schemeClr val="bg2"/>
-                  </a:outerShdw>
-                </a:effectLst>
-              </a14:hiddenEffects>
-            </a:ext>
-          </a:extLst>
-        </p:spPr>
-      </p:pic>
     </p:spTree>
     <p:extLst>
       <p:ext uri="{BB962C8B-B14F-4D97-AF65-F5344CB8AC3E}">
-        <p14:creationId xmlns:p14="http://schemas.microsoft.com/office/powerpoint/2010/main" val="1262811407"/>
+        <p14:creationId xmlns:p14="http://schemas.microsoft.com/office/powerpoint/2010/main" val="1098577197"/>
       </p:ext>
     </p:extLst>
   </p:cSld>
@@ -6389,57 +5935,16 @@
             </a:pPr>
             <a:r>
               <a:rPr lang="en-US" altLang="ko-KR" smtClean="0"/>
-              <a:t>Gym – GymRiviewList</a:t>
+              <a:t>Gym</a:t>
             </a:r>
             <a:endParaRPr lang="ko-KR" altLang="en-US"/>
           </a:p>
         </p:txBody>
       </p:sp>
-      <p:pic>
-        <p:nvPicPr>
-          <p:cNvPr id="1026" name="Picture 2" descr="C:\Users\DongKyun\Documents\GitHub\KHFinalProject\보고서\클래스\정세화_시퀀스\GymReivewList.png"/>
-          <p:cNvPicPr>
-            <a:picLocks noChangeAspect="1" noChangeArrowheads="1"/>
-          </p:cNvPicPr>
-          <p:nvPr/>
-        </p:nvPicPr>
-        <p:blipFill>
-          <a:blip r:embed="rId2">
-            <a:extLst>
-              <a:ext uri="{28A0092B-C50C-407E-A947-70E740481C1C}">
-                <a14:useLocalDpi xmlns:a14="http://schemas.microsoft.com/office/drawing/2010/main" val="0"/>
-              </a:ext>
-            </a:extLst>
-          </a:blip>
-          <a:srcRect/>
-          <a:stretch>
-            <a:fillRect/>
-          </a:stretch>
-        </p:blipFill>
-        <p:spPr bwMode="auto">
-          <a:xfrm>
-            <a:off x="250190" y="1547813"/>
-            <a:ext cx="11688344" cy="4110037"/>
-          </a:xfrm>
-          <a:prstGeom prst="rect">
-            <a:avLst/>
-          </a:prstGeom>
-          <a:noFill/>
-          <a:extLst>
-            <a:ext uri="{909E8E84-426E-40DD-AFC4-6F175D3DCCD1}">
-              <a14:hiddenFill xmlns:a14="http://schemas.microsoft.com/office/drawing/2010/main">
-                <a:solidFill>
-                  <a:srgbClr val="FFFFFF"/>
-                </a:solidFill>
-              </a14:hiddenFill>
-            </a:ext>
-          </a:extLst>
-        </p:spPr>
-      </p:pic>
     </p:spTree>
     <p:extLst>
       <p:ext uri="{BB962C8B-B14F-4D97-AF65-F5344CB8AC3E}">
-        <p14:creationId xmlns:p14="http://schemas.microsoft.com/office/powerpoint/2010/main" val="513504131"/>
+        <p14:creationId xmlns:p14="http://schemas.microsoft.com/office/powerpoint/2010/main" val="3926212707"/>
       </p:ext>
     </p:extLst>
   </p:cSld>
@@ -6534,57 +6039,16 @@
             </a:pPr>
             <a:r>
               <a:rPr lang="en-US" altLang="ko-KR" smtClean="0"/>
-              <a:t>Gym – GymReivew EnrollReview</a:t>
+              <a:t>Gym</a:t>
             </a:r>
             <a:endParaRPr lang="ko-KR" altLang="en-US"/>
           </a:p>
         </p:txBody>
       </p:sp>
-      <p:pic>
-        <p:nvPicPr>
-          <p:cNvPr id="2050" name="Picture 2" descr="C:\Users\DongKyun\Documents\GitHub\KHFinalProject\보고서\클래스\정세화_시퀀스\GymReview EnrollReview.png"/>
-          <p:cNvPicPr>
-            <a:picLocks noChangeAspect="1" noChangeArrowheads="1"/>
-          </p:cNvPicPr>
-          <p:nvPr/>
-        </p:nvPicPr>
-        <p:blipFill>
-          <a:blip r:embed="rId2">
-            <a:extLst>
-              <a:ext uri="{28A0092B-C50C-407E-A947-70E740481C1C}">
-                <a14:useLocalDpi xmlns:a14="http://schemas.microsoft.com/office/drawing/2010/main" val="0"/>
-              </a:ext>
-            </a:extLst>
-          </a:blip>
-          <a:srcRect/>
-          <a:stretch>
-            <a:fillRect/>
-          </a:stretch>
-        </p:blipFill>
-        <p:spPr bwMode="auto">
-          <a:xfrm>
-            <a:off x="438149" y="1700212"/>
-            <a:ext cx="11344275" cy="3989050"/>
-          </a:xfrm>
-          <a:prstGeom prst="rect">
-            <a:avLst/>
-          </a:prstGeom>
-          <a:noFill/>
-          <a:extLst>
-            <a:ext uri="{909E8E84-426E-40DD-AFC4-6F175D3DCCD1}">
-              <a14:hiddenFill xmlns:a14="http://schemas.microsoft.com/office/drawing/2010/main">
-                <a:solidFill>
-                  <a:srgbClr val="FFFFFF"/>
-                </a:solidFill>
-              </a14:hiddenFill>
-            </a:ext>
-          </a:extLst>
-        </p:spPr>
-      </p:pic>
     </p:spTree>
     <p:extLst>
       <p:ext uri="{BB962C8B-B14F-4D97-AF65-F5344CB8AC3E}">
-        <p14:creationId xmlns:p14="http://schemas.microsoft.com/office/powerpoint/2010/main" val="2631757491"/>
+        <p14:creationId xmlns:p14="http://schemas.microsoft.com/office/powerpoint/2010/main" val="1843592339"/>
       </p:ext>
     </p:extLst>
   </p:cSld>
@@ -6679,57 +6143,16 @@
             </a:pPr>
             <a:r>
               <a:rPr lang="en-US" altLang="ko-KR" smtClean="0"/>
-              <a:t>Gym – GymReview UpdateReview</a:t>
+              <a:t>Gym</a:t>
             </a:r>
             <a:endParaRPr lang="ko-KR" altLang="en-US"/>
           </a:p>
         </p:txBody>
       </p:sp>
-      <p:pic>
-        <p:nvPicPr>
-          <p:cNvPr id="3074" name="Picture 2" descr="C:\Users\DongKyun\Documents\GitHub\KHFinalProject\보고서\클래스\정세화_시퀀스\GymReview updateReview.png"/>
-          <p:cNvPicPr>
-            <a:picLocks noChangeAspect="1" noChangeArrowheads="1"/>
-          </p:cNvPicPr>
-          <p:nvPr/>
-        </p:nvPicPr>
-        <p:blipFill>
-          <a:blip r:embed="rId2">
-            <a:extLst>
-              <a:ext uri="{28A0092B-C50C-407E-A947-70E740481C1C}">
-                <a14:useLocalDpi xmlns:a14="http://schemas.microsoft.com/office/drawing/2010/main" val="0"/>
-              </a:ext>
-            </a:extLst>
-          </a:blip>
-          <a:srcRect/>
-          <a:stretch>
-            <a:fillRect/>
-          </a:stretch>
-        </p:blipFill>
-        <p:spPr bwMode="auto">
-          <a:xfrm>
-            <a:off x="404812" y="1804987"/>
-            <a:ext cx="11383718" cy="3786187"/>
-          </a:xfrm>
-          <a:prstGeom prst="rect">
-            <a:avLst/>
-          </a:prstGeom>
-          <a:noFill/>
-          <a:extLst>
-            <a:ext uri="{909E8E84-426E-40DD-AFC4-6F175D3DCCD1}">
-              <a14:hiddenFill xmlns:a14="http://schemas.microsoft.com/office/drawing/2010/main">
-                <a:solidFill>
-                  <a:srgbClr val="FFFFFF"/>
-                </a:solidFill>
-              </a14:hiddenFill>
-            </a:ext>
-          </a:extLst>
-        </p:spPr>
-      </p:pic>
     </p:spTree>
     <p:extLst>
       <p:ext uri="{BB962C8B-B14F-4D97-AF65-F5344CB8AC3E}">
-        <p14:creationId xmlns:p14="http://schemas.microsoft.com/office/powerpoint/2010/main" val="3581090570"/>
+        <p14:creationId xmlns:p14="http://schemas.microsoft.com/office/powerpoint/2010/main" val="910571107"/>
       </p:ext>
     </p:extLst>
   </p:cSld>
@@ -7008,57 +6431,16 @@
             </a:pPr>
             <a:r>
               <a:rPr lang="en-US" altLang="ko-KR" smtClean="0"/>
-              <a:t>Gym – GymReview DeleteReview</a:t>
+              <a:t>Gym</a:t>
             </a:r>
             <a:endParaRPr lang="ko-KR" altLang="en-US"/>
           </a:p>
         </p:txBody>
       </p:sp>
-      <p:pic>
-        <p:nvPicPr>
-          <p:cNvPr id="4098" name="Picture 2" descr="C:\Users\DongKyun\Documents\GitHub\KHFinalProject\보고서\클래스\정세화_시퀀스\GymReview deleteReview.png"/>
-          <p:cNvPicPr>
-            <a:picLocks noChangeAspect="1" noChangeArrowheads="1"/>
-          </p:cNvPicPr>
-          <p:nvPr/>
-        </p:nvPicPr>
-        <p:blipFill>
-          <a:blip r:embed="rId2">
-            <a:extLst>
-              <a:ext uri="{28A0092B-C50C-407E-A947-70E740481C1C}">
-                <a14:useLocalDpi xmlns:a14="http://schemas.microsoft.com/office/drawing/2010/main" val="0"/>
-              </a:ext>
-            </a:extLst>
-          </a:blip>
-          <a:srcRect/>
-          <a:stretch>
-            <a:fillRect/>
-          </a:stretch>
-        </p:blipFill>
-        <p:spPr bwMode="auto">
-          <a:xfrm>
-            <a:off x="250189" y="1804988"/>
-            <a:ext cx="11530691" cy="3890962"/>
-          </a:xfrm>
-          <a:prstGeom prst="rect">
-            <a:avLst/>
-          </a:prstGeom>
-          <a:noFill/>
-          <a:extLst>
-            <a:ext uri="{909E8E84-426E-40DD-AFC4-6F175D3DCCD1}">
-              <a14:hiddenFill xmlns:a14="http://schemas.microsoft.com/office/drawing/2010/main">
-                <a:solidFill>
-                  <a:srgbClr val="FFFFFF"/>
-                </a:solidFill>
-              </a14:hiddenFill>
-            </a:ext>
-          </a:extLst>
-        </p:spPr>
-      </p:pic>
     </p:spTree>
     <p:extLst>
       <p:ext uri="{BB962C8B-B14F-4D97-AF65-F5344CB8AC3E}">
-        <p14:creationId xmlns:p14="http://schemas.microsoft.com/office/powerpoint/2010/main" val="172455590"/>
+        <p14:creationId xmlns:p14="http://schemas.microsoft.com/office/powerpoint/2010/main" val="2926770114"/>
       </p:ext>
     </p:extLst>
   </p:cSld>
@@ -7153,57 +6535,16 @@
             </a:pPr>
             <a:r>
               <a:rPr lang="en-US" altLang="ko-KR" smtClean="0"/>
-              <a:t>Community - CommunityBoardList</a:t>
+              <a:t>Gym</a:t>
             </a:r>
             <a:endParaRPr lang="ko-KR" altLang="en-US"/>
           </a:p>
         </p:txBody>
       </p:sp>
-      <p:pic>
-        <p:nvPicPr>
-          <p:cNvPr id="3074" name="Picture 2" descr="C:\Users\DongKyun\Documents\GitHub\KHFinalProject\보고서\클래스\리스트.png"/>
-          <p:cNvPicPr>
-            <a:picLocks noChangeAspect="1" noChangeArrowheads="1"/>
-          </p:cNvPicPr>
-          <p:nvPr/>
-        </p:nvPicPr>
-        <p:blipFill>
-          <a:blip r:embed="rId2">
-            <a:extLst>
-              <a:ext uri="{28A0092B-C50C-407E-A947-70E740481C1C}">
-                <a14:useLocalDpi xmlns:a14="http://schemas.microsoft.com/office/drawing/2010/main" val="0"/>
-              </a:ext>
-            </a:extLst>
-          </a:blip>
-          <a:srcRect/>
-          <a:stretch>
-            <a:fillRect/>
-          </a:stretch>
-        </p:blipFill>
-        <p:spPr bwMode="auto">
-          <a:xfrm>
-            <a:off x="0" y="650874"/>
-            <a:ext cx="12192000" cy="6207125"/>
-          </a:xfrm>
-          <a:prstGeom prst="rect">
-            <a:avLst/>
-          </a:prstGeom>
-          <a:noFill/>
-          <a:extLst>
-            <a:ext uri="{909E8E84-426E-40DD-AFC4-6F175D3DCCD1}">
-              <a14:hiddenFill xmlns:a14="http://schemas.microsoft.com/office/drawing/2010/main">
-                <a:solidFill>
-                  <a:srgbClr val="FFFFFF"/>
-                </a:solidFill>
-              </a14:hiddenFill>
-            </a:ext>
-          </a:extLst>
-        </p:spPr>
-      </p:pic>
     </p:spTree>
     <p:extLst>
       <p:ext uri="{BB962C8B-B14F-4D97-AF65-F5344CB8AC3E}">
-        <p14:creationId xmlns:p14="http://schemas.microsoft.com/office/powerpoint/2010/main" val="3788117990"/>
+        <p14:creationId xmlns:p14="http://schemas.microsoft.com/office/powerpoint/2010/main" val="847404570"/>
       </p:ext>
     </p:extLst>
   </p:cSld>
@@ -7298,57 +6639,16 @@
             </a:pPr>
             <a:r>
               <a:rPr lang="en-US" altLang="ko-KR" smtClean="0"/>
-              <a:t>Community - CommunityBoardInsert</a:t>
+              <a:t>Gym</a:t>
             </a:r>
             <a:endParaRPr lang="ko-KR" altLang="en-US"/>
           </a:p>
         </p:txBody>
       </p:sp>
-      <p:pic>
-        <p:nvPicPr>
-          <p:cNvPr id="4098" name="Picture 2" descr="C:\Users\DongKyun\Documents\GitHub\KHFinalProject\보고서\클래스\삽입.png"/>
-          <p:cNvPicPr>
-            <a:picLocks noChangeAspect="1" noChangeArrowheads="1"/>
-          </p:cNvPicPr>
-          <p:nvPr/>
-        </p:nvPicPr>
-        <p:blipFill>
-          <a:blip r:embed="rId2">
-            <a:extLst>
-              <a:ext uri="{28A0092B-C50C-407E-A947-70E740481C1C}">
-                <a14:useLocalDpi xmlns:a14="http://schemas.microsoft.com/office/drawing/2010/main" val="0"/>
-              </a:ext>
-            </a:extLst>
-          </a:blip>
-          <a:srcRect/>
-          <a:stretch>
-            <a:fillRect/>
-          </a:stretch>
-        </p:blipFill>
-        <p:spPr bwMode="auto">
-          <a:xfrm>
-            <a:off x="0" y="650874"/>
-            <a:ext cx="12192834" cy="6207125"/>
-          </a:xfrm>
-          <a:prstGeom prst="rect">
-            <a:avLst/>
-          </a:prstGeom>
-          <a:noFill/>
-          <a:extLst>
-            <a:ext uri="{909E8E84-426E-40DD-AFC4-6F175D3DCCD1}">
-              <a14:hiddenFill xmlns:a14="http://schemas.microsoft.com/office/drawing/2010/main">
-                <a:solidFill>
-                  <a:srgbClr val="FFFFFF"/>
-                </a:solidFill>
-              </a14:hiddenFill>
-            </a:ext>
-          </a:extLst>
-        </p:spPr>
-      </p:pic>
     </p:spTree>
     <p:extLst>
       <p:ext uri="{BB962C8B-B14F-4D97-AF65-F5344CB8AC3E}">
-        <p14:creationId xmlns:p14="http://schemas.microsoft.com/office/powerpoint/2010/main" val="415682292"/>
+        <p14:creationId xmlns:p14="http://schemas.microsoft.com/office/powerpoint/2010/main" val="1397812507"/>
       </p:ext>
     </p:extLst>
   </p:cSld>
@@ -7434,7 +6734,7 @@
         </p:spPr>
         <p:txBody>
           <a:bodyPr anchor="ctr">
-            <a:normAutofit fontScale="92500"/>
+            <a:normAutofit/>
           </a:bodyPr>
           <a:lstStyle/>
           <a:p>
@@ -7443,7 +6743,7 @@
             </a:pPr>
             <a:r>
               <a:rPr lang="en-US" altLang="ko-KR" smtClean="0"/>
-              <a:t>Community - CommunityBoardUpdate</a:t>
+              <a:t>Community - CommunityBoardList</a:t>
             </a:r>
             <a:endParaRPr lang="ko-KR" altLang="en-US"/>
           </a:p>
@@ -7451,7 +6751,7 @@
       </p:sp>
       <p:pic>
         <p:nvPicPr>
-          <p:cNvPr id="5122" name="Picture 2" descr="C:\Users\DongKyun\Documents\GitHub\KHFinalProject\보고서\클래스\수정.png"/>
+          <p:cNvPr id="3074" name="Picture 2" descr="C:\Users\DongKyun\Documents\GitHub\KHFinalProject\보고서\클래스\리스트.png"/>
           <p:cNvPicPr>
             <a:picLocks noChangeAspect="1" noChangeArrowheads="1"/>
           </p:cNvPicPr>
@@ -7472,7 +6772,7 @@
         </p:blipFill>
         <p:spPr bwMode="auto">
           <a:xfrm>
-            <a:off x="0" y="650875"/>
+            <a:off x="0" y="650874"/>
             <a:ext cx="12192000" cy="6207125"/>
           </a:xfrm>
           <a:prstGeom prst="rect">
@@ -7493,7 +6793,7 @@
     </p:spTree>
     <p:extLst>
       <p:ext uri="{BB962C8B-B14F-4D97-AF65-F5344CB8AC3E}">
-        <p14:creationId xmlns:p14="http://schemas.microsoft.com/office/powerpoint/2010/main" val="1798126384"/>
+        <p14:creationId xmlns:p14="http://schemas.microsoft.com/office/powerpoint/2010/main" val="3788117990"/>
       </p:ext>
     </p:extLst>
   </p:cSld>
@@ -7588,7 +6888,7 @@
             </a:pPr>
             <a:r>
               <a:rPr lang="en-US" altLang="ko-KR" smtClean="0"/>
-              <a:t>Community - CommunityBoardDelete</a:t>
+              <a:t>Community - CommunityBoardInsert</a:t>
             </a:r>
             <a:endParaRPr lang="ko-KR" altLang="en-US"/>
           </a:p>
@@ -7596,7 +6896,7 @@
       </p:sp>
       <p:pic>
         <p:nvPicPr>
-          <p:cNvPr id="6146" name="Picture 2" descr="C:\Users\DongKyun\Documents\GitHub\KHFinalProject\보고서\클래스\삭제.png"/>
+          <p:cNvPr id="4098" name="Picture 2" descr="C:\Users\DongKyun\Documents\GitHub\KHFinalProject\보고서\클래스\삽입.png"/>
           <p:cNvPicPr>
             <a:picLocks noChangeAspect="1" noChangeArrowheads="1"/>
           </p:cNvPicPr>
@@ -7618,7 +6918,7 @@
         <p:spPr bwMode="auto">
           <a:xfrm>
             <a:off x="0" y="650874"/>
-            <a:ext cx="12192000" cy="6207126"/>
+            <a:ext cx="12192834" cy="6207125"/>
           </a:xfrm>
           <a:prstGeom prst="rect">
             <a:avLst/>
@@ -7638,7 +6938,7 @@
     </p:spTree>
     <p:extLst>
       <p:ext uri="{BB962C8B-B14F-4D97-AF65-F5344CB8AC3E}">
-        <p14:creationId xmlns:p14="http://schemas.microsoft.com/office/powerpoint/2010/main" val="2796669715"/>
+        <p14:creationId xmlns:p14="http://schemas.microsoft.com/office/powerpoint/2010/main" val="415682292"/>
       </p:ext>
     </p:extLst>
   </p:cSld>
@@ -7724,7 +7024,7 @@
         </p:spPr>
         <p:txBody>
           <a:bodyPr anchor="ctr">
-            <a:normAutofit/>
+            <a:normAutofit fontScale="92500"/>
           </a:bodyPr>
           <a:lstStyle/>
           <a:p>
@@ -7733,7 +7033,7 @@
             </a:pPr>
             <a:r>
               <a:rPr lang="en-US" altLang="ko-KR" smtClean="0"/>
-              <a:t>Workout – Health Part Video List</a:t>
+              <a:t>Community - CommunityBoardUpdate</a:t>
             </a:r>
             <a:endParaRPr lang="ko-KR" altLang="en-US"/>
           </a:p>
@@ -7741,7 +7041,7 @@
       </p:sp>
       <p:pic>
         <p:nvPicPr>
-          <p:cNvPr id="5122" name="Picture 2" descr="C:\Users\DongKyun\Documents\GitHub\KHFinalProject\보고서\클래스\시퀀스 다이어그램_ 준일\헬스 부위별 영상 리스트.JPG"/>
+          <p:cNvPr id="5122" name="Picture 2" descr="C:\Users\DongKyun\Documents\GitHub\KHFinalProject\보고서\클래스\수정.png"/>
           <p:cNvPicPr>
             <a:picLocks noChangeAspect="1" noChangeArrowheads="1"/>
           </p:cNvPicPr>
@@ -7762,8 +7062,8 @@
         </p:blipFill>
         <p:spPr bwMode="auto">
           <a:xfrm>
-            <a:off x="933449" y="792163"/>
-            <a:ext cx="10239375" cy="5768975"/>
+            <a:off x="0" y="650875"/>
+            <a:ext cx="12192000" cy="6207125"/>
           </a:xfrm>
           <a:prstGeom prst="rect">
             <a:avLst/>
@@ -7783,7 +7083,7 @@
     </p:spTree>
     <p:extLst>
       <p:ext uri="{BB962C8B-B14F-4D97-AF65-F5344CB8AC3E}">
-        <p14:creationId xmlns:p14="http://schemas.microsoft.com/office/powerpoint/2010/main" val="4239674833"/>
+        <p14:creationId xmlns:p14="http://schemas.microsoft.com/office/powerpoint/2010/main" val="1798126384"/>
       </p:ext>
     </p:extLst>
   </p:cSld>
@@ -7878,7 +7178,7 @@
             </a:pPr>
             <a:r>
               <a:rPr lang="en-US" altLang="ko-KR" smtClean="0"/>
-              <a:t>Workout – Youtub Video List</a:t>
+              <a:t>Community - CommunityBoardDelete</a:t>
             </a:r>
             <a:endParaRPr lang="ko-KR" altLang="en-US"/>
           </a:p>
@@ -7886,7 +7186,7 @@
       </p:sp>
       <p:pic>
         <p:nvPicPr>
-          <p:cNvPr id="7170" name="Picture 2" descr="C:\Users\DongKyun\Documents\GitHub\KHFinalProject\보고서\클래스\시퀀스 다이어그램_ 준일\맨몸운동 리스트.JPG"/>
+          <p:cNvPr id="6146" name="Picture 2" descr="C:\Users\DongKyun\Documents\GitHub\KHFinalProject\보고서\클래스\삭제.png"/>
           <p:cNvPicPr>
             <a:picLocks noChangeAspect="1" noChangeArrowheads="1"/>
           </p:cNvPicPr>
@@ -7907,8 +7207,8 @@
         </p:blipFill>
         <p:spPr bwMode="auto">
           <a:xfrm>
-            <a:off x="687388" y="1206499"/>
-            <a:ext cx="10790237" cy="5086421"/>
+            <a:off x="0" y="650874"/>
+            <a:ext cx="12192000" cy="6207126"/>
           </a:xfrm>
           <a:prstGeom prst="rect">
             <a:avLst/>
@@ -7928,7 +7228,7 @@
     </p:spTree>
     <p:extLst>
       <p:ext uri="{BB962C8B-B14F-4D97-AF65-F5344CB8AC3E}">
-        <p14:creationId xmlns:p14="http://schemas.microsoft.com/office/powerpoint/2010/main" val="531942252"/>
+        <p14:creationId xmlns:p14="http://schemas.microsoft.com/office/powerpoint/2010/main" val="2796669715"/>
       </p:ext>
     </p:extLst>
   </p:cSld>
@@ -8023,57 +7323,16 @@
             </a:pPr>
             <a:r>
               <a:rPr lang="en-US" altLang="ko-KR" smtClean="0"/>
-              <a:t>Workout – Video Detail</a:t>
+              <a:t>Workout</a:t>
             </a:r>
             <a:endParaRPr lang="ko-KR" altLang="en-US"/>
           </a:p>
         </p:txBody>
       </p:sp>
-      <p:pic>
-        <p:nvPicPr>
-          <p:cNvPr id="7170" name="Picture 2" descr="C:\Users\DongKyun\Documents\GitHub\KHFinalProject\보고서\클래스\시퀀스 다이어그램_ 준일\헬스 영상 보기.JPG"/>
-          <p:cNvPicPr>
-            <a:picLocks noChangeAspect="1" noChangeArrowheads="1"/>
-          </p:cNvPicPr>
-          <p:nvPr/>
-        </p:nvPicPr>
-        <p:blipFill>
-          <a:blip r:embed="rId2">
-            <a:extLst>
-              <a:ext uri="{28A0092B-C50C-407E-A947-70E740481C1C}">
-                <a14:useLocalDpi xmlns:a14="http://schemas.microsoft.com/office/drawing/2010/main" val="0"/>
-              </a:ext>
-            </a:extLst>
-          </a:blip>
-          <a:srcRect/>
-          <a:stretch>
-            <a:fillRect/>
-          </a:stretch>
-        </p:blipFill>
-        <p:spPr bwMode="auto">
-          <a:xfrm>
-            <a:off x="673099" y="1350963"/>
-            <a:ext cx="10814051" cy="4899025"/>
-          </a:xfrm>
-          <a:prstGeom prst="rect">
-            <a:avLst/>
-          </a:prstGeom>
-          <a:noFill/>
-          <a:extLst>
-            <a:ext uri="{909E8E84-426E-40DD-AFC4-6F175D3DCCD1}">
-              <a14:hiddenFill xmlns:a14="http://schemas.microsoft.com/office/drawing/2010/main">
-                <a:solidFill>
-                  <a:srgbClr val="FFFFFF"/>
-                </a:solidFill>
-              </a14:hiddenFill>
-            </a:ext>
-          </a:extLst>
-        </p:spPr>
-      </p:pic>
     </p:spTree>
     <p:extLst>
       <p:ext uri="{BB962C8B-B14F-4D97-AF65-F5344CB8AC3E}">
-        <p14:creationId xmlns:p14="http://schemas.microsoft.com/office/powerpoint/2010/main" val="2067571811"/>
+        <p14:creationId xmlns:p14="http://schemas.microsoft.com/office/powerpoint/2010/main" val="2648905465"/>
       </p:ext>
     </p:extLst>
   </p:cSld>
@@ -8168,210 +7427,16 @@
             </a:pPr>
             <a:r>
               <a:rPr lang="en-US" altLang="ko-KR" smtClean="0"/>
-              <a:t>Workout – </a:t>
-            </a:r>
-            <a:r>
-              <a:rPr lang="en-US" altLang="ko-KR" smtClean="0"/>
-              <a:t>Admin Video Insert</a:t>
+              <a:t>Admin</a:t>
             </a:r>
             <a:endParaRPr lang="ko-KR" altLang="en-US"/>
           </a:p>
         </p:txBody>
       </p:sp>
-      <p:pic>
-        <p:nvPicPr>
-          <p:cNvPr id="10242" name="Picture 2" descr="C:\Users\DongKyun\Documents\GitHub\KHFinalProject\보고서\클래스\시퀀스_미향\관리자 동영상 insert.png"/>
-          <p:cNvPicPr>
-            <a:picLocks noChangeAspect="1" noChangeArrowheads="1"/>
-          </p:cNvPicPr>
-          <p:nvPr/>
-        </p:nvPicPr>
-        <p:blipFill>
-          <a:blip r:embed="rId2">
-            <a:extLst>
-              <a:ext uri="{28A0092B-C50C-407E-A947-70E740481C1C}">
-                <a14:useLocalDpi xmlns:a14="http://schemas.microsoft.com/office/drawing/2010/main" val="0"/>
-              </a:ext>
-            </a:extLst>
-          </a:blip>
-          <a:srcRect/>
-          <a:stretch>
-            <a:fillRect/>
-          </a:stretch>
-        </p:blipFill>
-        <p:spPr bwMode="auto">
-          <a:xfrm>
-            <a:off x="714375" y="1062038"/>
-            <a:ext cx="10363200" cy="5469983"/>
-          </a:xfrm>
-          <a:prstGeom prst="rect">
-            <a:avLst/>
-          </a:prstGeom>
-          <a:noFill/>
-          <a:extLst>
-            <a:ext uri="{909E8E84-426E-40DD-AFC4-6F175D3DCCD1}">
-              <a14:hiddenFill xmlns:a14="http://schemas.microsoft.com/office/drawing/2010/main">
-                <a:solidFill>
-                  <a:srgbClr val="FFFFFF"/>
-                </a:solidFill>
-              </a14:hiddenFill>
-            </a:ext>
-          </a:extLst>
-        </p:spPr>
-      </p:pic>
     </p:spTree>
     <p:extLst>
       <p:ext uri="{BB962C8B-B14F-4D97-AF65-F5344CB8AC3E}">
-        <p14:creationId xmlns:p14="http://schemas.microsoft.com/office/powerpoint/2010/main" val="1776465261"/>
-      </p:ext>
-    </p:extLst>
-  </p:cSld>
-  <p:clrMapOvr>
-    <a:masterClrMapping/>
-  </p:clrMapOvr>
-  <p:transition/>
-  <p:timing>
-    <p:tnLst>
-      <p:par>
-        <p:cTn id="1" dur="indefinite" restart="never" nodeType="tmRoot"/>
-      </p:par>
-    </p:tnLst>
-  </p:timing>
-</p:sld>
-</file>
-
-<file path=ppt/slides/slide39.xml><?xml version="1.0" encoding="utf-8"?>
-<p:sld xmlns:a="http://schemas.openxmlformats.org/drawingml/2006/main" xmlns:r="http://schemas.openxmlformats.org/officeDocument/2006/relationships" xmlns:p="http://schemas.openxmlformats.org/presentationml/2006/main">
-  <p:cSld>
-    <p:spTree>
-      <p:nvGrpSpPr>
-        <p:cNvPr id="1" name=""/>
-        <p:cNvGrpSpPr/>
-        <p:nvPr/>
-      </p:nvGrpSpPr>
-      <p:grpSpPr>
-        <a:xfrm>
-          <a:off x="0" y="0"/>
-          <a:ext cx="0" cy="0"/>
-          <a:chOff x="0" y="0"/>
-          <a:chExt cx="0" cy="0"/>
-        </a:xfrm>
-      </p:grpSpPr>
-      <p:sp>
-        <p:nvSpPr>
-          <p:cNvPr id="4" name="제목 3"/>
-          <p:cNvSpPr>
-            <a:spLocks noGrp="1"/>
-          </p:cNvSpPr>
-          <p:nvPr>
-            <p:ph type="title"/>
-          </p:nvPr>
-        </p:nvSpPr>
-        <p:spPr>
-          <a:xfrm>
-            <a:off x="250190" y="0"/>
-            <a:ext cx="3373755" cy="650875"/>
-          </a:xfrm>
-        </p:spPr>
-        <p:txBody>
-          <a:bodyPr anchor="ctr">
-            <a:normAutofit/>
-          </a:bodyPr>
-          <a:lstStyle/>
-          <a:p>
-            <a:pPr lvl="0">
-              <a:defRPr/>
-            </a:pPr>
-            <a:r>
-              <a:rPr lang="ko-KR" altLang="en-US" sz="2800" smtClean="0"/>
-              <a:t>시퀀스 다이어그램</a:t>
-            </a:r>
-            <a:endParaRPr lang="ko-KR" altLang="en-US" sz="2800"/>
-          </a:p>
-        </p:txBody>
-      </p:sp>
-      <p:sp>
-        <p:nvSpPr>
-          <p:cNvPr id="6" name="텍스트 개체 틀 4"/>
-          <p:cNvSpPr>
-            <a:spLocks noGrp="1"/>
-          </p:cNvSpPr>
-          <p:nvPr>
-            <p:ph type="body" sz="half" idx="2"/>
-          </p:nvPr>
-        </p:nvSpPr>
-        <p:spPr>
-          <a:xfrm>
-            <a:off x="3424555" y="0"/>
-            <a:ext cx="3931920" cy="650875"/>
-          </a:xfrm>
-        </p:spPr>
-        <p:txBody>
-          <a:bodyPr anchor="ctr">
-            <a:normAutofit/>
-          </a:bodyPr>
-          <a:lstStyle/>
-          <a:p>
-            <a:pPr lvl="0">
-              <a:defRPr/>
-            </a:pPr>
-            <a:r>
-              <a:rPr lang="en-US" altLang="ko-KR" smtClean="0"/>
-              <a:t>Workout – </a:t>
-            </a:r>
-            <a:r>
-              <a:rPr lang="en-US" altLang="ko-KR" smtClean="0"/>
-              <a:t>Admin Video Update</a:t>
-            </a:r>
-            <a:endParaRPr lang="ko-KR" altLang="en-US"/>
-          </a:p>
-        </p:txBody>
-      </p:sp>
-      <p:pic>
-        <p:nvPicPr>
-          <p:cNvPr id="11266" name="Picture 2" descr="C:\Users\DongKyun\Documents\GitHub\KHFinalProject\보고서\클래스\시퀀스_미향\관리자 동영상 update.png"/>
-          <p:cNvPicPr>
-            <a:picLocks noChangeAspect="1" noChangeArrowheads="1"/>
-          </p:cNvPicPr>
-          <p:nvPr/>
-        </p:nvPicPr>
-        <p:blipFill>
-          <a:blip r:embed="rId2">
-            <a:extLst>
-              <a:ext uri="{28A0092B-C50C-407E-A947-70E740481C1C}">
-                <a14:useLocalDpi xmlns:a14="http://schemas.microsoft.com/office/drawing/2010/main" val="0"/>
-              </a:ext>
-            </a:extLst>
-          </a:blip>
-          <a:srcRect/>
-          <a:stretch>
-            <a:fillRect/>
-          </a:stretch>
-        </p:blipFill>
-        <p:spPr bwMode="auto">
-          <a:xfrm>
-            <a:off x="566738" y="1371600"/>
-            <a:ext cx="10977562" cy="4761410"/>
-          </a:xfrm>
-          <a:prstGeom prst="rect">
-            <a:avLst/>
-          </a:prstGeom>
-          <a:noFill/>
-          <a:extLst>
-            <a:ext uri="{909E8E84-426E-40DD-AFC4-6F175D3DCCD1}">
-              <a14:hiddenFill xmlns:a14="http://schemas.microsoft.com/office/drawing/2010/main">
-                <a:solidFill>
-                  <a:srgbClr val="FFFFFF"/>
-                </a:solidFill>
-              </a14:hiddenFill>
-            </a:ext>
-          </a:extLst>
-        </p:spPr>
-      </p:pic>
-    </p:spTree>
-    <p:extLst>
-      <p:ext uri="{BB962C8B-B14F-4D97-AF65-F5344CB8AC3E}">
-        <p14:creationId xmlns:p14="http://schemas.microsoft.com/office/powerpoint/2010/main" val="1431285520"/>
+        <p14:creationId xmlns:p14="http://schemas.microsoft.com/office/powerpoint/2010/main" val="1019059289"/>
       </p:ext>
     </p:extLst>
   </p:cSld>
@@ -8481,739 +7546,6 @@
         </p:spPr>
       </p:pic>
     </p:spTree>
-  </p:cSld>
-  <p:clrMapOvr>
-    <a:masterClrMapping/>
-  </p:clrMapOvr>
-  <p:transition/>
-  <p:timing>
-    <p:tnLst>
-      <p:par>
-        <p:cTn id="1" dur="indefinite" restart="never" nodeType="tmRoot"/>
-      </p:par>
-    </p:tnLst>
-  </p:timing>
-</p:sld>
-</file>
-
-<file path=ppt/slides/slide40.xml><?xml version="1.0" encoding="utf-8"?>
-<p:sld xmlns:a="http://schemas.openxmlformats.org/drawingml/2006/main" xmlns:r="http://schemas.openxmlformats.org/officeDocument/2006/relationships" xmlns:p="http://schemas.openxmlformats.org/presentationml/2006/main">
-  <p:cSld>
-    <p:spTree>
-      <p:nvGrpSpPr>
-        <p:cNvPr id="1" name=""/>
-        <p:cNvGrpSpPr/>
-        <p:nvPr/>
-      </p:nvGrpSpPr>
-      <p:grpSpPr>
-        <a:xfrm>
-          <a:off x="0" y="0"/>
-          <a:ext cx="0" cy="0"/>
-          <a:chOff x="0" y="0"/>
-          <a:chExt cx="0" cy="0"/>
-        </a:xfrm>
-      </p:grpSpPr>
-      <p:sp>
-        <p:nvSpPr>
-          <p:cNvPr id="4" name="제목 3"/>
-          <p:cNvSpPr>
-            <a:spLocks noGrp="1"/>
-          </p:cNvSpPr>
-          <p:nvPr>
-            <p:ph type="title"/>
-          </p:nvPr>
-        </p:nvSpPr>
-        <p:spPr>
-          <a:xfrm>
-            <a:off x="250190" y="0"/>
-            <a:ext cx="3373755" cy="650875"/>
-          </a:xfrm>
-        </p:spPr>
-        <p:txBody>
-          <a:bodyPr anchor="ctr">
-            <a:normAutofit/>
-          </a:bodyPr>
-          <a:lstStyle/>
-          <a:p>
-            <a:pPr lvl="0">
-              <a:defRPr/>
-            </a:pPr>
-            <a:r>
-              <a:rPr lang="ko-KR" altLang="en-US" sz="2800" smtClean="0"/>
-              <a:t>시퀀스 다이어그램</a:t>
-            </a:r>
-            <a:endParaRPr lang="ko-KR" altLang="en-US" sz="2800"/>
-          </a:p>
-        </p:txBody>
-      </p:sp>
-      <p:sp>
-        <p:nvSpPr>
-          <p:cNvPr id="6" name="텍스트 개체 틀 4"/>
-          <p:cNvSpPr>
-            <a:spLocks noGrp="1"/>
-          </p:cNvSpPr>
-          <p:nvPr>
-            <p:ph type="body" sz="half" idx="2"/>
-          </p:nvPr>
-        </p:nvSpPr>
-        <p:spPr>
-          <a:xfrm>
-            <a:off x="3424555" y="0"/>
-            <a:ext cx="3931920" cy="650875"/>
-          </a:xfrm>
-        </p:spPr>
-        <p:txBody>
-          <a:bodyPr anchor="ctr">
-            <a:normAutofit/>
-          </a:bodyPr>
-          <a:lstStyle/>
-          <a:p>
-            <a:pPr lvl="0">
-              <a:defRPr/>
-            </a:pPr>
-            <a:r>
-              <a:rPr lang="en-US" altLang="ko-KR" smtClean="0"/>
-              <a:t>Admin - </a:t>
-            </a:r>
-            <a:r>
-              <a:rPr lang="en-US" altLang="ko-KR" smtClean="0"/>
-              <a:t>UserListView</a:t>
-            </a:r>
-            <a:endParaRPr lang="ko-KR" altLang="en-US"/>
-          </a:p>
-        </p:txBody>
-      </p:sp>
-      <p:pic>
-        <p:nvPicPr>
-          <p:cNvPr id="1026" name="Picture 2" descr="C:\Users\DongKyun\Documents\GitHub\KHFinalProject\보고서\클래스\시퀀스_이규연\UserListView.png"/>
-          <p:cNvPicPr>
-            <a:picLocks noChangeAspect="1" noChangeArrowheads="1"/>
-          </p:cNvPicPr>
-          <p:nvPr/>
-        </p:nvPicPr>
-        <p:blipFill>
-          <a:blip r:embed="rId2">
-            <a:extLst>
-              <a:ext uri="{28A0092B-C50C-407E-A947-70E740481C1C}">
-                <a14:useLocalDpi xmlns:a14="http://schemas.microsoft.com/office/drawing/2010/main" val="0"/>
-              </a:ext>
-            </a:extLst>
-          </a:blip>
-          <a:srcRect/>
-          <a:stretch>
-            <a:fillRect/>
-          </a:stretch>
-        </p:blipFill>
-        <p:spPr bwMode="auto">
-          <a:xfrm>
-            <a:off x="733423" y="1343024"/>
-            <a:ext cx="10801351" cy="4988335"/>
-          </a:xfrm>
-          <a:prstGeom prst="rect">
-            <a:avLst/>
-          </a:prstGeom>
-          <a:noFill/>
-          <a:extLst>
-            <a:ext uri="{909E8E84-426E-40DD-AFC4-6F175D3DCCD1}">
-              <a14:hiddenFill xmlns:a14="http://schemas.microsoft.com/office/drawing/2010/main">
-                <a:solidFill>
-                  <a:srgbClr val="FFFFFF"/>
-                </a:solidFill>
-              </a14:hiddenFill>
-            </a:ext>
-          </a:extLst>
-        </p:spPr>
-      </p:pic>
-    </p:spTree>
-    <p:extLst>
-      <p:ext uri="{BB962C8B-B14F-4D97-AF65-F5344CB8AC3E}">
-        <p14:creationId xmlns:p14="http://schemas.microsoft.com/office/powerpoint/2010/main" val="1019059289"/>
-      </p:ext>
-    </p:extLst>
-  </p:cSld>
-  <p:clrMapOvr>
-    <a:masterClrMapping/>
-  </p:clrMapOvr>
-  <p:transition/>
-  <p:timing>
-    <p:tnLst>
-      <p:par>
-        <p:cTn id="1" dur="indefinite" restart="never" nodeType="tmRoot"/>
-      </p:par>
-    </p:tnLst>
-  </p:timing>
-</p:sld>
-</file>
-
-<file path=ppt/slides/slide41.xml><?xml version="1.0" encoding="utf-8"?>
-<p:sld xmlns:a="http://schemas.openxmlformats.org/drawingml/2006/main" xmlns:r="http://schemas.openxmlformats.org/officeDocument/2006/relationships" xmlns:p="http://schemas.openxmlformats.org/presentationml/2006/main">
-  <p:cSld>
-    <p:spTree>
-      <p:nvGrpSpPr>
-        <p:cNvPr id="1" name=""/>
-        <p:cNvGrpSpPr/>
-        <p:nvPr/>
-      </p:nvGrpSpPr>
-      <p:grpSpPr>
-        <a:xfrm>
-          <a:off x="0" y="0"/>
-          <a:ext cx="0" cy="0"/>
-          <a:chOff x="0" y="0"/>
-          <a:chExt cx="0" cy="0"/>
-        </a:xfrm>
-      </p:grpSpPr>
-      <p:sp>
-        <p:nvSpPr>
-          <p:cNvPr id="4" name="제목 3"/>
-          <p:cNvSpPr>
-            <a:spLocks noGrp="1"/>
-          </p:cNvSpPr>
-          <p:nvPr>
-            <p:ph type="title"/>
-          </p:nvPr>
-        </p:nvSpPr>
-        <p:spPr>
-          <a:xfrm>
-            <a:off x="250190" y="0"/>
-            <a:ext cx="3373755" cy="650875"/>
-          </a:xfrm>
-        </p:spPr>
-        <p:txBody>
-          <a:bodyPr anchor="ctr">
-            <a:normAutofit/>
-          </a:bodyPr>
-          <a:lstStyle/>
-          <a:p>
-            <a:pPr lvl="0">
-              <a:defRPr/>
-            </a:pPr>
-            <a:r>
-              <a:rPr lang="ko-KR" altLang="en-US" sz="2800" smtClean="0"/>
-              <a:t>시퀀스 다이어그램</a:t>
-            </a:r>
-            <a:endParaRPr lang="ko-KR" altLang="en-US" sz="2800"/>
-          </a:p>
-        </p:txBody>
-      </p:sp>
-      <p:sp>
-        <p:nvSpPr>
-          <p:cNvPr id="6" name="텍스트 개체 틀 4"/>
-          <p:cNvSpPr>
-            <a:spLocks noGrp="1"/>
-          </p:cNvSpPr>
-          <p:nvPr>
-            <p:ph type="body" sz="half" idx="2"/>
-          </p:nvPr>
-        </p:nvSpPr>
-        <p:spPr>
-          <a:xfrm>
-            <a:off x="3424555" y="0"/>
-            <a:ext cx="3931920" cy="650875"/>
-          </a:xfrm>
-        </p:spPr>
-        <p:txBody>
-          <a:bodyPr anchor="ctr">
-            <a:normAutofit/>
-          </a:bodyPr>
-          <a:lstStyle/>
-          <a:p>
-            <a:pPr lvl="0">
-              <a:defRPr/>
-            </a:pPr>
-            <a:r>
-              <a:rPr lang="en-US" altLang="ko-KR" smtClean="0"/>
-              <a:t>Admin - BuisnessListView</a:t>
-            </a:r>
-            <a:endParaRPr lang="ko-KR" altLang="en-US"/>
-          </a:p>
-        </p:txBody>
-      </p:sp>
-      <p:pic>
-        <p:nvPicPr>
-          <p:cNvPr id="2050" name="Picture 2" descr="C:\Users\DongKyun\Documents\GitHub\KHFinalProject\보고서\클래스\시퀀스_이규연\BuisnessListView.png"/>
-          <p:cNvPicPr>
-            <a:picLocks noChangeAspect="1" noChangeArrowheads="1"/>
-          </p:cNvPicPr>
-          <p:nvPr/>
-        </p:nvPicPr>
-        <p:blipFill>
-          <a:blip r:embed="rId2">
-            <a:extLst>
-              <a:ext uri="{28A0092B-C50C-407E-A947-70E740481C1C}">
-                <a14:useLocalDpi xmlns:a14="http://schemas.microsoft.com/office/drawing/2010/main" val="0"/>
-              </a:ext>
-            </a:extLst>
-          </a:blip>
-          <a:srcRect/>
-          <a:stretch>
-            <a:fillRect/>
-          </a:stretch>
-        </p:blipFill>
-        <p:spPr bwMode="auto">
-          <a:xfrm>
-            <a:off x="828675" y="1476372"/>
-            <a:ext cx="10222872" cy="4562475"/>
-          </a:xfrm>
-          <a:prstGeom prst="rect">
-            <a:avLst/>
-          </a:prstGeom>
-          <a:noFill/>
-          <a:extLst>
-            <a:ext uri="{909E8E84-426E-40DD-AFC4-6F175D3DCCD1}">
-              <a14:hiddenFill xmlns:a14="http://schemas.microsoft.com/office/drawing/2010/main">
-                <a:solidFill>
-                  <a:srgbClr val="FFFFFF"/>
-                </a:solidFill>
-              </a14:hiddenFill>
-            </a:ext>
-          </a:extLst>
-        </p:spPr>
-      </p:pic>
-    </p:spTree>
-    <p:extLst>
-      <p:ext uri="{BB962C8B-B14F-4D97-AF65-F5344CB8AC3E}">
-        <p14:creationId xmlns:p14="http://schemas.microsoft.com/office/powerpoint/2010/main" val="1299748965"/>
-      </p:ext>
-    </p:extLst>
-  </p:cSld>
-  <p:clrMapOvr>
-    <a:masterClrMapping/>
-  </p:clrMapOvr>
-  <p:transition/>
-  <p:timing>
-    <p:tnLst>
-      <p:par>
-        <p:cTn id="1" dur="indefinite" restart="never" nodeType="tmRoot"/>
-      </p:par>
-    </p:tnLst>
-  </p:timing>
-</p:sld>
-</file>
-
-<file path=ppt/slides/slide42.xml><?xml version="1.0" encoding="utf-8"?>
-<p:sld xmlns:a="http://schemas.openxmlformats.org/drawingml/2006/main" xmlns:r="http://schemas.openxmlformats.org/officeDocument/2006/relationships" xmlns:p="http://schemas.openxmlformats.org/presentationml/2006/main">
-  <p:cSld>
-    <p:spTree>
-      <p:nvGrpSpPr>
-        <p:cNvPr id="1" name=""/>
-        <p:cNvGrpSpPr/>
-        <p:nvPr/>
-      </p:nvGrpSpPr>
-      <p:grpSpPr>
-        <a:xfrm>
-          <a:off x="0" y="0"/>
-          <a:ext cx="0" cy="0"/>
-          <a:chOff x="0" y="0"/>
-          <a:chExt cx="0" cy="0"/>
-        </a:xfrm>
-      </p:grpSpPr>
-      <p:sp>
-        <p:nvSpPr>
-          <p:cNvPr id="4" name="제목 3"/>
-          <p:cNvSpPr>
-            <a:spLocks noGrp="1"/>
-          </p:cNvSpPr>
-          <p:nvPr>
-            <p:ph type="title"/>
-          </p:nvPr>
-        </p:nvSpPr>
-        <p:spPr>
-          <a:xfrm>
-            <a:off x="250190" y="0"/>
-            <a:ext cx="3373755" cy="650875"/>
-          </a:xfrm>
-        </p:spPr>
-        <p:txBody>
-          <a:bodyPr anchor="ctr">
-            <a:normAutofit/>
-          </a:bodyPr>
-          <a:lstStyle/>
-          <a:p>
-            <a:pPr lvl="0">
-              <a:defRPr/>
-            </a:pPr>
-            <a:r>
-              <a:rPr lang="ko-KR" altLang="en-US" sz="2800" smtClean="0"/>
-              <a:t>시퀀스 다이어그램</a:t>
-            </a:r>
-            <a:endParaRPr lang="ko-KR" altLang="en-US" sz="2800"/>
-          </a:p>
-        </p:txBody>
-      </p:sp>
-      <p:sp>
-        <p:nvSpPr>
-          <p:cNvPr id="6" name="텍스트 개체 틀 4"/>
-          <p:cNvSpPr>
-            <a:spLocks noGrp="1"/>
-          </p:cNvSpPr>
-          <p:nvPr>
-            <p:ph type="body" sz="half" idx="2"/>
-          </p:nvPr>
-        </p:nvSpPr>
-        <p:spPr>
-          <a:xfrm>
-            <a:off x="3424555" y="0"/>
-            <a:ext cx="3931920" cy="650875"/>
-          </a:xfrm>
-        </p:spPr>
-        <p:txBody>
-          <a:bodyPr anchor="ctr">
-            <a:normAutofit/>
-          </a:bodyPr>
-          <a:lstStyle/>
-          <a:p>
-            <a:pPr lvl="0">
-              <a:defRPr/>
-            </a:pPr>
-            <a:r>
-              <a:rPr lang="en-US" altLang="ko-KR" smtClean="0"/>
-              <a:t>Admin - </a:t>
-            </a:r>
-            <a:r>
-              <a:rPr lang="en-US" altLang="ko-KR" smtClean="0"/>
-              <a:t>HealthVideoList</a:t>
-            </a:r>
-            <a:endParaRPr lang="ko-KR" altLang="en-US"/>
-          </a:p>
-        </p:txBody>
-      </p:sp>
-      <p:pic>
-        <p:nvPicPr>
-          <p:cNvPr id="3074" name="Picture 2" descr="C:\Users\DongKyun\Documents\GitHub\KHFinalProject\보고서\클래스\시퀀스_이규연\HealthVideoList.png"/>
-          <p:cNvPicPr>
-            <a:picLocks noChangeAspect="1" noChangeArrowheads="1"/>
-          </p:cNvPicPr>
-          <p:nvPr/>
-        </p:nvPicPr>
-        <p:blipFill>
-          <a:blip r:embed="rId2">
-            <a:extLst>
-              <a:ext uri="{28A0092B-C50C-407E-A947-70E740481C1C}">
-                <a14:useLocalDpi xmlns:a14="http://schemas.microsoft.com/office/drawing/2010/main" val="0"/>
-              </a:ext>
-            </a:extLst>
-          </a:blip>
-          <a:srcRect/>
-          <a:stretch>
-            <a:fillRect/>
-          </a:stretch>
-        </p:blipFill>
-        <p:spPr bwMode="auto">
-          <a:xfrm>
-            <a:off x="1252537" y="1504949"/>
-            <a:ext cx="9444037" cy="4593069"/>
-          </a:xfrm>
-          <a:prstGeom prst="rect">
-            <a:avLst/>
-          </a:prstGeom>
-          <a:noFill/>
-          <a:extLst>
-            <a:ext uri="{909E8E84-426E-40DD-AFC4-6F175D3DCCD1}">
-              <a14:hiddenFill xmlns:a14="http://schemas.microsoft.com/office/drawing/2010/main">
-                <a:solidFill>
-                  <a:srgbClr val="FFFFFF"/>
-                </a:solidFill>
-              </a14:hiddenFill>
-            </a:ext>
-          </a:extLst>
-        </p:spPr>
-      </p:pic>
-    </p:spTree>
-    <p:extLst>
-      <p:ext uri="{BB962C8B-B14F-4D97-AF65-F5344CB8AC3E}">
-        <p14:creationId xmlns:p14="http://schemas.microsoft.com/office/powerpoint/2010/main" val="3945823549"/>
-      </p:ext>
-    </p:extLst>
-  </p:cSld>
-  <p:clrMapOvr>
-    <a:masterClrMapping/>
-  </p:clrMapOvr>
-  <p:transition/>
-  <p:timing>
-    <p:tnLst>
-      <p:par>
-        <p:cTn id="1" dur="indefinite" restart="never" nodeType="tmRoot"/>
-      </p:par>
-    </p:tnLst>
-  </p:timing>
-</p:sld>
-</file>
-
-<file path=ppt/slides/slide43.xml><?xml version="1.0" encoding="utf-8"?>
-<p:sld xmlns:a="http://schemas.openxmlformats.org/drawingml/2006/main" xmlns:r="http://schemas.openxmlformats.org/officeDocument/2006/relationships" xmlns:p="http://schemas.openxmlformats.org/presentationml/2006/main">
-  <p:cSld>
-    <p:spTree>
-      <p:nvGrpSpPr>
-        <p:cNvPr id="1" name=""/>
-        <p:cNvGrpSpPr/>
-        <p:nvPr/>
-      </p:nvGrpSpPr>
-      <p:grpSpPr>
-        <a:xfrm>
-          <a:off x="0" y="0"/>
-          <a:ext cx="0" cy="0"/>
-          <a:chOff x="0" y="0"/>
-          <a:chExt cx="0" cy="0"/>
-        </a:xfrm>
-      </p:grpSpPr>
-      <p:sp>
-        <p:nvSpPr>
-          <p:cNvPr id="4" name="제목 3"/>
-          <p:cNvSpPr>
-            <a:spLocks noGrp="1"/>
-          </p:cNvSpPr>
-          <p:nvPr>
-            <p:ph type="title"/>
-          </p:nvPr>
-        </p:nvSpPr>
-        <p:spPr>
-          <a:xfrm>
-            <a:off x="250190" y="0"/>
-            <a:ext cx="3373755" cy="650875"/>
-          </a:xfrm>
-        </p:spPr>
-        <p:txBody>
-          <a:bodyPr anchor="ctr">
-            <a:normAutofit/>
-          </a:bodyPr>
-          <a:lstStyle/>
-          <a:p>
-            <a:pPr lvl="0">
-              <a:defRPr/>
-            </a:pPr>
-            <a:r>
-              <a:rPr lang="ko-KR" altLang="en-US" sz="2800" smtClean="0"/>
-              <a:t>시퀀스 다이어그램</a:t>
-            </a:r>
-            <a:endParaRPr lang="ko-KR" altLang="en-US" sz="2800"/>
-          </a:p>
-        </p:txBody>
-      </p:sp>
-      <p:sp>
-        <p:nvSpPr>
-          <p:cNvPr id="6" name="텍스트 개체 틀 4"/>
-          <p:cNvSpPr>
-            <a:spLocks noGrp="1"/>
-          </p:cNvSpPr>
-          <p:nvPr>
-            <p:ph type="body" sz="half" idx="2"/>
-          </p:nvPr>
-        </p:nvSpPr>
-        <p:spPr>
-          <a:xfrm>
-            <a:off x="3424555" y="0"/>
-            <a:ext cx="3931920" cy="650875"/>
-          </a:xfrm>
-        </p:spPr>
-        <p:txBody>
-          <a:bodyPr anchor="ctr">
-            <a:normAutofit/>
-          </a:bodyPr>
-          <a:lstStyle/>
-          <a:p>
-            <a:pPr lvl="0">
-              <a:defRPr/>
-            </a:pPr>
-            <a:r>
-              <a:rPr lang="en-US" altLang="ko-KR" smtClean="0"/>
-              <a:t>Admin - YogaVideoList</a:t>
-            </a:r>
-            <a:endParaRPr lang="ko-KR" altLang="en-US"/>
-          </a:p>
-        </p:txBody>
-      </p:sp>
-      <p:pic>
-        <p:nvPicPr>
-          <p:cNvPr id="4098" name="Picture 2" descr="C:\Users\DongKyun\Documents\GitHub\KHFinalProject\보고서\클래스\시퀀스_이규연\YogaVideoList.png"/>
-          <p:cNvPicPr>
-            <a:picLocks noChangeAspect="1" noChangeArrowheads="1"/>
-          </p:cNvPicPr>
-          <p:nvPr/>
-        </p:nvPicPr>
-        <p:blipFill>
-          <a:blip r:embed="rId2">
-            <a:extLst>
-              <a:ext uri="{28A0092B-C50C-407E-A947-70E740481C1C}">
-                <a14:useLocalDpi xmlns:a14="http://schemas.microsoft.com/office/drawing/2010/main" val="0"/>
-              </a:ext>
-            </a:extLst>
-          </a:blip>
-          <a:srcRect/>
-          <a:stretch>
-            <a:fillRect/>
-          </a:stretch>
-        </p:blipFill>
-        <p:spPr bwMode="auto">
-          <a:xfrm>
-            <a:off x="700087" y="1295399"/>
-            <a:ext cx="10644187" cy="4938395"/>
-          </a:xfrm>
-          <a:prstGeom prst="rect">
-            <a:avLst/>
-          </a:prstGeom>
-          <a:noFill/>
-          <a:extLst>
-            <a:ext uri="{909E8E84-426E-40DD-AFC4-6F175D3DCCD1}">
-              <a14:hiddenFill xmlns:a14="http://schemas.microsoft.com/office/drawing/2010/main">
-                <a:solidFill>
-                  <a:srgbClr val="FFFFFF"/>
-                </a:solidFill>
-              </a14:hiddenFill>
-            </a:ext>
-          </a:extLst>
-        </p:spPr>
-      </p:pic>
-    </p:spTree>
-    <p:extLst>
-      <p:ext uri="{BB962C8B-B14F-4D97-AF65-F5344CB8AC3E}">
-        <p14:creationId xmlns:p14="http://schemas.microsoft.com/office/powerpoint/2010/main" val="174411336"/>
-      </p:ext>
-    </p:extLst>
-  </p:cSld>
-  <p:clrMapOvr>
-    <a:masterClrMapping/>
-  </p:clrMapOvr>
-  <p:transition/>
-  <p:timing>
-    <p:tnLst>
-      <p:par>
-        <p:cTn id="1" dur="indefinite" restart="never" nodeType="tmRoot"/>
-      </p:par>
-    </p:tnLst>
-  </p:timing>
-</p:sld>
-</file>
-
-<file path=ppt/slides/slide44.xml><?xml version="1.0" encoding="utf-8"?>
-<p:sld xmlns:a="http://schemas.openxmlformats.org/drawingml/2006/main" xmlns:r="http://schemas.openxmlformats.org/officeDocument/2006/relationships" xmlns:p="http://schemas.openxmlformats.org/presentationml/2006/main">
-  <p:cSld>
-    <p:spTree>
-      <p:nvGrpSpPr>
-        <p:cNvPr id="1" name=""/>
-        <p:cNvGrpSpPr/>
-        <p:nvPr/>
-      </p:nvGrpSpPr>
-      <p:grpSpPr>
-        <a:xfrm>
-          <a:off x="0" y="0"/>
-          <a:ext cx="0" cy="0"/>
-          <a:chOff x="0" y="0"/>
-          <a:chExt cx="0" cy="0"/>
-        </a:xfrm>
-      </p:grpSpPr>
-      <p:sp>
-        <p:nvSpPr>
-          <p:cNvPr id="4" name="제목 3"/>
-          <p:cNvSpPr>
-            <a:spLocks noGrp="1"/>
-          </p:cNvSpPr>
-          <p:nvPr>
-            <p:ph type="title"/>
-          </p:nvPr>
-        </p:nvSpPr>
-        <p:spPr>
-          <a:xfrm>
-            <a:off x="250190" y="0"/>
-            <a:ext cx="3373755" cy="650875"/>
-          </a:xfrm>
-        </p:spPr>
-        <p:txBody>
-          <a:bodyPr anchor="ctr">
-            <a:normAutofit/>
-          </a:bodyPr>
-          <a:lstStyle/>
-          <a:p>
-            <a:pPr lvl="0">
-              <a:defRPr/>
-            </a:pPr>
-            <a:r>
-              <a:rPr lang="ko-KR" altLang="en-US" sz="2800" smtClean="0"/>
-              <a:t>시퀀스 다이어그램</a:t>
-            </a:r>
-            <a:endParaRPr lang="ko-KR" altLang="en-US" sz="2800"/>
-          </a:p>
-        </p:txBody>
-      </p:sp>
-      <p:sp>
-        <p:nvSpPr>
-          <p:cNvPr id="6" name="텍스트 개체 틀 4"/>
-          <p:cNvSpPr>
-            <a:spLocks noGrp="1"/>
-          </p:cNvSpPr>
-          <p:nvPr>
-            <p:ph type="body" sz="half" idx="2"/>
-          </p:nvPr>
-        </p:nvSpPr>
-        <p:spPr>
-          <a:xfrm>
-            <a:off x="3424555" y="0"/>
-            <a:ext cx="3931920" cy="650875"/>
-          </a:xfrm>
-        </p:spPr>
-        <p:txBody>
-          <a:bodyPr anchor="ctr">
-            <a:normAutofit/>
-          </a:bodyPr>
-          <a:lstStyle/>
-          <a:p>
-            <a:pPr lvl="0">
-              <a:defRPr/>
-            </a:pPr>
-            <a:r>
-              <a:rPr lang="en-US" altLang="ko-KR" smtClean="0"/>
-              <a:t>Admin - ApprovalStateListView</a:t>
-            </a:r>
-            <a:endParaRPr lang="ko-KR" altLang="en-US"/>
-          </a:p>
-        </p:txBody>
-      </p:sp>
-      <p:pic>
-        <p:nvPicPr>
-          <p:cNvPr id="5122" name="Picture 2" descr="C:\Users\DongKyun\Documents\GitHub\KHFinalProject\보고서\클래스\시퀀스_이규연\ApprovalStateListView.png"/>
-          <p:cNvPicPr>
-            <a:picLocks noChangeAspect="1" noChangeArrowheads="1"/>
-          </p:cNvPicPr>
-          <p:nvPr/>
-        </p:nvPicPr>
-        <p:blipFill>
-          <a:blip r:embed="rId2">
-            <a:extLst>
-              <a:ext uri="{28A0092B-C50C-407E-A947-70E740481C1C}">
-                <a14:useLocalDpi xmlns:a14="http://schemas.microsoft.com/office/drawing/2010/main" val="0"/>
-              </a:ext>
-            </a:extLst>
-          </a:blip>
-          <a:srcRect/>
-          <a:stretch>
-            <a:fillRect/>
-          </a:stretch>
-        </p:blipFill>
-        <p:spPr bwMode="auto">
-          <a:xfrm>
-            <a:off x="857250" y="1552574"/>
-            <a:ext cx="10477500" cy="4535399"/>
-          </a:xfrm>
-          <a:prstGeom prst="rect">
-            <a:avLst/>
-          </a:prstGeom>
-          <a:noFill/>
-          <a:extLst>
-            <a:ext uri="{909E8E84-426E-40DD-AFC4-6F175D3DCCD1}">
-              <a14:hiddenFill xmlns:a14="http://schemas.microsoft.com/office/drawing/2010/main">
-                <a:solidFill>
-                  <a:srgbClr val="FFFFFF"/>
-                </a:solidFill>
-              </a14:hiddenFill>
-            </a:ext>
-          </a:extLst>
-        </p:spPr>
-      </p:pic>
-    </p:spTree>
-    <p:extLst>
-      <p:ext uri="{BB962C8B-B14F-4D97-AF65-F5344CB8AC3E}">
-        <p14:creationId xmlns:p14="http://schemas.microsoft.com/office/powerpoint/2010/main" val="2223051877"/>
-      </p:ext>
-    </p:extLst>
   </p:cSld>
   <p:clrMapOvr>
     <a:masterClrMapping/>

--- a/보고서/클래스설계서_Final_Project.pptx
+++ b/보고서/클래스설계서_Final_Project.pptx
@@ -26,34 +26,23 @@
     <p:sldId id="323" r:id="rId20"/>
     <p:sldId id="324" r:id="rId21"/>
     <p:sldId id="311" r:id="rId22"/>
-    <p:sldId id="325" r:id="rId23"/>
-    <p:sldId id="326" r:id="rId24"/>
-    <p:sldId id="327" r:id="rId25"/>
-    <p:sldId id="328" r:id="rId26"/>
-    <p:sldId id="329" r:id="rId27"/>
-    <p:sldId id="330" r:id="rId28"/>
-    <p:sldId id="331" r:id="rId29"/>
-    <p:sldId id="332" r:id="rId30"/>
-    <p:sldId id="333" r:id="rId31"/>
-    <p:sldId id="334" r:id="rId32"/>
-    <p:sldId id="335" r:id="rId33"/>
-    <p:sldId id="312" r:id="rId34"/>
-    <p:sldId id="315" r:id="rId35"/>
-    <p:sldId id="316" r:id="rId36"/>
-    <p:sldId id="317" r:id="rId37"/>
-    <p:sldId id="313" r:id="rId38"/>
-    <p:sldId id="314" r:id="rId39"/>
+    <p:sldId id="312" r:id="rId23"/>
+    <p:sldId id="315" r:id="rId24"/>
+    <p:sldId id="316" r:id="rId25"/>
+    <p:sldId id="317" r:id="rId26"/>
+    <p:sldId id="313" r:id="rId27"/>
+    <p:sldId id="314" r:id="rId28"/>
   </p:sldIdLst>
   <p:sldSz cx="12192000" cy="6858000"/>
   <p:notesSz cx="6858000" cy="9144000"/>
   <p:embeddedFontLst>
     <p:embeddedFont>
       <p:font typeface="THE정고딕150" pitchFamily="18" charset="-127"/>
-      <p:regular r:id="rId40"/>
+      <p:regular r:id="rId29"/>
     </p:embeddedFont>
     <p:embeddedFont>
       <p:font typeface="THE정고딕130" pitchFamily="18" charset="-127"/>
-      <p:regular r:id="rId41"/>
+      <p:regular r:id="rId30"/>
     </p:embeddedFont>
   </p:embeddedFontLst>
   <p:defaultTextStyle>
@@ -153,7 +142,7 @@
   </p:defaultTextStyle>
   <p:extLst>
     <p:ext uri="{EFAFB233-063F-42B5-8137-9DF3F51BA10A}">
-      <p15:sldGuideLst xmlns="" xmlns:p14="http://schemas.microsoft.com/office/powerpoint/2010/main" xmlns:p15="http://schemas.microsoft.com/office/powerpoint/2012/main">
+      <p15:sldGuideLst xmlns:p15="http://schemas.microsoft.com/office/powerpoint/2012/main" xmlns:p14="http://schemas.microsoft.com/office/powerpoint/2010/main" xmlns="">
         <p15:guide id="0" orient="horz" pos="2157" userDrawn="1">
           <p15:clr>
             <a:srgbClr val="A4A3A4"/>
@@ -1810,7 +1799,7 @@
           <p:cNvPr id="8" name="직사각형 7">
             <a:extLst>
               <a:ext uri="{FF2B5EF4-FFF2-40B4-BE49-F238E27FC236}">
-                <a16:creationId xmlns:a16="http://schemas.microsoft.com/office/drawing/2014/main" xmlns="" id="{EC9D3B80-2639-45EA-95B5-D9EAD7F532D5}"/>
+                <a16:creationId xmlns="" xmlns:a16="http://schemas.microsoft.com/office/drawing/2014/main" id="{EC9D3B80-2639-45EA-95B5-D9EAD7F532D5}"/>
               </a:ext>
             </a:extLst>
           </p:cNvPr>
@@ -3373,7 +3362,7 @@
           <p:cNvPr id="2" name="그룹 1">
             <a:extLst>
               <a:ext uri="{FF2B5EF4-FFF2-40B4-BE49-F238E27FC236}">
-                <a16:creationId xmlns:p14="http://schemas.microsoft.com/office/powerpoint/2010/main" xmlns:a16="http://schemas.microsoft.com/office/drawing/2014/main" xmlns="" id="{C71E5FE6-3E6D-4092-81AA-962DB5284ABF}"/>
+                <a16:creationId xmlns="" xmlns:a16="http://schemas.microsoft.com/office/drawing/2014/main" xmlns:p14="http://schemas.microsoft.com/office/powerpoint/2010/main" id="{C71E5FE6-3E6D-4092-81AA-962DB5284ABF}"/>
               </a:ext>
             </a:extLst>
           </p:cNvPr>
@@ -3455,7 +3444,7 @@
             <p:cNvPr id="6" name="TextBox 5">
               <a:extLst>
                 <a:ext uri="{FF2B5EF4-FFF2-40B4-BE49-F238E27FC236}">
-                  <a16:creationId xmlns:p14="http://schemas.microsoft.com/office/powerpoint/2010/main" xmlns:a16="http://schemas.microsoft.com/office/drawing/2014/main" xmlns="" id="{BCB0E9E3-FAB5-4E31-83EE-08A0FE55BB4A}"/>
+                  <a16:creationId xmlns="" xmlns:a16="http://schemas.microsoft.com/office/drawing/2014/main" xmlns:p14="http://schemas.microsoft.com/office/powerpoint/2010/main" id="{BCB0E9E3-FAB5-4E31-83EE-08A0FE55BB4A}"/>
                 </a:ext>
               </a:extLst>
             </p:cNvPr>
@@ -4591,7 +4580,7 @@
           <p:cNvPr id="21" name="직사각형 20">
             <a:extLst>
               <a:ext uri="{FF2B5EF4-FFF2-40B4-BE49-F238E27FC236}">
-                <a16:creationId xmlns:p14="http://schemas.microsoft.com/office/powerpoint/2010/main" xmlns:a16="http://schemas.microsoft.com/office/drawing/2014/main" xmlns="" id="{63D8309B-220E-4F90-B697-6E756550EC24}"/>
+                <a16:creationId xmlns="" xmlns:a16="http://schemas.microsoft.com/office/drawing/2014/main" xmlns:p14="http://schemas.microsoft.com/office/powerpoint/2010/main" id="{63D8309B-220E-4F90-B697-6E756550EC24}"/>
               </a:ext>
             </a:extLst>
           </p:cNvPr>
@@ -4747,7 +4736,7 @@
             <p:cNvPr id="6" name="TextBox 5">
               <a:extLst>
                 <a:ext uri="{FF2B5EF4-FFF2-40B4-BE49-F238E27FC236}">
-                  <a16:creationId xmlns:p14="http://schemas.microsoft.com/office/powerpoint/2010/main" xmlns:a16="http://schemas.microsoft.com/office/drawing/2014/main" xmlns="" id="{BCB0E9E3-FAB5-4E31-83EE-08A0FE55BB4A}"/>
+                  <a16:creationId xmlns="" xmlns:a16="http://schemas.microsoft.com/office/drawing/2014/main" xmlns:p14="http://schemas.microsoft.com/office/powerpoint/2010/main" id="{BCB0E9E3-FAB5-4E31-83EE-08A0FE55BB4A}"/>
                 </a:ext>
               </a:extLst>
             </p:cNvPr>
@@ -4872,7 +4861,7 @@
             <p:cNvPr id="20" name="TextBox 19">
               <a:extLst>
                 <a:ext uri="{FF2B5EF4-FFF2-40B4-BE49-F238E27FC236}">
-                  <a16:creationId xmlns:p14="http://schemas.microsoft.com/office/powerpoint/2010/main" xmlns:a16="http://schemas.microsoft.com/office/drawing/2014/main" xmlns="" id="{BCB0E9E3-FAB5-4E31-83EE-08A0FE55BB4A}"/>
+                  <a16:creationId xmlns="" xmlns:a16="http://schemas.microsoft.com/office/drawing/2014/main" xmlns:p14="http://schemas.microsoft.com/office/powerpoint/2010/main" id="{BCB0E9E3-FAB5-4E31-83EE-08A0FE55BB4A}"/>
                 </a:ext>
               </a:extLst>
             </p:cNvPr>
@@ -5017,7 +5006,7 @@
             <p:cNvPr id="24" name="TextBox 23">
               <a:extLst>
                 <a:ext uri="{FF2B5EF4-FFF2-40B4-BE49-F238E27FC236}">
-                  <a16:creationId xmlns:p14="http://schemas.microsoft.com/office/powerpoint/2010/main" xmlns:a16="http://schemas.microsoft.com/office/drawing/2014/main" xmlns="" id="{BCB0E9E3-FAB5-4E31-83EE-08A0FE55BB4A}"/>
+                  <a16:creationId xmlns="" xmlns:a16="http://schemas.microsoft.com/office/drawing/2014/main" xmlns:p14="http://schemas.microsoft.com/office/powerpoint/2010/main" id="{BCB0E9E3-FAB5-4E31-83EE-08A0FE55BB4A}"/>
                 </a:ext>
               </a:extLst>
             </p:cNvPr>
@@ -5415,16 +5404,57 @@
             </a:pPr>
             <a:r>
               <a:rPr lang="en-US" altLang="ko-KR" smtClean="0"/>
-              <a:t>Gym</a:t>
+              <a:t>Community - CommunityBoardList</a:t>
             </a:r>
             <a:endParaRPr lang="ko-KR" altLang="en-US"/>
           </a:p>
         </p:txBody>
       </p:sp>
+      <p:pic>
+        <p:nvPicPr>
+          <p:cNvPr id="3074" name="Picture 2" descr="C:\Users\DongKyun\Documents\GitHub\KHFinalProject\보고서\클래스\리스트.png"/>
+          <p:cNvPicPr>
+            <a:picLocks noChangeAspect="1" noChangeArrowheads="1"/>
+          </p:cNvPicPr>
+          <p:nvPr/>
+        </p:nvPicPr>
+        <p:blipFill>
+          <a:blip r:embed="rId2">
+            <a:extLst>
+              <a:ext uri="{28A0092B-C50C-407E-A947-70E740481C1C}">
+                <a14:useLocalDpi xmlns:a14="http://schemas.microsoft.com/office/drawing/2010/main" val="0"/>
+              </a:ext>
+            </a:extLst>
+          </a:blip>
+          <a:srcRect/>
+          <a:stretch>
+            <a:fillRect/>
+          </a:stretch>
+        </p:blipFill>
+        <p:spPr bwMode="auto">
+          <a:xfrm>
+            <a:off x="0" y="650874"/>
+            <a:ext cx="12192000" cy="6207125"/>
+          </a:xfrm>
+          <a:prstGeom prst="rect">
+            <a:avLst/>
+          </a:prstGeom>
+          <a:noFill/>
+          <a:extLst>
+            <a:ext uri="{909E8E84-426E-40DD-AFC4-6F175D3DCCD1}">
+              <a14:hiddenFill xmlns:a14="http://schemas.microsoft.com/office/drawing/2010/main">
+                <a:solidFill>
+                  <a:srgbClr val="FFFFFF"/>
+                </a:solidFill>
+              </a14:hiddenFill>
+            </a:ext>
+          </a:extLst>
+        </p:spPr>
+      </p:pic>
     </p:spTree>
     <p:extLst>
       <p:ext uri="{BB962C8B-B14F-4D97-AF65-F5344CB8AC3E}">
-        <p14:creationId xmlns:p14="http://schemas.microsoft.com/office/powerpoint/2010/main" val="513504131"/>
+        <p14:creationId xmlns:p14="http://schemas.microsoft.com/office/powerpoint/2010/main" val="3788117990"/>
       </p:ext>
     </p:extLst>
   </p:cSld>
@@ -5519,16 +5549,57 @@
             </a:pPr>
             <a:r>
               <a:rPr lang="en-US" altLang="ko-KR" smtClean="0"/>
-              <a:t>Gym</a:t>
+              <a:t>Community - CommunityBoardInsert</a:t>
             </a:r>
             <a:endParaRPr lang="ko-KR" altLang="en-US"/>
           </a:p>
         </p:txBody>
       </p:sp>
+      <p:pic>
+        <p:nvPicPr>
+          <p:cNvPr id="4098" name="Picture 2" descr="C:\Users\DongKyun\Documents\GitHub\KHFinalProject\보고서\클래스\삽입.png"/>
+          <p:cNvPicPr>
+            <a:picLocks noChangeAspect="1" noChangeArrowheads="1"/>
+          </p:cNvPicPr>
+          <p:nvPr/>
+        </p:nvPicPr>
+        <p:blipFill>
+          <a:blip r:embed="rId2">
+            <a:extLst>
+              <a:ext uri="{28A0092B-C50C-407E-A947-70E740481C1C}">
+                <a14:useLocalDpi xmlns:a14="http://schemas.microsoft.com/office/drawing/2010/main" val="0"/>
+              </a:ext>
+            </a:extLst>
+          </a:blip>
+          <a:srcRect/>
+          <a:stretch>
+            <a:fillRect/>
+          </a:stretch>
+        </p:blipFill>
+        <p:spPr bwMode="auto">
+          <a:xfrm>
+            <a:off x="0" y="650874"/>
+            <a:ext cx="12192834" cy="6207125"/>
+          </a:xfrm>
+          <a:prstGeom prst="rect">
+            <a:avLst/>
+          </a:prstGeom>
+          <a:noFill/>
+          <a:extLst>
+            <a:ext uri="{909E8E84-426E-40DD-AFC4-6F175D3DCCD1}">
+              <a14:hiddenFill xmlns:a14="http://schemas.microsoft.com/office/drawing/2010/main">
+                <a:solidFill>
+                  <a:srgbClr val="FFFFFF"/>
+                </a:solidFill>
+              </a14:hiddenFill>
+            </a:ext>
+          </a:extLst>
+        </p:spPr>
+      </p:pic>
     </p:spTree>
     <p:extLst>
       <p:ext uri="{BB962C8B-B14F-4D97-AF65-F5344CB8AC3E}">
-        <p14:creationId xmlns:p14="http://schemas.microsoft.com/office/powerpoint/2010/main" val="2631757491"/>
+        <p14:creationId xmlns:p14="http://schemas.microsoft.com/office/powerpoint/2010/main" val="415682292"/>
       </p:ext>
     </p:extLst>
   </p:cSld>
@@ -5614,7 +5685,7 @@
         </p:spPr>
         <p:txBody>
           <a:bodyPr anchor="ctr">
-            <a:normAutofit/>
+            <a:normAutofit fontScale="92500"/>
           </a:bodyPr>
           <a:lstStyle/>
           <a:p>
@@ -5623,16 +5694,57 @@
             </a:pPr>
             <a:r>
               <a:rPr lang="en-US" altLang="ko-KR" smtClean="0"/>
-              <a:t>Gym</a:t>
+              <a:t>Community - CommunityBoardUpdate</a:t>
             </a:r>
             <a:endParaRPr lang="ko-KR" altLang="en-US"/>
           </a:p>
         </p:txBody>
       </p:sp>
+      <p:pic>
+        <p:nvPicPr>
+          <p:cNvPr id="5122" name="Picture 2" descr="C:\Users\DongKyun\Documents\GitHub\KHFinalProject\보고서\클래스\수정.png"/>
+          <p:cNvPicPr>
+            <a:picLocks noChangeAspect="1" noChangeArrowheads="1"/>
+          </p:cNvPicPr>
+          <p:nvPr/>
+        </p:nvPicPr>
+        <p:blipFill>
+          <a:blip r:embed="rId2">
+            <a:extLst>
+              <a:ext uri="{28A0092B-C50C-407E-A947-70E740481C1C}">
+                <a14:useLocalDpi xmlns:a14="http://schemas.microsoft.com/office/drawing/2010/main" val="0"/>
+              </a:ext>
+            </a:extLst>
+          </a:blip>
+          <a:srcRect/>
+          <a:stretch>
+            <a:fillRect/>
+          </a:stretch>
+        </p:blipFill>
+        <p:spPr bwMode="auto">
+          <a:xfrm>
+            <a:off x="0" y="650875"/>
+            <a:ext cx="12192000" cy="6207125"/>
+          </a:xfrm>
+          <a:prstGeom prst="rect">
+            <a:avLst/>
+          </a:prstGeom>
+          <a:noFill/>
+          <a:extLst>
+            <a:ext uri="{909E8E84-426E-40DD-AFC4-6F175D3DCCD1}">
+              <a14:hiddenFill xmlns:a14="http://schemas.microsoft.com/office/drawing/2010/main">
+                <a:solidFill>
+                  <a:srgbClr val="FFFFFF"/>
+                </a:solidFill>
+              </a14:hiddenFill>
+            </a:ext>
+          </a:extLst>
+        </p:spPr>
+      </p:pic>
     </p:spTree>
     <p:extLst>
       <p:ext uri="{BB962C8B-B14F-4D97-AF65-F5344CB8AC3E}">
-        <p14:creationId xmlns:p14="http://schemas.microsoft.com/office/powerpoint/2010/main" val="3581090570"/>
+        <p14:creationId xmlns:p14="http://schemas.microsoft.com/office/powerpoint/2010/main" val="1798126384"/>
       </p:ext>
     </p:extLst>
   </p:cSld>
@@ -5727,16 +5839,57 @@
             </a:pPr>
             <a:r>
               <a:rPr lang="en-US" altLang="ko-KR" smtClean="0"/>
-              <a:t>Gym</a:t>
+              <a:t>Community - CommunityBoardDelete</a:t>
             </a:r>
             <a:endParaRPr lang="ko-KR" altLang="en-US"/>
           </a:p>
         </p:txBody>
       </p:sp>
+      <p:pic>
+        <p:nvPicPr>
+          <p:cNvPr id="6146" name="Picture 2" descr="C:\Users\DongKyun\Documents\GitHub\KHFinalProject\보고서\클래스\삭제.png"/>
+          <p:cNvPicPr>
+            <a:picLocks noChangeAspect="1" noChangeArrowheads="1"/>
+          </p:cNvPicPr>
+          <p:nvPr/>
+        </p:nvPicPr>
+        <p:blipFill>
+          <a:blip r:embed="rId2">
+            <a:extLst>
+              <a:ext uri="{28A0092B-C50C-407E-A947-70E740481C1C}">
+                <a14:useLocalDpi xmlns:a14="http://schemas.microsoft.com/office/drawing/2010/main" val="0"/>
+              </a:ext>
+            </a:extLst>
+          </a:blip>
+          <a:srcRect/>
+          <a:stretch>
+            <a:fillRect/>
+          </a:stretch>
+        </p:blipFill>
+        <p:spPr bwMode="auto">
+          <a:xfrm>
+            <a:off x="0" y="650874"/>
+            <a:ext cx="12192000" cy="6207126"/>
+          </a:xfrm>
+          <a:prstGeom prst="rect">
+            <a:avLst/>
+          </a:prstGeom>
+          <a:noFill/>
+          <a:extLst>
+            <a:ext uri="{909E8E84-426E-40DD-AFC4-6F175D3DCCD1}">
+              <a14:hiddenFill xmlns:a14="http://schemas.microsoft.com/office/drawing/2010/main">
+                <a:solidFill>
+                  <a:srgbClr val="FFFFFF"/>
+                </a:solidFill>
+              </a14:hiddenFill>
+            </a:ext>
+          </a:extLst>
+        </p:spPr>
+      </p:pic>
     </p:spTree>
     <p:extLst>
       <p:ext uri="{BB962C8B-B14F-4D97-AF65-F5344CB8AC3E}">
-        <p14:creationId xmlns:p14="http://schemas.microsoft.com/office/powerpoint/2010/main" val="172455590"/>
+        <p14:creationId xmlns:p14="http://schemas.microsoft.com/office/powerpoint/2010/main" val="2796669715"/>
       </p:ext>
     </p:extLst>
   </p:cSld>
@@ -5831,7 +5984,7 @@
             </a:pPr>
             <a:r>
               <a:rPr lang="en-US" altLang="ko-KR" smtClean="0"/>
-              <a:t>Gym</a:t>
+              <a:t>Workout</a:t>
             </a:r>
             <a:endParaRPr lang="ko-KR" altLang="en-US"/>
           </a:p>
@@ -5840,7 +5993,7 @@
     </p:spTree>
     <p:extLst>
       <p:ext uri="{BB962C8B-B14F-4D97-AF65-F5344CB8AC3E}">
-        <p14:creationId xmlns:p14="http://schemas.microsoft.com/office/powerpoint/2010/main" val="1098577197"/>
+        <p14:creationId xmlns:p14="http://schemas.microsoft.com/office/powerpoint/2010/main" val="2648905465"/>
       </p:ext>
     </p:extLst>
   </p:cSld>
@@ -5935,7 +6088,7 @@
             </a:pPr>
             <a:r>
               <a:rPr lang="en-US" altLang="ko-KR" smtClean="0"/>
-              <a:t>Gym</a:t>
+              <a:t>Admin</a:t>
             </a:r>
             <a:endParaRPr lang="ko-KR" altLang="en-US"/>
           </a:p>
@@ -5944,215 +6097,7 @@
     </p:spTree>
     <p:extLst>
       <p:ext uri="{BB962C8B-B14F-4D97-AF65-F5344CB8AC3E}">
-        <p14:creationId xmlns:p14="http://schemas.microsoft.com/office/powerpoint/2010/main" val="3926212707"/>
-      </p:ext>
-    </p:extLst>
-  </p:cSld>
-  <p:clrMapOvr>
-    <a:masterClrMapping/>
-  </p:clrMapOvr>
-  <p:transition/>
-  <p:timing>
-    <p:tnLst>
-      <p:par>
-        <p:cTn id="1" dur="indefinite" restart="never" nodeType="tmRoot"/>
-      </p:par>
-    </p:tnLst>
-  </p:timing>
-</p:sld>
-</file>
-
-<file path=ppt/slides/slide28.xml><?xml version="1.0" encoding="utf-8"?>
-<p:sld xmlns:a="http://schemas.openxmlformats.org/drawingml/2006/main" xmlns:r="http://schemas.openxmlformats.org/officeDocument/2006/relationships" xmlns:p="http://schemas.openxmlformats.org/presentationml/2006/main">
-  <p:cSld>
-    <p:spTree>
-      <p:nvGrpSpPr>
-        <p:cNvPr id="1" name=""/>
-        <p:cNvGrpSpPr/>
-        <p:nvPr/>
-      </p:nvGrpSpPr>
-      <p:grpSpPr>
-        <a:xfrm>
-          <a:off x="0" y="0"/>
-          <a:ext cx="0" cy="0"/>
-          <a:chOff x="0" y="0"/>
-          <a:chExt cx="0" cy="0"/>
-        </a:xfrm>
-      </p:grpSpPr>
-      <p:sp>
-        <p:nvSpPr>
-          <p:cNvPr id="4" name="제목 3"/>
-          <p:cNvSpPr>
-            <a:spLocks noGrp="1"/>
-          </p:cNvSpPr>
-          <p:nvPr>
-            <p:ph type="title"/>
-          </p:nvPr>
-        </p:nvSpPr>
-        <p:spPr>
-          <a:xfrm>
-            <a:off x="250190" y="0"/>
-            <a:ext cx="3373755" cy="650875"/>
-          </a:xfrm>
-        </p:spPr>
-        <p:txBody>
-          <a:bodyPr anchor="ctr">
-            <a:normAutofit/>
-          </a:bodyPr>
-          <a:lstStyle/>
-          <a:p>
-            <a:pPr lvl="0">
-              <a:defRPr/>
-            </a:pPr>
-            <a:r>
-              <a:rPr lang="ko-KR" altLang="en-US" sz="2800" smtClean="0"/>
-              <a:t>시퀀스 다이어그램</a:t>
-            </a:r>
-            <a:endParaRPr lang="ko-KR" altLang="en-US" sz="2800"/>
-          </a:p>
-        </p:txBody>
-      </p:sp>
-      <p:sp>
-        <p:nvSpPr>
-          <p:cNvPr id="6" name="텍스트 개체 틀 4"/>
-          <p:cNvSpPr>
-            <a:spLocks noGrp="1"/>
-          </p:cNvSpPr>
-          <p:nvPr>
-            <p:ph type="body" sz="half" idx="2"/>
-          </p:nvPr>
-        </p:nvSpPr>
-        <p:spPr>
-          <a:xfrm>
-            <a:off x="3424555" y="0"/>
-            <a:ext cx="3931920" cy="650875"/>
-          </a:xfrm>
-        </p:spPr>
-        <p:txBody>
-          <a:bodyPr anchor="ctr">
-            <a:normAutofit/>
-          </a:bodyPr>
-          <a:lstStyle/>
-          <a:p>
-            <a:pPr lvl="0">
-              <a:defRPr/>
-            </a:pPr>
-            <a:r>
-              <a:rPr lang="en-US" altLang="ko-KR" smtClean="0"/>
-              <a:t>Gym</a:t>
-            </a:r>
-            <a:endParaRPr lang="ko-KR" altLang="en-US"/>
-          </a:p>
-        </p:txBody>
-      </p:sp>
-    </p:spTree>
-    <p:extLst>
-      <p:ext uri="{BB962C8B-B14F-4D97-AF65-F5344CB8AC3E}">
-        <p14:creationId xmlns:p14="http://schemas.microsoft.com/office/powerpoint/2010/main" val="1843592339"/>
-      </p:ext>
-    </p:extLst>
-  </p:cSld>
-  <p:clrMapOvr>
-    <a:masterClrMapping/>
-  </p:clrMapOvr>
-  <p:transition/>
-  <p:timing>
-    <p:tnLst>
-      <p:par>
-        <p:cTn id="1" dur="indefinite" restart="never" nodeType="tmRoot"/>
-      </p:par>
-    </p:tnLst>
-  </p:timing>
-</p:sld>
-</file>
-
-<file path=ppt/slides/slide29.xml><?xml version="1.0" encoding="utf-8"?>
-<p:sld xmlns:a="http://schemas.openxmlformats.org/drawingml/2006/main" xmlns:r="http://schemas.openxmlformats.org/officeDocument/2006/relationships" xmlns:p="http://schemas.openxmlformats.org/presentationml/2006/main">
-  <p:cSld>
-    <p:spTree>
-      <p:nvGrpSpPr>
-        <p:cNvPr id="1" name=""/>
-        <p:cNvGrpSpPr/>
-        <p:nvPr/>
-      </p:nvGrpSpPr>
-      <p:grpSpPr>
-        <a:xfrm>
-          <a:off x="0" y="0"/>
-          <a:ext cx="0" cy="0"/>
-          <a:chOff x="0" y="0"/>
-          <a:chExt cx="0" cy="0"/>
-        </a:xfrm>
-      </p:grpSpPr>
-      <p:sp>
-        <p:nvSpPr>
-          <p:cNvPr id="4" name="제목 3"/>
-          <p:cNvSpPr>
-            <a:spLocks noGrp="1"/>
-          </p:cNvSpPr>
-          <p:nvPr>
-            <p:ph type="title"/>
-          </p:nvPr>
-        </p:nvSpPr>
-        <p:spPr>
-          <a:xfrm>
-            <a:off x="250190" y="0"/>
-            <a:ext cx="3373755" cy="650875"/>
-          </a:xfrm>
-        </p:spPr>
-        <p:txBody>
-          <a:bodyPr anchor="ctr">
-            <a:normAutofit/>
-          </a:bodyPr>
-          <a:lstStyle/>
-          <a:p>
-            <a:pPr lvl="0">
-              <a:defRPr/>
-            </a:pPr>
-            <a:r>
-              <a:rPr lang="ko-KR" altLang="en-US" sz="2800" smtClean="0"/>
-              <a:t>시퀀스 다이어그램</a:t>
-            </a:r>
-            <a:endParaRPr lang="ko-KR" altLang="en-US" sz="2800"/>
-          </a:p>
-        </p:txBody>
-      </p:sp>
-      <p:sp>
-        <p:nvSpPr>
-          <p:cNvPr id="6" name="텍스트 개체 틀 4"/>
-          <p:cNvSpPr>
-            <a:spLocks noGrp="1"/>
-          </p:cNvSpPr>
-          <p:nvPr>
-            <p:ph type="body" sz="half" idx="2"/>
-          </p:nvPr>
-        </p:nvSpPr>
-        <p:spPr>
-          <a:xfrm>
-            <a:off x="3424555" y="0"/>
-            <a:ext cx="3931920" cy="650875"/>
-          </a:xfrm>
-        </p:spPr>
-        <p:txBody>
-          <a:bodyPr anchor="ctr">
-            <a:normAutofit/>
-          </a:bodyPr>
-          <a:lstStyle/>
-          <a:p>
-            <a:pPr lvl="0">
-              <a:defRPr/>
-            </a:pPr>
-            <a:r>
-              <a:rPr lang="en-US" altLang="ko-KR" smtClean="0"/>
-              <a:t>Gym</a:t>
-            </a:r>
-            <a:endParaRPr lang="ko-KR" altLang="en-US"/>
-          </a:p>
-        </p:txBody>
-      </p:sp>
-    </p:spTree>
-    <p:extLst>
-      <p:ext uri="{BB962C8B-B14F-4D97-AF65-F5344CB8AC3E}">
-        <p14:creationId xmlns:p14="http://schemas.microsoft.com/office/powerpoint/2010/main" val="910571107"/>
+        <p14:creationId xmlns:p14="http://schemas.microsoft.com/office/powerpoint/2010/main" val="1019059289"/>
       </p:ext>
     </p:extLst>
   </p:cSld>
@@ -6200,7 +6145,7 @@
           <p:cNvPr id="2" name="그룹 1">
             <a:extLst>
               <a:ext uri="{FF2B5EF4-FFF2-40B4-BE49-F238E27FC236}">
-                <a16:creationId xmlns:p14="http://schemas.microsoft.com/office/powerpoint/2010/main" xmlns:a16="http://schemas.microsoft.com/office/drawing/2014/main" xmlns="" id="{C71E5FE6-3E6D-4092-81AA-962DB5284ABF}"/>
+                <a16:creationId xmlns="" xmlns:a16="http://schemas.microsoft.com/office/drawing/2014/main" xmlns:p14="http://schemas.microsoft.com/office/powerpoint/2010/main" id="{C71E5FE6-3E6D-4092-81AA-962DB5284ABF}"/>
               </a:ext>
             </a:extLst>
           </p:cNvPr>
@@ -6282,7 +6227,7 @@
             <p:cNvPr id="6" name="TextBox 5">
               <a:extLst>
                 <a:ext uri="{FF2B5EF4-FFF2-40B4-BE49-F238E27FC236}">
-                  <a16:creationId xmlns:p14="http://schemas.microsoft.com/office/powerpoint/2010/main" xmlns:a16="http://schemas.microsoft.com/office/drawing/2014/main" xmlns="" id="{BCB0E9E3-FAB5-4E31-83EE-08A0FE55BB4A}"/>
+                  <a16:creationId xmlns="" xmlns:a16="http://schemas.microsoft.com/office/drawing/2014/main" xmlns:p14="http://schemas.microsoft.com/office/powerpoint/2010/main" id="{BCB0E9E3-FAB5-4E31-83EE-08A0FE55BB4A}"/>
                 </a:ext>
               </a:extLst>
             </p:cNvPr>
@@ -6354,1106 +6299,6 @@
 </p:sld>
 </file>
 
-<file path=ppt/slides/slide30.xml><?xml version="1.0" encoding="utf-8"?>
-<p:sld xmlns:a="http://schemas.openxmlformats.org/drawingml/2006/main" xmlns:r="http://schemas.openxmlformats.org/officeDocument/2006/relationships" xmlns:p="http://schemas.openxmlformats.org/presentationml/2006/main">
-  <p:cSld>
-    <p:spTree>
-      <p:nvGrpSpPr>
-        <p:cNvPr id="1" name=""/>
-        <p:cNvGrpSpPr/>
-        <p:nvPr/>
-      </p:nvGrpSpPr>
-      <p:grpSpPr>
-        <a:xfrm>
-          <a:off x="0" y="0"/>
-          <a:ext cx="0" cy="0"/>
-          <a:chOff x="0" y="0"/>
-          <a:chExt cx="0" cy="0"/>
-        </a:xfrm>
-      </p:grpSpPr>
-      <p:sp>
-        <p:nvSpPr>
-          <p:cNvPr id="4" name="제목 3"/>
-          <p:cNvSpPr>
-            <a:spLocks noGrp="1"/>
-          </p:cNvSpPr>
-          <p:nvPr>
-            <p:ph type="title"/>
-          </p:nvPr>
-        </p:nvSpPr>
-        <p:spPr>
-          <a:xfrm>
-            <a:off x="250190" y="0"/>
-            <a:ext cx="3373755" cy="650875"/>
-          </a:xfrm>
-        </p:spPr>
-        <p:txBody>
-          <a:bodyPr anchor="ctr">
-            <a:normAutofit/>
-          </a:bodyPr>
-          <a:lstStyle/>
-          <a:p>
-            <a:pPr lvl="0">
-              <a:defRPr/>
-            </a:pPr>
-            <a:r>
-              <a:rPr lang="ko-KR" altLang="en-US" sz="2800" smtClean="0"/>
-              <a:t>시퀀스 다이어그램</a:t>
-            </a:r>
-            <a:endParaRPr lang="ko-KR" altLang="en-US" sz="2800"/>
-          </a:p>
-        </p:txBody>
-      </p:sp>
-      <p:sp>
-        <p:nvSpPr>
-          <p:cNvPr id="6" name="텍스트 개체 틀 4"/>
-          <p:cNvSpPr>
-            <a:spLocks noGrp="1"/>
-          </p:cNvSpPr>
-          <p:nvPr>
-            <p:ph type="body" sz="half" idx="2"/>
-          </p:nvPr>
-        </p:nvSpPr>
-        <p:spPr>
-          <a:xfrm>
-            <a:off x="3424555" y="0"/>
-            <a:ext cx="3931920" cy="650875"/>
-          </a:xfrm>
-        </p:spPr>
-        <p:txBody>
-          <a:bodyPr anchor="ctr">
-            <a:normAutofit/>
-          </a:bodyPr>
-          <a:lstStyle/>
-          <a:p>
-            <a:pPr lvl="0">
-              <a:defRPr/>
-            </a:pPr>
-            <a:r>
-              <a:rPr lang="en-US" altLang="ko-KR" smtClean="0"/>
-              <a:t>Gym</a:t>
-            </a:r>
-            <a:endParaRPr lang="ko-KR" altLang="en-US"/>
-          </a:p>
-        </p:txBody>
-      </p:sp>
-    </p:spTree>
-    <p:extLst>
-      <p:ext uri="{BB962C8B-B14F-4D97-AF65-F5344CB8AC3E}">
-        <p14:creationId xmlns:p14="http://schemas.microsoft.com/office/powerpoint/2010/main" val="2926770114"/>
-      </p:ext>
-    </p:extLst>
-  </p:cSld>
-  <p:clrMapOvr>
-    <a:masterClrMapping/>
-  </p:clrMapOvr>
-  <p:transition/>
-  <p:timing>
-    <p:tnLst>
-      <p:par>
-        <p:cTn id="1" dur="indefinite" restart="never" nodeType="tmRoot"/>
-      </p:par>
-    </p:tnLst>
-  </p:timing>
-</p:sld>
-</file>
-
-<file path=ppt/slides/slide31.xml><?xml version="1.0" encoding="utf-8"?>
-<p:sld xmlns:a="http://schemas.openxmlformats.org/drawingml/2006/main" xmlns:r="http://schemas.openxmlformats.org/officeDocument/2006/relationships" xmlns:p="http://schemas.openxmlformats.org/presentationml/2006/main">
-  <p:cSld>
-    <p:spTree>
-      <p:nvGrpSpPr>
-        <p:cNvPr id="1" name=""/>
-        <p:cNvGrpSpPr/>
-        <p:nvPr/>
-      </p:nvGrpSpPr>
-      <p:grpSpPr>
-        <a:xfrm>
-          <a:off x="0" y="0"/>
-          <a:ext cx="0" cy="0"/>
-          <a:chOff x="0" y="0"/>
-          <a:chExt cx="0" cy="0"/>
-        </a:xfrm>
-      </p:grpSpPr>
-      <p:sp>
-        <p:nvSpPr>
-          <p:cNvPr id="4" name="제목 3"/>
-          <p:cNvSpPr>
-            <a:spLocks noGrp="1"/>
-          </p:cNvSpPr>
-          <p:nvPr>
-            <p:ph type="title"/>
-          </p:nvPr>
-        </p:nvSpPr>
-        <p:spPr>
-          <a:xfrm>
-            <a:off x="250190" y="0"/>
-            <a:ext cx="3373755" cy="650875"/>
-          </a:xfrm>
-        </p:spPr>
-        <p:txBody>
-          <a:bodyPr anchor="ctr">
-            <a:normAutofit/>
-          </a:bodyPr>
-          <a:lstStyle/>
-          <a:p>
-            <a:pPr lvl="0">
-              <a:defRPr/>
-            </a:pPr>
-            <a:r>
-              <a:rPr lang="ko-KR" altLang="en-US" sz="2800" smtClean="0"/>
-              <a:t>시퀀스 다이어그램</a:t>
-            </a:r>
-            <a:endParaRPr lang="ko-KR" altLang="en-US" sz="2800"/>
-          </a:p>
-        </p:txBody>
-      </p:sp>
-      <p:sp>
-        <p:nvSpPr>
-          <p:cNvPr id="6" name="텍스트 개체 틀 4"/>
-          <p:cNvSpPr>
-            <a:spLocks noGrp="1"/>
-          </p:cNvSpPr>
-          <p:nvPr>
-            <p:ph type="body" sz="half" idx="2"/>
-          </p:nvPr>
-        </p:nvSpPr>
-        <p:spPr>
-          <a:xfrm>
-            <a:off x="3424555" y="0"/>
-            <a:ext cx="3931920" cy="650875"/>
-          </a:xfrm>
-        </p:spPr>
-        <p:txBody>
-          <a:bodyPr anchor="ctr">
-            <a:normAutofit/>
-          </a:bodyPr>
-          <a:lstStyle/>
-          <a:p>
-            <a:pPr lvl="0">
-              <a:defRPr/>
-            </a:pPr>
-            <a:r>
-              <a:rPr lang="en-US" altLang="ko-KR" smtClean="0"/>
-              <a:t>Gym</a:t>
-            </a:r>
-            <a:endParaRPr lang="ko-KR" altLang="en-US"/>
-          </a:p>
-        </p:txBody>
-      </p:sp>
-    </p:spTree>
-    <p:extLst>
-      <p:ext uri="{BB962C8B-B14F-4D97-AF65-F5344CB8AC3E}">
-        <p14:creationId xmlns:p14="http://schemas.microsoft.com/office/powerpoint/2010/main" val="847404570"/>
-      </p:ext>
-    </p:extLst>
-  </p:cSld>
-  <p:clrMapOvr>
-    <a:masterClrMapping/>
-  </p:clrMapOvr>
-  <p:transition/>
-  <p:timing>
-    <p:tnLst>
-      <p:par>
-        <p:cTn id="1" dur="indefinite" restart="never" nodeType="tmRoot"/>
-      </p:par>
-    </p:tnLst>
-  </p:timing>
-</p:sld>
-</file>
-
-<file path=ppt/slides/slide32.xml><?xml version="1.0" encoding="utf-8"?>
-<p:sld xmlns:a="http://schemas.openxmlformats.org/drawingml/2006/main" xmlns:r="http://schemas.openxmlformats.org/officeDocument/2006/relationships" xmlns:p="http://schemas.openxmlformats.org/presentationml/2006/main">
-  <p:cSld>
-    <p:spTree>
-      <p:nvGrpSpPr>
-        <p:cNvPr id="1" name=""/>
-        <p:cNvGrpSpPr/>
-        <p:nvPr/>
-      </p:nvGrpSpPr>
-      <p:grpSpPr>
-        <a:xfrm>
-          <a:off x="0" y="0"/>
-          <a:ext cx="0" cy="0"/>
-          <a:chOff x="0" y="0"/>
-          <a:chExt cx="0" cy="0"/>
-        </a:xfrm>
-      </p:grpSpPr>
-      <p:sp>
-        <p:nvSpPr>
-          <p:cNvPr id="4" name="제목 3"/>
-          <p:cNvSpPr>
-            <a:spLocks noGrp="1"/>
-          </p:cNvSpPr>
-          <p:nvPr>
-            <p:ph type="title"/>
-          </p:nvPr>
-        </p:nvSpPr>
-        <p:spPr>
-          <a:xfrm>
-            <a:off x="250190" y="0"/>
-            <a:ext cx="3373755" cy="650875"/>
-          </a:xfrm>
-        </p:spPr>
-        <p:txBody>
-          <a:bodyPr anchor="ctr">
-            <a:normAutofit/>
-          </a:bodyPr>
-          <a:lstStyle/>
-          <a:p>
-            <a:pPr lvl="0">
-              <a:defRPr/>
-            </a:pPr>
-            <a:r>
-              <a:rPr lang="ko-KR" altLang="en-US" sz="2800" smtClean="0"/>
-              <a:t>시퀀스 다이어그램</a:t>
-            </a:r>
-            <a:endParaRPr lang="ko-KR" altLang="en-US" sz="2800"/>
-          </a:p>
-        </p:txBody>
-      </p:sp>
-      <p:sp>
-        <p:nvSpPr>
-          <p:cNvPr id="6" name="텍스트 개체 틀 4"/>
-          <p:cNvSpPr>
-            <a:spLocks noGrp="1"/>
-          </p:cNvSpPr>
-          <p:nvPr>
-            <p:ph type="body" sz="half" idx="2"/>
-          </p:nvPr>
-        </p:nvSpPr>
-        <p:spPr>
-          <a:xfrm>
-            <a:off x="3424555" y="0"/>
-            <a:ext cx="3931920" cy="650875"/>
-          </a:xfrm>
-        </p:spPr>
-        <p:txBody>
-          <a:bodyPr anchor="ctr">
-            <a:normAutofit/>
-          </a:bodyPr>
-          <a:lstStyle/>
-          <a:p>
-            <a:pPr lvl="0">
-              <a:defRPr/>
-            </a:pPr>
-            <a:r>
-              <a:rPr lang="en-US" altLang="ko-KR" smtClean="0"/>
-              <a:t>Gym</a:t>
-            </a:r>
-            <a:endParaRPr lang="ko-KR" altLang="en-US"/>
-          </a:p>
-        </p:txBody>
-      </p:sp>
-    </p:spTree>
-    <p:extLst>
-      <p:ext uri="{BB962C8B-B14F-4D97-AF65-F5344CB8AC3E}">
-        <p14:creationId xmlns:p14="http://schemas.microsoft.com/office/powerpoint/2010/main" val="1397812507"/>
-      </p:ext>
-    </p:extLst>
-  </p:cSld>
-  <p:clrMapOvr>
-    <a:masterClrMapping/>
-  </p:clrMapOvr>
-  <p:transition/>
-  <p:timing>
-    <p:tnLst>
-      <p:par>
-        <p:cTn id="1" dur="indefinite" restart="never" nodeType="tmRoot"/>
-      </p:par>
-    </p:tnLst>
-  </p:timing>
-</p:sld>
-</file>
-
-<file path=ppt/slides/slide33.xml><?xml version="1.0" encoding="utf-8"?>
-<p:sld xmlns:a="http://schemas.openxmlformats.org/drawingml/2006/main" xmlns:r="http://schemas.openxmlformats.org/officeDocument/2006/relationships" xmlns:p="http://schemas.openxmlformats.org/presentationml/2006/main">
-  <p:cSld>
-    <p:spTree>
-      <p:nvGrpSpPr>
-        <p:cNvPr id="1" name=""/>
-        <p:cNvGrpSpPr/>
-        <p:nvPr/>
-      </p:nvGrpSpPr>
-      <p:grpSpPr>
-        <a:xfrm>
-          <a:off x="0" y="0"/>
-          <a:ext cx="0" cy="0"/>
-          <a:chOff x="0" y="0"/>
-          <a:chExt cx="0" cy="0"/>
-        </a:xfrm>
-      </p:grpSpPr>
-      <p:sp>
-        <p:nvSpPr>
-          <p:cNvPr id="4" name="제목 3"/>
-          <p:cNvSpPr>
-            <a:spLocks noGrp="1"/>
-          </p:cNvSpPr>
-          <p:nvPr>
-            <p:ph type="title"/>
-          </p:nvPr>
-        </p:nvSpPr>
-        <p:spPr>
-          <a:xfrm>
-            <a:off x="250190" y="0"/>
-            <a:ext cx="3373755" cy="650875"/>
-          </a:xfrm>
-        </p:spPr>
-        <p:txBody>
-          <a:bodyPr anchor="ctr">
-            <a:normAutofit/>
-          </a:bodyPr>
-          <a:lstStyle/>
-          <a:p>
-            <a:pPr lvl="0">
-              <a:defRPr/>
-            </a:pPr>
-            <a:r>
-              <a:rPr lang="ko-KR" altLang="en-US" sz="2800" smtClean="0"/>
-              <a:t>시퀀스 다이어그램</a:t>
-            </a:r>
-            <a:endParaRPr lang="ko-KR" altLang="en-US" sz="2800"/>
-          </a:p>
-        </p:txBody>
-      </p:sp>
-      <p:sp>
-        <p:nvSpPr>
-          <p:cNvPr id="6" name="텍스트 개체 틀 4"/>
-          <p:cNvSpPr>
-            <a:spLocks noGrp="1"/>
-          </p:cNvSpPr>
-          <p:nvPr>
-            <p:ph type="body" sz="half" idx="2"/>
-          </p:nvPr>
-        </p:nvSpPr>
-        <p:spPr>
-          <a:xfrm>
-            <a:off x="3424555" y="0"/>
-            <a:ext cx="3931920" cy="650875"/>
-          </a:xfrm>
-        </p:spPr>
-        <p:txBody>
-          <a:bodyPr anchor="ctr">
-            <a:normAutofit/>
-          </a:bodyPr>
-          <a:lstStyle/>
-          <a:p>
-            <a:pPr lvl="0">
-              <a:defRPr/>
-            </a:pPr>
-            <a:r>
-              <a:rPr lang="en-US" altLang="ko-KR" smtClean="0"/>
-              <a:t>Community - CommunityBoardList</a:t>
-            </a:r>
-            <a:endParaRPr lang="ko-KR" altLang="en-US"/>
-          </a:p>
-        </p:txBody>
-      </p:sp>
-      <p:pic>
-        <p:nvPicPr>
-          <p:cNvPr id="3074" name="Picture 2" descr="C:\Users\DongKyun\Documents\GitHub\KHFinalProject\보고서\클래스\리스트.png"/>
-          <p:cNvPicPr>
-            <a:picLocks noChangeAspect="1" noChangeArrowheads="1"/>
-          </p:cNvPicPr>
-          <p:nvPr/>
-        </p:nvPicPr>
-        <p:blipFill>
-          <a:blip r:embed="rId2">
-            <a:extLst>
-              <a:ext uri="{28A0092B-C50C-407E-A947-70E740481C1C}">
-                <a14:useLocalDpi xmlns:a14="http://schemas.microsoft.com/office/drawing/2010/main" val="0"/>
-              </a:ext>
-            </a:extLst>
-          </a:blip>
-          <a:srcRect/>
-          <a:stretch>
-            <a:fillRect/>
-          </a:stretch>
-        </p:blipFill>
-        <p:spPr bwMode="auto">
-          <a:xfrm>
-            <a:off x="0" y="650874"/>
-            <a:ext cx="12192000" cy="6207125"/>
-          </a:xfrm>
-          <a:prstGeom prst="rect">
-            <a:avLst/>
-          </a:prstGeom>
-          <a:noFill/>
-          <a:extLst>
-            <a:ext uri="{909E8E84-426E-40DD-AFC4-6F175D3DCCD1}">
-              <a14:hiddenFill xmlns:a14="http://schemas.microsoft.com/office/drawing/2010/main">
-                <a:solidFill>
-                  <a:srgbClr val="FFFFFF"/>
-                </a:solidFill>
-              </a14:hiddenFill>
-            </a:ext>
-          </a:extLst>
-        </p:spPr>
-      </p:pic>
-    </p:spTree>
-    <p:extLst>
-      <p:ext uri="{BB962C8B-B14F-4D97-AF65-F5344CB8AC3E}">
-        <p14:creationId xmlns:p14="http://schemas.microsoft.com/office/powerpoint/2010/main" val="3788117990"/>
-      </p:ext>
-    </p:extLst>
-  </p:cSld>
-  <p:clrMapOvr>
-    <a:masterClrMapping/>
-  </p:clrMapOvr>
-  <p:transition/>
-  <p:timing>
-    <p:tnLst>
-      <p:par>
-        <p:cTn id="1" dur="indefinite" restart="never" nodeType="tmRoot"/>
-      </p:par>
-    </p:tnLst>
-  </p:timing>
-</p:sld>
-</file>
-
-<file path=ppt/slides/slide34.xml><?xml version="1.0" encoding="utf-8"?>
-<p:sld xmlns:a="http://schemas.openxmlformats.org/drawingml/2006/main" xmlns:r="http://schemas.openxmlformats.org/officeDocument/2006/relationships" xmlns:p="http://schemas.openxmlformats.org/presentationml/2006/main">
-  <p:cSld>
-    <p:spTree>
-      <p:nvGrpSpPr>
-        <p:cNvPr id="1" name=""/>
-        <p:cNvGrpSpPr/>
-        <p:nvPr/>
-      </p:nvGrpSpPr>
-      <p:grpSpPr>
-        <a:xfrm>
-          <a:off x="0" y="0"/>
-          <a:ext cx="0" cy="0"/>
-          <a:chOff x="0" y="0"/>
-          <a:chExt cx="0" cy="0"/>
-        </a:xfrm>
-      </p:grpSpPr>
-      <p:sp>
-        <p:nvSpPr>
-          <p:cNvPr id="4" name="제목 3"/>
-          <p:cNvSpPr>
-            <a:spLocks noGrp="1"/>
-          </p:cNvSpPr>
-          <p:nvPr>
-            <p:ph type="title"/>
-          </p:nvPr>
-        </p:nvSpPr>
-        <p:spPr>
-          <a:xfrm>
-            <a:off x="250190" y="0"/>
-            <a:ext cx="3373755" cy="650875"/>
-          </a:xfrm>
-        </p:spPr>
-        <p:txBody>
-          <a:bodyPr anchor="ctr">
-            <a:normAutofit/>
-          </a:bodyPr>
-          <a:lstStyle/>
-          <a:p>
-            <a:pPr lvl="0">
-              <a:defRPr/>
-            </a:pPr>
-            <a:r>
-              <a:rPr lang="ko-KR" altLang="en-US" sz="2800" smtClean="0"/>
-              <a:t>시퀀스 다이어그램</a:t>
-            </a:r>
-            <a:endParaRPr lang="ko-KR" altLang="en-US" sz="2800"/>
-          </a:p>
-        </p:txBody>
-      </p:sp>
-      <p:sp>
-        <p:nvSpPr>
-          <p:cNvPr id="6" name="텍스트 개체 틀 4"/>
-          <p:cNvSpPr>
-            <a:spLocks noGrp="1"/>
-          </p:cNvSpPr>
-          <p:nvPr>
-            <p:ph type="body" sz="half" idx="2"/>
-          </p:nvPr>
-        </p:nvSpPr>
-        <p:spPr>
-          <a:xfrm>
-            <a:off x="3424555" y="0"/>
-            <a:ext cx="3931920" cy="650875"/>
-          </a:xfrm>
-        </p:spPr>
-        <p:txBody>
-          <a:bodyPr anchor="ctr">
-            <a:normAutofit/>
-          </a:bodyPr>
-          <a:lstStyle/>
-          <a:p>
-            <a:pPr lvl="0">
-              <a:defRPr/>
-            </a:pPr>
-            <a:r>
-              <a:rPr lang="en-US" altLang="ko-KR" smtClean="0"/>
-              <a:t>Community - CommunityBoardInsert</a:t>
-            </a:r>
-            <a:endParaRPr lang="ko-KR" altLang="en-US"/>
-          </a:p>
-        </p:txBody>
-      </p:sp>
-      <p:pic>
-        <p:nvPicPr>
-          <p:cNvPr id="4098" name="Picture 2" descr="C:\Users\DongKyun\Documents\GitHub\KHFinalProject\보고서\클래스\삽입.png"/>
-          <p:cNvPicPr>
-            <a:picLocks noChangeAspect="1" noChangeArrowheads="1"/>
-          </p:cNvPicPr>
-          <p:nvPr/>
-        </p:nvPicPr>
-        <p:blipFill>
-          <a:blip r:embed="rId2">
-            <a:extLst>
-              <a:ext uri="{28A0092B-C50C-407E-A947-70E740481C1C}">
-                <a14:useLocalDpi xmlns:a14="http://schemas.microsoft.com/office/drawing/2010/main" val="0"/>
-              </a:ext>
-            </a:extLst>
-          </a:blip>
-          <a:srcRect/>
-          <a:stretch>
-            <a:fillRect/>
-          </a:stretch>
-        </p:blipFill>
-        <p:spPr bwMode="auto">
-          <a:xfrm>
-            <a:off x="0" y="650874"/>
-            <a:ext cx="12192834" cy="6207125"/>
-          </a:xfrm>
-          <a:prstGeom prst="rect">
-            <a:avLst/>
-          </a:prstGeom>
-          <a:noFill/>
-          <a:extLst>
-            <a:ext uri="{909E8E84-426E-40DD-AFC4-6F175D3DCCD1}">
-              <a14:hiddenFill xmlns:a14="http://schemas.microsoft.com/office/drawing/2010/main">
-                <a:solidFill>
-                  <a:srgbClr val="FFFFFF"/>
-                </a:solidFill>
-              </a14:hiddenFill>
-            </a:ext>
-          </a:extLst>
-        </p:spPr>
-      </p:pic>
-    </p:spTree>
-    <p:extLst>
-      <p:ext uri="{BB962C8B-B14F-4D97-AF65-F5344CB8AC3E}">
-        <p14:creationId xmlns:p14="http://schemas.microsoft.com/office/powerpoint/2010/main" val="415682292"/>
-      </p:ext>
-    </p:extLst>
-  </p:cSld>
-  <p:clrMapOvr>
-    <a:masterClrMapping/>
-  </p:clrMapOvr>
-  <p:transition/>
-  <p:timing>
-    <p:tnLst>
-      <p:par>
-        <p:cTn id="1" dur="indefinite" restart="never" nodeType="tmRoot"/>
-      </p:par>
-    </p:tnLst>
-  </p:timing>
-</p:sld>
-</file>
-
-<file path=ppt/slides/slide35.xml><?xml version="1.0" encoding="utf-8"?>
-<p:sld xmlns:a="http://schemas.openxmlformats.org/drawingml/2006/main" xmlns:r="http://schemas.openxmlformats.org/officeDocument/2006/relationships" xmlns:p="http://schemas.openxmlformats.org/presentationml/2006/main">
-  <p:cSld>
-    <p:spTree>
-      <p:nvGrpSpPr>
-        <p:cNvPr id="1" name=""/>
-        <p:cNvGrpSpPr/>
-        <p:nvPr/>
-      </p:nvGrpSpPr>
-      <p:grpSpPr>
-        <a:xfrm>
-          <a:off x="0" y="0"/>
-          <a:ext cx="0" cy="0"/>
-          <a:chOff x="0" y="0"/>
-          <a:chExt cx="0" cy="0"/>
-        </a:xfrm>
-      </p:grpSpPr>
-      <p:sp>
-        <p:nvSpPr>
-          <p:cNvPr id="4" name="제목 3"/>
-          <p:cNvSpPr>
-            <a:spLocks noGrp="1"/>
-          </p:cNvSpPr>
-          <p:nvPr>
-            <p:ph type="title"/>
-          </p:nvPr>
-        </p:nvSpPr>
-        <p:spPr>
-          <a:xfrm>
-            <a:off x="250190" y="0"/>
-            <a:ext cx="3373755" cy="650875"/>
-          </a:xfrm>
-        </p:spPr>
-        <p:txBody>
-          <a:bodyPr anchor="ctr">
-            <a:normAutofit/>
-          </a:bodyPr>
-          <a:lstStyle/>
-          <a:p>
-            <a:pPr lvl="0">
-              <a:defRPr/>
-            </a:pPr>
-            <a:r>
-              <a:rPr lang="ko-KR" altLang="en-US" sz="2800" smtClean="0"/>
-              <a:t>시퀀스 다이어그램</a:t>
-            </a:r>
-            <a:endParaRPr lang="ko-KR" altLang="en-US" sz="2800"/>
-          </a:p>
-        </p:txBody>
-      </p:sp>
-      <p:sp>
-        <p:nvSpPr>
-          <p:cNvPr id="6" name="텍스트 개체 틀 4"/>
-          <p:cNvSpPr>
-            <a:spLocks noGrp="1"/>
-          </p:cNvSpPr>
-          <p:nvPr>
-            <p:ph type="body" sz="half" idx="2"/>
-          </p:nvPr>
-        </p:nvSpPr>
-        <p:spPr>
-          <a:xfrm>
-            <a:off x="3424555" y="0"/>
-            <a:ext cx="3931920" cy="650875"/>
-          </a:xfrm>
-        </p:spPr>
-        <p:txBody>
-          <a:bodyPr anchor="ctr">
-            <a:normAutofit fontScale="92500"/>
-          </a:bodyPr>
-          <a:lstStyle/>
-          <a:p>
-            <a:pPr lvl="0">
-              <a:defRPr/>
-            </a:pPr>
-            <a:r>
-              <a:rPr lang="en-US" altLang="ko-KR" smtClean="0"/>
-              <a:t>Community - CommunityBoardUpdate</a:t>
-            </a:r>
-            <a:endParaRPr lang="ko-KR" altLang="en-US"/>
-          </a:p>
-        </p:txBody>
-      </p:sp>
-      <p:pic>
-        <p:nvPicPr>
-          <p:cNvPr id="5122" name="Picture 2" descr="C:\Users\DongKyun\Documents\GitHub\KHFinalProject\보고서\클래스\수정.png"/>
-          <p:cNvPicPr>
-            <a:picLocks noChangeAspect="1" noChangeArrowheads="1"/>
-          </p:cNvPicPr>
-          <p:nvPr/>
-        </p:nvPicPr>
-        <p:blipFill>
-          <a:blip r:embed="rId2">
-            <a:extLst>
-              <a:ext uri="{28A0092B-C50C-407E-A947-70E740481C1C}">
-                <a14:useLocalDpi xmlns:a14="http://schemas.microsoft.com/office/drawing/2010/main" val="0"/>
-              </a:ext>
-            </a:extLst>
-          </a:blip>
-          <a:srcRect/>
-          <a:stretch>
-            <a:fillRect/>
-          </a:stretch>
-        </p:blipFill>
-        <p:spPr bwMode="auto">
-          <a:xfrm>
-            <a:off x="0" y="650875"/>
-            <a:ext cx="12192000" cy="6207125"/>
-          </a:xfrm>
-          <a:prstGeom prst="rect">
-            <a:avLst/>
-          </a:prstGeom>
-          <a:noFill/>
-          <a:extLst>
-            <a:ext uri="{909E8E84-426E-40DD-AFC4-6F175D3DCCD1}">
-              <a14:hiddenFill xmlns:a14="http://schemas.microsoft.com/office/drawing/2010/main">
-                <a:solidFill>
-                  <a:srgbClr val="FFFFFF"/>
-                </a:solidFill>
-              </a14:hiddenFill>
-            </a:ext>
-          </a:extLst>
-        </p:spPr>
-      </p:pic>
-    </p:spTree>
-    <p:extLst>
-      <p:ext uri="{BB962C8B-B14F-4D97-AF65-F5344CB8AC3E}">
-        <p14:creationId xmlns:p14="http://schemas.microsoft.com/office/powerpoint/2010/main" val="1798126384"/>
-      </p:ext>
-    </p:extLst>
-  </p:cSld>
-  <p:clrMapOvr>
-    <a:masterClrMapping/>
-  </p:clrMapOvr>
-  <p:transition/>
-  <p:timing>
-    <p:tnLst>
-      <p:par>
-        <p:cTn id="1" dur="indefinite" restart="never" nodeType="tmRoot"/>
-      </p:par>
-    </p:tnLst>
-  </p:timing>
-</p:sld>
-</file>
-
-<file path=ppt/slides/slide36.xml><?xml version="1.0" encoding="utf-8"?>
-<p:sld xmlns:a="http://schemas.openxmlformats.org/drawingml/2006/main" xmlns:r="http://schemas.openxmlformats.org/officeDocument/2006/relationships" xmlns:p="http://schemas.openxmlformats.org/presentationml/2006/main">
-  <p:cSld>
-    <p:spTree>
-      <p:nvGrpSpPr>
-        <p:cNvPr id="1" name=""/>
-        <p:cNvGrpSpPr/>
-        <p:nvPr/>
-      </p:nvGrpSpPr>
-      <p:grpSpPr>
-        <a:xfrm>
-          <a:off x="0" y="0"/>
-          <a:ext cx="0" cy="0"/>
-          <a:chOff x="0" y="0"/>
-          <a:chExt cx="0" cy="0"/>
-        </a:xfrm>
-      </p:grpSpPr>
-      <p:sp>
-        <p:nvSpPr>
-          <p:cNvPr id="4" name="제목 3"/>
-          <p:cNvSpPr>
-            <a:spLocks noGrp="1"/>
-          </p:cNvSpPr>
-          <p:nvPr>
-            <p:ph type="title"/>
-          </p:nvPr>
-        </p:nvSpPr>
-        <p:spPr>
-          <a:xfrm>
-            <a:off x="250190" y="0"/>
-            <a:ext cx="3373755" cy="650875"/>
-          </a:xfrm>
-        </p:spPr>
-        <p:txBody>
-          <a:bodyPr anchor="ctr">
-            <a:normAutofit/>
-          </a:bodyPr>
-          <a:lstStyle/>
-          <a:p>
-            <a:pPr lvl="0">
-              <a:defRPr/>
-            </a:pPr>
-            <a:r>
-              <a:rPr lang="ko-KR" altLang="en-US" sz="2800" smtClean="0"/>
-              <a:t>시퀀스 다이어그램</a:t>
-            </a:r>
-            <a:endParaRPr lang="ko-KR" altLang="en-US" sz="2800"/>
-          </a:p>
-        </p:txBody>
-      </p:sp>
-      <p:sp>
-        <p:nvSpPr>
-          <p:cNvPr id="6" name="텍스트 개체 틀 4"/>
-          <p:cNvSpPr>
-            <a:spLocks noGrp="1"/>
-          </p:cNvSpPr>
-          <p:nvPr>
-            <p:ph type="body" sz="half" idx="2"/>
-          </p:nvPr>
-        </p:nvSpPr>
-        <p:spPr>
-          <a:xfrm>
-            <a:off x="3424555" y="0"/>
-            <a:ext cx="3931920" cy="650875"/>
-          </a:xfrm>
-        </p:spPr>
-        <p:txBody>
-          <a:bodyPr anchor="ctr">
-            <a:normAutofit/>
-          </a:bodyPr>
-          <a:lstStyle/>
-          <a:p>
-            <a:pPr lvl="0">
-              <a:defRPr/>
-            </a:pPr>
-            <a:r>
-              <a:rPr lang="en-US" altLang="ko-KR" smtClean="0"/>
-              <a:t>Community - CommunityBoardDelete</a:t>
-            </a:r>
-            <a:endParaRPr lang="ko-KR" altLang="en-US"/>
-          </a:p>
-        </p:txBody>
-      </p:sp>
-      <p:pic>
-        <p:nvPicPr>
-          <p:cNvPr id="6146" name="Picture 2" descr="C:\Users\DongKyun\Documents\GitHub\KHFinalProject\보고서\클래스\삭제.png"/>
-          <p:cNvPicPr>
-            <a:picLocks noChangeAspect="1" noChangeArrowheads="1"/>
-          </p:cNvPicPr>
-          <p:nvPr/>
-        </p:nvPicPr>
-        <p:blipFill>
-          <a:blip r:embed="rId2">
-            <a:extLst>
-              <a:ext uri="{28A0092B-C50C-407E-A947-70E740481C1C}">
-                <a14:useLocalDpi xmlns:a14="http://schemas.microsoft.com/office/drawing/2010/main" val="0"/>
-              </a:ext>
-            </a:extLst>
-          </a:blip>
-          <a:srcRect/>
-          <a:stretch>
-            <a:fillRect/>
-          </a:stretch>
-        </p:blipFill>
-        <p:spPr bwMode="auto">
-          <a:xfrm>
-            <a:off x="0" y="650874"/>
-            <a:ext cx="12192000" cy="6207126"/>
-          </a:xfrm>
-          <a:prstGeom prst="rect">
-            <a:avLst/>
-          </a:prstGeom>
-          <a:noFill/>
-          <a:extLst>
-            <a:ext uri="{909E8E84-426E-40DD-AFC4-6F175D3DCCD1}">
-              <a14:hiddenFill xmlns:a14="http://schemas.microsoft.com/office/drawing/2010/main">
-                <a:solidFill>
-                  <a:srgbClr val="FFFFFF"/>
-                </a:solidFill>
-              </a14:hiddenFill>
-            </a:ext>
-          </a:extLst>
-        </p:spPr>
-      </p:pic>
-    </p:spTree>
-    <p:extLst>
-      <p:ext uri="{BB962C8B-B14F-4D97-AF65-F5344CB8AC3E}">
-        <p14:creationId xmlns:p14="http://schemas.microsoft.com/office/powerpoint/2010/main" val="2796669715"/>
-      </p:ext>
-    </p:extLst>
-  </p:cSld>
-  <p:clrMapOvr>
-    <a:masterClrMapping/>
-  </p:clrMapOvr>
-  <p:transition/>
-  <p:timing>
-    <p:tnLst>
-      <p:par>
-        <p:cTn id="1" dur="indefinite" restart="never" nodeType="tmRoot"/>
-      </p:par>
-    </p:tnLst>
-  </p:timing>
-</p:sld>
-</file>
-
-<file path=ppt/slides/slide37.xml><?xml version="1.0" encoding="utf-8"?>
-<p:sld xmlns:a="http://schemas.openxmlformats.org/drawingml/2006/main" xmlns:r="http://schemas.openxmlformats.org/officeDocument/2006/relationships" xmlns:p="http://schemas.openxmlformats.org/presentationml/2006/main">
-  <p:cSld>
-    <p:spTree>
-      <p:nvGrpSpPr>
-        <p:cNvPr id="1" name=""/>
-        <p:cNvGrpSpPr/>
-        <p:nvPr/>
-      </p:nvGrpSpPr>
-      <p:grpSpPr>
-        <a:xfrm>
-          <a:off x="0" y="0"/>
-          <a:ext cx="0" cy="0"/>
-          <a:chOff x="0" y="0"/>
-          <a:chExt cx="0" cy="0"/>
-        </a:xfrm>
-      </p:grpSpPr>
-      <p:sp>
-        <p:nvSpPr>
-          <p:cNvPr id="4" name="제목 3"/>
-          <p:cNvSpPr>
-            <a:spLocks noGrp="1"/>
-          </p:cNvSpPr>
-          <p:nvPr>
-            <p:ph type="title"/>
-          </p:nvPr>
-        </p:nvSpPr>
-        <p:spPr>
-          <a:xfrm>
-            <a:off x="250190" y="0"/>
-            <a:ext cx="3373755" cy="650875"/>
-          </a:xfrm>
-        </p:spPr>
-        <p:txBody>
-          <a:bodyPr anchor="ctr">
-            <a:normAutofit/>
-          </a:bodyPr>
-          <a:lstStyle/>
-          <a:p>
-            <a:pPr lvl="0">
-              <a:defRPr/>
-            </a:pPr>
-            <a:r>
-              <a:rPr lang="ko-KR" altLang="en-US" sz="2800" smtClean="0"/>
-              <a:t>시퀀스 다이어그램</a:t>
-            </a:r>
-            <a:endParaRPr lang="ko-KR" altLang="en-US" sz="2800"/>
-          </a:p>
-        </p:txBody>
-      </p:sp>
-      <p:sp>
-        <p:nvSpPr>
-          <p:cNvPr id="6" name="텍스트 개체 틀 4"/>
-          <p:cNvSpPr>
-            <a:spLocks noGrp="1"/>
-          </p:cNvSpPr>
-          <p:nvPr>
-            <p:ph type="body" sz="half" idx="2"/>
-          </p:nvPr>
-        </p:nvSpPr>
-        <p:spPr>
-          <a:xfrm>
-            <a:off x="3424555" y="0"/>
-            <a:ext cx="3931920" cy="650875"/>
-          </a:xfrm>
-        </p:spPr>
-        <p:txBody>
-          <a:bodyPr anchor="ctr">
-            <a:normAutofit/>
-          </a:bodyPr>
-          <a:lstStyle/>
-          <a:p>
-            <a:pPr lvl="0">
-              <a:defRPr/>
-            </a:pPr>
-            <a:r>
-              <a:rPr lang="en-US" altLang="ko-KR" smtClean="0"/>
-              <a:t>Workout</a:t>
-            </a:r>
-            <a:endParaRPr lang="ko-KR" altLang="en-US"/>
-          </a:p>
-        </p:txBody>
-      </p:sp>
-    </p:spTree>
-    <p:extLst>
-      <p:ext uri="{BB962C8B-B14F-4D97-AF65-F5344CB8AC3E}">
-        <p14:creationId xmlns:p14="http://schemas.microsoft.com/office/powerpoint/2010/main" val="2648905465"/>
-      </p:ext>
-    </p:extLst>
-  </p:cSld>
-  <p:clrMapOvr>
-    <a:masterClrMapping/>
-  </p:clrMapOvr>
-  <p:transition/>
-  <p:timing>
-    <p:tnLst>
-      <p:par>
-        <p:cTn id="1" dur="indefinite" restart="never" nodeType="tmRoot"/>
-      </p:par>
-    </p:tnLst>
-  </p:timing>
-</p:sld>
-</file>
-
-<file path=ppt/slides/slide38.xml><?xml version="1.0" encoding="utf-8"?>
-<p:sld xmlns:a="http://schemas.openxmlformats.org/drawingml/2006/main" xmlns:r="http://schemas.openxmlformats.org/officeDocument/2006/relationships" xmlns:p="http://schemas.openxmlformats.org/presentationml/2006/main">
-  <p:cSld>
-    <p:spTree>
-      <p:nvGrpSpPr>
-        <p:cNvPr id="1" name=""/>
-        <p:cNvGrpSpPr/>
-        <p:nvPr/>
-      </p:nvGrpSpPr>
-      <p:grpSpPr>
-        <a:xfrm>
-          <a:off x="0" y="0"/>
-          <a:ext cx="0" cy="0"/>
-          <a:chOff x="0" y="0"/>
-          <a:chExt cx="0" cy="0"/>
-        </a:xfrm>
-      </p:grpSpPr>
-      <p:sp>
-        <p:nvSpPr>
-          <p:cNvPr id="4" name="제목 3"/>
-          <p:cNvSpPr>
-            <a:spLocks noGrp="1"/>
-          </p:cNvSpPr>
-          <p:nvPr>
-            <p:ph type="title"/>
-          </p:nvPr>
-        </p:nvSpPr>
-        <p:spPr>
-          <a:xfrm>
-            <a:off x="250190" y="0"/>
-            <a:ext cx="3373755" cy="650875"/>
-          </a:xfrm>
-        </p:spPr>
-        <p:txBody>
-          <a:bodyPr anchor="ctr">
-            <a:normAutofit/>
-          </a:bodyPr>
-          <a:lstStyle/>
-          <a:p>
-            <a:pPr lvl="0">
-              <a:defRPr/>
-            </a:pPr>
-            <a:r>
-              <a:rPr lang="ko-KR" altLang="en-US" sz="2800" smtClean="0"/>
-              <a:t>시퀀스 다이어그램</a:t>
-            </a:r>
-            <a:endParaRPr lang="ko-KR" altLang="en-US" sz="2800"/>
-          </a:p>
-        </p:txBody>
-      </p:sp>
-      <p:sp>
-        <p:nvSpPr>
-          <p:cNvPr id="6" name="텍스트 개체 틀 4"/>
-          <p:cNvSpPr>
-            <a:spLocks noGrp="1"/>
-          </p:cNvSpPr>
-          <p:nvPr>
-            <p:ph type="body" sz="half" idx="2"/>
-          </p:nvPr>
-        </p:nvSpPr>
-        <p:spPr>
-          <a:xfrm>
-            <a:off x="3424555" y="0"/>
-            <a:ext cx="3931920" cy="650875"/>
-          </a:xfrm>
-        </p:spPr>
-        <p:txBody>
-          <a:bodyPr anchor="ctr">
-            <a:normAutofit/>
-          </a:bodyPr>
-          <a:lstStyle/>
-          <a:p>
-            <a:pPr lvl="0">
-              <a:defRPr/>
-            </a:pPr>
-            <a:r>
-              <a:rPr lang="en-US" altLang="ko-KR" smtClean="0"/>
-              <a:t>Admin</a:t>
-            </a:r>
-            <a:endParaRPr lang="ko-KR" altLang="en-US"/>
-          </a:p>
-        </p:txBody>
-      </p:sp>
-    </p:spTree>
-    <p:extLst>
-      <p:ext uri="{BB962C8B-B14F-4D97-AF65-F5344CB8AC3E}">
-        <p14:creationId xmlns:p14="http://schemas.microsoft.com/office/powerpoint/2010/main" val="1019059289"/>
-      </p:ext>
-    </p:extLst>
-  </p:cSld>
-  <p:clrMapOvr>
-    <a:masterClrMapping/>
-  </p:clrMapOvr>
-  <p:transition/>
-  <p:timing>
-    <p:tnLst>
-      <p:par>
-        <p:cTn id="1" dur="indefinite" restart="never" nodeType="tmRoot"/>
-      </p:par>
-    </p:tnLst>
-  </p:timing>
-</p:sld>
-</file>
-
 <file path=ppt/slides/slide4.xml><?xml version="1.0" encoding="utf-8"?>
 <p:sld xmlns:a="http://schemas.openxmlformats.org/drawingml/2006/main" xmlns:r="http://schemas.openxmlformats.org/officeDocument/2006/relationships" xmlns:p="http://schemas.openxmlformats.org/presentationml/2006/main">
   <p:cSld>
@@ -7591,7 +6436,7 @@
           <p:cNvPr id="2" name="그룹 1">
             <a:extLst>
               <a:ext uri="{FF2B5EF4-FFF2-40B4-BE49-F238E27FC236}">
-                <a16:creationId xmlns:p14="http://schemas.microsoft.com/office/powerpoint/2010/main" xmlns:a16="http://schemas.microsoft.com/office/drawing/2014/main" xmlns="" id="{C71E5FE6-3E6D-4092-81AA-962DB5284ABF}"/>
+                <a16:creationId xmlns="" xmlns:a16="http://schemas.microsoft.com/office/drawing/2014/main" xmlns:p14="http://schemas.microsoft.com/office/powerpoint/2010/main" id="{C71E5FE6-3E6D-4092-81AA-962DB5284ABF}"/>
               </a:ext>
             </a:extLst>
           </p:cNvPr>
@@ -7673,7 +6518,7 @@
             <p:cNvPr id="6" name="TextBox 5">
               <a:extLst>
                 <a:ext uri="{FF2B5EF4-FFF2-40B4-BE49-F238E27FC236}">
-                  <a16:creationId xmlns:p14="http://schemas.microsoft.com/office/powerpoint/2010/main" xmlns:a16="http://schemas.microsoft.com/office/drawing/2014/main" xmlns="" id="{BCB0E9E3-FAB5-4E31-83EE-08A0FE55BB4A}"/>
+                  <a16:creationId xmlns="" xmlns:a16="http://schemas.microsoft.com/office/drawing/2014/main" xmlns:p14="http://schemas.microsoft.com/office/powerpoint/2010/main" id="{BCB0E9E3-FAB5-4E31-83EE-08A0FE55BB4A}"/>
                 </a:ext>
               </a:extLst>
             </p:cNvPr>

--- a/보고서/클래스설계서_Final_Project.pptx
+++ b/보고서/클래스설계서_Final_Project.pptx
@@ -9,40 +9,31 @@
     <p:sldId id="257" r:id="rId3"/>
     <p:sldId id="258" r:id="rId4"/>
     <p:sldId id="301" r:id="rId5"/>
-    <p:sldId id="302" r:id="rId6"/>
-    <p:sldId id="304" r:id="rId7"/>
-    <p:sldId id="306" r:id="rId8"/>
-    <p:sldId id="307" r:id="rId9"/>
-    <p:sldId id="308" r:id="rId10"/>
-    <p:sldId id="309" r:id="rId11"/>
-    <p:sldId id="310" r:id="rId12"/>
-    <p:sldId id="303" r:id="rId13"/>
-    <p:sldId id="305" r:id="rId14"/>
-    <p:sldId id="318" r:id="rId15"/>
-    <p:sldId id="319" r:id="rId16"/>
-    <p:sldId id="320" r:id="rId17"/>
-    <p:sldId id="321" r:id="rId18"/>
-    <p:sldId id="322" r:id="rId19"/>
-    <p:sldId id="323" r:id="rId20"/>
-    <p:sldId id="324" r:id="rId21"/>
-    <p:sldId id="311" r:id="rId22"/>
-    <p:sldId id="312" r:id="rId23"/>
-    <p:sldId id="315" r:id="rId24"/>
-    <p:sldId id="316" r:id="rId25"/>
-    <p:sldId id="317" r:id="rId26"/>
-    <p:sldId id="313" r:id="rId27"/>
-    <p:sldId id="314" r:id="rId28"/>
+    <p:sldId id="311" r:id="rId6"/>
+    <p:sldId id="312" r:id="rId7"/>
+    <p:sldId id="313" r:id="rId8"/>
+    <p:sldId id="314" r:id="rId9"/>
+    <p:sldId id="315" r:id="rId10"/>
+    <p:sldId id="302" r:id="rId11"/>
+    <p:sldId id="304" r:id="rId12"/>
+    <p:sldId id="306" r:id="rId13"/>
+    <p:sldId id="307" r:id="rId14"/>
+    <p:sldId id="308" r:id="rId15"/>
+    <p:sldId id="309" r:id="rId16"/>
+    <p:sldId id="310" r:id="rId17"/>
+    <p:sldId id="303" r:id="rId18"/>
+    <p:sldId id="305" r:id="rId19"/>
   </p:sldIdLst>
   <p:sldSz cx="12192000" cy="6858000"/>
   <p:notesSz cx="6858000" cy="9144000"/>
   <p:embeddedFontLst>
     <p:embeddedFont>
       <p:font typeface="THE정고딕150" pitchFamily="18" charset="-127"/>
-      <p:regular r:id="rId29"/>
+      <p:regular r:id="rId20"/>
     </p:embeddedFont>
     <p:embeddedFont>
       <p:font typeface="THE정고딕130" pitchFamily="18" charset="-127"/>
-      <p:regular r:id="rId30"/>
+      <p:regular r:id="rId21"/>
     </p:embeddedFont>
   </p:embeddedFontLst>
   <p:defaultTextStyle>
@@ -142,7 +133,7 @@
   </p:defaultTextStyle>
   <p:extLst>
     <p:ext uri="{EFAFB233-063F-42B5-8137-9DF3F51BA10A}">
-      <p15:sldGuideLst xmlns:p15="http://schemas.microsoft.com/office/powerpoint/2012/main" xmlns:p14="http://schemas.microsoft.com/office/powerpoint/2010/main" xmlns="">
+      <p15:sldGuideLst xmlns="" xmlns:p14="http://schemas.microsoft.com/office/powerpoint/2010/main" xmlns:p15="http://schemas.microsoft.com/office/powerpoint/2012/main">
         <p15:guide id="0" orient="horz" pos="2157" userDrawn="1">
           <p15:clr>
             <a:srgbClr val="A4A3A4"/>
@@ -304,7 +295,7 @@
           <a:p>
             <a:fld id="{2AFE6DCD-4700-455A-AD6D-3C42515F5C57}" type="datetimeFigureOut">
               <a:rPr lang="ko-KR" altLang="en-US" smtClean="0"/>
-              <a:t>2017-12-03</a:t>
+              <a:t>2017-12-02</a:t>
             </a:fld>
             <a:endParaRPr lang="ko-KR" altLang="en-US"/>
           </a:p>
@@ -482,7 +473,7 @@
           <a:p>
             <a:fld id="{2AFE6DCD-4700-455A-AD6D-3C42515F5C57}" type="datetimeFigureOut">
               <a:rPr lang="ko-KR" altLang="en-US" smtClean="0"/>
-              <a:t>2017-12-03</a:t>
+              <a:t>2017-12-02</a:t>
             </a:fld>
             <a:endParaRPr lang="ko-KR" altLang="en-US"/>
           </a:p>
@@ -672,7 +663,7 @@
           <a:p>
             <a:fld id="{2AFE6DCD-4700-455A-AD6D-3C42515F5C57}" type="datetimeFigureOut">
               <a:rPr lang="ko-KR" altLang="en-US" smtClean="0"/>
-              <a:t>2017-12-03</a:t>
+              <a:t>2017-12-02</a:t>
             </a:fld>
             <a:endParaRPr lang="ko-KR" altLang="en-US"/>
           </a:p>
@@ -840,7 +831,7 @@
           <a:p>
             <a:fld id="{2AFE6DCD-4700-455A-AD6D-3C42515F5C57}" type="datetimeFigureOut">
               <a:rPr lang="ko-KR" altLang="en-US" smtClean="0"/>
-              <a:t>2017-12-03</a:t>
+              <a:t>2017-12-02</a:t>
             </a:fld>
             <a:endParaRPr lang="ko-KR" altLang="en-US"/>
           </a:p>
@@ -1085,7 +1076,7 @@
           <a:p>
             <a:fld id="{2AFE6DCD-4700-455A-AD6D-3C42515F5C57}" type="datetimeFigureOut">
               <a:rPr lang="ko-KR" altLang="en-US" smtClean="0"/>
-              <a:t>2017-12-03</a:t>
+              <a:t>2017-12-02</a:t>
             </a:fld>
             <a:endParaRPr lang="ko-KR" altLang="en-US"/>
           </a:p>
@@ -1314,7 +1305,7 @@
           <a:p>
             <a:fld id="{2AFE6DCD-4700-455A-AD6D-3C42515F5C57}" type="datetimeFigureOut">
               <a:rPr lang="ko-KR" altLang="en-US" smtClean="0"/>
-              <a:t>2017-12-03</a:t>
+              <a:t>2017-12-02</a:t>
             </a:fld>
             <a:endParaRPr lang="ko-KR" altLang="en-US"/>
           </a:p>
@@ -1678,7 +1669,7 @@
           <a:p>
             <a:fld id="{2AFE6DCD-4700-455A-AD6D-3C42515F5C57}" type="datetimeFigureOut">
               <a:rPr lang="ko-KR" altLang="en-US" smtClean="0"/>
-              <a:t>2017-12-03</a:t>
+              <a:t>2017-12-02</a:t>
             </a:fld>
             <a:endParaRPr lang="ko-KR" altLang="en-US"/>
           </a:p>
@@ -1799,7 +1790,7 @@
           <p:cNvPr id="8" name="직사각형 7">
             <a:extLst>
               <a:ext uri="{FF2B5EF4-FFF2-40B4-BE49-F238E27FC236}">
-                <a16:creationId xmlns="" xmlns:a16="http://schemas.microsoft.com/office/drawing/2014/main" id="{EC9D3B80-2639-45EA-95B5-D9EAD7F532D5}"/>
+                <a16:creationId xmlns:a16="http://schemas.microsoft.com/office/drawing/2014/main" xmlns="" id="{EC9D3B80-2639-45EA-95B5-D9EAD7F532D5}"/>
               </a:ext>
             </a:extLst>
           </p:cNvPr>
@@ -2169,7 +2160,7 @@
           <a:p>
             <a:fld id="{2AFE6DCD-4700-455A-AD6D-3C42515F5C57}" type="datetimeFigureOut">
               <a:rPr lang="ko-KR" altLang="en-US" smtClean="0"/>
-              <a:t>2017-12-03</a:t>
+              <a:t>2017-12-02</a:t>
             </a:fld>
             <a:endParaRPr lang="ko-KR" altLang="en-US"/>
           </a:p>
@@ -2383,7 +2374,7 @@
             <a:fld id="{2AFE6DCD-4700-455A-AD6D-3C42515F5C57}" type="datetimeFigureOut">
               <a:rPr lang="ko-KR" altLang="en-US" smtClean="0"/>
               <a:pPr/>
-              <a:t>2017-12-03</a:t>
+              <a:t>2017-12-02</a:t>
             </a:fld>
             <a:endParaRPr lang="ko-KR" altLang="en-US"/>
           </a:p>
@@ -3045,6 +3036,770 @@
 <file path=ppt/slides/slide10.xml><?xml version="1.0" encoding="utf-8"?>
 <p:sld xmlns:a="http://schemas.openxmlformats.org/drawingml/2006/main" xmlns:r="http://schemas.openxmlformats.org/officeDocument/2006/relationships" xmlns:p="http://schemas.openxmlformats.org/presentationml/2006/main">
   <p:cSld>
+    <p:bg>
+      <p:bgPr>
+        <a:solidFill>
+          <a:srgbClr val="212121"/>
+        </a:solidFill>
+        <a:effectLst/>
+      </p:bgPr>
+    </p:bg>
+    <p:spTree>
+      <p:nvGrpSpPr>
+        <p:cNvPr id="1" name=""/>
+        <p:cNvGrpSpPr/>
+        <p:nvPr/>
+      </p:nvGrpSpPr>
+      <p:grpSpPr>
+        <a:xfrm>
+          <a:off x="0" y="0"/>
+          <a:ext cx="0" cy="0"/>
+          <a:chOff x="0" y="0"/>
+          <a:chExt cx="0" cy="0"/>
+        </a:xfrm>
+      </p:grpSpPr>
+      <p:grpSp>
+        <p:nvGrpSpPr>
+          <p:cNvPr id="2" name="그룹 1">
+            <a:extLst>
+              <a:ext uri="{FF2B5EF4-FFF2-40B4-BE49-F238E27FC236}">
+                <a16:creationId xmlns:p14="http://schemas.microsoft.com/office/powerpoint/2010/main" xmlns:a16="http://schemas.microsoft.com/office/drawing/2014/main" xmlns="" id="{C71E5FE6-3E6D-4092-81AA-962DB5284ABF}"/>
+              </a:ext>
+            </a:extLst>
+          </p:cNvPr>
+          <p:cNvGrpSpPr/>
+          <p:nvPr/>
+        </p:nvGrpSpPr>
+        <p:grpSpPr>
+          <a:xfrm>
+            <a:off x="4598353" y="2980372"/>
+            <a:ext cx="3757365" cy="564515"/>
+            <a:chOff x="4598353" y="2980372"/>
+            <a:chExt cx="3757365" cy="564515"/>
+          </a:xfrm>
+        </p:grpSpPr>
+        <p:sp>
+          <p:nvSpPr>
+            <p:cNvPr id="30" name="타원 29"/>
+            <p:cNvSpPr/>
+            <p:nvPr/>
+          </p:nvSpPr>
+          <p:spPr>
+            <a:xfrm>
+              <a:off x="4598353" y="2980372"/>
+              <a:ext cx="564832" cy="564515"/>
+            </a:xfrm>
+            <a:prstGeom prst="ellipse">
+              <a:avLst/>
+            </a:prstGeom>
+            <a:solidFill>
+              <a:schemeClr val="bg1"/>
+            </a:solidFill>
+            <a:ln>
+              <a:noFill/>
+            </a:ln>
+          </p:spPr>
+          <p:style>
+            <a:lnRef idx="2">
+              <a:schemeClr val="accent1">
+                <a:shade val="50000"/>
+              </a:schemeClr>
+            </a:lnRef>
+            <a:fillRef idx="1">
+              <a:schemeClr val="accent1"/>
+            </a:fillRef>
+            <a:effectRef idx="0">
+              <a:schemeClr val="accent1"/>
+            </a:effectRef>
+            <a:fontRef idx="minor">
+              <a:schemeClr val="lt1"/>
+            </a:fontRef>
+          </p:style>
+          <p:txBody>
+            <a:bodyPr rtlCol="0" anchor="ctr"/>
+            <a:lstStyle/>
+            <a:p>
+              <a:pPr algn="ctr"/>
+              <a:r>
+                <a:rPr lang="en-US" altLang="ko-KR" sz="2800" b="1">
+                  <a:solidFill>
+                    <a:schemeClr val="tx1"/>
+                  </a:solidFill>
+                  <a:latin typeface="THE정고딕130" panose="02020603020101020101" pitchFamily="18" charset="-127"/>
+                  <a:ea typeface="THE정고딕130" panose="02020603020101020101" pitchFamily="18" charset="-127"/>
+                </a:rPr>
+                <a:t>2</a:t>
+              </a:r>
+              <a:endParaRPr lang="ko-KR" altLang="en-US" sz="2800" b="1">
+                <a:solidFill>
+                  <a:schemeClr val="tx1"/>
+                </a:solidFill>
+                <a:latin typeface="THE정고딕130" panose="02020603020101020101" pitchFamily="18" charset="-127"/>
+                <a:ea typeface="THE정고딕130" panose="02020603020101020101" pitchFamily="18" charset="-127"/>
+              </a:endParaRPr>
+            </a:p>
+          </p:txBody>
+        </p:sp>
+        <p:sp>
+          <p:nvSpPr>
+            <p:cNvPr id="6" name="TextBox 5">
+              <a:extLst>
+                <a:ext uri="{FF2B5EF4-FFF2-40B4-BE49-F238E27FC236}">
+                  <a16:creationId xmlns:p14="http://schemas.microsoft.com/office/powerpoint/2010/main" xmlns:a16="http://schemas.microsoft.com/office/drawing/2014/main" xmlns="" id="{BCB0E9E3-FAB5-4E31-83EE-08A0FE55BB4A}"/>
+                </a:ext>
+              </a:extLst>
+            </p:cNvPr>
+            <p:cNvSpPr txBox="1"/>
+            <p:nvPr/>
+          </p:nvSpPr>
+          <p:spPr>
+            <a:xfrm>
+              <a:off x="5295265" y="3001010"/>
+              <a:ext cx="3060453" cy="523220"/>
+            </a:xfrm>
+            <a:prstGeom prst="rect">
+              <a:avLst/>
+            </a:prstGeom>
+            <a:noFill/>
+          </p:spPr>
+          <p:txBody>
+            <a:bodyPr wrap="none" rtlCol="0">
+              <a:spAutoFit/>
+            </a:bodyPr>
+            <a:lstStyle/>
+            <a:p>
+              <a:r>
+                <a:rPr lang="ko-KR" altLang="en-US" sz="2800" smtClean="0">
+                  <a:solidFill>
+                    <a:schemeClr val="bg1"/>
+                  </a:solidFill>
+                  <a:latin typeface="+mj-ea"/>
+                  <a:ea typeface="+mj-ea"/>
+                </a:rPr>
+                <a:t>클래스 다이어그램</a:t>
+              </a:r>
+              <a:endParaRPr lang="en-US" altLang="ko-KR" sz="2800">
+                <a:solidFill>
+                  <a:schemeClr val="bg1"/>
+                </a:solidFill>
+                <a:latin typeface="+mj-ea"/>
+                <a:ea typeface="+mj-ea"/>
+              </a:endParaRPr>
+            </a:p>
+          </p:txBody>
+        </p:sp>
+      </p:grpSp>
+    </p:spTree>
+    <p:extLst>
+      <p:ext uri="{BB962C8B-B14F-4D97-AF65-F5344CB8AC3E}">
+        <p14:creationId xmlns:p14="http://schemas.microsoft.com/office/powerpoint/2010/main" val="693951829"/>
+      </p:ext>
+    </p:extLst>
+  </p:cSld>
+  <p:clrMapOvr>
+    <a:masterClrMapping/>
+  </p:clrMapOvr>
+  <mc:AlternateContent xmlns:mc="http://schemas.openxmlformats.org/markup-compatibility/2006" xmlns:p14="http://schemas.microsoft.com/office/powerpoint/2010/main">
+    <mc:Choice Requires="p14">
+      <p:transition spd="slow" p14:dur="2000"/>
+    </mc:Choice>
+    <mc:Fallback xmlns="">
+      <p:transition spd="slow"/>
+    </mc:Fallback>
+  </mc:AlternateContent>
+  <p:timing>
+    <p:tnLst>
+      <p:par>
+        <p:cTn id="1" dur="indefinite" restart="never" nodeType="tmRoot"/>
+      </p:par>
+    </p:tnLst>
+  </p:timing>
+</p:sld>
+</file>
+
+<file path=ppt/slides/slide11.xml><?xml version="1.0" encoding="utf-8"?>
+<p:sld xmlns:a="http://schemas.openxmlformats.org/drawingml/2006/main" xmlns:r="http://schemas.openxmlformats.org/officeDocument/2006/relationships" xmlns:p="http://schemas.openxmlformats.org/presentationml/2006/main">
+  <p:cSld>
+    <p:spTree>
+      <p:nvGrpSpPr>
+        <p:cNvPr id="1" name=""/>
+        <p:cNvGrpSpPr/>
+        <p:nvPr/>
+      </p:nvGrpSpPr>
+      <p:grpSpPr>
+        <a:xfrm>
+          <a:off x="0" y="0"/>
+          <a:ext cx="0" cy="0"/>
+          <a:chOff x="0" y="0"/>
+          <a:chExt cx="0" cy="0"/>
+        </a:xfrm>
+      </p:grpSpPr>
+      <p:sp>
+        <p:nvSpPr>
+          <p:cNvPr id="4" name="제목 3"/>
+          <p:cNvSpPr>
+            <a:spLocks noGrp="1"/>
+          </p:cNvSpPr>
+          <p:nvPr>
+            <p:ph type="title"/>
+          </p:nvPr>
+        </p:nvSpPr>
+        <p:spPr>
+          <a:xfrm>
+            <a:off x="250190" y="0"/>
+            <a:ext cx="3373755" cy="650875"/>
+          </a:xfrm>
+        </p:spPr>
+        <p:txBody>
+          <a:bodyPr anchor="ctr">
+            <a:normAutofit/>
+          </a:bodyPr>
+          <a:lstStyle/>
+          <a:p>
+            <a:pPr lvl="0">
+              <a:defRPr/>
+            </a:pPr>
+            <a:r>
+              <a:rPr lang="ko-KR" altLang="en-US" sz="2800" smtClean="0"/>
+              <a:t>클래스 다이어그램</a:t>
+            </a:r>
+            <a:endParaRPr lang="ko-KR" altLang="en-US" sz="2800"/>
+          </a:p>
+        </p:txBody>
+      </p:sp>
+      <p:sp>
+        <p:nvSpPr>
+          <p:cNvPr id="5" name="텍스트 개체 틀 4"/>
+          <p:cNvSpPr>
+            <a:spLocks noGrp="1"/>
+          </p:cNvSpPr>
+          <p:nvPr>
+            <p:ph type="body" sz="half" idx="2"/>
+          </p:nvPr>
+        </p:nvSpPr>
+        <p:spPr>
+          <a:xfrm>
+            <a:off x="3424555" y="0"/>
+            <a:ext cx="3931920" cy="650875"/>
+          </a:xfrm>
+        </p:spPr>
+        <p:txBody>
+          <a:bodyPr anchor="ctr">
+            <a:normAutofit/>
+          </a:bodyPr>
+          <a:lstStyle/>
+          <a:p>
+            <a:pPr lvl="0">
+              <a:defRPr/>
+            </a:pPr>
+            <a:r>
+              <a:rPr lang="en-US" altLang="ko-KR" smtClean="0"/>
+              <a:t>User</a:t>
+            </a:r>
+            <a:endParaRPr lang="ko-KR" altLang="en-US"/>
+          </a:p>
+        </p:txBody>
+      </p:sp>
+      <p:pic>
+        <p:nvPicPr>
+          <p:cNvPr id="1026" name="Picture 2" descr="C:\Users\DongKyun\Documents\GitHub\KHFinalProject\보고서\클래스\user클래스.jpg"/>
+          <p:cNvPicPr>
+            <a:picLocks noChangeAspect="1" noChangeArrowheads="1"/>
+          </p:cNvPicPr>
+          <p:nvPr/>
+        </p:nvPicPr>
+        <p:blipFill>
+          <a:blip r:embed="rId2">
+            <a:extLst>
+              <a:ext uri="{28A0092B-C50C-407E-A947-70E740481C1C}">
+                <a14:useLocalDpi xmlns:a14="http://schemas.microsoft.com/office/drawing/2010/main" val="0"/>
+              </a:ext>
+            </a:extLst>
+          </a:blip>
+          <a:srcRect/>
+          <a:stretch>
+            <a:fillRect/>
+          </a:stretch>
+        </p:blipFill>
+        <p:spPr bwMode="auto">
+          <a:xfrm>
+            <a:off x="733425" y="787400"/>
+            <a:ext cx="10839450" cy="5969000"/>
+          </a:xfrm>
+          <a:prstGeom prst="rect">
+            <a:avLst/>
+          </a:prstGeom>
+          <a:noFill/>
+          <a:extLst>
+            <a:ext uri="{909E8E84-426E-40DD-AFC4-6F175D3DCCD1}">
+              <a14:hiddenFill xmlns:a14="http://schemas.microsoft.com/office/drawing/2010/main">
+                <a:solidFill>
+                  <a:srgbClr val="FFFFFF"/>
+                </a:solidFill>
+              </a14:hiddenFill>
+            </a:ext>
+          </a:extLst>
+        </p:spPr>
+      </p:pic>
+    </p:spTree>
+    <p:extLst>
+      <p:ext uri="{BB962C8B-B14F-4D97-AF65-F5344CB8AC3E}">
+        <p14:creationId xmlns:p14="http://schemas.microsoft.com/office/powerpoint/2010/main" val="1953278713"/>
+      </p:ext>
+    </p:extLst>
+  </p:cSld>
+  <p:clrMapOvr>
+    <a:masterClrMapping/>
+  </p:clrMapOvr>
+  <p:transition/>
+  <p:timing>
+    <p:tnLst>
+      <p:par>
+        <p:cTn id="1" dur="indefinite" restart="never" nodeType="tmRoot"/>
+      </p:par>
+    </p:tnLst>
+  </p:timing>
+</p:sld>
+</file>
+
+<file path=ppt/slides/slide12.xml><?xml version="1.0" encoding="utf-8"?>
+<p:sld xmlns:a="http://schemas.openxmlformats.org/drawingml/2006/main" xmlns:r="http://schemas.openxmlformats.org/officeDocument/2006/relationships" xmlns:p="http://schemas.openxmlformats.org/presentationml/2006/main">
+  <p:cSld>
+    <p:spTree>
+      <p:nvGrpSpPr>
+        <p:cNvPr id="1" name=""/>
+        <p:cNvGrpSpPr/>
+        <p:nvPr/>
+      </p:nvGrpSpPr>
+      <p:grpSpPr>
+        <a:xfrm>
+          <a:off x="0" y="0"/>
+          <a:ext cx="0" cy="0"/>
+          <a:chOff x="0" y="0"/>
+          <a:chExt cx="0" cy="0"/>
+        </a:xfrm>
+      </p:grpSpPr>
+      <p:sp>
+        <p:nvSpPr>
+          <p:cNvPr id="4" name="제목 3"/>
+          <p:cNvSpPr>
+            <a:spLocks noGrp="1"/>
+          </p:cNvSpPr>
+          <p:nvPr>
+            <p:ph type="title"/>
+          </p:nvPr>
+        </p:nvSpPr>
+        <p:spPr>
+          <a:xfrm>
+            <a:off x="250190" y="0"/>
+            <a:ext cx="3373755" cy="650875"/>
+          </a:xfrm>
+        </p:spPr>
+        <p:txBody>
+          <a:bodyPr anchor="ctr">
+            <a:normAutofit/>
+          </a:bodyPr>
+          <a:lstStyle/>
+          <a:p>
+            <a:pPr lvl="0">
+              <a:defRPr/>
+            </a:pPr>
+            <a:r>
+              <a:rPr lang="ko-KR" altLang="en-US" sz="2800" smtClean="0"/>
+              <a:t>클래스 다이어그램</a:t>
+            </a:r>
+            <a:endParaRPr lang="ko-KR" altLang="en-US" sz="2800"/>
+          </a:p>
+        </p:txBody>
+      </p:sp>
+      <p:sp>
+        <p:nvSpPr>
+          <p:cNvPr id="5" name="텍스트 개체 틀 4"/>
+          <p:cNvSpPr>
+            <a:spLocks noGrp="1"/>
+          </p:cNvSpPr>
+          <p:nvPr>
+            <p:ph type="body" sz="half" idx="2"/>
+          </p:nvPr>
+        </p:nvSpPr>
+        <p:spPr>
+          <a:xfrm>
+            <a:off x="3424555" y="0"/>
+            <a:ext cx="3931920" cy="650875"/>
+          </a:xfrm>
+        </p:spPr>
+        <p:txBody>
+          <a:bodyPr anchor="ctr">
+            <a:normAutofit/>
+          </a:bodyPr>
+          <a:lstStyle/>
+          <a:p>
+            <a:pPr lvl="0">
+              <a:defRPr/>
+            </a:pPr>
+            <a:r>
+              <a:rPr lang="en-US" altLang="ko-KR" smtClean="0"/>
+              <a:t>Admin</a:t>
+            </a:r>
+            <a:endParaRPr lang="ko-KR" altLang="en-US"/>
+          </a:p>
+        </p:txBody>
+      </p:sp>
+      <p:pic>
+        <p:nvPicPr>
+          <p:cNvPr id="2050" name="Picture 2" descr="C:\Users\DongKyun\Documents\GitHub\KHFinalProject\보고서\클래스\admin클래스.jpg"/>
+          <p:cNvPicPr>
+            <a:picLocks noChangeAspect="1" noChangeArrowheads="1"/>
+          </p:cNvPicPr>
+          <p:nvPr/>
+        </p:nvPicPr>
+        <p:blipFill>
+          <a:blip r:embed="rId2">
+            <a:extLst>
+              <a:ext uri="{28A0092B-C50C-407E-A947-70E740481C1C}">
+                <a14:useLocalDpi xmlns:a14="http://schemas.microsoft.com/office/drawing/2010/main" val="0"/>
+              </a:ext>
+            </a:extLst>
+          </a:blip>
+          <a:srcRect/>
+          <a:stretch>
+            <a:fillRect/>
+          </a:stretch>
+        </p:blipFill>
+        <p:spPr bwMode="auto">
+          <a:xfrm>
+            <a:off x="2057400" y="746124"/>
+            <a:ext cx="7620000" cy="5991225"/>
+          </a:xfrm>
+          <a:prstGeom prst="rect">
+            <a:avLst/>
+          </a:prstGeom>
+          <a:noFill/>
+          <a:extLst>
+            <a:ext uri="{909E8E84-426E-40DD-AFC4-6F175D3DCCD1}">
+              <a14:hiddenFill xmlns:a14="http://schemas.microsoft.com/office/drawing/2010/main">
+                <a:solidFill>
+                  <a:srgbClr val="FFFFFF"/>
+                </a:solidFill>
+              </a14:hiddenFill>
+            </a:ext>
+          </a:extLst>
+        </p:spPr>
+      </p:pic>
+    </p:spTree>
+    <p:extLst>
+      <p:ext uri="{BB962C8B-B14F-4D97-AF65-F5344CB8AC3E}">
+        <p14:creationId xmlns:p14="http://schemas.microsoft.com/office/powerpoint/2010/main" val="4112727436"/>
+      </p:ext>
+    </p:extLst>
+  </p:cSld>
+  <p:clrMapOvr>
+    <a:masterClrMapping/>
+  </p:clrMapOvr>
+  <p:transition/>
+  <p:timing>
+    <p:tnLst>
+      <p:par>
+        <p:cTn id="1" dur="indefinite" restart="never" nodeType="tmRoot"/>
+      </p:par>
+    </p:tnLst>
+  </p:timing>
+</p:sld>
+</file>
+
+<file path=ppt/slides/slide13.xml><?xml version="1.0" encoding="utf-8"?>
+<p:sld xmlns:a="http://schemas.openxmlformats.org/drawingml/2006/main" xmlns:r="http://schemas.openxmlformats.org/officeDocument/2006/relationships" xmlns:p="http://schemas.openxmlformats.org/presentationml/2006/main">
+  <p:cSld>
+    <p:spTree>
+      <p:nvGrpSpPr>
+        <p:cNvPr id="1" name=""/>
+        <p:cNvGrpSpPr/>
+        <p:nvPr/>
+      </p:nvGrpSpPr>
+      <p:grpSpPr>
+        <a:xfrm>
+          <a:off x="0" y="0"/>
+          <a:ext cx="0" cy="0"/>
+          <a:chOff x="0" y="0"/>
+          <a:chExt cx="0" cy="0"/>
+        </a:xfrm>
+      </p:grpSpPr>
+      <p:sp>
+        <p:nvSpPr>
+          <p:cNvPr id="4" name="제목 3"/>
+          <p:cNvSpPr>
+            <a:spLocks noGrp="1"/>
+          </p:cNvSpPr>
+          <p:nvPr>
+            <p:ph type="title"/>
+          </p:nvPr>
+        </p:nvSpPr>
+        <p:spPr>
+          <a:xfrm>
+            <a:off x="250190" y="0"/>
+            <a:ext cx="3373755" cy="650875"/>
+          </a:xfrm>
+        </p:spPr>
+        <p:txBody>
+          <a:bodyPr anchor="ctr">
+            <a:normAutofit/>
+          </a:bodyPr>
+          <a:lstStyle/>
+          <a:p>
+            <a:pPr lvl="0">
+              <a:defRPr/>
+            </a:pPr>
+            <a:r>
+              <a:rPr lang="ko-KR" altLang="en-US" sz="2800" smtClean="0"/>
+              <a:t>클래스 다이어그램</a:t>
+            </a:r>
+            <a:endParaRPr lang="ko-KR" altLang="en-US" sz="2800"/>
+          </a:p>
+        </p:txBody>
+      </p:sp>
+      <p:sp>
+        <p:nvSpPr>
+          <p:cNvPr id="5" name="텍스트 개체 틀 4"/>
+          <p:cNvSpPr>
+            <a:spLocks noGrp="1"/>
+          </p:cNvSpPr>
+          <p:nvPr>
+            <p:ph type="body" sz="half" idx="2"/>
+          </p:nvPr>
+        </p:nvSpPr>
+        <p:spPr>
+          <a:xfrm>
+            <a:off x="3424555" y="0"/>
+            <a:ext cx="3931920" cy="650875"/>
+          </a:xfrm>
+        </p:spPr>
+        <p:txBody>
+          <a:bodyPr anchor="ctr">
+            <a:normAutofit/>
+          </a:bodyPr>
+          <a:lstStyle/>
+          <a:p>
+            <a:pPr lvl="0">
+              <a:defRPr/>
+            </a:pPr>
+            <a:r>
+              <a:rPr lang="en-US" altLang="ko-KR" smtClean="0"/>
+              <a:t>Gym</a:t>
+            </a:r>
+            <a:endParaRPr lang="ko-KR" altLang="en-US"/>
+          </a:p>
+        </p:txBody>
+      </p:sp>
+      <p:pic>
+        <p:nvPicPr>
+          <p:cNvPr id="3074" name="Picture 2" descr="C:\Users\DongKyun\Documents\GitHub\KHFinalProject\보고서\클래스\gym클래스.jpg"/>
+          <p:cNvPicPr>
+            <a:picLocks noChangeAspect="1" noChangeArrowheads="1"/>
+          </p:cNvPicPr>
+          <p:nvPr/>
+        </p:nvPicPr>
+        <p:blipFill>
+          <a:blip r:embed="rId2">
+            <a:extLst>
+              <a:ext uri="{28A0092B-C50C-407E-A947-70E740481C1C}">
+                <a14:useLocalDpi xmlns:a14="http://schemas.microsoft.com/office/drawing/2010/main" val="0"/>
+              </a:ext>
+            </a:extLst>
+          </a:blip>
+          <a:srcRect/>
+          <a:stretch>
+            <a:fillRect/>
+          </a:stretch>
+        </p:blipFill>
+        <p:spPr bwMode="auto">
+          <a:xfrm>
+            <a:off x="698500" y="1044575"/>
+            <a:ext cx="10909300" cy="5283200"/>
+          </a:xfrm>
+          <a:prstGeom prst="rect">
+            <a:avLst/>
+          </a:prstGeom>
+          <a:noFill/>
+          <a:extLst>
+            <a:ext uri="{909E8E84-426E-40DD-AFC4-6F175D3DCCD1}">
+              <a14:hiddenFill xmlns:a14="http://schemas.microsoft.com/office/drawing/2010/main">
+                <a:solidFill>
+                  <a:srgbClr val="FFFFFF"/>
+                </a:solidFill>
+              </a14:hiddenFill>
+            </a:ext>
+          </a:extLst>
+        </p:spPr>
+      </p:pic>
+    </p:spTree>
+    <p:extLst>
+      <p:ext uri="{BB962C8B-B14F-4D97-AF65-F5344CB8AC3E}">
+        <p14:creationId xmlns:p14="http://schemas.microsoft.com/office/powerpoint/2010/main" val="2869662868"/>
+      </p:ext>
+    </p:extLst>
+  </p:cSld>
+  <p:clrMapOvr>
+    <a:masterClrMapping/>
+  </p:clrMapOvr>
+  <p:transition/>
+  <p:timing>
+    <p:tnLst>
+      <p:par>
+        <p:cTn id="1" dur="indefinite" restart="never" nodeType="tmRoot"/>
+      </p:par>
+    </p:tnLst>
+  </p:timing>
+</p:sld>
+</file>
+
+<file path=ppt/slides/slide14.xml><?xml version="1.0" encoding="utf-8"?>
+<p:sld xmlns:a="http://schemas.openxmlformats.org/drawingml/2006/main" xmlns:r="http://schemas.openxmlformats.org/officeDocument/2006/relationships" xmlns:p="http://schemas.openxmlformats.org/presentationml/2006/main">
+  <p:cSld>
+    <p:spTree>
+      <p:nvGrpSpPr>
+        <p:cNvPr id="1" name=""/>
+        <p:cNvGrpSpPr/>
+        <p:nvPr/>
+      </p:nvGrpSpPr>
+      <p:grpSpPr>
+        <a:xfrm>
+          <a:off x="0" y="0"/>
+          <a:ext cx="0" cy="0"/>
+          <a:chOff x="0" y="0"/>
+          <a:chExt cx="0" cy="0"/>
+        </a:xfrm>
+      </p:grpSpPr>
+      <p:sp>
+        <p:nvSpPr>
+          <p:cNvPr id="4" name="제목 3"/>
+          <p:cNvSpPr>
+            <a:spLocks noGrp="1"/>
+          </p:cNvSpPr>
+          <p:nvPr>
+            <p:ph type="title"/>
+          </p:nvPr>
+        </p:nvSpPr>
+        <p:spPr>
+          <a:xfrm>
+            <a:off x="250190" y="0"/>
+            <a:ext cx="3373755" cy="650875"/>
+          </a:xfrm>
+        </p:spPr>
+        <p:txBody>
+          <a:bodyPr anchor="ctr">
+            <a:normAutofit/>
+          </a:bodyPr>
+          <a:lstStyle/>
+          <a:p>
+            <a:pPr lvl="0">
+              <a:defRPr/>
+            </a:pPr>
+            <a:r>
+              <a:rPr lang="ko-KR" altLang="en-US" sz="2800" smtClean="0"/>
+              <a:t>클래스 다이어그램</a:t>
+            </a:r>
+            <a:endParaRPr lang="ko-KR" altLang="en-US" sz="2800"/>
+          </a:p>
+        </p:txBody>
+      </p:sp>
+      <p:sp>
+        <p:nvSpPr>
+          <p:cNvPr id="5" name="텍스트 개체 틀 4"/>
+          <p:cNvSpPr>
+            <a:spLocks noGrp="1"/>
+          </p:cNvSpPr>
+          <p:nvPr>
+            <p:ph type="body" sz="half" idx="2"/>
+          </p:nvPr>
+        </p:nvSpPr>
+        <p:spPr>
+          <a:xfrm>
+            <a:off x="3424555" y="0"/>
+            <a:ext cx="3931920" cy="650875"/>
+          </a:xfrm>
+        </p:spPr>
+        <p:txBody>
+          <a:bodyPr anchor="ctr">
+            <a:normAutofit/>
+          </a:bodyPr>
+          <a:lstStyle/>
+          <a:p>
+            <a:pPr lvl="0">
+              <a:defRPr/>
+            </a:pPr>
+            <a:r>
+              <a:rPr lang="en-US" altLang="ko-KR" smtClean="0"/>
+              <a:t>Health</a:t>
+            </a:r>
+            <a:endParaRPr lang="ko-KR" altLang="en-US"/>
+          </a:p>
+        </p:txBody>
+      </p:sp>
+      <p:pic>
+        <p:nvPicPr>
+          <p:cNvPr id="4098" name="Picture 2" descr="C:\Users\DongKyun\Documents\GitHub\KHFinalProject\보고서\클래스\health클래스.jpg"/>
+          <p:cNvPicPr>
+            <a:picLocks noChangeAspect="1" noChangeArrowheads="1"/>
+          </p:cNvPicPr>
+          <p:nvPr/>
+        </p:nvPicPr>
+        <p:blipFill>
+          <a:blip r:embed="rId2">
+            <a:extLst>
+              <a:ext uri="{28A0092B-C50C-407E-A947-70E740481C1C}">
+                <a14:useLocalDpi xmlns:a14="http://schemas.microsoft.com/office/drawing/2010/main" val="0"/>
+              </a:ext>
+            </a:extLst>
+          </a:blip>
+          <a:srcRect/>
+          <a:stretch>
+            <a:fillRect/>
+          </a:stretch>
+        </p:blipFill>
+        <p:spPr bwMode="auto">
+          <a:xfrm>
+            <a:off x="1908175" y="1949450"/>
+            <a:ext cx="8166100" cy="3225800"/>
+          </a:xfrm>
+          <a:prstGeom prst="rect">
+            <a:avLst/>
+          </a:prstGeom>
+          <a:noFill/>
+          <a:extLst>
+            <a:ext uri="{909E8E84-426E-40DD-AFC4-6F175D3DCCD1}">
+              <a14:hiddenFill xmlns:a14="http://schemas.microsoft.com/office/drawing/2010/main">
+                <a:solidFill>
+                  <a:srgbClr val="FFFFFF"/>
+                </a:solidFill>
+              </a14:hiddenFill>
+            </a:ext>
+          </a:extLst>
+        </p:spPr>
+      </p:pic>
+    </p:spTree>
+    <p:extLst>
+      <p:ext uri="{BB962C8B-B14F-4D97-AF65-F5344CB8AC3E}">
+        <p14:creationId xmlns:p14="http://schemas.microsoft.com/office/powerpoint/2010/main" val="28708698"/>
+      </p:ext>
+    </p:extLst>
+  </p:cSld>
+  <p:clrMapOvr>
+    <a:masterClrMapping/>
+  </p:clrMapOvr>
+  <p:transition/>
+  <p:timing>
+    <p:tnLst>
+      <p:par>
+        <p:cTn id="1" dur="indefinite" restart="never" nodeType="tmRoot"/>
+      </p:par>
+    </p:tnLst>
+  </p:timing>
+</p:sld>
+</file>
+
+<file path=ppt/slides/slide15.xml><?xml version="1.0" encoding="utf-8"?>
+<p:sld xmlns:a="http://schemas.openxmlformats.org/drawingml/2006/main" xmlns:r="http://schemas.openxmlformats.org/officeDocument/2006/relationships" xmlns:p="http://schemas.openxmlformats.org/presentationml/2006/main">
+  <p:cSld>
     <p:spTree>
       <p:nvGrpSpPr>
         <p:cNvPr id="1" name=""/>
@@ -3187,7 +3942,7 @@
 </p:sld>
 </file>
 
-<file path=ppt/slides/slide11.xml><?xml version="1.0" encoding="utf-8"?>
+<file path=ppt/slides/slide16.xml><?xml version="1.0" encoding="utf-8"?>
 <p:sld xmlns:a="http://schemas.openxmlformats.org/drawingml/2006/main" xmlns:r="http://schemas.openxmlformats.org/officeDocument/2006/relationships" xmlns:p="http://schemas.openxmlformats.org/presentationml/2006/main">
   <p:cSld>
     <p:spTree>
@@ -3270,47 +4025,6 @@
           </a:p>
         </p:txBody>
       </p:sp>
-      <p:pic>
-        <p:nvPicPr>
-          <p:cNvPr id="1026" name="Picture 2" descr="C:\Users\DongKyun\Documents\GitHub\KHFinalProject\보고서\클래스\community클래스.jpg"/>
-          <p:cNvPicPr>
-            <a:picLocks noChangeAspect="1" noChangeArrowheads="1"/>
-          </p:cNvPicPr>
-          <p:nvPr/>
-        </p:nvPicPr>
-        <p:blipFill>
-          <a:blip r:embed="rId2">
-            <a:extLst>
-              <a:ext uri="{28A0092B-C50C-407E-A947-70E740481C1C}">
-                <a14:useLocalDpi xmlns:a14="http://schemas.microsoft.com/office/drawing/2010/main" val="0"/>
-              </a:ext>
-            </a:extLst>
-          </a:blip>
-          <a:srcRect/>
-          <a:stretch>
-            <a:fillRect/>
-          </a:stretch>
-        </p:blipFill>
-        <p:spPr bwMode="auto">
-          <a:xfrm>
-            <a:off x="222249" y="809625"/>
-            <a:ext cx="11598276" cy="5679292"/>
-          </a:xfrm>
-          <a:prstGeom prst="rect">
-            <a:avLst/>
-          </a:prstGeom>
-          <a:noFill/>
-          <a:extLst>
-            <a:ext uri="{909E8E84-426E-40DD-AFC4-6F175D3DCCD1}">
-              <a14:hiddenFill xmlns:a14="http://schemas.microsoft.com/office/drawing/2010/main">
-                <a:solidFill>
-                  <a:srgbClr val="FFFFFF"/>
-                </a:solidFill>
-              </a14:hiddenFill>
-            </a:ext>
-          </a:extLst>
-        </p:spPr>
-      </p:pic>
     </p:spTree>
     <p:extLst>
       <p:ext uri="{BB962C8B-B14F-4D97-AF65-F5344CB8AC3E}">
@@ -3332,7 +4046,7 @@
 </p:sld>
 </file>
 
-<file path=ppt/slides/slide12.xml><?xml version="1.0" encoding="utf-8"?>
+<file path=ppt/slides/slide17.xml><?xml version="1.0" encoding="utf-8"?>
 <p:sld xmlns:a="http://schemas.openxmlformats.org/drawingml/2006/main" xmlns:r="http://schemas.openxmlformats.org/officeDocument/2006/relationships" xmlns:p="http://schemas.openxmlformats.org/presentationml/2006/main">
   <p:cSld>
     <p:bg>
@@ -3362,7 +4076,7 @@
           <p:cNvPr id="2" name="그룹 1">
             <a:extLst>
               <a:ext uri="{FF2B5EF4-FFF2-40B4-BE49-F238E27FC236}">
-                <a16:creationId xmlns="" xmlns:a16="http://schemas.microsoft.com/office/drawing/2014/main" xmlns:p14="http://schemas.microsoft.com/office/powerpoint/2010/main" id="{C71E5FE6-3E6D-4092-81AA-962DB5284ABF}"/>
+                <a16:creationId xmlns:p14="http://schemas.microsoft.com/office/powerpoint/2010/main" xmlns:a16="http://schemas.microsoft.com/office/drawing/2014/main" xmlns="" id="{C71E5FE6-3E6D-4092-81AA-962DB5284ABF}"/>
               </a:ext>
             </a:extLst>
           </p:cNvPr>
@@ -3444,7 +4158,7 @@
             <p:cNvPr id="6" name="TextBox 5">
               <a:extLst>
                 <a:ext uri="{FF2B5EF4-FFF2-40B4-BE49-F238E27FC236}">
-                  <a16:creationId xmlns="" xmlns:a16="http://schemas.microsoft.com/office/drawing/2014/main" xmlns:p14="http://schemas.microsoft.com/office/powerpoint/2010/main" id="{BCB0E9E3-FAB5-4E31-83EE-08A0FE55BB4A}"/>
+                  <a16:creationId xmlns:p14="http://schemas.microsoft.com/office/powerpoint/2010/main" xmlns:a16="http://schemas.microsoft.com/office/drawing/2014/main" xmlns="" id="{BCB0E9E3-FAB5-4E31-83EE-08A0FE55BB4A}"/>
                 </a:ext>
               </a:extLst>
             </p:cNvPr>
@@ -3536,690 +4250,6 @@
 </p:sld>
 </file>
 
-<file path=ppt/slides/slide13.xml><?xml version="1.0" encoding="utf-8"?>
-<p:sld xmlns:a="http://schemas.openxmlformats.org/drawingml/2006/main" xmlns:r="http://schemas.openxmlformats.org/officeDocument/2006/relationships" xmlns:p="http://schemas.openxmlformats.org/presentationml/2006/main">
-  <p:cSld>
-    <p:spTree>
-      <p:nvGrpSpPr>
-        <p:cNvPr id="1" name=""/>
-        <p:cNvGrpSpPr/>
-        <p:nvPr/>
-      </p:nvGrpSpPr>
-      <p:grpSpPr>
-        <a:xfrm>
-          <a:off x="0" y="0"/>
-          <a:ext cx="0" cy="0"/>
-          <a:chOff x="0" y="0"/>
-          <a:chExt cx="0" cy="0"/>
-        </a:xfrm>
-      </p:grpSpPr>
-      <p:sp>
-        <p:nvSpPr>
-          <p:cNvPr id="4" name="제목 3"/>
-          <p:cNvSpPr>
-            <a:spLocks noGrp="1"/>
-          </p:cNvSpPr>
-          <p:nvPr>
-            <p:ph type="title"/>
-          </p:nvPr>
-        </p:nvSpPr>
-        <p:spPr>
-          <a:xfrm>
-            <a:off x="250190" y="0"/>
-            <a:ext cx="3373755" cy="650875"/>
-          </a:xfrm>
-        </p:spPr>
-        <p:txBody>
-          <a:bodyPr anchor="ctr">
-            <a:normAutofit/>
-          </a:bodyPr>
-          <a:lstStyle/>
-          <a:p>
-            <a:pPr lvl="0">
-              <a:defRPr/>
-            </a:pPr>
-            <a:r>
-              <a:rPr lang="ko-KR" altLang="en-US" sz="2800" smtClean="0"/>
-              <a:t>시퀀스 다이어그램</a:t>
-            </a:r>
-            <a:endParaRPr lang="ko-KR" altLang="en-US" sz="2800"/>
-          </a:p>
-        </p:txBody>
-      </p:sp>
-      <p:sp>
-        <p:nvSpPr>
-          <p:cNvPr id="6" name="텍스트 개체 틀 4"/>
-          <p:cNvSpPr>
-            <a:spLocks noGrp="1"/>
-          </p:cNvSpPr>
-          <p:nvPr>
-            <p:ph type="body" sz="half" idx="2"/>
-          </p:nvPr>
-        </p:nvSpPr>
-        <p:spPr>
-          <a:xfrm>
-            <a:off x="3424555" y="0"/>
-            <a:ext cx="3931920" cy="650875"/>
-          </a:xfrm>
-        </p:spPr>
-        <p:txBody>
-          <a:bodyPr anchor="ctr">
-            <a:normAutofit/>
-          </a:bodyPr>
-          <a:lstStyle/>
-          <a:p>
-            <a:pPr lvl="0">
-              <a:defRPr/>
-            </a:pPr>
-            <a:r>
-              <a:rPr lang="en-US" altLang="ko-KR" smtClean="0"/>
-              <a:t>User</a:t>
-            </a:r>
-            <a:endParaRPr lang="ko-KR" altLang="en-US"/>
-          </a:p>
-        </p:txBody>
-      </p:sp>
-    </p:spTree>
-    <p:extLst>
-      <p:ext uri="{BB962C8B-B14F-4D97-AF65-F5344CB8AC3E}">
-        <p14:creationId xmlns:p14="http://schemas.microsoft.com/office/powerpoint/2010/main" val="3649887602"/>
-      </p:ext>
-    </p:extLst>
-  </p:cSld>
-  <p:clrMapOvr>
-    <a:masterClrMapping/>
-  </p:clrMapOvr>
-  <p:transition/>
-  <p:timing>
-    <p:tnLst>
-      <p:par>
-        <p:cTn id="1" dur="indefinite" restart="never" nodeType="tmRoot"/>
-      </p:par>
-    </p:tnLst>
-  </p:timing>
-</p:sld>
-</file>
-
-<file path=ppt/slides/slide14.xml><?xml version="1.0" encoding="utf-8"?>
-<p:sld xmlns:a="http://schemas.openxmlformats.org/drawingml/2006/main" xmlns:r="http://schemas.openxmlformats.org/officeDocument/2006/relationships" xmlns:p="http://schemas.openxmlformats.org/presentationml/2006/main">
-  <p:cSld>
-    <p:spTree>
-      <p:nvGrpSpPr>
-        <p:cNvPr id="1" name=""/>
-        <p:cNvGrpSpPr/>
-        <p:nvPr/>
-      </p:nvGrpSpPr>
-      <p:grpSpPr>
-        <a:xfrm>
-          <a:off x="0" y="0"/>
-          <a:ext cx="0" cy="0"/>
-          <a:chOff x="0" y="0"/>
-          <a:chExt cx="0" cy="0"/>
-        </a:xfrm>
-      </p:grpSpPr>
-      <p:sp>
-        <p:nvSpPr>
-          <p:cNvPr id="4" name="제목 3"/>
-          <p:cNvSpPr>
-            <a:spLocks noGrp="1"/>
-          </p:cNvSpPr>
-          <p:nvPr>
-            <p:ph type="title"/>
-          </p:nvPr>
-        </p:nvSpPr>
-        <p:spPr>
-          <a:xfrm>
-            <a:off x="250190" y="0"/>
-            <a:ext cx="3373755" cy="650875"/>
-          </a:xfrm>
-        </p:spPr>
-        <p:txBody>
-          <a:bodyPr anchor="ctr">
-            <a:normAutofit/>
-          </a:bodyPr>
-          <a:lstStyle/>
-          <a:p>
-            <a:pPr lvl="0">
-              <a:defRPr/>
-            </a:pPr>
-            <a:r>
-              <a:rPr lang="ko-KR" altLang="en-US" sz="2800" smtClean="0"/>
-              <a:t>시퀀스 다이어그램</a:t>
-            </a:r>
-            <a:endParaRPr lang="ko-KR" altLang="en-US" sz="2800"/>
-          </a:p>
-        </p:txBody>
-      </p:sp>
-      <p:sp>
-        <p:nvSpPr>
-          <p:cNvPr id="6" name="텍스트 개체 틀 4"/>
-          <p:cNvSpPr>
-            <a:spLocks noGrp="1"/>
-          </p:cNvSpPr>
-          <p:nvPr>
-            <p:ph type="body" sz="half" idx="2"/>
-          </p:nvPr>
-        </p:nvSpPr>
-        <p:spPr>
-          <a:xfrm>
-            <a:off x="3424555" y="0"/>
-            <a:ext cx="3931920" cy="650875"/>
-          </a:xfrm>
-        </p:spPr>
-        <p:txBody>
-          <a:bodyPr anchor="ctr">
-            <a:normAutofit/>
-          </a:bodyPr>
-          <a:lstStyle/>
-          <a:p>
-            <a:pPr lvl="0">
-              <a:defRPr/>
-            </a:pPr>
-            <a:r>
-              <a:rPr lang="en-US" altLang="ko-KR" smtClean="0"/>
-              <a:t>User – MyPage Main View</a:t>
-            </a:r>
-            <a:endParaRPr lang="ko-KR" altLang="en-US"/>
-          </a:p>
-        </p:txBody>
-      </p:sp>
-      <p:pic>
-        <p:nvPicPr>
-          <p:cNvPr id="7170" name="Picture 2" descr="C:\Users\DongKyun\Documents\GitHub\KHFinalProject\보고서\클래스\시퀀스_지선\MyPage Main View.png"/>
-          <p:cNvPicPr>
-            <a:picLocks noChangeAspect="1" noChangeArrowheads="1"/>
-          </p:cNvPicPr>
-          <p:nvPr/>
-        </p:nvPicPr>
-        <p:blipFill>
-          <a:blip r:embed="rId2">
-            <a:extLst>
-              <a:ext uri="{28A0092B-C50C-407E-A947-70E740481C1C}">
-                <a14:useLocalDpi xmlns:a14="http://schemas.microsoft.com/office/drawing/2010/main" val="0"/>
-              </a:ext>
-            </a:extLst>
-          </a:blip>
-          <a:srcRect/>
-          <a:stretch>
-            <a:fillRect/>
-          </a:stretch>
-        </p:blipFill>
-        <p:spPr bwMode="auto">
-          <a:xfrm>
-            <a:off x="0" y="641350"/>
-            <a:ext cx="12194988" cy="6216650"/>
-          </a:xfrm>
-          <a:prstGeom prst="rect">
-            <a:avLst/>
-          </a:prstGeom>
-          <a:noFill/>
-          <a:extLst>
-            <a:ext uri="{909E8E84-426E-40DD-AFC4-6F175D3DCCD1}">
-              <a14:hiddenFill xmlns:a14="http://schemas.microsoft.com/office/drawing/2010/main">
-                <a:solidFill>
-                  <a:srgbClr val="FFFFFF"/>
-                </a:solidFill>
-              </a14:hiddenFill>
-            </a:ext>
-          </a:extLst>
-        </p:spPr>
-      </p:pic>
-    </p:spTree>
-    <p:extLst>
-      <p:ext uri="{BB962C8B-B14F-4D97-AF65-F5344CB8AC3E}">
-        <p14:creationId xmlns:p14="http://schemas.microsoft.com/office/powerpoint/2010/main" val="2436643994"/>
-      </p:ext>
-    </p:extLst>
-  </p:cSld>
-  <p:clrMapOvr>
-    <a:masterClrMapping/>
-  </p:clrMapOvr>
-  <p:transition/>
-  <p:timing>
-    <p:tnLst>
-      <p:par>
-        <p:cTn id="1" dur="indefinite" restart="never" nodeType="tmRoot"/>
-      </p:par>
-    </p:tnLst>
-  </p:timing>
-</p:sld>
-</file>
-
-<file path=ppt/slides/slide15.xml><?xml version="1.0" encoding="utf-8"?>
-<p:sld xmlns:a="http://schemas.openxmlformats.org/drawingml/2006/main" xmlns:r="http://schemas.openxmlformats.org/officeDocument/2006/relationships" xmlns:p="http://schemas.openxmlformats.org/presentationml/2006/main">
-  <p:cSld>
-    <p:spTree>
-      <p:nvGrpSpPr>
-        <p:cNvPr id="1" name=""/>
-        <p:cNvGrpSpPr/>
-        <p:nvPr/>
-      </p:nvGrpSpPr>
-      <p:grpSpPr>
-        <a:xfrm>
-          <a:off x="0" y="0"/>
-          <a:ext cx="0" cy="0"/>
-          <a:chOff x="0" y="0"/>
-          <a:chExt cx="0" cy="0"/>
-        </a:xfrm>
-      </p:grpSpPr>
-      <p:sp>
-        <p:nvSpPr>
-          <p:cNvPr id="4" name="제목 3"/>
-          <p:cNvSpPr>
-            <a:spLocks noGrp="1"/>
-          </p:cNvSpPr>
-          <p:nvPr>
-            <p:ph type="title"/>
-          </p:nvPr>
-        </p:nvSpPr>
-        <p:spPr>
-          <a:xfrm>
-            <a:off x="250190" y="0"/>
-            <a:ext cx="3373755" cy="650875"/>
-          </a:xfrm>
-        </p:spPr>
-        <p:txBody>
-          <a:bodyPr anchor="ctr">
-            <a:normAutofit/>
-          </a:bodyPr>
-          <a:lstStyle/>
-          <a:p>
-            <a:pPr lvl="0">
-              <a:defRPr/>
-            </a:pPr>
-            <a:r>
-              <a:rPr lang="ko-KR" altLang="en-US" sz="2800" smtClean="0"/>
-              <a:t>시퀀스 다이어그램</a:t>
-            </a:r>
-            <a:endParaRPr lang="ko-KR" altLang="en-US" sz="2800"/>
-          </a:p>
-        </p:txBody>
-      </p:sp>
-      <p:sp>
-        <p:nvSpPr>
-          <p:cNvPr id="6" name="텍스트 개체 틀 4"/>
-          <p:cNvSpPr>
-            <a:spLocks noGrp="1"/>
-          </p:cNvSpPr>
-          <p:nvPr>
-            <p:ph type="body" sz="half" idx="2"/>
-          </p:nvPr>
-        </p:nvSpPr>
-        <p:spPr>
-          <a:xfrm>
-            <a:off x="3424555" y="0"/>
-            <a:ext cx="3931920" cy="650875"/>
-          </a:xfrm>
-        </p:spPr>
-        <p:txBody>
-          <a:bodyPr anchor="ctr">
-            <a:normAutofit/>
-          </a:bodyPr>
-          <a:lstStyle/>
-          <a:p>
-            <a:pPr lvl="0">
-              <a:defRPr/>
-            </a:pPr>
-            <a:r>
-              <a:rPr lang="en-US" altLang="ko-KR" smtClean="0"/>
-              <a:t>User – MyPage Board List</a:t>
-            </a:r>
-            <a:endParaRPr lang="ko-KR" altLang="en-US"/>
-          </a:p>
-        </p:txBody>
-      </p:sp>
-      <p:pic>
-        <p:nvPicPr>
-          <p:cNvPr id="8194" name="Picture 2" descr="C:\Users\DongKyun\Documents\GitHub\KHFinalProject\보고서\클래스\시퀀스_지선\MyPage Board List.png"/>
-          <p:cNvPicPr>
-            <a:picLocks noChangeAspect="1" noChangeArrowheads="1"/>
-          </p:cNvPicPr>
-          <p:nvPr/>
-        </p:nvPicPr>
-        <p:blipFill>
-          <a:blip r:embed="rId2">
-            <a:extLst>
-              <a:ext uri="{28A0092B-C50C-407E-A947-70E740481C1C}">
-                <a14:useLocalDpi xmlns:a14="http://schemas.microsoft.com/office/drawing/2010/main" val="0"/>
-              </a:ext>
-            </a:extLst>
-          </a:blip>
-          <a:srcRect/>
-          <a:stretch>
-            <a:fillRect/>
-          </a:stretch>
-        </p:blipFill>
-        <p:spPr bwMode="auto">
-          <a:xfrm>
-            <a:off x="0" y="650874"/>
-            <a:ext cx="12192000" cy="6207125"/>
-          </a:xfrm>
-          <a:prstGeom prst="rect">
-            <a:avLst/>
-          </a:prstGeom>
-          <a:noFill/>
-          <a:extLst>
-            <a:ext uri="{909E8E84-426E-40DD-AFC4-6F175D3DCCD1}">
-              <a14:hiddenFill xmlns:a14="http://schemas.microsoft.com/office/drawing/2010/main">
-                <a:solidFill>
-                  <a:srgbClr val="FFFFFF"/>
-                </a:solidFill>
-              </a14:hiddenFill>
-            </a:ext>
-          </a:extLst>
-        </p:spPr>
-      </p:pic>
-    </p:spTree>
-    <p:extLst>
-      <p:ext uri="{BB962C8B-B14F-4D97-AF65-F5344CB8AC3E}">
-        <p14:creationId xmlns:p14="http://schemas.microsoft.com/office/powerpoint/2010/main" val="2649322468"/>
-      </p:ext>
-    </p:extLst>
-  </p:cSld>
-  <p:clrMapOvr>
-    <a:masterClrMapping/>
-  </p:clrMapOvr>
-  <p:transition/>
-  <p:timing>
-    <p:tnLst>
-      <p:par>
-        <p:cTn id="1" dur="indefinite" restart="never" nodeType="tmRoot"/>
-      </p:par>
-    </p:tnLst>
-  </p:timing>
-</p:sld>
-</file>
-
-<file path=ppt/slides/slide16.xml><?xml version="1.0" encoding="utf-8"?>
-<p:sld xmlns:a="http://schemas.openxmlformats.org/drawingml/2006/main" xmlns:r="http://schemas.openxmlformats.org/officeDocument/2006/relationships" xmlns:p="http://schemas.openxmlformats.org/presentationml/2006/main">
-  <p:cSld>
-    <p:spTree>
-      <p:nvGrpSpPr>
-        <p:cNvPr id="1" name=""/>
-        <p:cNvGrpSpPr/>
-        <p:nvPr/>
-      </p:nvGrpSpPr>
-      <p:grpSpPr>
-        <a:xfrm>
-          <a:off x="0" y="0"/>
-          <a:ext cx="0" cy="0"/>
-          <a:chOff x="0" y="0"/>
-          <a:chExt cx="0" cy="0"/>
-        </a:xfrm>
-      </p:grpSpPr>
-      <p:sp>
-        <p:nvSpPr>
-          <p:cNvPr id="4" name="제목 3"/>
-          <p:cNvSpPr>
-            <a:spLocks noGrp="1"/>
-          </p:cNvSpPr>
-          <p:nvPr>
-            <p:ph type="title"/>
-          </p:nvPr>
-        </p:nvSpPr>
-        <p:spPr>
-          <a:xfrm>
-            <a:off x="250190" y="0"/>
-            <a:ext cx="3373755" cy="650875"/>
-          </a:xfrm>
-        </p:spPr>
-        <p:txBody>
-          <a:bodyPr anchor="ctr">
-            <a:normAutofit/>
-          </a:bodyPr>
-          <a:lstStyle/>
-          <a:p>
-            <a:pPr lvl="0">
-              <a:defRPr/>
-            </a:pPr>
-            <a:r>
-              <a:rPr lang="ko-KR" altLang="en-US" sz="2800" smtClean="0"/>
-              <a:t>시퀀스 다이어그램</a:t>
-            </a:r>
-            <a:endParaRPr lang="ko-KR" altLang="en-US" sz="2800"/>
-          </a:p>
-        </p:txBody>
-      </p:sp>
-      <p:sp>
-        <p:nvSpPr>
-          <p:cNvPr id="6" name="텍스트 개체 틀 4"/>
-          <p:cNvSpPr>
-            <a:spLocks noGrp="1"/>
-          </p:cNvSpPr>
-          <p:nvPr>
-            <p:ph type="body" sz="half" idx="2"/>
-          </p:nvPr>
-        </p:nvSpPr>
-        <p:spPr>
-          <a:xfrm>
-            <a:off x="3424555" y="0"/>
-            <a:ext cx="3931920" cy="650875"/>
-          </a:xfrm>
-        </p:spPr>
-        <p:txBody>
-          <a:bodyPr anchor="ctr">
-            <a:normAutofit/>
-          </a:bodyPr>
-          <a:lstStyle/>
-          <a:p>
-            <a:pPr lvl="0">
-              <a:defRPr/>
-            </a:pPr>
-            <a:r>
-              <a:rPr lang="en-US" altLang="ko-KR" smtClean="0"/>
-              <a:t>User – QnA Insert</a:t>
-            </a:r>
-            <a:endParaRPr lang="ko-KR" altLang="en-US"/>
-          </a:p>
-        </p:txBody>
-      </p:sp>
-      <p:pic>
-        <p:nvPicPr>
-          <p:cNvPr id="9218" name="Picture 2" descr="C:\Users\DongKyun\Documents\GitHub\KHFinalProject\보고서\클래스\시퀀스_지선\QnA Insert.png"/>
-          <p:cNvPicPr>
-            <a:picLocks noChangeAspect="1" noChangeArrowheads="1"/>
-          </p:cNvPicPr>
-          <p:nvPr/>
-        </p:nvPicPr>
-        <p:blipFill>
-          <a:blip r:embed="rId2">
-            <a:extLst>
-              <a:ext uri="{28A0092B-C50C-407E-A947-70E740481C1C}">
-                <a14:useLocalDpi xmlns:a14="http://schemas.microsoft.com/office/drawing/2010/main" val="0"/>
-              </a:ext>
-            </a:extLst>
-          </a:blip>
-          <a:srcRect/>
-          <a:stretch>
-            <a:fillRect/>
-          </a:stretch>
-        </p:blipFill>
-        <p:spPr bwMode="auto">
-          <a:xfrm>
-            <a:off x="28892" y="650874"/>
-            <a:ext cx="12163108" cy="6207126"/>
-          </a:xfrm>
-          <a:prstGeom prst="rect">
-            <a:avLst/>
-          </a:prstGeom>
-          <a:noFill/>
-          <a:extLst>
-            <a:ext uri="{909E8E84-426E-40DD-AFC4-6F175D3DCCD1}">
-              <a14:hiddenFill xmlns:a14="http://schemas.microsoft.com/office/drawing/2010/main">
-                <a:solidFill>
-                  <a:srgbClr val="FFFFFF"/>
-                </a:solidFill>
-              </a14:hiddenFill>
-            </a:ext>
-          </a:extLst>
-        </p:spPr>
-      </p:pic>
-    </p:spTree>
-    <p:extLst>
-      <p:ext uri="{BB962C8B-B14F-4D97-AF65-F5344CB8AC3E}">
-        <p14:creationId xmlns:p14="http://schemas.microsoft.com/office/powerpoint/2010/main" val="993955059"/>
-      </p:ext>
-    </p:extLst>
-  </p:cSld>
-  <p:clrMapOvr>
-    <a:masterClrMapping/>
-  </p:clrMapOvr>
-  <p:transition/>
-  <p:timing>
-    <p:tnLst>
-      <p:par>
-        <p:cTn id="1" dur="indefinite" restart="never" nodeType="tmRoot"/>
-      </p:par>
-    </p:tnLst>
-  </p:timing>
-</p:sld>
-</file>
-
-<file path=ppt/slides/slide17.xml><?xml version="1.0" encoding="utf-8"?>
-<p:sld xmlns:a="http://schemas.openxmlformats.org/drawingml/2006/main" xmlns:r="http://schemas.openxmlformats.org/officeDocument/2006/relationships" xmlns:p="http://schemas.openxmlformats.org/presentationml/2006/main">
-  <p:cSld>
-    <p:spTree>
-      <p:nvGrpSpPr>
-        <p:cNvPr id="1" name=""/>
-        <p:cNvGrpSpPr/>
-        <p:nvPr/>
-      </p:nvGrpSpPr>
-      <p:grpSpPr>
-        <a:xfrm>
-          <a:off x="0" y="0"/>
-          <a:ext cx="0" cy="0"/>
-          <a:chOff x="0" y="0"/>
-          <a:chExt cx="0" cy="0"/>
-        </a:xfrm>
-      </p:grpSpPr>
-      <p:sp>
-        <p:nvSpPr>
-          <p:cNvPr id="4" name="제목 3"/>
-          <p:cNvSpPr>
-            <a:spLocks noGrp="1"/>
-          </p:cNvSpPr>
-          <p:nvPr>
-            <p:ph type="title"/>
-          </p:nvPr>
-        </p:nvSpPr>
-        <p:spPr>
-          <a:xfrm>
-            <a:off x="250190" y="0"/>
-            <a:ext cx="3373755" cy="650875"/>
-          </a:xfrm>
-        </p:spPr>
-        <p:txBody>
-          <a:bodyPr anchor="ctr">
-            <a:normAutofit/>
-          </a:bodyPr>
-          <a:lstStyle/>
-          <a:p>
-            <a:pPr lvl="0">
-              <a:defRPr/>
-            </a:pPr>
-            <a:r>
-              <a:rPr lang="ko-KR" altLang="en-US" sz="2800" smtClean="0"/>
-              <a:t>시퀀스 다이어그램</a:t>
-            </a:r>
-            <a:endParaRPr lang="ko-KR" altLang="en-US" sz="2800"/>
-          </a:p>
-        </p:txBody>
-      </p:sp>
-      <p:sp>
-        <p:nvSpPr>
-          <p:cNvPr id="6" name="텍스트 개체 틀 4"/>
-          <p:cNvSpPr>
-            <a:spLocks noGrp="1"/>
-          </p:cNvSpPr>
-          <p:nvPr>
-            <p:ph type="body" sz="half" idx="2"/>
-          </p:nvPr>
-        </p:nvSpPr>
-        <p:spPr>
-          <a:xfrm>
-            <a:off x="3424555" y="0"/>
-            <a:ext cx="3931920" cy="650875"/>
-          </a:xfrm>
-        </p:spPr>
-        <p:txBody>
-          <a:bodyPr anchor="ctr">
-            <a:normAutofit/>
-          </a:bodyPr>
-          <a:lstStyle/>
-          <a:p>
-            <a:pPr lvl="0">
-              <a:defRPr/>
-            </a:pPr>
-            <a:r>
-              <a:rPr lang="en-US" altLang="ko-KR" smtClean="0"/>
-              <a:t>User – UserPassword Update</a:t>
-            </a:r>
-            <a:endParaRPr lang="ko-KR" altLang="en-US"/>
-          </a:p>
-        </p:txBody>
-      </p:sp>
-      <p:pic>
-        <p:nvPicPr>
-          <p:cNvPr id="10242" name="Picture 2" descr="C:\Users\DongKyun\Documents\GitHub\KHFinalProject\보고서\클래스\시퀀스_지선\User Password Update.png"/>
-          <p:cNvPicPr>
-            <a:picLocks noChangeAspect="1" noChangeArrowheads="1"/>
-          </p:cNvPicPr>
-          <p:nvPr/>
-        </p:nvPicPr>
-        <p:blipFill>
-          <a:blip r:embed="rId2">
-            <a:extLst>
-              <a:ext uri="{28A0092B-C50C-407E-A947-70E740481C1C}">
-                <a14:useLocalDpi xmlns:a14="http://schemas.microsoft.com/office/drawing/2010/main" val="0"/>
-              </a:ext>
-            </a:extLst>
-          </a:blip>
-          <a:srcRect/>
-          <a:stretch>
-            <a:fillRect/>
-          </a:stretch>
-        </p:blipFill>
-        <p:spPr bwMode="auto">
-          <a:xfrm>
-            <a:off x="0" y="650875"/>
-            <a:ext cx="12192000" cy="6207125"/>
-          </a:xfrm>
-          <a:prstGeom prst="rect">
-            <a:avLst/>
-          </a:prstGeom>
-          <a:noFill/>
-          <a:extLst>
-            <a:ext uri="{909E8E84-426E-40DD-AFC4-6F175D3DCCD1}">
-              <a14:hiddenFill xmlns:a14="http://schemas.microsoft.com/office/drawing/2010/main">
-                <a:solidFill>
-                  <a:srgbClr val="FFFFFF"/>
-                </a:solidFill>
-              </a14:hiddenFill>
-            </a:ext>
-          </a:extLst>
-        </p:spPr>
-      </p:pic>
-    </p:spTree>
-    <p:extLst>
-      <p:ext uri="{BB962C8B-B14F-4D97-AF65-F5344CB8AC3E}">
-        <p14:creationId xmlns:p14="http://schemas.microsoft.com/office/powerpoint/2010/main" val="3539437713"/>
-      </p:ext>
-    </p:extLst>
-  </p:cSld>
-  <p:clrMapOvr>
-    <a:masterClrMapping/>
-  </p:clrMapOvr>
-  <p:transition/>
-  <p:timing>
-    <p:tnLst>
-      <p:par>
-        <p:cTn id="1" dur="indefinite" restart="never" nodeType="tmRoot"/>
-      </p:par>
-    </p:tnLst>
-  </p:timing>
-</p:sld>
-</file>
-
 <file path=ppt/slides/slide18.xml><?xml version="1.0" encoding="utf-8"?>
 <p:sld xmlns:a="http://schemas.openxmlformats.org/drawingml/2006/main" xmlns:r="http://schemas.openxmlformats.org/officeDocument/2006/relationships" xmlns:p="http://schemas.openxmlformats.org/presentationml/2006/main">
   <p:cSld>
@@ -4297,202 +4327,16 @@
             </a:pPr>
             <a:r>
               <a:rPr lang="en-US" altLang="ko-KR" smtClean="0"/>
-              <a:t>User - UserDelete</a:t>
+              <a:t>User</a:t>
             </a:r>
             <a:endParaRPr lang="ko-KR" altLang="en-US"/>
           </a:p>
         </p:txBody>
       </p:sp>
-      <p:pic>
-        <p:nvPicPr>
-          <p:cNvPr id="11266" name="Picture 2" descr="C:\Users\DongKyun\Documents\GitHub\KHFinalProject\보고서\클래스\시퀀스_지선\User Delete.png"/>
-          <p:cNvPicPr>
-            <a:picLocks noChangeAspect="1" noChangeArrowheads="1"/>
-          </p:cNvPicPr>
-          <p:nvPr/>
-        </p:nvPicPr>
-        <p:blipFill>
-          <a:blip r:embed="rId2">
-            <a:extLst>
-              <a:ext uri="{28A0092B-C50C-407E-A947-70E740481C1C}">
-                <a14:useLocalDpi xmlns:a14="http://schemas.microsoft.com/office/drawing/2010/main" val="0"/>
-              </a:ext>
-            </a:extLst>
-          </a:blip>
-          <a:srcRect/>
-          <a:stretch>
-            <a:fillRect/>
-          </a:stretch>
-        </p:blipFill>
-        <p:spPr bwMode="auto">
-          <a:xfrm>
-            <a:off x="0" y="650874"/>
-            <a:ext cx="12192000" cy="6207125"/>
-          </a:xfrm>
-          <a:prstGeom prst="rect">
-            <a:avLst/>
-          </a:prstGeom>
-          <a:noFill/>
-          <a:extLst>
-            <a:ext uri="{909E8E84-426E-40DD-AFC4-6F175D3DCCD1}">
-              <a14:hiddenFill xmlns:a14="http://schemas.microsoft.com/office/drawing/2010/main">
-                <a:solidFill>
-                  <a:srgbClr val="FFFFFF"/>
-                </a:solidFill>
-              </a14:hiddenFill>
-            </a:ext>
-          </a:extLst>
-        </p:spPr>
-      </p:pic>
     </p:spTree>
     <p:extLst>
       <p:ext uri="{BB962C8B-B14F-4D97-AF65-F5344CB8AC3E}">
-        <p14:creationId xmlns:p14="http://schemas.microsoft.com/office/powerpoint/2010/main" val="3595958162"/>
-      </p:ext>
-    </p:extLst>
-  </p:cSld>
-  <p:clrMapOvr>
-    <a:masterClrMapping/>
-  </p:clrMapOvr>
-  <p:transition/>
-  <p:timing>
-    <p:tnLst>
-      <p:par>
-        <p:cTn id="1" dur="indefinite" restart="never" nodeType="tmRoot"/>
-      </p:par>
-    </p:tnLst>
-  </p:timing>
-</p:sld>
-</file>
-
-<file path=ppt/slides/slide19.xml><?xml version="1.0" encoding="utf-8"?>
-<p:sld xmlns:a="http://schemas.openxmlformats.org/drawingml/2006/main" xmlns:r="http://schemas.openxmlformats.org/officeDocument/2006/relationships" xmlns:p="http://schemas.openxmlformats.org/presentationml/2006/main">
-  <p:cSld>
-    <p:spTree>
-      <p:nvGrpSpPr>
-        <p:cNvPr id="1" name=""/>
-        <p:cNvGrpSpPr/>
-        <p:nvPr/>
-      </p:nvGrpSpPr>
-      <p:grpSpPr>
-        <a:xfrm>
-          <a:off x="0" y="0"/>
-          <a:ext cx="0" cy="0"/>
-          <a:chOff x="0" y="0"/>
-          <a:chExt cx="0" cy="0"/>
-        </a:xfrm>
-      </p:grpSpPr>
-      <p:sp>
-        <p:nvSpPr>
-          <p:cNvPr id="4" name="제목 3"/>
-          <p:cNvSpPr>
-            <a:spLocks noGrp="1"/>
-          </p:cNvSpPr>
-          <p:nvPr>
-            <p:ph type="title"/>
-          </p:nvPr>
-        </p:nvSpPr>
-        <p:spPr>
-          <a:xfrm>
-            <a:off x="250190" y="0"/>
-            <a:ext cx="3373755" cy="650875"/>
-          </a:xfrm>
-        </p:spPr>
-        <p:txBody>
-          <a:bodyPr anchor="ctr">
-            <a:normAutofit/>
-          </a:bodyPr>
-          <a:lstStyle/>
-          <a:p>
-            <a:pPr lvl="0">
-              <a:defRPr/>
-            </a:pPr>
-            <a:r>
-              <a:rPr lang="ko-KR" altLang="en-US" sz="2800" smtClean="0"/>
-              <a:t>시퀀스 다이어그램</a:t>
-            </a:r>
-            <a:endParaRPr lang="ko-KR" altLang="en-US" sz="2800"/>
-          </a:p>
-        </p:txBody>
-      </p:sp>
-      <p:sp>
-        <p:nvSpPr>
-          <p:cNvPr id="6" name="텍스트 개체 틀 4"/>
-          <p:cNvSpPr>
-            <a:spLocks noGrp="1"/>
-          </p:cNvSpPr>
-          <p:nvPr>
-            <p:ph type="body" sz="half" idx="2"/>
-          </p:nvPr>
-        </p:nvSpPr>
-        <p:spPr>
-          <a:xfrm>
-            <a:off x="3424555" y="0"/>
-            <a:ext cx="3931920" cy="650875"/>
-          </a:xfrm>
-        </p:spPr>
-        <p:txBody>
-          <a:bodyPr anchor="ctr">
-            <a:normAutofit/>
-          </a:bodyPr>
-          <a:lstStyle/>
-          <a:p>
-            <a:pPr lvl="0">
-              <a:defRPr/>
-            </a:pPr>
-            <a:r>
-              <a:rPr lang="en-US" altLang="ko-KR" smtClean="0"/>
-              <a:t>User – User Schedule View</a:t>
-            </a:r>
-            <a:endParaRPr lang="ko-KR" altLang="en-US"/>
-          </a:p>
-        </p:txBody>
-      </p:sp>
-      <p:pic>
-        <p:nvPicPr>
-          <p:cNvPr id="12290" name="Picture 2" descr="C:\Users\DongKyun\Documents\GitHub\KHFinalProject\보고서\클래스\시퀀스_지선\User Schedule View.png"/>
-          <p:cNvPicPr>
-            <a:picLocks noChangeAspect="1" noChangeArrowheads="1"/>
-          </p:cNvPicPr>
-          <p:nvPr/>
-        </p:nvPicPr>
-        <p:blipFill>
-          <a:blip r:embed="rId2">
-            <a:extLst>
-              <a:ext uri="{28A0092B-C50C-407E-A947-70E740481C1C}">
-                <a14:useLocalDpi xmlns:a14="http://schemas.microsoft.com/office/drawing/2010/main" val="0"/>
-              </a:ext>
-            </a:extLst>
-          </a:blip>
-          <a:srcRect/>
-          <a:stretch>
-            <a:fillRect/>
-          </a:stretch>
-        </p:blipFill>
-        <p:spPr bwMode="auto">
-          <a:xfrm>
-            <a:off x="0" y="650874"/>
-            <a:ext cx="12215746" cy="6207126"/>
-          </a:xfrm>
-          <a:prstGeom prst="rect">
-            <a:avLst/>
-          </a:prstGeom>
-          <a:noFill/>
-          <a:extLst>
-            <a:ext uri="{909E8E84-426E-40DD-AFC4-6F175D3DCCD1}">
-              <a14:hiddenFill xmlns:a14="http://schemas.microsoft.com/office/drawing/2010/main">
-                <a:solidFill>
-                  <a:srgbClr val="FFFFFF"/>
-                </a:solidFill>
-              </a14:hiddenFill>
-            </a:ext>
-          </a:extLst>
-        </p:spPr>
-      </p:pic>
-    </p:spTree>
-    <p:extLst>
-      <p:ext uri="{BB962C8B-B14F-4D97-AF65-F5344CB8AC3E}">
-        <p14:creationId xmlns:p14="http://schemas.microsoft.com/office/powerpoint/2010/main" val="991108436"/>
+        <p14:creationId xmlns:p14="http://schemas.microsoft.com/office/powerpoint/2010/main" val="3649887602"/>
       </p:ext>
     </p:extLst>
   </p:cSld>
@@ -4580,7 +4424,7 @@
           <p:cNvPr id="21" name="직사각형 20">
             <a:extLst>
               <a:ext uri="{FF2B5EF4-FFF2-40B4-BE49-F238E27FC236}">
-                <a16:creationId xmlns="" xmlns:a16="http://schemas.microsoft.com/office/drawing/2014/main" xmlns:p14="http://schemas.microsoft.com/office/powerpoint/2010/main" id="{63D8309B-220E-4F90-B697-6E756550EC24}"/>
+                <a16:creationId xmlns:p14="http://schemas.microsoft.com/office/powerpoint/2010/main" xmlns:a16="http://schemas.microsoft.com/office/drawing/2014/main" xmlns="" id="{63D8309B-220E-4F90-B697-6E756550EC24}"/>
               </a:ext>
             </a:extLst>
           </p:cNvPr>
@@ -4736,7 +4580,7 @@
             <p:cNvPr id="6" name="TextBox 5">
               <a:extLst>
                 <a:ext uri="{FF2B5EF4-FFF2-40B4-BE49-F238E27FC236}">
-                  <a16:creationId xmlns="" xmlns:a16="http://schemas.microsoft.com/office/drawing/2014/main" xmlns:p14="http://schemas.microsoft.com/office/powerpoint/2010/main" id="{BCB0E9E3-FAB5-4E31-83EE-08A0FE55BB4A}"/>
+                  <a16:creationId xmlns:p14="http://schemas.microsoft.com/office/powerpoint/2010/main" xmlns:a16="http://schemas.microsoft.com/office/drawing/2014/main" xmlns="" id="{BCB0E9E3-FAB5-4E31-83EE-08A0FE55BB4A}"/>
                 </a:ext>
               </a:extLst>
             </p:cNvPr>
@@ -4861,7 +4705,7 @@
             <p:cNvPr id="20" name="TextBox 19">
               <a:extLst>
                 <a:ext uri="{FF2B5EF4-FFF2-40B4-BE49-F238E27FC236}">
-                  <a16:creationId xmlns="" xmlns:a16="http://schemas.microsoft.com/office/drawing/2014/main" xmlns:p14="http://schemas.microsoft.com/office/powerpoint/2010/main" id="{BCB0E9E3-FAB5-4E31-83EE-08A0FE55BB4A}"/>
+                  <a16:creationId xmlns:p14="http://schemas.microsoft.com/office/powerpoint/2010/main" xmlns:a16="http://schemas.microsoft.com/office/drawing/2014/main" xmlns="" id="{BCB0E9E3-FAB5-4E31-83EE-08A0FE55BB4A}"/>
                 </a:ext>
               </a:extLst>
             </p:cNvPr>
@@ -5006,7 +4850,7 @@
             <p:cNvPr id="24" name="TextBox 23">
               <a:extLst>
                 <a:ext uri="{FF2B5EF4-FFF2-40B4-BE49-F238E27FC236}">
-                  <a16:creationId xmlns="" xmlns:a16="http://schemas.microsoft.com/office/drawing/2014/main" xmlns:p14="http://schemas.microsoft.com/office/powerpoint/2010/main" id="{BCB0E9E3-FAB5-4E31-83EE-08A0FE55BB4A}"/>
+                  <a16:creationId xmlns:p14="http://schemas.microsoft.com/office/powerpoint/2010/main" xmlns:a16="http://schemas.microsoft.com/office/drawing/2014/main" xmlns="" id="{BCB0E9E3-FAB5-4E31-83EE-08A0FE55BB4A}"/>
                 </a:ext>
               </a:extLst>
             </p:cNvPr>
@@ -5078,1043 +4922,6 @@
 </p:sld>
 </file>
 
-<file path=ppt/slides/slide20.xml><?xml version="1.0" encoding="utf-8"?>
-<p:sld xmlns:a="http://schemas.openxmlformats.org/drawingml/2006/main" xmlns:r="http://schemas.openxmlformats.org/officeDocument/2006/relationships" xmlns:p="http://schemas.openxmlformats.org/presentationml/2006/main">
-  <p:cSld>
-    <p:spTree>
-      <p:nvGrpSpPr>
-        <p:cNvPr id="1" name=""/>
-        <p:cNvGrpSpPr/>
-        <p:nvPr/>
-      </p:nvGrpSpPr>
-      <p:grpSpPr>
-        <a:xfrm>
-          <a:off x="0" y="0"/>
-          <a:ext cx="0" cy="0"/>
-          <a:chOff x="0" y="0"/>
-          <a:chExt cx="0" cy="0"/>
-        </a:xfrm>
-      </p:grpSpPr>
-      <p:sp>
-        <p:nvSpPr>
-          <p:cNvPr id="4" name="제목 3"/>
-          <p:cNvSpPr>
-            <a:spLocks noGrp="1"/>
-          </p:cNvSpPr>
-          <p:nvPr>
-            <p:ph type="title"/>
-          </p:nvPr>
-        </p:nvSpPr>
-        <p:spPr>
-          <a:xfrm>
-            <a:off x="250190" y="0"/>
-            <a:ext cx="3373755" cy="650875"/>
-          </a:xfrm>
-        </p:spPr>
-        <p:txBody>
-          <a:bodyPr anchor="ctr">
-            <a:normAutofit/>
-          </a:bodyPr>
-          <a:lstStyle/>
-          <a:p>
-            <a:pPr lvl="0">
-              <a:defRPr/>
-            </a:pPr>
-            <a:r>
-              <a:rPr lang="ko-KR" altLang="en-US" sz="2800" smtClean="0"/>
-              <a:t>시퀀스 다이어그램</a:t>
-            </a:r>
-            <a:endParaRPr lang="ko-KR" altLang="en-US" sz="2800"/>
-          </a:p>
-        </p:txBody>
-      </p:sp>
-      <p:sp>
-        <p:nvSpPr>
-          <p:cNvPr id="6" name="텍스트 개체 틀 4"/>
-          <p:cNvSpPr>
-            <a:spLocks noGrp="1"/>
-          </p:cNvSpPr>
-          <p:nvPr>
-            <p:ph type="body" sz="half" idx="2"/>
-          </p:nvPr>
-        </p:nvSpPr>
-        <p:spPr>
-          <a:xfrm>
-            <a:off x="3424555" y="0"/>
-            <a:ext cx="3931920" cy="650875"/>
-          </a:xfrm>
-        </p:spPr>
-        <p:txBody>
-          <a:bodyPr anchor="ctr">
-            <a:normAutofit/>
-          </a:bodyPr>
-          <a:lstStyle/>
-          <a:p>
-            <a:pPr lvl="0">
-              <a:defRPr/>
-            </a:pPr>
-            <a:r>
-              <a:rPr lang="en-US" altLang="ko-KR" smtClean="0"/>
-              <a:t>User – User Update</a:t>
-            </a:r>
-            <a:endParaRPr lang="ko-KR" altLang="en-US"/>
-          </a:p>
-        </p:txBody>
-      </p:sp>
-      <p:pic>
-        <p:nvPicPr>
-          <p:cNvPr id="13314" name="Picture 2" descr="C:\Users\DongKyun\Documents\GitHub\KHFinalProject\보고서\클래스\시퀀스_지선\User Update.png"/>
-          <p:cNvPicPr>
-            <a:picLocks noChangeAspect="1" noChangeArrowheads="1"/>
-          </p:cNvPicPr>
-          <p:nvPr/>
-        </p:nvPicPr>
-        <p:blipFill>
-          <a:blip r:embed="rId2">
-            <a:extLst>
-              <a:ext uri="{28A0092B-C50C-407E-A947-70E740481C1C}">
-                <a14:useLocalDpi xmlns:a14="http://schemas.microsoft.com/office/drawing/2010/main" val="0"/>
-              </a:ext>
-            </a:extLst>
-          </a:blip>
-          <a:srcRect/>
-          <a:stretch>
-            <a:fillRect/>
-          </a:stretch>
-        </p:blipFill>
-        <p:spPr bwMode="auto">
-          <a:xfrm>
-            <a:off x="0" y="650874"/>
-            <a:ext cx="12192000" cy="6207125"/>
-          </a:xfrm>
-          <a:prstGeom prst="rect">
-            <a:avLst/>
-          </a:prstGeom>
-          <a:noFill/>
-          <a:extLst>
-            <a:ext uri="{909E8E84-426E-40DD-AFC4-6F175D3DCCD1}">
-              <a14:hiddenFill xmlns:a14="http://schemas.microsoft.com/office/drawing/2010/main">
-                <a:solidFill>
-                  <a:srgbClr val="FFFFFF"/>
-                </a:solidFill>
-              </a14:hiddenFill>
-            </a:ext>
-          </a:extLst>
-        </p:spPr>
-      </p:pic>
-    </p:spTree>
-    <p:extLst>
-      <p:ext uri="{BB962C8B-B14F-4D97-AF65-F5344CB8AC3E}">
-        <p14:creationId xmlns:p14="http://schemas.microsoft.com/office/powerpoint/2010/main" val="3089605658"/>
-      </p:ext>
-    </p:extLst>
-  </p:cSld>
-  <p:clrMapOvr>
-    <a:masterClrMapping/>
-  </p:clrMapOvr>
-  <p:transition/>
-  <p:timing>
-    <p:tnLst>
-      <p:par>
-        <p:cTn id="1" dur="indefinite" restart="never" nodeType="tmRoot"/>
-      </p:par>
-    </p:tnLst>
-  </p:timing>
-</p:sld>
-</file>
-
-<file path=ppt/slides/slide21.xml><?xml version="1.0" encoding="utf-8"?>
-<p:sld xmlns:a="http://schemas.openxmlformats.org/drawingml/2006/main" xmlns:r="http://schemas.openxmlformats.org/officeDocument/2006/relationships" xmlns:p="http://schemas.openxmlformats.org/presentationml/2006/main">
-  <p:cSld>
-    <p:spTree>
-      <p:nvGrpSpPr>
-        <p:cNvPr id="1" name=""/>
-        <p:cNvGrpSpPr/>
-        <p:nvPr/>
-      </p:nvGrpSpPr>
-      <p:grpSpPr>
-        <a:xfrm>
-          <a:off x="0" y="0"/>
-          <a:ext cx="0" cy="0"/>
-          <a:chOff x="0" y="0"/>
-          <a:chExt cx="0" cy="0"/>
-        </a:xfrm>
-      </p:grpSpPr>
-      <p:sp>
-        <p:nvSpPr>
-          <p:cNvPr id="4" name="제목 3"/>
-          <p:cNvSpPr>
-            <a:spLocks noGrp="1"/>
-          </p:cNvSpPr>
-          <p:nvPr>
-            <p:ph type="title"/>
-          </p:nvPr>
-        </p:nvSpPr>
-        <p:spPr>
-          <a:xfrm>
-            <a:off x="250190" y="0"/>
-            <a:ext cx="3373755" cy="650875"/>
-          </a:xfrm>
-        </p:spPr>
-        <p:txBody>
-          <a:bodyPr anchor="ctr">
-            <a:normAutofit/>
-          </a:bodyPr>
-          <a:lstStyle/>
-          <a:p>
-            <a:pPr lvl="0">
-              <a:defRPr/>
-            </a:pPr>
-            <a:r>
-              <a:rPr lang="ko-KR" altLang="en-US" sz="2800" smtClean="0"/>
-              <a:t>시퀀스 다이어그램</a:t>
-            </a:r>
-            <a:endParaRPr lang="ko-KR" altLang="en-US" sz="2800"/>
-          </a:p>
-        </p:txBody>
-      </p:sp>
-      <p:sp>
-        <p:nvSpPr>
-          <p:cNvPr id="6" name="텍스트 개체 틀 4"/>
-          <p:cNvSpPr>
-            <a:spLocks noGrp="1"/>
-          </p:cNvSpPr>
-          <p:nvPr>
-            <p:ph type="body" sz="half" idx="2"/>
-          </p:nvPr>
-        </p:nvSpPr>
-        <p:spPr>
-          <a:xfrm>
-            <a:off x="3424555" y="0"/>
-            <a:ext cx="3931920" cy="650875"/>
-          </a:xfrm>
-        </p:spPr>
-        <p:txBody>
-          <a:bodyPr anchor="ctr">
-            <a:normAutofit/>
-          </a:bodyPr>
-          <a:lstStyle/>
-          <a:p>
-            <a:pPr lvl="0">
-              <a:defRPr/>
-            </a:pPr>
-            <a:r>
-              <a:rPr lang="en-US" altLang="ko-KR" smtClean="0"/>
-              <a:t>Gym</a:t>
-            </a:r>
-            <a:endParaRPr lang="ko-KR" altLang="en-US"/>
-          </a:p>
-        </p:txBody>
-      </p:sp>
-    </p:spTree>
-    <p:extLst>
-      <p:ext uri="{BB962C8B-B14F-4D97-AF65-F5344CB8AC3E}">
-        <p14:creationId xmlns:p14="http://schemas.microsoft.com/office/powerpoint/2010/main" val="931727686"/>
-      </p:ext>
-    </p:extLst>
-  </p:cSld>
-  <p:clrMapOvr>
-    <a:masterClrMapping/>
-  </p:clrMapOvr>
-  <p:transition/>
-  <p:timing>
-    <p:tnLst>
-      <p:par>
-        <p:cTn id="1" dur="indefinite" restart="never" nodeType="tmRoot"/>
-      </p:par>
-    </p:tnLst>
-  </p:timing>
-</p:sld>
-</file>
-
-<file path=ppt/slides/slide22.xml><?xml version="1.0" encoding="utf-8"?>
-<p:sld xmlns:a="http://schemas.openxmlformats.org/drawingml/2006/main" xmlns:r="http://schemas.openxmlformats.org/officeDocument/2006/relationships" xmlns:p="http://schemas.openxmlformats.org/presentationml/2006/main">
-  <p:cSld>
-    <p:spTree>
-      <p:nvGrpSpPr>
-        <p:cNvPr id="1" name=""/>
-        <p:cNvGrpSpPr/>
-        <p:nvPr/>
-      </p:nvGrpSpPr>
-      <p:grpSpPr>
-        <a:xfrm>
-          <a:off x="0" y="0"/>
-          <a:ext cx="0" cy="0"/>
-          <a:chOff x="0" y="0"/>
-          <a:chExt cx="0" cy="0"/>
-        </a:xfrm>
-      </p:grpSpPr>
-      <p:sp>
-        <p:nvSpPr>
-          <p:cNvPr id="4" name="제목 3"/>
-          <p:cNvSpPr>
-            <a:spLocks noGrp="1"/>
-          </p:cNvSpPr>
-          <p:nvPr>
-            <p:ph type="title"/>
-          </p:nvPr>
-        </p:nvSpPr>
-        <p:spPr>
-          <a:xfrm>
-            <a:off x="250190" y="0"/>
-            <a:ext cx="3373755" cy="650875"/>
-          </a:xfrm>
-        </p:spPr>
-        <p:txBody>
-          <a:bodyPr anchor="ctr">
-            <a:normAutofit/>
-          </a:bodyPr>
-          <a:lstStyle/>
-          <a:p>
-            <a:pPr lvl="0">
-              <a:defRPr/>
-            </a:pPr>
-            <a:r>
-              <a:rPr lang="ko-KR" altLang="en-US" sz="2800" smtClean="0"/>
-              <a:t>시퀀스 다이어그램</a:t>
-            </a:r>
-            <a:endParaRPr lang="ko-KR" altLang="en-US" sz="2800"/>
-          </a:p>
-        </p:txBody>
-      </p:sp>
-      <p:sp>
-        <p:nvSpPr>
-          <p:cNvPr id="6" name="텍스트 개체 틀 4"/>
-          <p:cNvSpPr>
-            <a:spLocks noGrp="1"/>
-          </p:cNvSpPr>
-          <p:nvPr>
-            <p:ph type="body" sz="half" idx="2"/>
-          </p:nvPr>
-        </p:nvSpPr>
-        <p:spPr>
-          <a:xfrm>
-            <a:off x="3424555" y="0"/>
-            <a:ext cx="3931920" cy="650875"/>
-          </a:xfrm>
-        </p:spPr>
-        <p:txBody>
-          <a:bodyPr anchor="ctr">
-            <a:normAutofit/>
-          </a:bodyPr>
-          <a:lstStyle/>
-          <a:p>
-            <a:pPr lvl="0">
-              <a:defRPr/>
-            </a:pPr>
-            <a:r>
-              <a:rPr lang="en-US" altLang="ko-KR" smtClean="0"/>
-              <a:t>Community - CommunityBoardList</a:t>
-            </a:r>
-            <a:endParaRPr lang="ko-KR" altLang="en-US"/>
-          </a:p>
-        </p:txBody>
-      </p:sp>
-      <p:pic>
-        <p:nvPicPr>
-          <p:cNvPr id="3074" name="Picture 2" descr="C:\Users\DongKyun\Documents\GitHub\KHFinalProject\보고서\클래스\리스트.png"/>
-          <p:cNvPicPr>
-            <a:picLocks noChangeAspect="1" noChangeArrowheads="1"/>
-          </p:cNvPicPr>
-          <p:nvPr/>
-        </p:nvPicPr>
-        <p:blipFill>
-          <a:blip r:embed="rId2">
-            <a:extLst>
-              <a:ext uri="{28A0092B-C50C-407E-A947-70E740481C1C}">
-                <a14:useLocalDpi xmlns:a14="http://schemas.microsoft.com/office/drawing/2010/main" val="0"/>
-              </a:ext>
-            </a:extLst>
-          </a:blip>
-          <a:srcRect/>
-          <a:stretch>
-            <a:fillRect/>
-          </a:stretch>
-        </p:blipFill>
-        <p:spPr bwMode="auto">
-          <a:xfrm>
-            <a:off x="0" y="650874"/>
-            <a:ext cx="12192000" cy="6207125"/>
-          </a:xfrm>
-          <a:prstGeom prst="rect">
-            <a:avLst/>
-          </a:prstGeom>
-          <a:noFill/>
-          <a:extLst>
-            <a:ext uri="{909E8E84-426E-40DD-AFC4-6F175D3DCCD1}">
-              <a14:hiddenFill xmlns:a14="http://schemas.microsoft.com/office/drawing/2010/main">
-                <a:solidFill>
-                  <a:srgbClr val="FFFFFF"/>
-                </a:solidFill>
-              </a14:hiddenFill>
-            </a:ext>
-          </a:extLst>
-        </p:spPr>
-      </p:pic>
-    </p:spTree>
-    <p:extLst>
-      <p:ext uri="{BB962C8B-B14F-4D97-AF65-F5344CB8AC3E}">
-        <p14:creationId xmlns:p14="http://schemas.microsoft.com/office/powerpoint/2010/main" val="3788117990"/>
-      </p:ext>
-    </p:extLst>
-  </p:cSld>
-  <p:clrMapOvr>
-    <a:masterClrMapping/>
-  </p:clrMapOvr>
-  <p:transition/>
-  <p:timing>
-    <p:tnLst>
-      <p:par>
-        <p:cTn id="1" dur="indefinite" restart="never" nodeType="tmRoot"/>
-      </p:par>
-    </p:tnLst>
-  </p:timing>
-</p:sld>
-</file>
-
-<file path=ppt/slides/slide23.xml><?xml version="1.0" encoding="utf-8"?>
-<p:sld xmlns:a="http://schemas.openxmlformats.org/drawingml/2006/main" xmlns:r="http://schemas.openxmlformats.org/officeDocument/2006/relationships" xmlns:p="http://schemas.openxmlformats.org/presentationml/2006/main">
-  <p:cSld>
-    <p:spTree>
-      <p:nvGrpSpPr>
-        <p:cNvPr id="1" name=""/>
-        <p:cNvGrpSpPr/>
-        <p:nvPr/>
-      </p:nvGrpSpPr>
-      <p:grpSpPr>
-        <a:xfrm>
-          <a:off x="0" y="0"/>
-          <a:ext cx="0" cy="0"/>
-          <a:chOff x="0" y="0"/>
-          <a:chExt cx="0" cy="0"/>
-        </a:xfrm>
-      </p:grpSpPr>
-      <p:sp>
-        <p:nvSpPr>
-          <p:cNvPr id="4" name="제목 3"/>
-          <p:cNvSpPr>
-            <a:spLocks noGrp="1"/>
-          </p:cNvSpPr>
-          <p:nvPr>
-            <p:ph type="title"/>
-          </p:nvPr>
-        </p:nvSpPr>
-        <p:spPr>
-          <a:xfrm>
-            <a:off x="250190" y="0"/>
-            <a:ext cx="3373755" cy="650875"/>
-          </a:xfrm>
-        </p:spPr>
-        <p:txBody>
-          <a:bodyPr anchor="ctr">
-            <a:normAutofit/>
-          </a:bodyPr>
-          <a:lstStyle/>
-          <a:p>
-            <a:pPr lvl="0">
-              <a:defRPr/>
-            </a:pPr>
-            <a:r>
-              <a:rPr lang="ko-KR" altLang="en-US" sz="2800" smtClean="0"/>
-              <a:t>시퀀스 다이어그램</a:t>
-            </a:r>
-            <a:endParaRPr lang="ko-KR" altLang="en-US" sz="2800"/>
-          </a:p>
-        </p:txBody>
-      </p:sp>
-      <p:sp>
-        <p:nvSpPr>
-          <p:cNvPr id="6" name="텍스트 개체 틀 4"/>
-          <p:cNvSpPr>
-            <a:spLocks noGrp="1"/>
-          </p:cNvSpPr>
-          <p:nvPr>
-            <p:ph type="body" sz="half" idx="2"/>
-          </p:nvPr>
-        </p:nvSpPr>
-        <p:spPr>
-          <a:xfrm>
-            <a:off x="3424555" y="0"/>
-            <a:ext cx="3931920" cy="650875"/>
-          </a:xfrm>
-        </p:spPr>
-        <p:txBody>
-          <a:bodyPr anchor="ctr">
-            <a:normAutofit/>
-          </a:bodyPr>
-          <a:lstStyle/>
-          <a:p>
-            <a:pPr lvl="0">
-              <a:defRPr/>
-            </a:pPr>
-            <a:r>
-              <a:rPr lang="en-US" altLang="ko-KR" smtClean="0"/>
-              <a:t>Community - CommunityBoardInsert</a:t>
-            </a:r>
-            <a:endParaRPr lang="ko-KR" altLang="en-US"/>
-          </a:p>
-        </p:txBody>
-      </p:sp>
-      <p:pic>
-        <p:nvPicPr>
-          <p:cNvPr id="4098" name="Picture 2" descr="C:\Users\DongKyun\Documents\GitHub\KHFinalProject\보고서\클래스\삽입.png"/>
-          <p:cNvPicPr>
-            <a:picLocks noChangeAspect="1" noChangeArrowheads="1"/>
-          </p:cNvPicPr>
-          <p:nvPr/>
-        </p:nvPicPr>
-        <p:blipFill>
-          <a:blip r:embed="rId2">
-            <a:extLst>
-              <a:ext uri="{28A0092B-C50C-407E-A947-70E740481C1C}">
-                <a14:useLocalDpi xmlns:a14="http://schemas.microsoft.com/office/drawing/2010/main" val="0"/>
-              </a:ext>
-            </a:extLst>
-          </a:blip>
-          <a:srcRect/>
-          <a:stretch>
-            <a:fillRect/>
-          </a:stretch>
-        </p:blipFill>
-        <p:spPr bwMode="auto">
-          <a:xfrm>
-            <a:off x="0" y="650874"/>
-            <a:ext cx="12192834" cy="6207125"/>
-          </a:xfrm>
-          <a:prstGeom prst="rect">
-            <a:avLst/>
-          </a:prstGeom>
-          <a:noFill/>
-          <a:extLst>
-            <a:ext uri="{909E8E84-426E-40DD-AFC4-6F175D3DCCD1}">
-              <a14:hiddenFill xmlns:a14="http://schemas.microsoft.com/office/drawing/2010/main">
-                <a:solidFill>
-                  <a:srgbClr val="FFFFFF"/>
-                </a:solidFill>
-              </a14:hiddenFill>
-            </a:ext>
-          </a:extLst>
-        </p:spPr>
-      </p:pic>
-    </p:spTree>
-    <p:extLst>
-      <p:ext uri="{BB962C8B-B14F-4D97-AF65-F5344CB8AC3E}">
-        <p14:creationId xmlns:p14="http://schemas.microsoft.com/office/powerpoint/2010/main" val="415682292"/>
-      </p:ext>
-    </p:extLst>
-  </p:cSld>
-  <p:clrMapOvr>
-    <a:masterClrMapping/>
-  </p:clrMapOvr>
-  <p:transition/>
-  <p:timing>
-    <p:tnLst>
-      <p:par>
-        <p:cTn id="1" dur="indefinite" restart="never" nodeType="tmRoot"/>
-      </p:par>
-    </p:tnLst>
-  </p:timing>
-</p:sld>
-</file>
-
-<file path=ppt/slides/slide24.xml><?xml version="1.0" encoding="utf-8"?>
-<p:sld xmlns:a="http://schemas.openxmlformats.org/drawingml/2006/main" xmlns:r="http://schemas.openxmlformats.org/officeDocument/2006/relationships" xmlns:p="http://schemas.openxmlformats.org/presentationml/2006/main">
-  <p:cSld>
-    <p:spTree>
-      <p:nvGrpSpPr>
-        <p:cNvPr id="1" name=""/>
-        <p:cNvGrpSpPr/>
-        <p:nvPr/>
-      </p:nvGrpSpPr>
-      <p:grpSpPr>
-        <a:xfrm>
-          <a:off x="0" y="0"/>
-          <a:ext cx="0" cy="0"/>
-          <a:chOff x="0" y="0"/>
-          <a:chExt cx="0" cy="0"/>
-        </a:xfrm>
-      </p:grpSpPr>
-      <p:sp>
-        <p:nvSpPr>
-          <p:cNvPr id="4" name="제목 3"/>
-          <p:cNvSpPr>
-            <a:spLocks noGrp="1"/>
-          </p:cNvSpPr>
-          <p:nvPr>
-            <p:ph type="title"/>
-          </p:nvPr>
-        </p:nvSpPr>
-        <p:spPr>
-          <a:xfrm>
-            <a:off x="250190" y="0"/>
-            <a:ext cx="3373755" cy="650875"/>
-          </a:xfrm>
-        </p:spPr>
-        <p:txBody>
-          <a:bodyPr anchor="ctr">
-            <a:normAutofit/>
-          </a:bodyPr>
-          <a:lstStyle/>
-          <a:p>
-            <a:pPr lvl="0">
-              <a:defRPr/>
-            </a:pPr>
-            <a:r>
-              <a:rPr lang="ko-KR" altLang="en-US" sz="2800" smtClean="0"/>
-              <a:t>시퀀스 다이어그램</a:t>
-            </a:r>
-            <a:endParaRPr lang="ko-KR" altLang="en-US" sz="2800"/>
-          </a:p>
-        </p:txBody>
-      </p:sp>
-      <p:sp>
-        <p:nvSpPr>
-          <p:cNvPr id="6" name="텍스트 개체 틀 4"/>
-          <p:cNvSpPr>
-            <a:spLocks noGrp="1"/>
-          </p:cNvSpPr>
-          <p:nvPr>
-            <p:ph type="body" sz="half" idx="2"/>
-          </p:nvPr>
-        </p:nvSpPr>
-        <p:spPr>
-          <a:xfrm>
-            <a:off x="3424555" y="0"/>
-            <a:ext cx="3931920" cy="650875"/>
-          </a:xfrm>
-        </p:spPr>
-        <p:txBody>
-          <a:bodyPr anchor="ctr">
-            <a:normAutofit fontScale="92500"/>
-          </a:bodyPr>
-          <a:lstStyle/>
-          <a:p>
-            <a:pPr lvl="0">
-              <a:defRPr/>
-            </a:pPr>
-            <a:r>
-              <a:rPr lang="en-US" altLang="ko-KR" smtClean="0"/>
-              <a:t>Community - CommunityBoardUpdate</a:t>
-            </a:r>
-            <a:endParaRPr lang="ko-KR" altLang="en-US"/>
-          </a:p>
-        </p:txBody>
-      </p:sp>
-      <p:pic>
-        <p:nvPicPr>
-          <p:cNvPr id="5122" name="Picture 2" descr="C:\Users\DongKyun\Documents\GitHub\KHFinalProject\보고서\클래스\수정.png"/>
-          <p:cNvPicPr>
-            <a:picLocks noChangeAspect="1" noChangeArrowheads="1"/>
-          </p:cNvPicPr>
-          <p:nvPr/>
-        </p:nvPicPr>
-        <p:blipFill>
-          <a:blip r:embed="rId2">
-            <a:extLst>
-              <a:ext uri="{28A0092B-C50C-407E-A947-70E740481C1C}">
-                <a14:useLocalDpi xmlns:a14="http://schemas.microsoft.com/office/drawing/2010/main" val="0"/>
-              </a:ext>
-            </a:extLst>
-          </a:blip>
-          <a:srcRect/>
-          <a:stretch>
-            <a:fillRect/>
-          </a:stretch>
-        </p:blipFill>
-        <p:spPr bwMode="auto">
-          <a:xfrm>
-            <a:off x="0" y="650875"/>
-            <a:ext cx="12192000" cy="6207125"/>
-          </a:xfrm>
-          <a:prstGeom prst="rect">
-            <a:avLst/>
-          </a:prstGeom>
-          <a:noFill/>
-          <a:extLst>
-            <a:ext uri="{909E8E84-426E-40DD-AFC4-6F175D3DCCD1}">
-              <a14:hiddenFill xmlns:a14="http://schemas.microsoft.com/office/drawing/2010/main">
-                <a:solidFill>
-                  <a:srgbClr val="FFFFFF"/>
-                </a:solidFill>
-              </a14:hiddenFill>
-            </a:ext>
-          </a:extLst>
-        </p:spPr>
-      </p:pic>
-    </p:spTree>
-    <p:extLst>
-      <p:ext uri="{BB962C8B-B14F-4D97-AF65-F5344CB8AC3E}">
-        <p14:creationId xmlns:p14="http://schemas.microsoft.com/office/powerpoint/2010/main" val="1798126384"/>
-      </p:ext>
-    </p:extLst>
-  </p:cSld>
-  <p:clrMapOvr>
-    <a:masterClrMapping/>
-  </p:clrMapOvr>
-  <p:transition/>
-  <p:timing>
-    <p:tnLst>
-      <p:par>
-        <p:cTn id="1" dur="indefinite" restart="never" nodeType="tmRoot"/>
-      </p:par>
-    </p:tnLst>
-  </p:timing>
-</p:sld>
-</file>
-
-<file path=ppt/slides/slide25.xml><?xml version="1.0" encoding="utf-8"?>
-<p:sld xmlns:a="http://schemas.openxmlformats.org/drawingml/2006/main" xmlns:r="http://schemas.openxmlformats.org/officeDocument/2006/relationships" xmlns:p="http://schemas.openxmlformats.org/presentationml/2006/main">
-  <p:cSld>
-    <p:spTree>
-      <p:nvGrpSpPr>
-        <p:cNvPr id="1" name=""/>
-        <p:cNvGrpSpPr/>
-        <p:nvPr/>
-      </p:nvGrpSpPr>
-      <p:grpSpPr>
-        <a:xfrm>
-          <a:off x="0" y="0"/>
-          <a:ext cx="0" cy="0"/>
-          <a:chOff x="0" y="0"/>
-          <a:chExt cx="0" cy="0"/>
-        </a:xfrm>
-      </p:grpSpPr>
-      <p:sp>
-        <p:nvSpPr>
-          <p:cNvPr id="4" name="제목 3"/>
-          <p:cNvSpPr>
-            <a:spLocks noGrp="1"/>
-          </p:cNvSpPr>
-          <p:nvPr>
-            <p:ph type="title"/>
-          </p:nvPr>
-        </p:nvSpPr>
-        <p:spPr>
-          <a:xfrm>
-            <a:off x="250190" y="0"/>
-            <a:ext cx="3373755" cy="650875"/>
-          </a:xfrm>
-        </p:spPr>
-        <p:txBody>
-          <a:bodyPr anchor="ctr">
-            <a:normAutofit/>
-          </a:bodyPr>
-          <a:lstStyle/>
-          <a:p>
-            <a:pPr lvl="0">
-              <a:defRPr/>
-            </a:pPr>
-            <a:r>
-              <a:rPr lang="ko-KR" altLang="en-US" sz="2800" smtClean="0"/>
-              <a:t>시퀀스 다이어그램</a:t>
-            </a:r>
-            <a:endParaRPr lang="ko-KR" altLang="en-US" sz="2800"/>
-          </a:p>
-        </p:txBody>
-      </p:sp>
-      <p:sp>
-        <p:nvSpPr>
-          <p:cNvPr id="6" name="텍스트 개체 틀 4"/>
-          <p:cNvSpPr>
-            <a:spLocks noGrp="1"/>
-          </p:cNvSpPr>
-          <p:nvPr>
-            <p:ph type="body" sz="half" idx="2"/>
-          </p:nvPr>
-        </p:nvSpPr>
-        <p:spPr>
-          <a:xfrm>
-            <a:off x="3424555" y="0"/>
-            <a:ext cx="3931920" cy="650875"/>
-          </a:xfrm>
-        </p:spPr>
-        <p:txBody>
-          <a:bodyPr anchor="ctr">
-            <a:normAutofit/>
-          </a:bodyPr>
-          <a:lstStyle/>
-          <a:p>
-            <a:pPr lvl="0">
-              <a:defRPr/>
-            </a:pPr>
-            <a:r>
-              <a:rPr lang="en-US" altLang="ko-KR" smtClean="0"/>
-              <a:t>Community - CommunityBoardDelete</a:t>
-            </a:r>
-            <a:endParaRPr lang="ko-KR" altLang="en-US"/>
-          </a:p>
-        </p:txBody>
-      </p:sp>
-      <p:pic>
-        <p:nvPicPr>
-          <p:cNvPr id="6146" name="Picture 2" descr="C:\Users\DongKyun\Documents\GitHub\KHFinalProject\보고서\클래스\삭제.png"/>
-          <p:cNvPicPr>
-            <a:picLocks noChangeAspect="1" noChangeArrowheads="1"/>
-          </p:cNvPicPr>
-          <p:nvPr/>
-        </p:nvPicPr>
-        <p:blipFill>
-          <a:blip r:embed="rId2">
-            <a:extLst>
-              <a:ext uri="{28A0092B-C50C-407E-A947-70E740481C1C}">
-                <a14:useLocalDpi xmlns:a14="http://schemas.microsoft.com/office/drawing/2010/main" val="0"/>
-              </a:ext>
-            </a:extLst>
-          </a:blip>
-          <a:srcRect/>
-          <a:stretch>
-            <a:fillRect/>
-          </a:stretch>
-        </p:blipFill>
-        <p:spPr bwMode="auto">
-          <a:xfrm>
-            <a:off x="0" y="650874"/>
-            <a:ext cx="12192000" cy="6207126"/>
-          </a:xfrm>
-          <a:prstGeom prst="rect">
-            <a:avLst/>
-          </a:prstGeom>
-          <a:noFill/>
-          <a:extLst>
-            <a:ext uri="{909E8E84-426E-40DD-AFC4-6F175D3DCCD1}">
-              <a14:hiddenFill xmlns:a14="http://schemas.microsoft.com/office/drawing/2010/main">
-                <a:solidFill>
-                  <a:srgbClr val="FFFFFF"/>
-                </a:solidFill>
-              </a14:hiddenFill>
-            </a:ext>
-          </a:extLst>
-        </p:spPr>
-      </p:pic>
-    </p:spTree>
-    <p:extLst>
-      <p:ext uri="{BB962C8B-B14F-4D97-AF65-F5344CB8AC3E}">
-        <p14:creationId xmlns:p14="http://schemas.microsoft.com/office/powerpoint/2010/main" val="2796669715"/>
-      </p:ext>
-    </p:extLst>
-  </p:cSld>
-  <p:clrMapOvr>
-    <a:masterClrMapping/>
-  </p:clrMapOvr>
-  <p:transition/>
-  <p:timing>
-    <p:tnLst>
-      <p:par>
-        <p:cTn id="1" dur="indefinite" restart="never" nodeType="tmRoot"/>
-      </p:par>
-    </p:tnLst>
-  </p:timing>
-</p:sld>
-</file>
-
-<file path=ppt/slides/slide26.xml><?xml version="1.0" encoding="utf-8"?>
-<p:sld xmlns:a="http://schemas.openxmlformats.org/drawingml/2006/main" xmlns:r="http://schemas.openxmlformats.org/officeDocument/2006/relationships" xmlns:p="http://schemas.openxmlformats.org/presentationml/2006/main">
-  <p:cSld>
-    <p:spTree>
-      <p:nvGrpSpPr>
-        <p:cNvPr id="1" name=""/>
-        <p:cNvGrpSpPr/>
-        <p:nvPr/>
-      </p:nvGrpSpPr>
-      <p:grpSpPr>
-        <a:xfrm>
-          <a:off x="0" y="0"/>
-          <a:ext cx="0" cy="0"/>
-          <a:chOff x="0" y="0"/>
-          <a:chExt cx="0" cy="0"/>
-        </a:xfrm>
-      </p:grpSpPr>
-      <p:sp>
-        <p:nvSpPr>
-          <p:cNvPr id="4" name="제목 3"/>
-          <p:cNvSpPr>
-            <a:spLocks noGrp="1"/>
-          </p:cNvSpPr>
-          <p:nvPr>
-            <p:ph type="title"/>
-          </p:nvPr>
-        </p:nvSpPr>
-        <p:spPr>
-          <a:xfrm>
-            <a:off x="250190" y="0"/>
-            <a:ext cx="3373755" cy="650875"/>
-          </a:xfrm>
-        </p:spPr>
-        <p:txBody>
-          <a:bodyPr anchor="ctr">
-            <a:normAutofit/>
-          </a:bodyPr>
-          <a:lstStyle/>
-          <a:p>
-            <a:pPr lvl="0">
-              <a:defRPr/>
-            </a:pPr>
-            <a:r>
-              <a:rPr lang="ko-KR" altLang="en-US" sz="2800" smtClean="0"/>
-              <a:t>시퀀스 다이어그램</a:t>
-            </a:r>
-            <a:endParaRPr lang="ko-KR" altLang="en-US" sz="2800"/>
-          </a:p>
-        </p:txBody>
-      </p:sp>
-      <p:sp>
-        <p:nvSpPr>
-          <p:cNvPr id="6" name="텍스트 개체 틀 4"/>
-          <p:cNvSpPr>
-            <a:spLocks noGrp="1"/>
-          </p:cNvSpPr>
-          <p:nvPr>
-            <p:ph type="body" sz="half" idx="2"/>
-          </p:nvPr>
-        </p:nvSpPr>
-        <p:spPr>
-          <a:xfrm>
-            <a:off x="3424555" y="0"/>
-            <a:ext cx="3931920" cy="650875"/>
-          </a:xfrm>
-        </p:spPr>
-        <p:txBody>
-          <a:bodyPr anchor="ctr">
-            <a:normAutofit/>
-          </a:bodyPr>
-          <a:lstStyle/>
-          <a:p>
-            <a:pPr lvl="0">
-              <a:defRPr/>
-            </a:pPr>
-            <a:r>
-              <a:rPr lang="en-US" altLang="ko-KR" smtClean="0"/>
-              <a:t>Workout</a:t>
-            </a:r>
-            <a:endParaRPr lang="ko-KR" altLang="en-US"/>
-          </a:p>
-        </p:txBody>
-      </p:sp>
-    </p:spTree>
-    <p:extLst>
-      <p:ext uri="{BB962C8B-B14F-4D97-AF65-F5344CB8AC3E}">
-        <p14:creationId xmlns:p14="http://schemas.microsoft.com/office/powerpoint/2010/main" val="2648905465"/>
-      </p:ext>
-    </p:extLst>
-  </p:cSld>
-  <p:clrMapOvr>
-    <a:masterClrMapping/>
-  </p:clrMapOvr>
-  <p:transition/>
-  <p:timing>
-    <p:tnLst>
-      <p:par>
-        <p:cTn id="1" dur="indefinite" restart="never" nodeType="tmRoot"/>
-      </p:par>
-    </p:tnLst>
-  </p:timing>
-</p:sld>
-</file>
-
-<file path=ppt/slides/slide27.xml><?xml version="1.0" encoding="utf-8"?>
-<p:sld xmlns:a="http://schemas.openxmlformats.org/drawingml/2006/main" xmlns:r="http://schemas.openxmlformats.org/officeDocument/2006/relationships" xmlns:p="http://schemas.openxmlformats.org/presentationml/2006/main">
-  <p:cSld>
-    <p:spTree>
-      <p:nvGrpSpPr>
-        <p:cNvPr id="1" name=""/>
-        <p:cNvGrpSpPr/>
-        <p:nvPr/>
-      </p:nvGrpSpPr>
-      <p:grpSpPr>
-        <a:xfrm>
-          <a:off x="0" y="0"/>
-          <a:ext cx="0" cy="0"/>
-          <a:chOff x="0" y="0"/>
-          <a:chExt cx="0" cy="0"/>
-        </a:xfrm>
-      </p:grpSpPr>
-      <p:sp>
-        <p:nvSpPr>
-          <p:cNvPr id="4" name="제목 3"/>
-          <p:cNvSpPr>
-            <a:spLocks noGrp="1"/>
-          </p:cNvSpPr>
-          <p:nvPr>
-            <p:ph type="title"/>
-          </p:nvPr>
-        </p:nvSpPr>
-        <p:spPr>
-          <a:xfrm>
-            <a:off x="250190" y="0"/>
-            <a:ext cx="3373755" cy="650875"/>
-          </a:xfrm>
-        </p:spPr>
-        <p:txBody>
-          <a:bodyPr anchor="ctr">
-            <a:normAutofit/>
-          </a:bodyPr>
-          <a:lstStyle/>
-          <a:p>
-            <a:pPr lvl="0">
-              <a:defRPr/>
-            </a:pPr>
-            <a:r>
-              <a:rPr lang="ko-KR" altLang="en-US" sz="2800" smtClean="0"/>
-              <a:t>시퀀스 다이어그램</a:t>
-            </a:r>
-            <a:endParaRPr lang="ko-KR" altLang="en-US" sz="2800"/>
-          </a:p>
-        </p:txBody>
-      </p:sp>
-      <p:sp>
-        <p:nvSpPr>
-          <p:cNvPr id="6" name="텍스트 개체 틀 4"/>
-          <p:cNvSpPr>
-            <a:spLocks noGrp="1"/>
-          </p:cNvSpPr>
-          <p:nvPr>
-            <p:ph type="body" sz="half" idx="2"/>
-          </p:nvPr>
-        </p:nvSpPr>
-        <p:spPr>
-          <a:xfrm>
-            <a:off x="3424555" y="0"/>
-            <a:ext cx="3931920" cy="650875"/>
-          </a:xfrm>
-        </p:spPr>
-        <p:txBody>
-          <a:bodyPr anchor="ctr">
-            <a:normAutofit/>
-          </a:bodyPr>
-          <a:lstStyle/>
-          <a:p>
-            <a:pPr lvl="0">
-              <a:defRPr/>
-            </a:pPr>
-            <a:r>
-              <a:rPr lang="en-US" altLang="ko-KR" smtClean="0"/>
-              <a:t>Admin</a:t>
-            </a:r>
-            <a:endParaRPr lang="ko-KR" altLang="en-US"/>
-          </a:p>
-        </p:txBody>
-      </p:sp>
-    </p:spTree>
-    <p:extLst>
-      <p:ext uri="{BB962C8B-B14F-4D97-AF65-F5344CB8AC3E}">
-        <p14:creationId xmlns:p14="http://schemas.microsoft.com/office/powerpoint/2010/main" val="1019059289"/>
-      </p:ext>
-    </p:extLst>
-  </p:cSld>
-  <p:clrMapOvr>
-    <a:masterClrMapping/>
-  </p:clrMapOvr>
-  <p:transition/>
-  <p:timing>
-    <p:tnLst>
-      <p:par>
-        <p:cTn id="1" dur="indefinite" restart="never" nodeType="tmRoot"/>
-      </p:par>
-    </p:tnLst>
-  </p:timing>
-</p:sld>
-</file>
-
 <file path=ppt/slides/slide3.xml><?xml version="1.0" encoding="utf-8"?>
 <p:sld xmlns:a="http://schemas.openxmlformats.org/drawingml/2006/main" xmlns:r="http://schemas.openxmlformats.org/officeDocument/2006/relationships" xmlns:p="http://schemas.openxmlformats.org/presentationml/2006/main">
   <p:cSld>
@@ -6145,7 +4952,7 @@
           <p:cNvPr id="2" name="그룹 1">
             <a:extLst>
               <a:ext uri="{FF2B5EF4-FFF2-40B4-BE49-F238E27FC236}">
-                <a16:creationId xmlns="" xmlns:a16="http://schemas.microsoft.com/office/drawing/2014/main" xmlns:p14="http://schemas.microsoft.com/office/powerpoint/2010/main" id="{C71E5FE6-3E6D-4092-81AA-962DB5284ABF}"/>
+                <a16:creationId xmlns:p14="http://schemas.microsoft.com/office/powerpoint/2010/main" xmlns:a16="http://schemas.microsoft.com/office/drawing/2014/main" xmlns="" id="{C71E5FE6-3E6D-4092-81AA-962DB5284ABF}"/>
               </a:ext>
             </a:extLst>
           </p:cNvPr>
@@ -6227,7 +5034,7 @@
             <p:cNvPr id="6" name="TextBox 5">
               <a:extLst>
                 <a:ext uri="{FF2B5EF4-FFF2-40B4-BE49-F238E27FC236}">
-                  <a16:creationId xmlns="" xmlns:a16="http://schemas.microsoft.com/office/drawing/2014/main" xmlns:p14="http://schemas.microsoft.com/office/powerpoint/2010/main" id="{BCB0E9E3-FAB5-4E31-83EE-08A0FE55BB4A}"/>
+                  <a16:creationId xmlns:p14="http://schemas.microsoft.com/office/powerpoint/2010/main" xmlns:a16="http://schemas.microsoft.com/office/drawing/2014/main" xmlns="" id="{BCB0E9E3-FAB5-4E31-83EE-08A0FE55BB4A}"/>
                 </a:ext>
               </a:extLst>
             </p:cNvPr>
@@ -6349,47 +5156,39 @@
           </a:p>
         </p:txBody>
       </p:sp>
-      <p:pic>
-        <p:nvPicPr>
-          <p:cNvPr id="2050" name="Picture 2" descr="C:\Users\DongKyun\Documents\GitHub\KHFinalProject\보고서\클래스\패키지 다이어그램.jpg"/>
-          <p:cNvPicPr>
-            <a:picLocks noChangeAspect="1" noChangeArrowheads="1"/>
-          </p:cNvPicPr>
-          <p:nvPr/>
-        </p:nvPicPr>
-        <p:blipFill>
-          <a:blip r:embed="rId2">
-            <a:extLst>
-              <a:ext uri="{28A0092B-C50C-407E-A947-70E740481C1C}">
-                <a14:useLocalDpi xmlns:a14="http://schemas.microsoft.com/office/drawing/2010/main" val="0"/>
-              </a:ext>
-            </a:extLst>
-          </a:blip>
-          <a:srcRect/>
-          <a:stretch>
-            <a:fillRect/>
-          </a:stretch>
-        </p:blipFill>
-        <p:spPr bwMode="auto">
-          <a:xfrm>
-            <a:off x="402590" y="1009650"/>
-            <a:ext cx="11313160" cy="5600700"/>
-          </a:xfrm>
-          <a:prstGeom prst="rect">
-            <a:avLst/>
-          </a:prstGeom>
-          <a:noFill/>
-          <a:extLst>
-            <a:ext uri="{909E8E84-426E-40DD-AFC4-6F175D3DCCD1}">
-              <a14:hiddenFill xmlns:a14="http://schemas.microsoft.com/office/drawing/2010/main">
-                <a:solidFill>
-                  <a:srgbClr val="FFFFFF"/>
-                </a:solidFill>
-              </a14:hiddenFill>
-            </a:ext>
-          </a:extLst>
+      <p:sp>
+        <p:nvSpPr>
+          <p:cNvPr id="12" name="텍스트 개체 틀 4"/>
+          <p:cNvSpPr>
+            <a:spLocks noGrp="1"/>
+          </p:cNvSpPr>
+          <p:nvPr>
+            <p:ph type="body" sz="half" idx="2"/>
+          </p:nvPr>
+        </p:nvSpPr>
+        <p:spPr>
+          <a:xfrm>
+            <a:off x="3424555" y="0"/>
+            <a:ext cx="3931920" cy="650875"/>
+          </a:xfrm>
         </p:spPr>
-      </p:pic>
+        <p:txBody>
+          <a:bodyPr anchor="ctr">
+            <a:normAutofit/>
+          </a:bodyPr>
+          <a:lstStyle/>
+          <a:p>
+            <a:pPr lvl="0">
+              <a:defRPr/>
+            </a:pPr>
+            <a:r>
+              <a:rPr lang="en-US" altLang="ko-KR" smtClean="0"/>
+              <a:t>User</a:t>
+            </a:r>
+            <a:endParaRPr lang="ko-KR" altLang="en-US"/>
+          </a:p>
+        </p:txBody>
+      </p:sp>
     </p:spTree>
   </p:cSld>
   <p:clrMapOvr>
@@ -6409,14 +5208,6 @@
 <file path=ppt/slides/slide5.xml><?xml version="1.0" encoding="utf-8"?>
 <p:sld xmlns:a="http://schemas.openxmlformats.org/drawingml/2006/main" xmlns:r="http://schemas.openxmlformats.org/officeDocument/2006/relationships" xmlns:p="http://schemas.openxmlformats.org/presentationml/2006/main">
   <p:cSld>
-    <p:bg>
-      <p:bgPr>
-        <a:solidFill>
-          <a:srgbClr val="212121"/>
-        </a:solidFill>
-        <a:effectLst/>
-      </p:bgPr>
-    </p:bg>
     <p:spTree>
       <p:nvGrpSpPr>
         <p:cNvPr id="1" name=""/>
@@ -6431,155 +5222,83 @@
           <a:chExt cx="0" cy="0"/>
         </a:xfrm>
       </p:grpSpPr>
-      <p:grpSp>
-        <p:nvGrpSpPr>
-          <p:cNvPr id="2" name="그룹 1">
-            <a:extLst>
-              <a:ext uri="{FF2B5EF4-FFF2-40B4-BE49-F238E27FC236}">
-                <a16:creationId xmlns="" xmlns:a16="http://schemas.microsoft.com/office/drawing/2014/main" xmlns:p14="http://schemas.microsoft.com/office/powerpoint/2010/main" id="{C71E5FE6-3E6D-4092-81AA-962DB5284ABF}"/>
-              </a:ext>
-            </a:extLst>
-          </p:cNvPr>
-          <p:cNvGrpSpPr/>
-          <p:nvPr/>
-        </p:nvGrpSpPr>
-        <p:grpSpPr>
-          <a:xfrm>
-            <a:off x="4598353" y="2980372"/>
-            <a:ext cx="3757365" cy="564515"/>
-            <a:chOff x="4598353" y="2980372"/>
-            <a:chExt cx="3757365" cy="564515"/>
-          </a:xfrm>
-        </p:grpSpPr>
-        <p:sp>
-          <p:nvSpPr>
-            <p:cNvPr id="30" name="타원 29"/>
-            <p:cNvSpPr/>
-            <p:nvPr/>
-          </p:nvSpPr>
-          <p:spPr>
-            <a:xfrm>
-              <a:off x="4598353" y="2980372"/>
-              <a:ext cx="564832" cy="564515"/>
-            </a:xfrm>
-            <a:prstGeom prst="ellipse">
-              <a:avLst/>
-            </a:prstGeom>
-            <a:solidFill>
-              <a:schemeClr val="bg1"/>
-            </a:solidFill>
-            <a:ln>
-              <a:noFill/>
-            </a:ln>
-          </p:spPr>
-          <p:style>
-            <a:lnRef idx="2">
-              <a:schemeClr val="accent1">
-                <a:shade val="50000"/>
-              </a:schemeClr>
-            </a:lnRef>
-            <a:fillRef idx="1">
-              <a:schemeClr val="accent1"/>
-            </a:fillRef>
-            <a:effectRef idx="0">
-              <a:schemeClr val="accent1"/>
-            </a:effectRef>
-            <a:fontRef idx="minor">
-              <a:schemeClr val="lt1"/>
-            </a:fontRef>
-          </p:style>
-          <p:txBody>
-            <a:bodyPr rtlCol="0" anchor="ctr"/>
-            <a:lstStyle/>
-            <a:p>
-              <a:pPr algn="ctr"/>
-              <a:r>
-                <a:rPr lang="en-US" altLang="ko-KR" sz="2800" b="1">
-                  <a:solidFill>
-                    <a:schemeClr val="tx1"/>
-                  </a:solidFill>
-                  <a:latin typeface="THE정고딕130" panose="02020603020101020101" pitchFamily="18" charset="-127"/>
-                  <a:ea typeface="THE정고딕130" panose="02020603020101020101" pitchFamily="18" charset="-127"/>
-                </a:rPr>
-                <a:t>2</a:t>
-              </a:r>
-              <a:endParaRPr lang="ko-KR" altLang="en-US" sz="2800" b="1">
-                <a:solidFill>
-                  <a:schemeClr val="tx1"/>
-                </a:solidFill>
-                <a:latin typeface="THE정고딕130" panose="02020603020101020101" pitchFamily="18" charset="-127"/>
-                <a:ea typeface="THE정고딕130" panose="02020603020101020101" pitchFamily="18" charset="-127"/>
-              </a:endParaRPr>
-            </a:p>
-          </p:txBody>
-        </p:sp>
-        <p:sp>
-          <p:nvSpPr>
-            <p:cNvPr id="6" name="TextBox 5">
-              <a:extLst>
-                <a:ext uri="{FF2B5EF4-FFF2-40B4-BE49-F238E27FC236}">
-                  <a16:creationId xmlns="" xmlns:a16="http://schemas.microsoft.com/office/drawing/2014/main" xmlns:p14="http://schemas.microsoft.com/office/powerpoint/2010/main" id="{BCB0E9E3-FAB5-4E31-83EE-08A0FE55BB4A}"/>
-                </a:ext>
-              </a:extLst>
-            </p:cNvPr>
-            <p:cNvSpPr txBox="1"/>
-            <p:nvPr/>
-          </p:nvSpPr>
-          <p:spPr>
-            <a:xfrm>
-              <a:off x="5295265" y="3001010"/>
-              <a:ext cx="3060453" cy="523220"/>
-            </a:xfrm>
-            <a:prstGeom prst="rect">
-              <a:avLst/>
-            </a:prstGeom>
-            <a:noFill/>
-          </p:spPr>
-          <p:txBody>
-            <a:bodyPr wrap="none" rtlCol="0">
-              <a:spAutoFit/>
-            </a:bodyPr>
-            <a:lstStyle/>
-            <a:p>
-              <a:r>
-                <a:rPr lang="ko-KR" altLang="en-US" sz="2800" smtClean="0">
-                  <a:solidFill>
-                    <a:schemeClr val="bg1"/>
-                  </a:solidFill>
-                  <a:latin typeface="+mj-ea"/>
-                  <a:ea typeface="+mj-ea"/>
-                </a:rPr>
-                <a:t>클래스 다이어그램</a:t>
-              </a:r>
-              <a:endParaRPr lang="en-US" altLang="ko-KR" sz="2800">
-                <a:solidFill>
-                  <a:schemeClr val="bg1"/>
-                </a:solidFill>
-                <a:latin typeface="+mj-ea"/>
-                <a:ea typeface="+mj-ea"/>
-              </a:endParaRPr>
-            </a:p>
-          </p:txBody>
-        </p:sp>
-      </p:grpSp>
+      <p:sp>
+        <p:nvSpPr>
+          <p:cNvPr id="4" name="제목 3"/>
+          <p:cNvSpPr>
+            <a:spLocks noGrp="1"/>
+          </p:cNvSpPr>
+          <p:nvPr>
+            <p:ph type="title"/>
+          </p:nvPr>
+        </p:nvSpPr>
+        <p:spPr>
+          <a:xfrm>
+            <a:off x="250190" y="0"/>
+            <a:ext cx="3373755" cy="650875"/>
+          </a:xfrm>
+        </p:spPr>
+        <p:txBody>
+          <a:bodyPr anchor="ctr">
+            <a:normAutofit/>
+          </a:bodyPr>
+          <a:lstStyle/>
+          <a:p>
+            <a:pPr lvl="0">
+              <a:defRPr/>
+            </a:pPr>
+            <a:r>
+              <a:rPr lang="ko-KR" altLang="en-US" sz="2800" smtClean="0"/>
+              <a:t>패키지 다이어그램</a:t>
+            </a:r>
+            <a:endParaRPr lang="ko-KR" altLang="en-US" sz="2800"/>
+          </a:p>
+        </p:txBody>
+      </p:sp>
+      <p:sp>
+        <p:nvSpPr>
+          <p:cNvPr id="12" name="텍스트 개체 틀 4"/>
+          <p:cNvSpPr>
+            <a:spLocks noGrp="1"/>
+          </p:cNvSpPr>
+          <p:nvPr>
+            <p:ph type="body" sz="half" idx="2"/>
+          </p:nvPr>
+        </p:nvSpPr>
+        <p:spPr>
+          <a:xfrm>
+            <a:off x="3424555" y="0"/>
+            <a:ext cx="3931920" cy="650875"/>
+          </a:xfrm>
+        </p:spPr>
+        <p:txBody>
+          <a:bodyPr anchor="ctr">
+            <a:normAutofit/>
+          </a:bodyPr>
+          <a:lstStyle/>
+          <a:p>
+            <a:pPr lvl="0">
+              <a:defRPr/>
+            </a:pPr>
+            <a:r>
+              <a:rPr lang="en-US" altLang="ko-KR" smtClean="0"/>
+              <a:t>User</a:t>
+            </a:r>
+            <a:endParaRPr lang="ko-KR" altLang="en-US"/>
+          </a:p>
+        </p:txBody>
+      </p:sp>
     </p:spTree>
     <p:extLst>
       <p:ext uri="{BB962C8B-B14F-4D97-AF65-F5344CB8AC3E}">
-        <p14:creationId xmlns:p14="http://schemas.microsoft.com/office/powerpoint/2010/main" val="693951829"/>
+        <p14:creationId xmlns:p14="http://schemas.microsoft.com/office/powerpoint/2010/main" val="2337712526"/>
       </p:ext>
     </p:extLst>
   </p:cSld>
   <p:clrMapOvr>
     <a:masterClrMapping/>
   </p:clrMapOvr>
-  <mc:AlternateContent xmlns:mc="http://schemas.openxmlformats.org/markup-compatibility/2006" xmlns:p14="http://schemas.microsoft.com/office/powerpoint/2010/main">
-    <mc:Choice Requires="p14">
-      <p:transition spd="slow" p14:dur="2000"/>
-    </mc:Choice>
-    <mc:Fallback xmlns="">
-      <p:transition spd="slow"/>
-    </mc:Fallback>
-  </mc:AlternateContent>
+  <p:transition/>
   <p:timing>
     <p:tnLst>
       <p:par>
@@ -6634,7 +5353,7 @@
             </a:pPr>
             <a:r>
               <a:rPr lang="ko-KR" altLang="en-US" sz="2800" smtClean="0"/>
-              <a:t>클래스 다이어그램</a:t>
+              <a:t>패키지 다이어그램</a:t>
             </a:r>
             <a:endParaRPr lang="ko-KR" altLang="en-US" sz="2800"/>
           </a:p>
@@ -6642,7 +5361,7 @@
       </p:sp>
       <p:sp>
         <p:nvSpPr>
-          <p:cNvPr id="5" name="텍스트 개체 틀 4"/>
+          <p:cNvPr id="12" name="텍스트 개체 틀 4"/>
           <p:cNvSpPr>
             <a:spLocks noGrp="1"/>
           </p:cNvSpPr>
@@ -6673,51 +5392,10 @@
           </a:p>
         </p:txBody>
       </p:sp>
-      <p:pic>
-        <p:nvPicPr>
-          <p:cNvPr id="1026" name="Picture 2" descr="C:\Users\DongKyun\Documents\GitHub\KHFinalProject\보고서\클래스\user클래스.jpg"/>
-          <p:cNvPicPr>
-            <a:picLocks noChangeAspect="1" noChangeArrowheads="1"/>
-          </p:cNvPicPr>
-          <p:nvPr/>
-        </p:nvPicPr>
-        <p:blipFill>
-          <a:blip r:embed="rId2">
-            <a:extLst>
-              <a:ext uri="{28A0092B-C50C-407E-A947-70E740481C1C}">
-                <a14:useLocalDpi xmlns:a14="http://schemas.microsoft.com/office/drawing/2010/main" val="0"/>
-              </a:ext>
-            </a:extLst>
-          </a:blip>
-          <a:srcRect/>
-          <a:stretch>
-            <a:fillRect/>
-          </a:stretch>
-        </p:blipFill>
-        <p:spPr bwMode="auto">
-          <a:xfrm>
-            <a:off x="733425" y="787400"/>
-            <a:ext cx="10839450" cy="5969000"/>
-          </a:xfrm>
-          <a:prstGeom prst="rect">
-            <a:avLst/>
-          </a:prstGeom>
-          <a:noFill/>
-          <a:extLst>
-            <a:ext uri="{909E8E84-426E-40DD-AFC4-6F175D3DCCD1}">
-              <a14:hiddenFill xmlns:a14="http://schemas.microsoft.com/office/drawing/2010/main">
-                <a:solidFill>
-                  <a:srgbClr val="FFFFFF"/>
-                </a:solidFill>
-              </a14:hiddenFill>
-            </a:ext>
-          </a:extLst>
-        </p:spPr>
-      </p:pic>
     </p:spTree>
     <p:extLst>
       <p:ext uri="{BB962C8B-B14F-4D97-AF65-F5344CB8AC3E}">
-        <p14:creationId xmlns:p14="http://schemas.microsoft.com/office/powerpoint/2010/main" val="1953278713"/>
+        <p14:creationId xmlns:p14="http://schemas.microsoft.com/office/powerpoint/2010/main" val="3024726558"/>
       </p:ext>
     </p:extLst>
   </p:cSld>
@@ -6779,7 +5457,7 @@
             </a:pPr>
             <a:r>
               <a:rPr lang="ko-KR" altLang="en-US" sz="2800" smtClean="0"/>
-              <a:t>클래스 다이어그램</a:t>
+              <a:t>패키지 다이어그램</a:t>
             </a:r>
             <a:endParaRPr lang="ko-KR" altLang="en-US" sz="2800"/>
           </a:p>
@@ -6787,7 +5465,7 @@
       </p:sp>
       <p:sp>
         <p:nvSpPr>
-          <p:cNvPr id="5" name="텍스트 개체 틀 4"/>
+          <p:cNvPr id="12" name="텍스트 개체 틀 4"/>
           <p:cNvSpPr>
             <a:spLocks noGrp="1"/>
           </p:cNvSpPr>
@@ -6812,57 +5490,16 @@
             </a:pPr>
             <a:r>
               <a:rPr lang="en-US" altLang="ko-KR" smtClean="0"/>
-              <a:t>Admin</a:t>
+              <a:t>User</a:t>
             </a:r>
             <a:endParaRPr lang="ko-KR" altLang="en-US"/>
           </a:p>
         </p:txBody>
       </p:sp>
-      <p:pic>
-        <p:nvPicPr>
-          <p:cNvPr id="2050" name="Picture 2" descr="C:\Users\DongKyun\Documents\GitHub\KHFinalProject\보고서\클래스\admin클래스.jpg"/>
-          <p:cNvPicPr>
-            <a:picLocks noChangeAspect="1" noChangeArrowheads="1"/>
-          </p:cNvPicPr>
-          <p:nvPr/>
-        </p:nvPicPr>
-        <p:blipFill>
-          <a:blip r:embed="rId2">
-            <a:extLst>
-              <a:ext uri="{28A0092B-C50C-407E-A947-70E740481C1C}">
-                <a14:useLocalDpi xmlns:a14="http://schemas.microsoft.com/office/drawing/2010/main" val="0"/>
-              </a:ext>
-            </a:extLst>
-          </a:blip>
-          <a:srcRect/>
-          <a:stretch>
-            <a:fillRect/>
-          </a:stretch>
-        </p:blipFill>
-        <p:spPr bwMode="auto">
-          <a:xfrm>
-            <a:off x="2057400" y="746124"/>
-            <a:ext cx="7620000" cy="5991225"/>
-          </a:xfrm>
-          <a:prstGeom prst="rect">
-            <a:avLst/>
-          </a:prstGeom>
-          <a:noFill/>
-          <a:extLst>
-            <a:ext uri="{909E8E84-426E-40DD-AFC4-6F175D3DCCD1}">
-              <a14:hiddenFill xmlns:a14="http://schemas.microsoft.com/office/drawing/2010/main">
-                <a:solidFill>
-                  <a:srgbClr val="FFFFFF"/>
-                </a:solidFill>
-              </a14:hiddenFill>
-            </a:ext>
-          </a:extLst>
-        </p:spPr>
-      </p:pic>
     </p:spTree>
     <p:extLst>
       <p:ext uri="{BB962C8B-B14F-4D97-AF65-F5344CB8AC3E}">
-        <p14:creationId xmlns:p14="http://schemas.microsoft.com/office/powerpoint/2010/main" val="4112727436"/>
+        <p14:creationId xmlns:p14="http://schemas.microsoft.com/office/powerpoint/2010/main" val="4041848743"/>
       </p:ext>
     </p:extLst>
   </p:cSld>
@@ -6924,7 +5561,7 @@
             </a:pPr>
             <a:r>
               <a:rPr lang="ko-KR" altLang="en-US" sz="2800" smtClean="0"/>
-              <a:t>클래스 다이어그램</a:t>
+              <a:t>패키지 다이어그램</a:t>
             </a:r>
             <a:endParaRPr lang="ko-KR" altLang="en-US" sz="2800"/>
           </a:p>
@@ -6932,7 +5569,7 @@
       </p:sp>
       <p:sp>
         <p:nvSpPr>
-          <p:cNvPr id="5" name="텍스트 개체 틀 4"/>
+          <p:cNvPr id="12" name="텍스트 개체 틀 4"/>
           <p:cNvSpPr>
             <a:spLocks noGrp="1"/>
           </p:cNvSpPr>
@@ -6957,57 +5594,16 @@
             </a:pPr>
             <a:r>
               <a:rPr lang="en-US" altLang="ko-KR" smtClean="0"/>
-              <a:t>Gym</a:t>
+              <a:t>User</a:t>
             </a:r>
             <a:endParaRPr lang="ko-KR" altLang="en-US"/>
           </a:p>
         </p:txBody>
       </p:sp>
-      <p:pic>
-        <p:nvPicPr>
-          <p:cNvPr id="3074" name="Picture 2" descr="C:\Users\DongKyun\Documents\GitHub\KHFinalProject\보고서\클래스\gym클래스.jpg"/>
-          <p:cNvPicPr>
-            <a:picLocks noChangeAspect="1" noChangeArrowheads="1"/>
-          </p:cNvPicPr>
-          <p:nvPr/>
-        </p:nvPicPr>
-        <p:blipFill>
-          <a:blip r:embed="rId2">
-            <a:extLst>
-              <a:ext uri="{28A0092B-C50C-407E-A947-70E740481C1C}">
-                <a14:useLocalDpi xmlns:a14="http://schemas.microsoft.com/office/drawing/2010/main" val="0"/>
-              </a:ext>
-            </a:extLst>
-          </a:blip>
-          <a:srcRect/>
-          <a:stretch>
-            <a:fillRect/>
-          </a:stretch>
-        </p:blipFill>
-        <p:spPr bwMode="auto">
-          <a:xfrm>
-            <a:off x="698500" y="1044575"/>
-            <a:ext cx="10909300" cy="5283200"/>
-          </a:xfrm>
-          <a:prstGeom prst="rect">
-            <a:avLst/>
-          </a:prstGeom>
-          <a:noFill/>
-          <a:extLst>
-            <a:ext uri="{909E8E84-426E-40DD-AFC4-6F175D3DCCD1}">
-              <a14:hiddenFill xmlns:a14="http://schemas.microsoft.com/office/drawing/2010/main">
-                <a:solidFill>
-                  <a:srgbClr val="FFFFFF"/>
-                </a:solidFill>
-              </a14:hiddenFill>
-            </a:ext>
-          </a:extLst>
-        </p:spPr>
-      </p:pic>
     </p:spTree>
     <p:extLst>
       <p:ext uri="{BB962C8B-B14F-4D97-AF65-F5344CB8AC3E}">
-        <p14:creationId xmlns:p14="http://schemas.microsoft.com/office/powerpoint/2010/main" val="2869662868"/>
+        <p14:creationId xmlns:p14="http://schemas.microsoft.com/office/powerpoint/2010/main" val="4207126397"/>
       </p:ext>
     </p:extLst>
   </p:cSld>
@@ -7069,7 +5665,7 @@
             </a:pPr>
             <a:r>
               <a:rPr lang="ko-KR" altLang="en-US" sz="2800" smtClean="0"/>
-              <a:t>클래스 다이어그램</a:t>
+              <a:t>패키지 다이어그램</a:t>
             </a:r>
             <a:endParaRPr lang="ko-KR" altLang="en-US" sz="2800"/>
           </a:p>
@@ -7077,7 +5673,7 @@
       </p:sp>
       <p:sp>
         <p:nvSpPr>
-          <p:cNvPr id="5" name="텍스트 개체 틀 4"/>
+          <p:cNvPr id="12" name="텍스트 개체 틀 4"/>
           <p:cNvSpPr>
             <a:spLocks noGrp="1"/>
           </p:cNvSpPr>
@@ -7102,57 +5698,16 @@
             </a:pPr>
             <a:r>
               <a:rPr lang="en-US" altLang="ko-KR" smtClean="0"/>
-              <a:t>Health</a:t>
+              <a:t>User</a:t>
             </a:r>
             <a:endParaRPr lang="ko-KR" altLang="en-US"/>
           </a:p>
         </p:txBody>
       </p:sp>
-      <p:pic>
-        <p:nvPicPr>
-          <p:cNvPr id="4098" name="Picture 2" descr="C:\Users\DongKyun\Documents\GitHub\KHFinalProject\보고서\클래스\health클래스.jpg"/>
-          <p:cNvPicPr>
-            <a:picLocks noChangeAspect="1" noChangeArrowheads="1"/>
-          </p:cNvPicPr>
-          <p:nvPr/>
-        </p:nvPicPr>
-        <p:blipFill>
-          <a:blip r:embed="rId2">
-            <a:extLst>
-              <a:ext uri="{28A0092B-C50C-407E-A947-70E740481C1C}">
-                <a14:useLocalDpi xmlns:a14="http://schemas.microsoft.com/office/drawing/2010/main" val="0"/>
-              </a:ext>
-            </a:extLst>
-          </a:blip>
-          <a:srcRect/>
-          <a:stretch>
-            <a:fillRect/>
-          </a:stretch>
-        </p:blipFill>
-        <p:spPr bwMode="auto">
-          <a:xfrm>
-            <a:off x="1908175" y="1949450"/>
-            <a:ext cx="8166100" cy="3225800"/>
-          </a:xfrm>
-          <a:prstGeom prst="rect">
-            <a:avLst/>
-          </a:prstGeom>
-          <a:noFill/>
-          <a:extLst>
-            <a:ext uri="{909E8E84-426E-40DD-AFC4-6F175D3DCCD1}">
-              <a14:hiddenFill xmlns:a14="http://schemas.microsoft.com/office/drawing/2010/main">
-                <a:solidFill>
-                  <a:srgbClr val="FFFFFF"/>
-                </a:solidFill>
-              </a14:hiddenFill>
-            </a:ext>
-          </a:extLst>
-        </p:spPr>
-      </p:pic>
     </p:spTree>
     <p:extLst>
       <p:ext uri="{BB962C8B-B14F-4D97-AF65-F5344CB8AC3E}">
-        <p14:creationId xmlns:p14="http://schemas.microsoft.com/office/powerpoint/2010/main" val="28708698"/>
+        <p14:creationId xmlns:p14="http://schemas.microsoft.com/office/powerpoint/2010/main" val="1635299214"/>
       </p:ext>
     </p:extLst>
   </p:cSld>

--- a/보고서/클래스설계서_Final_Project.pptx
+++ b/보고서/클래스설계서_Final_Project.pptx
@@ -9,31 +9,57 @@
     <p:sldId id="257" r:id="rId3"/>
     <p:sldId id="258" r:id="rId4"/>
     <p:sldId id="301" r:id="rId5"/>
-    <p:sldId id="311" r:id="rId6"/>
-    <p:sldId id="312" r:id="rId7"/>
-    <p:sldId id="313" r:id="rId8"/>
-    <p:sldId id="314" r:id="rId9"/>
-    <p:sldId id="315" r:id="rId10"/>
-    <p:sldId id="302" r:id="rId11"/>
-    <p:sldId id="304" r:id="rId12"/>
-    <p:sldId id="306" r:id="rId13"/>
-    <p:sldId id="307" r:id="rId14"/>
-    <p:sldId id="308" r:id="rId15"/>
-    <p:sldId id="309" r:id="rId16"/>
-    <p:sldId id="310" r:id="rId17"/>
-    <p:sldId id="303" r:id="rId18"/>
-    <p:sldId id="305" r:id="rId19"/>
+    <p:sldId id="302" r:id="rId6"/>
+    <p:sldId id="304" r:id="rId7"/>
+    <p:sldId id="306" r:id="rId8"/>
+    <p:sldId id="307" r:id="rId9"/>
+    <p:sldId id="308" r:id="rId10"/>
+    <p:sldId id="309" r:id="rId11"/>
+    <p:sldId id="310" r:id="rId12"/>
+    <p:sldId id="303" r:id="rId13"/>
+    <p:sldId id="305" r:id="rId14"/>
+    <p:sldId id="336" r:id="rId15"/>
+    <p:sldId id="337" r:id="rId16"/>
+    <p:sldId id="318" r:id="rId17"/>
+    <p:sldId id="319" r:id="rId18"/>
+    <p:sldId id="320" r:id="rId19"/>
+    <p:sldId id="321" r:id="rId20"/>
+    <p:sldId id="322" r:id="rId21"/>
+    <p:sldId id="323" r:id="rId22"/>
+    <p:sldId id="324" r:id="rId23"/>
+    <p:sldId id="311" r:id="rId24"/>
+    <p:sldId id="340" r:id="rId25"/>
+    <p:sldId id="341" r:id="rId26"/>
+    <p:sldId id="342" r:id="rId27"/>
+    <p:sldId id="325" r:id="rId28"/>
+    <p:sldId id="326" r:id="rId29"/>
+    <p:sldId id="327" r:id="rId30"/>
+    <p:sldId id="328" r:id="rId31"/>
+    <p:sldId id="312" r:id="rId32"/>
+    <p:sldId id="315" r:id="rId33"/>
+    <p:sldId id="316" r:id="rId34"/>
+    <p:sldId id="317" r:id="rId35"/>
+    <p:sldId id="329" r:id="rId36"/>
+    <p:sldId id="330" r:id="rId37"/>
+    <p:sldId id="331" r:id="rId38"/>
+    <p:sldId id="338" r:id="rId39"/>
+    <p:sldId id="339" r:id="rId40"/>
+    <p:sldId id="314" r:id="rId41"/>
+    <p:sldId id="332" r:id="rId42"/>
+    <p:sldId id="333" r:id="rId43"/>
+    <p:sldId id="334" r:id="rId44"/>
+    <p:sldId id="335" r:id="rId45"/>
   </p:sldIdLst>
   <p:sldSz cx="12192000" cy="6858000"/>
   <p:notesSz cx="6858000" cy="9144000"/>
   <p:embeddedFontLst>
     <p:embeddedFont>
       <p:font typeface="THE정고딕150" pitchFamily="18" charset="-127"/>
-      <p:regular r:id="rId20"/>
+      <p:regular r:id="rId46"/>
     </p:embeddedFont>
     <p:embeddedFont>
       <p:font typeface="THE정고딕130" pitchFamily="18" charset="-127"/>
-      <p:regular r:id="rId21"/>
+      <p:regular r:id="rId47"/>
     </p:embeddedFont>
   </p:embeddedFontLst>
   <p:defaultTextStyle>
@@ -295,7 +321,7 @@
           <a:p>
             <a:fld id="{2AFE6DCD-4700-455A-AD6D-3C42515F5C57}" type="datetimeFigureOut">
               <a:rPr lang="ko-KR" altLang="en-US" smtClean="0"/>
-              <a:t>2017-12-02</a:t>
+              <a:t>2017-12-03</a:t>
             </a:fld>
             <a:endParaRPr lang="ko-KR" altLang="en-US"/>
           </a:p>
@@ -473,7 +499,7 @@
           <a:p>
             <a:fld id="{2AFE6DCD-4700-455A-AD6D-3C42515F5C57}" type="datetimeFigureOut">
               <a:rPr lang="ko-KR" altLang="en-US" smtClean="0"/>
-              <a:t>2017-12-02</a:t>
+              <a:t>2017-12-03</a:t>
             </a:fld>
             <a:endParaRPr lang="ko-KR" altLang="en-US"/>
           </a:p>
@@ -663,7 +689,7 @@
           <a:p>
             <a:fld id="{2AFE6DCD-4700-455A-AD6D-3C42515F5C57}" type="datetimeFigureOut">
               <a:rPr lang="ko-KR" altLang="en-US" smtClean="0"/>
-              <a:t>2017-12-02</a:t>
+              <a:t>2017-12-03</a:t>
             </a:fld>
             <a:endParaRPr lang="ko-KR" altLang="en-US"/>
           </a:p>
@@ -831,7 +857,7 @@
           <a:p>
             <a:fld id="{2AFE6DCD-4700-455A-AD6D-3C42515F5C57}" type="datetimeFigureOut">
               <a:rPr lang="ko-KR" altLang="en-US" smtClean="0"/>
-              <a:t>2017-12-02</a:t>
+              <a:t>2017-12-03</a:t>
             </a:fld>
             <a:endParaRPr lang="ko-KR" altLang="en-US"/>
           </a:p>
@@ -1076,7 +1102,7 @@
           <a:p>
             <a:fld id="{2AFE6DCD-4700-455A-AD6D-3C42515F5C57}" type="datetimeFigureOut">
               <a:rPr lang="ko-KR" altLang="en-US" smtClean="0"/>
-              <a:t>2017-12-02</a:t>
+              <a:t>2017-12-03</a:t>
             </a:fld>
             <a:endParaRPr lang="ko-KR" altLang="en-US"/>
           </a:p>
@@ -1305,7 +1331,7 @@
           <a:p>
             <a:fld id="{2AFE6DCD-4700-455A-AD6D-3C42515F5C57}" type="datetimeFigureOut">
               <a:rPr lang="ko-KR" altLang="en-US" smtClean="0"/>
-              <a:t>2017-12-02</a:t>
+              <a:t>2017-12-03</a:t>
             </a:fld>
             <a:endParaRPr lang="ko-KR" altLang="en-US"/>
           </a:p>
@@ -1669,7 +1695,7 @@
           <a:p>
             <a:fld id="{2AFE6DCD-4700-455A-AD6D-3C42515F5C57}" type="datetimeFigureOut">
               <a:rPr lang="ko-KR" altLang="en-US" smtClean="0"/>
-              <a:t>2017-12-02</a:t>
+              <a:t>2017-12-03</a:t>
             </a:fld>
             <a:endParaRPr lang="ko-KR" altLang="en-US"/>
           </a:p>
@@ -2160,7 +2186,7 @@
           <a:p>
             <a:fld id="{2AFE6DCD-4700-455A-AD6D-3C42515F5C57}" type="datetimeFigureOut">
               <a:rPr lang="ko-KR" altLang="en-US" smtClean="0"/>
-              <a:t>2017-12-02</a:t>
+              <a:t>2017-12-03</a:t>
             </a:fld>
             <a:endParaRPr lang="ko-KR" altLang="en-US"/>
           </a:p>
@@ -2374,7 +2400,7 @@
             <a:fld id="{2AFE6DCD-4700-455A-AD6D-3C42515F5C57}" type="datetimeFigureOut">
               <a:rPr lang="ko-KR" altLang="en-US" smtClean="0"/>
               <a:pPr/>
-              <a:t>2017-12-02</a:t>
+              <a:t>2017-12-03</a:t>
             </a:fld>
             <a:endParaRPr lang="ko-KR" altLang="en-US"/>
           </a:p>
@@ -3036,14 +3062,6 @@
 <file path=ppt/slides/slide10.xml><?xml version="1.0" encoding="utf-8"?>
 <p:sld xmlns:a="http://schemas.openxmlformats.org/drawingml/2006/main" xmlns:r="http://schemas.openxmlformats.org/officeDocument/2006/relationships" xmlns:p="http://schemas.openxmlformats.org/presentationml/2006/main">
   <p:cSld>
-    <p:bg>
-      <p:bgPr>
-        <a:solidFill>
-          <a:srgbClr val="212121"/>
-        </a:solidFill>
-        <a:effectLst/>
-      </p:bgPr>
-    </p:bg>
     <p:spTree>
       <p:nvGrpSpPr>
         <p:cNvPr id="1" name=""/>
@@ -3058,155 +3076,124 @@
           <a:chExt cx="0" cy="0"/>
         </a:xfrm>
       </p:grpSpPr>
-      <p:grpSp>
-        <p:nvGrpSpPr>
-          <p:cNvPr id="2" name="그룹 1">
+      <p:sp>
+        <p:nvSpPr>
+          <p:cNvPr id="4" name="제목 3"/>
+          <p:cNvSpPr>
+            <a:spLocks noGrp="1"/>
+          </p:cNvSpPr>
+          <p:nvPr>
+            <p:ph type="title"/>
+          </p:nvPr>
+        </p:nvSpPr>
+        <p:spPr>
+          <a:xfrm>
+            <a:off x="250190" y="0"/>
+            <a:ext cx="3373755" cy="650875"/>
+          </a:xfrm>
+        </p:spPr>
+        <p:txBody>
+          <a:bodyPr anchor="ctr">
+            <a:normAutofit/>
+          </a:bodyPr>
+          <a:lstStyle/>
+          <a:p>
+            <a:pPr lvl="0">
+              <a:defRPr/>
+            </a:pPr>
+            <a:r>
+              <a:rPr lang="ko-KR" altLang="en-US" sz="2800" smtClean="0"/>
+              <a:t>클래스 다이어그램</a:t>
+            </a:r>
+            <a:endParaRPr lang="ko-KR" altLang="en-US" sz="2800"/>
+          </a:p>
+        </p:txBody>
+      </p:sp>
+      <p:sp>
+        <p:nvSpPr>
+          <p:cNvPr id="5" name="텍스트 개체 틀 4"/>
+          <p:cNvSpPr>
+            <a:spLocks noGrp="1"/>
+          </p:cNvSpPr>
+          <p:nvPr>
+            <p:ph type="body" sz="half" idx="2"/>
+          </p:nvPr>
+        </p:nvSpPr>
+        <p:spPr>
+          <a:xfrm>
+            <a:off x="3424555" y="0"/>
+            <a:ext cx="3931920" cy="650875"/>
+          </a:xfrm>
+        </p:spPr>
+        <p:txBody>
+          <a:bodyPr anchor="ctr">
+            <a:normAutofit/>
+          </a:bodyPr>
+          <a:lstStyle/>
+          <a:p>
+            <a:pPr lvl="0">
+              <a:defRPr/>
+            </a:pPr>
+            <a:r>
+              <a:rPr lang="en-US" altLang="ko-KR" smtClean="0"/>
+              <a:t>Yoga</a:t>
+            </a:r>
+            <a:endParaRPr lang="ko-KR" altLang="en-US"/>
+          </a:p>
+        </p:txBody>
+      </p:sp>
+      <p:pic>
+        <p:nvPicPr>
+          <p:cNvPr id="5122" name="Picture 2" descr="C:\Users\DongKyun\Documents\GitHub\KHFinalProject\보고서\클래스\yoga클래스.jpg"/>
+          <p:cNvPicPr>
+            <a:picLocks noChangeAspect="1" noChangeArrowheads="1"/>
+          </p:cNvPicPr>
+          <p:nvPr/>
+        </p:nvPicPr>
+        <p:blipFill>
+          <a:blip r:embed="rId2">
             <a:extLst>
-              <a:ext uri="{FF2B5EF4-FFF2-40B4-BE49-F238E27FC236}">
-                <a16:creationId xmlns:p14="http://schemas.microsoft.com/office/powerpoint/2010/main" xmlns:a16="http://schemas.microsoft.com/office/drawing/2014/main" xmlns="" id="{C71E5FE6-3E6D-4092-81AA-962DB5284ABF}"/>
+              <a:ext uri="{28A0092B-C50C-407E-A947-70E740481C1C}">
+                <a14:useLocalDpi xmlns:a14="http://schemas.microsoft.com/office/drawing/2010/main" val="0"/>
               </a:ext>
             </a:extLst>
-          </p:cNvPr>
-          <p:cNvGrpSpPr/>
-          <p:nvPr/>
-        </p:nvGrpSpPr>
-        <p:grpSpPr>
-          <a:xfrm>
-            <a:off x="4598353" y="2980372"/>
-            <a:ext cx="3757365" cy="564515"/>
-            <a:chOff x="4598353" y="2980372"/>
-            <a:chExt cx="3757365" cy="564515"/>
-          </a:xfrm>
-        </p:grpSpPr>
-        <p:sp>
-          <p:nvSpPr>
-            <p:cNvPr id="30" name="타원 29"/>
-            <p:cNvSpPr/>
-            <p:nvPr/>
-          </p:nvSpPr>
-          <p:spPr>
-            <a:xfrm>
-              <a:off x="4598353" y="2980372"/>
-              <a:ext cx="564832" cy="564515"/>
-            </a:xfrm>
-            <a:prstGeom prst="ellipse">
-              <a:avLst/>
-            </a:prstGeom>
-            <a:solidFill>
-              <a:schemeClr val="bg1"/>
-            </a:solidFill>
-            <a:ln>
-              <a:noFill/>
-            </a:ln>
-          </p:spPr>
-          <p:style>
-            <a:lnRef idx="2">
-              <a:schemeClr val="accent1">
-                <a:shade val="50000"/>
-              </a:schemeClr>
-            </a:lnRef>
-            <a:fillRef idx="1">
-              <a:schemeClr val="accent1"/>
-            </a:fillRef>
-            <a:effectRef idx="0">
-              <a:schemeClr val="accent1"/>
-            </a:effectRef>
-            <a:fontRef idx="minor">
-              <a:schemeClr val="lt1"/>
-            </a:fontRef>
-          </p:style>
-          <p:txBody>
-            <a:bodyPr rtlCol="0" anchor="ctr"/>
-            <a:lstStyle/>
-            <a:p>
-              <a:pPr algn="ctr"/>
-              <a:r>
-                <a:rPr lang="en-US" altLang="ko-KR" sz="2800" b="1">
-                  <a:solidFill>
-                    <a:schemeClr val="tx1"/>
-                  </a:solidFill>
-                  <a:latin typeface="THE정고딕130" panose="02020603020101020101" pitchFamily="18" charset="-127"/>
-                  <a:ea typeface="THE정고딕130" panose="02020603020101020101" pitchFamily="18" charset="-127"/>
-                </a:rPr>
-                <a:t>2</a:t>
-              </a:r>
-              <a:endParaRPr lang="ko-KR" altLang="en-US" sz="2800" b="1">
+          </a:blip>
+          <a:srcRect/>
+          <a:stretch>
+            <a:fillRect/>
+          </a:stretch>
+        </p:blipFill>
+        <p:spPr bwMode="auto">
+          <a:xfrm>
+            <a:off x="250190" y="1076325"/>
+            <a:ext cx="11791950" cy="5143500"/>
+          </a:xfrm>
+          <a:prstGeom prst="rect">
+            <a:avLst/>
+          </a:prstGeom>
+          <a:noFill/>
+          <a:extLst>
+            <a:ext uri="{909E8E84-426E-40DD-AFC4-6F175D3DCCD1}">
+              <a14:hiddenFill xmlns:a14="http://schemas.microsoft.com/office/drawing/2010/main">
                 <a:solidFill>
-                  <a:schemeClr val="tx1"/>
+                  <a:srgbClr val="FFFFFF"/>
                 </a:solidFill>
-                <a:latin typeface="THE정고딕130" panose="02020603020101020101" pitchFamily="18" charset="-127"/>
-                <a:ea typeface="THE정고딕130" panose="02020603020101020101" pitchFamily="18" charset="-127"/>
-              </a:endParaRPr>
-            </a:p>
-          </p:txBody>
-        </p:sp>
-        <p:sp>
-          <p:nvSpPr>
-            <p:cNvPr id="6" name="TextBox 5">
-              <a:extLst>
-                <a:ext uri="{FF2B5EF4-FFF2-40B4-BE49-F238E27FC236}">
-                  <a16:creationId xmlns:p14="http://schemas.microsoft.com/office/powerpoint/2010/main" xmlns:a16="http://schemas.microsoft.com/office/drawing/2014/main" xmlns="" id="{BCB0E9E3-FAB5-4E31-83EE-08A0FE55BB4A}"/>
-                </a:ext>
-              </a:extLst>
-            </p:cNvPr>
-            <p:cNvSpPr txBox="1"/>
-            <p:nvPr/>
-          </p:nvSpPr>
-          <p:spPr>
-            <a:xfrm>
-              <a:off x="5295265" y="3001010"/>
-              <a:ext cx="3060453" cy="523220"/>
-            </a:xfrm>
-            <a:prstGeom prst="rect">
-              <a:avLst/>
-            </a:prstGeom>
-            <a:noFill/>
-          </p:spPr>
-          <p:txBody>
-            <a:bodyPr wrap="none" rtlCol="0">
-              <a:spAutoFit/>
-            </a:bodyPr>
-            <a:lstStyle/>
-            <a:p>
-              <a:r>
-                <a:rPr lang="ko-KR" altLang="en-US" sz="2800" smtClean="0">
-                  <a:solidFill>
-                    <a:schemeClr val="bg1"/>
-                  </a:solidFill>
-                  <a:latin typeface="+mj-ea"/>
-                  <a:ea typeface="+mj-ea"/>
-                </a:rPr>
-                <a:t>클래스 다이어그램</a:t>
-              </a:r>
-              <a:endParaRPr lang="en-US" altLang="ko-KR" sz="2800">
-                <a:solidFill>
-                  <a:schemeClr val="bg1"/>
-                </a:solidFill>
-                <a:latin typeface="+mj-ea"/>
-                <a:ea typeface="+mj-ea"/>
-              </a:endParaRPr>
-            </a:p>
-          </p:txBody>
-        </p:sp>
-      </p:grpSp>
+              </a14:hiddenFill>
+            </a:ext>
+          </a:extLst>
+        </p:spPr>
+      </p:pic>
     </p:spTree>
     <p:extLst>
       <p:ext uri="{BB962C8B-B14F-4D97-AF65-F5344CB8AC3E}">
-        <p14:creationId xmlns:p14="http://schemas.microsoft.com/office/powerpoint/2010/main" val="693951829"/>
+        <p14:creationId xmlns:p14="http://schemas.microsoft.com/office/powerpoint/2010/main" val="2541774278"/>
       </p:ext>
     </p:extLst>
   </p:cSld>
   <p:clrMapOvr>
     <a:masterClrMapping/>
   </p:clrMapOvr>
-  <mc:AlternateContent xmlns:mc="http://schemas.openxmlformats.org/markup-compatibility/2006" xmlns:p14="http://schemas.microsoft.com/office/powerpoint/2010/main">
-    <mc:Choice Requires="p14">
-      <p:transition spd="slow" p14:dur="2000"/>
-    </mc:Choice>
-    <mc:Fallback xmlns="">
-      <p:transition spd="slow"/>
-    </mc:Fallback>
-  </mc:AlternateContent>
+  <p:transition/>
   <p:timing>
     <p:tnLst>
       <p:par>
@@ -3294,7 +3281,7 @@
             </a:pPr>
             <a:r>
               <a:rPr lang="en-US" altLang="ko-KR" smtClean="0"/>
-              <a:t>User</a:t>
+              <a:t>Community</a:t>
             </a:r>
             <a:endParaRPr lang="ko-KR" altLang="en-US"/>
           </a:p>
@@ -3302,7 +3289,7 @@
       </p:sp>
       <p:pic>
         <p:nvPicPr>
-          <p:cNvPr id="1026" name="Picture 2" descr="C:\Users\DongKyun\Documents\GitHub\KHFinalProject\보고서\클래스\user클래스.jpg"/>
+          <p:cNvPr id="1026" name="Picture 2" descr="C:\Users\DongKyun\Documents\GitHub\KHFinalProject\보고서\클래스\community클래스.jpg"/>
           <p:cNvPicPr>
             <a:picLocks noChangeAspect="1" noChangeArrowheads="1"/>
           </p:cNvPicPr>
@@ -3323,8 +3310,8 @@
         </p:blipFill>
         <p:spPr bwMode="auto">
           <a:xfrm>
-            <a:off x="733425" y="787400"/>
-            <a:ext cx="10839450" cy="5969000"/>
+            <a:off x="222249" y="809625"/>
+            <a:ext cx="11598276" cy="5679292"/>
           </a:xfrm>
           <a:prstGeom prst="rect">
             <a:avLst/>
@@ -3341,690 +3328,6 @@
           </a:extLst>
         </p:spPr>
       </p:pic>
-    </p:spTree>
-    <p:extLst>
-      <p:ext uri="{BB962C8B-B14F-4D97-AF65-F5344CB8AC3E}">
-        <p14:creationId xmlns:p14="http://schemas.microsoft.com/office/powerpoint/2010/main" val="1953278713"/>
-      </p:ext>
-    </p:extLst>
-  </p:cSld>
-  <p:clrMapOvr>
-    <a:masterClrMapping/>
-  </p:clrMapOvr>
-  <p:transition/>
-  <p:timing>
-    <p:tnLst>
-      <p:par>
-        <p:cTn id="1" dur="indefinite" restart="never" nodeType="tmRoot"/>
-      </p:par>
-    </p:tnLst>
-  </p:timing>
-</p:sld>
-</file>
-
-<file path=ppt/slides/slide12.xml><?xml version="1.0" encoding="utf-8"?>
-<p:sld xmlns:a="http://schemas.openxmlformats.org/drawingml/2006/main" xmlns:r="http://schemas.openxmlformats.org/officeDocument/2006/relationships" xmlns:p="http://schemas.openxmlformats.org/presentationml/2006/main">
-  <p:cSld>
-    <p:spTree>
-      <p:nvGrpSpPr>
-        <p:cNvPr id="1" name=""/>
-        <p:cNvGrpSpPr/>
-        <p:nvPr/>
-      </p:nvGrpSpPr>
-      <p:grpSpPr>
-        <a:xfrm>
-          <a:off x="0" y="0"/>
-          <a:ext cx="0" cy="0"/>
-          <a:chOff x="0" y="0"/>
-          <a:chExt cx="0" cy="0"/>
-        </a:xfrm>
-      </p:grpSpPr>
-      <p:sp>
-        <p:nvSpPr>
-          <p:cNvPr id="4" name="제목 3"/>
-          <p:cNvSpPr>
-            <a:spLocks noGrp="1"/>
-          </p:cNvSpPr>
-          <p:nvPr>
-            <p:ph type="title"/>
-          </p:nvPr>
-        </p:nvSpPr>
-        <p:spPr>
-          <a:xfrm>
-            <a:off x="250190" y="0"/>
-            <a:ext cx="3373755" cy="650875"/>
-          </a:xfrm>
-        </p:spPr>
-        <p:txBody>
-          <a:bodyPr anchor="ctr">
-            <a:normAutofit/>
-          </a:bodyPr>
-          <a:lstStyle/>
-          <a:p>
-            <a:pPr lvl="0">
-              <a:defRPr/>
-            </a:pPr>
-            <a:r>
-              <a:rPr lang="ko-KR" altLang="en-US" sz="2800" smtClean="0"/>
-              <a:t>클래스 다이어그램</a:t>
-            </a:r>
-            <a:endParaRPr lang="ko-KR" altLang="en-US" sz="2800"/>
-          </a:p>
-        </p:txBody>
-      </p:sp>
-      <p:sp>
-        <p:nvSpPr>
-          <p:cNvPr id="5" name="텍스트 개체 틀 4"/>
-          <p:cNvSpPr>
-            <a:spLocks noGrp="1"/>
-          </p:cNvSpPr>
-          <p:nvPr>
-            <p:ph type="body" sz="half" idx="2"/>
-          </p:nvPr>
-        </p:nvSpPr>
-        <p:spPr>
-          <a:xfrm>
-            <a:off x="3424555" y="0"/>
-            <a:ext cx="3931920" cy="650875"/>
-          </a:xfrm>
-        </p:spPr>
-        <p:txBody>
-          <a:bodyPr anchor="ctr">
-            <a:normAutofit/>
-          </a:bodyPr>
-          <a:lstStyle/>
-          <a:p>
-            <a:pPr lvl="0">
-              <a:defRPr/>
-            </a:pPr>
-            <a:r>
-              <a:rPr lang="en-US" altLang="ko-KR" smtClean="0"/>
-              <a:t>Admin</a:t>
-            </a:r>
-            <a:endParaRPr lang="ko-KR" altLang="en-US"/>
-          </a:p>
-        </p:txBody>
-      </p:sp>
-      <p:pic>
-        <p:nvPicPr>
-          <p:cNvPr id="2050" name="Picture 2" descr="C:\Users\DongKyun\Documents\GitHub\KHFinalProject\보고서\클래스\admin클래스.jpg"/>
-          <p:cNvPicPr>
-            <a:picLocks noChangeAspect="1" noChangeArrowheads="1"/>
-          </p:cNvPicPr>
-          <p:nvPr/>
-        </p:nvPicPr>
-        <p:blipFill>
-          <a:blip r:embed="rId2">
-            <a:extLst>
-              <a:ext uri="{28A0092B-C50C-407E-A947-70E740481C1C}">
-                <a14:useLocalDpi xmlns:a14="http://schemas.microsoft.com/office/drawing/2010/main" val="0"/>
-              </a:ext>
-            </a:extLst>
-          </a:blip>
-          <a:srcRect/>
-          <a:stretch>
-            <a:fillRect/>
-          </a:stretch>
-        </p:blipFill>
-        <p:spPr bwMode="auto">
-          <a:xfrm>
-            <a:off x="2057400" y="746124"/>
-            <a:ext cx="7620000" cy="5991225"/>
-          </a:xfrm>
-          <a:prstGeom prst="rect">
-            <a:avLst/>
-          </a:prstGeom>
-          <a:noFill/>
-          <a:extLst>
-            <a:ext uri="{909E8E84-426E-40DD-AFC4-6F175D3DCCD1}">
-              <a14:hiddenFill xmlns:a14="http://schemas.microsoft.com/office/drawing/2010/main">
-                <a:solidFill>
-                  <a:srgbClr val="FFFFFF"/>
-                </a:solidFill>
-              </a14:hiddenFill>
-            </a:ext>
-          </a:extLst>
-        </p:spPr>
-      </p:pic>
-    </p:spTree>
-    <p:extLst>
-      <p:ext uri="{BB962C8B-B14F-4D97-AF65-F5344CB8AC3E}">
-        <p14:creationId xmlns:p14="http://schemas.microsoft.com/office/powerpoint/2010/main" val="4112727436"/>
-      </p:ext>
-    </p:extLst>
-  </p:cSld>
-  <p:clrMapOvr>
-    <a:masterClrMapping/>
-  </p:clrMapOvr>
-  <p:transition/>
-  <p:timing>
-    <p:tnLst>
-      <p:par>
-        <p:cTn id="1" dur="indefinite" restart="never" nodeType="tmRoot"/>
-      </p:par>
-    </p:tnLst>
-  </p:timing>
-</p:sld>
-</file>
-
-<file path=ppt/slides/slide13.xml><?xml version="1.0" encoding="utf-8"?>
-<p:sld xmlns:a="http://schemas.openxmlformats.org/drawingml/2006/main" xmlns:r="http://schemas.openxmlformats.org/officeDocument/2006/relationships" xmlns:p="http://schemas.openxmlformats.org/presentationml/2006/main">
-  <p:cSld>
-    <p:spTree>
-      <p:nvGrpSpPr>
-        <p:cNvPr id="1" name=""/>
-        <p:cNvGrpSpPr/>
-        <p:nvPr/>
-      </p:nvGrpSpPr>
-      <p:grpSpPr>
-        <a:xfrm>
-          <a:off x="0" y="0"/>
-          <a:ext cx="0" cy="0"/>
-          <a:chOff x="0" y="0"/>
-          <a:chExt cx="0" cy="0"/>
-        </a:xfrm>
-      </p:grpSpPr>
-      <p:sp>
-        <p:nvSpPr>
-          <p:cNvPr id="4" name="제목 3"/>
-          <p:cNvSpPr>
-            <a:spLocks noGrp="1"/>
-          </p:cNvSpPr>
-          <p:nvPr>
-            <p:ph type="title"/>
-          </p:nvPr>
-        </p:nvSpPr>
-        <p:spPr>
-          <a:xfrm>
-            <a:off x="250190" y="0"/>
-            <a:ext cx="3373755" cy="650875"/>
-          </a:xfrm>
-        </p:spPr>
-        <p:txBody>
-          <a:bodyPr anchor="ctr">
-            <a:normAutofit/>
-          </a:bodyPr>
-          <a:lstStyle/>
-          <a:p>
-            <a:pPr lvl="0">
-              <a:defRPr/>
-            </a:pPr>
-            <a:r>
-              <a:rPr lang="ko-KR" altLang="en-US" sz="2800" smtClean="0"/>
-              <a:t>클래스 다이어그램</a:t>
-            </a:r>
-            <a:endParaRPr lang="ko-KR" altLang="en-US" sz="2800"/>
-          </a:p>
-        </p:txBody>
-      </p:sp>
-      <p:sp>
-        <p:nvSpPr>
-          <p:cNvPr id="5" name="텍스트 개체 틀 4"/>
-          <p:cNvSpPr>
-            <a:spLocks noGrp="1"/>
-          </p:cNvSpPr>
-          <p:nvPr>
-            <p:ph type="body" sz="half" idx="2"/>
-          </p:nvPr>
-        </p:nvSpPr>
-        <p:spPr>
-          <a:xfrm>
-            <a:off x="3424555" y="0"/>
-            <a:ext cx="3931920" cy="650875"/>
-          </a:xfrm>
-        </p:spPr>
-        <p:txBody>
-          <a:bodyPr anchor="ctr">
-            <a:normAutofit/>
-          </a:bodyPr>
-          <a:lstStyle/>
-          <a:p>
-            <a:pPr lvl="0">
-              <a:defRPr/>
-            </a:pPr>
-            <a:r>
-              <a:rPr lang="en-US" altLang="ko-KR" smtClean="0"/>
-              <a:t>Gym</a:t>
-            </a:r>
-            <a:endParaRPr lang="ko-KR" altLang="en-US"/>
-          </a:p>
-        </p:txBody>
-      </p:sp>
-      <p:pic>
-        <p:nvPicPr>
-          <p:cNvPr id="3074" name="Picture 2" descr="C:\Users\DongKyun\Documents\GitHub\KHFinalProject\보고서\클래스\gym클래스.jpg"/>
-          <p:cNvPicPr>
-            <a:picLocks noChangeAspect="1" noChangeArrowheads="1"/>
-          </p:cNvPicPr>
-          <p:nvPr/>
-        </p:nvPicPr>
-        <p:blipFill>
-          <a:blip r:embed="rId2">
-            <a:extLst>
-              <a:ext uri="{28A0092B-C50C-407E-A947-70E740481C1C}">
-                <a14:useLocalDpi xmlns:a14="http://schemas.microsoft.com/office/drawing/2010/main" val="0"/>
-              </a:ext>
-            </a:extLst>
-          </a:blip>
-          <a:srcRect/>
-          <a:stretch>
-            <a:fillRect/>
-          </a:stretch>
-        </p:blipFill>
-        <p:spPr bwMode="auto">
-          <a:xfrm>
-            <a:off x="698500" y="1044575"/>
-            <a:ext cx="10909300" cy="5283200"/>
-          </a:xfrm>
-          <a:prstGeom prst="rect">
-            <a:avLst/>
-          </a:prstGeom>
-          <a:noFill/>
-          <a:extLst>
-            <a:ext uri="{909E8E84-426E-40DD-AFC4-6F175D3DCCD1}">
-              <a14:hiddenFill xmlns:a14="http://schemas.microsoft.com/office/drawing/2010/main">
-                <a:solidFill>
-                  <a:srgbClr val="FFFFFF"/>
-                </a:solidFill>
-              </a14:hiddenFill>
-            </a:ext>
-          </a:extLst>
-        </p:spPr>
-      </p:pic>
-    </p:spTree>
-    <p:extLst>
-      <p:ext uri="{BB962C8B-B14F-4D97-AF65-F5344CB8AC3E}">
-        <p14:creationId xmlns:p14="http://schemas.microsoft.com/office/powerpoint/2010/main" val="2869662868"/>
-      </p:ext>
-    </p:extLst>
-  </p:cSld>
-  <p:clrMapOvr>
-    <a:masterClrMapping/>
-  </p:clrMapOvr>
-  <p:transition/>
-  <p:timing>
-    <p:tnLst>
-      <p:par>
-        <p:cTn id="1" dur="indefinite" restart="never" nodeType="tmRoot"/>
-      </p:par>
-    </p:tnLst>
-  </p:timing>
-</p:sld>
-</file>
-
-<file path=ppt/slides/slide14.xml><?xml version="1.0" encoding="utf-8"?>
-<p:sld xmlns:a="http://schemas.openxmlformats.org/drawingml/2006/main" xmlns:r="http://schemas.openxmlformats.org/officeDocument/2006/relationships" xmlns:p="http://schemas.openxmlformats.org/presentationml/2006/main">
-  <p:cSld>
-    <p:spTree>
-      <p:nvGrpSpPr>
-        <p:cNvPr id="1" name=""/>
-        <p:cNvGrpSpPr/>
-        <p:nvPr/>
-      </p:nvGrpSpPr>
-      <p:grpSpPr>
-        <a:xfrm>
-          <a:off x="0" y="0"/>
-          <a:ext cx="0" cy="0"/>
-          <a:chOff x="0" y="0"/>
-          <a:chExt cx="0" cy="0"/>
-        </a:xfrm>
-      </p:grpSpPr>
-      <p:sp>
-        <p:nvSpPr>
-          <p:cNvPr id="4" name="제목 3"/>
-          <p:cNvSpPr>
-            <a:spLocks noGrp="1"/>
-          </p:cNvSpPr>
-          <p:nvPr>
-            <p:ph type="title"/>
-          </p:nvPr>
-        </p:nvSpPr>
-        <p:spPr>
-          <a:xfrm>
-            <a:off x="250190" y="0"/>
-            <a:ext cx="3373755" cy="650875"/>
-          </a:xfrm>
-        </p:spPr>
-        <p:txBody>
-          <a:bodyPr anchor="ctr">
-            <a:normAutofit/>
-          </a:bodyPr>
-          <a:lstStyle/>
-          <a:p>
-            <a:pPr lvl="0">
-              <a:defRPr/>
-            </a:pPr>
-            <a:r>
-              <a:rPr lang="ko-KR" altLang="en-US" sz="2800" smtClean="0"/>
-              <a:t>클래스 다이어그램</a:t>
-            </a:r>
-            <a:endParaRPr lang="ko-KR" altLang="en-US" sz="2800"/>
-          </a:p>
-        </p:txBody>
-      </p:sp>
-      <p:sp>
-        <p:nvSpPr>
-          <p:cNvPr id="5" name="텍스트 개체 틀 4"/>
-          <p:cNvSpPr>
-            <a:spLocks noGrp="1"/>
-          </p:cNvSpPr>
-          <p:nvPr>
-            <p:ph type="body" sz="half" idx="2"/>
-          </p:nvPr>
-        </p:nvSpPr>
-        <p:spPr>
-          <a:xfrm>
-            <a:off x="3424555" y="0"/>
-            <a:ext cx="3931920" cy="650875"/>
-          </a:xfrm>
-        </p:spPr>
-        <p:txBody>
-          <a:bodyPr anchor="ctr">
-            <a:normAutofit/>
-          </a:bodyPr>
-          <a:lstStyle/>
-          <a:p>
-            <a:pPr lvl="0">
-              <a:defRPr/>
-            </a:pPr>
-            <a:r>
-              <a:rPr lang="en-US" altLang="ko-KR" smtClean="0"/>
-              <a:t>Health</a:t>
-            </a:r>
-            <a:endParaRPr lang="ko-KR" altLang="en-US"/>
-          </a:p>
-        </p:txBody>
-      </p:sp>
-      <p:pic>
-        <p:nvPicPr>
-          <p:cNvPr id="4098" name="Picture 2" descr="C:\Users\DongKyun\Documents\GitHub\KHFinalProject\보고서\클래스\health클래스.jpg"/>
-          <p:cNvPicPr>
-            <a:picLocks noChangeAspect="1" noChangeArrowheads="1"/>
-          </p:cNvPicPr>
-          <p:nvPr/>
-        </p:nvPicPr>
-        <p:blipFill>
-          <a:blip r:embed="rId2">
-            <a:extLst>
-              <a:ext uri="{28A0092B-C50C-407E-A947-70E740481C1C}">
-                <a14:useLocalDpi xmlns:a14="http://schemas.microsoft.com/office/drawing/2010/main" val="0"/>
-              </a:ext>
-            </a:extLst>
-          </a:blip>
-          <a:srcRect/>
-          <a:stretch>
-            <a:fillRect/>
-          </a:stretch>
-        </p:blipFill>
-        <p:spPr bwMode="auto">
-          <a:xfrm>
-            <a:off x="1908175" y="1949450"/>
-            <a:ext cx="8166100" cy="3225800"/>
-          </a:xfrm>
-          <a:prstGeom prst="rect">
-            <a:avLst/>
-          </a:prstGeom>
-          <a:noFill/>
-          <a:extLst>
-            <a:ext uri="{909E8E84-426E-40DD-AFC4-6F175D3DCCD1}">
-              <a14:hiddenFill xmlns:a14="http://schemas.microsoft.com/office/drawing/2010/main">
-                <a:solidFill>
-                  <a:srgbClr val="FFFFFF"/>
-                </a:solidFill>
-              </a14:hiddenFill>
-            </a:ext>
-          </a:extLst>
-        </p:spPr>
-      </p:pic>
-    </p:spTree>
-    <p:extLst>
-      <p:ext uri="{BB962C8B-B14F-4D97-AF65-F5344CB8AC3E}">
-        <p14:creationId xmlns:p14="http://schemas.microsoft.com/office/powerpoint/2010/main" val="28708698"/>
-      </p:ext>
-    </p:extLst>
-  </p:cSld>
-  <p:clrMapOvr>
-    <a:masterClrMapping/>
-  </p:clrMapOvr>
-  <p:transition/>
-  <p:timing>
-    <p:tnLst>
-      <p:par>
-        <p:cTn id="1" dur="indefinite" restart="never" nodeType="tmRoot"/>
-      </p:par>
-    </p:tnLst>
-  </p:timing>
-</p:sld>
-</file>
-
-<file path=ppt/slides/slide15.xml><?xml version="1.0" encoding="utf-8"?>
-<p:sld xmlns:a="http://schemas.openxmlformats.org/drawingml/2006/main" xmlns:r="http://schemas.openxmlformats.org/officeDocument/2006/relationships" xmlns:p="http://schemas.openxmlformats.org/presentationml/2006/main">
-  <p:cSld>
-    <p:spTree>
-      <p:nvGrpSpPr>
-        <p:cNvPr id="1" name=""/>
-        <p:cNvGrpSpPr/>
-        <p:nvPr/>
-      </p:nvGrpSpPr>
-      <p:grpSpPr>
-        <a:xfrm>
-          <a:off x="0" y="0"/>
-          <a:ext cx="0" cy="0"/>
-          <a:chOff x="0" y="0"/>
-          <a:chExt cx="0" cy="0"/>
-        </a:xfrm>
-      </p:grpSpPr>
-      <p:sp>
-        <p:nvSpPr>
-          <p:cNvPr id="4" name="제목 3"/>
-          <p:cNvSpPr>
-            <a:spLocks noGrp="1"/>
-          </p:cNvSpPr>
-          <p:nvPr>
-            <p:ph type="title"/>
-          </p:nvPr>
-        </p:nvSpPr>
-        <p:spPr>
-          <a:xfrm>
-            <a:off x="250190" y="0"/>
-            <a:ext cx="3373755" cy="650875"/>
-          </a:xfrm>
-        </p:spPr>
-        <p:txBody>
-          <a:bodyPr anchor="ctr">
-            <a:normAutofit/>
-          </a:bodyPr>
-          <a:lstStyle/>
-          <a:p>
-            <a:pPr lvl="0">
-              <a:defRPr/>
-            </a:pPr>
-            <a:r>
-              <a:rPr lang="ko-KR" altLang="en-US" sz="2800" smtClean="0"/>
-              <a:t>클래스 다이어그램</a:t>
-            </a:r>
-            <a:endParaRPr lang="ko-KR" altLang="en-US" sz="2800"/>
-          </a:p>
-        </p:txBody>
-      </p:sp>
-      <p:sp>
-        <p:nvSpPr>
-          <p:cNvPr id="5" name="텍스트 개체 틀 4"/>
-          <p:cNvSpPr>
-            <a:spLocks noGrp="1"/>
-          </p:cNvSpPr>
-          <p:nvPr>
-            <p:ph type="body" sz="half" idx="2"/>
-          </p:nvPr>
-        </p:nvSpPr>
-        <p:spPr>
-          <a:xfrm>
-            <a:off x="3424555" y="0"/>
-            <a:ext cx="3931920" cy="650875"/>
-          </a:xfrm>
-        </p:spPr>
-        <p:txBody>
-          <a:bodyPr anchor="ctr">
-            <a:normAutofit/>
-          </a:bodyPr>
-          <a:lstStyle/>
-          <a:p>
-            <a:pPr lvl="0">
-              <a:defRPr/>
-            </a:pPr>
-            <a:r>
-              <a:rPr lang="en-US" altLang="ko-KR" smtClean="0"/>
-              <a:t>Yoga</a:t>
-            </a:r>
-            <a:endParaRPr lang="ko-KR" altLang="en-US"/>
-          </a:p>
-        </p:txBody>
-      </p:sp>
-      <p:pic>
-        <p:nvPicPr>
-          <p:cNvPr id="5122" name="Picture 2" descr="C:\Users\DongKyun\Documents\GitHub\KHFinalProject\보고서\클래스\yoga클래스.jpg"/>
-          <p:cNvPicPr>
-            <a:picLocks noChangeAspect="1" noChangeArrowheads="1"/>
-          </p:cNvPicPr>
-          <p:nvPr/>
-        </p:nvPicPr>
-        <p:blipFill>
-          <a:blip r:embed="rId2">
-            <a:extLst>
-              <a:ext uri="{28A0092B-C50C-407E-A947-70E740481C1C}">
-                <a14:useLocalDpi xmlns:a14="http://schemas.microsoft.com/office/drawing/2010/main" val="0"/>
-              </a:ext>
-            </a:extLst>
-          </a:blip>
-          <a:srcRect/>
-          <a:stretch>
-            <a:fillRect/>
-          </a:stretch>
-        </p:blipFill>
-        <p:spPr bwMode="auto">
-          <a:xfrm>
-            <a:off x="250190" y="1076325"/>
-            <a:ext cx="11791950" cy="5143500"/>
-          </a:xfrm>
-          <a:prstGeom prst="rect">
-            <a:avLst/>
-          </a:prstGeom>
-          <a:noFill/>
-          <a:extLst>
-            <a:ext uri="{909E8E84-426E-40DD-AFC4-6F175D3DCCD1}">
-              <a14:hiddenFill xmlns:a14="http://schemas.microsoft.com/office/drawing/2010/main">
-                <a:solidFill>
-                  <a:srgbClr val="FFFFFF"/>
-                </a:solidFill>
-              </a14:hiddenFill>
-            </a:ext>
-          </a:extLst>
-        </p:spPr>
-      </p:pic>
-    </p:spTree>
-    <p:extLst>
-      <p:ext uri="{BB962C8B-B14F-4D97-AF65-F5344CB8AC3E}">
-        <p14:creationId xmlns:p14="http://schemas.microsoft.com/office/powerpoint/2010/main" val="2541774278"/>
-      </p:ext>
-    </p:extLst>
-  </p:cSld>
-  <p:clrMapOvr>
-    <a:masterClrMapping/>
-  </p:clrMapOvr>
-  <p:transition/>
-  <p:timing>
-    <p:tnLst>
-      <p:par>
-        <p:cTn id="1" dur="indefinite" restart="never" nodeType="tmRoot"/>
-      </p:par>
-    </p:tnLst>
-  </p:timing>
-</p:sld>
-</file>
-
-<file path=ppt/slides/slide16.xml><?xml version="1.0" encoding="utf-8"?>
-<p:sld xmlns:a="http://schemas.openxmlformats.org/drawingml/2006/main" xmlns:r="http://schemas.openxmlformats.org/officeDocument/2006/relationships" xmlns:p="http://schemas.openxmlformats.org/presentationml/2006/main">
-  <p:cSld>
-    <p:spTree>
-      <p:nvGrpSpPr>
-        <p:cNvPr id="1" name=""/>
-        <p:cNvGrpSpPr/>
-        <p:nvPr/>
-      </p:nvGrpSpPr>
-      <p:grpSpPr>
-        <a:xfrm>
-          <a:off x="0" y="0"/>
-          <a:ext cx="0" cy="0"/>
-          <a:chOff x="0" y="0"/>
-          <a:chExt cx="0" cy="0"/>
-        </a:xfrm>
-      </p:grpSpPr>
-      <p:sp>
-        <p:nvSpPr>
-          <p:cNvPr id="4" name="제목 3"/>
-          <p:cNvSpPr>
-            <a:spLocks noGrp="1"/>
-          </p:cNvSpPr>
-          <p:nvPr>
-            <p:ph type="title"/>
-          </p:nvPr>
-        </p:nvSpPr>
-        <p:spPr>
-          <a:xfrm>
-            <a:off x="250190" y="0"/>
-            <a:ext cx="3373755" cy="650875"/>
-          </a:xfrm>
-        </p:spPr>
-        <p:txBody>
-          <a:bodyPr anchor="ctr">
-            <a:normAutofit/>
-          </a:bodyPr>
-          <a:lstStyle/>
-          <a:p>
-            <a:pPr lvl="0">
-              <a:defRPr/>
-            </a:pPr>
-            <a:r>
-              <a:rPr lang="ko-KR" altLang="en-US" sz="2800" smtClean="0"/>
-              <a:t>클래스 다이어그램</a:t>
-            </a:r>
-            <a:endParaRPr lang="ko-KR" altLang="en-US" sz="2800"/>
-          </a:p>
-        </p:txBody>
-      </p:sp>
-      <p:sp>
-        <p:nvSpPr>
-          <p:cNvPr id="5" name="텍스트 개체 틀 4"/>
-          <p:cNvSpPr>
-            <a:spLocks noGrp="1"/>
-          </p:cNvSpPr>
-          <p:nvPr>
-            <p:ph type="body" sz="half" idx="2"/>
-          </p:nvPr>
-        </p:nvSpPr>
-        <p:spPr>
-          <a:xfrm>
-            <a:off x="3424555" y="0"/>
-            <a:ext cx="3931920" cy="650875"/>
-          </a:xfrm>
-        </p:spPr>
-        <p:txBody>
-          <a:bodyPr anchor="ctr">
-            <a:normAutofit/>
-          </a:bodyPr>
-          <a:lstStyle/>
-          <a:p>
-            <a:pPr lvl="0">
-              <a:defRPr/>
-            </a:pPr>
-            <a:r>
-              <a:rPr lang="en-US" altLang="ko-KR" smtClean="0"/>
-              <a:t>Community</a:t>
-            </a:r>
-            <a:endParaRPr lang="ko-KR" altLang="en-US"/>
-          </a:p>
-        </p:txBody>
-      </p:sp>
     </p:spTree>
     <p:extLst>
       <p:ext uri="{BB962C8B-B14F-4D97-AF65-F5344CB8AC3E}">
@@ -4046,7 +3349,7 @@
 </p:sld>
 </file>
 
-<file path=ppt/slides/slide17.xml><?xml version="1.0" encoding="utf-8"?>
+<file path=ppt/slides/slide12.xml><?xml version="1.0" encoding="utf-8"?>
 <p:sld xmlns:a="http://schemas.openxmlformats.org/drawingml/2006/main" xmlns:r="http://schemas.openxmlformats.org/officeDocument/2006/relationships" xmlns:p="http://schemas.openxmlformats.org/presentationml/2006/main">
   <p:cSld>
     <p:bg>
@@ -4250,6 +3553,800 @@
 </p:sld>
 </file>
 
+<file path=ppt/slides/slide13.xml><?xml version="1.0" encoding="utf-8"?>
+<p:sld xmlns:a="http://schemas.openxmlformats.org/drawingml/2006/main" xmlns:r="http://schemas.openxmlformats.org/officeDocument/2006/relationships" xmlns:p="http://schemas.openxmlformats.org/presentationml/2006/main">
+  <p:cSld>
+    <p:spTree>
+      <p:nvGrpSpPr>
+        <p:cNvPr id="1" name=""/>
+        <p:cNvGrpSpPr/>
+        <p:nvPr/>
+      </p:nvGrpSpPr>
+      <p:grpSpPr>
+        <a:xfrm>
+          <a:off x="0" y="0"/>
+          <a:ext cx="0" cy="0"/>
+          <a:chOff x="0" y="0"/>
+          <a:chExt cx="0" cy="0"/>
+        </a:xfrm>
+      </p:grpSpPr>
+      <p:sp>
+        <p:nvSpPr>
+          <p:cNvPr id="4" name="제목 3"/>
+          <p:cNvSpPr>
+            <a:spLocks noGrp="1"/>
+          </p:cNvSpPr>
+          <p:nvPr>
+            <p:ph type="title"/>
+          </p:nvPr>
+        </p:nvSpPr>
+        <p:spPr>
+          <a:xfrm>
+            <a:off x="250190" y="0"/>
+            <a:ext cx="3373755" cy="650875"/>
+          </a:xfrm>
+        </p:spPr>
+        <p:txBody>
+          <a:bodyPr anchor="ctr">
+            <a:normAutofit/>
+          </a:bodyPr>
+          <a:lstStyle/>
+          <a:p>
+            <a:pPr lvl="0">
+              <a:defRPr/>
+            </a:pPr>
+            <a:r>
+              <a:rPr lang="ko-KR" altLang="en-US" sz="2800" smtClean="0"/>
+              <a:t>시퀀스 다이어그램</a:t>
+            </a:r>
+            <a:endParaRPr lang="ko-KR" altLang="en-US" sz="2800"/>
+          </a:p>
+        </p:txBody>
+      </p:sp>
+      <p:sp>
+        <p:nvSpPr>
+          <p:cNvPr id="6" name="텍스트 개체 틀 4"/>
+          <p:cNvSpPr>
+            <a:spLocks noGrp="1"/>
+          </p:cNvSpPr>
+          <p:nvPr>
+            <p:ph type="body" sz="half" idx="2"/>
+          </p:nvPr>
+        </p:nvSpPr>
+        <p:spPr>
+          <a:xfrm>
+            <a:off x="3424555" y="0"/>
+            <a:ext cx="3931920" cy="650875"/>
+          </a:xfrm>
+        </p:spPr>
+        <p:txBody>
+          <a:bodyPr anchor="ctr">
+            <a:normAutofit/>
+          </a:bodyPr>
+          <a:lstStyle/>
+          <a:p>
+            <a:pPr lvl="0">
+              <a:defRPr/>
+            </a:pPr>
+            <a:r>
+              <a:rPr lang="en-US" altLang="ko-KR" smtClean="0"/>
+              <a:t>User – User Login</a:t>
+            </a:r>
+            <a:endParaRPr lang="ko-KR" altLang="en-US"/>
+          </a:p>
+        </p:txBody>
+      </p:sp>
+      <p:pic>
+        <p:nvPicPr>
+          <p:cNvPr id="6146" name="Picture 2"/>
+          <p:cNvPicPr>
+            <a:picLocks noChangeAspect="1" noChangeArrowheads="1"/>
+          </p:cNvPicPr>
+          <p:nvPr/>
+        </p:nvPicPr>
+        <p:blipFill>
+          <a:blip r:embed="rId2">
+            <a:extLst>
+              <a:ext uri="{28A0092B-C50C-407E-A947-70E740481C1C}">
+                <a14:useLocalDpi xmlns:a14="http://schemas.microsoft.com/office/drawing/2010/main" val="0"/>
+              </a:ext>
+            </a:extLst>
+          </a:blip>
+          <a:srcRect/>
+          <a:stretch>
+            <a:fillRect/>
+          </a:stretch>
+        </p:blipFill>
+        <p:spPr bwMode="auto">
+          <a:xfrm>
+            <a:off x="700087" y="1257298"/>
+            <a:ext cx="10815638" cy="5045117"/>
+          </a:xfrm>
+          <a:prstGeom prst="rect">
+            <a:avLst/>
+          </a:prstGeom>
+          <a:noFill/>
+          <a:ln>
+            <a:noFill/>
+          </a:ln>
+          <a:effectLst/>
+          <a:extLst>
+            <a:ext uri="{909E8E84-426E-40DD-AFC4-6F175D3DCCD1}">
+              <a14:hiddenFill xmlns:a14="http://schemas.microsoft.com/office/drawing/2010/main">
+                <a:solidFill>
+                  <a:schemeClr val="accent1"/>
+                </a:solidFill>
+              </a14:hiddenFill>
+            </a:ext>
+            <a:ext uri="{91240B29-F687-4F45-9708-019B960494DF}">
+              <a14:hiddenLine xmlns:a14="http://schemas.microsoft.com/office/drawing/2010/main" w="9525">
+                <a:solidFill>
+                  <a:schemeClr val="tx1"/>
+                </a:solidFill>
+                <a:miter lim="800000"/>
+                <a:headEnd/>
+                <a:tailEnd/>
+              </a14:hiddenLine>
+            </a:ext>
+            <a:ext uri="{AF507438-7753-43E0-B8FC-AC1667EBCBE1}">
+              <a14:hiddenEffects xmlns:a14="http://schemas.microsoft.com/office/drawing/2010/main">
+                <a:effectLst>
+                  <a:outerShdw dist="35921" dir="2700000" algn="ctr" rotWithShape="0">
+                    <a:schemeClr val="bg2"/>
+                  </a:outerShdw>
+                </a:effectLst>
+              </a14:hiddenEffects>
+            </a:ext>
+          </a:extLst>
+        </p:spPr>
+      </p:pic>
+    </p:spTree>
+    <p:extLst>
+      <p:ext uri="{BB962C8B-B14F-4D97-AF65-F5344CB8AC3E}">
+        <p14:creationId xmlns:p14="http://schemas.microsoft.com/office/powerpoint/2010/main" val="3649887602"/>
+      </p:ext>
+    </p:extLst>
+  </p:cSld>
+  <p:clrMapOvr>
+    <a:masterClrMapping/>
+  </p:clrMapOvr>
+  <p:transition/>
+  <p:timing>
+    <p:tnLst>
+      <p:par>
+        <p:cTn id="1" dur="indefinite" restart="never" nodeType="tmRoot"/>
+      </p:par>
+    </p:tnLst>
+  </p:timing>
+</p:sld>
+</file>
+
+<file path=ppt/slides/slide14.xml><?xml version="1.0" encoding="utf-8"?>
+<p:sld xmlns:a="http://schemas.openxmlformats.org/drawingml/2006/main" xmlns:r="http://schemas.openxmlformats.org/officeDocument/2006/relationships" xmlns:p="http://schemas.openxmlformats.org/presentationml/2006/main">
+  <p:cSld>
+    <p:spTree>
+      <p:nvGrpSpPr>
+        <p:cNvPr id="1" name=""/>
+        <p:cNvGrpSpPr/>
+        <p:nvPr/>
+      </p:nvGrpSpPr>
+      <p:grpSpPr>
+        <a:xfrm>
+          <a:off x="0" y="0"/>
+          <a:ext cx="0" cy="0"/>
+          <a:chOff x="0" y="0"/>
+          <a:chExt cx="0" cy="0"/>
+        </a:xfrm>
+      </p:grpSpPr>
+      <p:sp>
+        <p:nvSpPr>
+          <p:cNvPr id="4" name="제목 3"/>
+          <p:cNvSpPr>
+            <a:spLocks noGrp="1"/>
+          </p:cNvSpPr>
+          <p:nvPr>
+            <p:ph type="title"/>
+          </p:nvPr>
+        </p:nvSpPr>
+        <p:spPr>
+          <a:xfrm>
+            <a:off x="250190" y="0"/>
+            <a:ext cx="3373755" cy="650875"/>
+          </a:xfrm>
+        </p:spPr>
+        <p:txBody>
+          <a:bodyPr anchor="ctr">
+            <a:normAutofit/>
+          </a:bodyPr>
+          <a:lstStyle/>
+          <a:p>
+            <a:pPr lvl="0">
+              <a:defRPr/>
+            </a:pPr>
+            <a:r>
+              <a:rPr lang="ko-KR" altLang="en-US" sz="2800" smtClean="0"/>
+              <a:t>시퀀스 다이어그램</a:t>
+            </a:r>
+            <a:endParaRPr lang="ko-KR" altLang="en-US" sz="2800"/>
+          </a:p>
+        </p:txBody>
+      </p:sp>
+      <p:sp>
+        <p:nvSpPr>
+          <p:cNvPr id="6" name="텍스트 개체 틀 4"/>
+          <p:cNvSpPr>
+            <a:spLocks noGrp="1"/>
+          </p:cNvSpPr>
+          <p:nvPr>
+            <p:ph type="body" sz="half" idx="2"/>
+          </p:nvPr>
+        </p:nvSpPr>
+        <p:spPr>
+          <a:xfrm>
+            <a:off x="3424555" y="0"/>
+            <a:ext cx="3931920" cy="650875"/>
+          </a:xfrm>
+        </p:spPr>
+        <p:txBody>
+          <a:bodyPr anchor="ctr">
+            <a:normAutofit/>
+          </a:bodyPr>
+          <a:lstStyle/>
+          <a:p>
+            <a:pPr lvl="0">
+              <a:defRPr/>
+            </a:pPr>
+            <a:r>
+              <a:rPr lang="en-US" altLang="ko-KR" smtClean="0"/>
+              <a:t>User – User Register</a:t>
+            </a:r>
+            <a:endParaRPr lang="ko-KR" altLang="en-US"/>
+          </a:p>
+        </p:txBody>
+      </p:sp>
+      <p:pic>
+        <p:nvPicPr>
+          <p:cNvPr id="8194" name="Picture 2"/>
+          <p:cNvPicPr>
+            <a:picLocks noChangeAspect="1" noChangeArrowheads="1"/>
+          </p:cNvPicPr>
+          <p:nvPr/>
+        </p:nvPicPr>
+        <p:blipFill>
+          <a:blip r:embed="rId2">
+            <a:extLst>
+              <a:ext uri="{28A0092B-C50C-407E-A947-70E740481C1C}">
+                <a14:useLocalDpi xmlns:a14="http://schemas.microsoft.com/office/drawing/2010/main" val="0"/>
+              </a:ext>
+            </a:extLst>
+          </a:blip>
+          <a:srcRect/>
+          <a:stretch>
+            <a:fillRect/>
+          </a:stretch>
+        </p:blipFill>
+        <p:spPr bwMode="auto">
+          <a:xfrm>
+            <a:off x="566738" y="1090612"/>
+            <a:ext cx="11034712" cy="5148263"/>
+          </a:xfrm>
+          <a:prstGeom prst="rect">
+            <a:avLst/>
+          </a:prstGeom>
+          <a:noFill/>
+          <a:ln>
+            <a:noFill/>
+          </a:ln>
+          <a:effectLst/>
+          <a:extLst>
+            <a:ext uri="{909E8E84-426E-40DD-AFC4-6F175D3DCCD1}">
+              <a14:hiddenFill xmlns:a14="http://schemas.microsoft.com/office/drawing/2010/main">
+                <a:solidFill>
+                  <a:schemeClr val="accent1"/>
+                </a:solidFill>
+              </a14:hiddenFill>
+            </a:ext>
+            <a:ext uri="{91240B29-F687-4F45-9708-019B960494DF}">
+              <a14:hiddenLine xmlns:a14="http://schemas.microsoft.com/office/drawing/2010/main" w="9525">
+                <a:solidFill>
+                  <a:schemeClr val="tx1"/>
+                </a:solidFill>
+                <a:miter lim="800000"/>
+                <a:headEnd/>
+                <a:tailEnd/>
+              </a14:hiddenLine>
+            </a:ext>
+            <a:ext uri="{AF507438-7753-43E0-B8FC-AC1667EBCBE1}">
+              <a14:hiddenEffects xmlns:a14="http://schemas.microsoft.com/office/drawing/2010/main">
+                <a:effectLst>
+                  <a:outerShdw dist="35921" dir="2700000" algn="ctr" rotWithShape="0">
+                    <a:schemeClr val="bg2"/>
+                  </a:outerShdw>
+                </a:effectLst>
+              </a14:hiddenEffects>
+            </a:ext>
+          </a:extLst>
+        </p:spPr>
+      </p:pic>
+    </p:spTree>
+    <p:extLst>
+      <p:ext uri="{BB962C8B-B14F-4D97-AF65-F5344CB8AC3E}">
+        <p14:creationId xmlns:p14="http://schemas.microsoft.com/office/powerpoint/2010/main" val="12100701"/>
+      </p:ext>
+    </p:extLst>
+  </p:cSld>
+  <p:clrMapOvr>
+    <a:masterClrMapping/>
+  </p:clrMapOvr>
+  <p:transition/>
+  <p:timing>
+    <p:tnLst>
+      <p:par>
+        <p:cTn id="1" dur="indefinite" restart="never" nodeType="tmRoot"/>
+      </p:par>
+    </p:tnLst>
+  </p:timing>
+</p:sld>
+</file>
+
+<file path=ppt/slides/slide15.xml><?xml version="1.0" encoding="utf-8"?>
+<p:sld xmlns:a="http://schemas.openxmlformats.org/drawingml/2006/main" xmlns:r="http://schemas.openxmlformats.org/officeDocument/2006/relationships" xmlns:p="http://schemas.openxmlformats.org/presentationml/2006/main">
+  <p:cSld>
+    <p:spTree>
+      <p:nvGrpSpPr>
+        <p:cNvPr id="1" name=""/>
+        <p:cNvGrpSpPr/>
+        <p:nvPr/>
+      </p:nvGrpSpPr>
+      <p:grpSpPr>
+        <a:xfrm>
+          <a:off x="0" y="0"/>
+          <a:ext cx="0" cy="0"/>
+          <a:chOff x="0" y="0"/>
+          <a:chExt cx="0" cy="0"/>
+        </a:xfrm>
+      </p:grpSpPr>
+      <p:sp>
+        <p:nvSpPr>
+          <p:cNvPr id="4" name="제목 3"/>
+          <p:cNvSpPr>
+            <a:spLocks noGrp="1"/>
+          </p:cNvSpPr>
+          <p:nvPr>
+            <p:ph type="title"/>
+          </p:nvPr>
+        </p:nvSpPr>
+        <p:spPr>
+          <a:xfrm>
+            <a:off x="250190" y="0"/>
+            <a:ext cx="3373755" cy="650875"/>
+          </a:xfrm>
+        </p:spPr>
+        <p:txBody>
+          <a:bodyPr anchor="ctr">
+            <a:normAutofit/>
+          </a:bodyPr>
+          <a:lstStyle/>
+          <a:p>
+            <a:pPr lvl="0">
+              <a:defRPr/>
+            </a:pPr>
+            <a:r>
+              <a:rPr lang="ko-KR" altLang="en-US" sz="2800" smtClean="0"/>
+              <a:t>시퀀스 다이어그램</a:t>
+            </a:r>
+            <a:endParaRPr lang="ko-KR" altLang="en-US" sz="2800"/>
+          </a:p>
+        </p:txBody>
+      </p:sp>
+      <p:sp>
+        <p:nvSpPr>
+          <p:cNvPr id="6" name="텍스트 개체 틀 4"/>
+          <p:cNvSpPr>
+            <a:spLocks noGrp="1"/>
+          </p:cNvSpPr>
+          <p:nvPr>
+            <p:ph type="body" sz="half" idx="2"/>
+          </p:nvPr>
+        </p:nvSpPr>
+        <p:spPr>
+          <a:xfrm>
+            <a:off x="3424555" y="0"/>
+            <a:ext cx="3931920" cy="650875"/>
+          </a:xfrm>
+        </p:spPr>
+        <p:txBody>
+          <a:bodyPr anchor="ctr">
+            <a:normAutofit/>
+          </a:bodyPr>
+          <a:lstStyle/>
+          <a:p>
+            <a:pPr lvl="0">
+              <a:defRPr/>
+            </a:pPr>
+            <a:r>
+              <a:rPr lang="en-US" altLang="ko-KR" smtClean="0"/>
+              <a:t>User – find ID or PWD</a:t>
+            </a:r>
+            <a:endParaRPr lang="ko-KR" altLang="en-US"/>
+          </a:p>
+        </p:txBody>
+      </p:sp>
+      <p:pic>
+        <p:nvPicPr>
+          <p:cNvPr id="9218" name="Picture 2"/>
+          <p:cNvPicPr>
+            <a:picLocks noChangeAspect="1" noChangeArrowheads="1"/>
+          </p:cNvPicPr>
+          <p:nvPr/>
+        </p:nvPicPr>
+        <p:blipFill>
+          <a:blip r:embed="rId2">
+            <a:extLst>
+              <a:ext uri="{28A0092B-C50C-407E-A947-70E740481C1C}">
+                <a14:useLocalDpi xmlns:a14="http://schemas.microsoft.com/office/drawing/2010/main" val="0"/>
+              </a:ext>
+            </a:extLst>
+          </a:blip>
+          <a:srcRect/>
+          <a:stretch>
+            <a:fillRect/>
+          </a:stretch>
+        </p:blipFill>
+        <p:spPr bwMode="auto">
+          <a:xfrm>
+            <a:off x="595312" y="1066800"/>
+            <a:ext cx="11001375" cy="5353050"/>
+          </a:xfrm>
+          <a:prstGeom prst="rect">
+            <a:avLst/>
+          </a:prstGeom>
+          <a:noFill/>
+          <a:ln>
+            <a:noFill/>
+          </a:ln>
+          <a:effectLst/>
+          <a:extLst>
+            <a:ext uri="{909E8E84-426E-40DD-AFC4-6F175D3DCCD1}">
+              <a14:hiddenFill xmlns:a14="http://schemas.microsoft.com/office/drawing/2010/main">
+                <a:solidFill>
+                  <a:schemeClr val="accent1"/>
+                </a:solidFill>
+              </a14:hiddenFill>
+            </a:ext>
+            <a:ext uri="{91240B29-F687-4F45-9708-019B960494DF}">
+              <a14:hiddenLine xmlns:a14="http://schemas.microsoft.com/office/drawing/2010/main" w="9525">
+                <a:solidFill>
+                  <a:schemeClr val="tx1"/>
+                </a:solidFill>
+                <a:miter lim="800000"/>
+                <a:headEnd/>
+                <a:tailEnd/>
+              </a14:hiddenLine>
+            </a:ext>
+            <a:ext uri="{AF507438-7753-43E0-B8FC-AC1667EBCBE1}">
+              <a14:hiddenEffects xmlns:a14="http://schemas.microsoft.com/office/drawing/2010/main">
+                <a:effectLst>
+                  <a:outerShdw dist="35921" dir="2700000" algn="ctr" rotWithShape="0">
+                    <a:schemeClr val="bg2"/>
+                  </a:outerShdw>
+                </a:effectLst>
+              </a14:hiddenEffects>
+            </a:ext>
+          </a:extLst>
+        </p:spPr>
+      </p:pic>
+    </p:spTree>
+    <p:extLst>
+      <p:ext uri="{BB962C8B-B14F-4D97-AF65-F5344CB8AC3E}">
+        <p14:creationId xmlns:p14="http://schemas.microsoft.com/office/powerpoint/2010/main" val="248867750"/>
+      </p:ext>
+    </p:extLst>
+  </p:cSld>
+  <p:clrMapOvr>
+    <a:masterClrMapping/>
+  </p:clrMapOvr>
+  <p:transition/>
+  <p:timing>
+    <p:tnLst>
+      <p:par>
+        <p:cTn id="1" dur="indefinite" restart="never" nodeType="tmRoot"/>
+      </p:par>
+    </p:tnLst>
+  </p:timing>
+</p:sld>
+</file>
+
+<file path=ppt/slides/slide16.xml><?xml version="1.0" encoding="utf-8"?>
+<p:sld xmlns:a="http://schemas.openxmlformats.org/drawingml/2006/main" xmlns:r="http://schemas.openxmlformats.org/officeDocument/2006/relationships" xmlns:p="http://schemas.openxmlformats.org/presentationml/2006/main">
+  <p:cSld>
+    <p:spTree>
+      <p:nvGrpSpPr>
+        <p:cNvPr id="1" name=""/>
+        <p:cNvGrpSpPr/>
+        <p:nvPr/>
+      </p:nvGrpSpPr>
+      <p:grpSpPr>
+        <a:xfrm>
+          <a:off x="0" y="0"/>
+          <a:ext cx="0" cy="0"/>
+          <a:chOff x="0" y="0"/>
+          <a:chExt cx="0" cy="0"/>
+        </a:xfrm>
+      </p:grpSpPr>
+      <p:sp>
+        <p:nvSpPr>
+          <p:cNvPr id="4" name="제목 3"/>
+          <p:cNvSpPr>
+            <a:spLocks noGrp="1"/>
+          </p:cNvSpPr>
+          <p:nvPr>
+            <p:ph type="title"/>
+          </p:nvPr>
+        </p:nvSpPr>
+        <p:spPr>
+          <a:xfrm>
+            <a:off x="250190" y="0"/>
+            <a:ext cx="3373755" cy="650875"/>
+          </a:xfrm>
+        </p:spPr>
+        <p:txBody>
+          <a:bodyPr anchor="ctr">
+            <a:normAutofit/>
+          </a:bodyPr>
+          <a:lstStyle/>
+          <a:p>
+            <a:pPr lvl="0">
+              <a:defRPr/>
+            </a:pPr>
+            <a:r>
+              <a:rPr lang="ko-KR" altLang="en-US" sz="2800" smtClean="0"/>
+              <a:t>시퀀스 다이어그램</a:t>
+            </a:r>
+            <a:endParaRPr lang="ko-KR" altLang="en-US" sz="2800"/>
+          </a:p>
+        </p:txBody>
+      </p:sp>
+      <p:sp>
+        <p:nvSpPr>
+          <p:cNvPr id="6" name="텍스트 개체 틀 4"/>
+          <p:cNvSpPr>
+            <a:spLocks noGrp="1"/>
+          </p:cNvSpPr>
+          <p:nvPr>
+            <p:ph type="body" sz="half" idx="2"/>
+          </p:nvPr>
+        </p:nvSpPr>
+        <p:spPr>
+          <a:xfrm>
+            <a:off x="3424555" y="0"/>
+            <a:ext cx="3931920" cy="650875"/>
+          </a:xfrm>
+        </p:spPr>
+        <p:txBody>
+          <a:bodyPr anchor="ctr">
+            <a:normAutofit/>
+          </a:bodyPr>
+          <a:lstStyle/>
+          <a:p>
+            <a:pPr lvl="0">
+              <a:defRPr/>
+            </a:pPr>
+            <a:r>
+              <a:rPr lang="en-US" altLang="ko-KR" smtClean="0"/>
+              <a:t>User – MyPage Main View</a:t>
+            </a:r>
+            <a:endParaRPr lang="ko-KR" altLang="en-US"/>
+          </a:p>
+        </p:txBody>
+      </p:sp>
+      <p:pic>
+        <p:nvPicPr>
+          <p:cNvPr id="7170" name="Picture 2" descr="C:\Users\DongKyun\Documents\GitHub\KHFinalProject\보고서\클래스\시퀀스_지선\MyPage Main View.png"/>
+          <p:cNvPicPr>
+            <a:picLocks noChangeAspect="1" noChangeArrowheads="1"/>
+          </p:cNvPicPr>
+          <p:nvPr/>
+        </p:nvPicPr>
+        <p:blipFill>
+          <a:blip r:embed="rId2">
+            <a:extLst>
+              <a:ext uri="{28A0092B-C50C-407E-A947-70E740481C1C}">
+                <a14:useLocalDpi xmlns:a14="http://schemas.microsoft.com/office/drawing/2010/main" val="0"/>
+              </a:ext>
+            </a:extLst>
+          </a:blip>
+          <a:srcRect/>
+          <a:stretch>
+            <a:fillRect/>
+          </a:stretch>
+        </p:blipFill>
+        <p:spPr bwMode="auto">
+          <a:xfrm>
+            <a:off x="0" y="641350"/>
+            <a:ext cx="12194988" cy="6216650"/>
+          </a:xfrm>
+          <a:prstGeom prst="rect">
+            <a:avLst/>
+          </a:prstGeom>
+          <a:noFill/>
+          <a:extLst>
+            <a:ext uri="{909E8E84-426E-40DD-AFC4-6F175D3DCCD1}">
+              <a14:hiddenFill xmlns:a14="http://schemas.microsoft.com/office/drawing/2010/main">
+                <a:solidFill>
+                  <a:srgbClr val="FFFFFF"/>
+                </a:solidFill>
+              </a14:hiddenFill>
+            </a:ext>
+          </a:extLst>
+        </p:spPr>
+      </p:pic>
+    </p:spTree>
+    <p:extLst>
+      <p:ext uri="{BB962C8B-B14F-4D97-AF65-F5344CB8AC3E}">
+        <p14:creationId xmlns:p14="http://schemas.microsoft.com/office/powerpoint/2010/main" val="2436643994"/>
+      </p:ext>
+    </p:extLst>
+  </p:cSld>
+  <p:clrMapOvr>
+    <a:masterClrMapping/>
+  </p:clrMapOvr>
+  <p:transition/>
+  <p:timing>
+    <p:tnLst>
+      <p:par>
+        <p:cTn id="1" dur="indefinite" restart="never" nodeType="tmRoot"/>
+      </p:par>
+    </p:tnLst>
+  </p:timing>
+</p:sld>
+</file>
+
+<file path=ppt/slides/slide17.xml><?xml version="1.0" encoding="utf-8"?>
+<p:sld xmlns:a="http://schemas.openxmlformats.org/drawingml/2006/main" xmlns:r="http://schemas.openxmlformats.org/officeDocument/2006/relationships" xmlns:p="http://schemas.openxmlformats.org/presentationml/2006/main">
+  <p:cSld>
+    <p:spTree>
+      <p:nvGrpSpPr>
+        <p:cNvPr id="1" name=""/>
+        <p:cNvGrpSpPr/>
+        <p:nvPr/>
+      </p:nvGrpSpPr>
+      <p:grpSpPr>
+        <a:xfrm>
+          <a:off x="0" y="0"/>
+          <a:ext cx="0" cy="0"/>
+          <a:chOff x="0" y="0"/>
+          <a:chExt cx="0" cy="0"/>
+        </a:xfrm>
+      </p:grpSpPr>
+      <p:sp>
+        <p:nvSpPr>
+          <p:cNvPr id="4" name="제목 3"/>
+          <p:cNvSpPr>
+            <a:spLocks noGrp="1"/>
+          </p:cNvSpPr>
+          <p:nvPr>
+            <p:ph type="title"/>
+          </p:nvPr>
+        </p:nvSpPr>
+        <p:spPr>
+          <a:xfrm>
+            <a:off x="250190" y="0"/>
+            <a:ext cx="3373755" cy="650875"/>
+          </a:xfrm>
+        </p:spPr>
+        <p:txBody>
+          <a:bodyPr anchor="ctr">
+            <a:normAutofit/>
+          </a:bodyPr>
+          <a:lstStyle/>
+          <a:p>
+            <a:pPr lvl="0">
+              <a:defRPr/>
+            </a:pPr>
+            <a:r>
+              <a:rPr lang="ko-KR" altLang="en-US" sz="2800" smtClean="0"/>
+              <a:t>시퀀스 다이어그램</a:t>
+            </a:r>
+            <a:endParaRPr lang="ko-KR" altLang="en-US" sz="2800"/>
+          </a:p>
+        </p:txBody>
+      </p:sp>
+      <p:sp>
+        <p:nvSpPr>
+          <p:cNvPr id="6" name="텍스트 개체 틀 4"/>
+          <p:cNvSpPr>
+            <a:spLocks noGrp="1"/>
+          </p:cNvSpPr>
+          <p:nvPr>
+            <p:ph type="body" sz="half" idx="2"/>
+          </p:nvPr>
+        </p:nvSpPr>
+        <p:spPr>
+          <a:xfrm>
+            <a:off x="3424555" y="0"/>
+            <a:ext cx="3931920" cy="650875"/>
+          </a:xfrm>
+        </p:spPr>
+        <p:txBody>
+          <a:bodyPr anchor="ctr">
+            <a:normAutofit/>
+          </a:bodyPr>
+          <a:lstStyle/>
+          <a:p>
+            <a:pPr lvl="0">
+              <a:defRPr/>
+            </a:pPr>
+            <a:r>
+              <a:rPr lang="en-US" altLang="ko-KR" smtClean="0"/>
+              <a:t>User – MyPage Board List</a:t>
+            </a:r>
+            <a:endParaRPr lang="ko-KR" altLang="en-US"/>
+          </a:p>
+        </p:txBody>
+      </p:sp>
+      <p:pic>
+        <p:nvPicPr>
+          <p:cNvPr id="8194" name="Picture 2" descr="C:\Users\DongKyun\Documents\GitHub\KHFinalProject\보고서\클래스\시퀀스_지선\MyPage Board List.png"/>
+          <p:cNvPicPr>
+            <a:picLocks noChangeAspect="1" noChangeArrowheads="1"/>
+          </p:cNvPicPr>
+          <p:nvPr/>
+        </p:nvPicPr>
+        <p:blipFill>
+          <a:blip r:embed="rId2">
+            <a:extLst>
+              <a:ext uri="{28A0092B-C50C-407E-A947-70E740481C1C}">
+                <a14:useLocalDpi xmlns:a14="http://schemas.microsoft.com/office/drawing/2010/main" val="0"/>
+              </a:ext>
+            </a:extLst>
+          </a:blip>
+          <a:srcRect/>
+          <a:stretch>
+            <a:fillRect/>
+          </a:stretch>
+        </p:blipFill>
+        <p:spPr bwMode="auto">
+          <a:xfrm>
+            <a:off x="0" y="650874"/>
+            <a:ext cx="12192000" cy="6207125"/>
+          </a:xfrm>
+          <a:prstGeom prst="rect">
+            <a:avLst/>
+          </a:prstGeom>
+          <a:noFill/>
+          <a:extLst>
+            <a:ext uri="{909E8E84-426E-40DD-AFC4-6F175D3DCCD1}">
+              <a14:hiddenFill xmlns:a14="http://schemas.microsoft.com/office/drawing/2010/main">
+                <a:solidFill>
+                  <a:srgbClr val="FFFFFF"/>
+                </a:solidFill>
+              </a14:hiddenFill>
+            </a:ext>
+          </a:extLst>
+        </p:spPr>
+      </p:pic>
+    </p:spTree>
+    <p:extLst>
+      <p:ext uri="{BB962C8B-B14F-4D97-AF65-F5344CB8AC3E}">
+        <p14:creationId xmlns:p14="http://schemas.microsoft.com/office/powerpoint/2010/main" val="2649322468"/>
+      </p:ext>
+    </p:extLst>
+  </p:cSld>
+  <p:clrMapOvr>
+    <a:masterClrMapping/>
+  </p:clrMapOvr>
+  <p:transition/>
+  <p:timing>
+    <p:tnLst>
+      <p:par>
+        <p:cTn id="1" dur="indefinite" restart="never" nodeType="tmRoot"/>
+      </p:par>
+    </p:tnLst>
+  </p:timing>
+</p:sld>
+</file>
+
 <file path=ppt/slides/slide18.xml><?xml version="1.0" encoding="utf-8"?>
 <p:sld xmlns:a="http://schemas.openxmlformats.org/drawingml/2006/main" xmlns:r="http://schemas.openxmlformats.org/officeDocument/2006/relationships" xmlns:p="http://schemas.openxmlformats.org/presentationml/2006/main">
   <p:cSld>
@@ -4327,16 +4424,202 @@
             </a:pPr>
             <a:r>
               <a:rPr lang="en-US" altLang="ko-KR" smtClean="0"/>
-              <a:t>User</a:t>
+              <a:t>User – QnA Insert</a:t>
             </a:r>
             <a:endParaRPr lang="ko-KR" altLang="en-US"/>
           </a:p>
         </p:txBody>
       </p:sp>
+      <p:pic>
+        <p:nvPicPr>
+          <p:cNvPr id="9218" name="Picture 2" descr="C:\Users\DongKyun\Documents\GitHub\KHFinalProject\보고서\클래스\시퀀스_지선\QnA Insert.png"/>
+          <p:cNvPicPr>
+            <a:picLocks noChangeAspect="1" noChangeArrowheads="1"/>
+          </p:cNvPicPr>
+          <p:nvPr/>
+        </p:nvPicPr>
+        <p:blipFill>
+          <a:blip r:embed="rId2">
+            <a:extLst>
+              <a:ext uri="{28A0092B-C50C-407E-A947-70E740481C1C}">
+                <a14:useLocalDpi xmlns:a14="http://schemas.microsoft.com/office/drawing/2010/main" val="0"/>
+              </a:ext>
+            </a:extLst>
+          </a:blip>
+          <a:srcRect/>
+          <a:stretch>
+            <a:fillRect/>
+          </a:stretch>
+        </p:blipFill>
+        <p:spPr bwMode="auto">
+          <a:xfrm>
+            <a:off x="28892" y="650874"/>
+            <a:ext cx="12163108" cy="6207126"/>
+          </a:xfrm>
+          <a:prstGeom prst="rect">
+            <a:avLst/>
+          </a:prstGeom>
+          <a:noFill/>
+          <a:extLst>
+            <a:ext uri="{909E8E84-426E-40DD-AFC4-6F175D3DCCD1}">
+              <a14:hiddenFill xmlns:a14="http://schemas.microsoft.com/office/drawing/2010/main">
+                <a:solidFill>
+                  <a:srgbClr val="FFFFFF"/>
+                </a:solidFill>
+              </a14:hiddenFill>
+            </a:ext>
+          </a:extLst>
+        </p:spPr>
+      </p:pic>
     </p:spTree>
     <p:extLst>
       <p:ext uri="{BB962C8B-B14F-4D97-AF65-F5344CB8AC3E}">
-        <p14:creationId xmlns:p14="http://schemas.microsoft.com/office/powerpoint/2010/main" val="3649887602"/>
+        <p14:creationId xmlns:p14="http://schemas.microsoft.com/office/powerpoint/2010/main" val="993955059"/>
+      </p:ext>
+    </p:extLst>
+  </p:cSld>
+  <p:clrMapOvr>
+    <a:masterClrMapping/>
+  </p:clrMapOvr>
+  <p:transition/>
+  <p:timing>
+    <p:tnLst>
+      <p:par>
+        <p:cTn id="1" dur="indefinite" restart="never" nodeType="tmRoot"/>
+      </p:par>
+    </p:tnLst>
+  </p:timing>
+</p:sld>
+</file>
+
+<file path=ppt/slides/slide19.xml><?xml version="1.0" encoding="utf-8"?>
+<p:sld xmlns:a="http://schemas.openxmlformats.org/drawingml/2006/main" xmlns:r="http://schemas.openxmlformats.org/officeDocument/2006/relationships" xmlns:p="http://schemas.openxmlformats.org/presentationml/2006/main">
+  <p:cSld>
+    <p:spTree>
+      <p:nvGrpSpPr>
+        <p:cNvPr id="1" name=""/>
+        <p:cNvGrpSpPr/>
+        <p:nvPr/>
+      </p:nvGrpSpPr>
+      <p:grpSpPr>
+        <a:xfrm>
+          <a:off x="0" y="0"/>
+          <a:ext cx="0" cy="0"/>
+          <a:chOff x="0" y="0"/>
+          <a:chExt cx="0" cy="0"/>
+        </a:xfrm>
+      </p:grpSpPr>
+      <p:sp>
+        <p:nvSpPr>
+          <p:cNvPr id="4" name="제목 3"/>
+          <p:cNvSpPr>
+            <a:spLocks noGrp="1"/>
+          </p:cNvSpPr>
+          <p:nvPr>
+            <p:ph type="title"/>
+          </p:nvPr>
+        </p:nvSpPr>
+        <p:spPr>
+          <a:xfrm>
+            <a:off x="250190" y="0"/>
+            <a:ext cx="3373755" cy="650875"/>
+          </a:xfrm>
+        </p:spPr>
+        <p:txBody>
+          <a:bodyPr anchor="ctr">
+            <a:normAutofit/>
+          </a:bodyPr>
+          <a:lstStyle/>
+          <a:p>
+            <a:pPr lvl="0">
+              <a:defRPr/>
+            </a:pPr>
+            <a:r>
+              <a:rPr lang="ko-KR" altLang="en-US" sz="2800" smtClean="0"/>
+              <a:t>시퀀스 다이어그램</a:t>
+            </a:r>
+            <a:endParaRPr lang="ko-KR" altLang="en-US" sz="2800"/>
+          </a:p>
+        </p:txBody>
+      </p:sp>
+      <p:sp>
+        <p:nvSpPr>
+          <p:cNvPr id="6" name="텍스트 개체 틀 4"/>
+          <p:cNvSpPr>
+            <a:spLocks noGrp="1"/>
+          </p:cNvSpPr>
+          <p:nvPr>
+            <p:ph type="body" sz="half" idx="2"/>
+          </p:nvPr>
+        </p:nvSpPr>
+        <p:spPr>
+          <a:xfrm>
+            <a:off x="3424555" y="0"/>
+            <a:ext cx="3931920" cy="650875"/>
+          </a:xfrm>
+        </p:spPr>
+        <p:txBody>
+          <a:bodyPr anchor="ctr">
+            <a:normAutofit/>
+          </a:bodyPr>
+          <a:lstStyle/>
+          <a:p>
+            <a:pPr lvl="0">
+              <a:defRPr/>
+            </a:pPr>
+            <a:r>
+              <a:rPr lang="en-US" altLang="ko-KR" smtClean="0"/>
+              <a:t>User – UserPassword Update</a:t>
+            </a:r>
+            <a:endParaRPr lang="ko-KR" altLang="en-US"/>
+          </a:p>
+        </p:txBody>
+      </p:sp>
+      <p:pic>
+        <p:nvPicPr>
+          <p:cNvPr id="10242" name="Picture 2" descr="C:\Users\DongKyun\Documents\GitHub\KHFinalProject\보고서\클래스\시퀀스_지선\User Password Update.png"/>
+          <p:cNvPicPr>
+            <a:picLocks noChangeAspect="1" noChangeArrowheads="1"/>
+          </p:cNvPicPr>
+          <p:nvPr/>
+        </p:nvPicPr>
+        <p:blipFill>
+          <a:blip r:embed="rId2">
+            <a:extLst>
+              <a:ext uri="{28A0092B-C50C-407E-A947-70E740481C1C}">
+                <a14:useLocalDpi xmlns:a14="http://schemas.microsoft.com/office/drawing/2010/main" val="0"/>
+              </a:ext>
+            </a:extLst>
+          </a:blip>
+          <a:srcRect/>
+          <a:stretch>
+            <a:fillRect/>
+          </a:stretch>
+        </p:blipFill>
+        <p:spPr bwMode="auto">
+          <a:xfrm>
+            <a:off x="0" y="650875"/>
+            <a:ext cx="12192000" cy="6207125"/>
+          </a:xfrm>
+          <a:prstGeom prst="rect">
+            <a:avLst/>
+          </a:prstGeom>
+          <a:noFill/>
+          <a:extLst>
+            <a:ext uri="{909E8E84-426E-40DD-AFC4-6F175D3DCCD1}">
+              <a14:hiddenFill xmlns:a14="http://schemas.microsoft.com/office/drawing/2010/main">
+                <a:solidFill>
+                  <a:srgbClr val="FFFFFF"/>
+                </a:solidFill>
+              </a14:hiddenFill>
+            </a:ext>
+          </a:extLst>
+        </p:spPr>
+      </p:pic>
+    </p:spTree>
+    <p:extLst>
+      <p:ext uri="{BB962C8B-B14F-4D97-AF65-F5344CB8AC3E}">
+        <p14:creationId xmlns:p14="http://schemas.microsoft.com/office/powerpoint/2010/main" val="3539437713"/>
       </p:ext>
     </p:extLst>
   </p:cSld>
@@ -4922,6 +5205,1548 @@
 </p:sld>
 </file>
 
+<file path=ppt/slides/slide20.xml><?xml version="1.0" encoding="utf-8"?>
+<p:sld xmlns:a="http://schemas.openxmlformats.org/drawingml/2006/main" xmlns:r="http://schemas.openxmlformats.org/officeDocument/2006/relationships" xmlns:p="http://schemas.openxmlformats.org/presentationml/2006/main">
+  <p:cSld>
+    <p:spTree>
+      <p:nvGrpSpPr>
+        <p:cNvPr id="1" name=""/>
+        <p:cNvGrpSpPr/>
+        <p:nvPr/>
+      </p:nvGrpSpPr>
+      <p:grpSpPr>
+        <a:xfrm>
+          <a:off x="0" y="0"/>
+          <a:ext cx="0" cy="0"/>
+          <a:chOff x="0" y="0"/>
+          <a:chExt cx="0" cy="0"/>
+        </a:xfrm>
+      </p:grpSpPr>
+      <p:sp>
+        <p:nvSpPr>
+          <p:cNvPr id="4" name="제목 3"/>
+          <p:cNvSpPr>
+            <a:spLocks noGrp="1"/>
+          </p:cNvSpPr>
+          <p:nvPr>
+            <p:ph type="title"/>
+          </p:nvPr>
+        </p:nvSpPr>
+        <p:spPr>
+          <a:xfrm>
+            <a:off x="250190" y="0"/>
+            <a:ext cx="3373755" cy="650875"/>
+          </a:xfrm>
+        </p:spPr>
+        <p:txBody>
+          <a:bodyPr anchor="ctr">
+            <a:normAutofit/>
+          </a:bodyPr>
+          <a:lstStyle/>
+          <a:p>
+            <a:pPr lvl="0">
+              <a:defRPr/>
+            </a:pPr>
+            <a:r>
+              <a:rPr lang="ko-KR" altLang="en-US" sz="2800" smtClean="0"/>
+              <a:t>시퀀스 다이어그램</a:t>
+            </a:r>
+            <a:endParaRPr lang="ko-KR" altLang="en-US" sz="2800"/>
+          </a:p>
+        </p:txBody>
+      </p:sp>
+      <p:sp>
+        <p:nvSpPr>
+          <p:cNvPr id="6" name="텍스트 개체 틀 4"/>
+          <p:cNvSpPr>
+            <a:spLocks noGrp="1"/>
+          </p:cNvSpPr>
+          <p:nvPr>
+            <p:ph type="body" sz="half" idx="2"/>
+          </p:nvPr>
+        </p:nvSpPr>
+        <p:spPr>
+          <a:xfrm>
+            <a:off x="3424555" y="0"/>
+            <a:ext cx="3931920" cy="650875"/>
+          </a:xfrm>
+        </p:spPr>
+        <p:txBody>
+          <a:bodyPr anchor="ctr">
+            <a:normAutofit/>
+          </a:bodyPr>
+          <a:lstStyle/>
+          <a:p>
+            <a:pPr lvl="0">
+              <a:defRPr/>
+            </a:pPr>
+            <a:r>
+              <a:rPr lang="en-US" altLang="ko-KR" smtClean="0"/>
+              <a:t>User - UserDelete</a:t>
+            </a:r>
+            <a:endParaRPr lang="ko-KR" altLang="en-US"/>
+          </a:p>
+        </p:txBody>
+      </p:sp>
+      <p:pic>
+        <p:nvPicPr>
+          <p:cNvPr id="11266" name="Picture 2" descr="C:\Users\DongKyun\Documents\GitHub\KHFinalProject\보고서\클래스\시퀀스_지선\User Delete.png"/>
+          <p:cNvPicPr>
+            <a:picLocks noChangeAspect="1" noChangeArrowheads="1"/>
+          </p:cNvPicPr>
+          <p:nvPr/>
+        </p:nvPicPr>
+        <p:blipFill>
+          <a:blip r:embed="rId2">
+            <a:extLst>
+              <a:ext uri="{28A0092B-C50C-407E-A947-70E740481C1C}">
+                <a14:useLocalDpi xmlns:a14="http://schemas.microsoft.com/office/drawing/2010/main" val="0"/>
+              </a:ext>
+            </a:extLst>
+          </a:blip>
+          <a:srcRect/>
+          <a:stretch>
+            <a:fillRect/>
+          </a:stretch>
+        </p:blipFill>
+        <p:spPr bwMode="auto">
+          <a:xfrm>
+            <a:off x="0" y="650874"/>
+            <a:ext cx="12192000" cy="6207125"/>
+          </a:xfrm>
+          <a:prstGeom prst="rect">
+            <a:avLst/>
+          </a:prstGeom>
+          <a:noFill/>
+          <a:extLst>
+            <a:ext uri="{909E8E84-426E-40DD-AFC4-6F175D3DCCD1}">
+              <a14:hiddenFill xmlns:a14="http://schemas.microsoft.com/office/drawing/2010/main">
+                <a:solidFill>
+                  <a:srgbClr val="FFFFFF"/>
+                </a:solidFill>
+              </a14:hiddenFill>
+            </a:ext>
+          </a:extLst>
+        </p:spPr>
+      </p:pic>
+    </p:spTree>
+    <p:extLst>
+      <p:ext uri="{BB962C8B-B14F-4D97-AF65-F5344CB8AC3E}">
+        <p14:creationId xmlns:p14="http://schemas.microsoft.com/office/powerpoint/2010/main" val="3595958162"/>
+      </p:ext>
+    </p:extLst>
+  </p:cSld>
+  <p:clrMapOvr>
+    <a:masterClrMapping/>
+  </p:clrMapOvr>
+  <p:transition/>
+  <p:timing>
+    <p:tnLst>
+      <p:par>
+        <p:cTn id="1" dur="indefinite" restart="never" nodeType="tmRoot"/>
+      </p:par>
+    </p:tnLst>
+  </p:timing>
+</p:sld>
+</file>
+
+<file path=ppt/slides/slide21.xml><?xml version="1.0" encoding="utf-8"?>
+<p:sld xmlns:a="http://schemas.openxmlformats.org/drawingml/2006/main" xmlns:r="http://schemas.openxmlformats.org/officeDocument/2006/relationships" xmlns:p="http://schemas.openxmlformats.org/presentationml/2006/main">
+  <p:cSld>
+    <p:spTree>
+      <p:nvGrpSpPr>
+        <p:cNvPr id="1" name=""/>
+        <p:cNvGrpSpPr/>
+        <p:nvPr/>
+      </p:nvGrpSpPr>
+      <p:grpSpPr>
+        <a:xfrm>
+          <a:off x="0" y="0"/>
+          <a:ext cx="0" cy="0"/>
+          <a:chOff x="0" y="0"/>
+          <a:chExt cx="0" cy="0"/>
+        </a:xfrm>
+      </p:grpSpPr>
+      <p:sp>
+        <p:nvSpPr>
+          <p:cNvPr id="4" name="제목 3"/>
+          <p:cNvSpPr>
+            <a:spLocks noGrp="1"/>
+          </p:cNvSpPr>
+          <p:nvPr>
+            <p:ph type="title"/>
+          </p:nvPr>
+        </p:nvSpPr>
+        <p:spPr>
+          <a:xfrm>
+            <a:off x="250190" y="0"/>
+            <a:ext cx="3373755" cy="650875"/>
+          </a:xfrm>
+        </p:spPr>
+        <p:txBody>
+          <a:bodyPr anchor="ctr">
+            <a:normAutofit/>
+          </a:bodyPr>
+          <a:lstStyle/>
+          <a:p>
+            <a:pPr lvl="0">
+              <a:defRPr/>
+            </a:pPr>
+            <a:r>
+              <a:rPr lang="ko-KR" altLang="en-US" sz="2800" smtClean="0"/>
+              <a:t>시퀀스 다이어그램</a:t>
+            </a:r>
+            <a:endParaRPr lang="ko-KR" altLang="en-US" sz="2800"/>
+          </a:p>
+        </p:txBody>
+      </p:sp>
+      <p:sp>
+        <p:nvSpPr>
+          <p:cNvPr id="6" name="텍스트 개체 틀 4"/>
+          <p:cNvSpPr>
+            <a:spLocks noGrp="1"/>
+          </p:cNvSpPr>
+          <p:nvPr>
+            <p:ph type="body" sz="half" idx="2"/>
+          </p:nvPr>
+        </p:nvSpPr>
+        <p:spPr>
+          <a:xfrm>
+            <a:off x="3424555" y="0"/>
+            <a:ext cx="3931920" cy="650875"/>
+          </a:xfrm>
+        </p:spPr>
+        <p:txBody>
+          <a:bodyPr anchor="ctr">
+            <a:normAutofit/>
+          </a:bodyPr>
+          <a:lstStyle/>
+          <a:p>
+            <a:pPr lvl="0">
+              <a:defRPr/>
+            </a:pPr>
+            <a:r>
+              <a:rPr lang="en-US" altLang="ko-KR" smtClean="0"/>
+              <a:t>User – User Schedule View</a:t>
+            </a:r>
+            <a:endParaRPr lang="ko-KR" altLang="en-US"/>
+          </a:p>
+        </p:txBody>
+      </p:sp>
+      <p:pic>
+        <p:nvPicPr>
+          <p:cNvPr id="12290" name="Picture 2" descr="C:\Users\DongKyun\Documents\GitHub\KHFinalProject\보고서\클래스\시퀀스_지선\User Schedule View.png"/>
+          <p:cNvPicPr>
+            <a:picLocks noChangeAspect="1" noChangeArrowheads="1"/>
+          </p:cNvPicPr>
+          <p:nvPr/>
+        </p:nvPicPr>
+        <p:blipFill>
+          <a:blip r:embed="rId2">
+            <a:extLst>
+              <a:ext uri="{28A0092B-C50C-407E-A947-70E740481C1C}">
+                <a14:useLocalDpi xmlns:a14="http://schemas.microsoft.com/office/drawing/2010/main" val="0"/>
+              </a:ext>
+            </a:extLst>
+          </a:blip>
+          <a:srcRect/>
+          <a:stretch>
+            <a:fillRect/>
+          </a:stretch>
+        </p:blipFill>
+        <p:spPr bwMode="auto">
+          <a:xfrm>
+            <a:off x="0" y="650874"/>
+            <a:ext cx="12215746" cy="6207126"/>
+          </a:xfrm>
+          <a:prstGeom prst="rect">
+            <a:avLst/>
+          </a:prstGeom>
+          <a:noFill/>
+          <a:extLst>
+            <a:ext uri="{909E8E84-426E-40DD-AFC4-6F175D3DCCD1}">
+              <a14:hiddenFill xmlns:a14="http://schemas.microsoft.com/office/drawing/2010/main">
+                <a:solidFill>
+                  <a:srgbClr val="FFFFFF"/>
+                </a:solidFill>
+              </a14:hiddenFill>
+            </a:ext>
+          </a:extLst>
+        </p:spPr>
+      </p:pic>
+    </p:spTree>
+    <p:extLst>
+      <p:ext uri="{BB962C8B-B14F-4D97-AF65-F5344CB8AC3E}">
+        <p14:creationId xmlns:p14="http://schemas.microsoft.com/office/powerpoint/2010/main" val="991108436"/>
+      </p:ext>
+    </p:extLst>
+  </p:cSld>
+  <p:clrMapOvr>
+    <a:masterClrMapping/>
+  </p:clrMapOvr>
+  <p:transition/>
+  <p:timing>
+    <p:tnLst>
+      <p:par>
+        <p:cTn id="1" dur="indefinite" restart="never" nodeType="tmRoot"/>
+      </p:par>
+    </p:tnLst>
+  </p:timing>
+</p:sld>
+</file>
+
+<file path=ppt/slides/slide22.xml><?xml version="1.0" encoding="utf-8"?>
+<p:sld xmlns:a="http://schemas.openxmlformats.org/drawingml/2006/main" xmlns:r="http://schemas.openxmlformats.org/officeDocument/2006/relationships" xmlns:p="http://schemas.openxmlformats.org/presentationml/2006/main">
+  <p:cSld>
+    <p:spTree>
+      <p:nvGrpSpPr>
+        <p:cNvPr id="1" name=""/>
+        <p:cNvGrpSpPr/>
+        <p:nvPr/>
+      </p:nvGrpSpPr>
+      <p:grpSpPr>
+        <a:xfrm>
+          <a:off x="0" y="0"/>
+          <a:ext cx="0" cy="0"/>
+          <a:chOff x="0" y="0"/>
+          <a:chExt cx="0" cy="0"/>
+        </a:xfrm>
+      </p:grpSpPr>
+      <p:sp>
+        <p:nvSpPr>
+          <p:cNvPr id="4" name="제목 3"/>
+          <p:cNvSpPr>
+            <a:spLocks noGrp="1"/>
+          </p:cNvSpPr>
+          <p:nvPr>
+            <p:ph type="title"/>
+          </p:nvPr>
+        </p:nvSpPr>
+        <p:spPr>
+          <a:xfrm>
+            <a:off x="250190" y="0"/>
+            <a:ext cx="3373755" cy="650875"/>
+          </a:xfrm>
+        </p:spPr>
+        <p:txBody>
+          <a:bodyPr anchor="ctr">
+            <a:normAutofit/>
+          </a:bodyPr>
+          <a:lstStyle/>
+          <a:p>
+            <a:pPr lvl="0">
+              <a:defRPr/>
+            </a:pPr>
+            <a:r>
+              <a:rPr lang="ko-KR" altLang="en-US" sz="2800" smtClean="0"/>
+              <a:t>시퀀스 다이어그램</a:t>
+            </a:r>
+            <a:endParaRPr lang="ko-KR" altLang="en-US" sz="2800"/>
+          </a:p>
+        </p:txBody>
+      </p:sp>
+      <p:sp>
+        <p:nvSpPr>
+          <p:cNvPr id="6" name="텍스트 개체 틀 4"/>
+          <p:cNvSpPr>
+            <a:spLocks noGrp="1"/>
+          </p:cNvSpPr>
+          <p:nvPr>
+            <p:ph type="body" sz="half" idx="2"/>
+          </p:nvPr>
+        </p:nvSpPr>
+        <p:spPr>
+          <a:xfrm>
+            <a:off x="3424555" y="0"/>
+            <a:ext cx="3931920" cy="650875"/>
+          </a:xfrm>
+        </p:spPr>
+        <p:txBody>
+          <a:bodyPr anchor="ctr">
+            <a:normAutofit/>
+          </a:bodyPr>
+          <a:lstStyle/>
+          <a:p>
+            <a:pPr lvl="0">
+              <a:defRPr/>
+            </a:pPr>
+            <a:r>
+              <a:rPr lang="en-US" altLang="ko-KR" smtClean="0"/>
+              <a:t>User – User Update</a:t>
+            </a:r>
+            <a:endParaRPr lang="ko-KR" altLang="en-US"/>
+          </a:p>
+        </p:txBody>
+      </p:sp>
+      <p:pic>
+        <p:nvPicPr>
+          <p:cNvPr id="13314" name="Picture 2" descr="C:\Users\DongKyun\Documents\GitHub\KHFinalProject\보고서\클래스\시퀀스_지선\User Update.png"/>
+          <p:cNvPicPr>
+            <a:picLocks noChangeAspect="1" noChangeArrowheads="1"/>
+          </p:cNvPicPr>
+          <p:nvPr/>
+        </p:nvPicPr>
+        <p:blipFill>
+          <a:blip r:embed="rId2">
+            <a:extLst>
+              <a:ext uri="{28A0092B-C50C-407E-A947-70E740481C1C}">
+                <a14:useLocalDpi xmlns:a14="http://schemas.microsoft.com/office/drawing/2010/main" val="0"/>
+              </a:ext>
+            </a:extLst>
+          </a:blip>
+          <a:srcRect/>
+          <a:stretch>
+            <a:fillRect/>
+          </a:stretch>
+        </p:blipFill>
+        <p:spPr bwMode="auto">
+          <a:xfrm>
+            <a:off x="0" y="650874"/>
+            <a:ext cx="12192000" cy="6207125"/>
+          </a:xfrm>
+          <a:prstGeom prst="rect">
+            <a:avLst/>
+          </a:prstGeom>
+          <a:noFill/>
+          <a:extLst>
+            <a:ext uri="{909E8E84-426E-40DD-AFC4-6F175D3DCCD1}">
+              <a14:hiddenFill xmlns:a14="http://schemas.microsoft.com/office/drawing/2010/main">
+                <a:solidFill>
+                  <a:srgbClr val="FFFFFF"/>
+                </a:solidFill>
+              </a14:hiddenFill>
+            </a:ext>
+          </a:extLst>
+        </p:spPr>
+      </p:pic>
+    </p:spTree>
+    <p:extLst>
+      <p:ext uri="{BB962C8B-B14F-4D97-AF65-F5344CB8AC3E}">
+        <p14:creationId xmlns:p14="http://schemas.microsoft.com/office/powerpoint/2010/main" val="3089605658"/>
+      </p:ext>
+    </p:extLst>
+  </p:cSld>
+  <p:clrMapOvr>
+    <a:masterClrMapping/>
+  </p:clrMapOvr>
+  <p:transition/>
+  <p:timing>
+    <p:tnLst>
+      <p:par>
+        <p:cTn id="1" dur="indefinite" restart="never" nodeType="tmRoot"/>
+      </p:par>
+    </p:tnLst>
+  </p:timing>
+</p:sld>
+</file>
+
+<file path=ppt/slides/slide23.xml><?xml version="1.0" encoding="utf-8"?>
+<p:sld xmlns:a="http://schemas.openxmlformats.org/drawingml/2006/main" xmlns:r="http://schemas.openxmlformats.org/officeDocument/2006/relationships" xmlns:p="http://schemas.openxmlformats.org/presentationml/2006/main">
+  <p:cSld>
+    <p:spTree>
+      <p:nvGrpSpPr>
+        <p:cNvPr id="1" name=""/>
+        <p:cNvGrpSpPr/>
+        <p:nvPr/>
+      </p:nvGrpSpPr>
+      <p:grpSpPr>
+        <a:xfrm>
+          <a:off x="0" y="0"/>
+          <a:ext cx="0" cy="0"/>
+          <a:chOff x="0" y="0"/>
+          <a:chExt cx="0" cy="0"/>
+        </a:xfrm>
+      </p:grpSpPr>
+      <p:sp>
+        <p:nvSpPr>
+          <p:cNvPr id="4" name="제목 3"/>
+          <p:cNvSpPr>
+            <a:spLocks noGrp="1"/>
+          </p:cNvSpPr>
+          <p:nvPr>
+            <p:ph type="title"/>
+          </p:nvPr>
+        </p:nvSpPr>
+        <p:spPr>
+          <a:xfrm>
+            <a:off x="250190" y="0"/>
+            <a:ext cx="3373755" cy="650875"/>
+          </a:xfrm>
+        </p:spPr>
+        <p:txBody>
+          <a:bodyPr anchor="ctr">
+            <a:normAutofit/>
+          </a:bodyPr>
+          <a:lstStyle/>
+          <a:p>
+            <a:pPr lvl="0">
+              <a:defRPr/>
+            </a:pPr>
+            <a:r>
+              <a:rPr lang="ko-KR" altLang="en-US" sz="2800" smtClean="0"/>
+              <a:t>시퀀스 다이어그램</a:t>
+            </a:r>
+            <a:endParaRPr lang="ko-KR" altLang="en-US" sz="2800"/>
+          </a:p>
+        </p:txBody>
+      </p:sp>
+      <p:sp>
+        <p:nvSpPr>
+          <p:cNvPr id="6" name="텍스트 개체 틀 4"/>
+          <p:cNvSpPr>
+            <a:spLocks noGrp="1"/>
+          </p:cNvSpPr>
+          <p:nvPr>
+            <p:ph type="body" sz="half" idx="2"/>
+          </p:nvPr>
+        </p:nvSpPr>
+        <p:spPr>
+          <a:xfrm>
+            <a:off x="3424555" y="0"/>
+            <a:ext cx="3931920" cy="650875"/>
+          </a:xfrm>
+        </p:spPr>
+        <p:txBody>
+          <a:bodyPr anchor="ctr">
+            <a:normAutofit/>
+          </a:bodyPr>
+          <a:lstStyle/>
+          <a:p>
+            <a:pPr lvl="0">
+              <a:defRPr/>
+            </a:pPr>
+            <a:r>
+              <a:rPr lang="en-US" altLang="ko-KR" smtClean="0"/>
+              <a:t>Gym – RegisterGym</a:t>
+            </a:r>
+            <a:endParaRPr lang="ko-KR" altLang="en-US"/>
+          </a:p>
+        </p:txBody>
+      </p:sp>
+      <p:pic>
+        <p:nvPicPr>
+          <p:cNvPr id="12291" name="Picture 3"/>
+          <p:cNvPicPr>
+            <a:picLocks noChangeAspect="1" noChangeArrowheads="1"/>
+          </p:cNvPicPr>
+          <p:nvPr/>
+        </p:nvPicPr>
+        <p:blipFill>
+          <a:blip r:embed="rId2">
+            <a:extLst>
+              <a:ext uri="{28A0092B-C50C-407E-A947-70E740481C1C}">
+                <a14:useLocalDpi xmlns:a14="http://schemas.microsoft.com/office/drawing/2010/main" val="0"/>
+              </a:ext>
+            </a:extLst>
+          </a:blip>
+          <a:srcRect/>
+          <a:stretch>
+            <a:fillRect/>
+          </a:stretch>
+        </p:blipFill>
+        <p:spPr bwMode="auto">
+          <a:xfrm>
+            <a:off x="561975" y="1042988"/>
+            <a:ext cx="10915650" cy="5495925"/>
+          </a:xfrm>
+          <a:prstGeom prst="rect">
+            <a:avLst/>
+          </a:prstGeom>
+          <a:noFill/>
+          <a:ln>
+            <a:noFill/>
+          </a:ln>
+          <a:effectLst/>
+          <a:extLst>
+            <a:ext uri="{909E8E84-426E-40DD-AFC4-6F175D3DCCD1}">
+              <a14:hiddenFill xmlns:a14="http://schemas.microsoft.com/office/drawing/2010/main">
+                <a:solidFill>
+                  <a:schemeClr val="accent1"/>
+                </a:solidFill>
+              </a14:hiddenFill>
+            </a:ext>
+            <a:ext uri="{91240B29-F687-4F45-9708-019B960494DF}">
+              <a14:hiddenLine xmlns:a14="http://schemas.microsoft.com/office/drawing/2010/main" w="9525">
+                <a:solidFill>
+                  <a:schemeClr val="tx1"/>
+                </a:solidFill>
+                <a:miter lim="800000"/>
+                <a:headEnd/>
+                <a:tailEnd/>
+              </a14:hiddenLine>
+            </a:ext>
+            <a:ext uri="{AF507438-7753-43E0-B8FC-AC1667EBCBE1}">
+              <a14:hiddenEffects xmlns:a14="http://schemas.microsoft.com/office/drawing/2010/main">
+                <a:effectLst>
+                  <a:outerShdw dist="35921" dir="2700000" algn="ctr" rotWithShape="0">
+                    <a:schemeClr val="bg2"/>
+                  </a:outerShdw>
+                </a:effectLst>
+              </a14:hiddenEffects>
+            </a:ext>
+          </a:extLst>
+        </p:spPr>
+      </p:pic>
+    </p:spTree>
+    <p:extLst>
+      <p:ext uri="{BB962C8B-B14F-4D97-AF65-F5344CB8AC3E}">
+        <p14:creationId xmlns:p14="http://schemas.microsoft.com/office/powerpoint/2010/main" val="931727686"/>
+      </p:ext>
+    </p:extLst>
+  </p:cSld>
+  <p:clrMapOvr>
+    <a:masterClrMapping/>
+  </p:clrMapOvr>
+  <p:transition/>
+  <p:timing>
+    <p:tnLst>
+      <p:par>
+        <p:cTn id="1" dur="indefinite" restart="never" nodeType="tmRoot"/>
+      </p:par>
+    </p:tnLst>
+  </p:timing>
+</p:sld>
+</file>
+
+<file path=ppt/slides/slide24.xml><?xml version="1.0" encoding="utf-8"?>
+<p:sld xmlns:a="http://schemas.openxmlformats.org/drawingml/2006/main" xmlns:r="http://schemas.openxmlformats.org/officeDocument/2006/relationships" xmlns:p="http://schemas.openxmlformats.org/presentationml/2006/main">
+  <p:cSld>
+    <p:spTree>
+      <p:nvGrpSpPr>
+        <p:cNvPr id="1" name=""/>
+        <p:cNvGrpSpPr/>
+        <p:nvPr/>
+      </p:nvGrpSpPr>
+      <p:grpSpPr>
+        <a:xfrm>
+          <a:off x="0" y="0"/>
+          <a:ext cx="0" cy="0"/>
+          <a:chOff x="0" y="0"/>
+          <a:chExt cx="0" cy="0"/>
+        </a:xfrm>
+      </p:grpSpPr>
+      <p:sp>
+        <p:nvSpPr>
+          <p:cNvPr id="4" name="제목 3"/>
+          <p:cNvSpPr>
+            <a:spLocks noGrp="1"/>
+          </p:cNvSpPr>
+          <p:nvPr>
+            <p:ph type="title"/>
+          </p:nvPr>
+        </p:nvSpPr>
+        <p:spPr>
+          <a:xfrm>
+            <a:off x="250190" y="0"/>
+            <a:ext cx="3373755" cy="650875"/>
+          </a:xfrm>
+        </p:spPr>
+        <p:txBody>
+          <a:bodyPr anchor="ctr">
+            <a:normAutofit/>
+          </a:bodyPr>
+          <a:lstStyle/>
+          <a:p>
+            <a:pPr lvl="0">
+              <a:defRPr/>
+            </a:pPr>
+            <a:r>
+              <a:rPr lang="ko-KR" altLang="en-US" sz="2800" smtClean="0"/>
+              <a:t>시퀀스 다이어그램</a:t>
+            </a:r>
+            <a:endParaRPr lang="ko-KR" altLang="en-US" sz="2800"/>
+          </a:p>
+        </p:txBody>
+      </p:sp>
+      <p:sp>
+        <p:nvSpPr>
+          <p:cNvPr id="6" name="텍스트 개체 틀 4"/>
+          <p:cNvSpPr>
+            <a:spLocks noGrp="1"/>
+          </p:cNvSpPr>
+          <p:nvPr>
+            <p:ph type="body" sz="half" idx="2"/>
+          </p:nvPr>
+        </p:nvSpPr>
+        <p:spPr>
+          <a:xfrm>
+            <a:off x="3424555" y="0"/>
+            <a:ext cx="3931920" cy="650875"/>
+          </a:xfrm>
+        </p:spPr>
+        <p:txBody>
+          <a:bodyPr anchor="ctr">
+            <a:normAutofit/>
+          </a:bodyPr>
+          <a:lstStyle/>
+          <a:p>
+            <a:pPr lvl="0">
+              <a:defRPr/>
+            </a:pPr>
+            <a:r>
+              <a:rPr lang="en-US" altLang="ko-KR" smtClean="0"/>
+              <a:t>Gym – Update GYM</a:t>
+            </a:r>
+            <a:endParaRPr lang="ko-KR" altLang="en-US"/>
+          </a:p>
+        </p:txBody>
+      </p:sp>
+      <p:pic>
+        <p:nvPicPr>
+          <p:cNvPr id="13315" name="Picture 3"/>
+          <p:cNvPicPr>
+            <a:picLocks noChangeAspect="1" noChangeArrowheads="1"/>
+          </p:cNvPicPr>
+          <p:nvPr/>
+        </p:nvPicPr>
+        <p:blipFill>
+          <a:blip r:embed="rId2">
+            <a:extLst>
+              <a:ext uri="{28A0092B-C50C-407E-A947-70E740481C1C}">
+                <a14:useLocalDpi xmlns:a14="http://schemas.microsoft.com/office/drawing/2010/main" val="0"/>
+              </a:ext>
+            </a:extLst>
+          </a:blip>
+          <a:srcRect/>
+          <a:stretch>
+            <a:fillRect/>
+          </a:stretch>
+        </p:blipFill>
+        <p:spPr bwMode="auto">
+          <a:xfrm>
+            <a:off x="504824" y="1081087"/>
+            <a:ext cx="11153775" cy="5572125"/>
+          </a:xfrm>
+          <a:prstGeom prst="rect">
+            <a:avLst/>
+          </a:prstGeom>
+          <a:noFill/>
+          <a:ln>
+            <a:noFill/>
+          </a:ln>
+          <a:effectLst/>
+          <a:extLst>
+            <a:ext uri="{909E8E84-426E-40DD-AFC4-6F175D3DCCD1}">
+              <a14:hiddenFill xmlns:a14="http://schemas.microsoft.com/office/drawing/2010/main">
+                <a:solidFill>
+                  <a:schemeClr val="accent1"/>
+                </a:solidFill>
+              </a14:hiddenFill>
+            </a:ext>
+            <a:ext uri="{91240B29-F687-4F45-9708-019B960494DF}">
+              <a14:hiddenLine xmlns:a14="http://schemas.microsoft.com/office/drawing/2010/main" w="9525">
+                <a:solidFill>
+                  <a:schemeClr val="tx1"/>
+                </a:solidFill>
+                <a:miter lim="800000"/>
+                <a:headEnd/>
+                <a:tailEnd/>
+              </a14:hiddenLine>
+            </a:ext>
+            <a:ext uri="{AF507438-7753-43E0-B8FC-AC1667EBCBE1}">
+              <a14:hiddenEffects xmlns:a14="http://schemas.microsoft.com/office/drawing/2010/main">
+                <a:effectLst>
+                  <a:outerShdw dist="35921" dir="2700000" algn="ctr" rotWithShape="0">
+                    <a:schemeClr val="bg2"/>
+                  </a:outerShdw>
+                </a:effectLst>
+              </a14:hiddenEffects>
+            </a:ext>
+          </a:extLst>
+        </p:spPr>
+      </p:pic>
+    </p:spTree>
+    <p:extLst>
+      <p:ext uri="{BB962C8B-B14F-4D97-AF65-F5344CB8AC3E}">
+        <p14:creationId xmlns:p14="http://schemas.microsoft.com/office/powerpoint/2010/main" val="4170592864"/>
+      </p:ext>
+    </p:extLst>
+  </p:cSld>
+  <p:clrMapOvr>
+    <a:masterClrMapping/>
+  </p:clrMapOvr>
+  <p:transition/>
+  <p:timing>
+    <p:tnLst>
+      <p:par>
+        <p:cTn id="1" dur="indefinite" restart="never" nodeType="tmRoot"/>
+      </p:par>
+    </p:tnLst>
+  </p:timing>
+</p:sld>
+</file>
+
+<file path=ppt/slides/slide25.xml><?xml version="1.0" encoding="utf-8"?>
+<p:sld xmlns:a="http://schemas.openxmlformats.org/drawingml/2006/main" xmlns:r="http://schemas.openxmlformats.org/officeDocument/2006/relationships" xmlns:p="http://schemas.openxmlformats.org/presentationml/2006/main">
+  <p:cSld>
+    <p:spTree>
+      <p:nvGrpSpPr>
+        <p:cNvPr id="1" name=""/>
+        <p:cNvGrpSpPr/>
+        <p:nvPr/>
+      </p:nvGrpSpPr>
+      <p:grpSpPr>
+        <a:xfrm>
+          <a:off x="0" y="0"/>
+          <a:ext cx="0" cy="0"/>
+          <a:chOff x="0" y="0"/>
+          <a:chExt cx="0" cy="0"/>
+        </a:xfrm>
+      </p:grpSpPr>
+      <p:sp>
+        <p:nvSpPr>
+          <p:cNvPr id="4" name="제목 3"/>
+          <p:cNvSpPr>
+            <a:spLocks noGrp="1"/>
+          </p:cNvSpPr>
+          <p:nvPr>
+            <p:ph type="title"/>
+          </p:nvPr>
+        </p:nvSpPr>
+        <p:spPr>
+          <a:xfrm>
+            <a:off x="250190" y="0"/>
+            <a:ext cx="3373755" cy="650875"/>
+          </a:xfrm>
+        </p:spPr>
+        <p:txBody>
+          <a:bodyPr anchor="ctr">
+            <a:normAutofit/>
+          </a:bodyPr>
+          <a:lstStyle/>
+          <a:p>
+            <a:pPr lvl="0">
+              <a:defRPr/>
+            </a:pPr>
+            <a:r>
+              <a:rPr lang="ko-KR" altLang="en-US" sz="2800" smtClean="0"/>
+              <a:t>시퀀스 다이어그램</a:t>
+            </a:r>
+            <a:endParaRPr lang="ko-KR" altLang="en-US" sz="2800"/>
+          </a:p>
+        </p:txBody>
+      </p:sp>
+      <p:sp>
+        <p:nvSpPr>
+          <p:cNvPr id="6" name="텍스트 개체 틀 4"/>
+          <p:cNvSpPr>
+            <a:spLocks noGrp="1"/>
+          </p:cNvSpPr>
+          <p:nvPr>
+            <p:ph type="body" sz="half" idx="2"/>
+          </p:nvPr>
+        </p:nvSpPr>
+        <p:spPr>
+          <a:xfrm>
+            <a:off x="3424555" y="0"/>
+            <a:ext cx="3931920" cy="650875"/>
+          </a:xfrm>
+        </p:spPr>
+        <p:txBody>
+          <a:bodyPr anchor="ctr">
+            <a:normAutofit/>
+          </a:bodyPr>
+          <a:lstStyle/>
+          <a:p>
+            <a:pPr lvl="0">
+              <a:defRPr/>
+            </a:pPr>
+            <a:r>
+              <a:rPr lang="en-US" altLang="ko-KR" smtClean="0"/>
+              <a:t>Gym – Delete GYM</a:t>
+            </a:r>
+            <a:endParaRPr lang="ko-KR" altLang="en-US"/>
+          </a:p>
+        </p:txBody>
+      </p:sp>
+      <p:pic>
+        <p:nvPicPr>
+          <p:cNvPr id="14339" name="Picture 3"/>
+          <p:cNvPicPr>
+            <a:picLocks noChangeAspect="1" noChangeArrowheads="1"/>
+          </p:cNvPicPr>
+          <p:nvPr/>
+        </p:nvPicPr>
+        <p:blipFill>
+          <a:blip r:embed="rId2">
+            <a:extLst>
+              <a:ext uri="{28A0092B-C50C-407E-A947-70E740481C1C}">
+                <a14:useLocalDpi xmlns:a14="http://schemas.microsoft.com/office/drawing/2010/main" val="0"/>
+              </a:ext>
+            </a:extLst>
+          </a:blip>
+          <a:srcRect/>
+          <a:stretch>
+            <a:fillRect/>
+          </a:stretch>
+        </p:blipFill>
+        <p:spPr bwMode="auto">
+          <a:xfrm>
+            <a:off x="481013" y="985838"/>
+            <a:ext cx="11177587" cy="5648325"/>
+          </a:xfrm>
+          <a:prstGeom prst="rect">
+            <a:avLst/>
+          </a:prstGeom>
+          <a:noFill/>
+          <a:ln>
+            <a:noFill/>
+          </a:ln>
+          <a:effectLst/>
+          <a:extLst>
+            <a:ext uri="{909E8E84-426E-40DD-AFC4-6F175D3DCCD1}">
+              <a14:hiddenFill xmlns:a14="http://schemas.microsoft.com/office/drawing/2010/main">
+                <a:solidFill>
+                  <a:schemeClr val="accent1"/>
+                </a:solidFill>
+              </a14:hiddenFill>
+            </a:ext>
+            <a:ext uri="{91240B29-F687-4F45-9708-019B960494DF}">
+              <a14:hiddenLine xmlns:a14="http://schemas.microsoft.com/office/drawing/2010/main" w="9525">
+                <a:solidFill>
+                  <a:schemeClr val="tx1"/>
+                </a:solidFill>
+                <a:miter lim="800000"/>
+                <a:headEnd/>
+                <a:tailEnd/>
+              </a14:hiddenLine>
+            </a:ext>
+            <a:ext uri="{AF507438-7753-43E0-B8FC-AC1667EBCBE1}">
+              <a14:hiddenEffects xmlns:a14="http://schemas.microsoft.com/office/drawing/2010/main">
+                <a:effectLst>
+                  <a:outerShdw dist="35921" dir="2700000" algn="ctr" rotWithShape="0">
+                    <a:schemeClr val="bg2"/>
+                  </a:outerShdw>
+                </a:effectLst>
+              </a14:hiddenEffects>
+            </a:ext>
+          </a:extLst>
+        </p:spPr>
+      </p:pic>
+    </p:spTree>
+    <p:extLst>
+      <p:ext uri="{BB962C8B-B14F-4D97-AF65-F5344CB8AC3E}">
+        <p14:creationId xmlns:p14="http://schemas.microsoft.com/office/powerpoint/2010/main" val="2635208000"/>
+      </p:ext>
+    </p:extLst>
+  </p:cSld>
+  <p:clrMapOvr>
+    <a:masterClrMapping/>
+  </p:clrMapOvr>
+  <p:transition/>
+  <p:timing>
+    <p:tnLst>
+      <p:par>
+        <p:cTn id="1" dur="indefinite" restart="never" nodeType="tmRoot"/>
+      </p:par>
+    </p:tnLst>
+  </p:timing>
+</p:sld>
+</file>
+
+<file path=ppt/slides/slide26.xml><?xml version="1.0" encoding="utf-8"?>
+<p:sld xmlns:a="http://schemas.openxmlformats.org/drawingml/2006/main" xmlns:r="http://schemas.openxmlformats.org/officeDocument/2006/relationships" xmlns:p="http://schemas.openxmlformats.org/presentationml/2006/main">
+  <p:cSld>
+    <p:spTree>
+      <p:nvGrpSpPr>
+        <p:cNvPr id="1" name=""/>
+        <p:cNvGrpSpPr/>
+        <p:nvPr/>
+      </p:nvGrpSpPr>
+      <p:grpSpPr>
+        <a:xfrm>
+          <a:off x="0" y="0"/>
+          <a:ext cx="0" cy="0"/>
+          <a:chOff x="0" y="0"/>
+          <a:chExt cx="0" cy="0"/>
+        </a:xfrm>
+      </p:grpSpPr>
+      <p:sp>
+        <p:nvSpPr>
+          <p:cNvPr id="4" name="제목 3"/>
+          <p:cNvSpPr>
+            <a:spLocks noGrp="1"/>
+          </p:cNvSpPr>
+          <p:nvPr>
+            <p:ph type="title"/>
+          </p:nvPr>
+        </p:nvSpPr>
+        <p:spPr>
+          <a:xfrm>
+            <a:off x="250190" y="0"/>
+            <a:ext cx="3373755" cy="650875"/>
+          </a:xfrm>
+        </p:spPr>
+        <p:txBody>
+          <a:bodyPr anchor="ctr">
+            <a:normAutofit/>
+          </a:bodyPr>
+          <a:lstStyle/>
+          <a:p>
+            <a:pPr lvl="0">
+              <a:defRPr/>
+            </a:pPr>
+            <a:r>
+              <a:rPr lang="ko-KR" altLang="en-US" sz="2800" smtClean="0"/>
+              <a:t>시퀀스 다이어그램</a:t>
+            </a:r>
+            <a:endParaRPr lang="ko-KR" altLang="en-US" sz="2800"/>
+          </a:p>
+        </p:txBody>
+      </p:sp>
+      <p:sp>
+        <p:nvSpPr>
+          <p:cNvPr id="6" name="텍스트 개체 틀 4"/>
+          <p:cNvSpPr>
+            <a:spLocks noGrp="1"/>
+          </p:cNvSpPr>
+          <p:nvPr>
+            <p:ph type="body" sz="half" idx="2"/>
+          </p:nvPr>
+        </p:nvSpPr>
+        <p:spPr>
+          <a:xfrm>
+            <a:off x="3424555" y="0"/>
+            <a:ext cx="3931920" cy="650875"/>
+          </a:xfrm>
+        </p:spPr>
+        <p:txBody>
+          <a:bodyPr anchor="ctr">
+            <a:normAutofit/>
+          </a:bodyPr>
+          <a:lstStyle/>
+          <a:p>
+            <a:pPr lvl="0">
+              <a:defRPr/>
+            </a:pPr>
+            <a:r>
+              <a:rPr lang="en-US" altLang="ko-KR" smtClean="0"/>
+              <a:t>Gym – DetailView GYM</a:t>
+            </a:r>
+            <a:endParaRPr lang="ko-KR" altLang="en-US"/>
+          </a:p>
+        </p:txBody>
+      </p:sp>
+      <p:pic>
+        <p:nvPicPr>
+          <p:cNvPr id="15362" name="Picture 2"/>
+          <p:cNvPicPr>
+            <a:picLocks noChangeAspect="1" noChangeArrowheads="1"/>
+          </p:cNvPicPr>
+          <p:nvPr/>
+        </p:nvPicPr>
+        <p:blipFill>
+          <a:blip r:embed="rId2">
+            <a:extLst>
+              <a:ext uri="{28A0092B-C50C-407E-A947-70E740481C1C}">
+                <a14:useLocalDpi xmlns:a14="http://schemas.microsoft.com/office/drawing/2010/main" val="0"/>
+              </a:ext>
+            </a:extLst>
+          </a:blip>
+          <a:srcRect/>
+          <a:stretch>
+            <a:fillRect/>
+          </a:stretch>
+        </p:blipFill>
+        <p:spPr bwMode="auto">
+          <a:xfrm>
+            <a:off x="500062" y="895350"/>
+            <a:ext cx="11191875" cy="5791200"/>
+          </a:xfrm>
+          <a:prstGeom prst="rect">
+            <a:avLst/>
+          </a:prstGeom>
+          <a:noFill/>
+          <a:ln>
+            <a:noFill/>
+          </a:ln>
+          <a:effectLst/>
+          <a:extLst>
+            <a:ext uri="{909E8E84-426E-40DD-AFC4-6F175D3DCCD1}">
+              <a14:hiddenFill xmlns:a14="http://schemas.microsoft.com/office/drawing/2010/main">
+                <a:solidFill>
+                  <a:schemeClr val="accent1"/>
+                </a:solidFill>
+              </a14:hiddenFill>
+            </a:ext>
+            <a:ext uri="{91240B29-F687-4F45-9708-019B960494DF}">
+              <a14:hiddenLine xmlns:a14="http://schemas.microsoft.com/office/drawing/2010/main" w="9525">
+                <a:solidFill>
+                  <a:schemeClr val="tx1"/>
+                </a:solidFill>
+                <a:miter lim="800000"/>
+                <a:headEnd/>
+                <a:tailEnd/>
+              </a14:hiddenLine>
+            </a:ext>
+            <a:ext uri="{AF507438-7753-43E0-B8FC-AC1667EBCBE1}">
+              <a14:hiddenEffects xmlns:a14="http://schemas.microsoft.com/office/drawing/2010/main">
+                <a:effectLst>
+                  <a:outerShdw dist="35921" dir="2700000" algn="ctr" rotWithShape="0">
+                    <a:schemeClr val="bg2"/>
+                  </a:outerShdw>
+                </a:effectLst>
+              </a14:hiddenEffects>
+            </a:ext>
+          </a:extLst>
+        </p:spPr>
+      </p:pic>
+    </p:spTree>
+    <p:extLst>
+      <p:ext uri="{BB962C8B-B14F-4D97-AF65-F5344CB8AC3E}">
+        <p14:creationId xmlns:p14="http://schemas.microsoft.com/office/powerpoint/2010/main" val="1262811407"/>
+      </p:ext>
+    </p:extLst>
+  </p:cSld>
+  <p:clrMapOvr>
+    <a:masterClrMapping/>
+  </p:clrMapOvr>
+  <p:transition/>
+  <p:timing>
+    <p:tnLst>
+      <p:par>
+        <p:cTn id="1" dur="indefinite" restart="never" nodeType="tmRoot"/>
+      </p:par>
+    </p:tnLst>
+  </p:timing>
+</p:sld>
+</file>
+
+<file path=ppt/slides/slide27.xml><?xml version="1.0" encoding="utf-8"?>
+<p:sld xmlns:a="http://schemas.openxmlformats.org/drawingml/2006/main" xmlns:r="http://schemas.openxmlformats.org/officeDocument/2006/relationships" xmlns:p="http://schemas.openxmlformats.org/presentationml/2006/main">
+  <p:cSld>
+    <p:spTree>
+      <p:nvGrpSpPr>
+        <p:cNvPr id="1" name=""/>
+        <p:cNvGrpSpPr/>
+        <p:nvPr/>
+      </p:nvGrpSpPr>
+      <p:grpSpPr>
+        <a:xfrm>
+          <a:off x="0" y="0"/>
+          <a:ext cx="0" cy="0"/>
+          <a:chOff x="0" y="0"/>
+          <a:chExt cx="0" cy="0"/>
+        </a:xfrm>
+      </p:grpSpPr>
+      <p:sp>
+        <p:nvSpPr>
+          <p:cNvPr id="4" name="제목 3"/>
+          <p:cNvSpPr>
+            <a:spLocks noGrp="1"/>
+          </p:cNvSpPr>
+          <p:nvPr>
+            <p:ph type="title"/>
+          </p:nvPr>
+        </p:nvSpPr>
+        <p:spPr>
+          <a:xfrm>
+            <a:off x="250190" y="0"/>
+            <a:ext cx="3373755" cy="650875"/>
+          </a:xfrm>
+        </p:spPr>
+        <p:txBody>
+          <a:bodyPr anchor="ctr">
+            <a:normAutofit/>
+          </a:bodyPr>
+          <a:lstStyle/>
+          <a:p>
+            <a:pPr lvl="0">
+              <a:defRPr/>
+            </a:pPr>
+            <a:r>
+              <a:rPr lang="ko-KR" altLang="en-US" sz="2800" smtClean="0"/>
+              <a:t>시퀀스 다이어그램</a:t>
+            </a:r>
+            <a:endParaRPr lang="ko-KR" altLang="en-US" sz="2800"/>
+          </a:p>
+        </p:txBody>
+      </p:sp>
+      <p:sp>
+        <p:nvSpPr>
+          <p:cNvPr id="6" name="텍스트 개체 틀 4"/>
+          <p:cNvSpPr>
+            <a:spLocks noGrp="1"/>
+          </p:cNvSpPr>
+          <p:nvPr>
+            <p:ph type="body" sz="half" idx="2"/>
+          </p:nvPr>
+        </p:nvSpPr>
+        <p:spPr>
+          <a:xfrm>
+            <a:off x="3424555" y="0"/>
+            <a:ext cx="3931920" cy="650875"/>
+          </a:xfrm>
+        </p:spPr>
+        <p:txBody>
+          <a:bodyPr anchor="ctr">
+            <a:normAutofit/>
+          </a:bodyPr>
+          <a:lstStyle/>
+          <a:p>
+            <a:pPr lvl="0">
+              <a:defRPr/>
+            </a:pPr>
+            <a:r>
+              <a:rPr lang="en-US" altLang="ko-KR" smtClean="0"/>
+              <a:t>Gym – GymRiviewList</a:t>
+            </a:r>
+            <a:endParaRPr lang="ko-KR" altLang="en-US"/>
+          </a:p>
+        </p:txBody>
+      </p:sp>
+      <p:pic>
+        <p:nvPicPr>
+          <p:cNvPr id="1026" name="Picture 2" descr="C:\Users\DongKyun\Documents\GitHub\KHFinalProject\보고서\클래스\정세화_시퀀스\GymReivewList.png"/>
+          <p:cNvPicPr>
+            <a:picLocks noChangeAspect="1" noChangeArrowheads="1"/>
+          </p:cNvPicPr>
+          <p:nvPr/>
+        </p:nvPicPr>
+        <p:blipFill>
+          <a:blip r:embed="rId2">
+            <a:extLst>
+              <a:ext uri="{28A0092B-C50C-407E-A947-70E740481C1C}">
+                <a14:useLocalDpi xmlns:a14="http://schemas.microsoft.com/office/drawing/2010/main" val="0"/>
+              </a:ext>
+            </a:extLst>
+          </a:blip>
+          <a:srcRect/>
+          <a:stretch>
+            <a:fillRect/>
+          </a:stretch>
+        </p:blipFill>
+        <p:spPr bwMode="auto">
+          <a:xfrm>
+            <a:off x="250190" y="1547813"/>
+            <a:ext cx="11688344" cy="4110037"/>
+          </a:xfrm>
+          <a:prstGeom prst="rect">
+            <a:avLst/>
+          </a:prstGeom>
+          <a:noFill/>
+          <a:extLst>
+            <a:ext uri="{909E8E84-426E-40DD-AFC4-6F175D3DCCD1}">
+              <a14:hiddenFill xmlns:a14="http://schemas.microsoft.com/office/drawing/2010/main">
+                <a:solidFill>
+                  <a:srgbClr val="FFFFFF"/>
+                </a:solidFill>
+              </a14:hiddenFill>
+            </a:ext>
+          </a:extLst>
+        </p:spPr>
+      </p:pic>
+    </p:spTree>
+    <p:extLst>
+      <p:ext uri="{BB962C8B-B14F-4D97-AF65-F5344CB8AC3E}">
+        <p14:creationId xmlns:p14="http://schemas.microsoft.com/office/powerpoint/2010/main" val="513504131"/>
+      </p:ext>
+    </p:extLst>
+  </p:cSld>
+  <p:clrMapOvr>
+    <a:masterClrMapping/>
+  </p:clrMapOvr>
+  <p:transition/>
+  <p:timing>
+    <p:tnLst>
+      <p:par>
+        <p:cTn id="1" dur="indefinite" restart="never" nodeType="tmRoot"/>
+      </p:par>
+    </p:tnLst>
+  </p:timing>
+</p:sld>
+</file>
+
+<file path=ppt/slides/slide28.xml><?xml version="1.0" encoding="utf-8"?>
+<p:sld xmlns:a="http://schemas.openxmlformats.org/drawingml/2006/main" xmlns:r="http://schemas.openxmlformats.org/officeDocument/2006/relationships" xmlns:p="http://schemas.openxmlformats.org/presentationml/2006/main">
+  <p:cSld>
+    <p:spTree>
+      <p:nvGrpSpPr>
+        <p:cNvPr id="1" name=""/>
+        <p:cNvGrpSpPr/>
+        <p:nvPr/>
+      </p:nvGrpSpPr>
+      <p:grpSpPr>
+        <a:xfrm>
+          <a:off x="0" y="0"/>
+          <a:ext cx="0" cy="0"/>
+          <a:chOff x="0" y="0"/>
+          <a:chExt cx="0" cy="0"/>
+        </a:xfrm>
+      </p:grpSpPr>
+      <p:sp>
+        <p:nvSpPr>
+          <p:cNvPr id="4" name="제목 3"/>
+          <p:cNvSpPr>
+            <a:spLocks noGrp="1"/>
+          </p:cNvSpPr>
+          <p:nvPr>
+            <p:ph type="title"/>
+          </p:nvPr>
+        </p:nvSpPr>
+        <p:spPr>
+          <a:xfrm>
+            <a:off x="250190" y="0"/>
+            <a:ext cx="3373755" cy="650875"/>
+          </a:xfrm>
+        </p:spPr>
+        <p:txBody>
+          <a:bodyPr anchor="ctr">
+            <a:normAutofit/>
+          </a:bodyPr>
+          <a:lstStyle/>
+          <a:p>
+            <a:pPr lvl="0">
+              <a:defRPr/>
+            </a:pPr>
+            <a:r>
+              <a:rPr lang="ko-KR" altLang="en-US" sz="2800" smtClean="0"/>
+              <a:t>시퀀스 다이어그램</a:t>
+            </a:r>
+            <a:endParaRPr lang="ko-KR" altLang="en-US" sz="2800"/>
+          </a:p>
+        </p:txBody>
+      </p:sp>
+      <p:sp>
+        <p:nvSpPr>
+          <p:cNvPr id="6" name="텍스트 개체 틀 4"/>
+          <p:cNvSpPr>
+            <a:spLocks noGrp="1"/>
+          </p:cNvSpPr>
+          <p:nvPr>
+            <p:ph type="body" sz="half" idx="2"/>
+          </p:nvPr>
+        </p:nvSpPr>
+        <p:spPr>
+          <a:xfrm>
+            <a:off x="3424555" y="0"/>
+            <a:ext cx="3931920" cy="650875"/>
+          </a:xfrm>
+        </p:spPr>
+        <p:txBody>
+          <a:bodyPr anchor="ctr">
+            <a:normAutofit/>
+          </a:bodyPr>
+          <a:lstStyle/>
+          <a:p>
+            <a:pPr lvl="0">
+              <a:defRPr/>
+            </a:pPr>
+            <a:r>
+              <a:rPr lang="en-US" altLang="ko-KR" smtClean="0"/>
+              <a:t>Gym – GymReivew EnrollReview</a:t>
+            </a:r>
+            <a:endParaRPr lang="ko-KR" altLang="en-US"/>
+          </a:p>
+        </p:txBody>
+      </p:sp>
+      <p:pic>
+        <p:nvPicPr>
+          <p:cNvPr id="2050" name="Picture 2" descr="C:\Users\DongKyun\Documents\GitHub\KHFinalProject\보고서\클래스\정세화_시퀀스\GymReview EnrollReview.png"/>
+          <p:cNvPicPr>
+            <a:picLocks noChangeAspect="1" noChangeArrowheads="1"/>
+          </p:cNvPicPr>
+          <p:nvPr/>
+        </p:nvPicPr>
+        <p:blipFill>
+          <a:blip r:embed="rId2">
+            <a:extLst>
+              <a:ext uri="{28A0092B-C50C-407E-A947-70E740481C1C}">
+                <a14:useLocalDpi xmlns:a14="http://schemas.microsoft.com/office/drawing/2010/main" val="0"/>
+              </a:ext>
+            </a:extLst>
+          </a:blip>
+          <a:srcRect/>
+          <a:stretch>
+            <a:fillRect/>
+          </a:stretch>
+        </p:blipFill>
+        <p:spPr bwMode="auto">
+          <a:xfrm>
+            <a:off x="438149" y="1700212"/>
+            <a:ext cx="11344275" cy="3989050"/>
+          </a:xfrm>
+          <a:prstGeom prst="rect">
+            <a:avLst/>
+          </a:prstGeom>
+          <a:noFill/>
+          <a:extLst>
+            <a:ext uri="{909E8E84-426E-40DD-AFC4-6F175D3DCCD1}">
+              <a14:hiddenFill xmlns:a14="http://schemas.microsoft.com/office/drawing/2010/main">
+                <a:solidFill>
+                  <a:srgbClr val="FFFFFF"/>
+                </a:solidFill>
+              </a14:hiddenFill>
+            </a:ext>
+          </a:extLst>
+        </p:spPr>
+      </p:pic>
+    </p:spTree>
+    <p:extLst>
+      <p:ext uri="{BB962C8B-B14F-4D97-AF65-F5344CB8AC3E}">
+        <p14:creationId xmlns:p14="http://schemas.microsoft.com/office/powerpoint/2010/main" val="2631757491"/>
+      </p:ext>
+    </p:extLst>
+  </p:cSld>
+  <p:clrMapOvr>
+    <a:masterClrMapping/>
+  </p:clrMapOvr>
+  <p:transition/>
+  <p:timing>
+    <p:tnLst>
+      <p:par>
+        <p:cTn id="1" dur="indefinite" restart="never" nodeType="tmRoot"/>
+      </p:par>
+    </p:tnLst>
+  </p:timing>
+</p:sld>
+</file>
+
+<file path=ppt/slides/slide29.xml><?xml version="1.0" encoding="utf-8"?>
+<p:sld xmlns:a="http://schemas.openxmlformats.org/drawingml/2006/main" xmlns:r="http://schemas.openxmlformats.org/officeDocument/2006/relationships" xmlns:p="http://schemas.openxmlformats.org/presentationml/2006/main">
+  <p:cSld>
+    <p:spTree>
+      <p:nvGrpSpPr>
+        <p:cNvPr id="1" name=""/>
+        <p:cNvGrpSpPr/>
+        <p:nvPr/>
+      </p:nvGrpSpPr>
+      <p:grpSpPr>
+        <a:xfrm>
+          <a:off x="0" y="0"/>
+          <a:ext cx="0" cy="0"/>
+          <a:chOff x="0" y="0"/>
+          <a:chExt cx="0" cy="0"/>
+        </a:xfrm>
+      </p:grpSpPr>
+      <p:sp>
+        <p:nvSpPr>
+          <p:cNvPr id="4" name="제목 3"/>
+          <p:cNvSpPr>
+            <a:spLocks noGrp="1"/>
+          </p:cNvSpPr>
+          <p:nvPr>
+            <p:ph type="title"/>
+          </p:nvPr>
+        </p:nvSpPr>
+        <p:spPr>
+          <a:xfrm>
+            <a:off x="250190" y="0"/>
+            <a:ext cx="3373755" cy="650875"/>
+          </a:xfrm>
+        </p:spPr>
+        <p:txBody>
+          <a:bodyPr anchor="ctr">
+            <a:normAutofit/>
+          </a:bodyPr>
+          <a:lstStyle/>
+          <a:p>
+            <a:pPr lvl="0">
+              <a:defRPr/>
+            </a:pPr>
+            <a:r>
+              <a:rPr lang="ko-KR" altLang="en-US" sz="2800" smtClean="0"/>
+              <a:t>시퀀스 다이어그램</a:t>
+            </a:r>
+            <a:endParaRPr lang="ko-KR" altLang="en-US" sz="2800"/>
+          </a:p>
+        </p:txBody>
+      </p:sp>
+      <p:sp>
+        <p:nvSpPr>
+          <p:cNvPr id="6" name="텍스트 개체 틀 4"/>
+          <p:cNvSpPr>
+            <a:spLocks noGrp="1"/>
+          </p:cNvSpPr>
+          <p:nvPr>
+            <p:ph type="body" sz="half" idx="2"/>
+          </p:nvPr>
+        </p:nvSpPr>
+        <p:spPr>
+          <a:xfrm>
+            <a:off x="3424555" y="0"/>
+            <a:ext cx="3931920" cy="650875"/>
+          </a:xfrm>
+        </p:spPr>
+        <p:txBody>
+          <a:bodyPr anchor="ctr">
+            <a:normAutofit/>
+          </a:bodyPr>
+          <a:lstStyle/>
+          <a:p>
+            <a:pPr lvl="0">
+              <a:defRPr/>
+            </a:pPr>
+            <a:r>
+              <a:rPr lang="en-US" altLang="ko-KR" smtClean="0"/>
+              <a:t>Gym – GymReview UpdateReview</a:t>
+            </a:r>
+            <a:endParaRPr lang="ko-KR" altLang="en-US"/>
+          </a:p>
+        </p:txBody>
+      </p:sp>
+      <p:pic>
+        <p:nvPicPr>
+          <p:cNvPr id="3074" name="Picture 2" descr="C:\Users\DongKyun\Documents\GitHub\KHFinalProject\보고서\클래스\정세화_시퀀스\GymReview updateReview.png"/>
+          <p:cNvPicPr>
+            <a:picLocks noChangeAspect="1" noChangeArrowheads="1"/>
+          </p:cNvPicPr>
+          <p:nvPr/>
+        </p:nvPicPr>
+        <p:blipFill>
+          <a:blip r:embed="rId2">
+            <a:extLst>
+              <a:ext uri="{28A0092B-C50C-407E-A947-70E740481C1C}">
+                <a14:useLocalDpi xmlns:a14="http://schemas.microsoft.com/office/drawing/2010/main" val="0"/>
+              </a:ext>
+            </a:extLst>
+          </a:blip>
+          <a:srcRect/>
+          <a:stretch>
+            <a:fillRect/>
+          </a:stretch>
+        </p:blipFill>
+        <p:spPr bwMode="auto">
+          <a:xfrm>
+            <a:off x="404812" y="1804987"/>
+            <a:ext cx="11383718" cy="3786187"/>
+          </a:xfrm>
+          <a:prstGeom prst="rect">
+            <a:avLst/>
+          </a:prstGeom>
+          <a:noFill/>
+          <a:extLst>
+            <a:ext uri="{909E8E84-426E-40DD-AFC4-6F175D3DCCD1}">
+              <a14:hiddenFill xmlns:a14="http://schemas.microsoft.com/office/drawing/2010/main">
+                <a:solidFill>
+                  <a:srgbClr val="FFFFFF"/>
+                </a:solidFill>
+              </a14:hiddenFill>
+            </a:ext>
+          </a:extLst>
+        </p:spPr>
+      </p:pic>
+    </p:spTree>
+    <p:extLst>
+      <p:ext uri="{BB962C8B-B14F-4D97-AF65-F5344CB8AC3E}">
+        <p14:creationId xmlns:p14="http://schemas.microsoft.com/office/powerpoint/2010/main" val="3581090570"/>
+      </p:ext>
+    </p:extLst>
+  </p:cSld>
+  <p:clrMapOvr>
+    <a:masterClrMapping/>
+  </p:clrMapOvr>
+  <p:transition/>
+  <p:timing>
+    <p:tnLst>
+      <p:par>
+        <p:cTn id="1" dur="indefinite" restart="never" nodeType="tmRoot"/>
+      </p:par>
+    </p:tnLst>
+  </p:timing>
+</p:sld>
+</file>
+
 <file path=ppt/slides/slide3.xml><?xml version="1.0" encoding="utf-8"?>
 <p:sld xmlns:a="http://schemas.openxmlformats.org/drawingml/2006/main" xmlns:r="http://schemas.openxmlformats.org/officeDocument/2006/relationships" xmlns:p="http://schemas.openxmlformats.org/presentationml/2006/main">
   <p:cSld>
@@ -5106,6 +6931,1464 @@
 </p:sld>
 </file>
 
+<file path=ppt/slides/slide30.xml><?xml version="1.0" encoding="utf-8"?>
+<p:sld xmlns:a="http://schemas.openxmlformats.org/drawingml/2006/main" xmlns:r="http://schemas.openxmlformats.org/officeDocument/2006/relationships" xmlns:p="http://schemas.openxmlformats.org/presentationml/2006/main">
+  <p:cSld>
+    <p:spTree>
+      <p:nvGrpSpPr>
+        <p:cNvPr id="1" name=""/>
+        <p:cNvGrpSpPr/>
+        <p:nvPr/>
+      </p:nvGrpSpPr>
+      <p:grpSpPr>
+        <a:xfrm>
+          <a:off x="0" y="0"/>
+          <a:ext cx="0" cy="0"/>
+          <a:chOff x="0" y="0"/>
+          <a:chExt cx="0" cy="0"/>
+        </a:xfrm>
+      </p:grpSpPr>
+      <p:sp>
+        <p:nvSpPr>
+          <p:cNvPr id="4" name="제목 3"/>
+          <p:cNvSpPr>
+            <a:spLocks noGrp="1"/>
+          </p:cNvSpPr>
+          <p:nvPr>
+            <p:ph type="title"/>
+          </p:nvPr>
+        </p:nvSpPr>
+        <p:spPr>
+          <a:xfrm>
+            <a:off x="250190" y="0"/>
+            <a:ext cx="3373755" cy="650875"/>
+          </a:xfrm>
+        </p:spPr>
+        <p:txBody>
+          <a:bodyPr anchor="ctr">
+            <a:normAutofit/>
+          </a:bodyPr>
+          <a:lstStyle/>
+          <a:p>
+            <a:pPr lvl="0">
+              <a:defRPr/>
+            </a:pPr>
+            <a:r>
+              <a:rPr lang="ko-KR" altLang="en-US" sz="2800" smtClean="0"/>
+              <a:t>시퀀스 다이어그램</a:t>
+            </a:r>
+            <a:endParaRPr lang="ko-KR" altLang="en-US" sz="2800"/>
+          </a:p>
+        </p:txBody>
+      </p:sp>
+      <p:sp>
+        <p:nvSpPr>
+          <p:cNvPr id="6" name="텍스트 개체 틀 4"/>
+          <p:cNvSpPr>
+            <a:spLocks noGrp="1"/>
+          </p:cNvSpPr>
+          <p:nvPr>
+            <p:ph type="body" sz="half" idx="2"/>
+          </p:nvPr>
+        </p:nvSpPr>
+        <p:spPr>
+          <a:xfrm>
+            <a:off x="3424555" y="0"/>
+            <a:ext cx="3931920" cy="650875"/>
+          </a:xfrm>
+        </p:spPr>
+        <p:txBody>
+          <a:bodyPr anchor="ctr">
+            <a:normAutofit/>
+          </a:bodyPr>
+          <a:lstStyle/>
+          <a:p>
+            <a:pPr lvl="0">
+              <a:defRPr/>
+            </a:pPr>
+            <a:r>
+              <a:rPr lang="en-US" altLang="ko-KR" smtClean="0"/>
+              <a:t>Gym – GymReview DeleteReview</a:t>
+            </a:r>
+            <a:endParaRPr lang="ko-KR" altLang="en-US"/>
+          </a:p>
+        </p:txBody>
+      </p:sp>
+      <p:pic>
+        <p:nvPicPr>
+          <p:cNvPr id="4098" name="Picture 2" descr="C:\Users\DongKyun\Documents\GitHub\KHFinalProject\보고서\클래스\정세화_시퀀스\GymReview deleteReview.png"/>
+          <p:cNvPicPr>
+            <a:picLocks noChangeAspect="1" noChangeArrowheads="1"/>
+          </p:cNvPicPr>
+          <p:nvPr/>
+        </p:nvPicPr>
+        <p:blipFill>
+          <a:blip r:embed="rId2">
+            <a:extLst>
+              <a:ext uri="{28A0092B-C50C-407E-A947-70E740481C1C}">
+                <a14:useLocalDpi xmlns:a14="http://schemas.microsoft.com/office/drawing/2010/main" val="0"/>
+              </a:ext>
+            </a:extLst>
+          </a:blip>
+          <a:srcRect/>
+          <a:stretch>
+            <a:fillRect/>
+          </a:stretch>
+        </p:blipFill>
+        <p:spPr bwMode="auto">
+          <a:xfrm>
+            <a:off x="250189" y="1804988"/>
+            <a:ext cx="11530691" cy="3890962"/>
+          </a:xfrm>
+          <a:prstGeom prst="rect">
+            <a:avLst/>
+          </a:prstGeom>
+          <a:noFill/>
+          <a:extLst>
+            <a:ext uri="{909E8E84-426E-40DD-AFC4-6F175D3DCCD1}">
+              <a14:hiddenFill xmlns:a14="http://schemas.microsoft.com/office/drawing/2010/main">
+                <a:solidFill>
+                  <a:srgbClr val="FFFFFF"/>
+                </a:solidFill>
+              </a14:hiddenFill>
+            </a:ext>
+          </a:extLst>
+        </p:spPr>
+      </p:pic>
+    </p:spTree>
+    <p:extLst>
+      <p:ext uri="{BB962C8B-B14F-4D97-AF65-F5344CB8AC3E}">
+        <p14:creationId xmlns:p14="http://schemas.microsoft.com/office/powerpoint/2010/main" val="172455590"/>
+      </p:ext>
+    </p:extLst>
+  </p:cSld>
+  <p:clrMapOvr>
+    <a:masterClrMapping/>
+  </p:clrMapOvr>
+  <p:transition/>
+  <p:timing>
+    <p:tnLst>
+      <p:par>
+        <p:cTn id="1" dur="indefinite" restart="never" nodeType="tmRoot"/>
+      </p:par>
+    </p:tnLst>
+  </p:timing>
+</p:sld>
+</file>
+
+<file path=ppt/slides/slide31.xml><?xml version="1.0" encoding="utf-8"?>
+<p:sld xmlns:a="http://schemas.openxmlformats.org/drawingml/2006/main" xmlns:r="http://schemas.openxmlformats.org/officeDocument/2006/relationships" xmlns:p="http://schemas.openxmlformats.org/presentationml/2006/main">
+  <p:cSld>
+    <p:spTree>
+      <p:nvGrpSpPr>
+        <p:cNvPr id="1" name=""/>
+        <p:cNvGrpSpPr/>
+        <p:nvPr/>
+      </p:nvGrpSpPr>
+      <p:grpSpPr>
+        <a:xfrm>
+          <a:off x="0" y="0"/>
+          <a:ext cx="0" cy="0"/>
+          <a:chOff x="0" y="0"/>
+          <a:chExt cx="0" cy="0"/>
+        </a:xfrm>
+      </p:grpSpPr>
+      <p:sp>
+        <p:nvSpPr>
+          <p:cNvPr id="4" name="제목 3"/>
+          <p:cNvSpPr>
+            <a:spLocks noGrp="1"/>
+          </p:cNvSpPr>
+          <p:nvPr>
+            <p:ph type="title"/>
+          </p:nvPr>
+        </p:nvSpPr>
+        <p:spPr>
+          <a:xfrm>
+            <a:off x="250190" y="0"/>
+            <a:ext cx="3373755" cy="650875"/>
+          </a:xfrm>
+        </p:spPr>
+        <p:txBody>
+          <a:bodyPr anchor="ctr">
+            <a:normAutofit/>
+          </a:bodyPr>
+          <a:lstStyle/>
+          <a:p>
+            <a:pPr lvl="0">
+              <a:defRPr/>
+            </a:pPr>
+            <a:r>
+              <a:rPr lang="ko-KR" altLang="en-US" sz="2800" smtClean="0"/>
+              <a:t>시퀀스 다이어그램</a:t>
+            </a:r>
+            <a:endParaRPr lang="ko-KR" altLang="en-US" sz="2800"/>
+          </a:p>
+        </p:txBody>
+      </p:sp>
+      <p:sp>
+        <p:nvSpPr>
+          <p:cNvPr id="6" name="텍스트 개체 틀 4"/>
+          <p:cNvSpPr>
+            <a:spLocks noGrp="1"/>
+          </p:cNvSpPr>
+          <p:nvPr>
+            <p:ph type="body" sz="half" idx="2"/>
+          </p:nvPr>
+        </p:nvSpPr>
+        <p:spPr>
+          <a:xfrm>
+            <a:off x="3424555" y="0"/>
+            <a:ext cx="3931920" cy="650875"/>
+          </a:xfrm>
+        </p:spPr>
+        <p:txBody>
+          <a:bodyPr anchor="ctr">
+            <a:normAutofit/>
+          </a:bodyPr>
+          <a:lstStyle/>
+          <a:p>
+            <a:pPr lvl="0">
+              <a:defRPr/>
+            </a:pPr>
+            <a:r>
+              <a:rPr lang="en-US" altLang="ko-KR" smtClean="0"/>
+              <a:t>Community - CommunityBoardList</a:t>
+            </a:r>
+            <a:endParaRPr lang="ko-KR" altLang="en-US"/>
+          </a:p>
+        </p:txBody>
+      </p:sp>
+      <p:pic>
+        <p:nvPicPr>
+          <p:cNvPr id="3074" name="Picture 2" descr="C:\Users\DongKyun\Documents\GitHub\KHFinalProject\보고서\클래스\리스트.png"/>
+          <p:cNvPicPr>
+            <a:picLocks noChangeAspect="1" noChangeArrowheads="1"/>
+          </p:cNvPicPr>
+          <p:nvPr/>
+        </p:nvPicPr>
+        <p:blipFill>
+          <a:blip r:embed="rId2">
+            <a:extLst>
+              <a:ext uri="{28A0092B-C50C-407E-A947-70E740481C1C}">
+                <a14:useLocalDpi xmlns:a14="http://schemas.microsoft.com/office/drawing/2010/main" val="0"/>
+              </a:ext>
+            </a:extLst>
+          </a:blip>
+          <a:srcRect/>
+          <a:stretch>
+            <a:fillRect/>
+          </a:stretch>
+        </p:blipFill>
+        <p:spPr bwMode="auto">
+          <a:xfrm>
+            <a:off x="0" y="650874"/>
+            <a:ext cx="12192000" cy="6207125"/>
+          </a:xfrm>
+          <a:prstGeom prst="rect">
+            <a:avLst/>
+          </a:prstGeom>
+          <a:noFill/>
+          <a:extLst>
+            <a:ext uri="{909E8E84-426E-40DD-AFC4-6F175D3DCCD1}">
+              <a14:hiddenFill xmlns:a14="http://schemas.microsoft.com/office/drawing/2010/main">
+                <a:solidFill>
+                  <a:srgbClr val="FFFFFF"/>
+                </a:solidFill>
+              </a14:hiddenFill>
+            </a:ext>
+          </a:extLst>
+        </p:spPr>
+      </p:pic>
+    </p:spTree>
+    <p:extLst>
+      <p:ext uri="{BB962C8B-B14F-4D97-AF65-F5344CB8AC3E}">
+        <p14:creationId xmlns:p14="http://schemas.microsoft.com/office/powerpoint/2010/main" val="3788117990"/>
+      </p:ext>
+    </p:extLst>
+  </p:cSld>
+  <p:clrMapOvr>
+    <a:masterClrMapping/>
+  </p:clrMapOvr>
+  <p:transition/>
+  <p:timing>
+    <p:tnLst>
+      <p:par>
+        <p:cTn id="1" dur="indefinite" restart="never" nodeType="tmRoot"/>
+      </p:par>
+    </p:tnLst>
+  </p:timing>
+</p:sld>
+</file>
+
+<file path=ppt/slides/slide32.xml><?xml version="1.0" encoding="utf-8"?>
+<p:sld xmlns:a="http://schemas.openxmlformats.org/drawingml/2006/main" xmlns:r="http://schemas.openxmlformats.org/officeDocument/2006/relationships" xmlns:p="http://schemas.openxmlformats.org/presentationml/2006/main">
+  <p:cSld>
+    <p:spTree>
+      <p:nvGrpSpPr>
+        <p:cNvPr id="1" name=""/>
+        <p:cNvGrpSpPr/>
+        <p:nvPr/>
+      </p:nvGrpSpPr>
+      <p:grpSpPr>
+        <a:xfrm>
+          <a:off x="0" y="0"/>
+          <a:ext cx="0" cy="0"/>
+          <a:chOff x="0" y="0"/>
+          <a:chExt cx="0" cy="0"/>
+        </a:xfrm>
+      </p:grpSpPr>
+      <p:sp>
+        <p:nvSpPr>
+          <p:cNvPr id="4" name="제목 3"/>
+          <p:cNvSpPr>
+            <a:spLocks noGrp="1"/>
+          </p:cNvSpPr>
+          <p:nvPr>
+            <p:ph type="title"/>
+          </p:nvPr>
+        </p:nvSpPr>
+        <p:spPr>
+          <a:xfrm>
+            <a:off x="250190" y="0"/>
+            <a:ext cx="3373755" cy="650875"/>
+          </a:xfrm>
+        </p:spPr>
+        <p:txBody>
+          <a:bodyPr anchor="ctr">
+            <a:normAutofit/>
+          </a:bodyPr>
+          <a:lstStyle/>
+          <a:p>
+            <a:pPr lvl="0">
+              <a:defRPr/>
+            </a:pPr>
+            <a:r>
+              <a:rPr lang="ko-KR" altLang="en-US" sz="2800" smtClean="0"/>
+              <a:t>시퀀스 다이어그램</a:t>
+            </a:r>
+            <a:endParaRPr lang="ko-KR" altLang="en-US" sz="2800"/>
+          </a:p>
+        </p:txBody>
+      </p:sp>
+      <p:sp>
+        <p:nvSpPr>
+          <p:cNvPr id="6" name="텍스트 개체 틀 4"/>
+          <p:cNvSpPr>
+            <a:spLocks noGrp="1"/>
+          </p:cNvSpPr>
+          <p:nvPr>
+            <p:ph type="body" sz="half" idx="2"/>
+          </p:nvPr>
+        </p:nvSpPr>
+        <p:spPr>
+          <a:xfrm>
+            <a:off x="3424555" y="0"/>
+            <a:ext cx="3931920" cy="650875"/>
+          </a:xfrm>
+        </p:spPr>
+        <p:txBody>
+          <a:bodyPr anchor="ctr">
+            <a:normAutofit/>
+          </a:bodyPr>
+          <a:lstStyle/>
+          <a:p>
+            <a:pPr lvl="0">
+              <a:defRPr/>
+            </a:pPr>
+            <a:r>
+              <a:rPr lang="en-US" altLang="ko-KR" smtClean="0"/>
+              <a:t>Community - CommunityBoardInsert</a:t>
+            </a:r>
+            <a:endParaRPr lang="ko-KR" altLang="en-US"/>
+          </a:p>
+        </p:txBody>
+      </p:sp>
+      <p:pic>
+        <p:nvPicPr>
+          <p:cNvPr id="4098" name="Picture 2" descr="C:\Users\DongKyun\Documents\GitHub\KHFinalProject\보고서\클래스\삽입.png"/>
+          <p:cNvPicPr>
+            <a:picLocks noChangeAspect="1" noChangeArrowheads="1"/>
+          </p:cNvPicPr>
+          <p:nvPr/>
+        </p:nvPicPr>
+        <p:blipFill>
+          <a:blip r:embed="rId2">
+            <a:extLst>
+              <a:ext uri="{28A0092B-C50C-407E-A947-70E740481C1C}">
+                <a14:useLocalDpi xmlns:a14="http://schemas.microsoft.com/office/drawing/2010/main" val="0"/>
+              </a:ext>
+            </a:extLst>
+          </a:blip>
+          <a:srcRect/>
+          <a:stretch>
+            <a:fillRect/>
+          </a:stretch>
+        </p:blipFill>
+        <p:spPr bwMode="auto">
+          <a:xfrm>
+            <a:off x="0" y="650874"/>
+            <a:ext cx="12192834" cy="6207125"/>
+          </a:xfrm>
+          <a:prstGeom prst="rect">
+            <a:avLst/>
+          </a:prstGeom>
+          <a:noFill/>
+          <a:extLst>
+            <a:ext uri="{909E8E84-426E-40DD-AFC4-6F175D3DCCD1}">
+              <a14:hiddenFill xmlns:a14="http://schemas.microsoft.com/office/drawing/2010/main">
+                <a:solidFill>
+                  <a:srgbClr val="FFFFFF"/>
+                </a:solidFill>
+              </a14:hiddenFill>
+            </a:ext>
+          </a:extLst>
+        </p:spPr>
+      </p:pic>
+    </p:spTree>
+    <p:extLst>
+      <p:ext uri="{BB962C8B-B14F-4D97-AF65-F5344CB8AC3E}">
+        <p14:creationId xmlns:p14="http://schemas.microsoft.com/office/powerpoint/2010/main" val="415682292"/>
+      </p:ext>
+    </p:extLst>
+  </p:cSld>
+  <p:clrMapOvr>
+    <a:masterClrMapping/>
+  </p:clrMapOvr>
+  <p:transition/>
+  <p:timing>
+    <p:tnLst>
+      <p:par>
+        <p:cTn id="1" dur="indefinite" restart="never" nodeType="tmRoot"/>
+      </p:par>
+    </p:tnLst>
+  </p:timing>
+</p:sld>
+</file>
+
+<file path=ppt/slides/slide33.xml><?xml version="1.0" encoding="utf-8"?>
+<p:sld xmlns:a="http://schemas.openxmlformats.org/drawingml/2006/main" xmlns:r="http://schemas.openxmlformats.org/officeDocument/2006/relationships" xmlns:p="http://schemas.openxmlformats.org/presentationml/2006/main">
+  <p:cSld>
+    <p:spTree>
+      <p:nvGrpSpPr>
+        <p:cNvPr id="1" name=""/>
+        <p:cNvGrpSpPr/>
+        <p:nvPr/>
+      </p:nvGrpSpPr>
+      <p:grpSpPr>
+        <a:xfrm>
+          <a:off x="0" y="0"/>
+          <a:ext cx="0" cy="0"/>
+          <a:chOff x="0" y="0"/>
+          <a:chExt cx="0" cy="0"/>
+        </a:xfrm>
+      </p:grpSpPr>
+      <p:sp>
+        <p:nvSpPr>
+          <p:cNvPr id="4" name="제목 3"/>
+          <p:cNvSpPr>
+            <a:spLocks noGrp="1"/>
+          </p:cNvSpPr>
+          <p:nvPr>
+            <p:ph type="title"/>
+          </p:nvPr>
+        </p:nvSpPr>
+        <p:spPr>
+          <a:xfrm>
+            <a:off x="250190" y="0"/>
+            <a:ext cx="3373755" cy="650875"/>
+          </a:xfrm>
+        </p:spPr>
+        <p:txBody>
+          <a:bodyPr anchor="ctr">
+            <a:normAutofit/>
+          </a:bodyPr>
+          <a:lstStyle/>
+          <a:p>
+            <a:pPr lvl="0">
+              <a:defRPr/>
+            </a:pPr>
+            <a:r>
+              <a:rPr lang="ko-KR" altLang="en-US" sz="2800" smtClean="0"/>
+              <a:t>시퀀스 다이어그램</a:t>
+            </a:r>
+            <a:endParaRPr lang="ko-KR" altLang="en-US" sz="2800"/>
+          </a:p>
+        </p:txBody>
+      </p:sp>
+      <p:sp>
+        <p:nvSpPr>
+          <p:cNvPr id="6" name="텍스트 개체 틀 4"/>
+          <p:cNvSpPr>
+            <a:spLocks noGrp="1"/>
+          </p:cNvSpPr>
+          <p:nvPr>
+            <p:ph type="body" sz="half" idx="2"/>
+          </p:nvPr>
+        </p:nvSpPr>
+        <p:spPr>
+          <a:xfrm>
+            <a:off x="3424555" y="0"/>
+            <a:ext cx="3931920" cy="650875"/>
+          </a:xfrm>
+        </p:spPr>
+        <p:txBody>
+          <a:bodyPr anchor="ctr">
+            <a:normAutofit fontScale="92500"/>
+          </a:bodyPr>
+          <a:lstStyle/>
+          <a:p>
+            <a:pPr lvl="0">
+              <a:defRPr/>
+            </a:pPr>
+            <a:r>
+              <a:rPr lang="en-US" altLang="ko-KR" smtClean="0"/>
+              <a:t>Community - CommunityBoardUpdate</a:t>
+            </a:r>
+            <a:endParaRPr lang="ko-KR" altLang="en-US"/>
+          </a:p>
+        </p:txBody>
+      </p:sp>
+      <p:pic>
+        <p:nvPicPr>
+          <p:cNvPr id="5122" name="Picture 2" descr="C:\Users\DongKyun\Documents\GitHub\KHFinalProject\보고서\클래스\수정.png"/>
+          <p:cNvPicPr>
+            <a:picLocks noChangeAspect="1" noChangeArrowheads="1"/>
+          </p:cNvPicPr>
+          <p:nvPr/>
+        </p:nvPicPr>
+        <p:blipFill>
+          <a:blip r:embed="rId2">
+            <a:extLst>
+              <a:ext uri="{28A0092B-C50C-407E-A947-70E740481C1C}">
+                <a14:useLocalDpi xmlns:a14="http://schemas.microsoft.com/office/drawing/2010/main" val="0"/>
+              </a:ext>
+            </a:extLst>
+          </a:blip>
+          <a:srcRect/>
+          <a:stretch>
+            <a:fillRect/>
+          </a:stretch>
+        </p:blipFill>
+        <p:spPr bwMode="auto">
+          <a:xfrm>
+            <a:off x="0" y="650875"/>
+            <a:ext cx="12192000" cy="6207125"/>
+          </a:xfrm>
+          <a:prstGeom prst="rect">
+            <a:avLst/>
+          </a:prstGeom>
+          <a:noFill/>
+          <a:extLst>
+            <a:ext uri="{909E8E84-426E-40DD-AFC4-6F175D3DCCD1}">
+              <a14:hiddenFill xmlns:a14="http://schemas.microsoft.com/office/drawing/2010/main">
+                <a:solidFill>
+                  <a:srgbClr val="FFFFFF"/>
+                </a:solidFill>
+              </a14:hiddenFill>
+            </a:ext>
+          </a:extLst>
+        </p:spPr>
+      </p:pic>
+    </p:spTree>
+    <p:extLst>
+      <p:ext uri="{BB962C8B-B14F-4D97-AF65-F5344CB8AC3E}">
+        <p14:creationId xmlns:p14="http://schemas.microsoft.com/office/powerpoint/2010/main" val="1798126384"/>
+      </p:ext>
+    </p:extLst>
+  </p:cSld>
+  <p:clrMapOvr>
+    <a:masterClrMapping/>
+  </p:clrMapOvr>
+  <p:transition/>
+  <p:timing>
+    <p:tnLst>
+      <p:par>
+        <p:cTn id="1" dur="indefinite" restart="never" nodeType="tmRoot"/>
+      </p:par>
+    </p:tnLst>
+  </p:timing>
+</p:sld>
+</file>
+
+<file path=ppt/slides/slide34.xml><?xml version="1.0" encoding="utf-8"?>
+<p:sld xmlns:a="http://schemas.openxmlformats.org/drawingml/2006/main" xmlns:r="http://schemas.openxmlformats.org/officeDocument/2006/relationships" xmlns:p="http://schemas.openxmlformats.org/presentationml/2006/main">
+  <p:cSld>
+    <p:spTree>
+      <p:nvGrpSpPr>
+        <p:cNvPr id="1" name=""/>
+        <p:cNvGrpSpPr/>
+        <p:nvPr/>
+      </p:nvGrpSpPr>
+      <p:grpSpPr>
+        <a:xfrm>
+          <a:off x="0" y="0"/>
+          <a:ext cx="0" cy="0"/>
+          <a:chOff x="0" y="0"/>
+          <a:chExt cx="0" cy="0"/>
+        </a:xfrm>
+      </p:grpSpPr>
+      <p:sp>
+        <p:nvSpPr>
+          <p:cNvPr id="4" name="제목 3"/>
+          <p:cNvSpPr>
+            <a:spLocks noGrp="1"/>
+          </p:cNvSpPr>
+          <p:nvPr>
+            <p:ph type="title"/>
+          </p:nvPr>
+        </p:nvSpPr>
+        <p:spPr>
+          <a:xfrm>
+            <a:off x="250190" y="0"/>
+            <a:ext cx="3373755" cy="650875"/>
+          </a:xfrm>
+        </p:spPr>
+        <p:txBody>
+          <a:bodyPr anchor="ctr">
+            <a:normAutofit/>
+          </a:bodyPr>
+          <a:lstStyle/>
+          <a:p>
+            <a:pPr lvl="0">
+              <a:defRPr/>
+            </a:pPr>
+            <a:r>
+              <a:rPr lang="ko-KR" altLang="en-US" sz="2800" smtClean="0"/>
+              <a:t>시퀀스 다이어그램</a:t>
+            </a:r>
+            <a:endParaRPr lang="ko-KR" altLang="en-US" sz="2800"/>
+          </a:p>
+        </p:txBody>
+      </p:sp>
+      <p:sp>
+        <p:nvSpPr>
+          <p:cNvPr id="6" name="텍스트 개체 틀 4"/>
+          <p:cNvSpPr>
+            <a:spLocks noGrp="1"/>
+          </p:cNvSpPr>
+          <p:nvPr>
+            <p:ph type="body" sz="half" idx="2"/>
+          </p:nvPr>
+        </p:nvSpPr>
+        <p:spPr>
+          <a:xfrm>
+            <a:off x="3424555" y="0"/>
+            <a:ext cx="3931920" cy="650875"/>
+          </a:xfrm>
+        </p:spPr>
+        <p:txBody>
+          <a:bodyPr anchor="ctr">
+            <a:normAutofit/>
+          </a:bodyPr>
+          <a:lstStyle/>
+          <a:p>
+            <a:pPr lvl="0">
+              <a:defRPr/>
+            </a:pPr>
+            <a:r>
+              <a:rPr lang="en-US" altLang="ko-KR" smtClean="0"/>
+              <a:t>Community - CommunityBoardDelete</a:t>
+            </a:r>
+            <a:endParaRPr lang="ko-KR" altLang="en-US"/>
+          </a:p>
+        </p:txBody>
+      </p:sp>
+      <p:pic>
+        <p:nvPicPr>
+          <p:cNvPr id="6146" name="Picture 2" descr="C:\Users\DongKyun\Documents\GitHub\KHFinalProject\보고서\클래스\삭제.png"/>
+          <p:cNvPicPr>
+            <a:picLocks noChangeAspect="1" noChangeArrowheads="1"/>
+          </p:cNvPicPr>
+          <p:nvPr/>
+        </p:nvPicPr>
+        <p:blipFill>
+          <a:blip r:embed="rId2">
+            <a:extLst>
+              <a:ext uri="{28A0092B-C50C-407E-A947-70E740481C1C}">
+                <a14:useLocalDpi xmlns:a14="http://schemas.microsoft.com/office/drawing/2010/main" val="0"/>
+              </a:ext>
+            </a:extLst>
+          </a:blip>
+          <a:srcRect/>
+          <a:stretch>
+            <a:fillRect/>
+          </a:stretch>
+        </p:blipFill>
+        <p:spPr bwMode="auto">
+          <a:xfrm>
+            <a:off x="0" y="650874"/>
+            <a:ext cx="12192000" cy="6207126"/>
+          </a:xfrm>
+          <a:prstGeom prst="rect">
+            <a:avLst/>
+          </a:prstGeom>
+          <a:noFill/>
+          <a:extLst>
+            <a:ext uri="{909E8E84-426E-40DD-AFC4-6F175D3DCCD1}">
+              <a14:hiddenFill xmlns:a14="http://schemas.microsoft.com/office/drawing/2010/main">
+                <a:solidFill>
+                  <a:srgbClr val="FFFFFF"/>
+                </a:solidFill>
+              </a14:hiddenFill>
+            </a:ext>
+          </a:extLst>
+        </p:spPr>
+      </p:pic>
+    </p:spTree>
+    <p:extLst>
+      <p:ext uri="{BB962C8B-B14F-4D97-AF65-F5344CB8AC3E}">
+        <p14:creationId xmlns:p14="http://schemas.microsoft.com/office/powerpoint/2010/main" val="2796669715"/>
+      </p:ext>
+    </p:extLst>
+  </p:cSld>
+  <p:clrMapOvr>
+    <a:masterClrMapping/>
+  </p:clrMapOvr>
+  <p:transition/>
+  <p:timing>
+    <p:tnLst>
+      <p:par>
+        <p:cTn id="1" dur="indefinite" restart="never" nodeType="tmRoot"/>
+      </p:par>
+    </p:tnLst>
+  </p:timing>
+</p:sld>
+</file>
+
+<file path=ppt/slides/slide35.xml><?xml version="1.0" encoding="utf-8"?>
+<p:sld xmlns:a="http://schemas.openxmlformats.org/drawingml/2006/main" xmlns:r="http://schemas.openxmlformats.org/officeDocument/2006/relationships" xmlns:p="http://schemas.openxmlformats.org/presentationml/2006/main">
+  <p:cSld>
+    <p:spTree>
+      <p:nvGrpSpPr>
+        <p:cNvPr id="1" name=""/>
+        <p:cNvGrpSpPr/>
+        <p:nvPr/>
+      </p:nvGrpSpPr>
+      <p:grpSpPr>
+        <a:xfrm>
+          <a:off x="0" y="0"/>
+          <a:ext cx="0" cy="0"/>
+          <a:chOff x="0" y="0"/>
+          <a:chExt cx="0" cy="0"/>
+        </a:xfrm>
+      </p:grpSpPr>
+      <p:sp>
+        <p:nvSpPr>
+          <p:cNvPr id="4" name="제목 3"/>
+          <p:cNvSpPr>
+            <a:spLocks noGrp="1"/>
+          </p:cNvSpPr>
+          <p:nvPr>
+            <p:ph type="title"/>
+          </p:nvPr>
+        </p:nvSpPr>
+        <p:spPr>
+          <a:xfrm>
+            <a:off x="250190" y="0"/>
+            <a:ext cx="3373755" cy="650875"/>
+          </a:xfrm>
+        </p:spPr>
+        <p:txBody>
+          <a:bodyPr anchor="ctr">
+            <a:normAutofit/>
+          </a:bodyPr>
+          <a:lstStyle/>
+          <a:p>
+            <a:pPr lvl="0">
+              <a:defRPr/>
+            </a:pPr>
+            <a:r>
+              <a:rPr lang="ko-KR" altLang="en-US" sz="2800" smtClean="0"/>
+              <a:t>시퀀스 다이어그램</a:t>
+            </a:r>
+            <a:endParaRPr lang="ko-KR" altLang="en-US" sz="2800"/>
+          </a:p>
+        </p:txBody>
+      </p:sp>
+      <p:sp>
+        <p:nvSpPr>
+          <p:cNvPr id="6" name="텍스트 개체 틀 4"/>
+          <p:cNvSpPr>
+            <a:spLocks noGrp="1"/>
+          </p:cNvSpPr>
+          <p:nvPr>
+            <p:ph type="body" sz="half" idx="2"/>
+          </p:nvPr>
+        </p:nvSpPr>
+        <p:spPr>
+          <a:xfrm>
+            <a:off x="3424555" y="0"/>
+            <a:ext cx="3931920" cy="650875"/>
+          </a:xfrm>
+        </p:spPr>
+        <p:txBody>
+          <a:bodyPr anchor="ctr">
+            <a:normAutofit/>
+          </a:bodyPr>
+          <a:lstStyle/>
+          <a:p>
+            <a:pPr lvl="0">
+              <a:defRPr/>
+            </a:pPr>
+            <a:r>
+              <a:rPr lang="en-US" altLang="ko-KR" smtClean="0"/>
+              <a:t>Workout – Health Part Video List</a:t>
+            </a:r>
+            <a:endParaRPr lang="ko-KR" altLang="en-US"/>
+          </a:p>
+        </p:txBody>
+      </p:sp>
+      <p:pic>
+        <p:nvPicPr>
+          <p:cNvPr id="5122" name="Picture 2" descr="C:\Users\DongKyun\Documents\GitHub\KHFinalProject\보고서\클래스\시퀀스 다이어그램_ 준일\헬스 부위별 영상 리스트.JPG"/>
+          <p:cNvPicPr>
+            <a:picLocks noChangeAspect="1" noChangeArrowheads="1"/>
+          </p:cNvPicPr>
+          <p:nvPr/>
+        </p:nvPicPr>
+        <p:blipFill>
+          <a:blip r:embed="rId2">
+            <a:extLst>
+              <a:ext uri="{28A0092B-C50C-407E-A947-70E740481C1C}">
+                <a14:useLocalDpi xmlns:a14="http://schemas.microsoft.com/office/drawing/2010/main" val="0"/>
+              </a:ext>
+            </a:extLst>
+          </a:blip>
+          <a:srcRect/>
+          <a:stretch>
+            <a:fillRect/>
+          </a:stretch>
+        </p:blipFill>
+        <p:spPr bwMode="auto">
+          <a:xfrm>
+            <a:off x="933449" y="792163"/>
+            <a:ext cx="10239375" cy="5768975"/>
+          </a:xfrm>
+          <a:prstGeom prst="rect">
+            <a:avLst/>
+          </a:prstGeom>
+          <a:noFill/>
+          <a:extLst>
+            <a:ext uri="{909E8E84-426E-40DD-AFC4-6F175D3DCCD1}">
+              <a14:hiddenFill xmlns:a14="http://schemas.microsoft.com/office/drawing/2010/main">
+                <a:solidFill>
+                  <a:srgbClr val="FFFFFF"/>
+                </a:solidFill>
+              </a14:hiddenFill>
+            </a:ext>
+          </a:extLst>
+        </p:spPr>
+      </p:pic>
+    </p:spTree>
+    <p:extLst>
+      <p:ext uri="{BB962C8B-B14F-4D97-AF65-F5344CB8AC3E}">
+        <p14:creationId xmlns:p14="http://schemas.microsoft.com/office/powerpoint/2010/main" val="4239674833"/>
+      </p:ext>
+    </p:extLst>
+  </p:cSld>
+  <p:clrMapOvr>
+    <a:masterClrMapping/>
+  </p:clrMapOvr>
+  <p:transition/>
+  <p:timing>
+    <p:tnLst>
+      <p:par>
+        <p:cTn id="1" dur="indefinite" restart="never" nodeType="tmRoot"/>
+      </p:par>
+    </p:tnLst>
+  </p:timing>
+</p:sld>
+</file>
+
+<file path=ppt/slides/slide36.xml><?xml version="1.0" encoding="utf-8"?>
+<p:sld xmlns:a="http://schemas.openxmlformats.org/drawingml/2006/main" xmlns:r="http://schemas.openxmlformats.org/officeDocument/2006/relationships" xmlns:p="http://schemas.openxmlformats.org/presentationml/2006/main">
+  <p:cSld>
+    <p:spTree>
+      <p:nvGrpSpPr>
+        <p:cNvPr id="1" name=""/>
+        <p:cNvGrpSpPr/>
+        <p:nvPr/>
+      </p:nvGrpSpPr>
+      <p:grpSpPr>
+        <a:xfrm>
+          <a:off x="0" y="0"/>
+          <a:ext cx="0" cy="0"/>
+          <a:chOff x="0" y="0"/>
+          <a:chExt cx="0" cy="0"/>
+        </a:xfrm>
+      </p:grpSpPr>
+      <p:sp>
+        <p:nvSpPr>
+          <p:cNvPr id="4" name="제목 3"/>
+          <p:cNvSpPr>
+            <a:spLocks noGrp="1"/>
+          </p:cNvSpPr>
+          <p:nvPr>
+            <p:ph type="title"/>
+          </p:nvPr>
+        </p:nvSpPr>
+        <p:spPr>
+          <a:xfrm>
+            <a:off x="250190" y="0"/>
+            <a:ext cx="3373755" cy="650875"/>
+          </a:xfrm>
+        </p:spPr>
+        <p:txBody>
+          <a:bodyPr anchor="ctr">
+            <a:normAutofit/>
+          </a:bodyPr>
+          <a:lstStyle/>
+          <a:p>
+            <a:pPr lvl="0">
+              <a:defRPr/>
+            </a:pPr>
+            <a:r>
+              <a:rPr lang="ko-KR" altLang="en-US" sz="2800" smtClean="0"/>
+              <a:t>시퀀스 다이어그램</a:t>
+            </a:r>
+            <a:endParaRPr lang="ko-KR" altLang="en-US" sz="2800"/>
+          </a:p>
+        </p:txBody>
+      </p:sp>
+      <p:sp>
+        <p:nvSpPr>
+          <p:cNvPr id="6" name="텍스트 개체 틀 4"/>
+          <p:cNvSpPr>
+            <a:spLocks noGrp="1"/>
+          </p:cNvSpPr>
+          <p:nvPr>
+            <p:ph type="body" sz="half" idx="2"/>
+          </p:nvPr>
+        </p:nvSpPr>
+        <p:spPr>
+          <a:xfrm>
+            <a:off x="3424555" y="0"/>
+            <a:ext cx="3931920" cy="650875"/>
+          </a:xfrm>
+        </p:spPr>
+        <p:txBody>
+          <a:bodyPr anchor="ctr">
+            <a:normAutofit/>
+          </a:bodyPr>
+          <a:lstStyle/>
+          <a:p>
+            <a:pPr lvl="0">
+              <a:defRPr/>
+            </a:pPr>
+            <a:r>
+              <a:rPr lang="en-US" altLang="ko-KR" smtClean="0"/>
+              <a:t>Workout – Youtub Video List</a:t>
+            </a:r>
+            <a:endParaRPr lang="ko-KR" altLang="en-US"/>
+          </a:p>
+        </p:txBody>
+      </p:sp>
+      <p:pic>
+        <p:nvPicPr>
+          <p:cNvPr id="7170" name="Picture 2" descr="C:\Users\DongKyun\Documents\GitHub\KHFinalProject\보고서\클래스\시퀀스 다이어그램_ 준일\맨몸운동 리스트.JPG"/>
+          <p:cNvPicPr>
+            <a:picLocks noChangeAspect="1" noChangeArrowheads="1"/>
+          </p:cNvPicPr>
+          <p:nvPr/>
+        </p:nvPicPr>
+        <p:blipFill>
+          <a:blip r:embed="rId2">
+            <a:extLst>
+              <a:ext uri="{28A0092B-C50C-407E-A947-70E740481C1C}">
+                <a14:useLocalDpi xmlns:a14="http://schemas.microsoft.com/office/drawing/2010/main" val="0"/>
+              </a:ext>
+            </a:extLst>
+          </a:blip>
+          <a:srcRect/>
+          <a:stretch>
+            <a:fillRect/>
+          </a:stretch>
+        </p:blipFill>
+        <p:spPr bwMode="auto">
+          <a:xfrm>
+            <a:off x="687388" y="1206499"/>
+            <a:ext cx="10790237" cy="5086421"/>
+          </a:xfrm>
+          <a:prstGeom prst="rect">
+            <a:avLst/>
+          </a:prstGeom>
+          <a:noFill/>
+          <a:extLst>
+            <a:ext uri="{909E8E84-426E-40DD-AFC4-6F175D3DCCD1}">
+              <a14:hiddenFill xmlns:a14="http://schemas.microsoft.com/office/drawing/2010/main">
+                <a:solidFill>
+                  <a:srgbClr val="FFFFFF"/>
+                </a:solidFill>
+              </a14:hiddenFill>
+            </a:ext>
+          </a:extLst>
+        </p:spPr>
+      </p:pic>
+    </p:spTree>
+    <p:extLst>
+      <p:ext uri="{BB962C8B-B14F-4D97-AF65-F5344CB8AC3E}">
+        <p14:creationId xmlns:p14="http://schemas.microsoft.com/office/powerpoint/2010/main" val="531942252"/>
+      </p:ext>
+    </p:extLst>
+  </p:cSld>
+  <p:clrMapOvr>
+    <a:masterClrMapping/>
+  </p:clrMapOvr>
+  <p:transition/>
+  <p:timing>
+    <p:tnLst>
+      <p:par>
+        <p:cTn id="1" dur="indefinite" restart="never" nodeType="tmRoot"/>
+      </p:par>
+    </p:tnLst>
+  </p:timing>
+</p:sld>
+</file>
+
+<file path=ppt/slides/slide37.xml><?xml version="1.0" encoding="utf-8"?>
+<p:sld xmlns:a="http://schemas.openxmlformats.org/drawingml/2006/main" xmlns:r="http://schemas.openxmlformats.org/officeDocument/2006/relationships" xmlns:p="http://schemas.openxmlformats.org/presentationml/2006/main">
+  <p:cSld>
+    <p:spTree>
+      <p:nvGrpSpPr>
+        <p:cNvPr id="1" name=""/>
+        <p:cNvGrpSpPr/>
+        <p:nvPr/>
+      </p:nvGrpSpPr>
+      <p:grpSpPr>
+        <a:xfrm>
+          <a:off x="0" y="0"/>
+          <a:ext cx="0" cy="0"/>
+          <a:chOff x="0" y="0"/>
+          <a:chExt cx="0" cy="0"/>
+        </a:xfrm>
+      </p:grpSpPr>
+      <p:sp>
+        <p:nvSpPr>
+          <p:cNvPr id="4" name="제목 3"/>
+          <p:cNvSpPr>
+            <a:spLocks noGrp="1"/>
+          </p:cNvSpPr>
+          <p:nvPr>
+            <p:ph type="title"/>
+          </p:nvPr>
+        </p:nvSpPr>
+        <p:spPr>
+          <a:xfrm>
+            <a:off x="250190" y="0"/>
+            <a:ext cx="3373755" cy="650875"/>
+          </a:xfrm>
+        </p:spPr>
+        <p:txBody>
+          <a:bodyPr anchor="ctr">
+            <a:normAutofit/>
+          </a:bodyPr>
+          <a:lstStyle/>
+          <a:p>
+            <a:pPr lvl="0">
+              <a:defRPr/>
+            </a:pPr>
+            <a:r>
+              <a:rPr lang="ko-KR" altLang="en-US" sz="2800" smtClean="0"/>
+              <a:t>시퀀스 다이어그램</a:t>
+            </a:r>
+            <a:endParaRPr lang="ko-KR" altLang="en-US" sz="2800"/>
+          </a:p>
+        </p:txBody>
+      </p:sp>
+      <p:sp>
+        <p:nvSpPr>
+          <p:cNvPr id="6" name="텍스트 개체 틀 4"/>
+          <p:cNvSpPr>
+            <a:spLocks noGrp="1"/>
+          </p:cNvSpPr>
+          <p:nvPr>
+            <p:ph type="body" sz="half" idx="2"/>
+          </p:nvPr>
+        </p:nvSpPr>
+        <p:spPr>
+          <a:xfrm>
+            <a:off x="3424555" y="0"/>
+            <a:ext cx="3931920" cy="650875"/>
+          </a:xfrm>
+        </p:spPr>
+        <p:txBody>
+          <a:bodyPr anchor="ctr">
+            <a:normAutofit/>
+          </a:bodyPr>
+          <a:lstStyle/>
+          <a:p>
+            <a:pPr lvl="0">
+              <a:defRPr/>
+            </a:pPr>
+            <a:r>
+              <a:rPr lang="en-US" altLang="ko-KR" smtClean="0"/>
+              <a:t>Workout – Video Detail</a:t>
+            </a:r>
+            <a:endParaRPr lang="ko-KR" altLang="en-US"/>
+          </a:p>
+        </p:txBody>
+      </p:sp>
+      <p:pic>
+        <p:nvPicPr>
+          <p:cNvPr id="7170" name="Picture 2" descr="C:\Users\DongKyun\Documents\GitHub\KHFinalProject\보고서\클래스\시퀀스 다이어그램_ 준일\헬스 영상 보기.JPG"/>
+          <p:cNvPicPr>
+            <a:picLocks noChangeAspect="1" noChangeArrowheads="1"/>
+          </p:cNvPicPr>
+          <p:nvPr/>
+        </p:nvPicPr>
+        <p:blipFill>
+          <a:blip r:embed="rId2">
+            <a:extLst>
+              <a:ext uri="{28A0092B-C50C-407E-A947-70E740481C1C}">
+                <a14:useLocalDpi xmlns:a14="http://schemas.microsoft.com/office/drawing/2010/main" val="0"/>
+              </a:ext>
+            </a:extLst>
+          </a:blip>
+          <a:srcRect/>
+          <a:stretch>
+            <a:fillRect/>
+          </a:stretch>
+        </p:blipFill>
+        <p:spPr bwMode="auto">
+          <a:xfrm>
+            <a:off x="673099" y="1350963"/>
+            <a:ext cx="10814051" cy="4899025"/>
+          </a:xfrm>
+          <a:prstGeom prst="rect">
+            <a:avLst/>
+          </a:prstGeom>
+          <a:noFill/>
+          <a:extLst>
+            <a:ext uri="{909E8E84-426E-40DD-AFC4-6F175D3DCCD1}">
+              <a14:hiddenFill xmlns:a14="http://schemas.microsoft.com/office/drawing/2010/main">
+                <a:solidFill>
+                  <a:srgbClr val="FFFFFF"/>
+                </a:solidFill>
+              </a14:hiddenFill>
+            </a:ext>
+          </a:extLst>
+        </p:spPr>
+      </p:pic>
+    </p:spTree>
+    <p:extLst>
+      <p:ext uri="{BB962C8B-B14F-4D97-AF65-F5344CB8AC3E}">
+        <p14:creationId xmlns:p14="http://schemas.microsoft.com/office/powerpoint/2010/main" val="2067571811"/>
+      </p:ext>
+    </p:extLst>
+  </p:cSld>
+  <p:clrMapOvr>
+    <a:masterClrMapping/>
+  </p:clrMapOvr>
+  <p:transition/>
+  <p:timing>
+    <p:tnLst>
+      <p:par>
+        <p:cTn id="1" dur="indefinite" restart="never" nodeType="tmRoot"/>
+      </p:par>
+    </p:tnLst>
+  </p:timing>
+</p:sld>
+</file>
+
+<file path=ppt/slides/slide38.xml><?xml version="1.0" encoding="utf-8"?>
+<p:sld xmlns:a="http://schemas.openxmlformats.org/drawingml/2006/main" xmlns:r="http://schemas.openxmlformats.org/officeDocument/2006/relationships" xmlns:p="http://schemas.openxmlformats.org/presentationml/2006/main">
+  <p:cSld>
+    <p:spTree>
+      <p:nvGrpSpPr>
+        <p:cNvPr id="1" name=""/>
+        <p:cNvGrpSpPr/>
+        <p:nvPr/>
+      </p:nvGrpSpPr>
+      <p:grpSpPr>
+        <a:xfrm>
+          <a:off x="0" y="0"/>
+          <a:ext cx="0" cy="0"/>
+          <a:chOff x="0" y="0"/>
+          <a:chExt cx="0" cy="0"/>
+        </a:xfrm>
+      </p:grpSpPr>
+      <p:sp>
+        <p:nvSpPr>
+          <p:cNvPr id="4" name="제목 3"/>
+          <p:cNvSpPr>
+            <a:spLocks noGrp="1"/>
+          </p:cNvSpPr>
+          <p:nvPr>
+            <p:ph type="title"/>
+          </p:nvPr>
+        </p:nvSpPr>
+        <p:spPr>
+          <a:xfrm>
+            <a:off x="250190" y="0"/>
+            <a:ext cx="3373755" cy="650875"/>
+          </a:xfrm>
+        </p:spPr>
+        <p:txBody>
+          <a:bodyPr anchor="ctr">
+            <a:normAutofit/>
+          </a:bodyPr>
+          <a:lstStyle/>
+          <a:p>
+            <a:pPr lvl="0">
+              <a:defRPr/>
+            </a:pPr>
+            <a:r>
+              <a:rPr lang="ko-KR" altLang="en-US" sz="2800" smtClean="0"/>
+              <a:t>시퀀스 다이어그램</a:t>
+            </a:r>
+            <a:endParaRPr lang="ko-KR" altLang="en-US" sz="2800"/>
+          </a:p>
+        </p:txBody>
+      </p:sp>
+      <p:sp>
+        <p:nvSpPr>
+          <p:cNvPr id="6" name="텍스트 개체 틀 4"/>
+          <p:cNvSpPr>
+            <a:spLocks noGrp="1"/>
+          </p:cNvSpPr>
+          <p:nvPr>
+            <p:ph type="body" sz="half" idx="2"/>
+          </p:nvPr>
+        </p:nvSpPr>
+        <p:spPr>
+          <a:xfrm>
+            <a:off x="3424555" y="0"/>
+            <a:ext cx="3931920" cy="650875"/>
+          </a:xfrm>
+        </p:spPr>
+        <p:txBody>
+          <a:bodyPr anchor="ctr">
+            <a:normAutofit/>
+          </a:bodyPr>
+          <a:lstStyle/>
+          <a:p>
+            <a:pPr lvl="0">
+              <a:defRPr/>
+            </a:pPr>
+            <a:r>
+              <a:rPr lang="en-US" altLang="ko-KR" smtClean="0"/>
+              <a:t>Workout – </a:t>
+            </a:r>
+            <a:r>
+              <a:rPr lang="en-US" altLang="ko-KR" smtClean="0"/>
+              <a:t>Admin Video Insert</a:t>
+            </a:r>
+            <a:endParaRPr lang="ko-KR" altLang="en-US"/>
+          </a:p>
+        </p:txBody>
+      </p:sp>
+      <p:pic>
+        <p:nvPicPr>
+          <p:cNvPr id="10242" name="Picture 2" descr="C:\Users\DongKyun\Documents\GitHub\KHFinalProject\보고서\클래스\시퀀스_미향\관리자 동영상 insert.png"/>
+          <p:cNvPicPr>
+            <a:picLocks noChangeAspect="1" noChangeArrowheads="1"/>
+          </p:cNvPicPr>
+          <p:nvPr/>
+        </p:nvPicPr>
+        <p:blipFill>
+          <a:blip r:embed="rId2">
+            <a:extLst>
+              <a:ext uri="{28A0092B-C50C-407E-A947-70E740481C1C}">
+                <a14:useLocalDpi xmlns:a14="http://schemas.microsoft.com/office/drawing/2010/main" val="0"/>
+              </a:ext>
+            </a:extLst>
+          </a:blip>
+          <a:srcRect/>
+          <a:stretch>
+            <a:fillRect/>
+          </a:stretch>
+        </p:blipFill>
+        <p:spPr bwMode="auto">
+          <a:xfrm>
+            <a:off x="714375" y="1062038"/>
+            <a:ext cx="10363200" cy="5469983"/>
+          </a:xfrm>
+          <a:prstGeom prst="rect">
+            <a:avLst/>
+          </a:prstGeom>
+          <a:noFill/>
+          <a:extLst>
+            <a:ext uri="{909E8E84-426E-40DD-AFC4-6F175D3DCCD1}">
+              <a14:hiddenFill xmlns:a14="http://schemas.microsoft.com/office/drawing/2010/main">
+                <a:solidFill>
+                  <a:srgbClr val="FFFFFF"/>
+                </a:solidFill>
+              </a14:hiddenFill>
+            </a:ext>
+          </a:extLst>
+        </p:spPr>
+      </p:pic>
+    </p:spTree>
+    <p:extLst>
+      <p:ext uri="{BB962C8B-B14F-4D97-AF65-F5344CB8AC3E}">
+        <p14:creationId xmlns:p14="http://schemas.microsoft.com/office/powerpoint/2010/main" val="1776465261"/>
+      </p:ext>
+    </p:extLst>
+  </p:cSld>
+  <p:clrMapOvr>
+    <a:masterClrMapping/>
+  </p:clrMapOvr>
+  <p:transition/>
+  <p:timing>
+    <p:tnLst>
+      <p:par>
+        <p:cTn id="1" dur="indefinite" restart="never" nodeType="tmRoot"/>
+      </p:par>
+    </p:tnLst>
+  </p:timing>
+</p:sld>
+</file>
+
+<file path=ppt/slides/slide39.xml><?xml version="1.0" encoding="utf-8"?>
+<p:sld xmlns:a="http://schemas.openxmlformats.org/drawingml/2006/main" xmlns:r="http://schemas.openxmlformats.org/officeDocument/2006/relationships" xmlns:p="http://schemas.openxmlformats.org/presentationml/2006/main">
+  <p:cSld>
+    <p:spTree>
+      <p:nvGrpSpPr>
+        <p:cNvPr id="1" name=""/>
+        <p:cNvGrpSpPr/>
+        <p:nvPr/>
+      </p:nvGrpSpPr>
+      <p:grpSpPr>
+        <a:xfrm>
+          <a:off x="0" y="0"/>
+          <a:ext cx="0" cy="0"/>
+          <a:chOff x="0" y="0"/>
+          <a:chExt cx="0" cy="0"/>
+        </a:xfrm>
+      </p:grpSpPr>
+      <p:sp>
+        <p:nvSpPr>
+          <p:cNvPr id="4" name="제목 3"/>
+          <p:cNvSpPr>
+            <a:spLocks noGrp="1"/>
+          </p:cNvSpPr>
+          <p:nvPr>
+            <p:ph type="title"/>
+          </p:nvPr>
+        </p:nvSpPr>
+        <p:spPr>
+          <a:xfrm>
+            <a:off x="250190" y="0"/>
+            <a:ext cx="3373755" cy="650875"/>
+          </a:xfrm>
+        </p:spPr>
+        <p:txBody>
+          <a:bodyPr anchor="ctr">
+            <a:normAutofit/>
+          </a:bodyPr>
+          <a:lstStyle/>
+          <a:p>
+            <a:pPr lvl="0">
+              <a:defRPr/>
+            </a:pPr>
+            <a:r>
+              <a:rPr lang="ko-KR" altLang="en-US" sz="2800" smtClean="0"/>
+              <a:t>시퀀스 다이어그램</a:t>
+            </a:r>
+            <a:endParaRPr lang="ko-KR" altLang="en-US" sz="2800"/>
+          </a:p>
+        </p:txBody>
+      </p:sp>
+      <p:sp>
+        <p:nvSpPr>
+          <p:cNvPr id="6" name="텍스트 개체 틀 4"/>
+          <p:cNvSpPr>
+            <a:spLocks noGrp="1"/>
+          </p:cNvSpPr>
+          <p:nvPr>
+            <p:ph type="body" sz="half" idx="2"/>
+          </p:nvPr>
+        </p:nvSpPr>
+        <p:spPr>
+          <a:xfrm>
+            <a:off x="3424555" y="0"/>
+            <a:ext cx="3931920" cy="650875"/>
+          </a:xfrm>
+        </p:spPr>
+        <p:txBody>
+          <a:bodyPr anchor="ctr">
+            <a:normAutofit/>
+          </a:bodyPr>
+          <a:lstStyle/>
+          <a:p>
+            <a:pPr lvl="0">
+              <a:defRPr/>
+            </a:pPr>
+            <a:r>
+              <a:rPr lang="en-US" altLang="ko-KR" smtClean="0"/>
+              <a:t>Workout – </a:t>
+            </a:r>
+            <a:r>
+              <a:rPr lang="en-US" altLang="ko-KR" smtClean="0"/>
+              <a:t>Admin Video Update</a:t>
+            </a:r>
+            <a:endParaRPr lang="ko-KR" altLang="en-US"/>
+          </a:p>
+        </p:txBody>
+      </p:sp>
+      <p:pic>
+        <p:nvPicPr>
+          <p:cNvPr id="11266" name="Picture 2" descr="C:\Users\DongKyun\Documents\GitHub\KHFinalProject\보고서\클래스\시퀀스_미향\관리자 동영상 update.png"/>
+          <p:cNvPicPr>
+            <a:picLocks noChangeAspect="1" noChangeArrowheads="1"/>
+          </p:cNvPicPr>
+          <p:nvPr/>
+        </p:nvPicPr>
+        <p:blipFill>
+          <a:blip r:embed="rId2">
+            <a:extLst>
+              <a:ext uri="{28A0092B-C50C-407E-A947-70E740481C1C}">
+                <a14:useLocalDpi xmlns:a14="http://schemas.microsoft.com/office/drawing/2010/main" val="0"/>
+              </a:ext>
+            </a:extLst>
+          </a:blip>
+          <a:srcRect/>
+          <a:stretch>
+            <a:fillRect/>
+          </a:stretch>
+        </p:blipFill>
+        <p:spPr bwMode="auto">
+          <a:xfrm>
+            <a:off x="566738" y="1371600"/>
+            <a:ext cx="10977562" cy="4761410"/>
+          </a:xfrm>
+          <a:prstGeom prst="rect">
+            <a:avLst/>
+          </a:prstGeom>
+          <a:noFill/>
+          <a:extLst>
+            <a:ext uri="{909E8E84-426E-40DD-AFC4-6F175D3DCCD1}">
+              <a14:hiddenFill xmlns:a14="http://schemas.microsoft.com/office/drawing/2010/main">
+                <a:solidFill>
+                  <a:srgbClr val="FFFFFF"/>
+                </a:solidFill>
+              </a14:hiddenFill>
+            </a:ext>
+          </a:extLst>
+        </p:spPr>
+      </p:pic>
+    </p:spTree>
+    <p:extLst>
+      <p:ext uri="{BB962C8B-B14F-4D97-AF65-F5344CB8AC3E}">
+        <p14:creationId xmlns:p14="http://schemas.microsoft.com/office/powerpoint/2010/main" val="1431285520"/>
+      </p:ext>
+    </p:extLst>
+  </p:cSld>
+  <p:clrMapOvr>
+    <a:masterClrMapping/>
+  </p:clrMapOvr>
+  <p:transition/>
+  <p:timing>
+    <p:tnLst>
+      <p:par>
+        <p:cTn id="1" dur="indefinite" restart="never" nodeType="tmRoot"/>
+      </p:par>
+    </p:tnLst>
+  </p:timing>
+</p:sld>
+</file>
+
 <file path=ppt/slides/slide4.xml><?xml version="1.0" encoding="utf-8"?>
 <p:sld xmlns:a="http://schemas.openxmlformats.org/drawingml/2006/main" xmlns:r="http://schemas.openxmlformats.org/officeDocument/2006/relationships" xmlns:p="http://schemas.openxmlformats.org/presentationml/2006/main">
   <p:cSld>
@@ -5156,20 +8439,94 @@
           </a:p>
         </p:txBody>
       </p:sp>
-      <p:sp>
-        <p:nvSpPr>
-          <p:cNvPr id="12" name="텍스트 개체 틀 4"/>
-          <p:cNvSpPr>
-            <a:spLocks noGrp="1"/>
-          </p:cNvSpPr>
-          <p:nvPr>
-            <p:ph type="body" sz="half" idx="2"/>
-          </p:nvPr>
-        </p:nvSpPr>
-        <p:spPr>
-          <a:xfrm>
-            <a:off x="3424555" y="0"/>
-            <a:ext cx="3931920" cy="650875"/>
+      <p:pic>
+        <p:nvPicPr>
+          <p:cNvPr id="2050" name="Picture 2" descr="C:\Users\DongKyun\Documents\GitHub\KHFinalProject\보고서\클래스\패키지 다이어그램.jpg"/>
+          <p:cNvPicPr>
+            <a:picLocks noChangeAspect="1" noChangeArrowheads="1"/>
+          </p:cNvPicPr>
+          <p:nvPr/>
+        </p:nvPicPr>
+        <p:blipFill>
+          <a:blip r:embed="rId2">
+            <a:extLst>
+              <a:ext uri="{28A0092B-C50C-407E-A947-70E740481C1C}">
+                <a14:useLocalDpi xmlns:a14="http://schemas.microsoft.com/office/drawing/2010/main" val="0"/>
+              </a:ext>
+            </a:extLst>
+          </a:blip>
+          <a:srcRect/>
+          <a:stretch>
+            <a:fillRect/>
+          </a:stretch>
+        </p:blipFill>
+        <p:spPr bwMode="auto">
+          <a:xfrm>
+            <a:off x="402590" y="1009650"/>
+            <a:ext cx="11313160" cy="5600700"/>
+          </a:xfrm>
+          <a:prstGeom prst="rect">
+            <a:avLst/>
+          </a:prstGeom>
+          <a:noFill/>
+          <a:extLst>
+            <a:ext uri="{909E8E84-426E-40DD-AFC4-6F175D3DCCD1}">
+              <a14:hiddenFill xmlns:a14="http://schemas.microsoft.com/office/drawing/2010/main">
+                <a:solidFill>
+                  <a:srgbClr val="FFFFFF"/>
+                </a:solidFill>
+              </a14:hiddenFill>
+            </a:ext>
+          </a:extLst>
+        </p:spPr>
+      </p:pic>
+    </p:spTree>
+  </p:cSld>
+  <p:clrMapOvr>
+    <a:masterClrMapping/>
+  </p:clrMapOvr>
+  <p:transition/>
+  <p:timing>
+    <p:tnLst>
+      <p:par>
+        <p:cTn id="1" dur="indefinite" restart="never" nodeType="tmRoot"/>
+      </p:par>
+    </p:tnLst>
+  </p:timing>
+</p:sld>
+</file>
+
+<file path=ppt/slides/slide40.xml><?xml version="1.0" encoding="utf-8"?>
+<p:sld xmlns:a="http://schemas.openxmlformats.org/drawingml/2006/main" xmlns:r="http://schemas.openxmlformats.org/officeDocument/2006/relationships" xmlns:p="http://schemas.openxmlformats.org/presentationml/2006/main">
+  <p:cSld>
+    <p:spTree>
+      <p:nvGrpSpPr>
+        <p:cNvPr id="1" name=""/>
+        <p:cNvGrpSpPr/>
+        <p:nvPr/>
+      </p:nvGrpSpPr>
+      <p:grpSpPr>
+        <a:xfrm>
+          <a:off x="0" y="0"/>
+          <a:ext cx="0" cy="0"/>
+          <a:chOff x="0" y="0"/>
+          <a:chExt cx="0" cy="0"/>
+        </a:xfrm>
+      </p:grpSpPr>
+      <p:sp>
+        <p:nvSpPr>
+          <p:cNvPr id="4" name="제목 3"/>
+          <p:cNvSpPr>
+            <a:spLocks noGrp="1"/>
+          </p:cNvSpPr>
+          <p:nvPr>
+            <p:ph type="title"/>
+          </p:nvPr>
+        </p:nvSpPr>
+        <p:spPr>
+          <a:xfrm>
+            <a:off x="250190" y="0"/>
+            <a:ext cx="3373755" cy="650875"/>
           </a:xfrm>
         </p:spPr>
         <p:txBody>
@@ -5182,14 +8539,681 @@
               <a:defRPr/>
             </a:pPr>
             <a:r>
+              <a:rPr lang="ko-KR" altLang="en-US" sz="2800" smtClean="0"/>
+              <a:t>시퀀스 다이어그램</a:t>
+            </a:r>
+            <a:endParaRPr lang="ko-KR" altLang="en-US" sz="2800"/>
+          </a:p>
+        </p:txBody>
+      </p:sp>
+      <p:sp>
+        <p:nvSpPr>
+          <p:cNvPr id="6" name="텍스트 개체 틀 4"/>
+          <p:cNvSpPr>
+            <a:spLocks noGrp="1"/>
+          </p:cNvSpPr>
+          <p:nvPr>
+            <p:ph type="body" sz="half" idx="2"/>
+          </p:nvPr>
+        </p:nvSpPr>
+        <p:spPr>
+          <a:xfrm>
+            <a:off x="3424555" y="0"/>
+            <a:ext cx="3931920" cy="650875"/>
+          </a:xfrm>
+        </p:spPr>
+        <p:txBody>
+          <a:bodyPr anchor="ctr">
+            <a:normAutofit/>
+          </a:bodyPr>
+          <a:lstStyle/>
+          <a:p>
+            <a:pPr lvl="0">
+              <a:defRPr/>
+            </a:pPr>
+            <a:r>
               <a:rPr lang="en-US" altLang="ko-KR" smtClean="0"/>
-              <a:t>User</a:t>
+              <a:t>Admin - </a:t>
+            </a:r>
+            <a:r>
+              <a:rPr lang="en-US" altLang="ko-KR" smtClean="0"/>
+              <a:t>UserListView</a:t>
             </a:r>
             <a:endParaRPr lang="ko-KR" altLang="en-US"/>
           </a:p>
         </p:txBody>
       </p:sp>
+      <p:pic>
+        <p:nvPicPr>
+          <p:cNvPr id="1026" name="Picture 2" descr="C:\Users\DongKyun\Documents\GitHub\KHFinalProject\보고서\클래스\시퀀스_이규연\UserListView.png"/>
+          <p:cNvPicPr>
+            <a:picLocks noChangeAspect="1" noChangeArrowheads="1"/>
+          </p:cNvPicPr>
+          <p:nvPr/>
+        </p:nvPicPr>
+        <p:blipFill>
+          <a:blip r:embed="rId2">
+            <a:extLst>
+              <a:ext uri="{28A0092B-C50C-407E-A947-70E740481C1C}">
+                <a14:useLocalDpi xmlns:a14="http://schemas.microsoft.com/office/drawing/2010/main" val="0"/>
+              </a:ext>
+            </a:extLst>
+          </a:blip>
+          <a:srcRect/>
+          <a:stretch>
+            <a:fillRect/>
+          </a:stretch>
+        </p:blipFill>
+        <p:spPr bwMode="auto">
+          <a:xfrm>
+            <a:off x="733423" y="1343024"/>
+            <a:ext cx="10801351" cy="4988335"/>
+          </a:xfrm>
+          <a:prstGeom prst="rect">
+            <a:avLst/>
+          </a:prstGeom>
+          <a:noFill/>
+          <a:extLst>
+            <a:ext uri="{909E8E84-426E-40DD-AFC4-6F175D3DCCD1}">
+              <a14:hiddenFill xmlns:a14="http://schemas.microsoft.com/office/drawing/2010/main">
+                <a:solidFill>
+                  <a:srgbClr val="FFFFFF"/>
+                </a:solidFill>
+              </a14:hiddenFill>
+            </a:ext>
+          </a:extLst>
+        </p:spPr>
+      </p:pic>
     </p:spTree>
+    <p:extLst>
+      <p:ext uri="{BB962C8B-B14F-4D97-AF65-F5344CB8AC3E}">
+        <p14:creationId xmlns:p14="http://schemas.microsoft.com/office/powerpoint/2010/main" val="1019059289"/>
+      </p:ext>
+    </p:extLst>
+  </p:cSld>
+  <p:clrMapOvr>
+    <a:masterClrMapping/>
+  </p:clrMapOvr>
+  <p:transition/>
+  <p:timing>
+    <p:tnLst>
+      <p:par>
+        <p:cTn id="1" dur="indefinite" restart="never" nodeType="tmRoot"/>
+      </p:par>
+    </p:tnLst>
+  </p:timing>
+</p:sld>
+</file>
+
+<file path=ppt/slides/slide41.xml><?xml version="1.0" encoding="utf-8"?>
+<p:sld xmlns:a="http://schemas.openxmlformats.org/drawingml/2006/main" xmlns:r="http://schemas.openxmlformats.org/officeDocument/2006/relationships" xmlns:p="http://schemas.openxmlformats.org/presentationml/2006/main">
+  <p:cSld>
+    <p:spTree>
+      <p:nvGrpSpPr>
+        <p:cNvPr id="1" name=""/>
+        <p:cNvGrpSpPr/>
+        <p:nvPr/>
+      </p:nvGrpSpPr>
+      <p:grpSpPr>
+        <a:xfrm>
+          <a:off x="0" y="0"/>
+          <a:ext cx="0" cy="0"/>
+          <a:chOff x="0" y="0"/>
+          <a:chExt cx="0" cy="0"/>
+        </a:xfrm>
+      </p:grpSpPr>
+      <p:sp>
+        <p:nvSpPr>
+          <p:cNvPr id="4" name="제목 3"/>
+          <p:cNvSpPr>
+            <a:spLocks noGrp="1"/>
+          </p:cNvSpPr>
+          <p:nvPr>
+            <p:ph type="title"/>
+          </p:nvPr>
+        </p:nvSpPr>
+        <p:spPr>
+          <a:xfrm>
+            <a:off x="250190" y="0"/>
+            <a:ext cx="3373755" cy="650875"/>
+          </a:xfrm>
+        </p:spPr>
+        <p:txBody>
+          <a:bodyPr anchor="ctr">
+            <a:normAutofit/>
+          </a:bodyPr>
+          <a:lstStyle/>
+          <a:p>
+            <a:pPr lvl="0">
+              <a:defRPr/>
+            </a:pPr>
+            <a:r>
+              <a:rPr lang="ko-KR" altLang="en-US" sz="2800" smtClean="0"/>
+              <a:t>시퀀스 다이어그램</a:t>
+            </a:r>
+            <a:endParaRPr lang="ko-KR" altLang="en-US" sz="2800"/>
+          </a:p>
+        </p:txBody>
+      </p:sp>
+      <p:sp>
+        <p:nvSpPr>
+          <p:cNvPr id="6" name="텍스트 개체 틀 4"/>
+          <p:cNvSpPr>
+            <a:spLocks noGrp="1"/>
+          </p:cNvSpPr>
+          <p:nvPr>
+            <p:ph type="body" sz="half" idx="2"/>
+          </p:nvPr>
+        </p:nvSpPr>
+        <p:spPr>
+          <a:xfrm>
+            <a:off x="3424555" y="0"/>
+            <a:ext cx="3931920" cy="650875"/>
+          </a:xfrm>
+        </p:spPr>
+        <p:txBody>
+          <a:bodyPr anchor="ctr">
+            <a:normAutofit/>
+          </a:bodyPr>
+          <a:lstStyle/>
+          <a:p>
+            <a:pPr lvl="0">
+              <a:defRPr/>
+            </a:pPr>
+            <a:r>
+              <a:rPr lang="en-US" altLang="ko-KR" smtClean="0"/>
+              <a:t>Admin - BuisnessListView</a:t>
+            </a:r>
+            <a:endParaRPr lang="ko-KR" altLang="en-US"/>
+          </a:p>
+        </p:txBody>
+      </p:sp>
+      <p:pic>
+        <p:nvPicPr>
+          <p:cNvPr id="2050" name="Picture 2" descr="C:\Users\DongKyun\Documents\GitHub\KHFinalProject\보고서\클래스\시퀀스_이규연\BuisnessListView.png"/>
+          <p:cNvPicPr>
+            <a:picLocks noChangeAspect="1" noChangeArrowheads="1"/>
+          </p:cNvPicPr>
+          <p:nvPr/>
+        </p:nvPicPr>
+        <p:blipFill>
+          <a:blip r:embed="rId2">
+            <a:extLst>
+              <a:ext uri="{28A0092B-C50C-407E-A947-70E740481C1C}">
+                <a14:useLocalDpi xmlns:a14="http://schemas.microsoft.com/office/drawing/2010/main" val="0"/>
+              </a:ext>
+            </a:extLst>
+          </a:blip>
+          <a:srcRect/>
+          <a:stretch>
+            <a:fillRect/>
+          </a:stretch>
+        </p:blipFill>
+        <p:spPr bwMode="auto">
+          <a:xfrm>
+            <a:off x="828675" y="1476372"/>
+            <a:ext cx="10222872" cy="4562475"/>
+          </a:xfrm>
+          <a:prstGeom prst="rect">
+            <a:avLst/>
+          </a:prstGeom>
+          <a:noFill/>
+          <a:extLst>
+            <a:ext uri="{909E8E84-426E-40DD-AFC4-6F175D3DCCD1}">
+              <a14:hiddenFill xmlns:a14="http://schemas.microsoft.com/office/drawing/2010/main">
+                <a:solidFill>
+                  <a:srgbClr val="FFFFFF"/>
+                </a:solidFill>
+              </a14:hiddenFill>
+            </a:ext>
+          </a:extLst>
+        </p:spPr>
+      </p:pic>
+    </p:spTree>
+    <p:extLst>
+      <p:ext uri="{BB962C8B-B14F-4D97-AF65-F5344CB8AC3E}">
+        <p14:creationId xmlns:p14="http://schemas.microsoft.com/office/powerpoint/2010/main" val="1299748965"/>
+      </p:ext>
+    </p:extLst>
+  </p:cSld>
+  <p:clrMapOvr>
+    <a:masterClrMapping/>
+  </p:clrMapOvr>
+  <p:transition/>
+  <p:timing>
+    <p:tnLst>
+      <p:par>
+        <p:cTn id="1" dur="indefinite" restart="never" nodeType="tmRoot"/>
+      </p:par>
+    </p:tnLst>
+  </p:timing>
+</p:sld>
+</file>
+
+<file path=ppt/slides/slide42.xml><?xml version="1.0" encoding="utf-8"?>
+<p:sld xmlns:a="http://schemas.openxmlformats.org/drawingml/2006/main" xmlns:r="http://schemas.openxmlformats.org/officeDocument/2006/relationships" xmlns:p="http://schemas.openxmlformats.org/presentationml/2006/main">
+  <p:cSld>
+    <p:spTree>
+      <p:nvGrpSpPr>
+        <p:cNvPr id="1" name=""/>
+        <p:cNvGrpSpPr/>
+        <p:nvPr/>
+      </p:nvGrpSpPr>
+      <p:grpSpPr>
+        <a:xfrm>
+          <a:off x="0" y="0"/>
+          <a:ext cx="0" cy="0"/>
+          <a:chOff x="0" y="0"/>
+          <a:chExt cx="0" cy="0"/>
+        </a:xfrm>
+      </p:grpSpPr>
+      <p:sp>
+        <p:nvSpPr>
+          <p:cNvPr id="4" name="제목 3"/>
+          <p:cNvSpPr>
+            <a:spLocks noGrp="1"/>
+          </p:cNvSpPr>
+          <p:nvPr>
+            <p:ph type="title"/>
+          </p:nvPr>
+        </p:nvSpPr>
+        <p:spPr>
+          <a:xfrm>
+            <a:off x="250190" y="0"/>
+            <a:ext cx="3373755" cy="650875"/>
+          </a:xfrm>
+        </p:spPr>
+        <p:txBody>
+          <a:bodyPr anchor="ctr">
+            <a:normAutofit/>
+          </a:bodyPr>
+          <a:lstStyle/>
+          <a:p>
+            <a:pPr lvl="0">
+              <a:defRPr/>
+            </a:pPr>
+            <a:r>
+              <a:rPr lang="ko-KR" altLang="en-US" sz="2800" smtClean="0"/>
+              <a:t>시퀀스 다이어그램</a:t>
+            </a:r>
+            <a:endParaRPr lang="ko-KR" altLang="en-US" sz="2800"/>
+          </a:p>
+        </p:txBody>
+      </p:sp>
+      <p:sp>
+        <p:nvSpPr>
+          <p:cNvPr id="6" name="텍스트 개체 틀 4"/>
+          <p:cNvSpPr>
+            <a:spLocks noGrp="1"/>
+          </p:cNvSpPr>
+          <p:nvPr>
+            <p:ph type="body" sz="half" idx="2"/>
+          </p:nvPr>
+        </p:nvSpPr>
+        <p:spPr>
+          <a:xfrm>
+            <a:off x="3424555" y="0"/>
+            <a:ext cx="3931920" cy="650875"/>
+          </a:xfrm>
+        </p:spPr>
+        <p:txBody>
+          <a:bodyPr anchor="ctr">
+            <a:normAutofit/>
+          </a:bodyPr>
+          <a:lstStyle/>
+          <a:p>
+            <a:pPr lvl="0">
+              <a:defRPr/>
+            </a:pPr>
+            <a:r>
+              <a:rPr lang="en-US" altLang="ko-KR" smtClean="0"/>
+              <a:t>Admin - </a:t>
+            </a:r>
+            <a:r>
+              <a:rPr lang="en-US" altLang="ko-KR" smtClean="0"/>
+              <a:t>HealthVideoList</a:t>
+            </a:r>
+            <a:endParaRPr lang="ko-KR" altLang="en-US"/>
+          </a:p>
+        </p:txBody>
+      </p:sp>
+      <p:pic>
+        <p:nvPicPr>
+          <p:cNvPr id="3074" name="Picture 2" descr="C:\Users\DongKyun\Documents\GitHub\KHFinalProject\보고서\클래스\시퀀스_이규연\HealthVideoList.png"/>
+          <p:cNvPicPr>
+            <a:picLocks noChangeAspect="1" noChangeArrowheads="1"/>
+          </p:cNvPicPr>
+          <p:nvPr/>
+        </p:nvPicPr>
+        <p:blipFill>
+          <a:blip r:embed="rId2">
+            <a:extLst>
+              <a:ext uri="{28A0092B-C50C-407E-A947-70E740481C1C}">
+                <a14:useLocalDpi xmlns:a14="http://schemas.microsoft.com/office/drawing/2010/main" val="0"/>
+              </a:ext>
+            </a:extLst>
+          </a:blip>
+          <a:srcRect/>
+          <a:stretch>
+            <a:fillRect/>
+          </a:stretch>
+        </p:blipFill>
+        <p:spPr bwMode="auto">
+          <a:xfrm>
+            <a:off x="1252537" y="1504949"/>
+            <a:ext cx="9444037" cy="4593069"/>
+          </a:xfrm>
+          <a:prstGeom prst="rect">
+            <a:avLst/>
+          </a:prstGeom>
+          <a:noFill/>
+          <a:extLst>
+            <a:ext uri="{909E8E84-426E-40DD-AFC4-6F175D3DCCD1}">
+              <a14:hiddenFill xmlns:a14="http://schemas.microsoft.com/office/drawing/2010/main">
+                <a:solidFill>
+                  <a:srgbClr val="FFFFFF"/>
+                </a:solidFill>
+              </a14:hiddenFill>
+            </a:ext>
+          </a:extLst>
+        </p:spPr>
+      </p:pic>
+    </p:spTree>
+    <p:extLst>
+      <p:ext uri="{BB962C8B-B14F-4D97-AF65-F5344CB8AC3E}">
+        <p14:creationId xmlns:p14="http://schemas.microsoft.com/office/powerpoint/2010/main" val="3945823549"/>
+      </p:ext>
+    </p:extLst>
+  </p:cSld>
+  <p:clrMapOvr>
+    <a:masterClrMapping/>
+  </p:clrMapOvr>
+  <p:transition/>
+  <p:timing>
+    <p:tnLst>
+      <p:par>
+        <p:cTn id="1" dur="indefinite" restart="never" nodeType="tmRoot"/>
+      </p:par>
+    </p:tnLst>
+  </p:timing>
+</p:sld>
+</file>
+
+<file path=ppt/slides/slide43.xml><?xml version="1.0" encoding="utf-8"?>
+<p:sld xmlns:a="http://schemas.openxmlformats.org/drawingml/2006/main" xmlns:r="http://schemas.openxmlformats.org/officeDocument/2006/relationships" xmlns:p="http://schemas.openxmlformats.org/presentationml/2006/main">
+  <p:cSld>
+    <p:spTree>
+      <p:nvGrpSpPr>
+        <p:cNvPr id="1" name=""/>
+        <p:cNvGrpSpPr/>
+        <p:nvPr/>
+      </p:nvGrpSpPr>
+      <p:grpSpPr>
+        <a:xfrm>
+          <a:off x="0" y="0"/>
+          <a:ext cx="0" cy="0"/>
+          <a:chOff x="0" y="0"/>
+          <a:chExt cx="0" cy="0"/>
+        </a:xfrm>
+      </p:grpSpPr>
+      <p:sp>
+        <p:nvSpPr>
+          <p:cNvPr id="4" name="제목 3"/>
+          <p:cNvSpPr>
+            <a:spLocks noGrp="1"/>
+          </p:cNvSpPr>
+          <p:nvPr>
+            <p:ph type="title"/>
+          </p:nvPr>
+        </p:nvSpPr>
+        <p:spPr>
+          <a:xfrm>
+            <a:off x="250190" y="0"/>
+            <a:ext cx="3373755" cy="650875"/>
+          </a:xfrm>
+        </p:spPr>
+        <p:txBody>
+          <a:bodyPr anchor="ctr">
+            <a:normAutofit/>
+          </a:bodyPr>
+          <a:lstStyle/>
+          <a:p>
+            <a:pPr lvl="0">
+              <a:defRPr/>
+            </a:pPr>
+            <a:r>
+              <a:rPr lang="ko-KR" altLang="en-US" sz="2800" smtClean="0"/>
+              <a:t>시퀀스 다이어그램</a:t>
+            </a:r>
+            <a:endParaRPr lang="ko-KR" altLang="en-US" sz="2800"/>
+          </a:p>
+        </p:txBody>
+      </p:sp>
+      <p:sp>
+        <p:nvSpPr>
+          <p:cNvPr id="6" name="텍스트 개체 틀 4"/>
+          <p:cNvSpPr>
+            <a:spLocks noGrp="1"/>
+          </p:cNvSpPr>
+          <p:nvPr>
+            <p:ph type="body" sz="half" idx="2"/>
+          </p:nvPr>
+        </p:nvSpPr>
+        <p:spPr>
+          <a:xfrm>
+            <a:off x="3424555" y="0"/>
+            <a:ext cx="3931920" cy="650875"/>
+          </a:xfrm>
+        </p:spPr>
+        <p:txBody>
+          <a:bodyPr anchor="ctr">
+            <a:normAutofit/>
+          </a:bodyPr>
+          <a:lstStyle/>
+          <a:p>
+            <a:pPr lvl="0">
+              <a:defRPr/>
+            </a:pPr>
+            <a:r>
+              <a:rPr lang="en-US" altLang="ko-KR" smtClean="0"/>
+              <a:t>Admin - YogaVideoList</a:t>
+            </a:r>
+            <a:endParaRPr lang="ko-KR" altLang="en-US"/>
+          </a:p>
+        </p:txBody>
+      </p:sp>
+      <p:pic>
+        <p:nvPicPr>
+          <p:cNvPr id="4098" name="Picture 2" descr="C:\Users\DongKyun\Documents\GitHub\KHFinalProject\보고서\클래스\시퀀스_이규연\YogaVideoList.png"/>
+          <p:cNvPicPr>
+            <a:picLocks noChangeAspect="1" noChangeArrowheads="1"/>
+          </p:cNvPicPr>
+          <p:nvPr/>
+        </p:nvPicPr>
+        <p:blipFill>
+          <a:blip r:embed="rId2">
+            <a:extLst>
+              <a:ext uri="{28A0092B-C50C-407E-A947-70E740481C1C}">
+                <a14:useLocalDpi xmlns:a14="http://schemas.microsoft.com/office/drawing/2010/main" val="0"/>
+              </a:ext>
+            </a:extLst>
+          </a:blip>
+          <a:srcRect/>
+          <a:stretch>
+            <a:fillRect/>
+          </a:stretch>
+        </p:blipFill>
+        <p:spPr bwMode="auto">
+          <a:xfrm>
+            <a:off x="700087" y="1295399"/>
+            <a:ext cx="10644187" cy="4938395"/>
+          </a:xfrm>
+          <a:prstGeom prst="rect">
+            <a:avLst/>
+          </a:prstGeom>
+          <a:noFill/>
+          <a:extLst>
+            <a:ext uri="{909E8E84-426E-40DD-AFC4-6F175D3DCCD1}">
+              <a14:hiddenFill xmlns:a14="http://schemas.microsoft.com/office/drawing/2010/main">
+                <a:solidFill>
+                  <a:srgbClr val="FFFFFF"/>
+                </a:solidFill>
+              </a14:hiddenFill>
+            </a:ext>
+          </a:extLst>
+        </p:spPr>
+      </p:pic>
+    </p:spTree>
+    <p:extLst>
+      <p:ext uri="{BB962C8B-B14F-4D97-AF65-F5344CB8AC3E}">
+        <p14:creationId xmlns:p14="http://schemas.microsoft.com/office/powerpoint/2010/main" val="174411336"/>
+      </p:ext>
+    </p:extLst>
+  </p:cSld>
+  <p:clrMapOvr>
+    <a:masterClrMapping/>
+  </p:clrMapOvr>
+  <p:transition/>
+  <p:timing>
+    <p:tnLst>
+      <p:par>
+        <p:cTn id="1" dur="indefinite" restart="never" nodeType="tmRoot"/>
+      </p:par>
+    </p:tnLst>
+  </p:timing>
+</p:sld>
+</file>
+
+<file path=ppt/slides/slide44.xml><?xml version="1.0" encoding="utf-8"?>
+<p:sld xmlns:a="http://schemas.openxmlformats.org/drawingml/2006/main" xmlns:r="http://schemas.openxmlformats.org/officeDocument/2006/relationships" xmlns:p="http://schemas.openxmlformats.org/presentationml/2006/main">
+  <p:cSld>
+    <p:spTree>
+      <p:nvGrpSpPr>
+        <p:cNvPr id="1" name=""/>
+        <p:cNvGrpSpPr/>
+        <p:nvPr/>
+      </p:nvGrpSpPr>
+      <p:grpSpPr>
+        <a:xfrm>
+          <a:off x="0" y="0"/>
+          <a:ext cx="0" cy="0"/>
+          <a:chOff x="0" y="0"/>
+          <a:chExt cx="0" cy="0"/>
+        </a:xfrm>
+      </p:grpSpPr>
+      <p:sp>
+        <p:nvSpPr>
+          <p:cNvPr id="4" name="제목 3"/>
+          <p:cNvSpPr>
+            <a:spLocks noGrp="1"/>
+          </p:cNvSpPr>
+          <p:nvPr>
+            <p:ph type="title"/>
+          </p:nvPr>
+        </p:nvSpPr>
+        <p:spPr>
+          <a:xfrm>
+            <a:off x="250190" y="0"/>
+            <a:ext cx="3373755" cy="650875"/>
+          </a:xfrm>
+        </p:spPr>
+        <p:txBody>
+          <a:bodyPr anchor="ctr">
+            <a:normAutofit/>
+          </a:bodyPr>
+          <a:lstStyle/>
+          <a:p>
+            <a:pPr lvl="0">
+              <a:defRPr/>
+            </a:pPr>
+            <a:r>
+              <a:rPr lang="ko-KR" altLang="en-US" sz="2800" smtClean="0"/>
+              <a:t>시퀀스 다이어그램</a:t>
+            </a:r>
+            <a:endParaRPr lang="ko-KR" altLang="en-US" sz="2800"/>
+          </a:p>
+        </p:txBody>
+      </p:sp>
+      <p:sp>
+        <p:nvSpPr>
+          <p:cNvPr id="6" name="텍스트 개체 틀 4"/>
+          <p:cNvSpPr>
+            <a:spLocks noGrp="1"/>
+          </p:cNvSpPr>
+          <p:nvPr>
+            <p:ph type="body" sz="half" idx="2"/>
+          </p:nvPr>
+        </p:nvSpPr>
+        <p:spPr>
+          <a:xfrm>
+            <a:off x="3424555" y="0"/>
+            <a:ext cx="3931920" cy="650875"/>
+          </a:xfrm>
+        </p:spPr>
+        <p:txBody>
+          <a:bodyPr anchor="ctr">
+            <a:normAutofit/>
+          </a:bodyPr>
+          <a:lstStyle/>
+          <a:p>
+            <a:pPr lvl="0">
+              <a:defRPr/>
+            </a:pPr>
+            <a:r>
+              <a:rPr lang="en-US" altLang="ko-KR" smtClean="0"/>
+              <a:t>Admin - ApprovalStateListView</a:t>
+            </a:r>
+            <a:endParaRPr lang="ko-KR" altLang="en-US"/>
+          </a:p>
+        </p:txBody>
+      </p:sp>
+      <p:pic>
+        <p:nvPicPr>
+          <p:cNvPr id="5122" name="Picture 2" descr="C:\Users\DongKyun\Documents\GitHub\KHFinalProject\보고서\클래스\시퀀스_이규연\ApprovalStateListView.png"/>
+          <p:cNvPicPr>
+            <a:picLocks noChangeAspect="1" noChangeArrowheads="1"/>
+          </p:cNvPicPr>
+          <p:nvPr/>
+        </p:nvPicPr>
+        <p:blipFill>
+          <a:blip r:embed="rId2">
+            <a:extLst>
+              <a:ext uri="{28A0092B-C50C-407E-A947-70E740481C1C}">
+                <a14:useLocalDpi xmlns:a14="http://schemas.microsoft.com/office/drawing/2010/main" val="0"/>
+              </a:ext>
+            </a:extLst>
+          </a:blip>
+          <a:srcRect/>
+          <a:stretch>
+            <a:fillRect/>
+          </a:stretch>
+        </p:blipFill>
+        <p:spPr bwMode="auto">
+          <a:xfrm>
+            <a:off x="857250" y="1552574"/>
+            <a:ext cx="10477500" cy="4535399"/>
+          </a:xfrm>
+          <a:prstGeom prst="rect">
+            <a:avLst/>
+          </a:prstGeom>
+          <a:noFill/>
+          <a:extLst>
+            <a:ext uri="{909E8E84-426E-40DD-AFC4-6F175D3DCCD1}">
+              <a14:hiddenFill xmlns:a14="http://schemas.microsoft.com/office/drawing/2010/main">
+                <a:solidFill>
+                  <a:srgbClr val="FFFFFF"/>
+                </a:solidFill>
+              </a14:hiddenFill>
+            </a:ext>
+          </a:extLst>
+        </p:spPr>
+      </p:pic>
+    </p:spTree>
+    <p:extLst>
+      <p:ext uri="{BB962C8B-B14F-4D97-AF65-F5344CB8AC3E}">
+        <p14:creationId xmlns:p14="http://schemas.microsoft.com/office/powerpoint/2010/main" val="2223051877"/>
+      </p:ext>
+    </p:extLst>
   </p:cSld>
   <p:clrMapOvr>
     <a:masterClrMapping/>
@@ -5208,6 +9232,14 @@
 <file path=ppt/slides/slide5.xml><?xml version="1.0" encoding="utf-8"?>
 <p:sld xmlns:a="http://schemas.openxmlformats.org/drawingml/2006/main" xmlns:r="http://schemas.openxmlformats.org/officeDocument/2006/relationships" xmlns:p="http://schemas.openxmlformats.org/presentationml/2006/main">
   <p:cSld>
+    <p:bg>
+      <p:bgPr>
+        <a:solidFill>
+          <a:srgbClr val="212121"/>
+        </a:solidFill>
+        <a:effectLst/>
+      </p:bgPr>
+    </p:bg>
     <p:spTree>
       <p:nvGrpSpPr>
         <p:cNvPr id="1" name=""/>
@@ -5222,83 +9254,155 @@
           <a:chExt cx="0" cy="0"/>
         </a:xfrm>
       </p:grpSpPr>
-      <p:sp>
-        <p:nvSpPr>
-          <p:cNvPr id="4" name="제목 3"/>
-          <p:cNvSpPr>
-            <a:spLocks noGrp="1"/>
-          </p:cNvSpPr>
-          <p:nvPr>
-            <p:ph type="title"/>
-          </p:nvPr>
-        </p:nvSpPr>
-        <p:spPr>
-          <a:xfrm>
-            <a:off x="250190" y="0"/>
-            <a:ext cx="3373755" cy="650875"/>
-          </a:xfrm>
-        </p:spPr>
-        <p:txBody>
-          <a:bodyPr anchor="ctr">
-            <a:normAutofit/>
-          </a:bodyPr>
-          <a:lstStyle/>
-          <a:p>
-            <a:pPr lvl="0">
-              <a:defRPr/>
-            </a:pPr>
-            <a:r>
-              <a:rPr lang="ko-KR" altLang="en-US" sz="2800" smtClean="0"/>
-              <a:t>패키지 다이어그램</a:t>
-            </a:r>
-            <a:endParaRPr lang="ko-KR" altLang="en-US" sz="2800"/>
-          </a:p>
-        </p:txBody>
-      </p:sp>
-      <p:sp>
-        <p:nvSpPr>
-          <p:cNvPr id="12" name="텍스트 개체 틀 4"/>
-          <p:cNvSpPr>
-            <a:spLocks noGrp="1"/>
-          </p:cNvSpPr>
-          <p:nvPr>
-            <p:ph type="body" sz="half" idx="2"/>
-          </p:nvPr>
-        </p:nvSpPr>
-        <p:spPr>
-          <a:xfrm>
-            <a:off x="3424555" y="0"/>
-            <a:ext cx="3931920" cy="650875"/>
-          </a:xfrm>
-        </p:spPr>
-        <p:txBody>
-          <a:bodyPr anchor="ctr">
-            <a:normAutofit/>
-          </a:bodyPr>
-          <a:lstStyle/>
-          <a:p>
-            <a:pPr lvl="0">
-              <a:defRPr/>
-            </a:pPr>
-            <a:r>
-              <a:rPr lang="en-US" altLang="ko-KR" smtClean="0"/>
-              <a:t>User</a:t>
-            </a:r>
-            <a:endParaRPr lang="ko-KR" altLang="en-US"/>
-          </a:p>
-        </p:txBody>
-      </p:sp>
+      <p:grpSp>
+        <p:nvGrpSpPr>
+          <p:cNvPr id="2" name="그룹 1">
+            <a:extLst>
+              <a:ext uri="{FF2B5EF4-FFF2-40B4-BE49-F238E27FC236}">
+                <a16:creationId xmlns:p14="http://schemas.microsoft.com/office/powerpoint/2010/main" xmlns:a16="http://schemas.microsoft.com/office/drawing/2014/main" xmlns="" id="{C71E5FE6-3E6D-4092-81AA-962DB5284ABF}"/>
+              </a:ext>
+            </a:extLst>
+          </p:cNvPr>
+          <p:cNvGrpSpPr/>
+          <p:nvPr/>
+        </p:nvGrpSpPr>
+        <p:grpSpPr>
+          <a:xfrm>
+            <a:off x="4598353" y="2980372"/>
+            <a:ext cx="3757365" cy="564515"/>
+            <a:chOff x="4598353" y="2980372"/>
+            <a:chExt cx="3757365" cy="564515"/>
+          </a:xfrm>
+        </p:grpSpPr>
+        <p:sp>
+          <p:nvSpPr>
+            <p:cNvPr id="30" name="타원 29"/>
+            <p:cNvSpPr/>
+            <p:nvPr/>
+          </p:nvSpPr>
+          <p:spPr>
+            <a:xfrm>
+              <a:off x="4598353" y="2980372"/>
+              <a:ext cx="564832" cy="564515"/>
+            </a:xfrm>
+            <a:prstGeom prst="ellipse">
+              <a:avLst/>
+            </a:prstGeom>
+            <a:solidFill>
+              <a:schemeClr val="bg1"/>
+            </a:solidFill>
+            <a:ln>
+              <a:noFill/>
+            </a:ln>
+          </p:spPr>
+          <p:style>
+            <a:lnRef idx="2">
+              <a:schemeClr val="accent1">
+                <a:shade val="50000"/>
+              </a:schemeClr>
+            </a:lnRef>
+            <a:fillRef idx="1">
+              <a:schemeClr val="accent1"/>
+            </a:fillRef>
+            <a:effectRef idx="0">
+              <a:schemeClr val="accent1"/>
+            </a:effectRef>
+            <a:fontRef idx="minor">
+              <a:schemeClr val="lt1"/>
+            </a:fontRef>
+          </p:style>
+          <p:txBody>
+            <a:bodyPr rtlCol="0" anchor="ctr"/>
+            <a:lstStyle/>
+            <a:p>
+              <a:pPr algn="ctr"/>
+              <a:r>
+                <a:rPr lang="en-US" altLang="ko-KR" sz="2800" b="1">
+                  <a:solidFill>
+                    <a:schemeClr val="tx1"/>
+                  </a:solidFill>
+                  <a:latin typeface="THE정고딕130" panose="02020603020101020101" pitchFamily="18" charset="-127"/>
+                  <a:ea typeface="THE정고딕130" panose="02020603020101020101" pitchFamily="18" charset="-127"/>
+                </a:rPr>
+                <a:t>2</a:t>
+              </a:r>
+              <a:endParaRPr lang="ko-KR" altLang="en-US" sz="2800" b="1">
+                <a:solidFill>
+                  <a:schemeClr val="tx1"/>
+                </a:solidFill>
+                <a:latin typeface="THE정고딕130" panose="02020603020101020101" pitchFamily="18" charset="-127"/>
+                <a:ea typeface="THE정고딕130" panose="02020603020101020101" pitchFamily="18" charset="-127"/>
+              </a:endParaRPr>
+            </a:p>
+          </p:txBody>
+        </p:sp>
+        <p:sp>
+          <p:nvSpPr>
+            <p:cNvPr id="6" name="TextBox 5">
+              <a:extLst>
+                <a:ext uri="{FF2B5EF4-FFF2-40B4-BE49-F238E27FC236}">
+                  <a16:creationId xmlns:p14="http://schemas.microsoft.com/office/powerpoint/2010/main" xmlns:a16="http://schemas.microsoft.com/office/drawing/2014/main" xmlns="" id="{BCB0E9E3-FAB5-4E31-83EE-08A0FE55BB4A}"/>
+                </a:ext>
+              </a:extLst>
+            </p:cNvPr>
+            <p:cNvSpPr txBox="1"/>
+            <p:nvPr/>
+          </p:nvSpPr>
+          <p:spPr>
+            <a:xfrm>
+              <a:off x="5295265" y="3001010"/>
+              <a:ext cx="3060453" cy="523220"/>
+            </a:xfrm>
+            <a:prstGeom prst="rect">
+              <a:avLst/>
+            </a:prstGeom>
+            <a:noFill/>
+          </p:spPr>
+          <p:txBody>
+            <a:bodyPr wrap="none" rtlCol="0">
+              <a:spAutoFit/>
+            </a:bodyPr>
+            <a:lstStyle/>
+            <a:p>
+              <a:r>
+                <a:rPr lang="ko-KR" altLang="en-US" sz="2800" smtClean="0">
+                  <a:solidFill>
+                    <a:schemeClr val="bg1"/>
+                  </a:solidFill>
+                  <a:latin typeface="+mj-ea"/>
+                  <a:ea typeface="+mj-ea"/>
+                </a:rPr>
+                <a:t>클래스 다이어그램</a:t>
+              </a:r>
+              <a:endParaRPr lang="en-US" altLang="ko-KR" sz="2800">
+                <a:solidFill>
+                  <a:schemeClr val="bg1"/>
+                </a:solidFill>
+                <a:latin typeface="+mj-ea"/>
+                <a:ea typeface="+mj-ea"/>
+              </a:endParaRPr>
+            </a:p>
+          </p:txBody>
+        </p:sp>
+      </p:grpSp>
     </p:spTree>
     <p:extLst>
       <p:ext uri="{BB962C8B-B14F-4D97-AF65-F5344CB8AC3E}">
-        <p14:creationId xmlns:p14="http://schemas.microsoft.com/office/powerpoint/2010/main" val="2337712526"/>
+        <p14:creationId xmlns:p14="http://schemas.microsoft.com/office/powerpoint/2010/main" val="693951829"/>
       </p:ext>
     </p:extLst>
   </p:cSld>
   <p:clrMapOvr>
     <a:masterClrMapping/>
   </p:clrMapOvr>
-  <p:transition/>
+  <mc:AlternateContent xmlns:mc="http://schemas.openxmlformats.org/markup-compatibility/2006" xmlns:p14="http://schemas.microsoft.com/office/powerpoint/2010/main">
+    <mc:Choice Requires="p14">
+      <p:transition spd="slow" p14:dur="2000"/>
+    </mc:Choice>
+    <mc:Fallback xmlns="">
+      <p:transition spd="slow"/>
+    </mc:Fallback>
+  </mc:AlternateContent>
   <p:timing>
     <p:tnLst>
       <p:par>
@@ -5353,7 +9457,7 @@
             </a:pPr>
             <a:r>
               <a:rPr lang="ko-KR" altLang="en-US" sz="2800" smtClean="0"/>
-              <a:t>패키지 다이어그램</a:t>
+              <a:t>클래스 다이어그램</a:t>
             </a:r>
             <a:endParaRPr lang="ko-KR" altLang="en-US" sz="2800"/>
           </a:p>
@@ -5361,7 +9465,7 @@
       </p:sp>
       <p:sp>
         <p:nvSpPr>
-          <p:cNvPr id="12" name="텍스트 개체 틀 4"/>
+          <p:cNvPr id="5" name="텍스트 개체 틀 4"/>
           <p:cNvSpPr>
             <a:spLocks noGrp="1"/>
           </p:cNvSpPr>
@@ -5392,10 +9496,51 @@
           </a:p>
         </p:txBody>
       </p:sp>
+      <p:pic>
+        <p:nvPicPr>
+          <p:cNvPr id="1026" name="Picture 2" descr="C:\Users\DongKyun\Documents\GitHub\KHFinalProject\보고서\클래스\user클래스.jpg"/>
+          <p:cNvPicPr>
+            <a:picLocks noChangeAspect="1" noChangeArrowheads="1"/>
+          </p:cNvPicPr>
+          <p:nvPr/>
+        </p:nvPicPr>
+        <p:blipFill>
+          <a:blip r:embed="rId2">
+            <a:extLst>
+              <a:ext uri="{28A0092B-C50C-407E-A947-70E740481C1C}">
+                <a14:useLocalDpi xmlns:a14="http://schemas.microsoft.com/office/drawing/2010/main" val="0"/>
+              </a:ext>
+            </a:extLst>
+          </a:blip>
+          <a:srcRect/>
+          <a:stretch>
+            <a:fillRect/>
+          </a:stretch>
+        </p:blipFill>
+        <p:spPr bwMode="auto">
+          <a:xfrm>
+            <a:off x="733425" y="787400"/>
+            <a:ext cx="10839450" cy="5969000"/>
+          </a:xfrm>
+          <a:prstGeom prst="rect">
+            <a:avLst/>
+          </a:prstGeom>
+          <a:noFill/>
+          <a:extLst>
+            <a:ext uri="{909E8E84-426E-40DD-AFC4-6F175D3DCCD1}">
+              <a14:hiddenFill xmlns:a14="http://schemas.microsoft.com/office/drawing/2010/main">
+                <a:solidFill>
+                  <a:srgbClr val="FFFFFF"/>
+                </a:solidFill>
+              </a14:hiddenFill>
+            </a:ext>
+          </a:extLst>
+        </p:spPr>
+      </p:pic>
     </p:spTree>
     <p:extLst>
       <p:ext uri="{BB962C8B-B14F-4D97-AF65-F5344CB8AC3E}">
-        <p14:creationId xmlns:p14="http://schemas.microsoft.com/office/powerpoint/2010/main" val="3024726558"/>
+        <p14:creationId xmlns:p14="http://schemas.microsoft.com/office/powerpoint/2010/main" val="1953278713"/>
       </p:ext>
     </p:extLst>
   </p:cSld>
@@ -5457,7 +9602,7 @@
             </a:pPr>
             <a:r>
               <a:rPr lang="ko-KR" altLang="en-US" sz="2800" smtClean="0"/>
-              <a:t>패키지 다이어그램</a:t>
+              <a:t>클래스 다이어그램</a:t>
             </a:r>
             <a:endParaRPr lang="ko-KR" altLang="en-US" sz="2800"/>
           </a:p>
@@ -5465,7 +9610,7 @@
       </p:sp>
       <p:sp>
         <p:nvSpPr>
-          <p:cNvPr id="12" name="텍스트 개체 틀 4"/>
+          <p:cNvPr id="5" name="텍스트 개체 틀 4"/>
           <p:cNvSpPr>
             <a:spLocks noGrp="1"/>
           </p:cNvSpPr>
@@ -5490,16 +9635,57 @@
             </a:pPr>
             <a:r>
               <a:rPr lang="en-US" altLang="ko-KR" smtClean="0"/>
-              <a:t>User</a:t>
+              <a:t>Admin</a:t>
             </a:r>
             <a:endParaRPr lang="ko-KR" altLang="en-US"/>
           </a:p>
         </p:txBody>
       </p:sp>
+      <p:pic>
+        <p:nvPicPr>
+          <p:cNvPr id="2050" name="Picture 2" descr="C:\Users\DongKyun\Documents\GitHub\KHFinalProject\보고서\클래스\admin클래스.jpg"/>
+          <p:cNvPicPr>
+            <a:picLocks noChangeAspect="1" noChangeArrowheads="1"/>
+          </p:cNvPicPr>
+          <p:nvPr/>
+        </p:nvPicPr>
+        <p:blipFill>
+          <a:blip r:embed="rId2">
+            <a:extLst>
+              <a:ext uri="{28A0092B-C50C-407E-A947-70E740481C1C}">
+                <a14:useLocalDpi xmlns:a14="http://schemas.microsoft.com/office/drawing/2010/main" val="0"/>
+              </a:ext>
+            </a:extLst>
+          </a:blip>
+          <a:srcRect/>
+          <a:stretch>
+            <a:fillRect/>
+          </a:stretch>
+        </p:blipFill>
+        <p:spPr bwMode="auto">
+          <a:xfrm>
+            <a:off x="2057400" y="746124"/>
+            <a:ext cx="7620000" cy="5991225"/>
+          </a:xfrm>
+          <a:prstGeom prst="rect">
+            <a:avLst/>
+          </a:prstGeom>
+          <a:noFill/>
+          <a:extLst>
+            <a:ext uri="{909E8E84-426E-40DD-AFC4-6F175D3DCCD1}">
+              <a14:hiddenFill xmlns:a14="http://schemas.microsoft.com/office/drawing/2010/main">
+                <a:solidFill>
+                  <a:srgbClr val="FFFFFF"/>
+                </a:solidFill>
+              </a14:hiddenFill>
+            </a:ext>
+          </a:extLst>
+        </p:spPr>
+      </p:pic>
     </p:spTree>
     <p:extLst>
       <p:ext uri="{BB962C8B-B14F-4D97-AF65-F5344CB8AC3E}">
-        <p14:creationId xmlns:p14="http://schemas.microsoft.com/office/powerpoint/2010/main" val="4041848743"/>
+        <p14:creationId xmlns:p14="http://schemas.microsoft.com/office/powerpoint/2010/main" val="4112727436"/>
       </p:ext>
     </p:extLst>
   </p:cSld>
@@ -5561,7 +9747,7 @@
             </a:pPr>
             <a:r>
               <a:rPr lang="ko-KR" altLang="en-US" sz="2800" smtClean="0"/>
-              <a:t>패키지 다이어그램</a:t>
+              <a:t>클래스 다이어그램</a:t>
             </a:r>
             <a:endParaRPr lang="ko-KR" altLang="en-US" sz="2800"/>
           </a:p>
@@ -5569,7 +9755,7 @@
       </p:sp>
       <p:sp>
         <p:nvSpPr>
-          <p:cNvPr id="12" name="텍스트 개체 틀 4"/>
+          <p:cNvPr id="5" name="텍스트 개체 틀 4"/>
           <p:cNvSpPr>
             <a:spLocks noGrp="1"/>
           </p:cNvSpPr>
@@ -5594,16 +9780,57 @@
             </a:pPr>
             <a:r>
               <a:rPr lang="en-US" altLang="ko-KR" smtClean="0"/>
-              <a:t>User</a:t>
+              <a:t>Gym</a:t>
             </a:r>
             <a:endParaRPr lang="ko-KR" altLang="en-US"/>
           </a:p>
         </p:txBody>
       </p:sp>
+      <p:pic>
+        <p:nvPicPr>
+          <p:cNvPr id="3074" name="Picture 2" descr="C:\Users\DongKyun\Documents\GitHub\KHFinalProject\보고서\클래스\gym클래스.jpg"/>
+          <p:cNvPicPr>
+            <a:picLocks noChangeAspect="1" noChangeArrowheads="1"/>
+          </p:cNvPicPr>
+          <p:nvPr/>
+        </p:nvPicPr>
+        <p:blipFill>
+          <a:blip r:embed="rId2">
+            <a:extLst>
+              <a:ext uri="{28A0092B-C50C-407E-A947-70E740481C1C}">
+                <a14:useLocalDpi xmlns:a14="http://schemas.microsoft.com/office/drawing/2010/main" val="0"/>
+              </a:ext>
+            </a:extLst>
+          </a:blip>
+          <a:srcRect/>
+          <a:stretch>
+            <a:fillRect/>
+          </a:stretch>
+        </p:blipFill>
+        <p:spPr bwMode="auto">
+          <a:xfrm>
+            <a:off x="698500" y="1044575"/>
+            <a:ext cx="10909300" cy="5283200"/>
+          </a:xfrm>
+          <a:prstGeom prst="rect">
+            <a:avLst/>
+          </a:prstGeom>
+          <a:noFill/>
+          <a:extLst>
+            <a:ext uri="{909E8E84-426E-40DD-AFC4-6F175D3DCCD1}">
+              <a14:hiddenFill xmlns:a14="http://schemas.microsoft.com/office/drawing/2010/main">
+                <a:solidFill>
+                  <a:srgbClr val="FFFFFF"/>
+                </a:solidFill>
+              </a14:hiddenFill>
+            </a:ext>
+          </a:extLst>
+        </p:spPr>
+      </p:pic>
     </p:spTree>
     <p:extLst>
       <p:ext uri="{BB962C8B-B14F-4D97-AF65-F5344CB8AC3E}">
-        <p14:creationId xmlns:p14="http://schemas.microsoft.com/office/powerpoint/2010/main" val="4207126397"/>
+        <p14:creationId xmlns:p14="http://schemas.microsoft.com/office/powerpoint/2010/main" val="2869662868"/>
       </p:ext>
     </p:extLst>
   </p:cSld>
@@ -5665,7 +9892,7 @@
             </a:pPr>
             <a:r>
               <a:rPr lang="ko-KR" altLang="en-US" sz="2800" smtClean="0"/>
-              <a:t>패키지 다이어그램</a:t>
+              <a:t>클래스 다이어그램</a:t>
             </a:r>
             <a:endParaRPr lang="ko-KR" altLang="en-US" sz="2800"/>
           </a:p>
@@ -5673,7 +9900,7 @@
       </p:sp>
       <p:sp>
         <p:nvSpPr>
-          <p:cNvPr id="12" name="텍스트 개체 틀 4"/>
+          <p:cNvPr id="5" name="텍스트 개체 틀 4"/>
           <p:cNvSpPr>
             <a:spLocks noGrp="1"/>
           </p:cNvSpPr>
@@ -5698,16 +9925,57 @@
             </a:pPr>
             <a:r>
               <a:rPr lang="en-US" altLang="ko-KR" smtClean="0"/>
-              <a:t>User</a:t>
+              <a:t>Health</a:t>
             </a:r>
             <a:endParaRPr lang="ko-KR" altLang="en-US"/>
           </a:p>
         </p:txBody>
       </p:sp>
+      <p:pic>
+        <p:nvPicPr>
+          <p:cNvPr id="4098" name="Picture 2" descr="C:\Users\DongKyun\Documents\GitHub\KHFinalProject\보고서\클래스\health클래스.jpg"/>
+          <p:cNvPicPr>
+            <a:picLocks noChangeAspect="1" noChangeArrowheads="1"/>
+          </p:cNvPicPr>
+          <p:nvPr/>
+        </p:nvPicPr>
+        <p:blipFill>
+          <a:blip r:embed="rId2">
+            <a:extLst>
+              <a:ext uri="{28A0092B-C50C-407E-A947-70E740481C1C}">
+                <a14:useLocalDpi xmlns:a14="http://schemas.microsoft.com/office/drawing/2010/main" val="0"/>
+              </a:ext>
+            </a:extLst>
+          </a:blip>
+          <a:srcRect/>
+          <a:stretch>
+            <a:fillRect/>
+          </a:stretch>
+        </p:blipFill>
+        <p:spPr bwMode="auto">
+          <a:xfrm>
+            <a:off x="1908175" y="1949450"/>
+            <a:ext cx="8166100" cy="3225800"/>
+          </a:xfrm>
+          <a:prstGeom prst="rect">
+            <a:avLst/>
+          </a:prstGeom>
+          <a:noFill/>
+          <a:extLst>
+            <a:ext uri="{909E8E84-426E-40DD-AFC4-6F175D3DCCD1}">
+              <a14:hiddenFill xmlns:a14="http://schemas.microsoft.com/office/drawing/2010/main">
+                <a:solidFill>
+                  <a:srgbClr val="FFFFFF"/>
+                </a:solidFill>
+              </a14:hiddenFill>
+            </a:ext>
+          </a:extLst>
+        </p:spPr>
+      </p:pic>
     </p:spTree>
     <p:extLst>
       <p:ext uri="{BB962C8B-B14F-4D97-AF65-F5344CB8AC3E}">
-        <p14:creationId xmlns:p14="http://schemas.microsoft.com/office/powerpoint/2010/main" val="1635299214"/>
+        <p14:creationId xmlns:p14="http://schemas.microsoft.com/office/powerpoint/2010/main" val="28708698"/>
       </p:ext>
     </p:extLst>
   </p:cSld>
